--- a/Lab/REP.pptx
+++ b/Lab/REP.pptx
@@ -5,10 +5,10 @@
     <p:sldMasterId id="2147483648" r:id="rId3"/>
   </p:sldMasterIdLst>
   <p:notesMasterIdLst>
-    <p:notesMasterId r:id="rId18"/>
+    <p:notesMasterId r:id="rId20"/>
   </p:notesMasterIdLst>
   <p:handoutMasterIdLst>
-    <p:handoutMasterId r:id="rId19"/>
+    <p:handoutMasterId r:id="rId21"/>
   </p:handoutMasterIdLst>
   <p:sldIdLst>
     <p:sldId id="282" r:id="rId4"/>
@@ -19,12 +19,14 @@
     <p:sldId id="303" r:id="rId9"/>
     <p:sldId id="296" r:id="rId10"/>
     <p:sldId id="304" r:id="rId11"/>
-    <p:sldId id="305" r:id="rId12"/>
-    <p:sldId id="307" r:id="rId13"/>
-    <p:sldId id="306" r:id="rId14"/>
-    <p:sldId id="308" r:id="rId15"/>
-    <p:sldId id="309" r:id="rId16"/>
-    <p:sldId id="310" r:id="rId17"/>
+    <p:sldId id="312" r:id="rId12"/>
+    <p:sldId id="311" r:id="rId13"/>
+    <p:sldId id="305" r:id="rId14"/>
+    <p:sldId id="307" r:id="rId15"/>
+    <p:sldId id="306" r:id="rId16"/>
+    <p:sldId id="308" r:id="rId17"/>
+    <p:sldId id="309" r:id="rId18"/>
+    <p:sldId id="310" r:id="rId19"/>
   </p:sldIdLst>
   <p:sldSz cx="12192000" cy="6858000"/>
   <p:notesSz cx="6858000" cy="9144000"/>
@@ -238,7 +240,7 @@
                 <a:ea typeface="Microsoft JhengHei UI" panose="020B0604030504040204" pitchFamily="34" charset="-120"/>
                 <a:sym typeface="Microsoft JhengHei UI" panose="020B0604030504040204" pitchFamily="34" charset="-120"/>
               </a:rPr>
-              <a:t>2020/12/21</a:t>
+              <a:t>2020/12/22</a:t>
             </a:fld>
             <a:endParaRPr lang="en-US" altLang="zh-TW" dirty="0">
               <a:latin typeface="Microsoft JhengHei UI" panose="020B0604030504040204" pitchFamily="34" charset="-120"/>
@@ -442,7 +444,7 @@
             <a:fld id="{AA006804-164C-4CDA-8F38-2D5258C292C6}" type="datetime1">
               <a:rPr lang="zh-TW" altLang="en-US" smtClean="0"/>
               <a:pPr/>
-              <a:t>2020/12/21</a:t>
+              <a:t>2020/12/22</a:t>
             </a:fld>
             <a:endParaRPr lang="zh-TW" altLang="en-US" dirty="0"/>
           </a:p>
@@ -885,7 +887,7 @@
     </p:spTree>
     <p:extLst>
       <p:ext uri="{BB962C8B-B14F-4D97-AF65-F5344CB8AC3E}">
-        <p14:creationId xmlns:p14="http://schemas.microsoft.com/office/powerpoint/2010/main" val="2701519937"/>
+        <p14:creationId xmlns:p14="http://schemas.microsoft.com/office/powerpoint/2010/main" val="3214425974"/>
       </p:ext>
     </p:extLst>
   </p:cSld>
@@ -970,7 +972,7 @@
     </p:spTree>
     <p:extLst>
       <p:ext uri="{BB962C8B-B14F-4D97-AF65-F5344CB8AC3E}">
-        <p14:creationId xmlns:p14="http://schemas.microsoft.com/office/powerpoint/2010/main" val="3565233456"/>
+        <p14:creationId xmlns:p14="http://schemas.microsoft.com/office/powerpoint/2010/main" val="409340556"/>
       </p:ext>
     </p:extLst>
   </p:cSld>
@@ -1055,7 +1057,7 @@
     </p:spTree>
     <p:extLst>
       <p:ext uri="{BB962C8B-B14F-4D97-AF65-F5344CB8AC3E}">
-        <p14:creationId xmlns:p14="http://schemas.microsoft.com/office/powerpoint/2010/main" val="2220057016"/>
+        <p14:creationId xmlns:p14="http://schemas.microsoft.com/office/powerpoint/2010/main" val="2701519937"/>
       </p:ext>
     </p:extLst>
   </p:cSld>
@@ -1140,7 +1142,7 @@
     </p:spTree>
     <p:extLst>
       <p:ext uri="{BB962C8B-B14F-4D97-AF65-F5344CB8AC3E}">
-        <p14:creationId xmlns:p14="http://schemas.microsoft.com/office/powerpoint/2010/main" val="2333112210"/>
+        <p14:creationId xmlns:p14="http://schemas.microsoft.com/office/powerpoint/2010/main" val="3565233456"/>
       </p:ext>
     </p:extLst>
   </p:cSld>
@@ -1217,6 +1219,176 @@
               <a:rPr lang="en-ZA" smtClean="0"/>
               <a:pPr/>
               <a:t>14</a:t>
+            </a:fld>
+            <a:endParaRPr lang="en-ZA"/>
+          </a:p>
+        </p:txBody>
+      </p:sp>
+    </p:spTree>
+    <p:extLst>
+      <p:ext uri="{BB962C8B-B14F-4D97-AF65-F5344CB8AC3E}">
+        <p14:creationId xmlns:p14="http://schemas.microsoft.com/office/powerpoint/2010/main" val="2220057016"/>
+      </p:ext>
+    </p:extLst>
+  </p:cSld>
+  <p:clrMapOvr>
+    <a:masterClrMapping/>
+  </p:clrMapOvr>
+</p:notes>
+</file>
+
+<file path=ppt/notesSlides/notesSlide15.xml><?xml version="1.0" encoding="utf-8"?>
+<p:notes xmlns:a="http://schemas.openxmlformats.org/drawingml/2006/main" xmlns:r="http://schemas.openxmlformats.org/officeDocument/2006/relationships" xmlns:p="http://schemas.openxmlformats.org/presentationml/2006/main">
+  <p:cSld>
+    <p:spTree>
+      <p:nvGrpSpPr>
+        <p:cNvPr id="1" name=""/>
+        <p:cNvGrpSpPr/>
+        <p:nvPr/>
+      </p:nvGrpSpPr>
+      <p:grpSpPr>
+        <a:xfrm>
+          <a:off x="0" y="0"/>
+          <a:ext cx="0" cy="0"/>
+          <a:chOff x="0" y="0"/>
+          <a:chExt cx="0" cy="0"/>
+        </a:xfrm>
+      </p:grpSpPr>
+      <p:sp>
+        <p:nvSpPr>
+          <p:cNvPr id="2" name="投影片影像版面配置區 1"/>
+          <p:cNvSpPr>
+            <a:spLocks noGrp="1" noRot="1" noChangeAspect="1"/>
+          </p:cNvSpPr>
+          <p:nvPr>
+            <p:ph type="sldImg"/>
+          </p:nvPr>
+        </p:nvSpPr>
+        <p:spPr/>
+      </p:sp>
+      <p:sp>
+        <p:nvSpPr>
+          <p:cNvPr id="3" name="備忘稿版面配置區 2"/>
+          <p:cNvSpPr>
+            <a:spLocks noGrp="1"/>
+          </p:cNvSpPr>
+          <p:nvPr>
+            <p:ph type="body" idx="1"/>
+          </p:nvPr>
+        </p:nvSpPr>
+        <p:spPr/>
+        <p:txBody>
+          <a:bodyPr/>
+          <a:lstStyle/>
+          <a:p>
+            <a:endParaRPr lang="zh-TW" altLang="en-US" dirty="0"/>
+          </a:p>
+        </p:txBody>
+      </p:sp>
+      <p:sp>
+        <p:nvSpPr>
+          <p:cNvPr id="4" name="投影片編號版面配置區 3"/>
+          <p:cNvSpPr>
+            <a:spLocks noGrp="1"/>
+          </p:cNvSpPr>
+          <p:nvPr>
+            <p:ph type="sldNum" sz="quarter" idx="10"/>
+          </p:nvPr>
+        </p:nvSpPr>
+        <p:spPr/>
+        <p:txBody>
+          <a:bodyPr/>
+          <a:lstStyle/>
+          <a:p>
+            <a:fld id="{8530193B-564F-4854-8A52-728F3FB19C85}" type="slidenum">
+              <a:rPr lang="en-ZA" smtClean="0"/>
+              <a:pPr/>
+              <a:t>15</a:t>
+            </a:fld>
+            <a:endParaRPr lang="en-ZA"/>
+          </a:p>
+        </p:txBody>
+      </p:sp>
+    </p:spTree>
+    <p:extLst>
+      <p:ext uri="{BB962C8B-B14F-4D97-AF65-F5344CB8AC3E}">
+        <p14:creationId xmlns:p14="http://schemas.microsoft.com/office/powerpoint/2010/main" val="2333112210"/>
+      </p:ext>
+    </p:extLst>
+  </p:cSld>
+  <p:clrMapOvr>
+    <a:masterClrMapping/>
+  </p:clrMapOvr>
+</p:notes>
+</file>
+
+<file path=ppt/notesSlides/notesSlide16.xml><?xml version="1.0" encoding="utf-8"?>
+<p:notes xmlns:a="http://schemas.openxmlformats.org/drawingml/2006/main" xmlns:r="http://schemas.openxmlformats.org/officeDocument/2006/relationships" xmlns:p="http://schemas.openxmlformats.org/presentationml/2006/main">
+  <p:cSld>
+    <p:spTree>
+      <p:nvGrpSpPr>
+        <p:cNvPr id="1" name=""/>
+        <p:cNvGrpSpPr/>
+        <p:nvPr/>
+      </p:nvGrpSpPr>
+      <p:grpSpPr>
+        <a:xfrm>
+          <a:off x="0" y="0"/>
+          <a:ext cx="0" cy="0"/>
+          <a:chOff x="0" y="0"/>
+          <a:chExt cx="0" cy="0"/>
+        </a:xfrm>
+      </p:grpSpPr>
+      <p:sp>
+        <p:nvSpPr>
+          <p:cNvPr id="2" name="投影片影像版面配置區 1"/>
+          <p:cNvSpPr>
+            <a:spLocks noGrp="1" noRot="1" noChangeAspect="1"/>
+          </p:cNvSpPr>
+          <p:nvPr>
+            <p:ph type="sldImg"/>
+          </p:nvPr>
+        </p:nvSpPr>
+        <p:spPr/>
+      </p:sp>
+      <p:sp>
+        <p:nvSpPr>
+          <p:cNvPr id="3" name="備忘稿版面配置區 2"/>
+          <p:cNvSpPr>
+            <a:spLocks noGrp="1"/>
+          </p:cNvSpPr>
+          <p:nvPr>
+            <p:ph type="body" idx="1"/>
+          </p:nvPr>
+        </p:nvSpPr>
+        <p:spPr/>
+        <p:txBody>
+          <a:bodyPr/>
+          <a:lstStyle/>
+          <a:p>
+            <a:endParaRPr lang="zh-TW" altLang="en-US" dirty="0"/>
+          </a:p>
+        </p:txBody>
+      </p:sp>
+      <p:sp>
+        <p:nvSpPr>
+          <p:cNvPr id="4" name="投影片編號版面配置區 3"/>
+          <p:cNvSpPr>
+            <a:spLocks noGrp="1"/>
+          </p:cNvSpPr>
+          <p:nvPr>
+            <p:ph type="sldNum" sz="quarter" idx="10"/>
+          </p:nvPr>
+        </p:nvSpPr>
+        <p:spPr/>
+        <p:txBody>
+          <a:bodyPr/>
+          <a:lstStyle/>
+          <a:p>
+            <a:fld id="{8530193B-564F-4854-8A52-728F3FB19C85}" type="slidenum">
+              <a:rPr lang="en-ZA" smtClean="0"/>
+              <a:pPr/>
+              <a:t>16</a:t>
             </a:fld>
             <a:endParaRPr lang="en-ZA"/>
           </a:p>
@@ -1905,7 +2077,7 @@
     </p:spTree>
     <p:extLst>
       <p:ext uri="{BB962C8B-B14F-4D97-AF65-F5344CB8AC3E}">
-        <p14:creationId xmlns:p14="http://schemas.microsoft.com/office/powerpoint/2010/main" val="409340556"/>
+        <p14:creationId xmlns:p14="http://schemas.microsoft.com/office/powerpoint/2010/main" val="1917265971"/>
       </p:ext>
     </p:extLst>
   </p:cSld>
@@ -7958,24 +8130,45 @@
           <a:lstStyle/>
           <a:p>
             <a:pPr rtl="0"/>
+            <a:endParaRPr lang="en-US" altLang="zh-TW" sz="2500" b="1" i="0" dirty="0">
+              <a:latin typeface="+mn-lt"/>
+              <a:ea typeface="Microsoft JhengHei UI" panose="020B0604030504040204" pitchFamily="34" charset="-120"/>
+              <a:sym typeface="Microsoft JhengHei UI" panose="020B0604030504040204" pitchFamily="34" charset="-120"/>
+            </a:endParaRPr>
+          </a:p>
+          <a:p>
+            <a:pPr rtl="0"/>
             <a:r>
               <a:rPr lang="en-US" altLang="zh-TW" sz="2500" b="1" i="0" dirty="0">
                 <a:latin typeface="+mn-lt"/>
                 <a:ea typeface="Microsoft JhengHei UI" panose="020B0604030504040204" pitchFamily="34" charset="-120"/>
                 <a:sym typeface="Microsoft JhengHei UI" panose="020B0604030504040204" pitchFamily="34" charset="-120"/>
               </a:rPr>
-              <a:t>NLP Model</a:t>
-            </a:r>
+              <a:t>Enhancing the Dependency Mechanism of </a:t>
+            </a:r>
+            <a:r>
+              <a:rPr lang="en-US" altLang="zh-TW" sz="2500" b="1" i="0" dirty="0" err="1">
+                <a:latin typeface="+mn-lt"/>
+                <a:ea typeface="Microsoft JhengHei UI" panose="020B0604030504040204" pitchFamily="34" charset="-120"/>
+                <a:sym typeface="Microsoft JhengHei UI" panose="020B0604030504040204" pitchFamily="34" charset="-120"/>
+              </a:rPr>
+              <a:t>RoBERTa</a:t>
+            </a:r>
+            <a:endParaRPr lang="en-US" altLang="zh-TW" sz="2500" b="1" i="0" dirty="0">
+              <a:latin typeface="+mn-lt"/>
+              <a:ea typeface="Microsoft JhengHei UI" panose="020B0604030504040204" pitchFamily="34" charset="-120"/>
+              <a:sym typeface="Microsoft JhengHei UI" panose="020B0604030504040204" pitchFamily="34" charset="-120"/>
+            </a:endParaRPr>
           </a:p>
           <a:p>
             <a:pPr rtl="0"/>
             <a:r>
-              <a:rPr lang="en-US" altLang="zh-TW" sz="2500" b="1" i="0" dirty="0">
+              <a:rPr lang="en-US" altLang="zh-TW" sz="1400" b="1" i="0" dirty="0">
                 <a:latin typeface="+mn-lt"/>
               </a:rPr>
-              <a:t>CSMU MI</a:t>
-            </a:r>
-            <a:endParaRPr lang="en-US" altLang="zh-TW" sz="2500" b="1" i="0" dirty="0">
+              <a:t>			</a:t>
+            </a:r>
+            <a:endParaRPr lang="en-US" altLang="zh-TW" sz="1400" b="1" i="0" dirty="0">
               <a:latin typeface="+mn-lt"/>
               <a:ea typeface="Microsoft JhengHei UI" panose="020B0604030504040204" pitchFamily="34" charset="-120"/>
               <a:sym typeface="Microsoft JhengHei UI" panose="020B0604030504040204" pitchFamily="34" charset="-120"/>
@@ -8072,13 +8265,9 @@
   <p:cSld>
     <p:bg>
       <p:bgPr>
-        <a:blipFill dpi="0" rotWithShape="1">
-          <a:blip r:embed="rId3">
-            <a:alphaModFix amt="56000"/>
-          </a:blip>
-          <a:srcRect/>
-          <a:tile tx="0" ty="0" sx="100000" sy="100000" flip="none" algn="tl"/>
-        </a:blipFill>
+        <a:solidFill>
+          <a:schemeClr val="bg1"/>
+        </a:solidFill>
         <a:effectLst/>
       </p:bgPr>
     </p:bg>
@@ -8126,22 +8315,17 @@
           <a:p>
             <a:r>
               <a:rPr lang="en-US" sz="2800" b="1" dirty="0"/>
-              <a:t>Optimization:  EDM-</a:t>
-            </a:r>
-            <a:r>
-              <a:rPr lang="en-US" sz="2800" b="1" dirty="0" err="1"/>
-              <a:t>RoBERTa</a:t>
-            </a:r>
-            <a:endParaRPr lang="en-US" sz="2800" b="1" dirty="0"/>
-          </a:p>
-        </p:txBody>
-      </p:sp>
-      <p:sp>
-        <p:nvSpPr>
-          <p:cNvPr id="5" name="TextBox 4">
-            <a:extLst>
-              <a:ext uri="{FF2B5EF4-FFF2-40B4-BE49-F238E27FC236}">
-                <a16:creationId xmlns:a16="http://schemas.microsoft.com/office/drawing/2014/main" id="{0F0A5022-A9F2-4143-B927-A449071B04E6}"/>
+              <a:t>Problems with Attention Mechanism</a:t>
+            </a:r>
+          </a:p>
+        </p:txBody>
+      </p:sp>
+      <p:sp>
+        <p:nvSpPr>
+          <p:cNvPr id="13" name="TextBox 5">
+            <a:extLst>
+              <a:ext uri="{FF2B5EF4-FFF2-40B4-BE49-F238E27FC236}">
+                <a16:creationId xmlns:a16="http://schemas.microsoft.com/office/drawing/2014/main" id="{A35F1A04-046B-42E3-9C3B-FFD642B26147}"/>
               </a:ext>
             </a:extLst>
           </p:cNvPr>
@@ -8150,8 +8334,8 @@
         </p:nvSpPr>
         <p:spPr>
           <a:xfrm>
-            <a:off x="952373" y="1568534"/>
-            <a:ext cx="6661567" cy="461665"/>
+            <a:off x="2146013" y="2037722"/>
+            <a:ext cx="2593852" cy="461665"/>
           </a:xfrm>
           <a:prstGeom prst="rect">
             <a:avLst/>
@@ -8165,39 +8349,29 @@
           <a:lstStyle/>
           <a:p>
             <a:pPr marL="342900" indent="-342900">
-              <a:buFont typeface="Arial" panose="020B0604020202020204" pitchFamily="34" charset="0"/>
-              <a:buChar char="•"/>
+              <a:buFont typeface="Wingdings" pitchFamily="2" charset="2"/>
+              <a:buChar char="§"/>
             </a:pPr>
             <a:r>
-              <a:rPr lang="en-US" sz="2400" dirty="0">
+              <a:rPr lang="en-US" sz="2400" b="1" dirty="0">
                 <a:latin typeface="Calibri" panose="020F0502020204030204" pitchFamily="34" charset="0"/>
                 <a:cs typeface="Calibri" panose="020F0502020204030204" pitchFamily="34" charset="0"/>
               </a:rPr>
-              <a:t>Choose the best-performance model: </a:t>
-            </a:r>
-            <a:r>
-              <a:rPr lang="en-US" sz="2400" b="1" dirty="0" err="1">
-                <a:latin typeface="Times New Roman" panose="02020603050405020304" pitchFamily="18" charset="0"/>
-                <a:cs typeface="Times New Roman" panose="02020603050405020304" pitchFamily="18" charset="0"/>
-              </a:rPr>
-              <a:t>RoBERTa</a:t>
-            </a:r>
-            <a:r>
-              <a:rPr lang="en-US" sz="2400" dirty="0">
-                <a:latin typeface="Calibri" panose="020F0502020204030204" pitchFamily="34" charset="0"/>
-                <a:cs typeface="Calibri" panose="020F0502020204030204" pitchFamily="34" charset="0"/>
-              </a:rPr>
-              <a:t> </a:t>
-            </a:r>
-          </a:p>
-        </p:txBody>
-      </p:sp>
-      <p:sp>
-        <p:nvSpPr>
-          <p:cNvPr id="6" name="TextBox 5">
-            <a:extLst>
-              <a:ext uri="{FF2B5EF4-FFF2-40B4-BE49-F238E27FC236}">
-                <a16:creationId xmlns:a16="http://schemas.microsoft.com/office/drawing/2014/main" id="{F0562E0E-EEBC-9146-9A8A-71CE457A66D7}"/>
+              <a:t>Too many heads</a:t>
+            </a:r>
+            <a:endParaRPr lang="en-US" sz="2400" dirty="0">
+              <a:latin typeface="Calibri" panose="020F0502020204030204" pitchFamily="34" charset="0"/>
+              <a:cs typeface="Calibri" panose="020F0502020204030204" pitchFamily="34" charset="0"/>
+            </a:endParaRPr>
+          </a:p>
+        </p:txBody>
+      </p:sp>
+      <p:sp>
+        <p:nvSpPr>
+          <p:cNvPr id="14" name="TextBox 6">
+            <a:extLst>
+              <a:ext uri="{FF2B5EF4-FFF2-40B4-BE49-F238E27FC236}">
+                <a16:creationId xmlns:a16="http://schemas.microsoft.com/office/drawing/2014/main" id="{1DFF8FF5-A1E8-4D4B-9DE1-775A18258604}"/>
               </a:ext>
             </a:extLst>
           </p:cNvPr>
@@ -8206,8 +8380,8 @@
         </p:nvSpPr>
         <p:spPr>
           <a:xfrm>
-            <a:off x="952373" y="2274836"/>
-            <a:ext cx="2593852" cy="461665"/>
+            <a:off x="2146013" y="2605508"/>
+            <a:ext cx="3747949" cy="461665"/>
           </a:xfrm>
           <a:prstGeom prst="rect">
             <a:avLst/>
@@ -8215,122 +8389,103 @@
           <a:noFill/>
         </p:spPr>
         <p:txBody>
+          <a:bodyPr wrap="none" rtlCol="0">
+            <a:spAutoFit/>
+          </a:bodyPr>
+          <a:lstStyle/>
+          <a:p>
+            <a:pPr marL="342900" indent="-342900">
+              <a:buFont typeface="Wingdings" pitchFamily="2" charset="2"/>
+              <a:buChar char="§"/>
+            </a:pPr>
+            <a:r>
+              <a:rPr lang="en-US" sz="2400" b="1" dirty="0">
+                <a:solidFill>
+                  <a:srgbClr val="FF0000"/>
+                </a:solidFill>
+                <a:latin typeface="Calibri" panose="020F0502020204030204" pitchFamily="34" charset="0"/>
+                <a:cs typeface="Calibri" panose="020F0502020204030204" pitchFamily="34" charset="0"/>
+              </a:rPr>
+              <a:t>Valid heads are unknown</a:t>
+            </a:r>
+          </a:p>
+        </p:txBody>
+      </p:sp>
+      <p:sp>
+        <p:nvSpPr>
+          <p:cNvPr id="15" name="TextBox 9">
+            <a:extLst>
+              <a:ext uri="{FF2B5EF4-FFF2-40B4-BE49-F238E27FC236}">
+                <a16:creationId xmlns:a16="http://schemas.microsoft.com/office/drawing/2014/main" id="{4F69F72C-E1BD-4408-B368-6888FC13EC7B}"/>
+              </a:ext>
+            </a:extLst>
+          </p:cNvPr>
+          <p:cNvSpPr txBox="1"/>
+          <p:nvPr/>
+        </p:nvSpPr>
+        <p:spPr>
+          <a:xfrm>
+            <a:off x="2146013" y="3256761"/>
+            <a:ext cx="5458080" cy="830997"/>
+          </a:xfrm>
+          <a:prstGeom prst="rect">
+            <a:avLst/>
+          </a:prstGeom>
+          <a:noFill/>
+        </p:spPr>
+        <p:txBody>
           <a:bodyPr wrap="square" rtlCol="0">
             <a:spAutoFit/>
           </a:bodyPr>
           <a:lstStyle/>
           <a:p>
             <a:pPr marL="342900" indent="-342900">
-              <a:buFont typeface="Arial" panose="020B0604020202020204" pitchFamily="34" charset="0"/>
-              <a:buChar char="•"/>
+              <a:buFont typeface="Wingdings" pitchFamily="2" charset="2"/>
+              <a:buChar char="§"/>
             </a:pPr>
+            <a:r>
+              <a:rPr lang="en-US" sz="2400" b="1" dirty="0">
+                <a:solidFill>
+                  <a:srgbClr val="FF0000"/>
+                </a:solidFill>
+                <a:latin typeface="Calibri" panose="020F0502020204030204" pitchFamily="34" charset="0"/>
+                <a:cs typeface="Calibri" panose="020F0502020204030204" pitchFamily="34" charset="0"/>
+              </a:rPr>
+              <a:t>Deal with “heads”:</a:t>
+            </a:r>
+            <a:br>
+              <a:rPr lang="en-US" sz="2400" b="1" dirty="0">
+                <a:solidFill>
+                  <a:srgbClr val="FF0000"/>
+                </a:solidFill>
+                <a:latin typeface="Calibri" panose="020F0502020204030204" pitchFamily="34" charset="0"/>
+                <a:cs typeface="Calibri" panose="020F0502020204030204" pitchFamily="34" charset="0"/>
+              </a:rPr>
+            </a:br>
+            <a:r>
+              <a:rPr lang="en-US" sz="2400" b="1" dirty="0">
+                <a:solidFill>
+                  <a:srgbClr val="FF0000"/>
+                </a:solidFill>
+                <a:latin typeface="Calibri" panose="020F0502020204030204" pitchFamily="34" charset="0"/>
+                <a:cs typeface="Calibri" panose="020F0502020204030204" pitchFamily="34" charset="0"/>
+              </a:rPr>
+              <a:t>	</a:t>
+            </a:r>
             <a:r>
               <a:rPr lang="en-US" sz="2400" b="1" dirty="0">
                 <a:latin typeface="Calibri" panose="020F0502020204030204" pitchFamily="34" charset="0"/>
                 <a:cs typeface="Calibri" panose="020F0502020204030204" pitchFamily="34" charset="0"/>
               </a:rPr>
-              <a:t>Boom Layer</a:t>
-            </a:r>
-            <a:endParaRPr lang="en-US" sz="2400" dirty="0">
-              <a:latin typeface="Calibri" panose="020F0502020204030204" pitchFamily="34" charset="0"/>
-              <a:cs typeface="Calibri" panose="020F0502020204030204" pitchFamily="34" charset="0"/>
-            </a:endParaRPr>
-          </a:p>
-        </p:txBody>
-      </p:sp>
-      <p:pic>
-        <p:nvPicPr>
-          <p:cNvPr id="7" name="Picture 6">
-            <a:extLst>
-              <a:ext uri="{FF2B5EF4-FFF2-40B4-BE49-F238E27FC236}">
-                <a16:creationId xmlns:a16="http://schemas.microsoft.com/office/drawing/2014/main" id="{03DD16DF-6DDD-1440-BEC6-E2C893E34BBD}"/>
-              </a:ext>
-            </a:extLst>
-          </p:cNvPr>
-          <p:cNvPicPr>
-            <a:picLocks noChangeAspect="1"/>
-          </p:cNvPicPr>
-          <p:nvPr/>
-        </p:nvPicPr>
-        <p:blipFill>
-          <a:blip r:embed="rId4">
-            <a:extLst>
-              <a:ext uri="{28A0092B-C50C-407E-A947-70E740481C1C}">
-                <a14:useLocalDpi xmlns:a14="http://schemas.microsoft.com/office/drawing/2010/main" val="0"/>
-              </a:ext>
-            </a:extLst>
-          </a:blip>
-          <a:stretch>
-            <a:fillRect/>
-          </a:stretch>
-        </p:blipFill>
-        <p:spPr>
-          <a:xfrm>
-            <a:off x="9496950" y="254929"/>
-            <a:ext cx="2356795" cy="6348141"/>
-          </a:xfrm>
-          <a:prstGeom prst="rect">
-            <a:avLst/>
-          </a:prstGeom>
-        </p:spPr>
-      </p:pic>
-      <p:sp>
-        <p:nvSpPr>
-          <p:cNvPr id="14" name="TextBox 13">
-            <a:extLst>
-              <a:ext uri="{FF2B5EF4-FFF2-40B4-BE49-F238E27FC236}">
-                <a16:creationId xmlns:a16="http://schemas.microsoft.com/office/drawing/2014/main" id="{8A847973-0319-9B4F-B5CD-4F522B13162B}"/>
-              </a:ext>
-            </a:extLst>
-          </p:cNvPr>
-          <p:cNvSpPr txBox="1"/>
-          <p:nvPr/>
-        </p:nvSpPr>
-        <p:spPr>
-          <a:xfrm>
-            <a:off x="952373" y="4121500"/>
-            <a:ext cx="7978190" cy="477054"/>
-          </a:xfrm>
-          <a:prstGeom prst="rect">
-            <a:avLst/>
-          </a:prstGeom>
-          <a:noFill/>
-        </p:spPr>
-        <p:txBody>
-          <a:bodyPr wrap="square" rtlCol="0">
-            <a:spAutoFit/>
-          </a:bodyPr>
-          <a:lstStyle/>
-          <a:p>
-            <a:pPr marL="342900" indent="-342900">
-              <a:buFont typeface="Arial" panose="020B0604020202020204" pitchFamily="34" charset="0"/>
-              <a:buChar char="•"/>
-            </a:pPr>
-            <a:r>
-              <a:rPr lang="en-US" sz="2500" b="1" dirty="0">
-                <a:latin typeface="Times New Roman" panose="02020603050405020304" pitchFamily="18" charset="0"/>
-                <a:cs typeface="Times New Roman" panose="02020603050405020304" pitchFamily="18" charset="0"/>
-              </a:rPr>
-              <a:t>Enhancing the Dependency Mechanism of </a:t>
-            </a:r>
-            <a:r>
-              <a:rPr lang="en-US" sz="2500" b="1" dirty="0" err="1">
-                <a:latin typeface="Times New Roman" panose="02020603050405020304" pitchFamily="18" charset="0"/>
-                <a:cs typeface="Times New Roman" panose="02020603050405020304" pitchFamily="18" charset="0"/>
-              </a:rPr>
-              <a:t>RoBERTa</a:t>
-            </a:r>
-            <a:endParaRPr lang="en-US" sz="2500" dirty="0">
-              <a:latin typeface="Times New Roman" panose="02020603050405020304" pitchFamily="18" charset="0"/>
-              <a:cs typeface="Times New Roman" panose="02020603050405020304" pitchFamily="18" charset="0"/>
-            </a:endParaRPr>
+              <a:t>Optimizing the attention process</a:t>
+            </a:r>
           </a:p>
         </p:txBody>
       </p:sp>
     </p:spTree>
     <p:extLst>
       <p:ext uri="{BB962C8B-B14F-4D97-AF65-F5344CB8AC3E}">
-        <p14:creationId xmlns:p14="http://schemas.microsoft.com/office/powerpoint/2010/main" val="2301789250"/>
+        <p14:creationId xmlns:p14="http://schemas.microsoft.com/office/powerpoint/2010/main" val="4156085279"/>
       </p:ext>
     </p:extLst>
   </p:cSld>
@@ -8345,13 +8500,9 @@
   <p:cSld>
     <p:bg>
       <p:bgPr>
-        <a:blipFill dpi="0" rotWithShape="1">
-          <a:blip r:embed="rId3">
-            <a:alphaModFix amt="56000"/>
-          </a:blip>
-          <a:srcRect/>
-          <a:tile tx="0" ty="0" sx="100000" sy="100000" flip="none" algn="tl"/>
-        </a:blipFill>
+        <a:solidFill>
+          <a:schemeClr val="bg1"/>
+        </a:solidFill>
         <a:effectLst/>
       </p:bgPr>
     </p:bg>
@@ -8399,17 +8550,105 @@
           <a:p>
             <a:r>
               <a:rPr lang="en-US" sz="2800" b="1" dirty="0"/>
-              <a:t>Optimization: Statistics</a:t>
-            </a:r>
+              <a:t>Optimization</a:t>
+            </a:r>
+          </a:p>
+        </p:txBody>
+      </p:sp>
+      <p:sp>
+        <p:nvSpPr>
+          <p:cNvPr id="5" name="TextBox 4">
+            <a:extLst>
+              <a:ext uri="{FF2B5EF4-FFF2-40B4-BE49-F238E27FC236}">
+                <a16:creationId xmlns:a16="http://schemas.microsoft.com/office/drawing/2014/main" id="{0F0A5022-A9F2-4143-B927-A449071B04E6}"/>
+              </a:ext>
+            </a:extLst>
+          </p:cNvPr>
+          <p:cNvSpPr txBox="1"/>
+          <p:nvPr/>
+        </p:nvSpPr>
+        <p:spPr>
+          <a:xfrm>
+            <a:off x="952373" y="1568534"/>
+            <a:ext cx="4364656" cy="461665"/>
+          </a:xfrm>
+          <a:prstGeom prst="rect">
+            <a:avLst/>
+          </a:prstGeom>
+          <a:noFill/>
+        </p:spPr>
+        <p:txBody>
+          <a:bodyPr wrap="none" rtlCol="0">
+            <a:spAutoFit/>
+          </a:bodyPr>
+          <a:lstStyle/>
+          <a:p>
+            <a:pPr marL="342900" indent="-342900">
+              <a:buFont typeface="Arial" panose="020B0604020202020204" pitchFamily="34" charset="0"/>
+              <a:buChar char="•"/>
+            </a:pPr>
+            <a:r>
+              <a:rPr lang="en-US" sz="2400" dirty="0">
+                <a:latin typeface="Calibri" panose="020F0502020204030204" pitchFamily="34" charset="0"/>
+                <a:cs typeface="Calibri" panose="020F0502020204030204" pitchFamily="34" charset="0"/>
+              </a:rPr>
+              <a:t>Single-headed RNN (SHA-RNN)</a:t>
+            </a:r>
+          </a:p>
+        </p:txBody>
+      </p:sp>
+      <p:sp>
+        <p:nvSpPr>
+          <p:cNvPr id="6" name="TextBox 5">
+            <a:extLst>
+              <a:ext uri="{FF2B5EF4-FFF2-40B4-BE49-F238E27FC236}">
+                <a16:creationId xmlns:a16="http://schemas.microsoft.com/office/drawing/2014/main" id="{F0562E0E-EEBC-9146-9A8A-71CE457A66D7}"/>
+              </a:ext>
+            </a:extLst>
+          </p:cNvPr>
+          <p:cNvSpPr txBox="1"/>
+          <p:nvPr/>
+        </p:nvSpPr>
+        <p:spPr>
+          <a:xfrm>
+            <a:off x="1516652" y="2219787"/>
+            <a:ext cx="2593852" cy="461665"/>
+          </a:xfrm>
+          <a:prstGeom prst="rect">
+            <a:avLst/>
+          </a:prstGeom>
+          <a:noFill/>
+        </p:spPr>
+        <p:txBody>
+          <a:bodyPr wrap="square" rtlCol="0">
+            <a:spAutoFit/>
+          </a:bodyPr>
+          <a:lstStyle/>
+          <a:p>
+            <a:pPr marL="342900" indent="-342900">
+              <a:buFont typeface="Wingdings" pitchFamily="2" charset="2"/>
+              <a:buChar char="§"/>
+            </a:pPr>
+            <a:r>
+              <a:rPr lang="en-US" sz="2400" b="1" dirty="0">
+                <a:latin typeface="Calibri" panose="020F0502020204030204" pitchFamily="34" charset="0"/>
+                <a:cs typeface="Calibri" panose="020F0502020204030204" pitchFamily="34" charset="0"/>
+              </a:rPr>
+              <a:t>Boom Layer</a:t>
+            </a:r>
+            <a:endParaRPr lang="en-US" sz="2400" dirty="0">
+              <a:latin typeface="Calibri" panose="020F0502020204030204" pitchFamily="34" charset="0"/>
+              <a:cs typeface="Calibri" panose="020F0502020204030204" pitchFamily="34" charset="0"/>
+            </a:endParaRPr>
           </a:p>
         </p:txBody>
       </p:sp>
       <p:pic>
         <p:nvPicPr>
-          <p:cNvPr id="7" name="Picture 6">
-            <a:extLst>
-              <a:ext uri="{FF2B5EF4-FFF2-40B4-BE49-F238E27FC236}">
-                <a16:creationId xmlns:a16="http://schemas.microsoft.com/office/drawing/2014/main" id="{3EA49A00-B665-BB4E-8414-F14A25C37FAF}"/>
+          <p:cNvPr id="4" name="Picture 3">
+            <a:extLst>
+              <a:ext uri="{FF2B5EF4-FFF2-40B4-BE49-F238E27FC236}">
+                <a16:creationId xmlns:a16="http://schemas.microsoft.com/office/drawing/2014/main" id="{C37648F9-7CB8-0A41-831D-BCB3F0DA04B2}"/>
               </a:ext>
             </a:extLst>
           </p:cNvPr>
@@ -8419,7 +8658,7 @@
           <p:nvPr/>
         </p:nvPicPr>
         <p:blipFill>
-          <a:blip r:embed="rId4">
+          <a:blip r:embed="rId3">
             <a:extLst>
               <a:ext uri="{28A0092B-C50C-407E-A947-70E740481C1C}">
                 <a14:useLocalDpi xmlns:a14="http://schemas.microsoft.com/office/drawing/2010/main" val="0"/>
@@ -8432,54 +8671,204 @@
         </p:blipFill>
         <p:spPr>
           <a:xfrm>
-            <a:off x="817123" y="1479649"/>
-            <a:ext cx="8716836" cy="2237989"/>
+            <a:off x="2285999" y="2871040"/>
+            <a:ext cx="6519559" cy="623384"/>
           </a:xfrm>
           <a:prstGeom prst="rect">
             <a:avLst/>
           </a:prstGeom>
         </p:spPr>
       </p:pic>
-      <p:pic>
-        <p:nvPicPr>
-          <p:cNvPr id="9" name="Picture 8">
-            <a:extLst>
-              <a:ext uri="{FF2B5EF4-FFF2-40B4-BE49-F238E27FC236}">
-                <a16:creationId xmlns:a16="http://schemas.microsoft.com/office/drawing/2014/main" id="{039B4765-42F5-9541-BC34-8ACF710B3366}"/>
-              </a:ext>
-            </a:extLst>
-          </p:cNvPr>
-          <p:cNvPicPr>
-            <a:picLocks noChangeAspect="1"/>
-          </p:cNvPicPr>
+      <p:sp>
+        <p:nvSpPr>
+          <p:cNvPr id="11" name="TextBox 10">
+            <a:extLst>
+              <a:ext uri="{FF2B5EF4-FFF2-40B4-BE49-F238E27FC236}">
+                <a16:creationId xmlns:a16="http://schemas.microsoft.com/office/drawing/2014/main" id="{047DF914-B467-334D-87BF-6ED281A9340C}"/>
+              </a:ext>
+            </a:extLst>
+          </p:cNvPr>
+          <p:cNvSpPr txBox="1"/>
           <p:nvPr/>
-        </p:nvPicPr>
-        <p:blipFill>
-          <a:blip r:embed="rId5">
-            <a:extLst>
-              <a:ext uri="{28A0092B-C50C-407E-A947-70E740481C1C}">
-                <a14:useLocalDpi xmlns:a14="http://schemas.microsoft.com/office/drawing/2010/main" val="0"/>
-              </a:ext>
-            </a:extLst>
-          </a:blip>
-          <a:stretch>
-            <a:fillRect/>
-          </a:stretch>
-        </p:blipFill>
-        <p:spPr>
-          <a:xfrm>
-            <a:off x="2869660" y="4330567"/>
-            <a:ext cx="9015380" cy="2237989"/>
+        </p:nvSpPr>
+        <p:spPr>
+          <a:xfrm>
+            <a:off x="1516652" y="3684012"/>
+            <a:ext cx="7578710" cy="461665"/>
           </a:xfrm>
           <a:prstGeom prst="rect">
             <a:avLst/>
           </a:prstGeom>
-        </p:spPr>
-      </p:pic>
+          <a:noFill/>
+        </p:spPr>
+        <p:txBody>
+          <a:bodyPr wrap="square" rtlCol="0">
+            <a:spAutoFit/>
+          </a:bodyPr>
+          <a:lstStyle/>
+          <a:p>
+            <a:pPr marL="342900" indent="-342900">
+              <a:buFont typeface="Wingdings" pitchFamily="2" charset="2"/>
+              <a:buChar char="§"/>
+            </a:pPr>
+            <a:r>
+              <a:rPr lang="en-US" sz="2400" b="1" dirty="0">
+                <a:latin typeface="Calibri" panose="020F0502020204030204" pitchFamily="34" charset="0"/>
+                <a:cs typeface="Calibri" panose="020F0502020204030204" pitchFamily="34" charset="0"/>
+              </a:rPr>
+              <a:t>Activation Function:   </a:t>
+            </a:r>
+            <a:r>
+              <a:rPr lang="en-US" sz="2400" dirty="0">
+                <a:latin typeface="Times New Roman" panose="02020603050405020304" pitchFamily="18" charset="0"/>
+                <a:cs typeface="Times New Roman" panose="02020603050405020304" pitchFamily="18" charset="0"/>
+              </a:rPr>
+              <a:t>Gaussian Linear Unit (</a:t>
+            </a:r>
+            <a:r>
+              <a:rPr lang="en-US" sz="2400" dirty="0" err="1">
+                <a:latin typeface="Times New Roman" panose="02020603050405020304" pitchFamily="18" charset="0"/>
+                <a:cs typeface="Times New Roman" panose="02020603050405020304" pitchFamily="18" charset="0"/>
+              </a:rPr>
+              <a:t>GeLU</a:t>
+            </a:r>
+            <a:r>
+              <a:rPr lang="en-US" sz="2400" dirty="0">
+                <a:latin typeface="Times New Roman" panose="02020603050405020304" pitchFamily="18" charset="0"/>
+                <a:cs typeface="Times New Roman" panose="02020603050405020304" pitchFamily="18" charset="0"/>
+              </a:rPr>
+              <a:t>)</a:t>
+            </a:r>
+          </a:p>
+        </p:txBody>
+      </p:sp>
+      <p:sp>
+        <p:nvSpPr>
+          <p:cNvPr id="12" name="TextBox 11">
+            <a:extLst>
+              <a:ext uri="{FF2B5EF4-FFF2-40B4-BE49-F238E27FC236}">
+                <a16:creationId xmlns:a16="http://schemas.microsoft.com/office/drawing/2014/main" id="{87F6B32E-0BBB-5943-984B-398FF49AE20E}"/>
+              </a:ext>
+            </a:extLst>
+          </p:cNvPr>
+          <p:cNvSpPr txBox="1"/>
+          <p:nvPr/>
+        </p:nvSpPr>
+        <p:spPr>
+          <a:xfrm>
+            <a:off x="952373" y="4496984"/>
+            <a:ext cx="5692392" cy="461665"/>
+          </a:xfrm>
+          <a:prstGeom prst="rect">
+            <a:avLst/>
+          </a:prstGeom>
+          <a:noFill/>
+        </p:spPr>
+        <p:txBody>
+          <a:bodyPr wrap="none" rtlCol="0">
+            <a:spAutoFit/>
+          </a:bodyPr>
+          <a:lstStyle/>
+          <a:p>
+            <a:pPr marL="342900" indent="-342900">
+              <a:buFont typeface="Arial" panose="020B0604020202020204" pitchFamily="34" charset="0"/>
+              <a:buChar char="•"/>
+            </a:pPr>
+            <a:r>
+              <a:rPr lang="en-US" sz="2400" dirty="0">
+                <a:latin typeface="Calibri" panose="020F0502020204030204" pitchFamily="34" charset="0"/>
+                <a:cs typeface="Calibri" panose="020F0502020204030204" pitchFamily="34" charset="0"/>
+              </a:rPr>
+              <a:t>Models: BERT, </a:t>
+            </a:r>
+            <a:r>
+              <a:rPr lang="en-US" sz="2400" dirty="0" err="1">
+                <a:latin typeface="Calibri" panose="020F0502020204030204" pitchFamily="34" charset="0"/>
+                <a:cs typeface="Calibri" panose="020F0502020204030204" pitchFamily="34" charset="0"/>
+              </a:rPr>
+              <a:t>RoBERTa</a:t>
+            </a:r>
+            <a:r>
+              <a:rPr lang="en-US" sz="2400" dirty="0">
+                <a:latin typeface="Calibri" panose="020F0502020204030204" pitchFamily="34" charset="0"/>
+                <a:cs typeface="Calibri" panose="020F0502020204030204" pitchFamily="34" charset="0"/>
+              </a:rPr>
+              <a:t>, </a:t>
+            </a:r>
+            <a:r>
+              <a:rPr lang="en-US" sz="2400" dirty="0" err="1">
+                <a:latin typeface="Calibri" panose="020F0502020204030204" pitchFamily="34" charset="0"/>
+                <a:cs typeface="Calibri" panose="020F0502020204030204" pitchFamily="34" charset="0"/>
+              </a:rPr>
+              <a:t>DistilBERT</a:t>
+            </a:r>
+            <a:r>
+              <a:rPr lang="en-US" sz="2400" dirty="0">
+                <a:latin typeface="Calibri" panose="020F0502020204030204" pitchFamily="34" charset="0"/>
+                <a:cs typeface="Calibri" panose="020F0502020204030204" pitchFamily="34" charset="0"/>
+              </a:rPr>
+              <a:t>, </a:t>
+            </a:r>
+            <a:r>
+              <a:rPr lang="en-US" sz="2400" dirty="0" err="1">
+                <a:latin typeface="Calibri" panose="020F0502020204030204" pitchFamily="34" charset="0"/>
+                <a:cs typeface="Calibri" panose="020F0502020204030204" pitchFamily="34" charset="0"/>
+              </a:rPr>
+              <a:t>XLNet</a:t>
+            </a:r>
+            <a:endParaRPr lang="en-US" sz="2400" dirty="0">
+              <a:latin typeface="Calibri" panose="020F0502020204030204" pitchFamily="34" charset="0"/>
+              <a:cs typeface="Calibri" panose="020F0502020204030204" pitchFamily="34" charset="0"/>
+            </a:endParaRPr>
+          </a:p>
+        </p:txBody>
+      </p:sp>
+      <p:sp>
+        <p:nvSpPr>
+          <p:cNvPr id="13" name="TextBox 12">
+            <a:extLst>
+              <a:ext uri="{FF2B5EF4-FFF2-40B4-BE49-F238E27FC236}">
+                <a16:creationId xmlns:a16="http://schemas.microsoft.com/office/drawing/2014/main" id="{EF565234-AACD-4849-9DD1-72F925B48DE6}"/>
+              </a:ext>
+            </a:extLst>
+          </p:cNvPr>
+          <p:cNvSpPr txBox="1"/>
+          <p:nvPr/>
+        </p:nvSpPr>
+        <p:spPr>
+          <a:xfrm>
+            <a:off x="952373" y="5289466"/>
+            <a:ext cx="10008317" cy="461665"/>
+          </a:xfrm>
+          <a:prstGeom prst="rect">
+            <a:avLst/>
+          </a:prstGeom>
+          <a:noFill/>
+        </p:spPr>
+        <p:txBody>
+          <a:bodyPr wrap="none" rtlCol="0">
+            <a:spAutoFit/>
+          </a:bodyPr>
+          <a:lstStyle/>
+          <a:p>
+            <a:pPr marL="342900" indent="-342900">
+              <a:buFont typeface="Arial" panose="020B0604020202020204" pitchFamily="34" charset="0"/>
+              <a:buChar char="•"/>
+            </a:pPr>
+            <a:r>
+              <a:rPr lang="en-US" sz="2400" b="1" dirty="0">
+                <a:latin typeface="Calibri" panose="020F0502020204030204" pitchFamily="34" charset="0"/>
+                <a:cs typeface="Calibri" panose="020F0502020204030204" pitchFamily="34" charset="0"/>
+              </a:rPr>
+              <a:t>Solving the short-term dependency problem of Transformer-based Models</a:t>
+            </a:r>
+          </a:p>
+        </p:txBody>
+      </p:sp>
     </p:spTree>
     <p:extLst>
       <p:ext uri="{BB962C8B-B14F-4D97-AF65-F5344CB8AC3E}">
-        <p14:creationId xmlns:p14="http://schemas.microsoft.com/office/powerpoint/2010/main" val="1987724706"/>
+        <p14:creationId xmlns:p14="http://schemas.microsoft.com/office/powerpoint/2010/main" val="1030187098"/>
       </p:ext>
     </p:extLst>
   </p:cSld>
@@ -8494,13 +8883,9 @@
   <p:cSld>
     <p:bg>
       <p:bgPr>
-        <a:blipFill dpi="0" rotWithShape="1">
-          <a:blip r:embed="rId3">
-            <a:alphaModFix amt="56000"/>
-          </a:blip>
-          <a:srcRect/>
-          <a:tile tx="0" ty="0" sx="100000" sy="100000" flip="none" algn="tl"/>
-        </a:blipFill>
+        <a:solidFill>
+          <a:schemeClr val="bg1"/>
+        </a:solidFill>
         <a:effectLst/>
       </p:bgPr>
     </p:bg>
@@ -8533,7 +8918,7 @@
         <p:spPr>
           <a:xfrm>
             <a:off x="616225" y="569844"/>
-            <a:ext cx="11008328" cy="523220"/>
+            <a:ext cx="9500541" cy="523220"/>
           </a:xfrm>
           <a:prstGeom prst="rect">
             <a:avLst/>
@@ -8548,30 +8933,124 @@
           <a:p>
             <a:r>
               <a:rPr lang="en-US" sz="2800" b="1" dirty="0"/>
-              <a:t>EDM-</a:t>
+              <a:t>Optimization:  EDM-</a:t>
             </a:r>
             <a:r>
               <a:rPr lang="en-US" sz="2800" b="1" dirty="0" err="1"/>
               <a:t>RoBERTa</a:t>
             </a:r>
-            <a:r>
-              <a:rPr lang="en-US" sz="2800" b="1" dirty="0"/>
-              <a:t>: Enhancing the Dependency Structure of </a:t>
-            </a:r>
-            <a:r>
-              <a:rPr lang="en-US" sz="2800" b="1" dirty="0" err="1"/>
+            <a:endParaRPr lang="en-US" sz="2800" b="1" dirty="0"/>
+          </a:p>
+        </p:txBody>
+      </p:sp>
+      <p:sp>
+        <p:nvSpPr>
+          <p:cNvPr id="5" name="TextBox 4">
+            <a:extLst>
+              <a:ext uri="{FF2B5EF4-FFF2-40B4-BE49-F238E27FC236}">
+                <a16:creationId xmlns:a16="http://schemas.microsoft.com/office/drawing/2014/main" id="{0F0A5022-A9F2-4143-B927-A449071B04E6}"/>
+              </a:ext>
+            </a:extLst>
+          </p:cNvPr>
+          <p:cNvSpPr txBox="1"/>
+          <p:nvPr/>
+        </p:nvSpPr>
+        <p:spPr>
+          <a:xfrm>
+            <a:off x="952373" y="1568534"/>
+            <a:ext cx="6661567" cy="461665"/>
+          </a:xfrm>
+          <a:prstGeom prst="rect">
+            <a:avLst/>
+          </a:prstGeom>
+          <a:noFill/>
+        </p:spPr>
+        <p:txBody>
+          <a:bodyPr wrap="none" rtlCol="0">
+            <a:spAutoFit/>
+          </a:bodyPr>
+          <a:lstStyle/>
+          <a:p>
+            <a:pPr marL="342900" indent="-342900">
+              <a:buFont typeface="Arial" panose="020B0604020202020204" pitchFamily="34" charset="0"/>
+              <a:buChar char="•"/>
+            </a:pPr>
+            <a:r>
+              <a:rPr lang="en-US" sz="2400" dirty="0">
+                <a:latin typeface="Calibri" panose="020F0502020204030204" pitchFamily="34" charset="0"/>
+                <a:cs typeface="Calibri" panose="020F0502020204030204" pitchFamily="34" charset="0"/>
+              </a:rPr>
+              <a:t>Choose the best-performance model: </a:t>
+            </a:r>
+            <a:r>
+              <a:rPr lang="en-US" sz="2400" b="1" dirty="0" err="1">
+                <a:latin typeface="Times New Roman" panose="02020603050405020304" pitchFamily="18" charset="0"/>
+                <a:cs typeface="Times New Roman" panose="02020603050405020304" pitchFamily="18" charset="0"/>
+              </a:rPr>
               <a:t>RoBERTa</a:t>
             </a:r>
-            <a:endParaRPr lang="en-US" sz="2800" b="1" dirty="0"/>
+            <a:r>
+              <a:rPr lang="en-US" sz="2400" dirty="0">
+                <a:latin typeface="Calibri" panose="020F0502020204030204" pitchFamily="34" charset="0"/>
+                <a:cs typeface="Calibri" panose="020F0502020204030204" pitchFamily="34" charset="0"/>
+              </a:rPr>
+              <a:t> </a:t>
+            </a:r>
+          </a:p>
+        </p:txBody>
+      </p:sp>
+      <p:sp>
+        <p:nvSpPr>
+          <p:cNvPr id="6" name="TextBox 5">
+            <a:extLst>
+              <a:ext uri="{FF2B5EF4-FFF2-40B4-BE49-F238E27FC236}">
+                <a16:creationId xmlns:a16="http://schemas.microsoft.com/office/drawing/2014/main" id="{F0562E0E-EEBC-9146-9A8A-71CE457A66D7}"/>
+              </a:ext>
+            </a:extLst>
+          </p:cNvPr>
+          <p:cNvSpPr txBox="1"/>
+          <p:nvPr/>
+        </p:nvSpPr>
+        <p:spPr>
+          <a:xfrm>
+            <a:off x="952373" y="2376449"/>
+            <a:ext cx="6661566" cy="461665"/>
+          </a:xfrm>
+          <a:prstGeom prst="rect">
+            <a:avLst/>
+          </a:prstGeom>
+          <a:noFill/>
+        </p:spPr>
+        <p:txBody>
+          <a:bodyPr wrap="square" rtlCol="0">
+            <a:spAutoFit/>
+          </a:bodyPr>
+          <a:lstStyle/>
+          <a:p>
+            <a:pPr marL="342900" indent="-342900">
+              <a:buFont typeface="Arial" panose="020B0604020202020204" pitchFamily="34" charset="0"/>
+              <a:buChar char="•"/>
+            </a:pPr>
+            <a:r>
+              <a:rPr lang="en-US" sz="2400" b="1" dirty="0">
+                <a:latin typeface="Calibri" panose="020F0502020204030204" pitchFamily="34" charset="0"/>
+                <a:cs typeface="Calibri" panose="020F0502020204030204" pitchFamily="34" charset="0"/>
+              </a:rPr>
+              <a:t>Re-organization: Optimizing with Boom Layer</a:t>
+            </a:r>
+            <a:endParaRPr lang="en-US" sz="2400" dirty="0">
+              <a:latin typeface="Calibri" panose="020F0502020204030204" pitchFamily="34" charset="0"/>
+              <a:cs typeface="Calibri" panose="020F0502020204030204" pitchFamily="34" charset="0"/>
+            </a:endParaRPr>
           </a:p>
         </p:txBody>
       </p:sp>
       <p:pic>
         <p:nvPicPr>
-          <p:cNvPr id="4" name="Picture 3">
-            <a:extLst>
-              <a:ext uri="{FF2B5EF4-FFF2-40B4-BE49-F238E27FC236}">
-                <a16:creationId xmlns:a16="http://schemas.microsoft.com/office/drawing/2014/main" id="{01A05A17-4134-CB42-BA18-D7A967D0F2DB}"/>
+          <p:cNvPr id="7" name="Picture 6">
+            <a:extLst>
+              <a:ext uri="{FF2B5EF4-FFF2-40B4-BE49-F238E27FC236}">
+                <a16:creationId xmlns:a16="http://schemas.microsoft.com/office/drawing/2014/main" id="{03DD16DF-6DDD-1440-BEC6-E2C893E34BBD}"/>
               </a:ext>
             </a:extLst>
           </p:cNvPr>
@@ -8581,7 +9060,7 @@
           <p:nvPr/>
         </p:nvPicPr>
         <p:blipFill>
-          <a:blip r:embed="rId4">
+          <a:blip r:embed="rId3">
             <a:extLst>
               <a:ext uri="{28A0092B-C50C-407E-A947-70E740481C1C}">
                 <a14:useLocalDpi xmlns:a14="http://schemas.microsoft.com/office/drawing/2010/main" val="0"/>
@@ -8594,8 +9073,8 @@
         </p:blipFill>
         <p:spPr>
           <a:xfrm>
-            <a:off x="1595337" y="2944314"/>
-            <a:ext cx="9766570" cy="1904236"/>
+            <a:off x="9091898" y="138352"/>
+            <a:ext cx="2483877" cy="6690442"/>
           </a:xfrm>
           <a:prstGeom prst="rect">
             <a:avLst/>
@@ -8604,10 +9083,10 @@
       </p:pic>
       <p:sp>
         <p:nvSpPr>
-          <p:cNvPr id="5" name="TextBox 4">
-            <a:extLst>
-              <a:ext uri="{FF2B5EF4-FFF2-40B4-BE49-F238E27FC236}">
-                <a16:creationId xmlns:a16="http://schemas.microsoft.com/office/drawing/2014/main" id="{7143B78D-B6B3-474D-B531-66EC4DED1CA1}"/>
+          <p:cNvPr id="14" name="TextBox 13">
+            <a:extLst>
+              <a:ext uri="{FF2B5EF4-FFF2-40B4-BE49-F238E27FC236}">
+                <a16:creationId xmlns:a16="http://schemas.microsoft.com/office/drawing/2014/main" id="{8A847973-0319-9B4F-B5CD-4F522B13162B}"/>
               </a:ext>
             </a:extLst>
           </p:cNvPr>
@@ -8616,8 +9095,8 @@
         </p:nvSpPr>
         <p:spPr>
           <a:xfrm>
-            <a:off x="1322962" y="1780162"/>
-            <a:ext cx="5985293" cy="477054"/>
+            <a:off x="667117" y="3722402"/>
+            <a:ext cx="8424781" cy="477054"/>
           </a:xfrm>
           <a:prstGeom prst="rect">
             <a:avLst/>
@@ -8625,31 +9104,36 @@
           <a:noFill/>
         </p:spPr>
         <p:txBody>
-          <a:bodyPr wrap="none" rtlCol="0">
+          <a:bodyPr wrap="square" rtlCol="0">
             <a:spAutoFit/>
           </a:bodyPr>
           <a:lstStyle/>
           <a:p>
-            <a:pPr marL="342900" indent="-342900">
-              <a:buFont typeface="Arial" panose="020B0604020202020204" pitchFamily="34" charset="0"/>
-              <a:buChar char="•"/>
-            </a:pPr>
-            <a:r>
-              <a:rPr lang="en-US" sz="2500" b="1" dirty="0"/>
-              <a:t>Detailed parameters of EDM-</a:t>
-            </a:r>
-            <a:r>
-              <a:rPr lang="en-US" sz="2500" b="1" dirty="0" err="1"/>
+            <a:r>
+              <a:rPr lang="en-US" sz="2500" b="1" dirty="0">
+                <a:latin typeface="Times New Roman" panose="02020603050405020304" pitchFamily="18" charset="0"/>
+                <a:cs typeface="Times New Roman" panose="02020603050405020304" pitchFamily="18" charset="0"/>
+              </a:rPr>
+              <a:t>Target: Enhancing the Dependency Mechanism of </a:t>
+            </a:r>
+            <a:r>
+              <a:rPr lang="en-US" sz="2500" b="1" dirty="0" err="1">
+                <a:latin typeface="Times New Roman" panose="02020603050405020304" pitchFamily="18" charset="0"/>
+                <a:cs typeface="Times New Roman" panose="02020603050405020304" pitchFamily="18" charset="0"/>
+              </a:rPr>
               <a:t>RoBERTa</a:t>
             </a:r>
-            <a:endParaRPr lang="en-US" sz="2500" b="1" dirty="0"/>
+            <a:endParaRPr lang="en-US" sz="2500" dirty="0">
+              <a:latin typeface="Times New Roman" panose="02020603050405020304" pitchFamily="18" charset="0"/>
+              <a:cs typeface="Times New Roman" panose="02020603050405020304" pitchFamily="18" charset="0"/>
+            </a:endParaRPr>
           </a:p>
         </p:txBody>
       </p:sp>
     </p:spTree>
     <p:extLst>
       <p:ext uri="{BB962C8B-B14F-4D97-AF65-F5344CB8AC3E}">
-        <p14:creationId xmlns:p14="http://schemas.microsoft.com/office/powerpoint/2010/main" val="266460702"/>
+        <p14:creationId xmlns:p14="http://schemas.microsoft.com/office/powerpoint/2010/main" val="2301789250"/>
       </p:ext>
     </p:extLst>
   </p:cSld>
@@ -8664,13 +9148,9 @@
   <p:cSld>
     <p:bg>
       <p:bgPr>
-        <a:blipFill dpi="0" rotWithShape="1">
-          <a:blip r:embed="rId3">
-            <a:alphaModFix amt="56000"/>
-          </a:blip>
-          <a:srcRect/>
-          <a:tile tx="0" ty="0" sx="100000" sy="100000" flip="none" algn="tl"/>
-        </a:blipFill>
+        <a:solidFill>
+          <a:schemeClr val="bg1"/>
+        </a:solidFill>
         <a:effectLst/>
       </p:bgPr>
     </p:bg>
@@ -8703,7 +9183,7 @@
         <p:spPr>
           <a:xfrm>
             <a:off x="616225" y="569844"/>
-            <a:ext cx="11008328" cy="523220"/>
+            <a:ext cx="9500541" cy="523220"/>
           </a:xfrm>
           <a:prstGeom prst="rect">
             <a:avLst/>
@@ -8718,17 +9198,53 @@
           <a:p>
             <a:r>
               <a:rPr lang="en-US" sz="2800" b="1" dirty="0"/>
-              <a:t>Environments</a:t>
+              <a:t>Optimization: Statistics</a:t>
             </a:r>
           </a:p>
         </p:txBody>
       </p:sp>
       <p:pic>
         <p:nvPicPr>
-          <p:cNvPr id="6" name="Picture 5">
-            <a:extLst>
-              <a:ext uri="{FF2B5EF4-FFF2-40B4-BE49-F238E27FC236}">
-                <a16:creationId xmlns:a16="http://schemas.microsoft.com/office/drawing/2014/main" id="{138C9CDB-FB79-7B43-A512-EBA1A3B74DFD}"/>
+          <p:cNvPr id="7" name="Picture 6">
+            <a:extLst>
+              <a:ext uri="{FF2B5EF4-FFF2-40B4-BE49-F238E27FC236}">
+                <a16:creationId xmlns:a16="http://schemas.microsoft.com/office/drawing/2014/main" id="{3EA49A00-B665-BB4E-8414-F14A25C37FAF}"/>
+              </a:ext>
+            </a:extLst>
+          </p:cNvPr>
+          <p:cNvPicPr>
+            <a:picLocks noChangeAspect="1"/>
+          </p:cNvPicPr>
+          <p:nvPr/>
+        </p:nvPicPr>
+        <p:blipFill>
+          <a:blip r:embed="rId3">
+            <a:extLst>
+              <a:ext uri="{28A0092B-C50C-407E-A947-70E740481C1C}">
+                <a14:useLocalDpi xmlns:a14="http://schemas.microsoft.com/office/drawing/2010/main" val="0"/>
+              </a:ext>
+            </a:extLst>
+          </a:blip>
+          <a:stretch>
+            <a:fillRect/>
+          </a:stretch>
+        </p:blipFill>
+        <p:spPr>
+          <a:xfrm>
+            <a:off x="817123" y="1479649"/>
+            <a:ext cx="8716836" cy="2237989"/>
+          </a:xfrm>
+          <a:prstGeom prst="rect">
+            <a:avLst/>
+          </a:prstGeom>
+        </p:spPr>
+      </p:pic>
+      <p:pic>
+        <p:nvPicPr>
+          <p:cNvPr id="9" name="Picture 8">
+            <a:extLst>
+              <a:ext uri="{FF2B5EF4-FFF2-40B4-BE49-F238E27FC236}">
+                <a16:creationId xmlns:a16="http://schemas.microsoft.com/office/drawing/2014/main" id="{039B4765-42F5-9541-BC34-8ACF710B3366}"/>
               </a:ext>
             </a:extLst>
           </p:cNvPr>
@@ -8751,8 +9267,8 @@
         </p:blipFill>
         <p:spPr>
           <a:xfrm>
-            <a:off x="540194" y="1812004"/>
-            <a:ext cx="11111611" cy="3674396"/>
+            <a:off x="2869660" y="4330567"/>
+            <a:ext cx="9015380" cy="2237989"/>
           </a:xfrm>
           <a:prstGeom prst="rect">
             <a:avLst/>
@@ -8762,7 +9278,7 @@
     </p:spTree>
     <p:extLst>
       <p:ext uri="{BB962C8B-B14F-4D97-AF65-F5344CB8AC3E}">
-        <p14:creationId xmlns:p14="http://schemas.microsoft.com/office/powerpoint/2010/main" val="1320879586"/>
+        <p14:creationId xmlns:p14="http://schemas.microsoft.com/office/powerpoint/2010/main" val="1987724706"/>
       </p:ext>
     </p:extLst>
   </p:cSld>
@@ -8777,13 +9293,9 @@
   <p:cSld>
     <p:bg>
       <p:bgPr>
-        <a:blipFill dpi="0" rotWithShape="1">
-          <a:blip r:embed="rId3">
-            <a:alphaModFix amt="56000"/>
-          </a:blip>
-          <a:srcRect/>
-          <a:tile tx="0" ty="0" sx="100000" sy="100000" flip="none" algn="tl"/>
-        </a:blipFill>
+        <a:solidFill>
+          <a:schemeClr val="bg1"/>
+        </a:solidFill>
         <a:effectLst/>
       </p:bgPr>
     </p:bg>
@@ -8831,15 +9343,108 @@
           <a:p>
             <a:r>
               <a:rPr lang="en-US" sz="2800" b="1" dirty="0"/>
-              <a:t>Conclusions</a:t>
-            </a:r>
+              <a:t>EDM-</a:t>
+            </a:r>
+            <a:r>
+              <a:rPr lang="en-US" sz="2800" b="1" dirty="0" err="1"/>
+              <a:t>RoBERTa</a:t>
+            </a:r>
+            <a:r>
+              <a:rPr lang="en-US" sz="2800" b="1" dirty="0"/>
+              <a:t>: Enhancing the Dependency Structure of </a:t>
+            </a:r>
+            <a:r>
+              <a:rPr lang="en-US" sz="2800" b="1" dirty="0" err="1"/>
+              <a:t>RoBERTa</a:t>
+            </a:r>
+            <a:endParaRPr lang="en-US" sz="2800" b="1" dirty="0"/>
+          </a:p>
+        </p:txBody>
+      </p:sp>
+      <p:pic>
+        <p:nvPicPr>
+          <p:cNvPr id="4" name="Picture 3">
+            <a:extLst>
+              <a:ext uri="{FF2B5EF4-FFF2-40B4-BE49-F238E27FC236}">
+                <a16:creationId xmlns:a16="http://schemas.microsoft.com/office/drawing/2014/main" id="{01A05A17-4134-CB42-BA18-D7A967D0F2DB}"/>
+              </a:ext>
+            </a:extLst>
+          </p:cNvPr>
+          <p:cNvPicPr>
+            <a:picLocks noChangeAspect="1"/>
+          </p:cNvPicPr>
+          <p:nvPr/>
+        </p:nvPicPr>
+        <p:blipFill>
+          <a:blip r:embed="rId3">
+            <a:extLst>
+              <a:ext uri="{28A0092B-C50C-407E-A947-70E740481C1C}">
+                <a14:useLocalDpi xmlns:a14="http://schemas.microsoft.com/office/drawing/2010/main" val="0"/>
+              </a:ext>
+            </a:extLst>
+          </a:blip>
+          <a:stretch>
+            <a:fillRect/>
+          </a:stretch>
+        </p:blipFill>
+        <p:spPr>
+          <a:xfrm>
+            <a:off x="1589975" y="2907884"/>
+            <a:ext cx="9012050" cy="1757124"/>
+          </a:xfrm>
+          <a:prstGeom prst="rect">
+            <a:avLst/>
+          </a:prstGeom>
+        </p:spPr>
+      </p:pic>
+      <p:sp>
+        <p:nvSpPr>
+          <p:cNvPr id="5" name="TextBox 4">
+            <a:extLst>
+              <a:ext uri="{FF2B5EF4-FFF2-40B4-BE49-F238E27FC236}">
+                <a16:creationId xmlns:a16="http://schemas.microsoft.com/office/drawing/2014/main" id="{7143B78D-B6B3-474D-B531-66EC4DED1CA1}"/>
+              </a:ext>
+            </a:extLst>
+          </p:cNvPr>
+          <p:cNvSpPr txBox="1"/>
+          <p:nvPr/>
+        </p:nvSpPr>
+        <p:spPr>
+          <a:xfrm>
+            <a:off x="1322962" y="1780162"/>
+            <a:ext cx="5985293" cy="477054"/>
+          </a:xfrm>
+          <a:prstGeom prst="rect">
+            <a:avLst/>
+          </a:prstGeom>
+          <a:noFill/>
+        </p:spPr>
+        <p:txBody>
+          <a:bodyPr wrap="none" rtlCol="0">
+            <a:spAutoFit/>
+          </a:bodyPr>
+          <a:lstStyle/>
+          <a:p>
+            <a:pPr marL="342900" indent="-342900">
+              <a:buFont typeface="Arial" panose="020B0604020202020204" pitchFamily="34" charset="0"/>
+              <a:buChar char="•"/>
+            </a:pPr>
+            <a:r>
+              <a:rPr lang="en-US" sz="2500" b="1" dirty="0"/>
+              <a:t>Detailed parameters of EDM-</a:t>
+            </a:r>
+            <a:r>
+              <a:rPr lang="en-US" sz="2500" b="1" dirty="0" err="1"/>
+              <a:t>RoBERTa</a:t>
+            </a:r>
+            <a:endParaRPr lang="en-US" sz="2500" b="1" dirty="0"/>
           </a:p>
         </p:txBody>
       </p:sp>
     </p:spTree>
     <p:extLst>
       <p:ext uri="{BB962C8B-B14F-4D97-AF65-F5344CB8AC3E}">
-        <p14:creationId xmlns:p14="http://schemas.microsoft.com/office/powerpoint/2010/main" val="1742442189"/>
+        <p14:creationId xmlns:p14="http://schemas.microsoft.com/office/powerpoint/2010/main" val="266460702"/>
       </p:ext>
     </p:extLst>
   </p:cSld>
@@ -8849,19 +9454,14 @@
 </p:sld>
 </file>
 
-<file path=ppt/slides/slide2.xml><?xml version="1.0" encoding="utf-8"?>
+<file path=ppt/slides/slide15.xml><?xml version="1.0" encoding="utf-8"?>
 <p:sld xmlns:a="http://schemas.openxmlformats.org/drawingml/2006/main" xmlns:r="http://schemas.openxmlformats.org/officeDocument/2006/relationships" xmlns:p="http://schemas.openxmlformats.org/presentationml/2006/main">
   <p:cSld>
     <p:bg>
       <p:bgPr>
-        <a:blipFill dpi="0" rotWithShape="1">
-          <a:blip r:embed="rId3">
-            <a:alphaModFix amt="56000"/>
-            <a:lum/>
-          </a:blip>
-          <a:srcRect/>
-          <a:tile tx="0" ty="0" sx="100000" sy="100000" flip="none" algn="tl"/>
-        </a:blipFill>
+        <a:solidFill>
+          <a:schemeClr val="bg1"/>
+        </a:solidFill>
         <a:effectLst/>
       </p:bgPr>
     </p:bg>
@@ -8881,10 +9481,10 @@
       </p:grpSpPr>
       <p:sp>
         <p:nvSpPr>
-          <p:cNvPr id="3" name="TextBox 2">
-            <a:extLst>
-              <a:ext uri="{FF2B5EF4-FFF2-40B4-BE49-F238E27FC236}">
-                <a16:creationId xmlns:a16="http://schemas.microsoft.com/office/drawing/2014/main" id="{5EE55C47-AE59-E04E-9F74-44AF926D0C17}"/>
+          <p:cNvPr id="2" name="文字方塊 9">
+            <a:extLst>
+              <a:ext uri="{FF2B5EF4-FFF2-40B4-BE49-F238E27FC236}">
+                <a16:creationId xmlns:a16="http://schemas.microsoft.com/office/drawing/2014/main" id="{1472181F-E1C9-5B4B-AC5F-B6ABF9C576B7}"/>
               </a:ext>
             </a:extLst>
           </p:cNvPr>
@@ -8893,8 +9493,8 @@
         </p:nvSpPr>
         <p:spPr>
           <a:xfrm>
-            <a:off x="451836" y="449466"/>
-            <a:ext cx="8843318" cy="1015663"/>
+            <a:off x="616225" y="569844"/>
+            <a:ext cx="11008328" cy="523220"/>
           </a:xfrm>
           <a:prstGeom prst="rect">
             <a:avLst/>
@@ -8902,43 +9502,98 @@
           <a:noFill/>
         </p:spPr>
         <p:txBody>
-          <a:bodyPr wrap="none" rtlCol="0">
+          <a:bodyPr wrap="square" rtlCol="0">
             <a:spAutoFit/>
           </a:bodyPr>
           <a:lstStyle/>
           <a:p>
             <a:r>
-              <a:rPr lang="en-US" sz="3000" b="1" dirty="0"/>
-              <a:t>Enhancing the Dependency Mechanism of </a:t>
-            </a:r>
-            <a:r>
-              <a:rPr lang="en-US" sz="3000" b="1" dirty="0" err="1"/>
-              <a:t>RoBERTa</a:t>
-            </a:r>
-            <a:endParaRPr lang="en-US" sz="3000" b="1" dirty="0"/>
-          </a:p>
-          <a:p>
-            <a:r>
-              <a:rPr lang="en-US" sz="3000" b="1" dirty="0"/>
-              <a:t>(EDM-</a:t>
-            </a:r>
-            <a:r>
-              <a:rPr lang="en-US" sz="3000" b="1" dirty="0" err="1"/>
-              <a:t>RoBERTa</a:t>
-            </a:r>
-            <a:r>
-              <a:rPr lang="en-US" sz="3000" b="1" dirty="0"/>
-              <a:t>)</a:t>
-            </a:r>
-          </a:p>
-        </p:txBody>
-      </p:sp>
-      <p:sp>
-        <p:nvSpPr>
-          <p:cNvPr id="4" name="TextBox 3">
-            <a:extLst>
-              <a:ext uri="{FF2B5EF4-FFF2-40B4-BE49-F238E27FC236}">
-                <a16:creationId xmlns:a16="http://schemas.microsoft.com/office/drawing/2014/main" id="{1DB80405-79F9-894C-BEFE-7E73F99E0F76}"/>
+              <a:rPr lang="en-US" sz="2800" b="1" dirty="0"/>
+              <a:t>Environments</a:t>
+            </a:r>
+          </a:p>
+        </p:txBody>
+      </p:sp>
+      <p:pic>
+        <p:nvPicPr>
+          <p:cNvPr id="6" name="Picture 5">
+            <a:extLst>
+              <a:ext uri="{FF2B5EF4-FFF2-40B4-BE49-F238E27FC236}">
+                <a16:creationId xmlns:a16="http://schemas.microsoft.com/office/drawing/2014/main" id="{138C9CDB-FB79-7B43-A512-EBA1A3B74DFD}"/>
+              </a:ext>
+            </a:extLst>
+          </p:cNvPr>
+          <p:cNvPicPr>
+            <a:picLocks noChangeAspect="1"/>
+          </p:cNvPicPr>
+          <p:nvPr/>
+        </p:nvPicPr>
+        <p:blipFill>
+          <a:blip r:embed="rId3">
+            <a:extLst>
+              <a:ext uri="{28A0092B-C50C-407E-A947-70E740481C1C}">
+                <a14:useLocalDpi xmlns:a14="http://schemas.microsoft.com/office/drawing/2010/main" val="0"/>
+              </a:ext>
+            </a:extLst>
+          </a:blip>
+          <a:stretch>
+            <a:fillRect/>
+          </a:stretch>
+        </p:blipFill>
+        <p:spPr>
+          <a:xfrm>
+            <a:off x="540194" y="1812004"/>
+            <a:ext cx="11111611" cy="3674396"/>
+          </a:xfrm>
+          <a:prstGeom prst="rect">
+            <a:avLst/>
+          </a:prstGeom>
+        </p:spPr>
+      </p:pic>
+    </p:spTree>
+    <p:extLst>
+      <p:ext uri="{BB962C8B-B14F-4D97-AF65-F5344CB8AC3E}">
+        <p14:creationId xmlns:p14="http://schemas.microsoft.com/office/powerpoint/2010/main" val="1320879586"/>
+      </p:ext>
+    </p:extLst>
+  </p:cSld>
+  <p:clrMapOvr>
+    <a:masterClrMapping/>
+  </p:clrMapOvr>
+</p:sld>
+</file>
+
+<file path=ppt/slides/slide16.xml><?xml version="1.0" encoding="utf-8"?>
+<p:sld xmlns:a="http://schemas.openxmlformats.org/drawingml/2006/main" xmlns:r="http://schemas.openxmlformats.org/officeDocument/2006/relationships" xmlns:p="http://schemas.openxmlformats.org/presentationml/2006/main">
+  <p:cSld>
+    <p:bg>
+      <p:bgPr>
+        <a:solidFill>
+          <a:schemeClr val="bg1"/>
+        </a:solidFill>
+        <a:effectLst/>
+      </p:bgPr>
+    </p:bg>
+    <p:spTree>
+      <p:nvGrpSpPr>
+        <p:cNvPr id="1" name=""/>
+        <p:cNvGrpSpPr/>
+        <p:nvPr/>
+      </p:nvGrpSpPr>
+      <p:grpSpPr>
+        <a:xfrm>
+          <a:off x="0" y="0"/>
+          <a:ext cx="0" cy="0"/>
+          <a:chOff x="0" y="0"/>
+          <a:chExt cx="0" cy="0"/>
+        </a:xfrm>
+      </p:grpSpPr>
+      <p:sp>
+        <p:nvSpPr>
+          <p:cNvPr id="2" name="文字方塊 9">
+            <a:extLst>
+              <a:ext uri="{FF2B5EF4-FFF2-40B4-BE49-F238E27FC236}">
+                <a16:creationId xmlns:a16="http://schemas.microsoft.com/office/drawing/2014/main" id="{1472181F-E1C9-5B4B-AC5F-B6ABF9C576B7}"/>
               </a:ext>
             </a:extLst>
           </p:cNvPr>
@@ -8947,8 +9602,8 @@
         </p:nvSpPr>
         <p:spPr>
           <a:xfrm>
-            <a:off x="924128" y="2013626"/>
-            <a:ext cx="5513689" cy="477054"/>
+            <a:off x="616225" y="569844"/>
+            <a:ext cx="11008328" cy="523220"/>
           </a:xfrm>
           <a:prstGeom prst="rect">
             <a:avLst/>
@@ -8956,6 +9611,122 @@
           <a:noFill/>
         </p:spPr>
         <p:txBody>
+          <a:bodyPr wrap="square" rtlCol="0">
+            <a:spAutoFit/>
+          </a:bodyPr>
+          <a:lstStyle/>
+          <a:p>
+            <a:r>
+              <a:rPr lang="en-US" sz="2800" b="1" dirty="0"/>
+              <a:t>Conclusions</a:t>
+            </a:r>
+          </a:p>
+        </p:txBody>
+      </p:sp>
+    </p:spTree>
+    <p:extLst>
+      <p:ext uri="{BB962C8B-B14F-4D97-AF65-F5344CB8AC3E}">
+        <p14:creationId xmlns:p14="http://schemas.microsoft.com/office/powerpoint/2010/main" val="1742442189"/>
+      </p:ext>
+    </p:extLst>
+  </p:cSld>
+  <p:clrMapOvr>
+    <a:masterClrMapping/>
+  </p:clrMapOvr>
+</p:sld>
+</file>
+
+<file path=ppt/slides/slide2.xml><?xml version="1.0" encoding="utf-8"?>
+<p:sld xmlns:a="http://schemas.openxmlformats.org/drawingml/2006/main" xmlns:r="http://schemas.openxmlformats.org/officeDocument/2006/relationships" xmlns:p="http://schemas.openxmlformats.org/presentationml/2006/main">
+  <p:cSld>
+    <p:spTree>
+      <p:nvGrpSpPr>
+        <p:cNvPr id="1" name=""/>
+        <p:cNvGrpSpPr/>
+        <p:nvPr/>
+      </p:nvGrpSpPr>
+      <p:grpSpPr>
+        <a:xfrm>
+          <a:off x="0" y="0"/>
+          <a:ext cx="0" cy="0"/>
+          <a:chOff x="0" y="0"/>
+          <a:chExt cx="0" cy="0"/>
+        </a:xfrm>
+      </p:grpSpPr>
+      <p:sp>
+        <p:nvSpPr>
+          <p:cNvPr id="3" name="TextBox 2">
+            <a:extLst>
+              <a:ext uri="{FF2B5EF4-FFF2-40B4-BE49-F238E27FC236}">
+                <a16:creationId xmlns:a16="http://schemas.microsoft.com/office/drawing/2014/main" id="{5EE55C47-AE59-E04E-9F74-44AF926D0C17}"/>
+              </a:ext>
+            </a:extLst>
+          </p:cNvPr>
+          <p:cNvSpPr txBox="1"/>
+          <p:nvPr/>
+        </p:nvSpPr>
+        <p:spPr>
+          <a:xfrm>
+            <a:off x="284256" y="551471"/>
+            <a:ext cx="12156683" cy="553998"/>
+          </a:xfrm>
+          <a:prstGeom prst="rect">
+            <a:avLst/>
+          </a:prstGeom>
+          <a:noFill/>
+        </p:spPr>
+        <p:txBody>
+          <a:bodyPr wrap="square" rtlCol="0">
+            <a:spAutoFit/>
+          </a:bodyPr>
+          <a:lstStyle/>
+          <a:p>
+            <a:r>
+              <a:rPr lang="en-US" sz="3000" b="1" dirty="0"/>
+              <a:t>Enhancing the Dependency Mechanism of </a:t>
+            </a:r>
+            <a:r>
+              <a:rPr lang="en-US" sz="3000" b="1" dirty="0" err="1"/>
+              <a:t>RoBERTa</a:t>
+            </a:r>
+            <a:r>
+              <a:rPr lang="en-US" sz="3000" b="1" dirty="0"/>
+              <a:t>  (EDM-</a:t>
+            </a:r>
+            <a:r>
+              <a:rPr lang="en-US" sz="3000" b="1" dirty="0" err="1"/>
+              <a:t>RoBERTa</a:t>
+            </a:r>
+            <a:r>
+              <a:rPr lang="en-US" sz="3000" b="1" dirty="0"/>
+              <a:t>)</a:t>
+            </a:r>
+          </a:p>
+        </p:txBody>
+      </p:sp>
+      <p:sp>
+        <p:nvSpPr>
+          <p:cNvPr id="4" name="TextBox 3">
+            <a:extLst>
+              <a:ext uri="{FF2B5EF4-FFF2-40B4-BE49-F238E27FC236}">
+                <a16:creationId xmlns:a16="http://schemas.microsoft.com/office/drawing/2014/main" id="{1DB80405-79F9-894C-BEFE-7E73F99E0F76}"/>
+              </a:ext>
+            </a:extLst>
+          </p:cNvPr>
+          <p:cNvSpPr txBox="1"/>
+          <p:nvPr/>
+        </p:nvSpPr>
+        <p:spPr>
+          <a:xfrm>
+            <a:off x="875285" y="1441953"/>
+            <a:ext cx="10394449" cy="477054"/>
+          </a:xfrm>
+          <a:prstGeom prst="rect">
+            <a:avLst/>
+          </a:prstGeom>
+          <a:noFill/>
+        </p:spPr>
+        <p:txBody>
           <a:bodyPr wrap="none" rtlCol="0">
             <a:spAutoFit/>
           </a:bodyPr>
@@ -8967,11 +9738,47 @@
             </a:pPr>
             <a:r>
               <a:rPr lang="en-US" sz="2500" b="1" dirty="0"/>
-              <a:t>Learning Language Representations</a:t>
-            </a:r>
-          </a:p>
-        </p:txBody>
-      </p:sp>
+              <a:t>Learning Language Representations: Word Vector (Word Embeddings) </a:t>
+            </a:r>
+          </a:p>
+        </p:txBody>
+      </p:sp>
+      <p:pic>
+        <p:nvPicPr>
+          <p:cNvPr id="5" name="圖片 4">
+            <a:extLst>
+              <a:ext uri="{FF2B5EF4-FFF2-40B4-BE49-F238E27FC236}">
+                <a16:creationId xmlns:a16="http://schemas.microsoft.com/office/drawing/2014/main" id="{79DAFDD5-E509-4888-A0D9-C4EA4047A2C6}"/>
+              </a:ext>
+            </a:extLst>
+          </p:cNvPr>
+          <p:cNvPicPr>
+            <a:picLocks noChangeAspect="1"/>
+          </p:cNvPicPr>
+          <p:nvPr/>
+        </p:nvPicPr>
+        <p:blipFill>
+          <a:blip r:embed="rId3">
+            <a:extLst>
+              <a:ext uri="{28A0092B-C50C-407E-A947-70E740481C1C}">
+                <a14:useLocalDpi xmlns:a14="http://schemas.microsoft.com/office/drawing/2010/main" val="0"/>
+              </a:ext>
+            </a:extLst>
+          </a:blip>
+          <a:stretch>
+            <a:fillRect/>
+          </a:stretch>
+        </p:blipFill>
+        <p:spPr>
+          <a:xfrm>
+            <a:off x="2354996" y="2216079"/>
+            <a:ext cx="8234592" cy="4090449"/>
+          </a:xfrm>
+          <a:prstGeom prst="rect">
+            <a:avLst/>
+          </a:prstGeom>
+        </p:spPr>
+      </p:pic>
     </p:spTree>
     <p:extLst>
       <p:ext uri="{BB962C8B-B14F-4D97-AF65-F5344CB8AC3E}">
@@ -8990,14 +9797,9 @@
   <p:cSld>
     <p:bg>
       <p:bgPr>
-        <a:blipFill dpi="0" rotWithShape="1">
-          <a:blip r:embed="rId3">
-            <a:alphaModFix amt="56000"/>
-            <a:lum/>
-          </a:blip>
-          <a:srcRect/>
-          <a:tile tx="0" ty="0" sx="100000" sy="100000" flip="none" algn="tl"/>
-        </a:blipFill>
+        <a:solidFill>
+          <a:schemeClr val="bg1"/>
+        </a:solidFill>
         <a:effectLst/>
       </p:bgPr>
     </p:bg>
@@ -9264,14 +10066,9 @@
   <p:cSld>
     <p:bg>
       <p:bgPr>
-        <a:blipFill dpi="0" rotWithShape="1">
-          <a:blip r:embed="rId3">
-            <a:alphaModFix amt="56000"/>
-            <a:lum/>
-          </a:blip>
-          <a:srcRect/>
-          <a:tile tx="0" ty="0" sx="100000" sy="100000" flip="none" algn="tl"/>
-        </a:blipFill>
+        <a:solidFill>
+          <a:schemeClr val="bg1"/>
+        </a:solidFill>
         <a:effectLst/>
       </p:bgPr>
     </p:bg>
@@ -9304,7 +10101,7 @@
         <p:spPr>
           <a:xfrm>
             <a:off x="616225" y="569844"/>
-            <a:ext cx="5959673" cy="523220"/>
+            <a:ext cx="9693544" cy="523220"/>
           </a:xfrm>
           <a:prstGeom prst="rect">
             <a:avLst/>
@@ -9319,7 +10116,7 @@
           <a:p>
             <a:r>
               <a:rPr lang="en-US" sz="2800" b="1" dirty="0"/>
-              <a:t>Flowchart &amp; Structure of Seq2Seq</a:t>
+              <a:t>Flowchart of NLP &amp;Model and Bottleneck Problem </a:t>
             </a:r>
           </a:p>
         </p:txBody>
@@ -9330,6 +10127,42 @@
             <a:extLst>
               <a:ext uri="{FF2B5EF4-FFF2-40B4-BE49-F238E27FC236}">
                 <a16:creationId xmlns:a16="http://schemas.microsoft.com/office/drawing/2014/main" id="{283A6487-7FE0-7344-8B49-BC02C9576B77}"/>
+              </a:ext>
+            </a:extLst>
+          </p:cNvPr>
+          <p:cNvPicPr>
+            <a:picLocks noChangeAspect="1"/>
+          </p:cNvPicPr>
+          <p:nvPr/>
+        </p:nvPicPr>
+        <p:blipFill>
+          <a:blip r:embed="rId3">
+            <a:extLst>
+              <a:ext uri="{28A0092B-C50C-407E-A947-70E740481C1C}">
+                <a14:useLocalDpi xmlns:a14="http://schemas.microsoft.com/office/drawing/2010/main" val="0"/>
+              </a:ext>
+            </a:extLst>
+          </a:blip>
+          <a:stretch>
+            <a:fillRect/>
+          </a:stretch>
+        </p:blipFill>
+        <p:spPr>
+          <a:xfrm>
+            <a:off x="3217289" y="1944712"/>
+            <a:ext cx="8974711" cy="3767541"/>
+          </a:xfrm>
+          <a:prstGeom prst="rect">
+            <a:avLst/>
+          </a:prstGeom>
+        </p:spPr>
+      </p:pic>
+      <p:pic>
+        <p:nvPicPr>
+          <p:cNvPr id="6" name="Picture 5">
+            <a:extLst>
+              <a:ext uri="{FF2B5EF4-FFF2-40B4-BE49-F238E27FC236}">
+                <a16:creationId xmlns:a16="http://schemas.microsoft.com/office/drawing/2014/main" id="{722DFDD4-4509-8547-AED8-E58912951B6E}"/>
               </a:ext>
             </a:extLst>
           </p:cNvPr>
@@ -9352,43 +10185,7 @@
         </p:blipFill>
         <p:spPr>
           <a:xfrm>
-            <a:off x="3217289" y="1944712"/>
-            <a:ext cx="8974711" cy="3767541"/>
-          </a:xfrm>
-          <a:prstGeom prst="rect">
-            <a:avLst/>
-          </a:prstGeom>
-        </p:spPr>
-      </p:pic>
-      <p:pic>
-        <p:nvPicPr>
-          <p:cNvPr id="6" name="Picture 5">
-            <a:extLst>
-              <a:ext uri="{FF2B5EF4-FFF2-40B4-BE49-F238E27FC236}">
-                <a16:creationId xmlns:a16="http://schemas.microsoft.com/office/drawing/2014/main" id="{722DFDD4-4509-8547-AED8-E58912951B6E}"/>
-              </a:ext>
-            </a:extLst>
-          </p:cNvPr>
-          <p:cNvPicPr>
-            <a:picLocks noChangeAspect="1"/>
-          </p:cNvPicPr>
-          <p:nvPr/>
-        </p:nvPicPr>
-        <p:blipFill>
-          <a:blip r:embed="rId5">
-            <a:extLst>
-              <a:ext uri="{28A0092B-C50C-407E-A947-70E740481C1C}">
-                <a14:useLocalDpi xmlns:a14="http://schemas.microsoft.com/office/drawing/2010/main" val="0"/>
-              </a:ext>
-            </a:extLst>
-          </a:blip>
-          <a:stretch>
-            <a:fillRect/>
-          </a:stretch>
-        </p:blipFill>
-        <p:spPr>
-          <a:xfrm>
-            <a:off x="1748076" y="1461887"/>
+            <a:off x="1807343" y="1588887"/>
             <a:ext cx="1847985" cy="4250366"/>
           </a:xfrm>
           <a:prstGeom prst="rect">
@@ -9414,14 +10211,9 @@
   <p:cSld>
     <p:bg>
       <p:bgPr>
-        <a:blipFill dpi="0" rotWithShape="1">
-          <a:blip r:embed="rId3">
-            <a:alphaModFix amt="56000"/>
-            <a:lum/>
-          </a:blip>
-          <a:srcRect/>
-          <a:tile tx="0" ty="0" sx="100000" sy="100000" flip="none" algn="tl"/>
-        </a:blipFill>
+        <a:solidFill>
+          <a:schemeClr val="bg1"/>
+        </a:solidFill>
         <a:effectLst/>
       </p:bgPr>
     </p:bg>
@@ -9683,14 +10475,9 @@
   <p:cSld>
     <p:bg>
       <p:bgPr>
-        <a:blipFill dpi="0" rotWithShape="1">
-          <a:blip r:embed="rId3">
-            <a:alphaModFix amt="56000"/>
-            <a:lum/>
-          </a:blip>
-          <a:srcRect/>
-          <a:tile tx="0" ty="0" sx="100000" sy="100000" flip="none" algn="tl"/>
-        </a:blipFill>
+        <a:solidFill>
+          <a:schemeClr val="bg1"/>
+        </a:solidFill>
         <a:effectLst/>
       </p:bgPr>
     </p:bg>
@@ -9949,8 +10736,8 @@
         </p:nvSpPr>
         <p:spPr>
           <a:xfrm>
-            <a:off x="616225" y="4153221"/>
-            <a:ext cx="5332229" cy="461665"/>
+            <a:off x="1752850" y="3922389"/>
+            <a:ext cx="5001690" cy="461665"/>
           </a:xfrm>
           <a:prstGeom prst="rect">
             <a:avLst/>
@@ -9968,12 +10755,9 @@
               <a:buChar char="ü"/>
             </a:pPr>
             <a:r>
-              <a:rPr lang="en-US" sz="2400" b="1" dirty="0">
-                <a:solidFill>
-                  <a:srgbClr val="FF0000"/>
-                </a:solidFill>
-                <a:latin typeface="Times New Roman" panose="02020603050405020304" pitchFamily="18" charset="0"/>
-                <a:cs typeface="Times New Roman" panose="02020603050405020304" pitchFamily="18" charset="0"/>
+              <a:rPr lang="en-US" sz="2400" dirty="0">
+                <a:latin typeface="Calibri" panose="020F0502020204030204" pitchFamily="34" charset="0"/>
+                <a:cs typeface="Calibri" panose="020F0502020204030204" pitchFamily="34" charset="0"/>
               </a:rPr>
               <a:t>First GOP Debate Twitter Sentiment</a:t>
             </a:r>
@@ -9994,8 +10778,8 @@
         </p:nvSpPr>
         <p:spPr>
           <a:xfrm>
-            <a:off x="616225" y="4726542"/>
-            <a:ext cx="11430822" cy="461665"/>
+            <a:off x="1752850" y="4495710"/>
+            <a:ext cx="10907922" cy="461665"/>
           </a:xfrm>
           <a:prstGeom prst="rect">
             <a:avLst/>
@@ -10013,12 +10797,9 @@
               <a:buChar char="ü"/>
             </a:pPr>
             <a:r>
-              <a:rPr lang="en-US" sz="2400" b="1" dirty="0">
-                <a:solidFill>
-                  <a:srgbClr val="FF0000"/>
-                </a:solidFill>
-                <a:latin typeface="Times New Roman" panose="02020603050405020304" pitchFamily="18" charset="0"/>
-                <a:cs typeface="Times New Roman" panose="02020603050405020304" pitchFamily="18" charset="0"/>
+              <a:rPr lang="en-US" sz="2400" dirty="0">
+                <a:latin typeface="Calibri" panose="020F0502020204030204" pitchFamily="34" charset="0"/>
+                <a:cs typeface="Calibri" panose="020F0502020204030204" pitchFamily="34" charset="0"/>
               </a:rPr>
               <a:t>Tweets from verified users concerning stocks traded on the NYSE, NASDQ &amp; SNP </a:t>
             </a:r>
@@ -10039,8 +10820,8 @@
         </p:nvSpPr>
         <p:spPr>
           <a:xfrm>
-            <a:off x="616224" y="5289035"/>
-            <a:ext cx="4462055" cy="461665"/>
+            <a:off x="1752849" y="5058203"/>
+            <a:ext cx="4111960" cy="461665"/>
           </a:xfrm>
           <a:prstGeom prst="rect">
             <a:avLst/>
@@ -10058,12 +10839,9 @@
               <a:buChar char="ü"/>
             </a:pPr>
             <a:r>
-              <a:rPr lang="en-US" sz="2400" b="1" dirty="0">
-                <a:solidFill>
-                  <a:srgbClr val="FF0000"/>
-                </a:solidFill>
-                <a:latin typeface="Times New Roman" panose="02020603050405020304" pitchFamily="18" charset="0"/>
-                <a:cs typeface="Times New Roman" panose="02020603050405020304" pitchFamily="18" charset="0"/>
+              <a:rPr lang="en-US" sz="2400" dirty="0">
+                <a:latin typeface="Calibri" panose="020F0502020204030204" pitchFamily="34" charset="0"/>
+                <a:cs typeface="Calibri" panose="020F0502020204030204" pitchFamily="34" charset="0"/>
               </a:rPr>
               <a:t>SST-2: IMDb Movies Reviews</a:t>
             </a:r>
@@ -10084,8 +10862,8 @@
         </p:nvSpPr>
         <p:spPr>
           <a:xfrm>
-            <a:off x="616223" y="5903211"/>
-            <a:ext cx="5872505" cy="461665"/>
+            <a:off x="1752848" y="5672379"/>
+            <a:ext cx="5536259" cy="461665"/>
           </a:xfrm>
           <a:prstGeom prst="rect">
             <a:avLst/>
@@ -10103,12 +10881,9 @@
               <a:buChar char="ü"/>
             </a:pPr>
             <a:r>
-              <a:rPr lang="en-US" sz="2400" b="1" dirty="0">
-                <a:solidFill>
-                  <a:srgbClr val="FF0000"/>
-                </a:solidFill>
-                <a:latin typeface="Times New Roman" panose="02020603050405020304" pitchFamily="18" charset="0"/>
-                <a:cs typeface="Times New Roman" panose="02020603050405020304" pitchFamily="18" charset="0"/>
+              <a:rPr lang="en-US" sz="2400" dirty="0">
+                <a:latin typeface="Calibri" panose="020F0502020204030204" pitchFamily="34" charset="0"/>
+                <a:cs typeface="Calibri" panose="020F0502020204030204" pitchFamily="34" charset="0"/>
               </a:rPr>
               <a:t>SST-5: Rotten Tomatoes Movies Reviews</a:t>
             </a:r>
@@ -10133,13 +10908,9 @@
   <p:cSld>
     <p:bg>
       <p:bgPr>
-        <a:blipFill dpi="0" rotWithShape="1">
-          <a:blip r:embed="rId3">
-            <a:alphaModFix amt="56000"/>
-          </a:blip>
-          <a:srcRect/>
-          <a:tile tx="0" ty="0" sx="100000" sy="100000" flip="none" algn="tl"/>
-        </a:blipFill>
+        <a:solidFill>
+          <a:schemeClr val="bg1"/>
+        </a:solidFill>
         <a:effectLst/>
       </p:bgPr>
     </p:bg>
@@ -10207,7 +10978,7 @@
           <p:nvPr/>
         </p:nvPicPr>
         <p:blipFill>
-          <a:blip r:embed="rId4">
+          <a:blip r:embed="rId3">
             <a:extLst>
               <a:ext uri="{28A0092B-C50C-407E-A947-70E740481C1C}">
                 <a14:useLocalDpi xmlns:a14="http://schemas.microsoft.com/office/drawing/2010/main" val="0"/>
@@ -10242,8 +11013,8 @@
         </p:nvSpPr>
         <p:spPr>
           <a:xfrm>
-            <a:off x="1867711" y="2159541"/>
-            <a:ext cx="6076600" cy="461665"/>
+            <a:off x="1430548" y="2272206"/>
+            <a:ext cx="6170344" cy="461665"/>
           </a:xfrm>
           <a:prstGeom prst="rect">
             <a:avLst/>
@@ -10265,7 +11036,7 @@
                 <a:latin typeface="Calibri" panose="020F0502020204030204" pitchFamily="34" charset="0"/>
                 <a:cs typeface="Calibri" panose="020F0502020204030204" pitchFamily="34" charset="0"/>
               </a:rPr>
-              <a:t>BERT: </a:t>
+              <a:t>BERT:  </a:t>
             </a:r>
             <a:r>
               <a:rPr lang="en-US" sz="2400" dirty="0" err="1">
@@ -10298,7 +11069,7 @@
         </p:nvSpPr>
         <p:spPr>
           <a:xfrm>
-            <a:off x="1867711" y="2967335"/>
+            <a:off x="1430548" y="2992554"/>
             <a:ext cx="1723933" cy="461665"/>
           </a:xfrm>
           <a:prstGeom prst="rect">
@@ -10347,8 +11118,8 @@
         </p:nvSpPr>
         <p:spPr>
           <a:xfrm>
-            <a:off x="2527741" y="3687683"/>
-            <a:ext cx="3840539" cy="461665"/>
+            <a:off x="2090578" y="3712902"/>
+            <a:ext cx="4325671" cy="830997"/>
           </a:xfrm>
           <a:prstGeom prst="rect">
             <a:avLst/>
@@ -10380,7 +11151,46 @@
                 <a:latin typeface="Calibri" panose="020F0502020204030204" pitchFamily="34" charset="0"/>
                 <a:cs typeface="Calibri" panose="020F0502020204030204" pitchFamily="34" charset="0"/>
               </a:rPr>
-              <a:t>More Corpus</a:t>
+              <a:t>More Corpus </a:t>
+            </a:r>
+            <a:br>
+              <a:rPr lang="en-US" sz="2400" b="1" dirty="0">
+                <a:solidFill>
+                  <a:srgbClr val="FF0000"/>
+                </a:solidFill>
+                <a:latin typeface="Calibri" panose="020F0502020204030204" pitchFamily="34" charset="0"/>
+                <a:cs typeface="Calibri" panose="020F0502020204030204" pitchFamily="34" charset="0"/>
+              </a:rPr>
+            </a:br>
+            <a:r>
+              <a:rPr lang="en-US" sz="2400" b="1" dirty="0">
+                <a:solidFill>
+                  <a:srgbClr val="FF0000"/>
+                </a:solidFill>
+                <a:latin typeface="Calibri" panose="020F0502020204030204" pitchFamily="34" charset="0"/>
+                <a:cs typeface="Calibri" panose="020F0502020204030204" pitchFamily="34" charset="0"/>
+              </a:rPr>
+              <a:t>	(WikiText103 &amp; </a:t>
+            </a:r>
+            <a:r>
+              <a:rPr lang="en-US" sz="2400" b="1" dirty="0" err="1">
+                <a:solidFill>
+                  <a:srgbClr val="FF0000"/>
+                </a:solidFill>
+                <a:latin typeface="Calibri" panose="020F0502020204030204" pitchFamily="34" charset="0"/>
+                <a:cs typeface="Calibri" panose="020F0502020204030204" pitchFamily="34" charset="0"/>
+              </a:rPr>
+              <a:t>CCNews</a:t>
+            </a:r>
+            <a:r>
+              <a:rPr lang="en-US" sz="2400" b="1" dirty="0">
+                <a:solidFill>
+                  <a:srgbClr val="FF0000"/>
+                </a:solidFill>
+                <a:latin typeface="Calibri" panose="020F0502020204030204" pitchFamily="34" charset="0"/>
+                <a:cs typeface="Calibri" panose="020F0502020204030204" pitchFamily="34" charset="0"/>
+              </a:rPr>
+              <a:t>) </a:t>
             </a:r>
           </a:p>
         </p:txBody>
@@ -10399,7 +11209,7 @@
         </p:nvSpPr>
         <p:spPr>
           <a:xfrm>
-            <a:off x="2527741" y="4408031"/>
+            <a:off x="2048245" y="5008984"/>
             <a:ext cx="4501232" cy="461665"/>
           </a:xfrm>
           <a:prstGeom prst="rect">
@@ -10451,7 +11261,7 @@
         </p:nvSpPr>
         <p:spPr>
           <a:xfrm>
-            <a:off x="2527741" y="5128379"/>
+            <a:off x="2048245" y="5729332"/>
             <a:ext cx="3747629" cy="461665"/>
           </a:xfrm>
           <a:prstGeom prst="rect">
@@ -10479,6 +11289,48 @@
               </a:rPr>
               <a:t>Next Sentence Prediction</a:t>
             </a:r>
+          </a:p>
+        </p:txBody>
+      </p:sp>
+      <p:sp>
+        <p:nvSpPr>
+          <p:cNvPr id="10" name="TextBox 4">
+            <a:extLst>
+              <a:ext uri="{FF2B5EF4-FFF2-40B4-BE49-F238E27FC236}">
+                <a16:creationId xmlns:a16="http://schemas.microsoft.com/office/drawing/2014/main" id="{63537FB0-121E-415E-8CFE-3EBE420ABEE7}"/>
+              </a:ext>
+            </a:extLst>
+          </p:cNvPr>
+          <p:cNvSpPr txBox="1"/>
+          <p:nvPr/>
+        </p:nvSpPr>
+        <p:spPr>
+          <a:xfrm>
+            <a:off x="926092" y="1464412"/>
+            <a:ext cx="3238835" cy="461665"/>
+          </a:xfrm>
+          <a:prstGeom prst="rect">
+            <a:avLst/>
+          </a:prstGeom>
+          <a:noFill/>
+        </p:spPr>
+        <p:txBody>
+          <a:bodyPr wrap="none" rtlCol="0">
+            <a:spAutoFit/>
+          </a:bodyPr>
+          <a:lstStyle/>
+          <a:p>
+            <a:r>
+              <a:rPr lang="en-US" sz="2400" b="1" dirty="0">
+                <a:latin typeface="Calibri" panose="020F0502020204030204" pitchFamily="34" charset="0"/>
+                <a:cs typeface="Calibri" panose="020F0502020204030204" pitchFamily="34" charset="0"/>
+              </a:rPr>
+              <a:t>Pre-training approaches</a:t>
+            </a:r>
+            <a:endParaRPr lang="en-US" sz="2400" dirty="0">
+              <a:latin typeface="Calibri" panose="020F0502020204030204" pitchFamily="34" charset="0"/>
+              <a:cs typeface="Calibri" panose="020F0502020204030204" pitchFamily="34" charset="0"/>
+            </a:endParaRPr>
           </a:p>
         </p:txBody>
       </p:sp>
@@ -10500,13 +11352,9 @@
   <p:cSld>
     <p:bg>
       <p:bgPr>
-        <a:blipFill dpi="0" rotWithShape="1">
-          <a:blip r:embed="rId3">
-            <a:alphaModFix amt="56000"/>
-          </a:blip>
-          <a:srcRect/>
-          <a:tile tx="0" ty="0" sx="100000" sy="100000" flip="none" algn="tl"/>
-        </a:blipFill>
+        <a:solidFill>
+          <a:schemeClr val="bg1"/>
+        </a:solidFill>
         <a:effectLst/>
       </p:bgPr>
     </p:bg>
@@ -10573,8 +11421,8 @@
         </p:nvSpPr>
         <p:spPr>
           <a:xfrm>
-            <a:off x="2866461" y="3477634"/>
-            <a:ext cx="3481274" cy="461665"/>
+            <a:off x="1806418" y="4185280"/>
+            <a:ext cx="3560077" cy="461665"/>
           </a:xfrm>
           <a:prstGeom prst="rect">
             <a:avLst/>
@@ -10592,173 +11440,11 @@
               <a:buChar char="•"/>
             </a:pPr>
             <a:r>
-              <a:rPr lang="en-US" sz="2400" dirty="0">
+              <a:rPr lang="en-US" sz="2400" b="1" dirty="0">
                 <a:latin typeface="Calibri" panose="020F0502020204030204" pitchFamily="34" charset="0"/>
                 <a:cs typeface="Calibri" panose="020F0502020204030204" pitchFamily="34" charset="0"/>
               </a:rPr>
               <a:t>Multi-headed Attention</a:t>
-            </a:r>
-          </a:p>
-        </p:txBody>
-      </p:sp>
-      <p:sp>
-        <p:nvSpPr>
-          <p:cNvPr id="6" name="TextBox 5">
-            <a:extLst>
-              <a:ext uri="{FF2B5EF4-FFF2-40B4-BE49-F238E27FC236}">
-                <a16:creationId xmlns:a16="http://schemas.microsoft.com/office/drawing/2014/main" id="{F0562E0E-EEBC-9146-9A8A-71CE457A66D7}"/>
-              </a:ext>
-            </a:extLst>
-          </p:cNvPr>
-          <p:cNvSpPr txBox="1"/>
-          <p:nvPr/>
-        </p:nvSpPr>
-        <p:spPr>
-          <a:xfrm>
-            <a:off x="528676" y="4304333"/>
-            <a:ext cx="2593852" cy="461665"/>
-          </a:xfrm>
-          <a:prstGeom prst="rect">
-            <a:avLst/>
-          </a:prstGeom>
-          <a:noFill/>
-        </p:spPr>
-        <p:txBody>
-          <a:bodyPr wrap="none" rtlCol="0">
-            <a:spAutoFit/>
-          </a:bodyPr>
-          <a:lstStyle/>
-          <a:p>
-            <a:pPr marL="342900" indent="-342900">
-              <a:buFont typeface="Wingdings" pitchFamily="2" charset="2"/>
-              <a:buChar char="§"/>
-            </a:pPr>
-            <a:r>
-              <a:rPr lang="en-US" sz="2400" b="1" dirty="0">
-                <a:latin typeface="Calibri" panose="020F0502020204030204" pitchFamily="34" charset="0"/>
-                <a:cs typeface="Calibri" panose="020F0502020204030204" pitchFamily="34" charset="0"/>
-              </a:rPr>
-              <a:t>Too many heads</a:t>
-            </a:r>
-            <a:endParaRPr lang="en-US" sz="2400" dirty="0">
-              <a:latin typeface="Calibri" panose="020F0502020204030204" pitchFamily="34" charset="0"/>
-              <a:cs typeface="Calibri" panose="020F0502020204030204" pitchFamily="34" charset="0"/>
-            </a:endParaRPr>
-          </a:p>
-        </p:txBody>
-      </p:sp>
-      <p:sp>
-        <p:nvSpPr>
-          <p:cNvPr id="7" name="TextBox 6">
-            <a:extLst>
-              <a:ext uri="{FF2B5EF4-FFF2-40B4-BE49-F238E27FC236}">
-                <a16:creationId xmlns:a16="http://schemas.microsoft.com/office/drawing/2014/main" id="{355704DE-69FB-6741-8A5C-9D7C9D428879}"/>
-              </a:ext>
-            </a:extLst>
-          </p:cNvPr>
-          <p:cNvSpPr txBox="1"/>
-          <p:nvPr/>
-        </p:nvSpPr>
-        <p:spPr>
-          <a:xfrm>
-            <a:off x="528676" y="4872119"/>
-            <a:ext cx="3747949" cy="461665"/>
-          </a:xfrm>
-          <a:prstGeom prst="rect">
-            <a:avLst/>
-          </a:prstGeom>
-          <a:noFill/>
-        </p:spPr>
-        <p:txBody>
-          <a:bodyPr wrap="none" rtlCol="0">
-            <a:spAutoFit/>
-          </a:bodyPr>
-          <a:lstStyle/>
-          <a:p>
-            <a:pPr marL="342900" indent="-342900">
-              <a:buFont typeface="Wingdings" pitchFamily="2" charset="2"/>
-              <a:buChar char="§"/>
-            </a:pPr>
-            <a:r>
-              <a:rPr lang="en-US" sz="2400" b="1" dirty="0">
-                <a:solidFill>
-                  <a:srgbClr val="FF0000"/>
-                </a:solidFill>
-                <a:latin typeface="Calibri" panose="020F0502020204030204" pitchFamily="34" charset="0"/>
-                <a:cs typeface="Calibri" panose="020F0502020204030204" pitchFamily="34" charset="0"/>
-              </a:rPr>
-              <a:t>Valid heads are unknown</a:t>
-            </a:r>
-          </a:p>
-        </p:txBody>
-      </p:sp>
-      <p:sp>
-        <p:nvSpPr>
-          <p:cNvPr id="10" name="TextBox 9">
-            <a:extLst>
-              <a:ext uri="{FF2B5EF4-FFF2-40B4-BE49-F238E27FC236}">
-                <a16:creationId xmlns:a16="http://schemas.microsoft.com/office/drawing/2014/main" id="{91D8B0F3-D526-8444-AAE9-6AA65AC40028}"/>
-              </a:ext>
-            </a:extLst>
-          </p:cNvPr>
-          <p:cNvSpPr txBox="1"/>
-          <p:nvPr/>
-        </p:nvSpPr>
-        <p:spPr>
-          <a:xfrm>
-            <a:off x="528676" y="5523372"/>
-            <a:ext cx="5458080" cy="830997"/>
-          </a:xfrm>
-          <a:prstGeom prst="rect">
-            <a:avLst/>
-          </a:prstGeom>
-          <a:noFill/>
-        </p:spPr>
-        <p:txBody>
-          <a:bodyPr wrap="square" rtlCol="0">
-            <a:spAutoFit/>
-          </a:bodyPr>
-          <a:lstStyle/>
-          <a:p>
-            <a:pPr marL="342900" indent="-342900">
-              <a:buFont typeface="Wingdings" pitchFamily="2" charset="2"/>
-              <a:buChar char="§"/>
-            </a:pPr>
-            <a:r>
-              <a:rPr lang="en-US" sz="2400" b="1" dirty="0">
-                <a:solidFill>
-                  <a:srgbClr val="FF0000"/>
-                </a:solidFill>
-                <a:latin typeface="Calibri" panose="020F0502020204030204" pitchFamily="34" charset="0"/>
-                <a:cs typeface="Calibri" panose="020F0502020204030204" pitchFamily="34" charset="0"/>
-              </a:rPr>
-              <a:t>Deal with “heads”:</a:t>
-            </a:r>
-            <a:br>
-              <a:rPr lang="en-US" sz="2400" b="1" dirty="0">
-                <a:solidFill>
-                  <a:srgbClr val="FF0000"/>
-                </a:solidFill>
-                <a:latin typeface="Calibri" panose="020F0502020204030204" pitchFamily="34" charset="0"/>
-                <a:cs typeface="Calibri" panose="020F0502020204030204" pitchFamily="34" charset="0"/>
-              </a:rPr>
-            </a:br>
-            <a:r>
-              <a:rPr lang="en-US" sz="2400" b="1" dirty="0">
-                <a:solidFill>
-                  <a:srgbClr val="FF0000"/>
-                </a:solidFill>
-                <a:latin typeface="Calibri" panose="020F0502020204030204" pitchFamily="34" charset="0"/>
-                <a:cs typeface="Calibri" panose="020F0502020204030204" pitchFamily="34" charset="0"/>
-              </a:rPr>
-              <a:t>	</a:t>
-            </a:r>
-            <a:r>
-              <a:rPr lang="en-US" sz="2400" b="1" dirty="0">
-                <a:latin typeface="Calibri" panose="020F0502020204030204" pitchFamily="34" charset="0"/>
-                <a:cs typeface="Calibri" panose="020F0502020204030204" pitchFamily="34" charset="0"/>
-              </a:rPr>
-              <a:t>Optimizing the attention process</a:t>
             </a:r>
           </a:p>
         </p:txBody>
@@ -10778,13 +11464,13 @@
           <p:nvPr/>
         </p:nvPicPr>
         <p:blipFill>
-          <a:blip r:embed="rId4">
+          <a:blip r:embed="rId3">
             <a:extLst>
               <a:ext uri="{28A0092B-C50C-407E-A947-70E740481C1C}">
                 <a14:useLocalDpi xmlns:a14="http://schemas.microsoft.com/office/drawing/2010/main" val="0"/>
               </a:ext>
               <a:ext uri="{96DAC541-7B7A-43D3-8B79-37D633B846F1}">
-                <asvg:svgBlip xmlns:asvg="http://schemas.microsoft.com/office/drawing/2016/SVG/main" r:embed="rId5"/>
+                <asvg:svgBlip xmlns:asvg="http://schemas.microsoft.com/office/drawing/2016/SVG/main" r:embed="rId4"/>
               </a:ext>
             </a:extLst>
           </a:blip>
@@ -10794,8 +11480,8 @@
         </p:blipFill>
         <p:spPr>
           <a:xfrm>
-            <a:off x="6234911" y="569844"/>
-            <a:ext cx="5739176" cy="2664617"/>
+            <a:off x="5472731" y="1371006"/>
+            <a:ext cx="5293823" cy="2457846"/>
           </a:xfrm>
           <a:prstGeom prst="rect">
             <a:avLst/>
@@ -10817,13 +11503,13 @@
           <p:nvPr/>
         </p:nvPicPr>
         <p:blipFill>
-          <a:blip r:embed="rId6">
+          <a:blip r:embed="rId5">
             <a:extLst>
               <a:ext uri="{28A0092B-C50C-407E-A947-70E740481C1C}">
                 <a14:useLocalDpi xmlns:a14="http://schemas.microsoft.com/office/drawing/2010/main" val="0"/>
               </a:ext>
               <a:ext uri="{96DAC541-7B7A-43D3-8B79-37D633B846F1}">
-                <asvg:svgBlip xmlns:asvg="http://schemas.microsoft.com/office/drawing/2016/SVG/main" r:embed="rId7"/>
+                <asvg:svgBlip xmlns:asvg="http://schemas.microsoft.com/office/drawing/2016/SVG/main" r:embed="rId6"/>
               </a:ext>
             </a:extLst>
           </a:blip>
@@ -10833,8 +11519,8 @@
         </p:blipFill>
         <p:spPr>
           <a:xfrm>
-            <a:off x="6366191" y="3692502"/>
-            <a:ext cx="5724457" cy="2892841"/>
+            <a:off x="5773593" y="4106795"/>
+            <a:ext cx="5272839" cy="2664617"/>
           </a:xfrm>
           <a:prstGeom prst="rect">
             <a:avLst/>
@@ -10855,8 +11541,8 @@
         </p:nvSpPr>
         <p:spPr>
           <a:xfrm>
-            <a:off x="2866461" y="1871680"/>
-            <a:ext cx="2237344" cy="461665"/>
+            <a:off x="2382742" y="1633442"/>
+            <a:ext cx="2288896" cy="461665"/>
           </a:xfrm>
           <a:prstGeom prst="rect">
             <a:avLst/>
@@ -10874,7 +11560,7 @@
               <a:buChar char="•"/>
             </a:pPr>
             <a:r>
-              <a:rPr lang="en-US" sz="2400" dirty="0">
+              <a:rPr lang="en-US" sz="2400" b="1" dirty="0">
                 <a:latin typeface="Calibri" panose="020F0502020204030204" pitchFamily="34" charset="0"/>
                 <a:cs typeface="Calibri" panose="020F0502020204030204" pitchFamily="34" charset="0"/>
               </a:rPr>
@@ -10901,13 +11587,9 @@
   <p:cSld>
     <p:bg>
       <p:bgPr>
-        <a:blipFill dpi="0" rotWithShape="1">
-          <a:blip r:embed="rId3">
-            <a:alphaModFix amt="56000"/>
-          </a:blip>
-          <a:srcRect/>
-          <a:tile tx="0" ty="0" sx="100000" sy="100000" flip="none" algn="tl"/>
-        </a:blipFill>
+        <a:solidFill>
+          <a:schemeClr val="bg1"/>
+        </a:solidFill>
         <a:effectLst/>
       </p:bgPr>
     </p:bg>
@@ -10955,7 +11637,7 @@
           <a:p>
             <a:r>
               <a:rPr lang="en-US" sz="2800" b="1" dirty="0"/>
-              <a:t>Optimization</a:t>
+              <a:t>Attention Mechanism</a:t>
             </a:r>
           </a:p>
         </p:txBody>
@@ -10974,8 +11656,8 @@
         </p:nvSpPr>
         <p:spPr>
           <a:xfrm>
-            <a:off x="952373" y="1568534"/>
-            <a:ext cx="4364656" cy="461665"/>
+            <a:off x="1806418" y="4185280"/>
+            <a:ext cx="3560077" cy="461665"/>
           </a:xfrm>
           <a:prstGeom prst="rect">
             <a:avLst/>
@@ -10993,21 +11675,21 @@
               <a:buChar char="•"/>
             </a:pPr>
             <a:r>
-              <a:rPr lang="en-US" sz="2400" dirty="0">
+              <a:rPr lang="en-US" sz="2400" b="1" dirty="0">
                 <a:latin typeface="Calibri" panose="020F0502020204030204" pitchFamily="34" charset="0"/>
                 <a:cs typeface="Calibri" panose="020F0502020204030204" pitchFamily="34" charset="0"/>
               </a:rPr>
-              <a:t>Single-headed RNN (SHA-RNN)</a:t>
-            </a:r>
-          </a:p>
-        </p:txBody>
-      </p:sp>
-      <p:sp>
-        <p:nvSpPr>
-          <p:cNvPr id="6" name="TextBox 5">
-            <a:extLst>
-              <a:ext uri="{FF2B5EF4-FFF2-40B4-BE49-F238E27FC236}">
-                <a16:creationId xmlns:a16="http://schemas.microsoft.com/office/drawing/2014/main" id="{F0562E0E-EEBC-9146-9A8A-71CE457A66D7}"/>
+              <a:t>Multi-headed Attention</a:t>
+            </a:r>
+          </a:p>
+        </p:txBody>
+      </p:sp>
+      <p:sp>
+        <p:nvSpPr>
+          <p:cNvPr id="12" name="TextBox 11">
+            <a:extLst>
+              <a:ext uri="{FF2B5EF4-FFF2-40B4-BE49-F238E27FC236}">
+                <a16:creationId xmlns:a16="http://schemas.microsoft.com/office/drawing/2014/main" id="{BADF6B0D-70A2-C543-A968-7B986D74325C}"/>
               </a:ext>
             </a:extLst>
           </p:cNvPr>
@@ -11016,8 +11698,8 @@
         </p:nvSpPr>
         <p:spPr>
           <a:xfrm>
-            <a:off x="1516652" y="2219787"/>
-            <a:ext cx="2593852" cy="461665"/>
+            <a:off x="2382742" y="1633442"/>
+            <a:ext cx="2288896" cy="461665"/>
           </a:xfrm>
           <a:prstGeom prst="rect">
             <a:avLst/>
@@ -11025,247 +11707,21 @@
           <a:noFill/>
         </p:spPr>
         <p:txBody>
-          <a:bodyPr wrap="square" rtlCol="0">
+          <a:bodyPr wrap="none" rtlCol="0">
             <a:spAutoFit/>
           </a:bodyPr>
           <a:lstStyle/>
           <a:p>
             <a:pPr marL="342900" indent="-342900">
-              <a:buFont typeface="Wingdings" pitchFamily="2" charset="2"/>
-              <a:buChar char="§"/>
+              <a:buFont typeface="Arial" panose="020B0604020202020204" pitchFamily="34" charset="0"/>
+              <a:buChar char="•"/>
             </a:pPr>
             <a:r>
               <a:rPr lang="en-US" sz="2400" b="1" dirty="0">
                 <a:latin typeface="Calibri" panose="020F0502020204030204" pitchFamily="34" charset="0"/>
                 <a:cs typeface="Calibri" panose="020F0502020204030204" pitchFamily="34" charset="0"/>
               </a:rPr>
-              <a:t>Boom Layer</a:t>
-            </a:r>
-            <a:endParaRPr lang="en-US" sz="2400" dirty="0">
-              <a:latin typeface="Calibri" panose="020F0502020204030204" pitchFamily="34" charset="0"/>
-              <a:cs typeface="Calibri" panose="020F0502020204030204" pitchFamily="34" charset="0"/>
-            </a:endParaRPr>
-          </a:p>
-        </p:txBody>
-      </p:sp>
-      <p:pic>
-        <p:nvPicPr>
-          <p:cNvPr id="4" name="Picture 3">
-            <a:extLst>
-              <a:ext uri="{FF2B5EF4-FFF2-40B4-BE49-F238E27FC236}">
-                <a16:creationId xmlns:a16="http://schemas.microsoft.com/office/drawing/2014/main" id="{C37648F9-7CB8-0A41-831D-BCB3F0DA04B2}"/>
-              </a:ext>
-            </a:extLst>
-          </p:cNvPr>
-          <p:cNvPicPr>
-            <a:picLocks noChangeAspect="1"/>
-          </p:cNvPicPr>
-          <p:nvPr/>
-        </p:nvPicPr>
-        <p:blipFill>
-          <a:blip r:embed="rId4">
-            <a:extLst>
-              <a:ext uri="{28A0092B-C50C-407E-A947-70E740481C1C}">
-                <a14:useLocalDpi xmlns:a14="http://schemas.microsoft.com/office/drawing/2010/main" val="0"/>
-              </a:ext>
-            </a:extLst>
-          </a:blip>
-          <a:stretch>
-            <a:fillRect/>
-          </a:stretch>
-        </p:blipFill>
-        <p:spPr>
-          <a:xfrm>
-            <a:off x="2285999" y="2871040"/>
-            <a:ext cx="6519559" cy="623384"/>
-          </a:xfrm>
-          <a:prstGeom prst="rect">
-            <a:avLst/>
-          </a:prstGeom>
-        </p:spPr>
-      </p:pic>
-      <p:sp>
-        <p:nvSpPr>
-          <p:cNvPr id="11" name="TextBox 10">
-            <a:extLst>
-              <a:ext uri="{FF2B5EF4-FFF2-40B4-BE49-F238E27FC236}">
-                <a16:creationId xmlns:a16="http://schemas.microsoft.com/office/drawing/2014/main" id="{047DF914-B467-334D-87BF-6ED281A9340C}"/>
-              </a:ext>
-            </a:extLst>
-          </p:cNvPr>
-          <p:cNvSpPr txBox="1"/>
-          <p:nvPr/>
-        </p:nvSpPr>
-        <p:spPr>
-          <a:xfrm>
-            <a:off x="1516652" y="3684012"/>
-            <a:ext cx="7578710" cy="461665"/>
-          </a:xfrm>
-          <a:prstGeom prst="rect">
-            <a:avLst/>
-          </a:prstGeom>
-          <a:noFill/>
-        </p:spPr>
-        <p:txBody>
-          <a:bodyPr wrap="square" rtlCol="0">
-            <a:spAutoFit/>
-          </a:bodyPr>
-          <a:lstStyle/>
-          <a:p>
-            <a:pPr marL="342900" indent="-342900">
-              <a:buFont typeface="Wingdings" pitchFamily="2" charset="2"/>
-              <a:buChar char="§"/>
-            </a:pPr>
-            <a:r>
-              <a:rPr lang="en-US" sz="2400" b="1" dirty="0">
-                <a:latin typeface="Calibri" panose="020F0502020204030204" pitchFamily="34" charset="0"/>
-                <a:cs typeface="Calibri" panose="020F0502020204030204" pitchFamily="34" charset="0"/>
-              </a:rPr>
-              <a:t>Activation Function:   </a:t>
-            </a:r>
-            <a:r>
-              <a:rPr lang="en-US" sz="2400" dirty="0">
-                <a:latin typeface="Times New Roman" panose="02020603050405020304" pitchFamily="18" charset="0"/>
-                <a:cs typeface="Times New Roman" panose="02020603050405020304" pitchFamily="18" charset="0"/>
-              </a:rPr>
-              <a:t>Gaussian Linear Unit (</a:t>
-            </a:r>
-            <a:r>
-              <a:rPr lang="en-US" sz="2400" dirty="0" err="1">
-                <a:latin typeface="Times New Roman" panose="02020603050405020304" pitchFamily="18" charset="0"/>
-                <a:cs typeface="Times New Roman" panose="02020603050405020304" pitchFamily="18" charset="0"/>
-              </a:rPr>
-              <a:t>GeLU</a:t>
-            </a:r>
-            <a:r>
-              <a:rPr lang="en-US" sz="2400" dirty="0">
-                <a:latin typeface="Times New Roman" panose="02020603050405020304" pitchFamily="18" charset="0"/>
-                <a:cs typeface="Times New Roman" panose="02020603050405020304" pitchFamily="18" charset="0"/>
-              </a:rPr>
-              <a:t>)</a:t>
-            </a:r>
-          </a:p>
-        </p:txBody>
-      </p:sp>
-      <p:sp>
-        <p:nvSpPr>
-          <p:cNvPr id="12" name="TextBox 11">
-            <a:extLst>
-              <a:ext uri="{FF2B5EF4-FFF2-40B4-BE49-F238E27FC236}">
-                <a16:creationId xmlns:a16="http://schemas.microsoft.com/office/drawing/2014/main" id="{87F6B32E-0BBB-5943-984B-398FF49AE20E}"/>
-              </a:ext>
-            </a:extLst>
-          </p:cNvPr>
-          <p:cNvSpPr txBox="1"/>
-          <p:nvPr/>
-        </p:nvSpPr>
-        <p:spPr>
-          <a:xfrm>
-            <a:off x="952373" y="4390314"/>
-            <a:ext cx="5692392" cy="461665"/>
-          </a:xfrm>
-          <a:prstGeom prst="rect">
-            <a:avLst/>
-          </a:prstGeom>
-          <a:noFill/>
-        </p:spPr>
-        <p:txBody>
-          <a:bodyPr wrap="none" rtlCol="0">
-            <a:spAutoFit/>
-          </a:bodyPr>
-          <a:lstStyle/>
-          <a:p>
-            <a:pPr marL="342900" indent="-342900">
-              <a:buFont typeface="Arial" panose="020B0604020202020204" pitchFamily="34" charset="0"/>
-              <a:buChar char="•"/>
-            </a:pPr>
-            <a:r>
-              <a:rPr lang="en-US" sz="2400" dirty="0">
-                <a:latin typeface="Calibri" panose="020F0502020204030204" pitchFamily="34" charset="0"/>
-                <a:cs typeface="Calibri" panose="020F0502020204030204" pitchFamily="34" charset="0"/>
-              </a:rPr>
-              <a:t>Models: BERT, </a:t>
-            </a:r>
-            <a:r>
-              <a:rPr lang="en-US" sz="2400" dirty="0" err="1">
-                <a:latin typeface="Calibri" panose="020F0502020204030204" pitchFamily="34" charset="0"/>
-                <a:cs typeface="Calibri" panose="020F0502020204030204" pitchFamily="34" charset="0"/>
-              </a:rPr>
-              <a:t>RoBERTa</a:t>
-            </a:r>
-            <a:r>
-              <a:rPr lang="en-US" sz="2400" dirty="0">
-                <a:latin typeface="Calibri" panose="020F0502020204030204" pitchFamily="34" charset="0"/>
-                <a:cs typeface="Calibri" panose="020F0502020204030204" pitchFamily="34" charset="0"/>
-              </a:rPr>
-              <a:t>, </a:t>
-            </a:r>
-            <a:r>
-              <a:rPr lang="en-US" sz="2400" dirty="0" err="1">
-                <a:latin typeface="Calibri" panose="020F0502020204030204" pitchFamily="34" charset="0"/>
-                <a:cs typeface="Calibri" panose="020F0502020204030204" pitchFamily="34" charset="0"/>
-              </a:rPr>
-              <a:t>DistilBERT</a:t>
-            </a:r>
-            <a:r>
-              <a:rPr lang="en-US" sz="2400" dirty="0">
-                <a:latin typeface="Calibri" panose="020F0502020204030204" pitchFamily="34" charset="0"/>
-                <a:cs typeface="Calibri" panose="020F0502020204030204" pitchFamily="34" charset="0"/>
-              </a:rPr>
-              <a:t>, </a:t>
-            </a:r>
-            <a:r>
-              <a:rPr lang="en-US" sz="2400" dirty="0" err="1">
-                <a:latin typeface="Calibri" panose="020F0502020204030204" pitchFamily="34" charset="0"/>
-                <a:cs typeface="Calibri" panose="020F0502020204030204" pitchFamily="34" charset="0"/>
-              </a:rPr>
-              <a:t>XLNet</a:t>
-            </a:r>
-            <a:endParaRPr lang="en-US" sz="2400" dirty="0">
-              <a:latin typeface="Calibri" panose="020F0502020204030204" pitchFamily="34" charset="0"/>
-              <a:cs typeface="Calibri" panose="020F0502020204030204" pitchFamily="34" charset="0"/>
-            </a:endParaRPr>
-          </a:p>
-        </p:txBody>
-      </p:sp>
-      <p:sp>
-        <p:nvSpPr>
-          <p:cNvPr id="13" name="TextBox 12">
-            <a:extLst>
-              <a:ext uri="{FF2B5EF4-FFF2-40B4-BE49-F238E27FC236}">
-                <a16:creationId xmlns:a16="http://schemas.microsoft.com/office/drawing/2014/main" id="{EF565234-AACD-4849-9DD1-72F925B48DE6}"/>
-              </a:ext>
-            </a:extLst>
-          </p:cNvPr>
-          <p:cNvSpPr txBox="1"/>
-          <p:nvPr/>
-        </p:nvSpPr>
-        <p:spPr>
-          <a:xfrm>
-            <a:off x="952373" y="5289466"/>
-            <a:ext cx="10008317" cy="461665"/>
-          </a:xfrm>
-          <a:prstGeom prst="rect">
-            <a:avLst/>
-          </a:prstGeom>
-          <a:noFill/>
-        </p:spPr>
-        <p:txBody>
-          <a:bodyPr wrap="none" rtlCol="0">
-            <a:spAutoFit/>
-          </a:bodyPr>
-          <a:lstStyle/>
-          <a:p>
-            <a:pPr marL="342900" indent="-342900">
-              <a:buFont typeface="Arial" panose="020B0604020202020204" pitchFamily="34" charset="0"/>
-              <a:buChar char="•"/>
-            </a:pPr>
-            <a:r>
-              <a:rPr lang="en-US" sz="2400" b="1" dirty="0">
-                <a:latin typeface="Calibri" panose="020F0502020204030204" pitchFamily="34" charset="0"/>
-                <a:cs typeface="Calibri" panose="020F0502020204030204" pitchFamily="34" charset="0"/>
-              </a:rPr>
-              <a:t>Solving the short-term dependency problem of Transformer-based Models</a:t>
+              <a:t>Self Attention</a:t>
             </a:r>
           </a:p>
         </p:txBody>
@@ -11273,7 +11729,7 @@
     </p:spTree>
     <p:extLst>
       <p:ext uri="{BB962C8B-B14F-4D97-AF65-F5344CB8AC3E}">
-        <p14:creationId xmlns:p14="http://schemas.microsoft.com/office/powerpoint/2010/main" val="1030187098"/>
+        <p14:creationId xmlns:p14="http://schemas.microsoft.com/office/powerpoint/2010/main" val="3683092427"/>
       </p:ext>
     </p:extLst>
   </p:cSld>

--- a/Lab/REP.pptx
+++ b/Lab/REP.pptx
@@ -11119,7 +11119,7 @@
         <p:spPr>
           <a:xfrm>
             <a:off x="2090578" y="3712902"/>
-            <a:ext cx="4325671" cy="830997"/>
+            <a:ext cx="5949514" cy="830997"/>
           </a:xfrm>
           <a:prstGeom prst="rect">
             <a:avLst/>
@@ -11141,7 +11141,7 @@
                 <a:latin typeface="Calibri" panose="020F0502020204030204" pitchFamily="34" charset="0"/>
                 <a:cs typeface="Calibri" panose="020F0502020204030204" pitchFamily="34" charset="0"/>
               </a:rPr>
-              <a:t>Training with </a:t>
+              <a:t>Trained on  </a:t>
             </a:r>
             <a:r>
               <a:rPr lang="en-US" sz="2400" b="1" dirty="0">
@@ -11170,7 +11170,27 @@
                 <a:latin typeface="Calibri" panose="020F0502020204030204" pitchFamily="34" charset="0"/>
                 <a:cs typeface="Calibri" panose="020F0502020204030204" pitchFamily="34" charset="0"/>
               </a:rPr>
-              <a:t>	(WikiText103 &amp; </a:t>
+              <a:t>	(WikiText103,  </a:t>
+            </a:r>
+            <a:r>
+              <a:rPr lang="en-US" sz="2400" b="1" dirty="0" err="1">
+                <a:solidFill>
+                  <a:srgbClr val="FF0000"/>
+                </a:solidFill>
+                <a:latin typeface="Calibri" panose="020F0502020204030204" pitchFamily="34" charset="0"/>
+                <a:cs typeface="Calibri" panose="020F0502020204030204" pitchFamily="34" charset="0"/>
+              </a:rPr>
+              <a:t>BookCorpus</a:t>
+            </a:r>
+            <a:r>
+              <a:rPr lang="en-US" sz="2400" b="1" dirty="0">
+                <a:solidFill>
+                  <a:srgbClr val="FF0000"/>
+                </a:solidFill>
+                <a:latin typeface="Calibri" panose="020F0502020204030204" pitchFamily="34" charset="0"/>
+                <a:cs typeface="Calibri" panose="020F0502020204030204" pitchFamily="34" charset="0"/>
+              </a:rPr>
+              <a:t>,  </a:t>
             </a:r>
             <a:r>
               <a:rPr lang="en-US" sz="2400" b="1" dirty="0" err="1">
@@ -11209,8 +11229,8 @@
         </p:nvSpPr>
         <p:spPr>
           <a:xfrm>
-            <a:off x="2048245" y="5008984"/>
-            <a:ext cx="4501232" cy="461665"/>
+            <a:off x="2048245" y="4729584"/>
+            <a:ext cx="4398640" cy="461665"/>
           </a:xfrm>
           <a:prstGeom prst="rect">
             <a:avLst/>
@@ -11232,7 +11252,7 @@
                 <a:latin typeface="Calibri" panose="020F0502020204030204" pitchFamily="34" charset="0"/>
                 <a:cs typeface="Calibri" panose="020F0502020204030204" pitchFamily="34" charset="0"/>
               </a:rPr>
-              <a:t>Training with </a:t>
+              <a:t>Trained with </a:t>
             </a:r>
             <a:r>
               <a:rPr lang="en-US" sz="2400" b="1" dirty="0">
@@ -11261,7 +11281,7 @@
         </p:nvSpPr>
         <p:spPr>
           <a:xfrm>
-            <a:off x="2048245" y="5729332"/>
+            <a:off x="2090578" y="5522930"/>
             <a:ext cx="3747629" cy="461665"/>
           </a:xfrm>
           <a:prstGeom prst="rect">
@@ -11698,7 +11718,7 @@
         </p:nvSpPr>
         <p:spPr>
           <a:xfrm>
-            <a:off x="2382742" y="1633442"/>
+            <a:off x="1806418" y="1709642"/>
             <a:ext cx="2288896" cy="461665"/>
           </a:xfrm>
           <a:prstGeom prst="rect">

--- a/Lab/REP.pptx
+++ b/Lab/REP.pptx
@@ -5,10 +5,10 @@
     <p:sldMasterId id="2147483648" r:id="rId3"/>
   </p:sldMasterIdLst>
   <p:notesMasterIdLst>
-    <p:notesMasterId r:id="rId20"/>
+    <p:notesMasterId r:id="rId19"/>
   </p:notesMasterIdLst>
   <p:handoutMasterIdLst>
-    <p:handoutMasterId r:id="rId21"/>
+    <p:handoutMasterId r:id="rId20"/>
   </p:handoutMasterIdLst>
   <p:sldIdLst>
     <p:sldId id="282" r:id="rId4"/>
@@ -19,14 +19,13 @@
     <p:sldId id="303" r:id="rId9"/>
     <p:sldId id="296" r:id="rId10"/>
     <p:sldId id="304" r:id="rId11"/>
-    <p:sldId id="312" r:id="rId12"/>
-    <p:sldId id="311" r:id="rId13"/>
-    <p:sldId id="305" r:id="rId14"/>
-    <p:sldId id="307" r:id="rId15"/>
-    <p:sldId id="306" r:id="rId16"/>
-    <p:sldId id="308" r:id="rId17"/>
-    <p:sldId id="309" r:id="rId18"/>
-    <p:sldId id="310" r:id="rId19"/>
+    <p:sldId id="311" r:id="rId12"/>
+    <p:sldId id="305" r:id="rId13"/>
+    <p:sldId id="307" r:id="rId14"/>
+    <p:sldId id="306" r:id="rId15"/>
+    <p:sldId id="308" r:id="rId16"/>
+    <p:sldId id="309" r:id="rId17"/>
+    <p:sldId id="310" r:id="rId18"/>
   </p:sldIdLst>
   <p:sldSz cx="12192000" cy="6858000"/>
   <p:notesSz cx="6858000" cy="9144000"/>
@@ -240,7 +239,7 @@
                 <a:ea typeface="Microsoft JhengHei UI" panose="020B0604030504040204" pitchFamily="34" charset="-120"/>
                 <a:sym typeface="Microsoft JhengHei UI" panose="020B0604030504040204" pitchFamily="34" charset="-120"/>
               </a:rPr>
-              <a:t>2020/12/22</a:t>
+              <a:t>2020/12/24</a:t>
             </a:fld>
             <a:endParaRPr lang="en-US" altLang="zh-TW" dirty="0">
               <a:latin typeface="Microsoft JhengHei UI" panose="020B0604030504040204" pitchFamily="34" charset="-120"/>
@@ -444,7 +443,7 @@
             <a:fld id="{AA006804-164C-4CDA-8F38-2D5258C292C6}" type="datetime1">
               <a:rPr lang="zh-TW" altLang="en-US" smtClean="0"/>
               <a:pPr/>
-              <a:t>2020/12/22</a:t>
+              <a:t>2020/12/24</a:t>
             </a:fld>
             <a:endParaRPr lang="zh-TW" altLang="en-US" dirty="0"/>
           </a:p>
@@ -887,7 +886,7 @@
     </p:spTree>
     <p:extLst>
       <p:ext uri="{BB962C8B-B14F-4D97-AF65-F5344CB8AC3E}">
-        <p14:creationId xmlns:p14="http://schemas.microsoft.com/office/powerpoint/2010/main" val="3214425974"/>
+        <p14:creationId xmlns:p14="http://schemas.microsoft.com/office/powerpoint/2010/main" val="409340556"/>
       </p:ext>
     </p:extLst>
   </p:cSld>
@@ -972,7 +971,7 @@
     </p:spTree>
     <p:extLst>
       <p:ext uri="{BB962C8B-B14F-4D97-AF65-F5344CB8AC3E}">
-        <p14:creationId xmlns:p14="http://schemas.microsoft.com/office/powerpoint/2010/main" val="409340556"/>
+        <p14:creationId xmlns:p14="http://schemas.microsoft.com/office/powerpoint/2010/main" val="2701519937"/>
       </p:ext>
     </p:extLst>
   </p:cSld>
@@ -1057,7 +1056,7 @@
     </p:spTree>
     <p:extLst>
       <p:ext uri="{BB962C8B-B14F-4D97-AF65-F5344CB8AC3E}">
-        <p14:creationId xmlns:p14="http://schemas.microsoft.com/office/powerpoint/2010/main" val="2701519937"/>
+        <p14:creationId xmlns:p14="http://schemas.microsoft.com/office/powerpoint/2010/main" val="3565233456"/>
       </p:ext>
     </p:extLst>
   </p:cSld>
@@ -1142,7 +1141,7 @@
     </p:spTree>
     <p:extLst>
       <p:ext uri="{BB962C8B-B14F-4D97-AF65-F5344CB8AC3E}">
-        <p14:creationId xmlns:p14="http://schemas.microsoft.com/office/powerpoint/2010/main" val="3565233456"/>
+        <p14:creationId xmlns:p14="http://schemas.microsoft.com/office/powerpoint/2010/main" val="2220057016"/>
       </p:ext>
     </p:extLst>
   </p:cSld>
@@ -1227,7 +1226,7 @@
     </p:spTree>
     <p:extLst>
       <p:ext uri="{BB962C8B-B14F-4D97-AF65-F5344CB8AC3E}">
-        <p14:creationId xmlns:p14="http://schemas.microsoft.com/office/powerpoint/2010/main" val="2220057016"/>
+        <p14:creationId xmlns:p14="http://schemas.microsoft.com/office/powerpoint/2010/main" val="2333112210"/>
       </p:ext>
     </p:extLst>
   </p:cSld>
@@ -1304,91 +1303,6 @@
               <a:rPr lang="en-ZA" smtClean="0"/>
               <a:pPr/>
               <a:t>15</a:t>
-            </a:fld>
-            <a:endParaRPr lang="en-ZA"/>
-          </a:p>
-        </p:txBody>
-      </p:sp>
-    </p:spTree>
-    <p:extLst>
-      <p:ext uri="{BB962C8B-B14F-4D97-AF65-F5344CB8AC3E}">
-        <p14:creationId xmlns:p14="http://schemas.microsoft.com/office/powerpoint/2010/main" val="2333112210"/>
-      </p:ext>
-    </p:extLst>
-  </p:cSld>
-  <p:clrMapOvr>
-    <a:masterClrMapping/>
-  </p:clrMapOvr>
-</p:notes>
-</file>
-
-<file path=ppt/notesSlides/notesSlide16.xml><?xml version="1.0" encoding="utf-8"?>
-<p:notes xmlns:a="http://schemas.openxmlformats.org/drawingml/2006/main" xmlns:r="http://schemas.openxmlformats.org/officeDocument/2006/relationships" xmlns:p="http://schemas.openxmlformats.org/presentationml/2006/main">
-  <p:cSld>
-    <p:spTree>
-      <p:nvGrpSpPr>
-        <p:cNvPr id="1" name=""/>
-        <p:cNvGrpSpPr/>
-        <p:nvPr/>
-      </p:nvGrpSpPr>
-      <p:grpSpPr>
-        <a:xfrm>
-          <a:off x="0" y="0"/>
-          <a:ext cx="0" cy="0"/>
-          <a:chOff x="0" y="0"/>
-          <a:chExt cx="0" cy="0"/>
-        </a:xfrm>
-      </p:grpSpPr>
-      <p:sp>
-        <p:nvSpPr>
-          <p:cNvPr id="2" name="投影片影像版面配置區 1"/>
-          <p:cNvSpPr>
-            <a:spLocks noGrp="1" noRot="1" noChangeAspect="1"/>
-          </p:cNvSpPr>
-          <p:nvPr>
-            <p:ph type="sldImg"/>
-          </p:nvPr>
-        </p:nvSpPr>
-        <p:spPr/>
-      </p:sp>
-      <p:sp>
-        <p:nvSpPr>
-          <p:cNvPr id="3" name="備忘稿版面配置區 2"/>
-          <p:cNvSpPr>
-            <a:spLocks noGrp="1"/>
-          </p:cNvSpPr>
-          <p:nvPr>
-            <p:ph type="body" idx="1"/>
-          </p:nvPr>
-        </p:nvSpPr>
-        <p:spPr/>
-        <p:txBody>
-          <a:bodyPr/>
-          <a:lstStyle/>
-          <a:p>
-            <a:endParaRPr lang="zh-TW" altLang="en-US" dirty="0"/>
-          </a:p>
-        </p:txBody>
-      </p:sp>
-      <p:sp>
-        <p:nvSpPr>
-          <p:cNvPr id="4" name="投影片編號版面配置區 3"/>
-          <p:cNvSpPr>
-            <a:spLocks noGrp="1"/>
-          </p:cNvSpPr>
-          <p:nvPr>
-            <p:ph type="sldNum" sz="quarter" idx="10"/>
-          </p:nvPr>
-        </p:nvSpPr>
-        <p:spPr/>
-        <p:txBody>
-          <a:bodyPr/>
-          <a:lstStyle/>
-          <a:p>
-            <a:fld id="{8530193B-564F-4854-8A52-728F3FB19C85}" type="slidenum">
-              <a:rPr lang="en-ZA" smtClean="0"/>
-              <a:pPr/>
-              <a:t>16</a:t>
             </a:fld>
             <a:endParaRPr lang="en-ZA"/>
           </a:p>
@@ -2077,7 +1991,7 @@
     </p:spTree>
     <p:extLst>
       <p:ext uri="{BB962C8B-B14F-4D97-AF65-F5344CB8AC3E}">
-        <p14:creationId xmlns:p14="http://schemas.microsoft.com/office/powerpoint/2010/main" val="1917265971"/>
+        <p14:creationId xmlns:p14="http://schemas.microsoft.com/office/powerpoint/2010/main" val="3214425974"/>
       </p:ext>
     </p:extLst>
   </p:cSld>
@@ -8315,17 +8229,17 @@
           <a:p>
             <a:r>
               <a:rPr lang="en-US" sz="2800" b="1" dirty="0"/>
-              <a:t>Problems with Attention Mechanism</a:t>
-            </a:r>
-          </a:p>
-        </p:txBody>
-      </p:sp>
-      <p:sp>
-        <p:nvSpPr>
-          <p:cNvPr id="13" name="TextBox 5">
-            <a:extLst>
-              <a:ext uri="{FF2B5EF4-FFF2-40B4-BE49-F238E27FC236}">
-                <a16:creationId xmlns:a16="http://schemas.microsoft.com/office/drawing/2014/main" id="{A35F1A04-046B-42E3-9C3B-FFD642B26147}"/>
+              <a:t>Optimization</a:t>
+            </a:r>
+          </a:p>
+        </p:txBody>
+      </p:sp>
+      <p:sp>
+        <p:nvSpPr>
+          <p:cNvPr id="5" name="TextBox 4">
+            <a:extLst>
+              <a:ext uri="{FF2B5EF4-FFF2-40B4-BE49-F238E27FC236}">
+                <a16:creationId xmlns:a16="http://schemas.microsoft.com/office/drawing/2014/main" id="{0F0A5022-A9F2-4143-B927-A449071B04E6}"/>
               </a:ext>
             </a:extLst>
           </p:cNvPr>
@@ -8334,8 +8248,8 @@
         </p:nvSpPr>
         <p:spPr>
           <a:xfrm>
-            <a:off x="2146013" y="2037722"/>
-            <a:ext cx="2593852" cy="461665"/>
+            <a:off x="952373" y="1568534"/>
+            <a:ext cx="4364656" cy="461665"/>
           </a:xfrm>
           <a:prstGeom prst="rect">
             <a:avLst/>
@@ -8349,6 +8263,48 @@
           <a:lstStyle/>
           <a:p>
             <a:pPr marL="342900" indent="-342900">
+              <a:buFont typeface="Arial" panose="020B0604020202020204" pitchFamily="34" charset="0"/>
+              <a:buChar char="•"/>
+            </a:pPr>
+            <a:r>
+              <a:rPr lang="en-US" sz="2400" dirty="0">
+                <a:latin typeface="Calibri" panose="020F0502020204030204" pitchFamily="34" charset="0"/>
+                <a:cs typeface="Calibri" panose="020F0502020204030204" pitchFamily="34" charset="0"/>
+              </a:rPr>
+              <a:t>Single-headed RNN (SHA-RNN)</a:t>
+            </a:r>
+          </a:p>
+        </p:txBody>
+      </p:sp>
+      <p:sp>
+        <p:nvSpPr>
+          <p:cNvPr id="6" name="TextBox 5">
+            <a:extLst>
+              <a:ext uri="{FF2B5EF4-FFF2-40B4-BE49-F238E27FC236}">
+                <a16:creationId xmlns:a16="http://schemas.microsoft.com/office/drawing/2014/main" id="{F0562E0E-EEBC-9146-9A8A-71CE457A66D7}"/>
+              </a:ext>
+            </a:extLst>
+          </p:cNvPr>
+          <p:cNvSpPr txBox="1"/>
+          <p:nvPr/>
+        </p:nvSpPr>
+        <p:spPr>
+          <a:xfrm>
+            <a:off x="1516652" y="2219787"/>
+            <a:ext cx="2593852" cy="461665"/>
+          </a:xfrm>
+          <a:prstGeom prst="rect">
+            <a:avLst/>
+          </a:prstGeom>
+          <a:noFill/>
+        </p:spPr>
+        <p:txBody>
+          <a:bodyPr wrap="square" rtlCol="0">
+            <a:spAutoFit/>
+          </a:bodyPr>
+          <a:lstStyle/>
+          <a:p>
+            <a:pPr marL="342900" indent="-342900">
               <a:buFont typeface="Wingdings" pitchFamily="2" charset="2"/>
               <a:buChar char="§"/>
             </a:pPr>
@@ -8357,7 +8313,7 @@
                 <a:latin typeface="Calibri" panose="020F0502020204030204" pitchFamily="34" charset="0"/>
                 <a:cs typeface="Calibri" panose="020F0502020204030204" pitchFamily="34" charset="0"/>
               </a:rPr>
-              <a:t>Too many heads</a:t>
+              <a:t>Boom Layer</a:t>
             </a:r>
             <a:endParaRPr lang="en-US" sz="2400" dirty="0">
               <a:latin typeface="Calibri" panose="020F0502020204030204" pitchFamily="34" charset="0"/>
@@ -8366,12 +8322,48 @@
           </a:p>
         </p:txBody>
       </p:sp>
-      <p:sp>
-        <p:nvSpPr>
-          <p:cNvPr id="14" name="TextBox 6">
-            <a:extLst>
-              <a:ext uri="{FF2B5EF4-FFF2-40B4-BE49-F238E27FC236}">
-                <a16:creationId xmlns:a16="http://schemas.microsoft.com/office/drawing/2014/main" id="{1DFF8FF5-A1E8-4D4B-9DE1-775A18258604}"/>
+      <p:pic>
+        <p:nvPicPr>
+          <p:cNvPr id="4" name="Picture 3">
+            <a:extLst>
+              <a:ext uri="{FF2B5EF4-FFF2-40B4-BE49-F238E27FC236}">
+                <a16:creationId xmlns:a16="http://schemas.microsoft.com/office/drawing/2014/main" id="{C37648F9-7CB8-0A41-831D-BCB3F0DA04B2}"/>
+              </a:ext>
+            </a:extLst>
+          </p:cNvPr>
+          <p:cNvPicPr>
+            <a:picLocks noChangeAspect="1"/>
+          </p:cNvPicPr>
+          <p:nvPr/>
+        </p:nvPicPr>
+        <p:blipFill>
+          <a:blip r:embed="rId3">
+            <a:extLst>
+              <a:ext uri="{28A0092B-C50C-407E-A947-70E740481C1C}">
+                <a14:useLocalDpi xmlns:a14="http://schemas.microsoft.com/office/drawing/2010/main" val="0"/>
+              </a:ext>
+            </a:extLst>
+          </a:blip>
+          <a:stretch>
+            <a:fillRect/>
+          </a:stretch>
+        </p:blipFill>
+        <p:spPr>
+          <a:xfrm>
+            <a:off x="2285999" y="2871040"/>
+            <a:ext cx="6519559" cy="623384"/>
+          </a:xfrm>
+          <a:prstGeom prst="rect">
+            <a:avLst/>
+          </a:prstGeom>
+        </p:spPr>
+      </p:pic>
+      <p:sp>
+        <p:nvSpPr>
+          <p:cNvPr id="11" name="TextBox 10">
+            <a:extLst>
+              <a:ext uri="{FF2B5EF4-FFF2-40B4-BE49-F238E27FC236}">
+                <a16:creationId xmlns:a16="http://schemas.microsoft.com/office/drawing/2014/main" id="{047DF914-B467-334D-87BF-6ED281A9340C}"/>
               </a:ext>
             </a:extLst>
           </p:cNvPr>
@@ -8380,8 +8372,8 @@
         </p:nvSpPr>
         <p:spPr>
           <a:xfrm>
-            <a:off x="2146013" y="2605508"/>
-            <a:ext cx="3747949" cy="461665"/>
+            <a:off x="1516652" y="3684012"/>
+            <a:ext cx="7578710" cy="461665"/>
           </a:xfrm>
           <a:prstGeom prst="rect">
             <a:avLst/>
@@ -8389,7 +8381,7 @@
           <a:noFill/>
         </p:spPr>
         <p:txBody>
-          <a:bodyPr wrap="none" rtlCol="0">
+          <a:bodyPr wrap="square" rtlCol="0">
             <a:spAutoFit/>
           </a:bodyPr>
           <a:lstStyle/>
@@ -8400,23 +8392,41 @@
             </a:pPr>
             <a:r>
               <a:rPr lang="en-US" sz="2400" b="1" dirty="0">
-                <a:solidFill>
-                  <a:srgbClr val="FF0000"/>
-                </a:solidFill>
                 <a:latin typeface="Calibri" panose="020F0502020204030204" pitchFamily="34" charset="0"/>
                 <a:cs typeface="Calibri" panose="020F0502020204030204" pitchFamily="34" charset="0"/>
               </a:rPr>
-              <a:t>Valid heads are unknown</a:t>
-            </a:r>
-          </a:p>
-        </p:txBody>
-      </p:sp>
-      <p:sp>
-        <p:nvSpPr>
-          <p:cNvPr id="15" name="TextBox 9">
-            <a:extLst>
-              <a:ext uri="{FF2B5EF4-FFF2-40B4-BE49-F238E27FC236}">
-                <a16:creationId xmlns:a16="http://schemas.microsoft.com/office/drawing/2014/main" id="{4F69F72C-E1BD-4408-B368-6888FC13EC7B}"/>
+              <a:t>Activation Function:   </a:t>
+            </a:r>
+            <a:r>
+              <a:rPr lang="en-US" sz="2400" dirty="0">
+                <a:latin typeface="Times New Roman" panose="02020603050405020304" pitchFamily="18" charset="0"/>
+                <a:cs typeface="Times New Roman" panose="02020603050405020304" pitchFamily="18" charset="0"/>
+              </a:rPr>
+              <a:t>Gaussian Linear Unit (</a:t>
+            </a:r>
+            <a:r>
+              <a:rPr lang="en-US" sz="2400" dirty="0" err="1">
+                <a:latin typeface="Times New Roman" panose="02020603050405020304" pitchFamily="18" charset="0"/>
+                <a:cs typeface="Times New Roman" panose="02020603050405020304" pitchFamily="18" charset="0"/>
+              </a:rPr>
+              <a:t>GeLU</a:t>
+            </a:r>
+            <a:r>
+              <a:rPr lang="en-US" sz="2400" dirty="0">
+                <a:latin typeface="Times New Roman" panose="02020603050405020304" pitchFamily="18" charset="0"/>
+                <a:cs typeface="Times New Roman" panose="02020603050405020304" pitchFamily="18" charset="0"/>
+              </a:rPr>
+              <a:t>)</a:t>
+            </a:r>
+          </a:p>
+        </p:txBody>
+      </p:sp>
+      <p:sp>
+        <p:nvSpPr>
+          <p:cNvPr id="12" name="TextBox 11">
+            <a:extLst>
+              <a:ext uri="{FF2B5EF4-FFF2-40B4-BE49-F238E27FC236}">
+                <a16:creationId xmlns:a16="http://schemas.microsoft.com/office/drawing/2014/main" id="{87F6B32E-0BBB-5943-984B-398FF49AE20E}"/>
               </a:ext>
             </a:extLst>
           </p:cNvPr>
@@ -8425,8 +8435,8 @@
         </p:nvSpPr>
         <p:spPr>
           <a:xfrm>
-            <a:off x="2146013" y="3256761"/>
-            <a:ext cx="5458080" cy="830997"/>
+            <a:off x="952373" y="4496984"/>
+            <a:ext cx="5692392" cy="461665"/>
           </a:xfrm>
           <a:prstGeom prst="rect">
             <a:avLst/>
@@ -8434,50 +8444,102 @@
           <a:noFill/>
         </p:spPr>
         <p:txBody>
-          <a:bodyPr wrap="square" rtlCol="0">
+          <a:bodyPr wrap="none" rtlCol="0">
             <a:spAutoFit/>
           </a:bodyPr>
           <a:lstStyle/>
           <a:p>
             <a:pPr marL="342900" indent="-342900">
-              <a:buFont typeface="Wingdings" pitchFamily="2" charset="2"/>
-              <a:buChar char="§"/>
+              <a:buFont typeface="Arial" panose="020B0604020202020204" pitchFamily="34" charset="0"/>
+              <a:buChar char="•"/>
             </a:pPr>
             <a:r>
-              <a:rPr lang="en-US" sz="2400" b="1" dirty="0">
-                <a:solidFill>
-                  <a:srgbClr val="FF0000"/>
-                </a:solidFill>
+              <a:rPr lang="en-US" sz="2400" dirty="0">
                 <a:latin typeface="Calibri" panose="020F0502020204030204" pitchFamily="34" charset="0"/>
                 <a:cs typeface="Calibri" panose="020F0502020204030204" pitchFamily="34" charset="0"/>
               </a:rPr>
-              <a:t>Deal with “heads”:</a:t>
-            </a:r>
-            <a:br>
-              <a:rPr lang="en-US" sz="2400" b="1" dirty="0">
-                <a:solidFill>
-                  <a:srgbClr val="FF0000"/>
-                </a:solidFill>
+              <a:t>Models: BERT, </a:t>
+            </a:r>
+            <a:r>
+              <a:rPr lang="en-US" sz="2400" dirty="0" err="1">
                 <a:latin typeface="Calibri" panose="020F0502020204030204" pitchFamily="34" charset="0"/>
                 <a:cs typeface="Calibri" panose="020F0502020204030204" pitchFamily="34" charset="0"/>
               </a:rPr>
-            </a:br>
-            <a:r>
-              <a:rPr lang="en-US" sz="2400" b="1" dirty="0">
-                <a:solidFill>
-                  <a:srgbClr val="FF0000"/>
-                </a:solidFill>
+              <a:t>RoBERTa</a:t>
+            </a:r>
+            <a:r>
+              <a:rPr lang="en-US" sz="2400" dirty="0">
                 <a:latin typeface="Calibri" panose="020F0502020204030204" pitchFamily="34" charset="0"/>
                 <a:cs typeface="Calibri" panose="020F0502020204030204" pitchFamily="34" charset="0"/>
               </a:rPr>
-              <a:t>	</a:t>
-            </a:r>
+              <a:t>, </a:t>
+            </a:r>
+            <a:r>
+              <a:rPr lang="en-US" sz="2400" dirty="0" err="1">
+                <a:latin typeface="Calibri" panose="020F0502020204030204" pitchFamily="34" charset="0"/>
+                <a:cs typeface="Calibri" panose="020F0502020204030204" pitchFamily="34" charset="0"/>
+              </a:rPr>
+              <a:t>DistilBERT</a:t>
+            </a:r>
+            <a:r>
+              <a:rPr lang="en-US" sz="2400" dirty="0">
+                <a:latin typeface="Calibri" panose="020F0502020204030204" pitchFamily="34" charset="0"/>
+                <a:cs typeface="Calibri" panose="020F0502020204030204" pitchFamily="34" charset="0"/>
+              </a:rPr>
+              <a:t>, </a:t>
+            </a:r>
+            <a:r>
+              <a:rPr lang="en-US" sz="2400" dirty="0" err="1">
+                <a:latin typeface="Calibri" panose="020F0502020204030204" pitchFamily="34" charset="0"/>
+                <a:cs typeface="Calibri" panose="020F0502020204030204" pitchFamily="34" charset="0"/>
+              </a:rPr>
+              <a:t>XLNet</a:t>
+            </a:r>
+            <a:endParaRPr lang="en-US" sz="2400" dirty="0">
+              <a:latin typeface="Calibri" panose="020F0502020204030204" pitchFamily="34" charset="0"/>
+              <a:cs typeface="Calibri" panose="020F0502020204030204" pitchFamily="34" charset="0"/>
+            </a:endParaRPr>
+          </a:p>
+        </p:txBody>
+      </p:sp>
+      <p:sp>
+        <p:nvSpPr>
+          <p:cNvPr id="13" name="TextBox 12">
+            <a:extLst>
+              <a:ext uri="{FF2B5EF4-FFF2-40B4-BE49-F238E27FC236}">
+                <a16:creationId xmlns:a16="http://schemas.microsoft.com/office/drawing/2014/main" id="{EF565234-AACD-4849-9DD1-72F925B48DE6}"/>
+              </a:ext>
+            </a:extLst>
+          </p:cNvPr>
+          <p:cNvSpPr txBox="1"/>
+          <p:nvPr/>
+        </p:nvSpPr>
+        <p:spPr>
+          <a:xfrm>
+            <a:off x="952373" y="5289466"/>
+            <a:ext cx="10008317" cy="461665"/>
+          </a:xfrm>
+          <a:prstGeom prst="rect">
+            <a:avLst/>
+          </a:prstGeom>
+          <a:noFill/>
+        </p:spPr>
+        <p:txBody>
+          <a:bodyPr wrap="none" rtlCol="0">
+            <a:spAutoFit/>
+          </a:bodyPr>
+          <a:lstStyle/>
+          <a:p>
+            <a:pPr marL="342900" indent="-342900">
+              <a:buFont typeface="Arial" panose="020B0604020202020204" pitchFamily="34" charset="0"/>
+              <a:buChar char="•"/>
+            </a:pPr>
             <a:r>
               <a:rPr lang="en-US" sz="2400" b="1" dirty="0">
                 <a:latin typeface="Calibri" panose="020F0502020204030204" pitchFamily="34" charset="0"/>
                 <a:cs typeface="Calibri" panose="020F0502020204030204" pitchFamily="34" charset="0"/>
               </a:rPr>
-              <a:t>Optimizing the attention process</a:t>
+              <a:t>Solving the short-term dependency problem of Transformer-based Models</a:t>
             </a:r>
           </a:p>
         </p:txBody>
@@ -8485,7 +8547,7 @@
     </p:spTree>
     <p:extLst>
       <p:ext uri="{BB962C8B-B14F-4D97-AF65-F5344CB8AC3E}">
-        <p14:creationId xmlns:p14="http://schemas.microsoft.com/office/powerpoint/2010/main" val="4156085279"/>
+        <p14:creationId xmlns:p14="http://schemas.microsoft.com/office/powerpoint/2010/main" val="1030187098"/>
       </p:ext>
     </p:extLst>
   </p:cSld>
@@ -8550,8 +8612,13 @@
           <a:p>
             <a:r>
               <a:rPr lang="en-US" sz="2800" b="1" dirty="0"/>
-              <a:t>Optimization</a:t>
-            </a:r>
+              <a:t>Optimization:  EDM-</a:t>
+            </a:r>
+            <a:r>
+              <a:rPr lang="en-US" sz="2800" b="1" dirty="0" err="1"/>
+              <a:t>RoBERTa</a:t>
+            </a:r>
+            <a:endParaRPr lang="en-US" sz="2800" b="1" dirty="0"/>
           </a:p>
         </p:txBody>
       </p:sp>
@@ -8570,7 +8637,7 @@
         <p:spPr>
           <a:xfrm>
             <a:off x="952373" y="1568534"/>
-            <a:ext cx="4364656" cy="461665"/>
+            <a:ext cx="6661567" cy="461665"/>
           </a:xfrm>
           <a:prstGeom prst="rect">
             <a:avLst/>
@@ -8592,7 +8659,21 @@
                 <a:latin typeface="Calibri" panose="020F0502020204030204" pitchFamily="34" charset="0"/>
                 <a:cs typeface="Calibri" panose="020F0502020204030204" pitchFamily="34" charset="0"/>
               </a:rPr>
-              <a:t>Single-headed RNN (SHA-RNN)</a:t>
+              <a:t>Choose the best-performance model: </a:t>
+            </a:r>
+            <a:r>
+              <a:rPr lang="en-US" sz="2400" b="1" dirty="0" err="1">
+                <a:latin typeface="Times New Roman" panose="02020603050405020304" pitchFamily="18" charset="0"/>
+                <a:cs typeface="Times New Roman" panose="02020603050405020304" pitchFamily="18" charset="0"/>
+              </a:rPr>
+              <a:t>RoBERTa</a:t>
+            </a:r>
+            <a:r>
+              <a:rPr lang="en-US" sz="2400" dirty="0">
+                <a:latin typeface="Calibri" panose="020F0502020204030204" pitchFamily="34" charset="0"/>
+                <a:cs typeface="Calibri" panose="020F0502020204030204" pitchFamily="34" charset="0"/>
+              </a:rPr>
+              <a:t> </a:t>
             </a:r>
           </a:p>
         </p:txBody>
@@ -8611,8 +8692,8 @@
         </p:nvSpPr>
         <p:spPr>
           <a:xfrm>
-            <a:off x="1516652" y="2219787"/>
-            <a:ext cx="2593852" cy="461665"/>
+            <a:off x="952373" y="2376449"/>
+            <a:ext cx="6661566" cy="461665"/>
           </a:xfrm>
           <a:prstGeom prst="rect">
             <a:avLst/>
@@ -8626,15 +8707,15 @@
           <a:lstStyle/>
           <a:p>
             <a:pPr marL="342900" indent="-342900">
-              <a:buFont typeface="Wingdings" pitchFamily="2" charset="2"/>
-              <a:buChar char="§"/>
+              <a:buFont typeface="Arial" panose="020B0604020202020204" pitchFamily="34" charset="0"/>
+              <a:buChar char="•"/>
             </a:pPr>
             <a:r>
               <a:rPr lang="en-US" sz="2400" b="1" dirty="0">
                 <a:latin typeface="Calibri" panose="020F0502020204030204" pitchFamily="34" charset="0"/>
                 <a:cs typeface="Calibri" panose="020F0502020204030204" pitchFamily="34" charset="0"/>
               </a:rPr>
-              <a:t>Boom Layer</a:t>
+              <a:t>Re-organization: Optimizing with Boom Layer</a:t>
             </a:r>
             <a:endParaRPr lang="en-US" sz="2400" dirty="0">
               <a:latin typeface="Calibri" panose="020F0502020204030204" pitchFamily="34" charset="0"/>
@@ -8645,10 +8726,10 @@
       </p:sp>
       <p:pic>
         <p:nvPicPr>
-          <p:cNvPr id="4" name="Picture 3">
-            <a:extLst>
-              <a:ext uri="{FF2B5EF4-FFF2-40B4-BE49-F238E27FC236}">
-                <a16:creationId xmlns:a16="http://schemas.microsoft.com/office/drawing/2014/main" id="{C37648F9-7CB8-0A41-831D-BCB3F0DA04B2}"/>
+          <p:cNvPr id="7" name="Picture 6">
+            <a:extLst>
+              <a:ext uri="{FF2B5EF4-FFF2-40B4-BE49-F238E27FC236}">
+                <a16:creationId xmlns:a16="http://schemas.microsoft.com/office/drawing/2014/main" id="{03DD16DF-6DDD-1440-BEC6-E2C893E34BBD}"/>
               </a:ext>
             </a:extLst>
           </p:cNvPr>
@@ -8671,8 +8752,8 @@
         </p:blipFill>
         <p:spPr>
           <a:xfrm>
-            <a:off x="2285999" y="2871040"/>
-            <a:ext cx="6519559" cy="623384"/>
+            <a:off x="9091898" y="138352"/>
+            <a:ext cx="2483877" cy="6690442"/>
           </a:xfrm>
           <a:prstGeom prst="rect">
             <a:avLst/>
@@ -8681,10 +8762,10 @@
       </p:pic>
       <p:sp>
         <p:nvSpPr>
-          <p:cNvPr id="11" name="TextBox 10">
-            <a:extLst>
-              <a:ext uri="{FF2B5EF4-FFF2-40B4-BE49-F238E27FC236}">
-                <a16:creationId xmlns:a16="http://schemas.microsoft.com/office/drawing/2014/main" id="{047DF914-B467-334D-87BF-6ED281A9340C}"/>
+          <p:cNvPr id="14" name="TextBox 13">
+            <a:extLst>
+              <a:ext uri="{FF2B5EF4-FFF2-40B4-BE49-F238E27FC236}">
+                <a16:creationId xmlns:a16="http://schemas.microsoft.com/office/drawing/2014/main" id="{8A847973-0319-9B4F-B5CD-4F522B13162B}"/>
               </a:ext>
             </a:extLst>
           </p:cNvPr>
@@ -8693,8 +8774,8 @@
         </p:nvSpPr>
         <p:spPr>
           <a:xfrm>
-            <a:off x="1516652" y="3684012"/>
-            <a:ext cx="7578710" cy="461665"/>
+            <a:off x="667117" y="3722402"/>
+            <a:ext cx="8424781" cy="477054"/>
           </a:xfrm>
           <a:prstGeom prst="rect">
             <a:avLst/>
@@ -8707,168 +8788,31 @@
           </a:bodyPr>
           <a:lstStyle/>
           <a:p>
-            <a:pPr marL="342900" indent="-342900">
-              <a:buFont typeface="Wingdings" pitchFamily="2" charset="2"/>
-              <a:buChar char="§"/>
-            </a:pPr>
-            <a:r>
-              <a:rPr lang="en-US" sz="2400" b="1" dirty="0">
-                <a:latin typeface="Calibri" panose="020F0502020204030204" pitchFamily="34" charset="0"/>
-                <a:cs typeface="Calibri" panose="020F0502020204030204" pitchFamily="34" charset="0"/>
-              </a:rPr>
-              <a:t>Activation Function:   </a:t>
-            </a:r>
-            <a:r>
-              <a:rPr lang="en-US" sz="2400" dirty="0">
+            <a:r>
+              <a:rPr lang="en-US" sz="2500" b="1" dirty="0">
                 <a:latin typeface="Times New Roman" panose="02020603050405020304" pitchFamily="18" charset="0"/>
                 <a:cs typeface="Times New Roman" panose="02020603050405020304" pitchFamily="18" charset="0"/>
               </a:rPr>
-              <a:t>Gaussian Linear Unit (</a:t>
-            </a:r>
-            <a:r>
-              <a:rPr lang="en-US" sz="2400" dirty="0" err="1">
+              <a:t>Target: Enhancing the Dependency Mechanism of </a:t>
+            </a:r>
+            <a:r>
+              <a:rPr lang="en-US" sz="2500" b="1" dirty="0" err="1">
                 <a:latin typeface="Times New Roman" panose="02020603050405020304" pitchFamily="18" charset="0"/>
                 <a:cs typeface="Times New Roman" panose="02020603050405020304" pitchFamily="18" charset="0"/>
               </a:rPr>
-              <a:t>GeLU</a:t>
-            </a:r>
-            <a:r>
-              <a:rPr lang="en-US" sz="2400" dirty="0">
-                <a:latin typeface="Times New Roman" panose="02020603050405020304" pitchFamily="18" charset="0"/>
-                <a:cs typeface="Times New Roman" panose="02020603050405020304" pitchFamily="18" charset="0"/>
-              </a:rPr>
-              <a:t>)</a:t>
-            </a:r>
-          </a:p>
-        </p:txBody>
-      </p:sp>
-      <p:sp>
-        <p:nvSpPr>
-          <p:cNvPr id="12" name="TextBox 11">
-            <a:extLst>
-              <a:ext uri="{FF2B5EF4-FFF2-40B4-BE49-F238E27FC236}">
-                <a16:creationId xmlns:a16="http://schemas.microsoft.com/office/drawing/2014/main" id="{87F6B32E-0BBB-5943-984B-398FF49AE20E}"/>
-              </a:ext>
-            </a:extLst>
-          </p:cNvPr>
-          <p:cNvSpPr txBox="1"/>
-          <p:nvPr/>
-        </p:nvSpPr>
-        <p:spPr>
-          <a:xfrm>
-            <a:off x="952373" y="4496984"/>
-            <a:ext cx="5692392" cy="461665"/>
-          </a:xfrm>
-          <a:prstGeom prst="rect">
-            <a:avLst/>
-          </a:prstGeom>
-          <a:noFill/>
-        </p:spPr>
-        <p:txBody>
-          <a:bodyPr wrap="none" rtlCol="0">
-            <a:spAutoFit/>
-          </a:bodyPr>
-          <a:lstStyle/>
-          <a:p>
-            <a:pPr marL="342900" indent="-342900">
-              <a:buFont typeface="Arial" panose="020B0604020202020204" pitchFamily="34" charset="0"/>
-              <a:buChar char="•"/>
-            </a:pPr>
-            <a:r>
-              <a:rPr lang="en-US" sz="2400" dirty="0">
-                <a:latin typeface="Calibri" panose="020F0502020204030204" pitchFamily="34" charset="0"/>
-                <a:cs typeface="Calibri" panose="020F0502020204030204" pitchFamily="34" charset="0"/>
-              </a:rPr>
-              <a:t>Models: BERT, </a:t>
-            </a:r>
-            <a:r>
-              <a:rPr lang="en-US" sz="2400" dirty="0" err="1">
-                <a:latin typeface="Calibri" panose="020F0502020204030204" pitchFamily="34" charset="0"/>
-                <a:cs typeface="Calibri" panose="020F0502020204030204" pitchFamily="34" charset="0"/>
-              </a:rPr>
               <a:t>RoBERTa</a:t>
             </a:r>
-            <a:r>
-              <a:rPr lang="en-US" sz="2400" dirty="0">
-                <a:latin typeface="Calibri" panose="020F0502020204030204" pitchFamily="34" charset="0"/>
-                <a:cs typeface="Calibri" panose="020F0502020204030204" pitchFamily="34" charset="0"/>
-              </a:rPr>
-              <a:t>, </a:t>
-            </a:r>
-            <a:r>
-              <a:rPr lang="en-US" sz="2400" dirty="0" err="1">
-                <a:latin typeface="Calibri" panose="020F0502020204030204" pitchFamily="34" charset="0"/>
-                <a:cs typeface="Calibri" panose="020F0502020204030204" pitchFamily="34" charset="0"/>
-              </a:rPr>
-              <a:t>DistilBERT</a:t>
-            </a:r>
-            <a:r>
-              <a:rPr lang="en-US" sz="2400" dirty="0">
-                <a:latin typeface="Calibri" panose="020F0502020204030204" pitchFamily="34" charset="0"/>
-                <a:cs typeface="Calibri" panose="020F0502020204030204" pitchFamily="34" charset="0"/>
-              </a:rPr>
-              <a:t>, </a:t>
-            </a:r>
-            <a:r>
-              <a:rPr lang="en-US" sz="2400" dirty="0" err="1">
-                <a:latin typeface="Calibri" panose="020F0502020204030204" pitchFamily="34" charset="0"/>
-                <a:cs typeface="Calibri" panose="020F0502020204030204" pitchFamily="34" charset="0"/>
-              </a:rPr>
-              <a:t>XLNet</a:t>
-            </a:r>
-            <a:endParaRPr lang="en-US" sz="2400" dirty="0">
-              <a:latin typeface="Calibri" panose="020F0502020204030204" pitchFamily="34" charset="0"/>
-              <a:cs typeface="Calibri" panose="020F0502020204030204" pitchFamily="34" charset="0"/>
+            <a:endParaRPr lang="en-US" sz="2500" dirty="0">
+              <a:latin typeface="Times New Roman" panose="02020603050405020304" pitchFamily="18" charset="0"/>
+              <a:cs typeface="Times New Roman" panose="02020603050405020304" pitchFamily="18" charset="0"/>
             </a:endParaRPr>
-          </a:p>
-        </p:txBody>
-      </p:sp>
-      <p:sp>
-        <p:nvSpPr>
-          <p:cNvPr id="13" name="TextBox 12">
-            <a:extLst>
-              <a:ext uri="{FF2B5EF4-FFF2-40B4-BE49-F238E27FC236}">
-                <a16:creationId xmlns:a16="http://schemas.microsoft.com/office/drawing/2014/main" id="{EF565234-AACD-4849-9DD1-72F925B48DE6}"/>
-              </a:ext>
-            </a:extLst>
-          </p:cNvPr>
-          <p:cNvSpPr txBox="1"/>
-          <p:nvPr/>
-        </p:nvSpPr>
-        <p:spPr>
-          <a:xfrm>
-            <a:off x="952373" y="5289466"/>
-            <a:ext cx="10008317" cy="461665"/>
-          </a:xfrm>
-          <a:prstGeom prst="rect">
-            <a:avLst/>
-          </a:prstGeom>
-          <a:noFill/>
-        </p:spPr>
-        <p:txBody>
-          <a:bodyPr wrap="none" rtlCol="0">
-            <a:spAutoFit/>
-          </a:bodyPr>
-          <a:lstStyle/>
-          <a:p>
-            <a:pPr marL="342900" indent="-342900">
-              <a:buFont typeface="Arial" panose="020B0604020202020204" pitchFamily="34" charset="0"/>
-              <a:buChar char="•"/>
-            </a:pPr>
-            <a:r>
-              <a:rPr lang="en-US" sz="2400" b="1" dirty="0">
-                <a:latin typeface="Calibri" panose="020F0502020204030204" pitchFamily="34" charset="0"/>
-                <a:cs typeface="Calibri" panose="020F0502020204030204" pitchFamily="34" charset="0"/>
-              </a:rPr>
-              <a:t>Solving the short-term dependency problem of Transformer-based Models</a:t>
-            </a:r>
           </a:p>
         </p:txBody>
       </p:sp>
     </p:spTree>
     <p:extLst>
       <p:ext uri="{BB962C8B-B14F-4D97-AF65-F5344CB8AC3E}">
-        <p14:creationId xmlns:p14="http://schemas.microsoft.com/office/powerpoint/2010/main" val="1030187098"/>
+        <p14:creationId xmlns:p14="http://schemas.microsoft.com/office/powerpoint/2010/main" val="2301789250"/>
       </p:ext>
     </p:extLst>
   </p:cSld>
@@ -8933,115 +8877,8 @@
           <a:p>
             <a:r>
               <a:rPr lang="en-US" sz="2800" b="1" dirty="0"/>
-              <a:t>Optimization:  EDM-</a:t>
-            </a:r>
-            <a:r>
-              <a:rPr lang="en-US" sz="2800" b="1" dirty="0" err="1"/>
-              <a:t>RoBERTa</a:t>
-            </a:r>
-            <a:endParaRPr lang="en-US" sz="2800" b="1" dirty="0"/>
-          </a:p>
-        </p:txBody>
-      </p:sp>
-      <p:sp>
-        <p:nvSpPr>
-          <p:cNvPr id="5" name="TextBox 4">
-            <a:extLst>
-              <a:ext uri="{FF2B5EF4-FFF2-40B4-BE49-F238E27FC236}">
-                <a16:creationId xmlns:a16="http://schemas.microsoft.com/office/drawing/2014/main" id="{0F0A5022-A9F2-4143-B927-A449071B04E6}"/>
-              </a:ext>
-            </a:extLst>
-          </p:cNvPr>
-          <p:cNvSpPr txBox="1"/>
-          <p:nvPr/>
-        </p:nvSpPr>
-        <p:spPr>
-          <a:xfrm>
-            <a:off x="952373" y="1568534"/>
-            <a:ext cx="6661567" cy="461665"/>
-          </a:xfrm>
-          <a:prstGeom prst="rect">
-            <a:avLst/>
-          </a:prstGeom>
-          <a:noFill/>
-        </p:spPr>
-        <p:txBody>
-          <a:bodyPr wrap="none" rtlCol="0">
-            <a:spAutoFit/>
-          </a:bodyPr>
-          <a:lstStyle/>
-          <a:p>
-            <a:pPr marL="342900" indent="-342900">
-              <a:buFont typeface="Arial" panose="020B0604020202020204" pitchFamily="34" charset="0"/>
-              <a:buChar char="•"/>
-            </a:pPr>
-            <a:r>
-              <a:rPr lang="en-US" sz="2400" dirty="0">
-                <a:latin typeface="Calibri" panose="020F0502020204030204" pitchFamily="34" charset="0"/>
-                <a:cs typeface="Calibri" panose="020F0502020204030204" pitchFamily="34" charset="0"/>
-              </a:rPr>
-              <a:t>Choose the best-performance model: </a:t>
-            </a:r>
-            <a:r>
-              <a:rPr lang="en-US" sz="2400" b="1" dirty="0" err="1">
-                <a:latin typeface="Times New Roman" panose="02020603050405020304" pitchFamily="18" charset="0"/>
-                <a:cs typeface="Times New Roman" panose="02020603050405020304" pitchFamily="18" charset="0"/>
-              </a:rPr>
-              <a:t>RoBERTa</a:t>
-            </a:r>
-            <a:r>
-              <a:rPr lang="en-US" sz="2400" dirty="0">
-                <a:latin typeface="Calibri" panose="020F0502020204030204" pitchFamily="34" charset="0"/>
-                <a:cs typeface="Calibri" panose="020F0502020204030204" pitchFamily="34" charset="0"/>
-              </a:rPr>
-              <a:t> </a:t>
-            </a:r>
-          </a:p>
-        </p:txBody>
-      </p:sp>
-      <p:sp>
-        <p:nvSpPr>
-          <p:cNvPr id="6" name="TextBox 5">
-            <a:extLst>
-              <a:ext uri="{FF2B5EF4-FFF2-40B4-BE49-F238E27FC236}">
-                <a16:creationId xmlns:a16="http://schemas.microsoft.com/office/drawing/2014/main" id="{F0562E0E-EEBC-9146-9A8A-71CE457A66D7}"/>
-              </a:ext>
-            </a:extLst>
-          </p:cNvPr>
-          <p:cNvSpPr txBox="1"/>
-          <p:nvPr/>
-        </p:nvSpPr>
-        <p:spPr>
-          <a:xfrm>
-            <a:off x="952373" y="2376449"/>
-            <a:ext cx="6661566" cy="461665"/>
-          </a:xfrm>
-          <a:prstGeom prst="rect">
-            <a:avLst/>
-          </a:prstGeom>
-          <a:noFill/>
-        </p:spPr>
-        <p:txBody>
-          <a:bodyPr wrap="square" rtlCol="0">
-            <a:spAutoFit/>
-          </a:bodyPr>
-          <a:lstStyle/>
-          <a:p>
-            <a:pPr marL="342900" indent="-342900">
-              <a:buFont typeface="Arial" panose="020B0604020202020204" pitchFamily="34" charset="0"/>
-              <a:buChar char="•"/>
-            </a:pPr>
-            <a:r>
-              <a:rPr lang="en-US" sz="2400" b="1" dirty="0">
-                <a:latin typeface="Calibri" panose="020F0502020204030204" pitchFamily="34" charset="0"/>
-                <a:cs typeface="Calibri" panose="020F0502020204030204" pitchFamily="34" charset="0"/>
-              </a:rPr>
-              <a:t>Re-organization: Optimizing with Boom Layer</a:t>
-            </a:r>
-            <a:endParaRPr lang="en-US" sz="2400" dirty="0">
-              <a:latin typeface="Calibri" panose="020F0502020204030204" pitchFamily="34" charset="0"/>
-              <a:cs typeface="Calibri" panose="020F0502020204030204" pitchFamily="34" charset="0"/>
-            </a:endParaRPr>
+              <a:t>Optimization: Statistics</a:t>
+            </a:r>
           </a:p>
         </p:txBody>
       </p:sp>
@@ -9050,7 +8887,7 @@
           <p:cNvPr id="7" name="Picture 6">
             <a:extLst>
               <a:ext uri="{FF2B5EF4-FFF2-40B4-BE49-F238E27FC236}">
-                <a16:creationId xmlns:a16="http://schemas.microsoft.com/office/drawing/2014/main" id="{03DD16DF-6DDD-1440-BEC6-E2C893E34BBD}"/>
+                <a16:creationId xmlns:a16="http://schemas.microsoft.com/office/drawing/2014/main" id="{3EA49A00-B665-BB4E-8414-F14A25C37FAF}"/>
               </a:ext>
             </a:extLst>
           </p:cNvPr>
@@ -9073,67 +8910,54 @@
         </p:blipFill>
         <p:spPr>
           <a:xfrm>
-            <a:off x="9091898" y="138352"/>
-            <a:ext cx="2483877" cy="6690442"/>
+            <a:off x="817123" y="1479649"/>
+            <a:ext cx="8716836" cy="2237989"/>
           </a:xfrm>
           <a:prstGeom prst="rect">
             <a:avLst/>
           </a:prstGeom>
         </p:spPr>
       </p:pic>
-      <p:sp>
-        <p:nvSpPr>
-          <p:cNvPr id="14" name="TextBox 13">
-            <a:extLst>
-              <a:ext uri="{FF2B5EF4-FFF2-40B4-BE49-F238E27FC236}">
-                <a16:creationId xmlns:a16="http://schemas.microsoft.com/office/drawing/2014/main" id="{8A847973-0319-9B4F-B5CD-4F522B13162B}"/>
-              </a:ext>
-            </a:extLst>
-          </p:cNvPr>
-          <p:cNvSpPr txBox="1"/>
+      <p:pic>
+        <p:nvPicPr>
+          <p:cNvPr id="9" name="Picture 8">
+            <a:extLst>
+              <a:ext uri="{FF2B5EF4-FFF2-40B4-BE49-F238E27FC236}">
+                <a16:creationId xmlns:a16="http://schemas.microsoft.com/office/drawing/2014/main" id="{039B4765-42F5-9541-BC34-8ACF710B3366}"/>
+              </a:ext>
+            </a:extLst>
+          </p:cNvPr>
+          <p:cNvPicPr>
+            <a:picLocks noChangeAspect="1"/>
+          </p:cNvPicPr>
           <p:nvPr/>
-        </p:nvSpPr>
-        <p:spPr>
-          <a:xfrm>
-            <a:off x="667117" y="3722402"/>
-            <a:ext cx="8424781" cy="477054"/>
+        </p:nvPicPr>
+        <p:blipFill>
+          <a:blip r:embed="rId4">
+            <a:extLst>
+              <a:ext uri="{28A0092B-C50C-407E-A947-70E740481C1C}">
+                <a14:useLocalDpi xmlns:a14="http://schemas.microsoft.com/office/drawing/2010/main" val="0"/>
+              </a:ext>
+            </a:extLst>
+          </a:blip>
+          <a:stretch>
+            <a:fillRect/>
+          </a:stretch>
+        </p:blipFill>
+        <p:spPr>
+          <a:xfrm>
+            <a:off x="2869660" y="4330567"/>
+            <a:ext cx="9015380" cy="2237989"/>
           </a:xfrm>
           <a:prstGeom prst="rect">
             <a:avLst/>
           </a:prstGeom>
-          <a:noFill/>
-        </p:spPr>
-        <p:txBody>
-          <a:bodyPr wrap="square" rtlCol="0">
-            <a:spAutoFit/>
-          </a:bodyPr>
-          <a:lstStyle/>
-          <a:p>
-            <a:r>
-              <a:rPr lang="en-US" sz="2500" b="1" dirty="0">
-                <a:latin typeface="Times New Roman" panose="02020603050405020304" pitchFamily="18" charset="0"/>
-                <a:cs typeface="Times New Roman" panose="02020603050405020304" pitchFamily="18" charset="0"/>
-              </a:rPr>
-              <a:t>Target: Enhancing the Dependency Mechanism of </a:t>
-            </a:r>
-            <a:r>
-              <a:rPr lang="en-US" sz="2500" b="1" dirty="0" err="1">
-                <a:latin typeface="Times New Roman" panose="02020603050405020304" pitchFamily="18" charset="0"/>
-                <a:cs typeface="Times New Roman" panose="02020603050405020304" pitchFamily="18" charset="0"/>
-              </a:rPr>
-              <a:t>RoBERTa</a:t>
-            </a:r>
-            <a:endParaRPr lang="en-US" sz="2500" dirty="0">
-              <a:latin typeface="Times New Roman" panose="02020603050405020304" pitchFamily="18" charset="0"/>
-              <a:cs typeface="Times New Roman" panose="02020603050405020304" pitchFamily="18" charset="0"/>
-            </a:endParaRPr>
-          </a:p>
-        </p:txBody>
-      </p:sp>
+        </p:spPr>
+      </p:pic>
     </p:spTree>
     <p:extLst>
       <p:ext uri="{BB962C8B-B14F-4D97-AF65-F5344CB8AC3E}">
-        <p14:creationId xmlns:p14="http://schemas.microsoft.com/office/powerpoint/2010/main" val="2301789250"/>
+        <p14:creationId xmlns:p14="http://schemas.microsoft.com/office/powerpoint/2010/main" val="1987724706"/>
       </p:ext>
     </p:extLst>
   </p:cSld>
@@ -9183,7 +9007,7 @@
         <p:spPr>
           <a:xfrm>
             <a:off x="616225" y="569844"/>
-            <a:ext cx="9500541" cy="523220"/>
+            <a:ext cx="11008328" cy="523220"/>
           </a:xfrm>
           <a:prstGeom prst="rect">
             <a:avLst/>
@@ -9198,17 +9022,30 @@
           <a:p>
             <a:r>
               <a:rPr lang="en-US" sz="2800" b="1" dirty="0"/>
-              <a:t>Optimization: Statistics</a:t>
-            </a:r>
+              <a:t>EDM-</a:t>
+            </a:r>
+            <a:r>
+              <a:rPr lang="en-US" sz="2800" b="1" dirty="0" err="1"/>
+              <a:t>RoBERTa</a:t>
+            </a:r>
+            <a:r>
+              <a:rPr lang="en-US" sz="2800" b="1" dirty="0"/>
+              <a:t>: Enhancing the Dependency Structure of </a:t>
+            </a:r>
+            <a:r>
+              <a:rPr lang="en-US" sz="2800" b="1" dirty="0" err="1"/>
+              <a:t>RoBERTa</a:t>
+            </a:r>
+            <a:endParaRPr lang="en-US" sz="2800" b="1" dirty="0"/>
           </a:p>
         </p:txBody>
       </p:sp>
       <p:pic>
         <p:nvPicPr>
-          <p:cNvPr id="7" name="Picture 6">
-            <a:extLst>
-              <a:ext uri="{FF2B5EF4-FFF2-40B4-BE49-F238E27FC236}">
-                <a16:creationId xmlns:a16="http://schemas.microsoft.com/office/drawing/2014/main" id="{3EA49A00-B665-BB4E-8414-F14A25C37FAF}"/>
+          <p:cNvPr id="4" name="Picture 3">
+            <a:extLst>
+              <a:ext uri="{FF2B5EF4-FFF2-40B4-BE49-F238E27FC236}">
+                <a16:creationId xmlns:a16="http://schemas.microsoft.com/office/drawing/2014/main" id="{01A05A17-4134-CB42-BA18-D7A967D0F2DB}"/>
               </a:ext>
             </a:extLst>
           </p:cNvPr>
@@ -9231,54 +9068,62 @@
         </p:blipFill>
         <p:spPr>
           <a:xfrm>
-            <a:off x="817123" y="1479649"/>
-            <a:ext cx="8716836" cy="2237989"/>
+            <a:off x="1589975" y="2907884"/>
+            <a:ext cx="9012050" cy="1757124"/>
           </a:xfrm>
           <a:prstGeom prst="rect">
             <a:avLst/>
           </a:prstGeom>
         </p:spPr>
       </p:pic>
-      <p:pic>
-        <p:nvPicPr>
-          <p:cNvPr id="9" name="Picture 8">
-            <a:extLst>
-              <a:ext uri="{FF2B5EF4-FFF2-40B4-BE49-F238E27FC236}">
-                <a16:creationId xmlns:a16="http://schemas.microsoft.com/office/drawing/2014/main" id="{039B4765-42F5-9541-BC34-8ACF710B3366}"/>
-              </a:ext>
-            </a:extLst>
-          </p:cNvPr>
-          <p:cNvPicPr>
-            <a:picLocks noChangeAspect="1"/>
-          </p:cNvPicPr>
+      <p:sp>
+        <p:nvSpPr>
+          <p:cNvPr id="5" name="TextBox 4">
+            <a:extLst>
+              <a:ext uri="{FF2B5EF4-FFF2-40B4-BE49-F238E27FC236}">
+                <a16:creationId xmlns:a16="http://schemas.microsoft.com/office/drawing/2014/main" id="{7143B78D-B6B3-474D-B531-66EC4DED1CA1}"/>
+              </a:ext>
+            </a:extLst>
+          </p:cNvPr>
+          <p:cNvSpPr txBox="1"/>
           <p:nvPr/>
-        </p:nvPicPr>
-        <p:blipFill>
-          <a:blip r:embed="rId4">
-            <a:extLst>
-              <a:ext uri="{28A0092B-C50C-407E-A947-70E740481C1C}">
-                <a14:useLocalDpi xmlns:a14="http://schemas.microsoft.com/office/drawing/2010/main" val="0"/>
-              </a:ext>
-            </a:extLst>
-          </a:blip>
-          <a:stretch>
-            <a:fillRect/>
-          </a:stretch>
-        </p:blipFill>
-        <p:spPr>
-          <a:xfrm>
-            <a:off x="2869660" y="4330567"/>
-            <a:ext cx="9015380" cy="2237989"/>
+        </p:nvSpPr>
+        <p:spPr>
+          <a:xfrm>
+            <a:off x="1322962" y="1780162"/>
+            <a:ext cx="5985293" cy="477054"/>
           </a:xfrm>
           <a:prstGeom prst="rect">
             <a:avLst/>
           </a:prstGeom>
-        </p:spPr>
-      </p:pic>
+          <a:noFill/>
+        </p:spPr>
+        <p:txBody>
+          <a:bodyPr wrap="none" rtlCol="0">
+            <a:spAutoFit/>
+          </a:bodyPr>
+          <a:lstStyle/>
+          <a:p>
+            <a:pPr marL="342900" indent="-342900">
+              <a:buFont typeface="Arial" panose="020B0604020202020204" pitchFamily="34" charset="0"/>
+              <a:buChar char="•"/>
+            </a:pPr>
+            <a:r>
+              <a:rPr lang="en-US" sz="2500" b="1" dirty="0"/>
+              <a:t>Detailed parameters of EDM-</a:t>
+            </a:r>
+            <a:r>
+              <a:rPr lang="en-US" sz="2500" b="1" dirty="0" err="1"/>
+              <a:t>RoBERTa</a:t>
+            </a:r>
+            <a:endParaRPr lang="en-US" sz="2500" b="1" dirty="0"/>
+          </a:p>
+        </p:txBody>
+      </p:sp>
     </p:spTree>
     <p:extLst>
       <p:ext uri="{BB962C8B-B14F-4D97-AF65-F5344CB8AC3E}">
-        <p14:creationId xmlns:p14="http://schemas.microsoft.com/office/powerpoint/2010/main" val="1987724706"/>
+        <p14:creationId xmlns:p14="http://schemas.microsoft.com/office/powerpoint/2010/main" val="266460702"/>
       </p:ext>
     </p:extLst>
   </p:cSld>
@@ -9343,30 +9188,17 @@
           <a:p>
             <a:r>
               <a:rPr lang="en-US" sz="2800" b="1" dirty="0"/>
-              <a:t>EDM-</a:t>
-            </a:r>
-            <a:r>
-              <a:rPr lang="en-US" sz="2800" b="1" dirty="0" err="1"/>
-              <a:t>RoBERTa</a:t>
-            </a:r>
-            <a:r>
-              <a:rPr lang="en-US" sz="2800" b="1" dirty="0"/>
-              <a:t>: Enhancing the Dependency Structure of </a:t>
-            </a:r>
-            <a:r>
-              <a:rPr lang="en-US" sz="2800" b="1" dirty="0" err="1"/>
-              <a:t>RoBERTa</a:t>
-            </a:r>
-            <a:endParaRPr lang="en-US" sz="2800" b="1" dirty="0"/>
+              <a:t>Environments</a:t>
+            </a:r>
           </a:p>
         </p:txBody>
       </p:sp>
       <p:pic>
         <p:nvPicPr>
-          <p:cNvPr id="4" name="Picture 3">
-            <a:extLst>
-              <a:ext uri="{FF2B5EF4-FFF2-40B4-BE49-F238E27FC236}">
-                <a16:creationId xmlns:a16="http://schemas.microsoft.com/office/drawing/2014/main" id="{01A05A17-4134-CB42-BA18-D7A967D0F2DB}"/>
+          <p:cNvPr id="6" name="Picture 5">
+            <a:extLst>
+              <a:ext uri="{FF2B5EF4-FFF2-40B4-BE49-F238E27FC236}">
+                <a16:creationId xmlns:a16="http://schemas.microsoft.com/office/drawing/2014/main" id="{138C9CDB-FB79-7B43-A512-EBA1A3B74DFD}"/>
               </a:ext>
             </a:extLst>
           </p:cNvPr>
@@ -9389,62 +9221,18 @@
         </p:blipFill>
         <p:spPr>
           <a:xfrm>
-            <a:off x="1589975" y="2907884"/>
-            <a:ext cx="9012050" cy="1757124"/>
+            <a:off x="540194" y="1812004"/>
+            <a:ext cx="11111611" cy="3674396"/>
           </a:xfrm>
           <a:prstGeom prst="rect">
             <a:avLst/>
           </a:prstGeom>
         </p:spPr>
       </p:pic>
-      <p:sp>
-        <p:nvSpPr>
-          <p:cNvPr id="5" name="TextBox 4">
-            <a:extLst>
-              <a:ext uri="{FF2B5EF4-FFF2-40B4-BE49-F238E27FC236}">
-                <a16:creationId xmlns:a16="http://schemas.microsoft.com/office/drawing/2014/main" id="{7143B78D-B6B3-474D-B531-66EC4DED1CA1}"/>
-              </a:ext>
-            </a:extLst>
-          </p:cNvPr>
-          <p:cNvSpPr txBox="1"/>
-          <p:nvPr/>
-        </p:nvSpPr>
-        <p:spPr>
-          <a:xfrm>
-            <a:off x="1322962" y="1780162"/>
-            <a:ext cx="5985293" cy="477054"/>
-          </a:xfrm>
-          <a:prstGeom prst="rect">
-            <a:avLst/>
-          </a:prstGeom>
-          <a:noFill/>
-        </p:spPr>
-        <p:txBody>
-          <a:bodyPr wrap="none" rtlCol="0">
-            <a:spAutoFit/>
-          </a:bodyPr>
-          <a:lstStyle/>
-          <a:p>
-            <a:pPr marL="342900" indent="-342900">
-              <a:buFont typeface="Arial" panose="020B0604020202020204" pitchFamily="34" charset="0"/>
-              <a:buChar char="•"/>
-            </a:pPr>
-            <a:r>
-              <a:rPr lang="en-US" sz="2500" b="1" dirty="0"/>
-              <a:t>Detailed parameters of EDM-</a:t>
-            </a:r>
-            <a:r>
-              <a:rPr lang="en-US" sz="2500" b="1" dirty="0" err="1"/>
-              <a:t>RoBERTa</a:t>
-            </a:r>
-            <a:endParaRPr lang="en-US" sz="2500" b="1" dirty="0"/>
-          </a:p>
-        </p:txBody>
-      </p:sp>
     </p:spTree>
     <p:extLst>
       <p:ext uri="{BB962C8B-B14F-4D97-AF65-F5344CB8AC3E}">
-        <p14:creationId xmlns:p14="http://schemas.microsoft.com/office/powerpoint/2010/main" val="266460702"/>
+        <p14:creationId xmlns:p14="http://schemas.microsoft.com/office/powerpoint/2010/main" val="1320879586"/>
       </p:ext>
     </p:extLst>
   </p:cSld>
@@ -9509,116 +9297,7 @@
           <a:p>
             <a:r>
               <a:rPr lang="en-US" sz="2800" b="1" dirty="0"/>
-              <a:t>Environments</a:t>
-            </a:r>
-          </a:p>
-        </p:txBody>
-      </p:sp>
-      <p:pic>
-        <p:nvPicPr>
-          <p:cNvPr id="6" name="Picture 5">
-            <a:extLst>
-              <a:ext uri="{FF2B5EF4-FFF2-40B4-BE49-F238E27FC236}">
-                <a16:creationId xmlns:a16="http://schemas.microsoft.com/office/drawing/2014/main" id="{138C9CDB-FB79-7B43-A512-EBA1A3B74DFD}"/>
-              </a:ext>
-            </a:extLst>
-          </p:cNvPr>
-          <p:cNvPicPr>
-            <a:picLocks noChangeAspect="1"/>
-          </p:cNvPicPr>
-          <p:nvPr/>
-        </p:nvPicPr>
-        <p:blipFill>
-          <a:blip r:embed="rId3">
-            <a:extLst>
-              <a:ext uri="{28A0092B-C50C-407E-A947-70E740481C1C}">
-                <a14:useLocalDpi xmlns:a14="http://schemas.microsoft.com/office/drawing/2010/main" val="0"/>
-              </a:ext>
-            </a:extLst>
-          </a:blip>
-          <a:stretch>
-            <a:fillRect/>
-          </a:stretch>
-        </p:blipFill>
-        <p:spPr>
-          <a:xfrm>
-            <a:off x="540194" y="1812004"/>
-            <a:ext cx="11111611" cy="3674396"/>
-          </a:xfrm>
-          <a:prstGeom prst="rect">
-            <a:avLst/>
-          </a:prstGeom>
-        </p:spPr>
-      </p:pic>
-    </p:spTree>
-    <p:extLst>
-      <p:ext uri="{BB962C8B-B14F-4D97-AF65-F5344CB8AC3E}">
-        <p14:creationId xmlns:p14="http://schemas.microsoft.com/office/powerpoint/2010/main" val="1320879586"/>
-      </p:ext>
-    </p:extLst>
-  </p:cSld>
-  <p:clrMapOvr>
-    <a:masterClrMapping/>
-  </p:clrMapOvr>
-</p:sld>
-</file>
-
-<file path=ppt/slides/slide16.xml><?xml version="1.0" encoding="utf-8"?>
-<p:sld xmlns:a="http://schemas.openxmlformats.org/drawingml/2006/main" xmlns:r="http://schemas.openxmlformats.org/officeDocument/2006/relationships" xmlns:p="http://schemas.openxmlformats.org/presentationml/2006/main">
-  <p:cSld>
-    <p:bg>
-      <p:bgPr>
-        <a:solidFill>
-          <a:schemeClr val="bg1"/>
-        </a:solidFill>
-        <a:effectLst/>
-      </p:bgPr>
-    </p:bg>
-    <p:spTree>
-      <p:nvGrpSpPr>
-        <p:cNvPr id="1" name=""/>
-        <p:cNvGrpSpPr/>
-        <p:nvPr/>
-      </p:nvGrpSpPr>
-      <p:grpSpPr>
-        <a:xfrm>
-          <a:off x="0" y="0"/>
-          <a:ext cx="0" cy="0"/>
-          <a:chOff x="0" y="0"/>
-          <a:chExt cx="0" cy="0"/>
-        </a:xfrm>
-      </p:grpSpPr>
-      <p:sp>
-        <p:nvSpPr>
-          <p:cNvPr id="2" name="文字方塊 9">
-            <a:extLst>
-              <a:ext uri="{FF2B5EF4-FFF2-40B4-BE49-F238E27FC236}">
-                <a16:creationId xmlns:a16="http://schemas.microsoft.com/office/drawing/2014/main" id="{1472181F-E1C9-5B4B-AC5F-B6ABF9C576B7}"/>
-              </a:ext>
-            </a:extLst>
-          </p:cNvPr>
-          <p:cNvSpPr txBox="1"/>
-          <p:nvPr/>
-        </p:nvSpPr>
-        <p:spPr>
-          <a:xfrm>
-            <a:off x="616225" y="569844"/>
-            <a:ext cx="11008328" cy="523220"/>
-          </a:xfrm>
-          <a:prstGeom prst="rect">
-            <a:avLst/>
-          </a:prstGeom>
-          <a:noFill/>
-        </p:spPr>
-        <p:txBody>
-          <a:bodyPr wrap="square" rtlCol="0">
-            <a:spAutoFit/>
-          </a:bodyPr>
-          <a:lstStyle/>
-          <a:p>
-            <a:r>
-              <a:rPr lang="en-US" sz="2800" b="1" dirty="0"/>
-              <a:t>Conclusions</a:t>
+              <a:t>Conclusion</a:t>
             </a:r>
           </a:p>
         </p:txBody>
@@ -11500,8 +11179,8 @@
         </p:blipFill>
         <p:spPr>
           <a:xfrm>
-            <a:off x="5472731" y="1371006"/>
-            <a:ext cx="5293823" cy="2457846"/>
+            <a:off x="6805581" y="1669873"/>
+            <a:ext cx="4791583" cy="2224663"/>
           </a:xfrm>
           <a:prstGeom prst="rect">
             <a:avLst/>
@@ -11539,8 +11218,8 @@
         </p:blipFill>
         <p:spPr>
           <a:xfrm>
-            <a:off x="5773593" y="4106795"/>
-            <a:ext cx="5272839" cy="2664617"/>
+            <a:off x="7084422" y="4263571"/>
+            <a:ext cx="4712474" cy="2381438"/>
           </a:xfrm>
           <a:prstGeom prst="rect">
             <a:avLst/>
@@ -11561,7 +11240,7 @@
         </p:nvSpPr>
         <p:spPr>
           <a:xfrm>
-            <a:off x="2382742" y="1633442"/>
+            <a:off x="1806418" y="1669873"/>
             <a:ext cx="2288896" cy="461665"/>
           </a:xfrm>
           <a:prstGeom prst="rect">
@@ -11589,6 +11268,41 @@
           </a:p>
         </p:txBody>
       </p:sp>
+      <p:pic>
+        <p:nvPicPr>
+          <p:cNvPr id="4" name="圖片 3">
+            <a:extLst>
+              <a:ext uri="{FF2B5EF4-FFF2-40B4-BE49-F238E27FC236}">
+                <a16:creationId xmlns:a16="http://schemas.microsoft.com/office/drawing/2014/main" id="{E4E23801-30FF-482F-98A2-6E26DDF23DC6}"/>
+              </a:ext>
+            </a:extLst>
+          </p:cNvPr>
+          <p:cNvPicPr>
+            <a:picLocks noChangeAspect="1"/>
+          </p:cNvPicPr>
+          <p:nvPr/>
+        </p:nvPicPr>
+        <p:blipFill rotWithShape="1">
+          <a:blip r:embed="rId7">
+            <a:extLst>
+              <a:ext uri="{28A0092B-C50C-407E-A947-70E740481C1C}">
+                <a14:useLocalDpi xmlns:a14="http://schemas.microsoft.com/office/drawing/2010/main" val="0"/>
+              </a:ext>
+            </a:extLst>
+          </a:blip>
+          <a:srcRect l="-1" r="38337"/>
+          <a:stretch/>
+        </p:blipFill>
+        <p:spPr>
+          <a:xfrm>
+            <a:off x="2175226" y="2724542"/>
+            <a:ext cx="3668190" cy="704458"/>
+          </a:xfrm>
+          <a:prstGeom prst="rect">
+            <a:avLst/>
+          </a:prstGeom>
+        </p:spPr>
+      </p:pic>
     </p:spTree>
     <p:extLst>
       <p:ext uri="{BB962C8B-B14F-4D97-AF65-F5344CB8AC3E}">
@@ -11657,17 +11371,17 @@
           <a:p>
             <a:r>
               <a:rPr lang="en-US" sz="2800" b="1" dirty="0"/>
-              <a:t>Attention Mechanism</a:t>
-            </a:r>
-          </a:p>
-        </p:txBody>
-      </p:sp>
-      <p:sp>
-        <p:nvSpPr>
-          <p:cNvPr id="5" name="TextBox 4">
-            <a:extLst>
-              <a:ext uri="{FF2B5EF4-FFF2-40B4-BE49-F238E27FC236}">
-                <a16:creationId xmlns:a16="http://schemas.microsoft.com/office/drawing/2014/main" id="{0F0A5022-A9F2-4143-B927-A449071B04E6}"/>
+              <a:t>Problems with Attention Mechanism</a:t>
+            </a:r>
+          </a:p>
+        </p:txBody>
+      </p:sp>
+      <p:sp>
+        <p:nvSpPr>
+          <p:cNvPr id="13" name="TextBox 5">
+            <a:extLst>
+              <a:ext uri="{FF2B5EF4-FFF2-40B4-BE49-F238E27FC236}">
+                <a16:creationId xmlns:a16="http://schemas.microsoft.com/office/drawing/2014/main" id="{A35F1A04-046B-42E3-9C3B-FFD642B26147}"/>
               </a:ext>
             </a:extLst>
           </p:cNvPr>
@@ -11676,8 +11390,8 @@
         </p:nvSpPr>
         <p:spPr>
           <a:xfrm>
-            <a:off x="1806418" y="4185280"/>
-            <a:ext cx="3560077" cy="461665"/>
+            <a:off x="2146013" y="2037722"/>
+            <a:ext cx="2593852" cy="461665"/>
           </a:xfrm>
           <a:prstGeom prst="rect">
             <a:avLst/>
@@ -11691,25 +11405,29 @@
           <a:lstStyle/>
           <a:p>
             <a:pPr marL="342900" indent="-342900">
-              <a:buFont typeface="Arial" panose="020B0604020202020204" pitchFamily="34" charset="0"/>
-              <a:buChar char="•"/>
+              <a:buFont typeface="Wingdings" pitchFamily="2" charset="2"/>
+              <a:buChar char="§"/>
             </a:pPr>
             <a:r>
               <a:rPr lang="en-US" sz="2400" b="1" dirty="0">
                 <a:latin typeface="Calibri" panose="020F0502020204030204" pitchFamily="34" charset="0"/>
                 <a:cs typeface="Calibri" panose="020F0502020204030204" pitchFamily="34" charset="0"/>
               </a:rPr>
-              <a:t>Multi-headed Attention</a:t>
-            </a:r>
-          </a:p>
-        </p:txBody>
-      </p:sp>
-      <p:sp>
-        <p:nvSpPr>
-          <p:cNvPr id="12" name="TextBox 11">
-            <a:extLst>
-              <a:ext uri="{FF2B5EF4-FFF2-40B4-BE49-F238E27FC236}">
-                <a16:creationId xmlns:a16="http://schemas.microsoft.com/office/drawing/2014/main" id="{BADF6B0D-70A2-C543-A968-7B986D74325C}"/>
+              <a:t>Too many heads</a:t>
+            </a:r>
+            <a:endParaRPr lang="en-US" sz="2400" dirty="0">
+              <a:latin typeface="Calibri" panose="020F0502020204030204" pitchFamily="34" charset="0"/>
+              <a:cs typeface="Calibri" panose="020F0502020204030204" pitchFamily="34" charset="0"/>
+            </a:endParaRPr>
+          </a:p>
+        </p:txBody>
+      </p:sp>
+      <p:sp>
+        <p:nvSpPr>
+          <p:cNvPr id="14" name="TextBox 6">
+            <a:extLst>
+              <a:ext uri="{FF2B5EF4-FFF2-40B4-BE49-F238E27FC236}">
+                <a16:creationId xmlns:a16="http://schemas.microsoft.com/office/drawing/2014/main" id="{1DFF8FF5-A1E8-4D4B-9DE1-775A18258604}"/>
               </a:ext>
             </a:extLst>
           </p:cNvPr>
@@ -11718,8 +11436,8 @@
         </p:nvSpPr>
         <p:spPr>
           <a:xfrm>
-            <a:off x="1806418" y="1709642"/>
-            <a:ext cx="2288896" cy="461665"/>
+            <a:off x="2146013" y="2605508"/>
+            <a:ext cx="3747949" cy="461665"/>
           </a:xfrm>
           <a:prstGeom prst="rect">
             <a:avLst/>
@@ -11733,15 +11451,89 @@
           <a:lstStyle/>
           <a:p>
             <a:pPr marL="342900" indent="-342900">
-              <a:buFont typeface="Arial" panose="020B0604020202020204" pitchFamily="34" charset="0"/>
-              <a:buChar char="•"/>
+              <a:buFont typeface="Wingdings" pitchFamily="2" charset="2"/>
+              <a:buChar char="§"/>
             </a:pPr>
+            <a:r>
+              <a:rPr lang="en-US" sz="2400" b="1" dirty="0">
+                <a:solidFill>
+                  <a:srgbClr val="FF0000"/>
+                </a:solidFill>
+                <a:latin typeface="Calibri" panose="020F0502020204030204" pitchFamily="34" charset="0"/>
+                <a:cs typeface="Calibri" panose="020F0502020204030204" pitchFamily="34" charset="0"/>
+              </a:rPr>
+              <a:t>Valid heads are unknown</a:t>
+            </a:r>
+          </a:p>
+        </p:txBody>
+      </p:sp>
+      <p:sp>
+        <p:nvSpPr>
+          <p:cNvPr id="15" name="TextBox 9">
+            <a:extLst>
+              <a:ext uri="{FF2B5EF4-FFF2-40B4-BE49-F238E27FC236}">
+                <a16:creationId xmlns:a16="http://schemas.microsoft.com/office/drawing/2014/main" id="{4F69F72C-E1BD-4408-B368-6888FC13EC7B}"/>
+              </a:ext>
+            </a:extLst>
+          </p:cNvPr>
+          <p:cNvSpPr txBox="1"/>
+          <p:nvPr/>
+        </p:nvSpPr>
+        <p:spPr>
+          <a:xfrm>
+            <a:off x="2146013" y="3256761"/>
+            <a:ext cx="5458080" cy="830997"/>
+          </a:xfrm>
+          <a:prstGeom prst="rect">
+            <a:avLst/>
+          </a:prstGeom>
+          <a:noFill/>
+        </p:spPr>
+        <p:txBody>
+          <a:bodyPr wrap="square" rtlCol="0">
+            <a:spAutoFit/>
+          </a:bodyPr>
+          <a:lstStyle/>
+          <a:p>
+            <a:pPr marL="342900" indent="-342900">
+              <a:buFont typeface="Wingdings" pitchFamily="2" charset="2"/>
+              <a:buChar char="§"/>
+            </a:pPr>
+            <a:r>
+              <a:rPr lang="en-US" sz="2400" b="1" dirty="0">
+                <a:solidFill>
+                  <a:srgbClr val="FF0000"/>
+                </a:solidFill>
+                <a:latin typeface="Calibri" panose="020F0502020204030204" pitchFamily="34" charset="0"/>
+                <a:cs typeface="Calibri" panose="020F0502020204030204" pitchFamily="34" charset="0"/>
+              </a:rPr>
+              <a:t>Deal with “heads”:</a:t>
+            </a:r>
+            <a:br>
+              <a:rPr lang="en-US" sz="2400" b="1" dirty="0">
+                <a:solidFill>
+                  <a:srgbClr val="FF0000"/>
+                </a:solidFill>
+                <a:latin typeface="Calibri" panose="020F0502020204030204" pitchFamily="34" charset="0"/>
+                <a:cs typeface="Calibri" panose="020F0502020204030204" pitchFamily="34" charset="0"/>
+              </a:rPr>
+            </a:br>
+            <a:r>
+              <a:rPr lang="en-US" sz="2400" b="1" dirty="0">
+                <a:solidFill>
+                  <a:srgbClr val="FF0000"/>
+                </a:solidFill>
+                <a:latin typeface="Calibri" panose="020F0502020204030204" pitchFamily="34" charset="0"/>
+                <a:cs typeface="Calibri" panose="020F0502020204030204" pitchFamily="34" charset="0"/>
+              </a:rPr>
+              <a:t>	</a:t>
+            </a:r>
             <a:r>
               <a:rPr lang="en-US" sz="2400" b="1" dirty="0">
                 <a:latin typeface="Calibri" panose="020F0502020204030204" pitchFamily="34" charset="0"/>
                 <a:cs typeface="Calibri" panose="020F0502020204030204" pitchFamily="34" charset="0"/>
               </a:rPr>
-              <a:t>Self Attention</a:t>
+              <a:t>Optimizing the attention process</a:t>
             </a:r>
           </a:p>
         </p:txBody>
@@ -11749,7 +11541,7 @@
     </p:spTree>
     <p:extLst>
       <p:ext uri="{BB962C8B-B14F-4D97-AF65-F5344CB8AC3E}">
-        <p14:creationId xmlns:p14="http://schemas.microsoft.com/office/powerpoint/2010/main" val="3683092427"/>
+        <p14:creationId xmlns:p14="http://schemas.microsoft.com/office/powerpoint/2010/main" val="4156085279"/>
       </p:ext>
     </p:extLst>
   </p:cSld>

--- a/Lab/REP.pptx
+++ b/Lab/REP.pptx
@@ -11296,7 +11296,7 @@
         <p:spPr>
           <a:xfrm>
             <a:off x="2175226" y="2724542"/>
-            <a:ext cx="3668190" cy="704458"/>
+            <a:ext cx="3949874" cy="758554"/>
           </a:xfrm>
           <a:prstGeom prst="rect">
             <a:avLst/>
@@ -11481,8 +11481,8 @@
         </p:nvSpPr>
         <p:spPr>
           <a:xfrm>
-            <a:off x="2146013" y="3256761"/>
-            <a:ext cx="5458080" cy="830997"/>
+            <a:off x="2146012" y="3256761"/>
+            <a:ext cx="7970753" cy="830997"/>
           </a:xfrm>
           <a:prstGeom prst="rect">
             <a:avLst/>
@@ -11507,7 +11507,7 @@
                 <a:latin typeface="Calibri" panose="020F0502020204030204" pitchFamily="34" charset="0"/>
                 <a:cs typeface="Calibri" panose="020F0502020204030204" pitchFamily="34" charset="0"/>
               </a:rPr>
-              <a:t>Deal with “heads”:</a:t>
+              <a:t>Processing with “Valid heads” problem:</a:t>
             </a:r>
             <a:br>
               <a:rPr lang="en-US" sz="2400" b="1" dirty="0">
@@ -12376,6 +12376,15 @@
 </file>
 
 <file path=customXml/item1.xml><?xml version="1.0" encoding="utf-8"?>
+<p:properties xmlns:p="http://schemas.microsoft.com/office/2006/metadata/properties" xmlns:xsi="http://www.w3.org/2001/XMLSchema-instance" xmlns:pc="http://schemas.microsoft.com/office/infopath/2007/PartnerControls">
+  <documentManagement>
+    <_ip_UnifiedCompliancePolicyUIAction xmlns="http://schemas.microsoft.com/sharepoint/v3" xsi:nil="true"/>
+    <_ip_UnifiedCompliancePolicyProperties xmlns="http://schemas.microsoft.com/sharepoint/v3" xsi:nil="true"/>
+  </documentManagement>
+</p:properties>
+</file>
+
+<file path=customXml/item2.xml><?xml version="1.0" encoding="utf-8"?>
 <ct:contentTypeSchema xmlns:ct="http://schemas.microsoft.com/office/2006/metadata/contentType" xmlns:ma="http://schemas.microsoft.com/office/2006/metadata/properties/metaAttributes" ct:_="" ma:_="" ma:contentTypeName="Document" ma:contentTypeID="0x010100DEEA25CC0A0AC24199CDC46C25B8B0BC" ma:contentTypeVersion="9" ma:contentTypeDescription="Create a new document." ma:contentTypeScope="" ma:versionID="76e25e1730b4532ab1d5e5b131a96a5a">
   <xsd:schema xmlns:xsd="http://www.w3.org/2001/XMLSchema" xmlns:xs="http://www.w3.org/2001/XMLSchema" xmlns:p="http://schemas.microsoft.com/office/2006/metadata/properties" xmlns:ns1="http://schemas.microsoft.com/sharepoint/v3" xmlns:ns2="6dc4bcd6-49db-4c07-9060-8acfc67cef9f" xmlns:ns3="fb0879af-3eba-417a-a55a-ffe6dcd6ca77" targetNamespace="http://schemas.microsoft.com/office/2006/metadata/properties" ma:root="true" ma:fieldsID="ad1e9281a84c4949647088091c718de3" ns1:_="" ns2:_="" ns3:_="">
     <xsd:import namespace="http://schemas.microsoft.com/sharepoint/v3"/>
@@ -12577,16 +12586,25 @@
 </ct:contentTypeSchema>
 </file>
 
-<file path=customXml/item2.xml><?xml version="1.0" encoding="utf-8"?>
-<p:properties xmlns:p="http://schemas.microsoft.com/office/2006/metadata/properties" xmlns:xsi="http://www.w3.org/2001/XMLSchema-instance" xmlns:pc="http://schemas.microsoft.com/office/infopath/2007/PartnerControls">
-  <documentManagement>
-    <_ip_UnifiedCompliancePolicyUIAction xmlns="http://schemas.microsoft.com/sharepoint/v3" xsi:nil="true"/>
-    <_ip_UnifiedCompliancePolicyProperties xmlns="http://schemas.microsoft.com/sharepoint/v3" xsi:nil="true"/>
-  </documentManagement>
-</p:properties>
+<file path=customXml/itemProps1.xml><?xml version="1.0" encoding="utf-8"?>
+<ds:datastoreItem xmlns:ds="http://schemas.openxmlformats.org/officeDocument/2006/customXml" ds:itemID="{8FB61CFE-D4DA-4753-A9A5-D482B9609A35}">
+  <ds:schemaRefs>
+    <ds:schemaRef ds:uri="http://schemas.microsoft.com/office/2006/metadata/properties"/>
+    <ds:schemaRef ds:uri="http://schemas.openxmlformats.org/package/2006/metadata/core-properties"/>
+    <ds:schemaRef ds:uri="http://purl.org/dc/elements/1.1/"/>
+    <ds:schemaRef ds:uri="http://schemas.microsoft.com/office/2006/documentManagement/types"/>
+    <ds:schemaRef ds:uri="http://schemas.microsoft.com/sharepoint/v3"/>
+    <ds:schemaRef ds:uri="http://purl.org/dc/terms/"/>
+    <ds:schemaRef ds:uri="http://schemas.microsoft.com/office/infopath/2007/PartnerControls"/>
+    <ds:schemaRef ds:uri="http://www.w3.org/XML/1998/namespace"/>
+    <ds:schemaRef ds:uri="fb0879af-3eba-417a-a55a-ffe6dcd6ca77"/>
+    <ds:schemaRef ds:uri="6dc4bcd6-49db-4c07-9060-8acfc67cef9f"/>
+    <ds:schemaRef ds:uri="http://purl.org/dc/dcmitype/"/>
+  </ds:schemaRefs>
+</ds:datastoreItem>
 </file>
 
-<file path=customXml/itemProps1.xml><?xml version="1.0" encoding="utf-8"?>
+<file path=customXml/itemProps2.xml><?xml version="1.0" encoding="utf-8"?>
 <ds:datastoreItem xmlns:ds="http://schemas.openxmlformats.org/officeDocument/2006/customXml" ds:itemID="{58A784AD-7888-482C-A72A-80D3063962ED}">
   <ds:schemaRefs>
     <ds:schemaRef ds:uri="http://schemas.microsoft.com/office/2006/metadata/contentType"/>
@@ -12604,22 +12622,4 @@
     <ds:schemaRef ds:uri="http://schemas.microsoft.com/internal/obd"/>
   </ds:schemaRefs>
 </ds:datastoreItem>
-</file>
-
-<file path=customXml/itemProps2.xml><?xml version="1.0" encoding="utf-8"?>
-<ds:datastoreItem xmlns:ds="http://schemas.openxmlformats.org/officeDocument/2006/customXml" ds:itemID="{8FB61CFE-D4DA-4753-A9A5-D482B9609A35}">
-  <ds:schemaRefs>
-    <ds:schemaRef ds:uri="http://schemas.microsoft.com/office/2006/metadata/properties"/>
-    <ds:schemaRef ds:uri="http://schemas.openxmlformats.org/package/2006/metadata/core-properties"/>
-    <ds:schemaRef ds:uri="http://purl.org/dc/elements/1.1/"/>
-    <ds:schemaRef ds:uri="http://schemas.microsoft.com/office/2006/documentManagement/types"/>
-    <ds:schemaRef ds:uri="http://schemas.microsoft.com/sharepoint/v3"/>
-    <ds:schemaRef ds:uri="http://purl.org/dc/terms/"/>
-    <ds:schemaRef ds:uri="http://schemas.microsoft.com/office/infopath/2007/PartnerControls"/>
-    <ds:schemaRef ds:uri="http://www.w3.org/XML/1998/namespace"/>
-    <ds:schemaRef ds:uri="fb0879af-3eba-417a-a55a-ffe6dcd6ca77"/>
-    <ds:schemaRef ds:uri="6dc4bcd6-49db-4c07-9060-8acfc67cef9f"/>
-    <ds:schemaRef ds:uri="http://purl.org/dc/dcmitype/"/>
-  </ds:schemaRefs>
-</ds:datastoreItem>
 </file>
--- a/Lab/REP.pptx
+++ b/Lab/REP.pptx
@@ -1,6 +1,6 @@
 
 <file path=ppt/presentation.xml><?xml version="1.0" encoding="utf-8"?>
-<p:presentation xmlns:a="http://schemas.openxmlformats.org/drawingml/2006/main" xmlns:r="http://schemas.openxmlformats.org/officeDocument/2006/relationships" xmlns:p="http://schemas.openxmlformats.org/presentationml/2006/main" removePersonalInfoOnSave="1" saveSubsetFonts="1">
+<p:presentation xmlns:a="http://schemas.openxmlformats.org/drawingml/2006/main" xmlns:r="http://schemas.openxmlformats.org/officeDocument/2006/relationships" xmlns:p="http://schemas.openxmlformats.org/presentationml/2006/main" showSpecialPlsOnTitleSld="0" removePersonalInfoOnSave="1" saveSubsetFonts="1">
   <p:sldMasterIdLst>
     <p:sldMasterId id="2147483648" r:id="rId3"/>
   </p:sldMasterIdLst>
@@ -164,7 +164,7 @@
           <p:cNvPr id="2" name="頁首預留位置 1">
             <a:extLst>
               <a:ext uri="{FF2B5EF4-FFF2-40B4-BE49-F238E27FC236}">
-                <a16:creationId xmlns:a16="http://schemas.microsoft.com/office/drawing/2014/main" xmlns="" id="{B76F666D-E0C2-435B-BAA8-9287F9E5D38A}"/>
+                <a16:creationId xmlns:a16="http://schemas.microsoft.com/office/drawing/2014/main" id="{B76F666D-E0C2-435B-BAA8-9287F9E5D38A}"/>
               </a:ext>
             </a:extLst>
           </p:cNvPr>
@@ -193,6 +193,14 @@
           </a:lstStyle>
           <a:p>
             <a:pPr rtl="0"/>
+            <a:r>
+              <a:rPr lang="en-US" altLang="zh-TW">
+                <a:latin typeface="Microsoft JhengHei UI" panose="020B0604030504040204" pitchFamily="34" charset="-120"/>
+                <a:ea typeface="Microsoft JhengHei UI" panose="020B0604030504040204" pitchFamily="34" charset="-120"/>
+                <a:sym typeface="Microsoft JhengHei UI" panose="020B0604030504040204" pitchFamily="34" charset="-120"/>
+              </a:rPr>
+              <a:t>1</a:t>
+            </a:r>
             <a:endParaRPr lang="zh-TW" altLang="en-US" dirty="0">
               <a:latin typeface="Microsoft JhengHei UI" panose="020B0604030504040204" pitchFamily="34" charset="-120"/>
               <a:ea typeface="Microsoft JhengHei UI" panose="020B0604030504040204" pitchFamily="34" charset="-120"/>
@@ -206,7 +214,7 @@
           <p:cNvPr id="3" name="日期預留位置 2">
             <a:extLst>
               <a:ext uri="{FF2B5EF4-FFF2-40B4-BE49-F238E27FC236}">
-                <a16:creationId xmlns:a16="http://schemas.microsoft.com/office/drawing/2014/main" xmlns="" id="{19FEBCAF-CB3F-4928-91AA-D61472F880C0}"/>
+                <a16:creationId xmlns:a16="http://schemas.microsoft.com/office/drawing/2014/main" id="{19FEBCAF-CB3F-4928-91AA-D61472F880C0}"/>
               </a:ext>
             </a:extLst>
           </p:cNvPr>
@@ -256,7 +264,7 @@
           <p:cNvPr id="4" name="頁尾預留位置 3">
             <a:extLst>
               <a:ext uri="{FF2B5EF4-FFF2-40B4-BE49-F238E27FC236}">
-                <a16:creationId xmlns:a16="http://schemas.microsoft.com/office/drawing/2014/main" xmlns="" id="{69256698-63C6-4CCC-81CB-EA5604C30F1E}"/>
+                <a16:creationId xmlns:a16="http://schemas.microsoft.com/office/drawing/2014/main" id="{69256698-63C6-4CCC-81CB-EA5604C30F1E}"/>
               </a:ext>
             </a:extLst>
           </p:cNvPr>
@@ -298,7 +306,7 @@
           <p:cNvPr id="5" name="投影片編號預留位置 4">
             <a:extLst>
               <a:ext uri="{FF2B5EF4-FFF2-40B4-BE49-F238E27FC236}">
-                <a16:creationId xmlns:a16="http://schemas.microsoft.com/office/drawing/2014/main" xmlns="" id="{B2467FDA-05D7-4760-A373-5D6AEAAF4278}"/>
+                <a16:creationId xmlns:a16="http://schemas.microsoft.com/office/drawing/2014/main" id="{B2467FDA-05D7-4760-A373-5D6AEAAF4278}"/>
               </a:ext>
             </a:extLst>
           </p:cNvPr>
@@ -351,6 +359,7 @@
     </p:extLst>
   </p:cSld>
   <p:clrMap bg1="lt1" tx1="dk1" bg2="lt2" tx2="dk2" accent1="accent1" accent2="accent2" accent3="accent3" accent4="accent4" accent5="accent5" accent6="accent6" hlink="hlink" folHlink="folHlink"/>
+  <p:hf ftr="0" dt="0"/>
 </p:handoutMaster>
 </file>
 
@@ -407,6 +416,10 @@
             </a:lvl1pPr>
           </a:lstStyle>
           <a:p>
+            <a:r>
+              <a:rPr lang="en-US" altLang="zh-TW"/>
+              <a:t>1</a:t>
+            </a:r>
             <a:endParaRPr lang="zh-TW" altLang="en-US" dirty="0"/>
           </a:p>
         </p:txBody>
@@ -628,6 +641,7 @@
     </p:extLst>
   </p:cSld>
   <p:clrMap bg1="lt1" tx1="dk1" bg2="lt2" tx2="dk2" accent1="accent1" accent2="accent2" accent3="accent3" accent4="accent4" accent5="accent5" accent6="accent6" hlink="hlink" folHlink="folHlink"/>
+  <p:hf ftr="0" dt="0"/>
   <p:notesStyle>
     <a:lvl1pPr marL="0" algn="l" defTabSz="914400" rtl="0" eaLnBrk="1" latinLnBrk="0" hangingPunct="1">
       <a:defRPr sz="1200" kern="1200">
@@ -800,6 +814,35 @@
           </a:p>
         </p:txBody>
       </p:sp>
+      <p:sp>
+        <p:nvSpPr>
+          <p:cNvPr id="5" name="頁首版面配置區 4">
+            <a:extLst>
+              <a:ext uri="{FF2B5EF4-FFF2-40B4-BE49-F238E27FC236}">
+                <a16:creationId xmlns:a16="http://schemas.microsoft.com/office/drawing/2014/main" id="{A0B804DA-4763-4827-97F3-43A0DB08BADA}"/>
+              </a:ext>
+            </a:extLst>
+          </p:cNvPr>
+          <p:cNvSpPr>
+            <a:spLocks noGrp="1"/>
+          </p:cNvSpPr>
+          <p:nvPr>
+            <p:ph type="hdr" sz="quarter"/>
+          </p:nvPr>
+        </p:nvSpPr>
+        <p:spPr/>
+        <p:txBody>
+          <a:bodyPr/>
+          <a:lstStyle/>
+          <a:p>
+            <a:r>
+              <a:rPr lang="en-US" altLang="zh-TW"/>
+              <a:t>1</a:t>
+            </a:r>
+            <a:endParaRPr lang="zh-TW" altLang="en-US" dirty="0"/>
+          </a:p>
+        </p:txBody>
+      </p:sp>
     </p:spTree>
     <p:extLst>
       <p:ext uri="{BB962C8B-B14F-4D97-AF65-F5344CB8AC3E}">
@@ -885,6 +928,35 @@
           </a:p>
         </p:txBody>
       </p:sp>
+      <p:sp>
+        <p:nvSpPr>
+          <p:cNvPr id="5" name="頁首版面配置區 4">
+            <a:extLst>
+              <a:ext uri="{FF2B5EF4-FFF2-40B4-BE49-F238E27FC236}">
+                <a16:creationId xmlns:a16="http://schemas.microsoft.com/office/drawing/2014/main" id="{5C88A382-E830-4845-9C9C-421562D2C6F2}"/>
+              </a:ext>
+            </a:extLst>
+          </p:cNvPr>
+          <p:cNvSpPr>
+            <a:spLocks noGrp="1"/>
+          </p:cNvSpPr>
+          <p:nvPr>
+            <p:ph type="hdr" sz="quarter"/>
+          </p:nvPr>
+        </p:nvSpPr>
+        <p:spPr/>
+        <p:txBody>
+          <a:bodyPr/>
+          <a:lstStyle/>
+          <a:p>
+            <a:r>
+              <a:rPr lang="en-US" altLang="zh-TW"/>
+              <a:t>1</a:t>
+            </a:r>
+            <a:endParaRPr lang="zh-TW" altLang="en-US" dirty="0"/>
+          </a:p>
+        </p:txBody>
+      </p:sp>
     </p:spTree>
     <p:extLst>
       <p:ext uri="{BB962C8B-B14F-4D97-AF65-F5344CB8AC3E}">
@@ -970,6 +1042,35 @@
           </a:p>
         </p:txBody>
       </p:sp>
+      <p:sp>
+        <p:nvSpPr>
+          <p:cNvPr id="5" name="頁首版面配置區 4">
+            <a:extLst>
+              <a:ext uri="{FF2B5EF4-FFF2-40B4-BE49-F238E27FC236}">
+                <a16:creationId xmlns:a16="http://schemas.microsoft.com/office/drawing/2014/main" id="{B0369EC9-2BF2-4CEF-B733-BD79390B1E2E}"/>
+              </a:ext>
+            </a:extLst>
+          </p:cNvPr>
+          <p:cNvSpPr>
+            <a:spLocks noGrp="1"/>
+          </p:cNvSpPr>
+          <p:nvPr>
+            <p:ph type="hdr" sz="quarter"/>
+          </p:nvPr>
+        </p:nvSpPr>
+        <p:spPr/>
+        <p:txBody>
+          <a:bodyPr/>
+          <a:lstStyle/>
+          <a:p>
+            <a:r>
+              <a:rPr lang="en-US" altLang="zh-TW"/>
+              <a:t>1</a:t>
+            </a:r>
+            <a:endParaRPr lang="zh-TW" altLang="en-US" dirty="0"/>
+          </a:p>
+        </p:txBody>
+      </p:sp>
     </p:spTree>
     <p:extLst>
       <p:ext uri="{BB962C8B-B14F-4D97-AF65-F5344CB8AC3E}">
@@ -1055,6 +1156,35 @@
           </a:p>
         </p:txBody>
       </p:sp>
+      <p:sp>
+        <p:nvSpPr>
+          <p:cNvPr id="5" name="頁首版面配置區 4">
+            <a:extLst>
+              <a:ext uri="{FF2B5EF4-FFF2-40B4-BE49-F238E27FC236}">
+                <a16:creationId xmlns:a16="http://schemas.microsoft.com/office/drawing/2014/main" id="{FF80F06F-3710-4263-9F80-0D2A92DDD819}"/>
+              </a:ext>
+            </a:extLst>
+          </p:cNvPr>
+          <p:cNvSpPr>
+            <a:spLocks noGrp="1"/>
+          </p:cNvSpPr>
+          <p:nvPr>
+            <p:ph type="hdr" sz="quarter"/>
+          </p:nvPr>
+        </p:nvSpPr>
+        <p:spPr/>
+        <p:txBody>
+          <a:bodyPr/>
+          <a:lstStyle/>
+          <a:p>
+            <a:r>
+              <a:rPr lang="en-US" altLang="zh-TW"/>
+              <a:t>1</a:t>
+            </a:r>
+            <a:endParaRPr lang="zh-TW" altLang="en-US" dirty="0"/>
+          </a:p>
+        </p:txBody>
+      </p:sp>
     </p:spTree>
     <p:extLst>
       <p:ext uri="{BB962C8B-B14F-4D97-AF65-F5344CB8AC3E}">
@@ -1140,6 +1270,35 @@
           </a:p>
         </p:txBody>
       </p:sp>
+      <p:sp>
+        <p:nvSpPr>
+          <p:cNvPr id="5" name="頁首版面配置區 4">
+            <a:extLst>
+              <a:ext uri="{FF2B5EF4-FFF2-40B4-BE49-F238E27FC236}">
+                <a16:creationId xmlns:a16="http://schemas.microsoft.com/office/drawing/2014/main" id="{395663F1-EC29-4F7E-B7B3-C47C3BAA9D0F}"/>
+              </a:ext>
+            </a:extLst>
+          </p:cNvPr>
+          <p:cNvSpPr>
+            <a:spLocks noGrp="1"/>
+          </p:cNvSpPr>
+          <p:nvPr>
+            <p:ph type="hdr" sz="quarter"/>
+          </p:nvPr>
+        </p:nvSpPr>
+        <p:spPr/>
+        <p:txBody>
+          <a:bodyPr/>
+          <a:lstStyle/>
+          <a:p>
+            <a:r>
+              <a:rPr lang="en-US" altLang="zh-TW"/>
+              <a:t>1</a:t>
+            </a:r>
+            <a:endParaRPr lang="zh-TW" altLang="en-US" dirty="0"/>
+          </a:p>
+        </p:txBody>
+      </p:sp>
     </p:spTree>
     <p:extLst>
       <p:ext uri="{BB962C8B-B14F-4D97-AF65-F5344CB8AC3E}">
@@ -1225,6 +1384,35 @@
           </a:p>
         </p:txBody>
       </p:sp>
+      <p:sp>
+        <p:nvSpPr>
+          <p:cNvPr id="5" name="頁首版面配置區 4">
+            <a:extLst>
+              <a:ext uri="{FF2B5EF4-FFF2-40B4-BE49-F238E27FC236}">
+                <a16:creationId xmlns:a16="http://schemas.microsoft.com/office/drawing/2014/main" id="{6E8C5AB6-E61C-4B97-8238-2D971E93E5C6}"/>
+              </a:ext>
+            </a:extLst>
+          </p:cNvPr>
+          <p:cNvSpPr>
+            <a:spLocks noGrp="1"/>
+          </p:cNvSpPr>
+          <p:nvPr>
+            <p:ph type="hdr" sz="quarter"/>
+          </p:nvPr>
+        </p:nvSpPr>
+        <p:spPr/>
+        <p:txBody>
+          <a:bodyPr/>
+          <a:lstStyle/>
+          <a:p>
+            <a:r>
+              <a:rPr lang="en-US" altLang="zh-TW"/>
+              <a:t>1</a:t>
+            </a:r>
+            <a:endParaRPr lang="zh-TW" altLang="en-US" dirty="0"/>
+          </a:p>
+        </p:txBody>
+      </p:sp>
     </p:spTree>
     <p:extLst>
       <p:ext uri="{BB962C8B-B14F-4D97-AF65-F5344CB8AC3E}">
@@ -1310,6 +1498,35 @@
           </a:p>
         </p:txBody>
       </p:sp>
+      <p:sp>
+        <p:nvSpPr>
+          <p:cNvPr id="5" name="頁首版面配置區 4">
+            <a:extLst>
+              <a:ext uri="{FF2B5EF4-FFF2-40B4-BE49-F238E27FC236}">
+                <a16:creationId xmlns:a16="http://schemas.microsoft.com/office/drawing/2014/main" id="{8FD7EE22-8F34-425B-82D2-EC0C0E66DD50}"/>
+              </a:ext>
+            </a:extLst>
+          </p:cNvPr>
+          <p:cNvSpPr>
+            <a:spLocks noGrp="1"/>
+          </p:cNvSpPr>
+          <p:nvPr>
+            <p:ph type="hdr" sz="quarter"/>
+          </p:nvPr>
+        </p:nvSpPr>
+        <p:spPr/>
+        <p:txBody>
+          <a:bodyPr/>
+          <a:lstStyle/>
+          <a:p>
+            <a:r>
+              <a:rPr lang="en-US" altLang="zh-TW"/>
+              <a:t>1</a:t>
+            </a:r>
+            <a:endParaRPr lang="zh-TW" altLang="en-US" dirty="0"/>
+          </a:p>
+        </p:txBody>
+      </p:sp>
     </p:spTree>
     <p:extLst>
       <p:ext uri="{BB962C8B-B14F-4D97-AF65-F5344CB8AC3E}">
@@ -1395,6 +1612,35 @@
           </a:p>
         </p:txBody>
       </p:sp>
+      <p:sp>
+        <p:nvSpPr>
+          <p:cNvPr id="5" name="頁首版面配置區 4">
+            <a:extLst>
+              <a:ext uri="{FF2B5EF4-FFF2-40B4-BE49-F238E27FC236}">
+                <a16:creationId xmlns:a16="http://schemas.microsoft.com/office/drawing/2014/main" id="{B0ED961B-B77E-4128-9A1E-997B6008F2D5}"/>
+              </a:ext>
+            </a:extLst>
+          </p:cNvPr>
+          <p:cNvSpPr>
+            <a:spLocks noGrp="1"/>
+          </p:cNvSpPr>
+          <p:nvPr>
+            <p:ph type="hdr" sz="quarter"/>
+          </p:nvPr>
+        </p:nvSpPr>
+        <p:spPr/>
+        <p:txBody>
+          <a:bodyPr/>
+          <a:lstStyle/>
+          <a:p>
+            <a:r>
+              <a:rPr lang="en-US" altLang="zh-TW"/>
+              <a:t>1</a:t>
+            </a:r>
+            <a:endParaRPr lang="zh-TW" altLang="en-US" dirty="0"/>
+          </a:p>
+        </p:txBody>
+      </p:sp>
     </p:spTree>
     <p:extLst>
       <p:ext uri="{BB962C8B-B14F-4D97-AF65-F5344CB8AC3E}">
@@ -1480,6 +1726,35 @@
           </a:p>
         </p:txBody>
       </p:sp>
+      <p:sp>
+        <p:nvSpPr>
+          <p:cNvPr id="5" name="頁首版面配置區 4">
+            <a:extLst>
+              <a:ext uri="{FF2B5EF4-FFF2-40B4-BE49-F238E27FC236}">
+                <a16:creationId xmlns:a16="http://schemas.microsoft.com/office/drawing/2014/main" id="{C6CA5819-F2E0-4902-8EC2-936D1629FEA9}"/>
+              </a:ext>
+            </a:extLst>
+          </p:cNvPr>
+          <p:cNvSpPr>
+            <a:spLocks noGrp="1"/>
+          </p:cNvSpPr>
+          <p:nvPr>
+            <p:ph type="hdr" sz="quarter"/>
+          </p:nvPr>
+        </p:nvSpPr>
+        <p:spPr/>
+        <p:txBody>
+          <a:bodyPr/>
+          <a:lstStyle/>
+          <a:p>
+            <a:r>
+              <a:rPr lang="en-US" altLang="zh-TW"/>
+              <a:t>1</a:t>
+            </a:r>
+            <a:endParaRPr lang="zh-TW" altLang="en-US" dirty="0"/>
+          </a:p>
+        </p:txBody>
+      </p:sp>
     </p:spTree>
     <p:extLst>
       <p:ext uri="{BB962C8B-B14F-4D97-AF65-F5344CB8AC3E}">
@@ -1565,6 +1840,35 @@
           </a:p>
         </p:txBody>
       </p:sp>
+      <p:sp>
+        <p:nvSpPr>
+          <p:cNvPr id="5" name="頁首版面配置區 4">
+            <a:extLst>
+              <a:ext uri="{FF2B5EF4-FFF2-40B4-BE49-F238E27FC236}">
+                <a16:creationId xmlns:a16="http://schemas.microsoft.com/office/drawing/2014/main" id="{E6147131-CD3C-4FB6-9080-5BDCB01A30C3}"/>
+              </a:ext>
+            </a:extLst>
+          </p:cNvPr>
+          <p:cNvSpPr>
+            <a:spLocks noGrp="1"/>
+          </p:cNvSpPr>
+          <p:nvPr>
+            <p:ph type="hdr" sz="quarter"/>
+          </p:nvPr>
+        </p:nvSpPr>
+        <p:spPr/>
+        <p:txBody>
+          <a:bodyPr/>
+          <a:lstStyle/>
+          <a:p>
+            <a:r>
+              <a:rPr lang="en-US" altLang="zh-TW"/>
+              <a:t>1</a:t>
+            </a:r>
+            <a:endParaRPr lang="zh-TW" altLang="en-US" dirty="0"/>
+          </a:p>
+        </p:txBody>
+      </p:sp>
     </p:spTree>
     <p:extLst>
       <p:ext uri="{BB962C8B-B14F-4D97-AF65-F5344CB8AC3E}">
@@ -1650,6 +1954,35 @@
           </a:p>
         </p:txBody>
       </p:sp>
+      <p:sp>
+        <p:nvSpPr>
+          <p:cNvPr id="5" name="頁首版面配置區 4">
+            <a:extLst>
+              <a:ext uri="{FF2B5EF4-FFF2-40B4-BE49-F238E27FC236}">
+                <a16:creationId xmlns:a16="http://schemas.microsoft.com/office/drawing/2014/main" id="{B8518187-94BD-4212-B7F4-50DC7BCC638F}"/>
+              </a:ext>
+            </a:extLst>
+          </p:cNvPr>
+          <p:cNvSpPr>
+            <a:spLocks noGrp="1"/>
+          </p:cNvSpPr>
+          <p:nvPr>
+            <p:ph type="hdr" sz="quarter"/>
+          </p:nvPr>
+        </p:nvSpPr>
+        <p:spPr/>
+        <p:txBody>
+          <a:bodyPr/>
+          <a:lstStyle/>
+          <a:p>
+            <a:r>
+              <a:rPr lang="en-US" altLang="zh-TW"/>
+              <a:t>1</a:t>
+            </a:r>
+            <a:endParaRPr lang="zh-TW" altLang="en-US" dirty="0"/>
+          </a:p>
+        </p:txBody>
+      </p:sp>
     </p:spTree>
     <p:extLst>
       <p:ext uri="{BB962C8B-B14F-4D97-AF65-F5344CB8AC3E}">
@@ -1735,6 +2068,35 @@
           </a:p>
         </p:txBody>
       </p:sp>
+      <p:sp>
+        <p:nvSpPr>
+          <p:cNvPr id="5" name="頁首版面配置區 4">
+            <a:extLst>
+              <a:ext uri="{FF2B5EF4-FFF2-40B4-BE49-F238E27FC236}">
+                <a16:creationId xmlns:a16="http://schemas.microsoft.com/office/drawing/2014/main" id="{1F0C3561-C6B6-4374-B68A-3EF82E316F02}"/>
+              </a:ext>
+            </a:extLst>
+          </p:cNvPr>
+          <p:cNvSpPr>
+            <a:spLocks noGrp="1"/>
+          </p:cNvSpPr>
+          <p:nvPr>
+            <p:ph type="hdr" sz="quarter"/>
+          </p:nvPr>
+        </p:nvSpPr>
+        <p:spPr/>
+        <p:txBody>
+          <a:bodyPr/>
+          <a:lstStyle/>
+          <a:p>
+            <a:r>
+              <a:rPr lang="en-US" altLang="zh-TW"/>
+              <a:t>1</a:t>
+            </a:r>
+            <a:endParaRPr lang="zh-TW" altLang="en-US" dirty="0"/>
+          </a:p>
+        </p:txBody>
+      </p:sp>
     </p:spTree>
     <p:extLst>
       <p:ext uri="{BB962C8B-B14F-4D97-AF65-F5344CB8AC3E}">
@@ -1820,6 +2182,35 @@
           </a:p>
         </p:txBody>
       </p:sp>
+      <p:sp>
+        <p:nvSpPr>
+          <p:cNvPr id="5" name="頁首版面配置區 4">
+            <a:extLst>
+              <a:ext uri="{FF2B5EF4-FFF2-40B4-BE49-F238E27FC236}">
+                <a16:creationId xmlns:a16="http://schemas.microsoft.com/office/drawing/2014/main" id="{69520323-41D2-417A-A859-72788AD14792}"/>
+              </a:ext>
+            </a:extLst>
+          </p:cNvPr>
+          <p:cNvSpPr>
+            <a:spLocks noGrp="1"/>
+          </p:cNvSpPr>
+          <p:nvPr>
+            <p:ph type="hdr" sz="quarter"/>
+          </p:nvPr>
+        </p:nvSpPr>
+        <p:spPr/>
+        <p:txBody>
+          <a:bodyPr/>
+          <a:lstStyle/>
+          <a:p>
+            <a:r>
+              <a:rPr lang="en-US" altLang="zh-TW"/>
+              <a:t>1</a:t>
+            </a:r>
+            <a:endParaRPr lang="zh-TW" altLang="en-US" dirty="0"/>
+          </a:p>
+        </p:txBody>
+      </p:sp>
     </p:spTree>
     <p:extLst>
       <p:ext uri="{BB962C8B-B14F-4D97-AF65-F5344CB8AC3E}">
@@ -1905,6 +2296,35 @@
           </a:p>
         </p:txBody>
       </p:sp>
+      <p:sp>
+        <p:nvSpPr>
+          <p:cNvPr id="5" name="頁首版面配置區 4">
+            <a:extLst>
+              <a:ext uri="{FF2B5EF4-FFF2-40B4-BE49-F238E27FC236}">
+                <a16:creationId xmlns:a16="http://schemas.microsoft.com/office/drawing/2014/main" id="{6F900149-3555-4763-9486-4E4028601AAD}"/>
+              </a:ext>
+            </a:extLst>
+          </p:cNvPr>
+          <p:cNvSpPr>
+            <a:spLocks noGrp="1"/>
+          </p:cNvSpPr>
+          <p:nvPr>
+            <p:ph type="hdr" sz="quarter"/>
+          </p:nvPr>
+        </p:nvSpPr>
+        <p:spPr/>
+        <p:txBody>
+          <a:bodyPr/>
+          <a:lstStyle/>
+          <a:p>
+            <a:r>
+              <a:rPr lang="en-US" altLang="zh-TW"/>
+              <a:t>1</a:t>
+            </a:r>
+            <a:endParaRPr lang="zh-TW" altLang="en-US" dirty="0"/>
+          </a:p>
+        </p:txBody>
+      </p:sp>
     </p:spTree>
     <p:extLst>
       <p:ext uri="{BB962C8B-B14F-4D97-AF65-F5344CB8AC3E}">
@@ -1990,6 +2410,35 @@
           </a:p>
         </p:txBody>
       </p:sp>
+      <p:sp>
+        <p:nvSpPr>
+          <p:cNvPr id="5" name="頁首版面配置區 4">
+            <a:extLst>
+              <a:ext uri="{FF2B5EF4-FFF2-40B4-BE49-F238E27FC236}">
+                <a16:creationId xmlns:a16="http://schemas.microsoft.com/office/drawing/2014/main" id="{834FB955-B0A4-4715-A2CD-0AF8344CCCE6}"/>
+              </a:ext>
+            </a:extLst>
+          </p:cNvPr>
+          <p:cNvSpPr>
+            <a:spLocks noGrp="1"/>
+          </p:cNvSpPr>
+          <p:nvPr>
+            <p:ph type="hdr" sz="quarter"/>
+          </p:nvPr>
+        </p:nvSpPr>
+        <p:spPr/>
+        <p:txBody>
+          <a:bodyPr/>
+          <a:lstStyle/>
+          <a:p>
+            <a:r>
+              <a:rPr lang="en-US" altLang="zh-TW"/>
+              <a:t>1</a:t>
+            </a:r>
+            <a:endParaRPr lang="zh-TW" altLang="en-US" dirty="0"/>
+          </a:p>
+        </p:txBody>
+      </p:sp>
     </p:spTree>
     <p:extLst>
       <p:ext uri="{BB962C8B-B14F-4D97-AF65-F5344CB8AC3E}">
@@ -2075,6 +2524,35 @@
           </a:p>
         </p:txBody>
       </p:sp>
+      <p:sp>
+        <p:nvSpPr>
+          <p:cNvPr id="5" name="頁首版面配置區 4">
+            <a:extLst>
+              <a:ext uri="{FF2B5EF4-FFF2-40B4-BE49-F238E27FC236}">
+                <a16:creationId xmlns:a16="http://schemas.microsoft.com/office/drawing/2014/main" id="{71D18276-84C9-4AF6-9FB4-8070C96147DC}"/>
+              </a:ext>
+            </a:extLst>
+          </p:cNvPr>
+          <p:cNvSpPr>
+            <a:spLocks noGrp="1"/>
+          </p:cNvSpPr>
+          <p:nvPr>
+            <p:ph type="hdr" sz="quarter"/>
+          </p:nvPr>
+        </p:nvSpPr>
+        <p:spPr/>
+        <p:txBody>
+          <a:bodyPr/>
+          <a:lstStyle/>
+          <a:p>
+            <a:r>
+              <a:rPr lang="en-US" altLang="zh-TW"/>
+              <a:t>1</a:t>
+            </a:r>
+            <a:endParaRPr lang="zh-TW" altLang="en-US" dirty="0"/>
+          </a:p>
+        </p:txBody>
+      </p:sp>
     </p:spTree>
     <p:extLst>
       <p:ext uri="{BB962C8B-B14F-4D97-AF65-F5344CB8AC3E}">
@@ -2160,6 +2638,35 @@
           </a:p>
         </p:txBody>
       </p:sp>
+      <p:sp>
+        <p:nvSpPr>
+          <p:cNvPr id="5" name="頁首版面配置區 4">
+            <a:extLst>
+              <a:ext uri="{FF2B5EF4-FFF2-40B4-BE49-F238E27FC236}">
+                <a16:creationId xmlns:a16="http://schemas.microsoft.com/office/drawing/2014/main" id="{12FD8A95-6F27-4C71-B3D8-7A54519CDA45}"/>
+              </a:ext>
+            </a:extLst>
+          </p:cNvPr>
+          <p:cNvSpPr>
+            <a:spLocks noGrp="1"/>
+          </p:cNvSpPr>
+          <p:nvPr>
+            <p:ph type="hdr" sz="quarter"/>
+          </p:nvPr>
+        </p:nvSpPr>
+        <p:spPr/>
+        <p:txBody>
+          <a:bodyPr/>
+          <a:lstStyle/>
+          <a:p>
+            <a:r>
+              <a:rPr lang="en-US" altLang="zh-TW"/>
+              <a:t>1</a:t>
+            </a:r>
+            <a:endParaRPr lang="zh-TW" altLang="en-US" dirty="0"/>
+          </a:p>
+        </p:txBody>
+      </p:sp>
     </p:spTree>
     <p:extLst>
       <p:ext uri="{BB962C8B-B14F-4D97-AF65-F5344CB8AC3E}">
@@ -2195,7 +2702,7 @@
           <p:cNvPr id="9" name="圖片預留位置 1">
             <a:extLst>
               <a:ext uri="{FF2B5EF4-FFF2-40B4-BE49-F238E27FC236}">
-                <a16:creationId xmlns:a16="http://schemas.microsoft.com/office/drawing/2014/main" xmlns="" id="{837F9836-5B23-424D-8C60-AC02A8512A4B}"/>
+                <a16:creationId xmlns:a16="http://schemas.microsoft.com/office/drawing/2014/main" id="{837F9836-5B23-424D-8C60-AC02A8512A4B}"/>
               </a:ext>
             </a:extLst>
           </p:cNvPr>
@@ -2245,7 +2752,7 @@
           <p:cNvPr id="2" name="標題 1">
             <a:extLst>
               <a:ext uri="{FF2B5EF4-FFF2-40B4-BE49-F238E27FC236}">
-                <a16:creationId xmlns:a16="http://schemas.microsoft.com/office/drawing/2014/main" xmlns="" id="{00F23EB7-E336-46EB-A4A0-3DB7A6BF4CE1}"/>
+                <a16:creationId xmlns:a16="http://schemas.microsoft.com/office/drawing/2014/main" id="{00F23EB7-E336-46EB-A4A0-3DB7A6BF4CE1}"/>
               </a:ext>
             </a:extLst>
           </p:cNvPr>
@@ -2294,7 +2801,7 @@
           <p:cNvPr id="3" name="副標題 2">
             <a:extLst>
               <a:ext uri="{FF2B5EF4-FFF2-40B4-BE49-F238E27FC236}">
-                <a16:creationId xmlns:a16="http://schemas.microsoft.com/office/drawing/2014/main" xmlns="" id="{C9980B88-3F4A-4688-9ED0-17EF37E62D93}"/>
+                <a16:creationId xmlns:a16="http://schemas.microsoft.com/office/drawing/2014/main" id="{C9980B88-3F4A-4688-9ED0-17EF37E62D93}"/>
               </a:ext>
             </a:extLst>
           </p:cNvPr>
@@ -2380,7 +2887,7 @@
           <p:cNvPr id="7" name="矩形 6">
             <a:extLst>
               <a:ext uri="{FF2B5EF4-FFF2-40B4-BE49-F238E27FC236}">
-                <a16:creationId xmlns:a16="http://schemas.microsoft.com/office/drawing/2014/main" xmlns="" id="{756F2950-BBCB-4A53-9EAC-D714777B8FA2}"/>
+                <a16:creationId xmlns:a16="http://schemas.microsoft.com/office/drawing/2014/main" id="{756F2950-BBCB-4A53-9EAC-D714777B8FA2}"/>
               </a:ext>
             </a:extLst>
           </p:cNvPr>
@@ -2436,7 +2943,7 @@
           <p:cNvPr id="8" name="矩形 7">
             <a:extLst>
               <a:ext uri="{FF2B5EF4-FFF2-40B4-BE49-F238E27FC236}">
-                <a16:creationId xmlns:a16="http://schemas.microsoft.com/office/drawing/2014/main" xmlns="" id="{D5253865-24CF-4EF5-92A5-F64EB9ABC8B7}"/>
+                <a16:creationId xmlns:a16="http://schemas.microsoft.com/office/drawing/2014/main" id="{D5253865-24CF-4EF5-92A5-F64EB9ABC8B7}"/>
               </a:ext>
             </a:extLst>
           </p:cNvPr>
@@ -2492,7 +2999,7 @@
           <p:cNvPr id="11" name="矩形 10">
             <a:extLst>
               <a:ext uri="{FF2B5EF4-FFF2-40B4-BE49-F238E27FC236}">
-                <a16:creationId xmlns:a16="http://schemas.microsoft.com/office/drawing/2014/main" xmlns="" id="{BBE19773-9B6A-4A2C-95A5-69A3788C2D94}"/>
+                <a16:creationId xmlns:a16="http://schemas.microsoft.com/office/drawing/2014/main" id="{BBE19773-9B6A-4A2C-95A5-69A3788C2D94}"/>
               </a:ext>
             </a:extLst>
           </p:cNvPr>
@@ -2578,7 +3085,7 @@
           <p:cNvPr id="2" name="標題 1">
             <a:extLst>
               <a:ext uri="{FF2B5EF4-FFF2-40B4-BE49-F238E27FC236}">
-                <a16:creationId xmlns:a16="http://schemas.microsoft.com/office/drawing/2014/main" xmlns="" id="{40EE479C-D1F6-4BAC-80D2-90EF74E3261A}"/>
+                <a16:creationId xmlns:a16="http://schemas.microsoft.com/office/drawing/2014/main" id="{40EE479C-D1F6-4BAC-80D2-90EF74E3261A}"/>
               </a:ext>
             </a:extLst>
           </p:cNvPr>
@@ -2621,7 +3128,7 @@
           <p:cNvPr id="7" name="副標題 2">
             <a:extLst>
               <a:ext uri="{FF2B5EF4-FFF2-40B4-BE49-F238E27FC236}">
-                <a16:creationId xmlns:a16="http://schemas.microsoft.com/office/drawing/2014/main" xmlns="" id="{7DEBF36F-ADC5-48FF-BFAF-3BED06924FD3}"/>
+                <a16:creationId xmlns:a16="http://schemas.microsoft.com/office/drawing/2014/main" id="{7DEBF36F-ADC5-48FF-BFAF-3BED06924FD3}"/>
               </a:ext>
             </a:extLst>
           </p:cNvPr>
@@ -2679,7 +3186,7 @@
           <p:cNvPr id="3" name="內容預留位置 2">
             <a:extLst>
               <a:ext uri="{FF2B5EF4-FFF2-40B4-BE49-F238E27FC236}">
-                <a16:creationId xmlns:a16="http://schemas.microsoft.com/office/drawing/2014/main" xmlns="" id="{A22238F2-C6EC-476F-8371-119AECBA5622}"/>
+                <a16:creationId xmlns:a16="http://schemas.microsoft.com/office/drawing/2014/main" id="{A22238F2-C6EC-476F-8371-119AECBA5622}"/>
               </a:ext>
             </a:extLst>
           </p:cNvPr>
@@ -2793,7 +3300,7 @@
           <p:cNvPr id="6" name="文字預留位置 4">
             <a:extLst>
               <a:ext uri="{FF2B5EF4-FFF2-40B4-BE49-F238E27FC236}">
-                <a16:creationId xmlns:a16="http://schemas.microsoft.com/office/drawing/2014/main" xmlns="" id="{7867C73D-EE16-41D1-B7CE-A35C765E3B8D}"/>
+                <a16:creationId xmlns:a16="http://schemas.microsoft.com/office/drawing/2014/main" id="{7867C73D-EE16-41D1-B7CE-A35C765E3B8D}"/>
               </a:ext>
             </a:extLst>
           </p:cNvPr>
@@ -2856,7 +3363,7 @@
           <p:cNvPr id="4" name="頁尾預留位置 3">
             <a:extLst>
               <a:ext uri="{FF2B5EF4-FFF2-40B4-BE49-F238E27FC236}">
-                <a16:creationId xmlns:a16="http://schemas.microsoft.com/office/drawing/2014/main" xmlns="" id="{57847F90-9DB6-4832-9EB7-393AADAE8B70}"/>
+                <a16:creationId xmlns:a16="http://schemas.microsoft.com/office/drawing/2014/main" id="{57847F90-9DB6-4832-9EB7-393AADAE8B70}"/>
               </a:ext>
             </a:extLst>
           </p:cNvPr>
@@ -2873,10 +3380,6 @@
           <a:lstStyle/>
           <a:p>
             <a:pPr rtl="0"/>
-            <a:r>
-              <a:rPr lang="zh-TW" altLang="en-US"/>
-              <a:t>新增頁尾</a:t>
-            </a:r>
             <a:endParaRPr lang="zh-TW" altLang="en-US" dirty="0"/>
           </a:p>
         </p:txBody>
@@ -2886,7 +3389,7 @@
           <p:cNvPr id="5" name="投影片編號預留位置 4">
             <a:extLst>
               <a:ext uri="{FF2B5EF4-FFF2-40B4-BE49-F238E27FC236}">
-                <a16:creationId xmlns:a16="http://schemas.microsoft.com/office/drawing/2014/main" xmlns="" id="{CD4FE60C-ACE5-4516-8CB6-EEDD96DB7358}"/>
+                <a16:creationId xmlns:a16="http://schemas.microsoft.com/office/drawing/2014/main" id="{CD4FE60C-ACE5-4516-8CB6-EEDD96DB7358}"/>
               </a:ext>
             </a:extLst>
           </p:cNvPr>
@@ -2947,7 +3450,7 @@
           <p:cNvPr id="2" name="標題 1">
             <a:extLst>
               <a:ext uri="{FF2B5EF4-FFF2-40B4-BE49-F238E27FC236}">
-                <a16:creationId xmlns:a16="http://schemas.microsoft.com/office/drawing/2014/main" xmlns="" id="{5CFF4C50-933F-41F9-AD11-BD02410AA7D5}"/>
+                <a16:creationId xmlns:a16="http://schemas.microsoft.com/office/drawing/2014/main" id="{5CFF4C50-933F-41F9-AD11-BD02410AA7D5}"/>
               </a:ext>
             </a:extLst>
           </p:cNvPr>
@@ -2990,7 +3493,7 @@
           <p:cNvPr id="9" name="副標題 2">
             <a:extLst>
               <a:ext uri="{FF2B5EF4-FFF2-40B4-BE49-F238E27FC236}">
-                <a16:creationId xmlns:a16="http://schemas.microsoft.com/office/drawing/2014/main" xmlns="" id="{F94EB5D3-F8CB-4E76-8D7E-FF441818EECB}"/>
+                <a16:creationId xmlns:a16="http://schemas.microsoft.com/office/drawing/2014/main" id="{F94EB5D3-F8CB-4E76-8D7E-FF441818EECB}"/>
               </a:ext>
             </a:extLst>
           </p:cNvPr>
@@ -3048,7 +3551,7 @@
           <p:cNvPr id="3" name="內容預留位置 2">
             <a:extLst>
               <a:ext uri="{FF2B5EF4-FFF2-40B4-BE49-F238E27FC236}">
-                <a16:creationId xmlns:a16="http://schemas.microsoft.com/office/drawing/2014/main" xmlns="" id="{B1948E38-8FB0-4E51-A01C-C88794372E50}"/>
+                <a16:creationId xmlns:a16="http://schemas.microsoft.com/office/drawing/2014/main" id="{B1948E38-8FB0-4E51-A01C-C88794372E50}"/>
               </a:ext>
             </a:extLst>
           </p:cNvPr>
@@ -3162,7 +3665,7 @@
           <p:cNvPr id="5" name="文字預留位置 4">
             <a:extLst>
               <a:ext uri="{FF2B5EF4-FFF2-40B4-BE49-F238E27FC236}">
-                <a16:creationId xmlns:a16="http://schemas.microsoft.com/office/drawing/2014/main" xmlns="" id="{16A38E24-EB1C-472F-B631-5DF32F9C4CF5}"/>
+                <a16:creationId xmlns:a16="http://schemas.microsoft.com/office/drawing/2014/main" id="{16A38E24-EB1C-472F-B631-5DF32F9C4CF5}"/>
               </a:ext>
             </a:extLst>
           </p:cNvPr>
@@ -3225,7 +3728,7 @@
           <p:cNvPr id="11" name="文字預留位置 5">
             <a:extLst>
               <a:ext uri="{FF2B5EF4-FFF2-40B4-BE49-F238E27FC236}">
-                <a16:creationId xmlns:a16="http://schemas.microsoft.com/office/drawing/2014/main" xmlns="" id="{5B4A252E-78C9-4F76-98A4-A4B580AD072A}"/>
+                <a16:creationId xmlns:a16="http://schemas.microsoft.com/office/drawing/2014/main" id="{5B4A252E-78C9-4F76-98A4-A4B580AD072A}"/>
               </a:ext>
             </a:extLst>
           </p:cNvPr>
@@ -3288,7 +3791,7 @@
           <p:cNvPr id="4" name="頁尾預留位置 3">
             <a:extLst>
               <a:ext uri="{FF2B5EF4-FFF2-40B4-BE49-F238E27FC236}">
-                <a16:creationId xmlns:a16="http://schemas.microsoft.com/office/drawing/2014/main" xmlns="" id="{6D4BCA97-F31B-451D-82F8-6E000DF2118A}"/>
+                <a16:creationId xmlns:a16="http://schemas.microsoft.com/office/drawing/2014/main" id="{6D4BCA97-F31B-451D-82F8-6E000DF2118A}"/>
               </a:ext>
             </a:extLst>
           </p:cNvPr>
@@ -3305,10 +3808,6 @@
           <a:lstStyle/>
           <a:p>
             <a:pPr rtl="0"/>
-            <a:r>
-              <a:rPr lang="zh-TW" altLang="en-US"/>
-              <a:t>新增頁尾</a:t>
-            </a:r>
             <a:endParaRPr lang="zh-TW" altLang="en-US" dirty="0"/>
           </a:p>
         </p:txBody>
@@ -3318,7 +3817,7 @@
           <p:cNvPr id="6" name="投影片編號預留位置 5">
             <a:extLst>
               <a:ext uri="{FF2B5EF4-FFF2-40B4-BE49-F238E27FC236}">
-                <a16:creationId xmlns:a16="http://schemas.microsoft.com/office/drawing/2014/main" xmlns="" id="{0817AAC4-A657-4D75-A527-0307AFF2B17B}"/>
+                <a16:creationId xmlns:a16="http://schemas.microsoft.com/office/drawing/2014/main" id="{0817AAC4-A657-4D75-A527-0307AFF2B17B}"/>
               </a:ext>
             </a:extLst>
           </p:cNvPr>
@@ -3379,7 +3878,7 @@
           <p:cNvPr id="2" name="標題 1">
             <a:extLst>
               <a:ext uri="{FF2B5EF4-FFF2-40B4-BE49-F238E27FC236}">
-                <a16:creationId xmlns:a16="http://schemas.microsoft.com/office/drawing/2014/main" xmlns="" id="{5CFF4C50-933F-41F9-AD11-BD02410AA7D5}"/>
+                <a16:creationId xmlns:a16="http://schemas.microsoft.com/office/drawing/2014/main" id="{5CFF4C50-933F-41F9-AD11-BD02410AA7D5}"/>
               </a:ext>
             </a:extLst>
           </p:cNvPr>
@@ -3422,7 +3921,7 @@
           <p:cNvPr id="10" name="副標題 2">
             <a:extLst>
               <a:ext uri="{FF2B5EF4-FFF2-40B4-BE49-F238E27FC236}">
-                <a16:creationId xmlns:a16="http://schemas.microsoft.com/office/drawing/2014/main" xmlns="" id="{9D7ACCB5-9A86-4F46-89E2-B79F48C9EC1D}"/>
+                <a16:creationId xmlns:a16="http://schemas.microsoft.com/office/drawing/2014/main" id="{9D7ACCB5-9A86-4F46-89E2-B79F48C9EC1D}"/>
               </a:ext>
             </a:extLst>
           </p:cNvPr>
@@ -3480,7 +3979,7 @@
           <p:cNvPr id="3" name="內容預留位置 2">
             <a:extLst>
               <a:ext uri="{FF2B5EF4-FFF2-40B4-BE49-F238E27FC236}">
-                <a16:creationId xmlns:a16="http://schemas.microsoft.com/office/drawing/2014/main" xmlns="" id="{B1948E38-8FB0-4E51-A01C-C88794372E50}"/>
+                <a16:creationId xmlns:a16="http://schemas.microsoft.com/office/drawing/2014/main" id="{B1948E38-8FB0-4E51-A01C-C88794372E50}"/>
               </a:ext>
             </a:extLst>
           </p:cNvPr>
@@ -3594,7 +4093,7 @@
           <p:cNvPr id="5" name="文字預留位置 4">
             <a:extLst>
               <a:ext uri="{FF2B5EF4-FFF2-40B4-BE49-F238E27FC236}">
-                <a16:creationId xmlns:a16="http://schemas.microsoft.com/office/drawing/2014/main" xmlns="" id="{1F5B3657-F2AE-455A-BF81-1A0C2ACECD20}"/>
+                <a16:creationId xmlns:a16="http://schemas.microsoft.com/office/drawing/2014/main" id="{1F5B3657-F2AE-455A-BF81-1A0C2ACECD20}"/>
               </a:ext>
             </a:extLst>
           </p:cNvPr>
@@ -3657,7 +4156,7 @@
           <p:cNvPr id="13" name="文字預留位置 5">
             <a:extLst>
               <a:ext uri="{FF2B5EF4-FFF2-40B4-BE49-F238E27FC236}">
-                <a16:creationId xmlns:a16="http://schemas.microsoft.com/office/drawing/2014/main" xmlns="" id="{6A983D98-E0AB-429A-9EC2-B50D4216D691}"/>
+                <a16:creationId xmlns:a16="http://schemas.microsoft.com/office/drawing/2014/main" id="{6A983D98-E0AB-429A-9EC2-B50D4216D691}"/>
               </a:ext>
             </a:extLst>
           </p:cNvPr>
@@ -3720,7 +4219,7 @@
           <p:cNvPr id="15" name="文字預留位置 6">
             <a:extLst>
               <a:ext uri="{FF2B5EF4-FFF2-40B4-BE49-F238E27FC236}">
-                <a16:creationId xmlns:a16="http://schemas.microsoft.com/office/drawing/2014/main" xmlns="" id="{755213BF-EF6D-45DC-A01B-DE6C2F23A6D2}"/>
+                <a16:creationId xmlns:a16="http://schemas.microsoft.com/office/drawing/2014/main" id="{755213BF-EF6D-45DC-A01B-DE6C2F23A6D2}"/>
               </a:ext>
             </a:extLst>
           </p:cNvPr>
@@ -3783,7 +4282,7 @@
           <p:cNvPr id="17" name="文字預留位置 7">
             <a:extLst>
               <a:ext uri="{FF2B5EF4-FFF2-40B4-BE49-F238E27FC236}">
-                <a16:creationId xmlns:a16="http://schemas.microsoft.com/office/drawing/2014/main" xmlns="" id="{77D6BBBA-F4A3-45D4-91BC-A405FFDC7C3D}"/>
+                <a16:creationId xmlns:a16="http://schemas.microsoft.com/office/drawing/2014/main" id="{77D6BBBA-F4A3-45D4-91BC-A405FFDC7C3D}"/>
               </a:ext>
             </a:extLst>
           </p:cNvPr>
@@ -3846,7 +4345,7 @@
           <p:cNvPr id="4" name="頁尾預留位置 3">
             <a:extLst>
               <a:ext uri="{FF2B5EF4-FFF2-40B4-BE49-F238E27FC236}">
-                <a16:creationId xmlns:a16="http://schemas.microsoft.com/office/drawing/2014/main" xmlns="" id="{2D09234E-176D-4BBF-9391-7B6F018C51AB}"/>
+                <a16:creationId xmlns:a16="http://schemas.microsoft.com/office/drawing/2014/main" id="{2D09234E-176D-4BBF-9391-7B6F018C51AB}"/>
               </a:ext>
             </a:extLst>
           </p:cNvPr>
@@ -3863,10 +4362,6 @@
           <a:lstStyle/>
           <a:p>
             <a:pPr rtl="0"/>
-            <a:r>
-              <a:rPr lang="zh-TW" altLang="en-US"/>
-              <a:t>新增頁尾</a:t>
-            </a:r>
             <a:endParaRPr lang="zh-TW" altLang="en-US" dirty="0"/>
           </a:p>
         </p:txBody>
@@ -3876,7 +4371,7 @@
           <p:cNvPr id="6" name="投影片編號預留位置 5">
             <a:extLst>
               <a:ext uri="{FF2B5EF4-FFF2-40B4-BE49-F238E27FC236}">
-                <a16:creationId xmlns:a16="http://schemas.microsoft.com/office/drawing/2014/main" xmlns="" id="{B5A8293F-A5B5-4FCC-BF27-A25B1BAFF245}"/>
+                <a16:creationId xmlns:a16="http://schemas.microsoft.com/office/drawing/2014/main" id="{B5A8293F-A5B5-4FCC-BF27-A25B1BAFF245}"/>
               </a:ext>
             </a:extLst>
           </p:cNvPr>
@@ -3937,7 +4432,7 @@
           <p:cNvPr id="2" name="標題 1">
             <a:extLst>
               <a:ext uri="{FF2B5EF4-FFF2-40B4-BE49-F238E27FC236}">
-                <a16:creationId xmlns:a16="http://schemas.microsoft.com/office/drawing/2014/main" xmlns="" id="{5FC626A5-4FF6-42BD-858A-AE4B2C23A6BC}"/>
+                <a16:creationId xmlns:a16="http://schemas.microsoft.com/office/drawing/2014/main" id="{5FC626A5-4FF6-42BD-858A-AE4B2C23A6BC}"/>
               </a:ext>
             </a:extLst>
           </p:cNvPr>
@@ -3975,7 +4470,7 @@
           <p:cNvPr id="5" name="副標題 2">
             <a:extLst>
               <a:ext uri="{FF2B5EF4-FFF2-40B4-BE49-F238E27FC236}">
-                <a16:creationId xmlns:a16="http://schemas.microsoft.com/office/drawing/2014/main" xmlns="" id="{10727B06-56A8-44A2-B6C2-9ED183D107F3}"/>
+                <a16:creationId xmlns:a16="http://schemas.microsoft.com/office/drawing/2014/main" id="{10727B06-56A8-44A2-B6C2-9ED183D107F3}"/>
               </a:ext>
             </a:extLst>
           </p:cNvPr>
@@ -4033,7 +4528,7 @@
           <p:cNvPr id="3" name="頁尾預留位置 2">
             <a:extLst>
               <a:ext uri="{FF2B5EF4-FFF2-40B4-BE49-F238E27FC236}">
-                <a16:creationId xmlns:a16="http://schemas.microsoft.com/office/drawing/2014/main" xmlns="" id="{08CCB8C2-B6A2-4C69-8D3A-57420A034BA4}"/>
+                <a16:creationId xmlns:a16="http://schemas.microsoft.com/office/drawing/2014/main" id="{08CCB8C2-B6A2-4C69-8D3A-57420A034BA4}"/>
               </a:ext>
             </a:extLst>
           </p:cNvPr>
@@ -4050,10 +4545,6 @@
           <a:lstStyle/>
           <a:p>
             <a:pPr rtl="0"/>
-            <a:r>
-              <a:rPr lang="zh-TW" altLang="en-US"/>
-              <a:t>新增頁尾</a:t>
-            </a:r>
             <a:endParaRPr lang="zh-TW" altLang="en-US" dirty="0"/>
           </a:p>
         </p:txBody>
@@ -4063,7 +4554,7 @@
           <p:cNvPr id="4" name="投影片編號預留位置 3">
             <a:extLst>
               <a:ext uri="{FF2B5EF4-FFF2-40B4-BE49-F238E27FC236}">
-                <a16:creationId xmlns:a16="http://schemas.microsoft.com/office/drawing/2014/main" xmlns="" id="{8E801980-CBAE-4A50-886D-54D7BB2E1947}"/>
+                <a16:creationId xmlns:a16="http://schemas.microsoft.com/office/drawing/2014/main" id="{8E801980-CBAE-4A50-886D-54D7BB2E1947}"/>
               </a:ext>
             </a:extLst>
           </p:cNvPr>
@@ -4124,7 +4615,7 @@
           <p:cNvPr id="2" name="頁尾預留位置 1">
             <a:extLst>
               <a:ext uri="{FF2B5EF4-FFF2-40B4-BE49-F238E27FC236}">
-                <a16:creationId xmlns:a16="http://schemas.microsoft.com/office/drawing/2014/main" xmlns="" id="{16D0504D-4610-4E9E-A2DB-8B701F044BBC}"/>
+                <a16:creationId xmlns:a16="http://schemas.microsoft.com/office/drawing/2014/main" id="{16D0504D-4610-4E9E-A2DB-8B701F044BBC}"/>
               </a:ext>
             </a:extLst>
           </p:cNvPr>
@@ -4141,10 +4632,6 @@
           <a:lstStyle/>
           <a:p>
             <a:pPr rtl="0"/>
-            <a:r>
-              <a:rPr lang="zh-TW" altLang="en-US"/>
-              <a:t>新增頁尾</a:t>
-            </a:r>
             <a:endParaRPr lang="zh-TW" altLang="en-US" dirty="0"/>
           </a:p>
         </p:txBody>
@@ -4154,7 +4641,7 @@
           <p:cNvPr id="3" name="投影片編號預留位置 2">
             <a:extLst>
               <a:ext uri="{FF2B5EF4-FFF2-40B4-BE49-F238E27FC236}">
-                <a16:creationId xmlns:a16="http://schemas.microsoft.com/office/drawing/2014/main" xmlns="" id="{2310D190-B83D-438A-91BC-470C41B22A29}"/>
+                <a16:creationId xmlns:a16="http://schemas.microsoft.com/office/drawing/2014/main" id="{2310D190-B83D-438A-91BC-470C41B22A29}"/>
               </a:ext>
             </a:extLst>
           </p:cNvPr>
@@ -4223,7 +4710,7 @@
           <p:cNvPr id="12" name="矩形 11">
             <a:extLst>
               <a:ext uri="{FF2B5EF4-FFF2-40B4-BE49-F238E27FC236}">
-                <a16:creationId xmlns:a16="http://schemas.microsoft.com/office/drawing/2014/main" xmlns="" id="{554ED587-2D2F-4D3F-B55B-C64465AB4EC5}"/>
+                <a16:creationId xmlns:a16="http://schemas.microsoft.com/office/drawing/2014/main" id="{554ED587-2D2F-4D3F-B55B-C64465AB4EC5}"/>
               </a:ext>
             </a:extLst>
           </p:cNvPr>
@@ -4279,7 +4766,7 @@
           <p:cNvPr id="2" name="標題 1">
             <a:extLst>
               <a:ext uri="{FF2B5EF4-FFF2-40B4-BE49-F238E27FC236}">
-                <a16:creationId xmlns:a16="http://schemas.microsoft.com/office/drawing/2014/main" xmlns="" id="{00F23EB7-E336-46EB-A4A0-3DB7A6BF4CE1}"/>
+                <a16:creationId xmlns:a16="http://schemas.microsoft.com/office/drawing/2014/main" id="{00F23EB7-E336-46EB-A4A0-3DB7A6BF4CE1}"/>
               </a:ext>
             </a:extLst>
           </p:cNvPr>
@@ -4328,7 +4815,7 @@
           <p:cNvPr id="3" name="副標題 2">
             <a:extLst>
               <a:ext uri="{FF2B5EF4-FFF2-40B4-BE49-F238E27FC236}">
-                <a16:creationId xmlns:a16="http://schemas.microsoft.com/office/drawing/2014/main" xmlns="" id="{C9980B88-3F4A-4688-9ED0-17EF37E62D93}"/>
+                <a16:creationId xmlns:a16="http://schemas.microsoft.com/office/drawing/2014/main" id="{C9980B88-3F4A-4688-9ED0-17EF37E62D93}"/>
               </a:ext>
             </a:extLst>
           </p:cNvPr>
@@ -4414,7 +4901,7 @@
           <p:cNvPr id="7" name="矩形 6">
             <a:extLst>
               <a:ext uri="{FF2B5EF4-FFF2-40B4-BE49-F238E27FC236}">
-                <a16:creationId xmlns:a16="http://schemas.microsoft.com/office/drawing/2014/main" xmlns="" id="{756F2950-BBCB-4A53-9EAC-D714777B8FA2}"/>
+                <a16:creationId xmlns:a16="http://schemas.microsoft.com/office/drawing/2014/main" id="{756F2950-BBCB-4A53-9EAC-D714777B8FA2}"/>
               </a:ext>
             </a:extLst>
           </p:cNvPr>
@@ -4470,7 +4957,7 @@
           <p:cNvPr id="8" name="矩形 7">
             <a:extLst>
               <a:ext uri="{FF2B5EF4-FFF2-40B4-BE49-F238E27FC236}">
-                <a16:creationId xmlns:a16="http://schemas.microsoft.com/office/drawing/2014/main" xmlns="" id="{D5253865-24CF-4EF5-92A5-F64EB9ABC8B7}"/>
+                <a16:creationId xmlns:a16="http://schemas.microsoft.com/office/drawing/2014/main" id="{D5253865-24CF-4EF5-92A5-F64EB9ABC8B7}"/>
               </a:ext>
             </a:extLst>
           </p:cNvPr>
@@ -4526,7 +5013,7 @@
           <p:cNvPr id="11" name="矩形 10">
             <a:extLst>
               <a:ext uri="{FF2B5EF4-FFF2-40B4-BE49-F238E27FC236}">
-                <a16:creationId xmlns:a16="http://schemas.microsoft.com/office/drawing/2014/main" xmlns="" id="{BBE19773-9B6A-4A2C-95A5-69A3788C2D94}"/>
+                <a16:creationId xmlns:a16="http://schemas.microsoft.com/office/drawing/2014/main" id="{BBE19773-9B6A-4A2C-95A5-69A3788C2D94}"/>
               </a:ext>
             </a:extLst>
           </p:cNvPr>
@@ -4582,7 +5069,7 @@
           <p:cNvPr id="5" name="投影片編號預留位置 4">
             <a:extLst>
               <a:ext uri="{FF2B5EF4-FFF2-40B4-BE49-F238E27FC236}">
-                <a16:creationId xmlns:a16="http://schemas.microsoft.com/office/drawing/2014/main" xmlns="" id="{E798A99C-9485-48F0-8E1E-227AD1348A45}"/>
+                <a16:creationId xmlns:a16="http://schemas.microsoft.com/office/drawing/2014/main" id="{E798A99C-9485-48F0-8E1E-227AD1348A45}"/>
               </a:ext>
             </a:extLst>
           </p:cNvPr>
@@ -4658,7 +5145,7 @@
           <p:cNvPr id="9" name="圖片預留位置 1">
             <a:extLst>
               <a:ext uri="{FF2B5EF4-FFF2-40B4-BE49-F238E27FC236}">
-                <a16:creationId xmlns:a16="http://schemas.microsoft.com/office/drawing/2014/main" xmlns="" id="{069FFAE5-B16E-4571-88F7-52FA5354B1A1}"/>
+                <a16:creationId xmlns:a16="http://schemas.microsoft.com/office/drawing/2014/main" id="{069FFAE5-B16E-4571-88F7-52FA5354B1A1}"/>
               </a:ext>
             </a:extLst>
           </p:cNvPr>
@@ -4712,7 +5199,7 @@
           <p:cNvPr id="2" name="標題 1">
             <a:extLst>
               <a:ext uri="{FF2B5EF4-FFF2-40B4-BE49-F238E27FC236}">
-                <a16:creationId xmlns:a16="http://schemas.microsoft.com/office/drawing/2014/main" xmlns="" id="{00F23EB7-E336-46EB-A4A0-3DB7A6BF4CE1}"/>
+                <a16:creationId xmlns:a16="http://schemas.microsoft.com/office/drawing/2014/main" id="{00F23EB7-E336-46EB-A4A0-3DB7A6BF4CE1}"/>
               </a:ext>
             </a:extLst>
           </p:cNvPr>
@@ -4761,7 +5248,7 @@
           <p:cNvPr id="3" name="副標題 2">
             <a:extLst>
               <a:ext uri="{FF2B5EF4-FFF2-40B4-BE49-F238E27FC236}">
-                <a16:creationId xmlns:a16="http://schemas.microsoft.com/office/drawing/2014/main" xmlns="" id="{C9980B88-3F4A-4688-9ED0-17EF37E62D93}"/>
+                <a16:creationId xmlns:a16="http://schemas.microsoft.com/office/drawing/2014/main" id="{C9980B88-3F4A-4688-9ED0-17EF37E62D93}"/>
               </a:ext>
             </a:extLst>
           </p:cNvPr>
@@ -4847,7 +5334,7 @@
           <p:cNvPr id="7" name="矩形 6">
             <a:extLst>
               <a:ext uri="{FF2B5EF4-FFF2-40B4-BE49-F238E27FC236}">
-                <a16:creationId xmlns:a16="http://schemas.microsoft.com/office/drawing/2014/main" xmlns="" id="{756F2950-BBCB-4A53-9EAC-D714777B8FA2}"/>
+                <a16:creationId xmlns:a16="http://schemas.microsoft.com/office/drawing/2014/main" id="{756F2950-BBCB-4A53-9EAC-D714777B8FA2}"/>
               </a:ext>
             </a:extLst>
           </p:cNvPr>
@@ -4903,7 +5390,7 @@
           <p:cNvPr id="8" name="矩形 7">
             <a:extLst>
               <a:ext uri="{FF2B5EF4-FFF2-40B4-BE49-F238E27FC236}">
-                <a16:creationId xmlns:a16="http://schemas.microsoft.com/office/drawing/2014/main" xmlns="" id="{D5253865-24CF-4EF5-92A5-F64EB9ABC8B7}"/>
+                <a16:creationId xmlns:a16="http://schemas.microsoft.com/office/drawing/2014/main" id="{D5253865-24CF-4EF5-92A5-F64EB9ABC8B7}"/>
               </a:ext>
             </a:extLst>
           </p:cNvPr>
@@ -4959,7 +5446,7 @@
           <p:cNvPr id="11" name="矩形 10">
             <a:extLst>
               <a:ext uri="{FF2B5EF4-FFF2-40B4-BE49-F238E27FC236}">
-                <a16:creationId xmlns:a16="http://schemas.microsoft.com/office/drawing/2014/main" xmlns="" id="{BBE19773-9B6A-4A2C-95A5-69A3788C2D94}"/>
+                <a16:creationId xmlns:a16="http://schemas.microsoft.com/office/drawing/2014/main" id="{BBE19773-9B6A-4A2C-95A5-69A3788C2D94}"/>
               </a:ext>
             </a:extLst>
           </p:cNvPr>
@@ -5015,7 +5502,7 @@
           <p:cNvPr id="5" name="投影片編號預留位置 4">
             <a:extLst>
               <a:ext uri="{FF2B5EF4-FFF2-40B4-BE49-F238E27FC236}">
-                <a16:creationId xmlns:a16="http://schemas.microsoft.com/office/drawing/2014/main" xmlns="" id="{E798A99C-9485-48F0-8E1E-227AD1348A45}"/>
+                <a16:creationId xmlns:a16="http://schemas.microsoft.com/office/drawing/2014/main" id="{E798A99C-9485-48F0-8E1E-227AD1348A45}"/>
               </a:ext>
             </a:extLst>
           </p:cNvPr>
@@ -5083,7 +5570,7 @@
           <p:cNvPr id="8" name="圖片預留位置 1">
             <a:extLst>
               <a:ext uri="{FF2B5EF4-FFF2-40B4-BE49-F238E27FC236}">
-                <a16:creationId xmlns:a16="http://schemas.microsoft.com/office/drawing/2014/main" xmlns="" id="{1599E2D7-24B3-4D66-9AFB-83C1AEC4DBBB}"/>
+                <a16:creationId xmlns:a16="http://schemas.microsoft.com/office/drawing/2014/main" id="{1599E2D7-24B3-4D66-9AFB-83C1AEC4DBBB}"/>
               </a:ext>
             </a:extLst>
           </p:cNvPr>
@@ -5131,7 +5618,7 @@
           <p:cNvPr id="2" name="標題 1">
             <a:extLst>
               <a:ext uri="{FF2B5EF4-FFF2-40B4-BE49-F238E27FC236}">
-                <a16:creationId xmlns:a16="http://schemas.microsoft.com/office/drawing/2014/main" xmlns="" id="{40EE479C-D1F6-4BAC-80D2-90EF74E3261A}"/>
+                <a16:creationId xmlns:a16="http://schemas.microsoft.com/office/drawing/2014/main" id="{40EE479C-D1F6-4BAC-80D2-90EF74E3261A}"/>
               </a:ext>
             </a:extLst>
           </p:cNvPr>
@@ -5174,7 +5661,7 @@
           <p:cNvPr id="10" name="副標題 2">
             <a:extLst>
               <a:ext uri="{FF2B5EF4-FFF2-40B4-BE49-F238E27FC236}">
-                <a16:creationId xmlns:a16="http://schemas.microsoft.com/office/drawing/2014/main" xmlns="" id="{3FAEED1D-0E66-4F74-9455-675F5CB7EAD4}"/>
+                <a16:creationId xmlns:a16="http://schemas.microsoft.com/office/drawing/2014/main" id="{3FAEED1D-0E66-4F74-9455-675F5CB7EAD4}"/>
               </a:ext>
             </a:extLst>
           </p:cNvPr>
@@ -5232,7 +5719,7 @@
           <p:cNvPr id="3" name="內容預留位置 2">
             <a:extLst>
               <a:ext uri="{FF2B5EF4-FFF2-40B4-BE49-F238E27FC236}">
-                <a16:creationId xmlns:a16="http://schemas.microsoft.com/office/drawing/2014/main" xmlns="" id="{A22238F2-C6EC-476F-8371-119AECBA5622}"/>
+                <a16:creationId xmlns:a16="http://schemas.microsoft.com/office/drawing/2014/main" id="{A22238F2-C6EC-476F-8371-119AECBA5622}"/>
               </a:ext>
             </a:extLst>
           </p:cNvPr>
@@ -5349,7 +5836,7 @@
           <p:cNvPr id="4" name="頁尾預留位置 3">
             <a:extLst>
               <a:ext uri="{FF2B5EF4-FFF2-40B4-BE49-F238E27FC236}">
-                <a16:creationId xmlns:a16="http://schemas.microsoft.com/office/drawing/2014/main" xmlns="" id="{57847F90-9DB6-4832-9EB7-393AADAE8B70}"/>
+                <a16:creationId xmlns:a16="http://schemas.microsoft.com/office/drawing/2014/main" id="{57847F90-9DB6-4832-9EB7-393AADAE8B70}"/>
               </a:ext>
             </a:extLst>
           </p:cNvPr>
@@ -5366,10 +5853,6 @@
           <a:lstStyle/>
           <a:p>
             <a:pPr rtl="0"/>
-            <a:r>
-              <a:rPr lang="zh-TW" altLang="en-US"/>
-              <a:t>新增頁尾</a:t>
-            </a:r>
             <a:endParaRPr lang="zh-TW" altLang="en-US" dirty="0"/>
           </a:p>
         </p:txBody>
@@ -5379,7 +5862,7 @@
           <p:cNvPr id="5" name="投影片編號預留位置 4">
             <a:extLst>
               <a:ext uri="{FF2B5EF4-FFF2-40B4-BE49-F238E27FC236}">
-                <a16:creationId xmlns:a16="http://schemas.microsoft.com/office/drawing/2014/main" xmlns="" id="{53DA1E79-BA17-41C5-98B7-CFBC5859A512}"/>
+                <a16:creationId xmlns:a16="http://schemas.microsoft.com/office/drawing/2014/main" id="{53DA1E79-BA17-41C5-98B7-CFBC5859A512}"/>
               </a:ext>
             </a:extLst>
           </p:cNvPr>
@@ -5440,7 +5923,7 @@
           <p:cNvPr id="3" name="內容預留位置 2">
             <a:extLst>
               <a:ext uri="{FF2B5EF4-FFF2-40B4-BE49-F238E27FC236}">
-                <a16:creationId xmlns:a16="http://schemas.microsoft.com/office/drawing/2014/main" xmlns="" id="{A22238F2-C6EC-476F-8371-119AECBA5622}"/>
+                <a16:creationId xmlns:a16="http://schemas.microsoft.com/office/drawing/2014/main" id="{A22238F2-C6EC-476F-8371-119AECBA5622}"/>
               </a:ext>
             </a:extLst>
           </p:cNvPr>
@@ -5557,7 +6040,7 @@
           <p:cNvPr id="4" name="頁尾預留位置 3">
             <a:extLst>
               <a:ext uri="{FF2B5EF4-FFF2-40B4-BE49-F238E27FC236}">
-                <a16:creationId xmlns:a16="http://schemas.microsoft.com/office/drawing/2014/main" xmlns="" id="{57847F90-9DB6-4832-9EB7-393AADAE8B70}"/>
+                <a16:creationId xmlns:a16="http://schemas.microsoft.com/office/drawing/2014/main" id="{57847F90-9DB6-4832-9EB7-393AADAE8B70}"/>
               </a:ext>
             </a:extLst>
           </p:cNvPr>
@@ -5574,10 +6057,6 @@
           <a:lstStyle/>
           <a:p>
             <a:pPr rtl="0"/>
-            <a:r>
-              <a:rPr lang="zh-TW" altLang="en-US"/>
-              <a:t>新增頁尾</a:t>
-            </a:r>
             <a:endParaRPr lang="zh-TW" altLang="en-US" dirty="0"/>
           </a:p>
         </p:txBody>
@@ -5587,7 +6066,7 @@
           <p:cNvPr id="5" name="投影片編號預留位置 4">
             <a:extLst>
               <a:ext uri="{FF2B5EF4-FFF2-40B4-BE49-F238E27FC236}">
-                <a16:creationId xmlns:a16="http://schemas.microsoft.com/office/drawing/2014/main" xmlns="" id="{53DA1E79-BA17-41C5-98B7-CFBC5859A512}"/>
+                <a16:creationId xmlns:a16="http://schemas.microsoft.com/office/drawing/2014/main" id="{53DA1E79-BA17-41C5-98B7-CFBC5859A512}"/>
               </a:ext>
             </a:extLst>
           </p:cNvPr>
@@ -5618,7 +6097,7 @@
           <p:cNvPr id="9" name="圖片預留位置 6">
             <a:extLst>
               <a:ext uri="{FF2B5EF4-FFF2-40B4-BE49-F238E27FC236}">
-                <a16:creationId xmlns:a16="http://schemas.microsoft.com/office/drawing/2014/main" xmlns="" id="{492C2A1D-F7BD-46B6-BC01-15D365ACD50B}"/>
+                <a16:creationId xmlns:a16="http://schemas.microsoft.com/office/drawing/2014/main" id="{492C2A1D-F7BD-46B6-BC01-15D365ACD50B}"/>
               </a:ext>
             </a:extLst>
           </p:cNvPr>
@@ -5670,7 +6149,7 @@
           <p:cNvPr id="6" name="標題 5">
             <a:extLst>
               <a:ext uri="{FF2B5EF4-FFF2-40B4-BE49-F238E27FC236}">
-                <a16:creationId xmlns:a16="http://schemas.microsoft.com/office/drawing/2014/main" xmlns="" id="{7F4F1543-153D-4F77-A4A9-C9BBA1C2052E}"/>
+                <a16:creationId xmlns:a16="http://schemas.microsoft.com/office/drawing/2014/main" id="{7F4F1543-153D-4F77-A4A9-C9BBA1C2052E}"/>
               </a:ext>
             </a:extLst>
           </p:cNvPr>
@@ -5705,7 +6184,7 @@
           <p:cNvPr id="11" name="副標題 2">
             <a:extLst>
               <a:ext uri="{FF2B5EF4-FFF2-40B4-BE49-F238E27FC236}">
-                <a16:creationId xmlns:a16="http://schemas.microsoft.com/office/drawing/2014/main" xmlns="" id="{9FAA210E-391A-499A-89D5-F222045FD1A4}"/>
+                <a16:creationId xmlns:a16="http://schemas.microsoft.com/office/drawing/2014/main" id="{9FAA210E-391A-499A-89D5-F222045FD1A4}"/>
               </a:ext>
             </a:extLst>
           </p:cNvPr>
@@ -5793,7 +6272,7 @@
           <p:cNvPr id="2" name="標題 1">
             <a:extLst>
               <a:ext uri="{FF2B5EF4-FFF2-40B4-BE49-F238E27FC236}">
-                <a16:creationId xmlns:a16="http://schemas.microsoft.com/office/drawing/2014/main" xmlns="" id="{3F288DD7-6DAF-436D-B04A-EBCCAA36917C}"/>
+                <a16:creationId xmlns:a16="http://schemas.microsoft.com/office/drawing/2014/main" id="{3F288DD7-6DAF-436D-B04A-EBCCAA36917C}"/>
               </a:ext>
             </a:extLst>
           </p:cNvPr>
@@ -5836,7 +6315,7 @@
           <p:cNvPr id="9" name="副標題 2">
             <a:extLst>
               <a:ext uri="{FF2B5EF4-FFF2-40B4-BE49-F238E27FC236}">
-                <a16:creationId xmlns:a16="http://schemas.microsoft.com/office/drawing/2014/main" xmlns="" id="{E4633398-8EC3-417B-BEA6-101D8F224678}"/>
+                <a16:creationId xmlns:a16="http://schemas.microsoft.com/office/drawing/2014/main" id="{E4633398-8EC3-417B-BEA6-101D8F224678}"/>
               </a:ext>
             </a:extLst>
           </p:cNvPr>
@@ -5894,7 +6373,7 @@
           <p:cNvPr id="3" name="比較左方預留位置 1">
             <a:extLst>
               <a:ext uri="{FF2B5EF4-FFF2-40B4-BE49-F238E27FC236}">
-                <a16:creationId xmlns:a16="http://schemas.microsoft.com/office/drawing/2014/main" xmlns="" id="{9322B50D-6A7D-41C6-BA57-613BC231DF36}"/>
+                <a16:creationId xmlns:a16="http://schemas.microsoft.com/office/drawing/2014/main" id="{9322B50D-6A7D-41C6-BA57-613BC231DF36}"/>
               </a:ext>
             </a:extLst>
           </p:cNvPr>
@@ -5973,7 +6452,7 @@
           <p:cNvPr id="4" name="內容預留位置 2">
             <a:extLst>
               <a:ext uri="{FF2B5EF4-FFF2-40B4-BE49-F238E27FC236}">
-                <a16:creationId xmlns:a16="http://schemas.microsoft.com/office/drawing/2014/main" xmlns="" id="{9FD584DA-F775-47B8-A1D7-6556AD5FCBD2}"/>
+                <a16:creationId xmlns:a16="http://schemas.microsoft.com/office/drawing/2014/main" id="{9FD584DA-F775-47B8-A1D7-6556AD5FCBD2}"/>
               </a:ext>
             </a:extLst>
           </p:cNvPr>
@@ -6087,7 +6566,7 @@
           <p:cNvPr id="12" name="比較左方預留位置 2">
             <a:extLst>
               <a:ext uri="{FF2B5EF4-FFF2-40B4-BE49-F238E27FC236}">
-                <a16:creationId xmlns:a16="http://schemas.microsoft.com/office/drawing/2014/main" xmlns="" id="{78A963F8-6F6E-440E-B3B3-DDE13C083A36}"/>
+                <a16:creationId xmlns:a16="http://schemas.microsoft.com/office/drawing/2014/main" id="{78A963F8-6F6E-440E-B3B3-DDE13C083A36}"/>
               </a:ext>
             </a:extLst>
           </p:cNvPr>
@@ -6134,7 +6613,7 @@
           <p:cNvPr id="8" name="文字預留位置 4">
             <a:extLst>
               <a:ext uri="{FF2B5EF4-FFF2-40B4-BE49-F238E27FC236}">
-                <a16:creationId xmlns:a16="http://schemas.microsoft.com/office/drawing/2014/main" xmlns="" id="{DF0A5256-B267-47DA-858A-0F3867CB6139}"/>
+                <a16:creationId xmlns:a16="http://schemas.microsoft.com/office/drawing/2014/main" id="{DF0A5256-B267-47DA-858A-0F3867CB6139}"/>
               </a:ext>
             </a:extLst>
           </p:cNvPr>
@@ -6197,7 +6676,7 @@
           <p:cNvPr id="5" name="頁尾預留位置 4">
             <a:extLst>
               <a:ext uri="{FF2B5EF4-FFF2-40B4-BE49-F238E27FC236}">
-                <a16:creationId xmlns:a16="http://schemas.microsoft.com/office/drawing/2014/main" xmlns="" id="{646B8F99-FAB0-4B33-87ED-9FF46D11A907}"/>
+                <a16:creationId xmlns:a16="http://schemas.microsoft.com/office/drawing/2014/main" id="{646B8F99-FAB0-4B33-87ED-9FF46D11A907}"/>
               </a:ext>
             </a:extLst>
           </p:cNvPr>
@@ -6214,10 +6693,6 @@
           <a:lstStyle/>
           <a:p>
             <a:pPr rtl="0"/>
-            <a:r>
-              <a:rPr lang="zh-TW" altLang="en-US"/>
-              <a:t>新增頁尾</a:t>
-            </a:r>
             <a:endParaRPr lang="zh-TW" altLang="en-US" dirty="0"/>
           </a:p>
         </p:txBody>
@@ -6227,7 +6702,7 @@
           <p:cNvPr id="6" name="投影片編號預留位置 5">
             <a:extLst>
               <a:ext uri="{FF2B5EF4-FFF2-40B4-BE49-F238E27FC236}">
-                <a16:creationId xmlns:a16="http://schemas.microsoft.com/office/drawing/2014/main" xmlns="" id="{275D237A-BD90-4D90-B328-7F1A502A266D}"/>
+                <a16:creationId xmlns:a16="http://schemas.microsoft.com/office/drawing/2014/main" id="{275D237A-BD90-4D90-B328-7F1A502A266D}"/>
               </a:ext>
             </a:extLst>
           </p:cNvPr>
@@ -6288,7 +6763,7 @@
           <p:cNvPr id="7" name="圖片預留位置 6">
             <a:extLst>
               <a:ext uri="{FF2B5EF4-FFF2-40B4-BE49-F238E27FC236}">
-                <a16:creationId xmlns:a16="http://schemas.microsoft.com/office/drawing/2014/main" xmlns="" id="{890ED7CE-A9D2-4D19-B978-56BFB74E657C}"/>
+                <a16:creationId xmlns:a16="http://schemas.microsoft.com/office/drawing/2014/main" id="{890ED7CE-A9D2-4D19-B978-56BFB74E657C}"/>
               </a:ext>
             </a:extLst>
           </p:cNvPr>
@@ -6340,7 +6815,7 @@
           <p:cNvPr id="3" name="內容預留位置 2">
             <a:extLst>
               <a:ext uri="{FF2B5EF4-FFF2-40B4-BE49-F238E27FC236}">
-                <a16:creationId xmlns:a16="http://schemas.microsoft.com/office/drawing/2014/main" xmlns="" id="{A22238F2-C6EC-476F-8371-119AECBA5622}"/>
+                <a16:creationId xmlns:a16="http://schemas.microsoft.com/office/drawing/2014/main" id="{A22238F2-C6EC-476F-8371-119AECBA5622}"/>
               </a:ext>
             </a:extLst>
           </p:cNvPr>
@@ -6424,7 +6899,7 @@
           <p:cNvPr id="4" name="頁尾預留位置 3">
             <a:extLst>
               <a:ext uri="{FF2B5EF4-FFF2-40B4-BE49-F238E27FC236}">
-                <a16:creationId xmlns:a16="http://schemas.microsoft.com/office/drawing/2014/main" xmlns="" id="{57847F90-9DB6-4832-9EB7-393AADAE8B70}"/>
+                <a16:creationId xmlns:a16="http://schemas.microsoft.com/office/drawing/2014/main" id="{57847F90-9DB6-4832-9EB7-393AADAE8B70}"/>
               </a:ext>
             </a:extLst>
           </p:cNvPr>
@@ -6441,10 +6916,6 @@
           <a:lstStyle/>
           <a:p>
             <a:pPr rtl="0"/>
-            <a:r>
-              <a:rPr lang="zh-TW" altLang="en-US"/>
-              <a:t>新增頁尾</a:t>
-            </a:r>
             <a:endParaRPr lang="zh-TW" altLang="en-US" dirty="0"/>
           </a:p>
         </p:txBody>
@@ -6454,7 +6925,7 @@
           <p:cNvPr id="2" name="投影片編號預留位置 1">
             <a:extLst>
               <a:ext uri="{FF2B5EF4-FFF2-40B4-BE49-F238E27FC236}">
-                <a16:creationId xmlns:a16="http://schemas.microsoft.com/office/drawing/2014/main" xmlns="" id="{E25951D2-91DB-40E7-95D5-4B372602DEBB}"/>
+                <a16:creationId xmlns:a16="http://schemas.microsoft.com/office/drawing/2014/main" id="{E25951D2-91DB-40E7-95D5-4B372602DEBB}"/>
               </a:ext>
             </a:extLst>
           </p:cNvPr>
@@ -6515,7 +6986,7 @@
           <p:cNvPr id="2" name="標題 1">
             <a:extLst>
               <a:ext uri="{FF2B5EF4-FFF2-40B4-BE49-F238E27FC236}">
-                <a16:creationId xmlns:a16="http://schemas.microsoft.com/office/drawing/2014/main" xmlns="" id="{00F23EB7-E336-46EB-A4A0-3DB7A6BF4CE1}"/>
+                <a16:creationId xmlns:a16="http://schemas.microsoft.com/office/drawing/2014/main" id="{00F23EB7-E336-46EB-A4A0-3DB7A6BF4CE1}"/>
               </a:ext>
             </a:extLst>
           </p:cNvPr>
@@ -6564,7 +7035,7 @@
           <p:cNvPr id="7" name="矩形 6">
             <a:extLst>
               <a:ext uri="{FF2B5EF4-FFF2-40B4-BE49-F238E27FC236}">
-                <a16:creationId xmlns:a16="http://schemas.microsoft.com/office/drawing/2014/main" xmlns="" id="{756F2950-BBCB-4A53-9EAC-D714777B8FA2}"/>
+                <a16:creationId xmlns:a16="http://schemas.microsoft.com/office/drawing/2014/main" id="{756F2950-BBCB-4A53-9EAC-D714777B8FA2}"/>
               </a:ext>
             </a:extLst>
           </p:cNvPr>
@@ -6620,7 +7091,7 @@
           <p:cNvPr id="8" name="矩形 7">
             <a:extLst>
               <a:ext uri="{FF2B5EF4-FFF2-40B4-BE49-F238E27FC236}">
-                <a16:creationId xmlns:a16="http://schemas.microsoft.com/office/drawing/2014/main" xmlns="" id="{D5253865-24CF-4EF5-92A5-F64EB9ABC8B7}"/>
+                <a16:creationId xmlns:a16="http://schemas.microsoft.com/office/drawing/2014/main" id="{D5253865-24CF-4EF5-92A5-F64EB9ABC8B7}"/>
               </a:ext>
             </a:extLst>
           </p:cNvPr>
@@ -6676,7 +7147,7 @@
           <p:cNvPr id="11" name="矩形 10">
             <a:extLst>
               <a:ext uri="{FF2B5EF4-FFF2-40B4-BE49-F238E27FC236}">
-                <a16:creationId xmlns:a16="http://schemas.microsoft.com/office/drawing/2014/main" xmlns="" id="{BBE19773-9B6A-4A2C-95A5-69A3788C2D94}"/>
+                <a16:creationId xmlns:a16="http://schemas.microsoft.com/office/drawing/2014/main" id="{BBE19773-9B6A-4A2C-95A5-69A3788C2D94}"/>
               </a:ext>
             </a:extLst>
           </p:cNvPr>
@@ -6732,7 +7203,7 @@
           <p:cNvPr id="10" name="文字預留位置 5">
             <a:extLst>
               <a:ext uri="{FF2B5EF4-FFF2-40B4-BE49-F238E27FC236}">
-                <a16:creationId xmlns:a16="http://schemas.microsoft.com/office/drawing/2014/main" xmlns="" id="{CA3EFDD3-A9D2-4EB6-BB2A-F6999D9F7EA6}"/>
+                <a16:creationId xmlns:a16="http://schemas.microsoft.com/office/drawing/2014/main" id="{CA3EFDD3-A9D2-4EB6-BB2A-F6999D9F7EA6}"/>
               </a:ext>
             </a:extLst>
           </p:cNvPr>
@@ -6792,7 +7263,7 @@
           <p:cNvPr id="12" name="文字預留位置 6">
             <a:extLst>
               <a:ext uri="{FF2B5EF4-FFF2-40B4-BE49-F238E27FC236}">
-                <a16:creationId xmlns:a16="http://schemas.microsoft.com/office/drawing/2014/main" xmlns="" id="{261ED1F7-B623-43D9-9BDA-8808C5CFAFFB}"/>
+                <a16:creationId xmlns:a16="http://schemas.microsoft.com/office/drawing/2014/main" id="{261ED1F7-B623-43D9-9BDA-8808C5CFAFFB}"/>
               </a:ext>
             </a:extLst>
           </p:cNvPr>
@@ -6852,7 +7323,7 @@
           <p:cNvPr id="13" name="文字預留位置 7">
             <a:extLst>
               <a:ext uri="{FF2B5EF4-FFF2-40B4-BE49-F238E27FC236}">
-                <a16:creationId xmlns:a16="http://schemas.microsoft.com/office/drawing/2014/main" xmlns="" id="{E27366FC-4115-4122-9CE2-5FA9D424AD51}"/>
+                <a16:creationId xmlns:a16="http://schemas.microsoft.com/office/drawing/2014/main" id="{E27366FC-4115-4122-9CE2-5FA9D424AD51}"/>
               </a:ext>
             </a:extLst>
           </p:cNvPr>
@@ -6912,7 +7383,7 @@
           <p:cNvPr id="14" name="文字預留位置 8">
             <a:extLst>
               <a:ext uri="{FF2B5EF4-FFF2-40B4-BE49-F238E27FC236}">
-                <a16:creationId xmlns:a16="http://schemas.microsoft.com/office/drawing/2014/main" xmlns="" id="{DEB36829-2F8B-4E22-AB6D-4111D18AF847}"/>
+                <a16:creationId xmlns:a16="http://schemas.microsoft.com/office/drawing/2014/main" id="{DEB36829-2F8B-4E22-AB6D-4111D18AF847}"/>
               </a:ext>
             </a:extLst>
           </p:cNvPr>
@@ -7002,7 +7473,7 @@
           <p:cNvPr id="2" name="標題 1">
             <a:extLst>
               <a:ext uri="{FF2B5EF4-FFF2-40B4-BE49-F238E27FC236}">
-                <a16:creationId xmlns:a16="http://schemas.microsoft.com/office/drawing/2014/main" xmlns="" id="{5CFF4C50-933F-41F9-AD11-BD02410AA7D5}"/>
+                <a16:creationId xmlns:a16="http://schemas.microsoft.com/office/drawing/2014/main" id="{5CFF4C50-933F-41F9-AD11-BD02410AA7D5}"/>
               </a:ext>
             </a:extLst>
           </p:cNvPr>
@@ -7040,7 +7511,7 @@
           <p:cNvPr id="7" name="副標題 2">
             <a:extLst>
               <a:ext uri="{FF2B5EF4-FFF2-40B4-BE49-F238E27FC236}">
-                <a16:creationId xmlns:a16="http://schemas.microsoft.com/office/drawing/2014/main" xmlns="" id="{E97A9A62-1AA6-47A9-A1A0-54196823744C}"/>
+                <a16:creationId xmlns:a16="http://schemas.microsoft.com/office/drawing/2014/main" id="{E97A9A62-1AA6-47A9-A1A0-54196823744C}"/>
               </a:ext>
             </a:extLst>
           </p:cNvPr>
@@ -7098,7 +7569,7 @@
           <p:cNvPr id="3" name="內容預留位置 2">
             <a:extLst>
               <a:ext uri="{FF2B5EF4-FFF2-40B4-BE49-F238E27FC236}">
-                <a16:creationId xmlns:a16="http://schemas.microsoft.com/office/drawing/2014/main" xmlns="" id="{B1948E38-8FB0-4E51-A01C-C88794372E50}"/>
+                <a16:creationId xmlns:a16="http://schemas.microsoft.com/office/drawing/2014/main" id="{B1948E38-8FB0-4E51-A01C-C88794372E50}"/>
               </a:ext>
             </a:extLst>
           </p:cNvPr>
@@ -7207,7 +7678,7 @@
           <p:cNvPr id="4" name="頁尾預留位置 3">
             <a:extLst>
               <a:ext uri="{FF2B5EF4-FFF2-40B4-BE49-F238E27FC236}">
-                <a16:creationId xmlns:a16="http://schemas.microsoft.com/office/drawing/2014/main" xmlns="" id="{E8FE0EB3-0FF4-4285-B9D3-90A5751B7BBF}"/>
+                <a16:creationId xmlns:a16="http://schemas.microsoft.com/office/drawing/2014/main" id="{E8FE0EB3-0FF4-4285-B9D3-90A5751B7BBF}"/>
               </a:ext>
             </a:extLst>
           </p:cNvPr>
@@ -7224,10 +7695,6 @@
           <a:lstStyle/>
           <a:p>
             <a:pPr rtl="0"/>
-            <a:r>
-              <a:rPr lang="zh-TW" altLang="en-US"/>
-              <a:t>新增頁尾</a:t>
-            </a:r>
             <a:endParaRPr lang="zh-TW" altLang="en-US" dirty="0"/>
           </a:p>
         </p:txBody>
@@ -7237,7 +7704,7 @@
           <p:cNvPr id="5" name="投影片編號預留位置 4">
             <a:extLst>
               <a:ext uri="{FF2B5EF4-FFF2-40B4-BE49-F238E27FC236}">
-                <a16:creationId xmlns:a16="http://schemas.microsoft.com/office/drawing/2014/main" xmlns="" id="{3442953D-28FC-41B5-A1BB-BB3BA7CA40BE}"/>
+                <a16:creationId xmlns:a16="http://schemas.microsoft.com/office/drawing/2014/main" id="{3442953D-28FC-41B5-A1BB-BB3BA7CA40BE}"/>
               </a:ext>
             </a:extLst>
           </p:cNvPr>
@@ -7303,7 +7770,7 @@
           <p:cNvPr id="12" name="矩形 11">
             <a:extLst>
               <a:ext uri="{FF2B5EF4-FFF2-40B4-BE49-F238E27FC236}">
-                <a16:creationId xmlns:a16="http://schemas.microsoft.com/office/drawing/2014/main" xmlns="" id="{32C8D0EF-1DB6-4ADC-8F31-5AE53BF5EAF4}"/>
+                <a16:creationId xmlns:a16="http://schemas.microsoft.com/office/drawing/2014/main" id="{32C8D0EF-1DB6-4ADC-8F31-5AE53BF5EAF4}"/>
               </a:ext>
             </a:extLst>
           </p:cNvPr>
@@ -7361,7 +7828,7 @@
           <p:cNvPr id="7" name="矩形 6">
             <a:extLst>
               <a:ext uri="{FF2B5EF4-FFF2-40B4-BE49-F238E27FC236}">
-                <a16:creationId xmlns:a16="http://schemas.microsoft.com/office/drawing/2014/main" xmlns="" id="{62F208ED-79A0-4B2C-A5EE-9D27466BCA3F}"/>
+                <a16:creationId xmlns:a16="http://schemas.microsoft.com/office/drawing/2014/main" id="{62F208ED-79A0-4B2C-A5EE-9D27466BCA3F}"/>
               </a:ext>
             </a:extLst>
           </p:cNvPr>
@@ -7417,7 +7884,7 @@
           <p:cNvPr id="2" name="標題預留位置 1">
             <a:extLst>
               <a:ext uri="{FF2B5EF4-FFF2-40B4-BE49-F238E27FC236}">
-                <a16:creationId xmlns:a16="http://schemas.microsoft.com/office/drawing/2014/main" xmlns="" id="{090F41A2-6535-4CA6-81E4-026A5B56D9D7}"/>
+                <a16:creationId xmlns:a16="http://schemas.microsoft.com/office/drawing/2014/main" id="{090F41A2-6535-4CA6-81E4-026A5B56D9D7}"/>
               </a:ext>
             </a:extLst>
           </p:cNvPr>
@@ -7457,7 +7924,7 @@
           <p:cNvPr id="3" name="文字預留位置 2">
             <a:extLst>
               <a:ext uri="{FF2B5EF4-FFF2-40B4-BE49-F238E27FC236}">
-                <a16:creationId xmlns:a16="http://schemas.microsoft.com/office/drawing/2014/main" xmlns="" id="{213AB95C-7DD4-4796-80E4-1B7466A2A037}"/>
+                <a16:creationId xmlns:a16="http://schemas.microsoft.com/office/drawing/2014/main" id="{213AB95C-7DD4-4796-80E4-1B7466A2A037}"/>
               </a:ext>
             </a:extLst>
           </p:cNvPr>
@@ -7525,7 +7992,7 @@
           <p:cNvPr id="5" name="頁尾預留位置 4">
             <a:extLst>
               <a:ext uri="{FF2B5EF4-FFF2-40B4-BE49-F238E27FC236}">
-                <a16:creationId xmlns:a16="http://schemas.microsoft.com/office/drawing/2014/main" xmlns="" id="{58879C91-B77F-4273-9A27-A3535FB889DB}"/>
+                <a16:creationId xmlns:a16="http://schemas.microsoft.com/office/drawing/2014/main" id="{58879C91-B77F-4273-9A27-A3535FB889DB}"/>
               </a:ext>
             </a:extLst>
           </p:cNvPr>
@@ -7564,10 +8031,6 @@
             </a:lvl1pPr>
           </a:lstStyle>
           <a:p>
-            <a:r>
-              <a:rPr lang="zh-TW" altLang="en-US"/>
-              <a:t>新增頁尾</a:t>
-            </a:r>
             <a:endParaRPr lang="zh-TW" altLang="en-US" dirty="0"/>
           </a:p>
         </p:txBody>
@@ -7577,7 +8040,7 @@
           <p:cNvPr id="6" name="投影片編號預留位置 5">
             <a:extLst>
               <a:ext uri="{FF2B5EF4-FFF2-40B4-BE49-F238E27FC236}">
-                <a16:creationId xmlns:a16="http://schemas.microsoft.com/office/drawing/2014/main" xmlns="" id="{5ECA3099-A94F-4C3E-BC29-780EDD38F722}"/>
+                <a16:creationId xmlns:a16="http://schemas.microsoft.com/office/drawing/2014/main" id="{5ECA3099-A94F-4C3E-BC29-780EDD38F722}"/>
               </a:ext>
             </a:extLst>
           </p:cNvPr>
@@ -7626,7 +8089,7 @@
           <p:cNvPr id="4" name="文字方塊 3">
             <a:extLst>
               <a:ext uri="{FF2B5EF4-FFF2-40B4-BE49-F238E27FC236}">
-                <a16:creationId xmlns:a16="http://schemas.microsoft.com/office/drawing/2014/main" xmlns="" id="{34FDC6F9-37F9-4E25-AECA-D307B8421C73}"/>
+                <a16:creationId xmlns:a16="http://schemas.microsoft.com/office/drawing/2014/main" id="{34FDC6F9-37F9-4E25-AECA-D307B8421C73}"/>
               </a:ext>
             </a:extLst>
           </p:cNvPr>
@@ -7695,7 +8158,7 @@
           <p:cNvPr id="8" name="矩形 7">
             <a:extLst>
               <a:ext uri="{FF2B5EF4-FFF2-40B4-BE49-F238E27FC236}">
-                <a16:creationId xmlns:a16="http://schemas.microsoft.com/office/drawing/2014/main" xmlns="" id="{6B322F68-670D-45A0-A54F-7E70BCEAED3F}"/>
+                <a16:creationId xmlns:a16="http://schemas.microsoft.com/office/drawing/2014/main" id="{6B322F68-670D-45A0-A54F-7E70BCEAED3F}"/>
               </a:ext>
             </a:extLst>
           </p:cNvPr>
@@ -7751,7 +8214,7 @@
           <p:cNvPr id="10" name="矩形 9">
             <a:extLst>
               <a:ext uri="{FF2B5EF4-FFF2-40B4-BE49-F238E27FC236}">
-                <a16:creationId xmlns:a16="http://schemas.microsoft.com/office/drawing/2014/main" xmlns="" id="{E69B5F15-353A-4344-8D61-F4E25AA9FB6C}"/>
+                <a16:creationId xmlns:a16="http://schemas.microsoft.com/office/drawing/2014/main" id="{E69B5F15-353A-4344-8D61-F4E25AA9FB6C}"/>
               </a:ext>
             </a:extLst>
           </p:cNvPr>
@@ -7807,7 +8270,7 @@
           <p:cNvPr id="11" name="矩形 10">
             <a:extLst>
               <a:ext uri="{FF2B5EF4-FFF2-40B4-BE49-F238E27FC236}">
-                <a16:creationId xmlns:a16="http://schemas.microsoft.com/office/drawing/2014/main" xmlns="" id="{2FA0C0AA-FCE8-4A7F-928A-54C96BBA9053}"/>
+                <a16:creationId xmlns:a16="http://schemas.microsoft.com/office/drawing/2014/main" id="{2FA0C0AA-FCE8-4A7F-928A-54C96BBA9053}"/>
               </a:ext>
             </a:extLst>
           </p:cNvPr>
@@ -8194,7 +8657,7 @@
           <p:cNvPr id="4" name="副標題 3">
             <a:extLst>
               <a:ext uri="{FF2B5EF4-FFF2-40B4-BE49-F238E27FC236}">
-                <a16:creationId xmlns:a16="http://schemas.microsoft.com/office/drawing/2014/main" xmlns="" id="{4772945D-CA91-4CFE-8EB7-941C7618C994}"/>
+                <a16:creationId xmlns:a16="http://schemas.microsoft.com/office/drawing/2014/main" id="{4772945D-CA91-4CFE-8EB7-941C7618C994}"/>
               </a:ext>
             </a:extLst>
           </p:cNvPr>
@@ -8216,14 +8679,6 @@
           <a:lstStyle/>
           <a:p>
             <a:pPr rtl="0"/>
-            <a:r>
-              <a:rPr lang="en-US" altLang="zh-TW" sz="2500" b="1" i="0" dirty="0">
-                <a:latin typeface="+mn-lt"/>
-                <a:ea typeface="Microsoft JhengHei UI" panose="020B0604030504040204" pitchFamily="34" charset="-120"/>
-                <a:sym typeface="Microsoft JhengHei UI" panose="020B0604030504040204" pitchFamily="34" charset="-120"/>
-              </a:rPr>
-              <a:t/>
-            </a:r>
             <a:br>
               <a:rPr lang="en-US" altLang="zh-TW" sz="2500" b="1" i="0" dirty="0">
                 <a:latin typeface="+mn-lt"/>
@@ -8248,7 +8703,7 @@
                 <a:ea typeface="Microsoft JhengHei UI" panose="020B0604030504040204" pitchFamily="34" charset="-120"/>
                 <a:sym typeface="Microsoft JhengHei UI" panose="020B0604030504040204" pitchFamily="34" charset="-120"/>
               </a:rPr>
-              <a:t>Enhancing the Dependency Mechanism of </a:t>
+              <a:t>EDM-</a:t>
             </a:r>
             <a:r>
               <a:rPr lang="en-US" altLang="zh-TW" sz="2500" b="1" i="0" dirty="0" err="1">
@@ -8285,7 +8740,7 @@
           <p:cNvPr id="18" name="圖片預留位置 17">
             <a:extLst>
               <a:ext uri="{FF2B5EF4-FFF2-40B4-BE49-F238E27FC236}">
-                <a16:creationId xmlns:a16="http://schemas.microsoft.com/office/drawing/2014/main" xmlns="" id="{2411CA0B-8E20-7C48-9074-8D57423981DC}"/>
+                <a16:creationId xmlns:a16="http://schemas.microsoft.com/office/drawing/2014/main" id="{2411CA0B-8E20-7C48-9074-8D57423981DC}"/>
               </a:ext>
             </a:extLst>
           </p:cNvPr>
@@ -8316,7 +8771,7 @@
           <p:cNvPr id="8" name="TextBox 7">
             <a:extLst>
               <a:ext uri="{FF2B5EF4-FFF2-40B4-BE49-F238E27FC236}">
-                <a16:creationId xmlns:a16="http://schemas.microsoft.com/office/drawing/2014/main" xmlns="" id="{ADA775C6-7ED5-E041-9682-5E30CEE33A9C}"/>
+                <a16:creationId xmlns:a16="http://schemas.microsoft.com/office/drawing/2014/main" id="{ADA775C6-7ED5-E041-9682-5E30CEE33A9C}"/>
               </a:ext>
             </a:extLst>
           </p:cNvPr>
@@ -8325,8 +8780,8 @@
         </p:nvSpPr>
         <p:spPr>
           <a:xfrm>
-            <a:off x="1264596" y="2470825"/>
-            <a:ext cx="7327519" cy="1169551"/>
+            <a:off x="1407138" y="1797784"/>
+            <a:ext cx="7824578" cy="1631216"/>
           </a:xfrm>
           <a:prstGeom prst="rect">
             <a:avLst/>
@@ -8340,14 +8795,20 @@
           <a:lstStyle/>
           <a:p>
             <a:r>
-              <a:rPr lang="en-US" sz="7000" b="1" dirty="0" smtClean="0"/>
-              <a:t>X EDM-</a:t>
-            </a:r>
-            <a:r>
-              <a:rPr lang="en-US" sz="7000" b="1" dirty="0" err="1" smtClean="0"/>
+              <a:rPr lang="en-US" sz="5000" b="1" dirty="0"/>
+              <a:t>Enhancing the Dependency </a:t>
+            </a:r>
+          </a:p>
+          <a:p>
+            <a:r>
+              <a:rPr lang="en-US" sz="5000" b="1" dirty="0"/>
+              <a:t>Mechanism of </a:t>
+            </a:r>
+            <a:r>
+              <a:rPr lang="en-US" sz="5000" b="1" dirty="0" err="1"/>
               <a:t>RoBERTa</a:t>
             </a:r>
-            <a:endParaRPr lang="en-US" sz="7000" b="1" dirty="0"/>
+            <a:endParaRPr lang="en-US" sz="5000" b="1" dirty="0"/>
           </a:p>
         </p:txBody>
       </p:sp>
@@ -8356,7 +8817,7 @@
           <p:cNvPr id="6" name="副標題 3">
             <a:extLst>
               <a:ext uri="{FF2B5EF4-FFF2-40B4-BE49-F238E27FC236}">
-                <a16:creationId xmlns:a16="http://schemas.microsoft.com/office/drawing/2014/main" xmlns="" id="{B3C4088F-7ED3-914F-9966-EEFD96FCF469}"/>
+                <a16:creationId xmlns:a16="http://schemas.microsoft.com/office/drawing/2014/main" id="{B3C4088F-7ED3-914F-9966-EEFD96FCF469}"/>
               </a:ext>
             </a:extLst>
           </p:cNvPr>
@@ -8608,13 +9069,6 @@
   <p:clrMapOvr>
     <a:masterClrMapping/>
   </p:clrMapOvr>
-  <p:timing>
-    <p:tnLst>
-      <p:par>
-        <p:cTn id="1" dur="indefinite" restart="never" nodeType="tmRoot"/>
-      </p:par>
-    </p:tnLst>
-  </p:timing>
 </p:sld>
 </file>
 
@@ -8648,7 +9102,7 @@
           <p:cNvPr id="2" name="文字方塊 9">
             <a:extLst>
               <a:ext uri="{FF2B5EF4-FFF2-40B4-BE49-F238E27FC236}">
-                <a16:creationId xmlns:a16="http://schemas.microsoft.com/office/drawing/2014/main" xmlns="" id="{1472181F-E1C9-5B4B-AC5F-B6ABF9C576B7}"/>
+                <a16:creationId xmlns:a16="http://schemas.microsoft.com/office/drawing/2014/main" id="{1472181F-E1C9-5B4B-AC5F-B6ABF9C576B7}"/>
               </a:ext>
             </a:extLst>
           </p:cNvPr>
@@ -8683,7 +9137,7 @@
           <p:cNvPr id="5" name="TextBox 4">
             <a:extLst>
               <a:ext uri="{FF2B5EF4-FFF2-40B4-BE49-F238E27FC236}">
-                <a16:creationId xmlns:a16="http://schemas.microsoft.com/office/drawing/2014/main" xmlns="" id="{0F0A5022-A9F2-4143-B927-A449071B04E6}"/>
+                <a16:creationId xmlns:a16="http://schemas.microsoft.com/office/drawing/2014/main" id="{0F0A5022-A9F2-4143-B927-A449071B04E6}"/>
               </a:ext>
             </a:extLst>
           </p:cNvPr>
@@ -8725,7 +9179,7 @@
           <p:cNvPr id="6" name="TextBox 5">
             <a:extLst>
               <a:ext uri="{FF2B5EF4-FFF2-40B4-BE49-F238E27FC236}">
-                <a16:creationId xmlns:a16="http://schemas.microsoft.com/office/drawing/2014/main" xmlns="" id="{AA02E5DE-4934-2043-ACFE-09A4C05C23C7}"/>
+                <a16:creationId xmlns:a16="http://schemas.microsoft.com/office/drawing/2014/main" id="{AA02E5DE-4934-2043-ACFE-09A4C05C23C7}"/>
               </a:ext>
             </a:extLst>
           </p:cNvPr>
@@ -8764,7 +9218,7 @@
           <p:cNvPr id="10" name="TextBox 9">
             <a:extLst>
               <a:ext uri="{FF2B5EF4-FFF2-40B4-BE49-F238E27FC236}">
-                <a16:creationId xmlns:a16="http://schemas.microsoft.com/office/drawing/2014/main" xmlns="" id="{0904BA4E-C0C3-D744-814B-DA4816B447F1}"/>
+                <a16:creationId xmlns:a16="http://schemas.microsoft.com/office/drawing/2014/main" id="{0904BA4E-C0C3-D744-814B-DA4816B447F1}"/>
               </a:ext>
             </a:extLst>
           </p:cNvPr>
@@ -8803,7 +9257,7 @@
           <p:cNvPr id="13" name="TextBox 12">
             <a:extLst>
               <a:ext uri="{FF2B5EF4-FFF2-40B4-BE49-F238E27FC236}">
-                <a16:creationId xmlns:a16="http://schemas.microsoft.com/office/drawing/2014/main" xmlns="" id="{E9FE2D4D-3A0B-9B43-87CD-629A77DD5A92}"/>
+                <a16:creationId xmlns:a16="http://schemas.microsoft.com/office/drawing/2014/main" id="{E9FE2D4D-3A0B-9B43-87CD-629A77DD5A92}"/>
               </a:ext>
             </a:extLst>
           </p:cNvPr>
@@ -8842,7 +9296,7 @@
           <p:cNvPr id="9" name="Picture 8">
             <a:extLst>
               <a:ext uri="{FF2B5EF4-FFF2-40B4-BE49-F238E27FC236}">
-                <a16:creationId xmlns:a16="http://schemas.microsoft.com/office/drawing/2014/main" xmlns="" id="{0942FB8F-AC6E-4341-8B0C-3D563C5F5700}"/>
+                <a16:creationId xmlns:a16="http://schemas.microsoft.com/office/drawing/2014/main" id="{0942FB8F-AC6E-4341-8B0C-3D563C5F5700}"/>
               </a:ext>
             </a:extLst>
           </p:cNvPr>
@@ -8873,6 +9327,41 @@
           </a:prstGeom>
         </p:spPr>
       </p:pic>
+      <p:sp>
+        <p:nvSpPr>
+          <p:cNvPr id="8" name="文字方塊 7">
+            <a:extLst>
+              <a:ext uri="{FF2B5EF4-FFF2-40B4-BE49-F238E27FC236}">
+                <a16:creationId xmlns:a16="http://schemas.microsoft.com/office/drawing/2014/main" id="{4170633D-74D4-4071-A14B-EC57F32C3D9F}"/>
+              </a:ext>
+            </a:extLst>
+          </p:cNvPr>
+          <p:cNvSpPr txBox="1"/>
+          <p:nvPr/>
+        </p:nvSpPr>
+        <p:spPr>
+          <a:xfrm>
+            <a:off x="11484528" y="6493241"/>
+            <a:ext cx="805343" cy="276999"/>
+          </a:xfrm>
+          <a:prstGeom prst="rect">
+            <a:avLst/>
+          </a:prstGeom>
+          <a:noFill/>
+        </p:spPr>
+        <p:txBody>
+          <a:bodyPr wrap="square" rtlCol="0">
+            <a:spAutoFit/>
+          </a:bodyPr>
+          <a:lstStyle/>
+          <a:p>
+            <a:r>
+              <a:rPr lang="en-US" sz="1200" dirty="0"/>
+              <a:t>9</a:t>
+            </a:r>
+          </a:p>
+        </p:txBody>
+      </p:sp>
     </p:spTree>
     <p:extLst>
       <p:ext uri="{BB962C8B-B14F-4D97-AF65-F5344CB8AC3E}">
@@ -8883,13 +9372,6 @@
   <p:clrMapOvr>
     <a:masterClrMapping/>
   </p:clrMapOvr>
-  <p:timing>
-    <p:tnLst>
-      <p:par>
-        <p:cTn id="1" dur="indefinite" restart="never" nodeType="tmRoot"/>
-      </p:par>
-    </p:tnLst>
-  </p:timing>
 </p:sld>
 </file>
 
@@ -8923,7 +9405,7 @@
           <p:cNvPr id="2" name="文字方塊 9">
             <a:extLst>
               <a:ext uri="{FF2B5EF4-FFF2-40B4-BE49-F238E27FC236}">
-                <a16:creationId xmlns:a16="http://schemas.microsoft.com/office/drawing/2014/main" xmlns="" id="{1472181F-E1C9-5B4B-AC5F-B6ABF9C576B7}"/>
+                <a16:creationId xmlns:a16="http://schemas.microsoft.com/office/drawing/2014/main" id="{1472181F-E1C9-5B4B-AC5F-B6ABF9C576B7}"/>
               </a:ext>
             </a:extLst>
           </p:cNvPr>
@@ -8958,7 +9440,7 @@
           <p:cNvPr id="13" name="TextBox 5">
             <a:extLst>
               <a:ext uri="{FF2B5EF4-FFF2-40B4-BE49-F238E27FC236}">
-                <a16:creationId xmlns:a16="http://schemas.microsoft.com/office/drawing/2014/main" xmlns="" id="{A35F1A04-046B-42E3-9C3B-FFD642B26147}"/>
+                <a16:creationId xmlns:a16="http://schemas.microsoft.com/office/drawing/2014/main" id="{A35F1A04-046B-42E3-9C3B-FFD642B26147}"/>
               </a:ext>
             </a:extLst>
           </p:cNvPr>
@@ -9014,7 +9496,7 @@
           <p:cNvPr id="14" name="TextBox 6">
             <a:extLst>
               <a:ext uri="{FF2B5EF4-FFF2-40B4-BE49-F238E27FC236}">
-                <a16:creationId xmlns:a16="http://schemas.microsoft.com/office/drawing/2014/main" xmlns="" id="{1DFF8FF5-A1E8-4D4B-9DE1-775A18258604}"/>
+                <a16:creationId xmlns:a16="http://schemas.microsoft.com/office/drawing/2014/main" id="{1DFF8FF5-A1E8-4D4B-9DE1-775A18258604}"/>
               </a:ext>
             </a:extLst>
           </p:cNvPr>
@@ -9059,7 +9541,7 @@
           <p:cNvPr id="15" name="TextBox 9">
             <a:extLst>
               <a:ext uri="{FF2B5EF4-FFF2-40B4-BE49-F238E27FC236}">
-                <a16:creationId xmlns:a16="http://schemas.microsoft.com/office/drawing/2014/main" xmlns="" id="{4F69F72C-E1BD-4408-B368-6888FC13EC7B}"/>
+                <a16:creationId xmlns:a16="http://schemas.microsoft.com/office/drawing/2014/main" id="{4F69F72C-E1BD-4408-B368-6888FC13EC7B}"/>
               </a:ext>
             </a:extLst>
           </p:cNvPr>
@@ -9147,6 +9629,41 @@
                 <a:cs typeface="Calibri" panose="020F0502020204030204" pitchFamily="34" charset="0"/>
               </a:rPr>
               <a:t> to optimize the attention process</a:t>
+            </a:r>
+          </a:p>
+        </p:txBody>
+      </p:sp>
+      <p:sp>
+        <p:nvSpPr>
+          <p:cNvPr id="6" name="文字方塊 5">
+            <a:extLst>
+              <a:ext uri="{FF2B5EF4-FFF2-40B4-BE49-F238E27FC236}">
+                <a16:creationId xmlns:a16="http://schemas.microsoft.com/office/drawing/2014/main" id="{064B2AB1-2865-4D5A-90E4-412F1FAFC6F9}"/>
+              </a:ext>
+            </a:extLst>
+          </p:cNvPr>
+          <p:cNvSpPr txBox="1"/>
+          <p:nvPr/>
+        </p:nvSpPr>
+        <p:spPr>
+          <a:xfrm>
+            <a:off x="11484528" y="6493241"/>
+            <a:ext cx="805343" cy="276999"/>
+          </a:xfrm>
+          <a:prstGeom prst="rect">
+            <a:avLst/>
+          </a:prstGeom>
+          <a:noFill/>
+        </p:spPr>
+        <p:txBody>
+          <a:bodyPr wrap="square" rtlCol="0">
+            <a:spAutoFit/>
+          </a:bodyPr>
+          <a:lstStyle/>
+          <a:p>
+            <a:r>
+              <a:rPr lang="en-US" sz="1200" dirty="0"/>
+              <a:t>10</a:t>
             </a:r>
           </a:p>
         </p:txBody>
@@ -9161,13 +9678,6 @@
   <p:clrMapOvr>
     <a:masterClrMapping/>
   </p:clrMapOvr>
-  <p:timing>
-    <p:tnLst>
-      <p:par>
-        <p:cTn id="1" dur="indefinite" restart="never" nodeType="tmRoot"/>
-      </p:par>
-    </p:tnLst>
-  </p:timing>
 </p:sld>
 </file>
 
@@ -9201,7 +9711,7 @@
           <p:cNvPr id="2" name="文字方塊 9">
             <a:extLst>
               <a:ext uri="{FF2B5EF4-FFF2-40B4-BE49-F238E27FC236}">
-                <a16:creationId xmlns:a16="http://schemas.microsoft.com/office/drawing/2014/main" xmlns="" id="{1472181F-E1C9-5B4B-AC5F-B6ABF9C576B7}"/>
+                <a16:creationId xmlns:a16="http://schemas.microsoft.com/office/drawing/2014/main" id="{1472181F-E1C9-5B4B-AC5F-B6ABF9C576B7}"/>
               </a:ext>
             </a:extLst>
           </p:cNvPr>
@@ -9236,7 +9746,7 @@
           <p:cNvPr id="5" name="TextBox 4">
             <a:extLst>
               <a:ext uri="{FF2B5EF4-FFF2-40B4-BE49-F238E27FC236}">
-                <a16:creationId xmlns:a16="http://schemas.microsoft.com/office/drawing/2014/main" xmlns="" id="{0F0A5022-A9F2-4143-B927-A449071B04E6}"/>
+                <a16:creationId xmlns:a16="http://schemas.microsoft.com/office/drawing/2014/main" id="{0F0A5022-A9F2-4143-B927-A449071B04E6}"/>
               </a:ext>
             </a:extLst>
           </p:cNvPr>
@@ -9264,18 +9774,11 @@
               <a:buChar char="•"/>
             </a:pPr>
             <a:r>
-              <a:rPr lang="en-US" sz="2400" dirty="0" smtClean="0">
-                <a:latin typeface="Calibri" panose="020F0502020204030204" pitchFamily="34" charset="0"/>
-                <a:cs typeface="Calibri" panose="020F0502020204030204" pitchFamily="34" charset="0"/>
-              </a:rPr>
-              <a:t>Single-headed Attention </a:t>
-            </a:r>
-            <a:r>
               <a:rPr lang="en-US" sz="2400" dirty="0">
                 <a:latin typeface="Calibri" panose="020F0502020204030204" pitchFamily="34" charset="0"/>
                 <a:cs typeface="Calibri" panose="020F0502020204030204" pitchFamily="34" charset="0"/>
               </a:rPr>
-              <a:t>RNN (SHA-RNN)</a:t>
+              <a:t>Single-headed Attention RNN (SHA-RNN)</a:t>
             </a:r>
           </a:p>
         </p:txBody>
@@ -9285,7 +9788,7 @@
           <p:cNvPr id="6" name="TextBox 5">
             <a:extLst>
               <a:ext uri="{FF2B5EF4-FFF2-40B4-BE49-F238E27FC236}">
-                <a16:creationId xmlns:a16="http://schemas.microsoft.com/office/drawing/2014/main" xmlns="" id="{F0562E0E-EEBC-9146-9A8A-71CE457A66D7}"/>
+                <a16:creationId xmlns:a16="http://schemas.microsoft.com/office/drawing/2014/main" id="{F0562E0E-EEBC-9146-9A8A-71CE457A66D7}"/>
               </a:ext>
             </a:extLst>
           </p:cNvPr>
@@ -9331,7 +9834,7 @@
           <p:cNvPr id="4" name="Picture 3">
             <a:extLst>
               <a:ext uri="{FF2B5EF4-FFF2-40B4-BE49-F238E27FC236}">
-                <a16:creationId xmlns:a16="http://schemas.microsoft.com/office/drawing/2014/main" xmlns="" id="{C37648F9-7CB8-0A41-831D-BCB3F0DA04B2}"/>
+                <a16:creationId xmlns:a16="http://schemas.microsoft.com/office/drawing/2014/main" id="{C37648F9-7CB8-0A41-831D-BCB3F0DA04B2}"/>
               </a:ext>
             </a:extLst>
           </p:cNvPr>
@@ -9367,7 +9870,7 @@
           <p:cNvPr id="11" name="TextBox 10">
             <a:extLst>
               <a:ext uri="{FF2B5EF4-FFF2-40B4-BE49-F238E27FC236}">
-                <a16:creationId xmlns:a16="http://schemas.microsoft.com/office/drawing/2014/main" xmlns="" id="{047DF914-B467-334D-87BF-6ED281A9340C}"/>
+                <a16:creationId xmlns:a16="http://schemas.microsoft.com/office/drawing/2014/main" id="{047DF914-B467-334D-87BF-6ED281A9340C}"/>
               </a:ext>
             </a:extLst>
           </p:cNvPr>
@@ -9402,30 +9905,12 @@
               <a:t>Activation Function:   </a:t>
             </a:r>
             <a:r>
-              <a:rPr lang="en-US" sz="2400" dirty="0" smtClean="0">
-                <a:latin typeface="Times New Roman" panose="02020603050405020304" pitchFamily="18" charset="0"/>
-                <a:cs typeface="Times New Roman" panose="02020603050405020304" pitchFamily="18" charset="0"/>
-              </a:rPr>
-              <a:t>Gaussian Error </a:t>
-            </a:r>
-            <a:r>
               <a:rPr lang="en-US" sz="2400" dirty="0">
                 <a:latin typeface="Times New Roman" panose="02020603050405020304" pitchFamily="18" charset="0"/>
                 <a:cs typeface="Times New Roman" panose="02020603050405020304" pitchFamily="18" charset="0"/>
               </a:rPr>
-              <a:t>Linear Unit (</a:t>
-            </a:r>
-            <a:r>
-              <a:rPr lang="en-US" sz="2400" dirty="0" smtClean="0">
-                <a:latin typeface="Times New Roman" panose="02020603050405020304" pitchFamily="18" charset="0"/>
-                <a:cs typeface="Times New Roman" panose="02020603050405020304" pitchFamily="18" charset="0"/>
-              </a:rPr>
-              <a:t>GELU)</a:t>
-            </a:r>
-            <a:endParaRPr lang="en-US" sz="2400" dirty="0">
-              <a:latin typeface="Times New Roman" panose="02020603050405020304" pitchFamily="18" charset="0"/>
-              <a:cs typeface="Times New Roman" panose="02020603050405020304" pitchFamily="18" charset="0"/>
-            </a:endParaRPr>
+              <a:t>Gaussian Error Linear Unit (GELU)</a:t>
+            </a:r>
           </a:p>
         </p:txBody>
       </p:sp>
@@ -9434,7 +9919,7 @@
           <p:cNvPr id="12" name="TextBox 11">
             <a:extLst>
               <a:ext uri="{FF2B5EF4-FFF2-40B4-BE49-F238E27FC236}">
-                <a16:creationId xmlns:a16="http://schemas.microsoft.com/office/drawing/2014/main" xmlns="" id="{87F6B32E-0BBB-5943-984B-398FF49AE20E}"/>
+                <a16:creationId xmlns:a16="http://schemas.microsoft.com/office/drawing/2014/main" id="{87F6B32E-0BBB-5943-984B-398FF49AE20E}"/>
               </a:ext>
             </a:extLst>
           </p:cNvPr>
@@ -9515,7 +10000,7 @@
           <p:cNvPr id="13" name="TextBox 12">
             <a:extLst>
               <a:ext uri="{FF2B5EF4-FFF2-40B4-BE49-F238E27FC236}">
-                <a16:creationId xmlns:a16="http://schemas.microsoft.com/office/drawing/2014/main" xmlns="" id="{EF565234-AACD-4849-9DD1-72F925B48DE6}"/>
+                <a16:creationId xmlns:a16="http://schemas.microsoft.com/office/drawing/2014/main" id="{EF565234-AACD-4849-9DD1-72F925B48DE6}"/>
               </a:ext>
             </a:extLst>
           </p:cNvPr>
@@ -9548,6 +10033,41 @@
                 <a:cs typeface="Calibri" panose="020F0502020204030204" pitchFamily="34" charset="0"/>
               </a:rPr>
               <a:t>Solving the short-term dependency problem of Transformer-based Models</a:t>
+            </a:r>
+          </a:p>
+        </p:txBody>
+      </p:sp>
+      <p:sp>
+        <p:nvSpPr>
+          <p:cNvPr id="9" name="文字方塊 8">
+            <a:extLst>
+              <a:ext uri="{FF2B5EF4-FFF2-40B4-BE49-F238E27FC236}">
+                <a16:creationId xmlns:a16="http://schemas.microsoft.com/office/drawing/2014/main" id="{AE73553F-4114-411F-A6A1-3291FA4B6CF8}"/>
+              </a:ext>
+            </a:extLst>
+          </p:cNvPr>
+          <p:cNvSpPr txBox="1"/>
+          <p:nvPr/>
+        </p:nvSpPr>
+        <p:spPr>
+          <a:xfrm>
+            <a:off x="11484528" y="6493241"/>
+            <a:ext cx="805343" cy="276999"/>
+          </a:xfrm>
+          <a:prstGeom prst="rect">
+            <a:avLst/>
+          </a:prstGeom>
+          <a:noFill/>
+        </p:spPr>
+        <p:txBody>
+          <a:bodyPr wrap="square" rtlCol="0">
+            <a:spAutoFit/>
+          </a:bodyPr>
+          <a:lstStyle/>
+          <a:p>
+            <a:r>
+              <a:rPr lang="en-US" sz="1200" dirty="0"/>
+              <a:t>11</a:t>
             </a:r>
           </a:p>
         </p:txBody>
@@ -9562,13 +10082,6 @@
   <p:clrMapOvr>
     <a:masterClrMapping/>
   </p:clrMapOvr>
-  <p:timing>
-    <p:tnLst>
-      <p:par>
-        <p:cTn id="1" dur="indefinite" restart="never" nodeType="tmRoot"/>
-      </p:par>
-    </p:tnLst>
-  </p:timing>
 </p:sld>
 </file>
 
@@ -9602,7 +10115,7 @@
           <p:cNvPr id="2" name="文字方塊 9">
             <a:extLst>
               <a:ext uri="{FF2B5EF4-FFF2-40B4-BE49-F238E27FC236}">
-                <a16:creationId xmlns:a16="http://schemas.microsoft.com/office/drawing/2014/main" xmlns="" id="{1472181F-E1C9-5B4B-AC5F-B6ABF9C576B7}"/>
+                <a16:creationId xmlns:a16="http://schemas.microsoft.com/office/drawing/2014/main" id="{1472181F-E1C9-5B4B-AC5F-B6ABF9C576B7}"/>
               </a:ext>
             </a:extLst>
           </p:cNvPr>
@@ -9626,12 +10139,8 @@
           <a:lstStyle/>
           <a:p>
             <a:r>
-              <a:rPr lang="en-US" sz="2800" b="1" dirty="0" smtClean="0"/>
-              <a:t>Improved Learning Model:  </a:t>
-            </a:r>
-            <a:r>
               <a:rPr lang="en-US" sz="2800" b="1" dirty="0"/>
-              <a:t>EDM-</a:t>
+              <a:t>Improved Learning Model:  EDM-</a:t>
             </a:r>
             <a:r>
               <a:rPr lang="en-US" sz="2800" b="1" dirty="0" err="1"/>
@@ -9646,7 +10155,7 @@
           <p:cNvPr id="5" name="TextBox 4">
             <a:extLst>
               <a:ext uri="{FF2B5EF4-FFF2-40B4-BE49-F238E27FC236}">
-                <a16:creationId xmlns:a16="http://schemas.microsoft.com/office/drawing/2014/main" xmlns="" id="{0F0A5022-A9F2-4143-B927-A449071B04E6}"/>
+                <a16:creationId xmlns:a16="http://schemas.microsoft.com/office/drawing/2014/main" id="{0F0A5022-A9F2-4143-B927-A449071B04E6}"/>
               </a:ext>
             </a:extLst>
           </p:cNvPr>
@@ -9702,7 +10211,7 @@
           <p:cNvPr id="6" name="TextBox 5">
             <a:extLst>
               <a:ext uri="{FF2B5EF4-FFF2-40B4-BE49-F238E27FC236}">
-                <a16:creationId xmlns:a16="http://schemas.microsoft.com/office/drawing/2014/main" xmlns="" id="{F0562E0E-EEBC-9146-9A8A-71CE457A66D7}"/>
+                <a16:creationId xmlns:a16="http://schemas.microsoft.com/office/drawing/2014/main" id="{F0562E0E-EEBC-9146-9A8A-71CE457A66D7}"/>
               </a:ext>
             </a:extLst>
           </p:cNvPr>
@@ -9730,32 +10239,25 @@
               <a:buChar char="•"/>
             </a:pPr>
             <a:r>
-              <a:rPr lang="en-US" sz="2400" b="1" dirty="0" smtClean="0">
+              <a:rPr lang="en-US" sz="2400" b="1" dirty="0">
                 <a:latin typeface="Calibri" panose="020F0502020204030204" pitchFamily="34" charset="0"/>
                 <a:cs typeface="Calibri" panose="020F0502020204030204" pitchFamily="34" charset="0"/>
               </a:rPr>
               <a:t>Optimize the </a:t>
             </a:r>
             <a:r>
-              <a:rPr lang="en-US" sz="2400" b="1" dirty="0" err="1" smtClean="0">
+              <a:rPr lang="en-US" sz="2400" b="1" dirty="0" err="1">
                 <a:latin typeface="Calibri" panose="020F0502020204030204" pitchFamily="34" charset="0"/>
                 <a:cs typeface="Calibri" panose="020F0502020204030204" pitchFamily="34" charset="0"/>
               </a:rPr>
               <a:t>RoBERTa</a:t>
             </a:r>
             <a:r>
-              <a:rPr lang="en-US" sz="2400" b="1" dirty="0" smtClean="0">
-                <a:latin typeface="Calibri" panose="020F0502020204030204" pitchFamily="34" charset="0"/>
-                <a:cs typeface="Calibri" panose="020F0502020204030204" pitchFamily="34" charset="0"/>
-              </a:rPr>
-              <a:t> model </a:t>
-            </a:r>
-            <a:r>
               <a:rPr lang="en-US" sz="2400" b="1" dirty="0">
                 <a:latin typeface="Calibri" panose="020F0502020204030204" pitchFamily="34" charset="0"/>
                 <a:cs typeface="Calibri" panose="020F0502020204030204" pitchFamily="34" charset="0"/>
               </a:rPr>
-              <a:t>with Boom Layer</a:t>
+              <a:t> model with Boom Layer</a:t>
             </a:r>
             <a:endParaRPr lang="en-US" sz="2400" dirty="0">
               <a:latin typeface="Calibri" panose="020F0502020204030204" pitchFamily="34" charset="0"/>
@@ -9769,7 +10271,7 @@
           <p:cNvPr id="7" name="Picture 6">
             <a:extLst>
               <a:ext uri="{FF2B5EF4-FFF2-40B4-BE49-F238E27FC236}">
-                <a16:creationId xmlns:a16="http://schemas.microsoft.com/office/drawing/2014/main" xmlns="" id="{03DD16DF-6DDD-1440-BEC6-E2C893E34BBD}"/>
+                <a16:creationId xmlns:a16="http://schemas.microsoft.com/office/drawing/2014/main" id="{03DD16DF-6DDD-1440-BEC6-E2C893E34BBD}"/>
               </a:ext>
             </a:extLst>
           </p:cNvPr>
@@ -9805,7 +10307,7 @@
           <p:cNvPr id="14" name="TextBox 13">
             <a:extLst>
               <a:ext uri="{FF2B5EF4-FFF2-40B4-BE49-F238E27FC236}">
-                <a16:creationId xmlns:a16="http://schemas.microsoft.com/office/drawing/2014/main" xmlns="" id="{8A847973-0319-9B4F-B5CD-4F522B13162B}"/>
+                <a16:creationId xmlns:a16="http://schemas.microsoft.com/office/drawing/2014/main" id="{8A847973-0319-9B4F-B5CD-4F522B13162B}"/>
               </a:ext>
             </a:extLst>
           </p:cNvPr>
@@ -9846,6 +10348,41 @@
               <a:latin typeface="Times New Roman" panose="02020603050405020304" pitchFamily="18" charset="0"/>
               <a:cs typeface="Times New Roman" panose="02020603050405020304" pitchFamily="18" charset="0"/>
             </a:endParaRPr>
+          </a:p>
+        </p:txBody>
+      </p:sp>
+      <p:sp>
+        <p:nvSpPr>
+          <p:cNvPr id="8" name="文字方塊 7">
+            <a:extLst>
+              <a:ext uri="{FF2B5EF4-FFF2-40B4-BE49-F238E27FC236}">
+                <a16:creationId xmlns:a16="http://schemas.microsoft.com/office/drawing/2014/main" id="{CA9DE776-E94C-47BA-B7C4-BC7427DC5373}"/>
+              </a:ext>
+            </a:extLst>
+          </p:cNvPr>
+          <p:cNvSpPr txBox="1"/>
+          <p:nvPr/>
+        </p:nvSpPr>
+        <p:spPr>
+          <a:xfrm>
+            <a:off x="11484528" y="6493241"/>
+            <a:ext cx="805343" cy="276999"/>
+          </a:xfrm>
+          <a:prstGeom prst="rect">
+            <a:avLst/>
+          </a:prstGeom>
+          <a:noFill/>
+        </p:spPr>
+        <p:txBody>
+          <a:bodyPr wrap="square" rtlCol="0">
+            <a:spAutoFit/>
+          </a:bodyPr>
+          <a:lstStyle/>
+          <a:p>
+            <a:r>
+              <a:rPr lang="en-US" sz="1200" dirty="0"/>
+              <a:t>12</a:t>
+            </a:r>
           </a:p>
         </p:txBody>
       </p:sp>
@@ -9859,13 +10396,6 @@
   <p:clrMapOvr>
     <a:masterClrMapping/>
   </p:clrMapOvr>
-  <p:timing>
-    <p:tnLst>
-      <p:par>
-        <p:cTn id="1" dur="indefinite" restart="never" nodeType="tmRoot"/>
-      </p:par>
-    </p:tnLst>
-  </p:timing>
 </p:sld>
 </file>
 
@@ -9899,7 +10429,7 @@
           <p:cNvPr id="2" name="文字方塊 9">
             <a:extLst>
               <a:ext uri="{FF2B5EF4-FFF2-40B4-BE49-F238E27FC236}">
-                <a16:creationId xmlns:a16="http://schemas.microsoft.com/office/drawing/2014/main" xmlns="" id="{1472181F-E1C9-5B4B-AC5F-B6ABF9C576B7}"/>
+                <a16:creationId xmlns:a16="http://schemas.microsoft.com/office/drawing/2014/main" id="{1472181F-E1C9-5B4B-AC5F-B6ABF9C576B7}"/>
               </a:ext>
             </a:extLst>
           </p:cNvPr>
@@ -9934,7 +10464,7 @@
           <p:cNvPr id="7" name="Picture 6">
             <a:extLst>
               <a:ext uri="{FF2B5EF4-FFF2-40B4-BE49-F238E27FC236}">
-                <a16:creationId xmlns:a16="http://schemas.microsoft.com/office/drawing/2014/main" xmlns="" id="{3EA49A00-B665-BB4E-8414-F14A25C37FAF}"/>
+                <a16:creationId xmlns:a16="http://schemas.microsoft.com/office/drawing/2014/main" id="{3EA49A00-B665-BB4E-8414-F14A25C37FAF}"/>
               </a:ext>
             </a:extLst>
           </p:cNvPr>
@@ -9970,7 +10500,7 @@
           <p:cNvPr id="9" name="Picture 8">
             <a:extLst>
               <a:ext uri="{FF2B5EF4-FFF2-40B4-BE49-F238E27FC236}">
-                <a16:creationId xmlns:a16="http://schemas.microsoft.com/office/drawing/2014/main" xmlns="" id="{039B4765-42F5-9541-BC34-8ACF710B3366}"/>
+                <a16:creationId xmlns:a16="http://schemas.microsoft.com/office/drawing/2014/main" id="{039B4765-42F5-9541-BC34-8ACF710B3366}"/>
               </a:ext>
             </a:extLst>
           </p:cNvPr>
@@ -10001,6 +10531,41 @@
           </a:prstGeom>
         </p:spPr>
       </p:pic>
+      <p:sp>
+        <p:nvSpPr>
+          <p:cNvPr id="5" name="文字方塊 4">
+            <a:extLst>
+              <a:ext uri="{FF2B5EF4-FFF2-40B4-BE49-F238E27FC236}">
+                <a16:creationId xmlns:a16="http://schemas.microsoft.com/office/drawing/2014/main" id="{41506C6F-93EE-49C5-88F9-1B83EB3738F0}"/>
+              </a:ext>
+            </a:extLst>
+          </p:cNvPr>
+          <p:cNvSpPr txBox="1"/>
+          <p:nvPr/>
+        </p:nvSpPr>
+        <p:spPr>
+          <a:xfrm>
+            <a:off x="11484528" y="6493241"/>
+            <a:ext cx="805343" cy="276999"/>
+          </a:xfrm>
+          <a:prstGeom prst="rect">
+            <a:avLst/>
+          </a:prstGeom>
+          <a:noFill/>
+        </p:spPr>
+        <p:txBody>
+          <a:bodyPr wrap="square" rtlCol="0">
+            <a:spAutoFit/>
+          </a:bodyPr>
+          <a:lstStyle/>
+          <a:p>
+            <a:r>
+              <a:rPr lang="en-US" sz="1200" dirty="0"/>
+              <a:t>13</a:t>
+            </a:r>
+          </a:p>
+        </p:txBody>
+      </p:sp>
     </p:spTree>
     <p:extLst>
       <p:ext uri="{BB962C8B-B14F-4D97-AF65-F5344CB8AC3E}">
@@ -10011,13 +10576,6 @@
   <p:clrMapOvr>
     <a:masterClrMapping/>
   </p:clrMapOvr>
-  <p:timing>
-    <p:tnLst>
-      <p:par>
-        <p:cTn id="1" dur="indefinite" restart="never" nodeType="tmRoot"/>
-      </p:par>
-    </p:tnLst>
-  </p:timing>
 </p:sld>
 </file>
 
@@ -10051,7 +10609,7 @@
           <p:cNvPr id="2" name="文字方塊 9">
             <a:extLst>
               <a:ext uri="{FF2B5EF4-FFF2-40B4-BE49-F238E27FC236}">
-                <a16:creationId xmlns:a16="http://schemas.microsoft.com/office/drawing/2014/main" xmlns="" id="{1472181F-E1C9-5B4B-AC5F-B6ABF9C576B7}"/>
+                <a16:creationId xmlns:a16="http://schemas.microsoft.com/office/drawing/2014/main" id="{1472181F-E1C9-5B4B-AC5F-B6ABF9C576B7}"/>
               </a:ext>
             </a:extLst>
           </p:cNvPr>
@@ -10099,7 +10657,7 @@
           <p:cNvPr id="4" name="Picture 3">
             <a:extLst>
               <a:ext uri="{FF2B5EF4-FFF2-40B4-BE49-F238E27FC236}">
-                <a16:creationId xmlns:a16="http://schemas.microsoft.com/office/drawing/2014/main" xmlns="" id="{01A05A17-4134-CB42-BA18-D7A967D0F2DB}"/>
+                <a16:creationId xmlns:a16="http://schemas.microsoft.com/office/drawing/2014/main" id="{01A05A17-4134-CB42-BA18-D7A967D0F2DB}"/>
               </a:ext>
             </a:extLst>
           </p:cNvPr>
@@ -10135,7 +10693,7 @@
           <p:cNvPr id="5" name="TextBox 4">
             <a:extLst>
               <a:ext uri="{FF2B5EF4-FFF2-40B4-BE49-F238E27FC236}">
-                <a16:creationId xmlns:a16="http://schemas.microsoft.com/office/drawing/2014/main" xmlns="" id="{7143B78D-B6B3-474D-B531-66EC4DED1CA1}"/>
+                <a16:creationId xmlns:a16="http://schemas.microsoft.com/office/drawing/2014/main" id="{7143B78D-B6B3-474D-B531-66EC4DED1CA1}"/>
               </a:ext>
             </a:extLst>
           </p:cNvPr>
@@ -10171,6 +10729,41 @@
               <a:t>RoBERTa</a:t>
             </a:r>
             <a:endParaRPr lang="en-US" sz="2500" b="1" dirty="0"/>
+          </a:p>
+        </p:txBody>
+      </p:sp>
+      <p:sp>
+        <p:nvSpPr>
+          <p:cNvPr id="6" name="文字方塊 5">
+            <a:extLst>
+              <a:ext uri="{FF2B5EF4-FFF2-40B4-BE49-F238E27FC236}">
+                <a16:creationId xmlns:a16="http://schemas.microsoft.com/office/drawing/2014/main" id="{F1369C88-80E7-407E-80FA-2D871FE3345B}"/>
+              </a:ext>
+            </a:extLst>
+          </p:cNvPr>
+          <p:cNvSpPr txBox="1"/>
+          <p:nvPr/>
+        </p:nvSpPr>
+        <p:spPr>
+          <a:xfrm>
+            <a:off x="11484528" y="6493241"/>
+            <a:ext cx="805343" cy="276999"/>
+          </a:xfrm>
+          <a:prstGeom prst="rect">
+            <a:avLst/>
+          </a:prstGeom>
+          <a:noFill/>
+        </p:spPr>
+        <p:txBody>
+          <a:bodyPr wrap="square" rtlCol="0">
+            <a:spAutoFit/>
+          </a:bodyPr>
+          <a:lstStyle/>
+          <a:p>
+            <a:r>
+              <a:rPr lang="en-US" sz="1200" dirty="0"/>
+              <a:t>14</a:t>
+            </a:r>
           </a:p>
         </p:txBody>
       </p:sp>
@@ -10184,13 +10777,6 @@
   <p:clrMapOvr>
     <a:masterClrMapping/>
   </p:clrMapOvr>
-  <p:timing>
-    <p:tnLst>
-      <p:par>
-        <p:cTn id="1" dur="indefinite" restart="never" nodeType="tmRoot"/>
-      </p:par>
-    </p:tnLst>
-  </p:timing>
 </p:sld>
 </file>
 
@@ -10224,7 +10810,7 @@
           <p:cNvPr id="2" name="文字方塊 9">
             <a:extLst>
               <a:ext uri="{FF2B5EF4-FFF2-40B4-BE49-F238E27FC236}">
-                <a16:creationId xmlns:a16="http://schemas.microsoft.com/office/drawing/2014/main" xmlns="" id="{1472181F-E1C9-5B4B-AC5F-B6ABF9C576B7}"/>
+                <a16:creationId xmlns:a16="http://schemas.microsoft.com/office/drawing/2014/main" id="{1472181F-E1C9-5B4B-AC5F-B6ABF9C576B7}"/>
               </a:ext>
             </a:extLst>
           </p:cNvPr>
@@ -10259,7 +10845,7 @@
           <p:cNvPr id="4" name="Picture 3">
             <a:extLst>
               <a:ext uri="{FF2B5EF4-FFF2-40B4-BE49-F238E27FC236}">
-                <a16:creationId xmlns:a16="http://schemas.microsoft.com/office/drawing/2014/main" xmlns="" id="{C4D9BF90-F101-B548-82AE-FAC79A08ABF4}"/>
+                <a16:creationId xmlns:a16="http://schemas.microsoft.com/office/drawing/2014/main" id="{C4D9BF90-F101-B548-82AE-FAC79A08ABF4}"/>
               </a:ext>
             </a:extLst>
           </p:cNvPr>
@@ -10290,6 +10876,41 @@
           </a:prstGeom>
         </p:spPr>
       </p:pic>
+      <p:sp>
+        <p:nvSpPr>
+          <p:cNvPr id="5" name="文字方塊 4">
+            <a:extLst>
+              <a:ext uri="{FF2B5EF4-FFF2-40B4-BE49-F238E27FC236}">
+                <a16:creationId xmlns:a16="http://schemas.microsoft.com/office/drawing/2014/main" id="{181B9430-086A-4BD7-9B44-D493315FC3AE}"/>
+              </a:ext>
+            </a:extLst>
+          </p:cNvPr>
+          <p:cNvSpPr txBox="1"/>
+          <p:nvPr/>
+        </p:nvSpPr>
+        <p:spPr>
+          <a:xfrm>
+            <a:off x="11484528" y="6493241"/>
+            <a:ext cx="805343" cy="276999"/>
+          </a:xfrm>
+          <a:prstGeom prst="rect">
+            <a:avLst/>
+          </a:prstGeom>
+          <a:noFill/>
+        </p:spPr>
+        <p:txBody>
+          <a:bodyPr wrap="square" rtlCol="0">
+            <a:spAutoFit/>
+          </a:bodyPr>
+          <a:lstStyle/>
+          <a:p>
+            <a:r>
+              <a:rPr lang="en-US" sz="1200" dirty="0"/>
+              <a:t>15</a:t>
+            </a:r>
+          </a:p>
+        </p:txBody>
+      </p:sp>
     </p:spTree>
     <p:extLst>
       <p:ext uri="{BB962C8B-B14F-4D97-AF65-F5344CB8AC3E}">
@@ -10300,13 +10921,6 @@
   <p:clrMapOvr>
     <a:masterClrMapping/>
   </p:clrMapOvr>
-  <p:timing>
-    <p:tnLst>
-      <p:par>
-        <p:cTn id="1" dur="indefinite" restart="never" nodeType="tmRoot"/>
-      </p:par>
-    </p:tnLst>
-  </p:timing>
 </p:sld>
 </file>
 
@@ -10340,7 +10954,7 @@
           <p:cNvPr id="2" name="文字方塊 9">
             <a:extLst>
               <a:ext uri="{FF2B5EF4-FFF2-40B4-BE49-F238E27FC236}">
-                <a16:creationId xmlns:a16="http://schemas.microsoft.com/office/drawing/2014/main" xmlns="" id="{1472181F-E1C9-5B4B-AC5F-B6ABF9C576B7}"/>
+                <a16:creationId xmlns:a16="http://schemas.microsoft.com/office/drawing/2014/main" id="{1472181F-E1C9-5B4B-AC5F-B6ABF9C576B7}"/>
               </a:ext>
             </a:extLst>
           </p:cNvPr>
@@ -10375,7 +10989,7 @@
           <p:cNvPr id="3" name="文字方塊 2">
             <a:extLst>
               <a:ext uri="{FF2B5EF4-FFF2-40B4-BE49-F238E27FC236}">
-                <a16:creationId xmlns:a16="http://schemas.microsoft.com/office/drawing/2014/main" xmlns="" id="{F40C8BBC-9339-4C5C-A66C-50E9ED01322F}"/>
+                <a16:creationId xmlns:a16="http://schemas.microsoft.com/office/drawing/2014/main" id="{F40C8BBC-9339-4C5C-A66C-50E9ED01322F}"/>
               </a:ext>
             </a:extLst>
           </p:cNvPr>
@@ -10403,33 +11017,22 @@
                 <a:latin typeface="Calibri" panose="020F0502020204030204" pitchFamily="34" charset="0"/>
                 <a:cs typeface="Calibri" panose="020F0502020204030204" pitchFamily="34" charset="0"/>
               </a:rPr>
-              <a:t>We introduced a language representation model called </a:t>
-            </a:r>
-            <a:r>
-              <a:rPr lang="en-US" sz="2200" dirty="0" smtClean="0">
-                <a:latin typeface="Calibri" panose="020F0502020204030204" pitchFamily="34" charset="0"/>
-                <a:cs typeface="Calibri" panose="020F0502020204030204" pitchFamily="34" charset="0"/>
-              </a:rPr>
-              <a:t>EDM-</a:t>
-            </a:r>
-            <a:r>
-              <a:rPr lang="en-US" sz="2200" dirty="0" err="1" smtClean="0">
+              <a:t>We introduced a language representation model called EDM-</a:t>
+            </a:r>
+            <a:r>
+              <a:rPr lang="en-US" sz="2200" dirty="0" err="1">
                 <a:latin typeface="Calibri" panose="020F0502020204030204" pitchFamily="34" charset="0"/>
                 <a:cs typeface="Calibri" panose="020F0502020204030204" pitchFamily="34" charset="0"/>
               </a:rPr>
               <a:t>RoBERTa</a:t>
             </a:r>
             <a:r>
-              <a:rPr lang="en-US" sz="2200" dirty="0" smtClean="0">
+              <a:rPr lang="en-US" sz="2200" dirty="0">
                 <a:latin typeface="Calibri" panose="020F0502020204030204" pitchFamily="34" charset="0"/>
                 <a:cs typeface="Calibri" panose="020F0502020204030204" pitchFamily="34" charset="0"/>
               </a:rPr>
               <a:t>.</a:t>
             </a:r>
-            <a:endParaRPr lang="en-US" sz="2200" dirty="0">
-              <a:latin typeface="Calibri" panose="020F0502020204030204" pitchFamily="34" charset="0"/>
-              <a:cs typeface="Calibri" panose="020F0502020204030204" pitchFamily="34" charset="0"/>
-            </a:endParaRPr>
           </a:p>
         </p:txBody>
       </p:sp>
@@ -10438,7 +11041,7 @@
           <p:cNvPr id="4" name="文字方塊 3">
             <a:extLst>
               <a:ext uri="{FF2B5EF4-FFF2-40B4-BE49-F238E27FC236}">
-                <a16:creationId xmlns:a16="http://schemas.microsoft.com/office/drawing/2014/main" xmlns="" id="{535C972E-20D5-4DCB-AFBB-E1252A03BA81}"/>
+                <a16:creationId xmlns:a16="http://schemas.microsoft.com/office/drawing/2014/main" id="{535C972E-20D5-4DCB-AFBB-E1252A03BA81}"/>
               </a:ext>
             </a:extLst>
           </p:cNvPr>
@@ -10480,149 +11083,54 @@
                 <a:latin typeface="Calibri" panose="020F0502020204030204" pitchFamily="34" charset="0"/>
                 <a:cs typeface="Calibri" panose="020F0502020204030204" pitchFamily="34" charset="0"/>
               </a:rPr>
-              <a:t> is designed to improve the dependency mechanism, and </a:t>
-            </a:r>
-            <a:r>
-              <a:rPr lang="en-US" sz="2200" dirty="0" smtClean="0">
-                <a:latin typeface="Calibri" panose="020F0502020204030204" pitchFamily="34" charset="0"/>
-                <a:cs typeface="Calibri" panose="020F0502020204030204" pitchFamily="34" charset="0"/>
-              </a:rPr>
-              <a:t>fine-tune </a:t>
-            </a:r>
+              <a:t> is designed to improve the dependency mechanism, and fine-tune the whole </a:t>
+            </a:r>
+          </a:p>
+          <a:p>
             <a:r>
               <a:rPr lang="en-US" sz="2200" dirty="0">
                 <a:latin typeface="Calibri" panose="020F0502020204030204" pitchFamily="34" charset="0"/>
                 <a:cs typeface="Calibri" panose="020F0502020204030204" pitchFamily="34" charset="0"/>
               </a:rPr>
-              <a:t>the whole </a:t>
-            </a:r>
-          </a:p>
+              <a:t>model with sentiment analysis datasets.</a:t>
+            </a:r>
+          </a:p>
+        </p:txBody>
+      </p:sp>
+      <p:sp>
+        <p:nvSpPr>
+          <p:cNvPr id="5" name="文字方塊 4">
+            <a:extLst>
+              <a:ext uri="{FF2B5EF4-FFF2-40B4-BE49-F238E27FC236}">
+                <a16:creationId xmlns:a16="http://schemas.microsoft.com/office/drawing/2014/main" id="{1ED8058D-F274-4F85-8FE0-141F54DE55C1}"/>
+              </a:ext>
+            </a:extLst>
+          </p:cNvPr>
+          <p:cNvSpPr txBox="1"/>
+          <p:nvPr/>
+        </p:nvSpPr>
+        <p:spPr>
+          <a:xfrm>
+            <a:off x="1110517" y="4002140"/>
+            <a:ext cx="10661060" cy="769441"/>
+          </a:xfrm>
+          <a:prstGeom prst="rect">
+            <a:avLst/>
+          </a:prstGeom>
+          <a:noFill/>
+        </p:spPr>
+        <p:txBody>
+          <a:bodyPr wrap="none" rtlCol="0">
+            <a:spAutoFit/>
+          </a:bodyPr>
+          <a:lstStyle/>
           <a:p>
             <a:r>
               <a:rPr lang="en-US" sz="2200" dirty="0">
                 <a:latin typeface="Calibri" panose="020F0502020204030204" pitchFamily="34" charset="0"/>
                 <a:cs typeface="Calibri" panose="020F0502020204030204" pitchFamily="34" charset="0"/>
               </a:rPr>
-              <a:t>model with </a:t>
-            </a:r>
-            <a:r>
-              <a:rPr lang="en-US" sz="2200" dirty="0">
-                <a:latin typeface="Calibri" panose="020F0502020204030204" pitchFamily="34" charset="0"/>
-                <a:cs typeface="Calibri" panose="020F0502020204030204" pitchFamily="34" charset="0"/>
-              </a:rPr>
-              <a:t>s</a:t>
-            </a:r>
-            <a:r>
-              <a:rPr lang="en-US" sz="2200" dirty="0" smtClean="0">
-                <a:latin typeface="Calibri" panose="020F0502020204030204" pitchFamily="34" charset="0"/>
-                <a:cs typeface="Calibri" panose="020F0502020204030204" pitchFamily="34" charset="0"/>
-              </a:rPr>
-              <a:t>entiment </a:t>
-            </a:r>
-            <a:r>
-              <a:rPr lang="en-US" sz="2200" dirty="0">
-                <a:latin typeface="Calibri" panose="020F0502020204030204" pitchFamily="34" charset="0"/>
-                <a:cs typeface="Calibri" panose="020F0502020204030204" pitchFamily="34" charset="0"/>
-              </a:rPr>
-              <a:t>a</a:t>
-            </a:r>
-            <a:r>
-              <a:rPr lang="en-US" sz="2200" dirty="0" smtClean="0">
-                <a:latin typeface="Calibri" panose="020F0502020204030204" pitchFamily="34" charset="0"/>
-                <a:cs typeface="Calibri" panose="020F0502020204030204" pitchFamily="34" charset="0"/>
-              </a:rPr>
-              <a:t>nalysis </a:t>
-            </a:r>
-            <a:r>
-              <a:rPr lang="en-US" sz="2200" dirty="0" smtClean="0">
-                <a:latin typeface="Calibri" panose="020F0502020204030204" pitchFamily="34" charset="0"/>
-                <a:cs typeface="Calibri" panose="020F0502020204030204" pitchFamily="34" charset="0"/>
-              </a:rPr>
-              <a:t>d</a:t>
-            </a:r>
-            <a:r>
-              <a:rPr lang="en-US" sz="2200" dirty="0" smtClean="0">
-                <a:latin typeface="Calibri" panose="020F0502020204030204" pitchFamily="34" charset="0"/>
-                <a:cs typeface="Calibri" panose="020F0502020204030204" pitchFamily="34" charset="0"/>
-              </a:rPr>
-              <a:t>atasets.</a:t>
-            </a:r>
-            <a:endParaRPr lang="en-US" sz="2200" dirty="0">
-              <a:latin typeface="Calibri" panose="020F0502020204030204" pitchFamily="34" charset="0"/>
-              <a:cs typeface="Calibri" panose="020F0502020204030204" pitchFamily="34" charset="0"/>
-            </a:endParaRPr>
-          </a:p>
-        </p:txBody>
-      </p:sp>
-      <p:sp>
-        <p:nvSpPr>
-          <p:cNvPr id="5" name="文字方塊 4">
-            <a:extLst>
-              <a:ext uri="{FF2B5EF4-FFF2-40B4-BE49-F238E27FC236}">
-                <a16:creationId xmlns:a16="http://schemas.microsoft.com/office/drawing/2014/main" xmlns="" id="{1ED8058D-F274-4F85-8FE0-141F54DE55C1}"/>
-              </a:ext>
-            </a:extLst>
-          </p:cNvPr>
-          <p:cNvSpPr txBox="1"/>
-          <p:nvPr/>
-        </p:nvSpPr>
-        <p:spPr>
-          <a:xfrm>
-            <a:off x="1110517" y="4002140"/>
-            <a:ext cx="10661060" cy="769441"/>
-          </a:xfrm>
-          <a:prstGeom prst="rect">
-            <a:avLst/>
-          </a:prstGeom>
-          <a:noFill/>
-        </p:spPr>
-        <p:txBody>
-          <a:bodyPr wrap="none" rtlCol="0">
-            <a:spAutoFit/>
-          </a:bodyPr>
-          <a:lstStyle/>
-          <a:p>
-            <a:r>
-              <a:rPr lang="en-US" sz="2200" dirty="0">
-                <a:latin typeface="Calibri" panose="020F0502020204030204" pitchFamily="34" charset="0"/>
-                <a:cs typeface="Calibri" panose="020F0502020204030204" pitchFamily="34" charset="0"/>
-              </a:rPr>
-              <a:t>Experiments and statistics show </a:t>
-            </a:r>
-            <a:r>
-              <a:rPr lang="en-US" sz="2200" dirty="0" smtClean="0">
-                <a:latin typeface="Calibri" panose="020F0502020204030204" pitchFamily="34" charset="0"/>
-                <a:cs typeface="Calibri" panose="020F0502020204030204" pitchFamily="34" charset="0"/>
-              </a:rPr>
-              <a:t>our proposed</a:t>
-            </a:r>
-            <a:r>
-              <a:rPr lang="en-US" sz="2200" dirty="0" smtClean="0">
-                <a:latin typeface="Calibri" panose="020F0502020204030204" pitchFamily="34" charset="0"/>
-                <a:cs typeface="Calibri" panose="020F0502020204030204" pitchFamily="34" charset="0"/>
-              </a:rPr>
-              <a:t> </a:t>
-            </a:r>
-            <a:r>
-              <a:rPr lang="en-US" sz="2200" dirty="0">
-                <a:latin typeface="Calibri" panose="020F0502020204030204" pitchFamily="34" charset="0"/>
-                <a:cs typeface="Calibri" panose="020F0502020204030204" pitchFamily="34" charset="0"/>
-              </a:rPr>
-              <a:t>model </a:t>
-            </a:r>
-            <a:r>
-              <a:rPr lang="en-US" sz="2200" dirty="0" smtClean="0">
-                <a:latin typeface="Calibri" panose="020F0502020204030204" pitchFamily="34" charset="0"/>
-                <a:cs typeface="Calibri" panose="020F0502020204030204" pitchFamily="34" charset="0"/>
-              </a:rPr>
-              <a:t>successfully </a:t>
-            </a:r>
-            <a:r>
-              <a:rPr lang="en-US" sz="2200" dirty="0">
-                <a:latin typeface="Calibri" panose="020F0502020204030204" pitchFamily="34" charset="0"/>
-                <a:cs typeface="Calibri" panose="020F0502020204030204" pitchFamily="34" charset="0"/>
-              </a:rPr>
-              <a:t>enhance the dependency </a:t>
+              <a:t>Experiments and statistics show our proposed model successfully enhance the dependency </a:t>
             </a:r>
           </a:p>
           <a:p>
@@ -10641,7 +11149,7 @@
           <p:cNvPr id="6" name="文字方塊 5">
             <a:extLst>
               <a:ext uri="{FF2B5EF4-FFF2-40B4-BE49-F238E27FC236}">
-                <a16:creationId xmlns:a16="http://schemas.microsoft.com/office/drawing/2014/main" xmlns="" id="{4F61AFF0-1A69-4A7E-B1DF-D76B12F32D41}"/>
+                <a16:creationId xmlns:a16="http://schemas.microsoft.com/office/drawing/2014/main" id="{4F61AFF0-1A69-4A7E-B1DF-D76B12F32D41}"/>
               </a:ext>
             </a:extLst>
           </p:cNvPr>
@@ -10683,67 +11191,91 @@
                 <a:latin typeface="Calibri" panose="020F0502020204030204" pitchFamily="34" charset="0"/>
                 <a:cs typeface="Calibri" panose="020F0502020204030204" pitchFamily="34" charset="0"/>
               </a:rPr>
-              <a:t> outperforms conventional pre-trained </a:t>
-            </a:r>
-            <a:r>
-              <a:rPr lang="en-US" sz="2200" dirty="0" smtClean="0">
-                <a:latin typeface="Calibri" panose="020F0502020204030204" pitchFamily="34" charset="0"/>
-                <a:cs typeface="Calibri" panose="020F0502020204030204" pitchFamily="34" charset="0"/>
-              </a:rPr>
-              <a:t>models, including Seq2Seq, BERT, </a:t>
-            </a:r>
-            <a:r>
-              <a:rPr lang="en-US" sz="2200" dirty="0" err="1" smtClean="0">
+              <a:t> outperforms conventional pre-trained models, including Seq2Seq, BERT, </a:t>
+            </a:r>
+            <a:r>
+              <a:rPr lang="en-US" sz="2200" dirty="0" err="1">
                 <a:latin typeface="Calibri" panose="020F0502020204030204" pitchFamily="34" charset="0"/>
                 <a:cs typeface="Calibri" panose="020F0502020204030204" pitchFamily="34" charset="0"/>
               </a:rPr>
               <a:t>RoBERTa</a:t>
             </a:r>
             <a:r>
-              <a:rPr lang="en-US" sz="2200" dirty="0" smtClean="0">
+              <a:rPr lang="en-US" sz="2200" dirty="0">
                 <a:latin typeface="Calibri" panose="020F0502020204030204" pitchFamily="34" charset="0"/>
                 <a:cs typeface="Calibri" panose="020F0502020204030204" pitchFamily="34" charset="0"/>
               </a:rPr>
               <a:t>,</a:t>
             </a:r>
             <a:br>
-              <a:rPr lang="en-US" sz="2200" dirty="0" smtClean="0">
+              <a:rPr lang="en-US" sz="2200" dirty="0">
                 <a:latin typeface="Calibri" panose="020F0502020204030204" pitchFamily="34" charset="0"/>
                 <a:cs typeface="Calibri" panose="020F0502020204030204" pitchFamily="34" charset="0"/>
               </a:rPr>
             </a:br>
             <a:r>
-              <a:rPr lang="en-US" sz="2200" dirty="0" err="1" smtClean="0">
+              <a:rPr lang="en-US" sz="2200" dirty="0" err="1">
                 <a:latin typeface="Calibri" panose="020F0502020204030204" pitchFamily="34" charset="0"/>
                 <a:cs typeface="Calibri" panose="020F0502020204030204" pitchFamily="34" charset="0"/>
               </a:rPr>
               <a:t>XLNet</a:t>
             </a:r>
             <a:r>
-              <a:rPr lang="en-US" sz="2200" dirty="0" smtClean="0">
+              <a:rPr lang="en-US" sz="2200" dirty="0">
                 <a:latin typeface="Calibri" panose="020F0502020204030204" pitchFamily="34" charset="0"/>
                 <a:cs typeface="Calibri" panose="020F0502020204030204" pitchFamily="34" charset="0"/>
               </a:rPr>
               <a:t>, and </a:t>
             </a:r>
             <a:r>
-              <a:rPr lang="en-US" sz="2200" dirty="0" err="1" smtClean="0">
+              <a:rPr lang="en-US" sz="2200" dirty="0" err="1">
                 <a:latin typeface="Calibri" panose="020F0502020204030204" pitchFamily="34" charset="0"/>
                 <a:cs typeface="Calibri" panose="020F0502020204030204" pitchFamily="34" charset="0"/>
               </a:rPr>
               <a:t>DistilBERT</a:t>
             </a:r>
             <a:r>
-              <a:rPr lang="en-US" sz="2200" dirty="0" smtClean="0">
+              <a:rPr lang="en-US" sz="2200" dirty="0">
                 <a:latin typeface="Calibri" panose="020F0502020204030204" pitchFamily="34" charset="0"/>
                 <a:cs typeface="Calibri" panose="020F0502020204030204" pitchFamily="34" charset="0"/>
               </a:rPr>
               <a:t>.</a:t>
             </a:r>
-            <a:endParaRPr lang="en-US" sz="2200" dirty="0">
-              <a:latin typeface="Calibri" panose="020F0502020204030204" pitchFamily="34" charset="0"/>
-              <a:cs typeface="Calibri" panose="020F0502020204030204" pitchFamily="34" charset="0"/>
-            </a:endParaRPr>
+          </a:p>
+        </p:txBody>
+      </p:sp>
+      <p:sp>
+        <p:nvSpPr>
+          <p:cNvPr id="7" name="文字方塊 6">
+            <a:extLst>
+              <a:ext uri="{FF2B5EF4-FFF2-40B4-BE49-F238E27FC236}">
+                <a16:creationId xmlns:a16="http://schemas.microsoft.com/office/drawing/2014/main" id="{35E60E60-825F-4F55-A1A1-6BB19B615797}"/>
+              </a:ext>
+            </a:extLst>
+          </p:cNvPr>
+          <p:cNvSpPr txBox="1"/>
+          <p:nvPr/>
+        </p:nvSpPr>
+        <p:spPr>
+          <a:xfrm>
+            <a:off x="11484528" y="6493241"/>
+            <a:ext cx="805343" cy="276999"/>
+          </a:xfrm>
+          <a:prstGeom prst="rect">
+            <a:avLst/>
+          </a:prstGeom>
+          <a:noFill/>
+        </p:spPr>
+        <p:txBody>
+          <a:bodyPr wrap="square" rtlCol="0">
+            <a:spAutoFit/>
+          </a:bodyPr>
+          <a:lstStyle/>
+          <a:p>
+            <a:r>
+              <a:rPr lang="en-US" sz="1200" dirty="0"/>
+              <a:t>16</a:t>
+            </a:r>
           </a:p>
         </p:txBody>
       </p:sp>
@@ -10757,13 +11289,6 @@
   <p:clrMapOvr>
     <a:masterClrMapping/>
   </p:clrMapOvr>
-  <p:timing>
-    <p:tnLst>
-      <p:par>
-        <p:cTn id="1" dur="indefinite" restart="never" nodeType="tmRoot"/>
-      </p:par>
-    </p:tnLst>
-  </p:timing>
 </p:sld>
 </file>
 
@@ -10789,7 +11314,7 @@
           <p:cNvPr id="3" name="TextBox 2">
             <a:extLst>
               <a:ext uri="{FF2B5EF4-FFF2-40B4-BE49-F238E27FC236}">
-                <a16:creationId xmlns:a16="http://schemas.microsoft.com/office/drawing/2014/main" xmlns="" id="{5EE55C47-AE59-E04E-9F74-44AF926D0C17}"/>
+                <a16:creationId xmlns:a16="http://schemas.microsoft.com/office/drawing/2014/main" id="{5EE55C47-AE59-E04E-9F74-44AF926D0C17}"/>
               </a:ext>
             </a:extLst>
           </p:cNvPr>
@@ -10817,7 +11342,7 @@
               <a:t>Enhancing the Dependency Mechanism of </a:t>
             </a:r>
             <a:r>
-              <a:rPr lang="en-US" sz="3000" b="1" dirty="0" err="1" smtClean="0"/>
+              <a:rPr lang="en-US" sz="3000" b="1" dirty="0" err="1"/>
               <a:t>RoBERTa</a:t>
             </a:r>
             <a:endParaRPr lang="en-US" sz="3000" b="1" dirty="0"/>
@@ -10829,7 +11354,7 @@
           <p:cNvPr id="4" name="TextBox 3">
             <a:extLst>
               <a:ext uri="{FF2B5EF4-FFF2-40B4-BE49-F238E27FC236}">
-                <a16:creationId xmlns:a16="http://schemas.microsoft.com/office/drawing/2014/main" xmlns="" id="{1DB80405-79F9-894C-BEFE-7E73F99E0F76}"/>
+                <a16:creationId xmlns:a16="http://schemas.microsoft.com/office/drawing/2014/main" id="{1DB80405-79F9-894C-BEFE-7E73F99E0F76}"/>
               </a:ext>
             </a:extLst>
           </p:cNvPr>
@@ -10868,7 +11393,7 @@
           <p:cNvPr id="5" name="圖片 4">
             <a:extLst>
               <a:ext uri="{FF2B5EF4-FFF2-40B4-BE49-F238E27FC236}">
-                <a16:creationId xmlns:a16="http://schemas.microsoft.com/office/drawing/2014/main" xmlns="" id="{79DAFDD5-E509-4888-A0D9-C4EA4047A2C6}"/>
+                <a16:creationId xmlns:a16="http://schemas.microsoft.com/office/drawing/2014/main" id="{79DAFDD5-E509-4888-A0D9-C4EA4047A2C6}"/>
               </a:ext>
             </a:extLst>
           </p:cNvPr>
@@ -10899,6 +11424,41 @@
           </a:prstGeom>
         </p:spPr>
       </p:pic>
+      <p:sp>
+        <p:nvSpPr>
+          <p:cNvPr id="2" name="文字方塊 1">
+            <a:extLst>
+              <a:ext uri="{FF2B5EF4-FFF2-40B4-BE49-F238E27FC236}">
+                <a16:creationId xmlns:a16="http://schemas.microsoft.com/office/drawing/2014/main" id="{5F30D373-061A-4C17-BA1D-F9A8D2B156F8}"/>
+              </a:ext>
+            </a:extLst>
+          </p:cNvPr>
+          <p:cNvSpPr txBox="1"/>
+          <p:nvPr/>
+        </p:nvSpPr>
+        <p:spPr>
+          <a:xfrm>
+            <a:off x="11484528" y="6493241"/>
+            <a:ext cx="805343" cy="276999"/>
+          </a:xfrm>
+          <a:prstGeom prst="rect">
+            <a:avLst/>
+          </a:prstGeom>
+          <a:noFill/>
+        </p:spPr>
+        <p:txBody>
+          <a:bodyPr wrap="square" rtlCol="0">
+            <a:spAutoFit/>
+          </a:bodyPr>
+          <a:lstStyle/>
+          <a:p>
+            <a:r>
+              <a:rPr lang="en-US" sz="1200" dirty="0"/>
+              <a:t>1</a:t>
+            </a:r>
+          </a:p>
+        </p:txBody>
+      </p:sp>
     </p:spTree>
     <p:extLst>
       <p:ext uri="{BB962C8B-B14F-4D97-AF65-F5344CB8AC3E}">
@@ -10909,13 +11469,6 @@
   <p:clrMapOvr>
     <a:masterClrMapping/>
   </p:clrMapOvr>
-  <p:timing>
-    <p:tnLst>
-      <p:par>
-        <p:cTn id="1" dur="indefinite" restart="never" nodeType="tmRoot"/>
-      </p:par>
-    </p:tnLst>
-  </p:timing>
 </p:sld>
 </file>
 
@@ -10949,7 +11502,7 @@
           <p:cNvPr id="10" name="文字方塊 9">
             <a:extLst>
               <a:ext uri="{FF2B5EF4-FFF2-40B4-BE49-F238E27FC236}">
-                <a16:creationId xmlns:a16="http://schemas.microsoft.com/office/drawing/2014/main" xmlns="" id="{E94E4CCB-02C7-43A6-BF1E-61E48AFFA5AE}"/>
+                <a16:creationId xmlns:a16="http://schemas.microsoft.com/office/drawing/2014/main" id="{E94E4CCB-02C7-43A6-BF1E-61E48AFFA5AE}"/>
               </a:ext>
             </a:extLst>
           </p:cNvPr>
@@ -10984,7 +11537,7 @@
           <p:cNvPr id="3" name="TextBox 2">
             <a:extLst>
               <a:ext uri="{FF2B5EF4-FFF2-40B4-BE49-F238E27FC236}">
-                <a16:creationId xmlns:a16="http://schemas.microsoft.com/office/drawing/2014/main" xmlns="" id="{4F928205-B2AB-D540-830E-97A413894E8D}"/>
+                <a16:creationId xmlns:a16="http://schemas.microsoft.com/office/drawing/2014/main" id="{4F928205-B2AB-D540-830E-97A413894E8D}"/>
               </a:ext>
             </a:extLst>
           </p:cNvPr>
@@ -11020,13 +11573,8 @@
             </a:r>
             <a:r>
               <a:rPr lang="en-US" sz="2400" dirty="0"/>
-              <a:t>Build a general language model to process with natural </a:t>
-            </a:r>
-            <a:r>
-              <a:rPr lang="en-US" sz="2400" dirty="0" smtClean="0"/>
-              <a:t>language.</a:t>
-            </a:r>
-            <a:endParaRPr lang="en-US" sz="2400" dirty="0"/>
+              <a:t>Build a general language model to process with natural language.</a:t>
+            </a:r>
           </a:p>
         </p:txBody>
       </p:sp>
@@ -11035,7 +11583,7 @@
           <p:cNvPr id="12" name="TextBox 11">
             <a:extLst>
               <a:ext uri="{FF2B5EF4-FFF2-40B4-BE49-F238E27FC236}">
-                <a16:creationId xmlns:a16="http://schemas.microsoft.com/office/drawing/2014/main" xmlns="" id="{4FD940F9-06A3-CF47-ABA0-70E919AA1158}"/>
+                <a16:creationId xmlns:a16="http://schemas.microsoft.com/office/drawing/2014/main" id="{4FD940F9-06A3-CF47-ABA0-70E919AA1158}"/>
               </a:ext>
             </a:extLst>
           </p:cNvPr>
@@ -11059,18 +11607,9 @@
           <a:lstStyle/>
           <a:p>
             <a:r>
-              <a:rPr lang="en-US" sz="2400" dirty="0" smtClean="0"/>
-              <a:t>The </a:t>
-            </a:r>
-            <a:r>
               <a:rPr lang="en-US" sz="2400" dirty="0"/>
-              <a:t>model can be adapted to different NLP tasks by transfer </a:t>
-            </a:r>
-            <a:r>
-              <a:rPr lang="en-US" sz="2400" dirty="0" smtClean="0"/>
-              <a:t>learning.</a:t>
-            </a:r>
-            <a:endParaRPr lang="en-US" sz="2400" dirty="0"/>
+              <a:t>The model can be adapted to different NLP tasks by transfer learning.</a:t>
+            </a:r>
           </a:p>
         </p:txBody>
       </p:sp>
@@ -11079,7 +11618,7 @@
           <p:cNvPr id="14" name="TextBox 13">
             <a:extLst>
               <a:ext uri="{FF2B5EF4-FFF2-40B4-BE49-F238E27FC236}">
-                <a16:creationId xmlns:a16="http://schemas.microsoft.com/office/drawing/2014/main" xmlns="" id="{B15F5DC0-6EF7-E044-B8EB-2173C8FDC683}"/>
+                <a16:creationId xmlns:a16="http://schemas.microsoft.com/office/drawing/2014/main" id="{B15F5DC0-6EF7-E044-B8EB-2173C8FDC683}"/>
               </a:ext>
             </a:extLst>
           </p:cNvPr>
@@ -11111,29 +11650,8 @@
             </a:r>
             <a:r>
               <a:rPr lang="en-US" sz="2400" dirty="0"/>
-              <a:t> </a:t>
-            </a:r>
-            <a:r>
-              <a:rPr lang="en-US" sz="2400" dirty="0" smtClean="0"/>
-              <a:t>Pre-train </a:t>
-            </a:r>
-            <a:r>
-              <a:rPr lang="en-US" sz="2400" dirty="0"/>
-              <a:t>and </a:t>
-            </a:r>
-            <a:r>
-              <a:rPr lang="en-US" sz="2400" dirty="0" smtClean="0"/>
-              <a:t>fine-tune </a:t>
-            </a:r>
-            <a:r>
-              <a:rPr lang="en-US" sz="2400" dirty="0"/>
-              <a:t>the language </a:t>
-            </a:r>
-            <a:r>
-              <a:rPr lang="en-US" sz="2400" dirty="0" smtClean="0"/>
-              <a:t>model.</a:t>
-            </a:r>
-            <a:endParaRPr lang="en-US" sz="2400" dirty="0"/>
+              <a:t> Pre-train and fine-tune the language model.</a:t>
+            </a:r>
           </a:p>
         </p:txBody>
       </p:sp>
@@ -11142,7 +11660,7 @@
           <p:cNvPr id="15" name="TextBox 14">
             <a:extLst>
               <a:ext uri="{FF2B5EF4-FFF2-40B4-BE49-F238E27FC236}">
-                <a16:creationId xmlns:a16="http://schemas.microsoft.com/office/drawing/2014/main" xmlns="" id="{A0DED5E8-05A4-E544-B9B5-81A4E11CD4BB}"/>
+                <a16:creationId xmlns:a16="http://schemas.microsoft.com/office/drawing/2014/main" id="{A0DED5E8-05A4-E544-B9B5-81A4E11CD4BB}"/>
               </a:ext>
             </a:extLst>
           </p:cNvPr>
@@ -11199,6 +11717,41 @@
                 </a:solidFill>
               </a:rPr>
               <a:t>)</a:t>
+            </a:r>
+          </a:p>
+        </p:txBody>
+      </p:sp>
+      <p:sp>
+        <p:nvSpPr>
+          <p:cNvPr id="7" name="文字方塊 6">
+            <a:extLst>
+              <a:ext uri="{FF2B5EF4-FFF2-40B4-BE49-F238E27FC236}">
+                <a16:creationId xmlns:a16="http://schemas.microsoft.com/office/drawing/2014/main" id="{01014077-6B35-4513-8318-D19AD55ABB3C}"/>
+              </a:ext>
+            </a:extLst>
+          </p:cNvPr>
+          <p:cNvSpPr txBox="1"/>
+          <p:nvPr/>
+        </p:nvSpPr>
+        <p:spPr>
+          <a:xfrm>
+            <a:off x="11484528" y="6493241"/>
+            <a:ext cx="805343" cy="276999"/>
+          </a:xfrm>
+          <a:prstGeom prst="rect">
+            <a:avLst/>
+          </a:prstGeom>
+          <a:noFill/>
+        </p:spPr>
+        <p:txBody>
+          <a:bodyPr wrap="square" rtlCol="0">
+            <a:spAutoFit/>
+          </a:bodyPr>
+          <a:lstStyle/>
+          <a:p>
+            <a:r>
+              <a:rPr lang="en-US" sz="1200" dirty="0"/>
+              <a:t>2</a:t>
             </a:r>
           </a:p>
         </p:txBody>
@@ -11213,13 +11766,6 @@
   <p:clrMapOvr>
     <a:masterClrMapping/>
   </p:clrMapOvr>
-  <p:timing>
-    <p:tnLst>
-      <p:par>
-        <p:cTn id="1" dur="indefinite" restart="never" nodeType="tmRoot"/>
-      </p:par>
-    </p:tnLst>
-  </p:timing>
 </p:sld>
 </file>
 
@@ -11253,7 +11799,7 @@
           <p:cNvPr id="10" name="文字方塊 9">
             <a:extLst>
               <a:ext uri="{FF2B5EF4-FFF2-40B4-BE49-F238E27FC236}">
-                <a16:creationId xmlns:a16="http://schemas.microsoft.com/office/drawing/2014/main" xmlns="" id="{E94E4CCB-02C7-43A6-BF1E-61E48AFFA5AE}"/>
+                <a16:creationId xmlns:a16="http://schemas.microsoft.com/office/drawing/2014/main" id="{E94E4CCB-02C7-43A6-BF1E-61E48AFFA5AE}"/>
               </a:ext>
             </a:extLst>
           </p:cNvPr>
@@ -11262,8 +11808,8 @@
         </p:nvSpPr>
         <p:spPr>
           <a:xfrm>
-            <a:off x="616225" y="569844"/>
-            <a:ext cx="9693544" cy="523220"/>
+            <a:off x="616224" y="569844"/>
+            <a:ext cx="10868303" cy="523220"/>
           </a:xfrm>
           <a:prstGeom prst="rect">
             <a:avLst/>
@@ -11278,15 +11824,7 @@
           <a:p>
             <a:r>
               <a:rPr lang="en-US" sz="2800" b="1" dirty="0"/>
-              <a:t>Flowchart of NLP </a:t>
-            </a:r>
-            <a:r>
-              <a:rPr lang="en-US" sz="2800" b="1" dirty="0" smtClean="0"/>
-              <a:t>Model </a:t>
-            </a:r>
-            <a:r>
-              <a:rPr lang="en-US" sz="2800" b="1" dirty="0"/>
-              <a:t>and Bottleneck Problem </a:t>
+              <a:t>Flowchart of Text Sequences Processing and Bottleneck Problem </a:t>
             </a:r>
           </a:p>
         </p:txBody>
@@ -11296,7 +11834,7 @@
           <p:cNvPr id="4" name="Picture 3">
             <a:extLst>
               <a:ext uri="{FF2B5EF4-FFF2-40B4-BE49-F238E27FC236}">
-                <a16:creationId xmlns:a16="http://schemas.microsoft.com/office/drawing/2014/main" xmlns="" id="{283A6487-7FE0-7344-8B49-BC02C9576B77}"/>
+                <a16:creationId xmlns:a16="http://schemas.microsoft.com/office/drawing/2014/main" id="{283A6487-7FE0-7344-8B49-BC02C9576B77}"/>
               </a:ext>
             </a:extLst>
           </p:cNvPr>
@@ -11332,7 +11870,7 @@
           <p:cNvPr id="6" name="Picture 5">
             <a:extLst>
               <a:ext uri="{FF2B5EF4-FFF2-40B4-BE49-F238E27FC236}">
-                <a16:creationId xmlns:a16="http://schemas.microsoft.com/office/drawing/2014/main" xmlns="" id="{722DFDD4-4509-8547-AED8-E58912951B6E}"/>
+                <a16:creationId xmlns:a16="http://schemas.microsoft.com/office/drawing/2014/main" id="{722DFDD4-4509-8547-AED8-E58912951B6E}"/>
               </a:ext>
             </a:extLst>
           </p:cNvPr>
@@ -11363,6 +11901,41 @@
           </a:prstGeom>
         </p:spPr>
       </p:pic>
+      <p:sp>
+        <p:nvSpPr>
+          <p:cNvPr id="5" name="文字方塊 4">
+            <a:extLst>
+              <a:ext uri="{FF2B5EF4-FFF2-40B4-BE49-F238E27FC236}">
+                <a16:creationId xmlns:a16="http://schemas.microsoft.com/office/drawing/2014/main" id="{EC8A05CD-495D-4F38-BAFB-5486B9D0C972}"/>
+              </a:ext>
+            </a:extLst>
+          </p:cNvPr>
+          <p:cNvSpPr txBox="1"/>
+          <p:nvPr/>
+        </p:nvSpPr>
+        <p:spPr>
+          <a:xfrm>
+            <a:off x="11484528" y="6493241"/>
+            <a:ext cx="805343" cy="276999"/>
+          </a:xfrm>
+          <a:prstGeom prst="rect">
+            <a:avLst/>
+          </a:prstGeom>
+          <a:noFill/>
+        </p:spPr>
+        <p:txBody>
+          <a:bodyPr wrap="square" rtlCol="0">
+            <a:spAutoFit/>
+          </a:bodyPr>
+          <a:lstStyle/>
+          <a:p>
+            <a:r>
+              <a:rPr lang="en-US" sz="1200" dirty="0"/>
+              <a:t>3</a:t>
+            </a:r>
+          </a:p>
+        </p:txBody>
+      </p:sp>
     </p:spTree>
     <p:extLst>
       <p:ext uri="{BB962C8B-B14F-4D97-AF65-F5344CB8AC3E}">
@@ -11373,13 +11946,6 @@
   <p:clrMapOvr>
     <a:masterClrMapping/>
   </p:clrMapOvr>
-  <p:timing>
-    <p:tnLst>
-      <p:par>
-        <p:cTn id="1" dur="indefinite" restart="never" nodeType="tmRoot"/>
-      </p:par>
-    </p:tnLst>
-  </p:timing>
 </p:sld>
 </file>
 
@@ -11413,7 +11979,7 @@
           <p:cNvPr id="10" name="文字方塊 9">
             <a:extLst>
               <a:ext uri="{FF2B5EF4-FFF2-40B4-BE49-F238E27FC236}">
-                <a16:creationId xmlns:a16="http://schemas.microsoft.com/office/drawing/2014/main" xmlns="" id="{E94E4CCB-02C7-43A6-BF1E-61E48AFFA5AE}"/>
+                <a16:creationId xmlns:a16="http://schemas.microsoft.com/office/drawing/2014/main" id="{E94E4CCB-02C7-43A6-BF1E-61E48AFFA5AE}"/>
               </a:ext>
             </a:extLst>
           </p:cNvPr>
@@ -11448,7 +12014,7 @@
           <p:cNvPr id="2" name="TextBox 1">
             <a:extLst>
               <a:ext uri="{FF2B5EF4-FFF2-40B4-BE49-F238E27FC236}">
-                <a16:creationId xmlns:a16="http://schemas.microsoft.com/office/drawing/2014/main" xmlns="" id="{261D8624-67F2-7244-AF41-3AF06403FE4E}"/>
+                <a16:creationId xmlns:a16="http://schemas.microsoft.com/office/drawing/2014/main" id="{261D8624-67F2-7244-AF41-3AF06403FE4E}"/>
               </a:ext>
             </a:extLst>
           </p:cNvPr>
@@ -11518,7 +12084,7 @@
           <p:cNvPr id="7" name="TextBox 6">
             <a:extLst>
               <a:ext uri="{FF2B5EF4-FFF2-40B4-BE49-F238E27FC236}">
-                <a16:creationId xmlns:a16="http://schemas.microsoft.com/office/drawing/2014/main" xmlns="" id="{6E143681-7E2E-5246-B581-AC4B96C2A6CD}"/>
+                <a16:creationId xmlns:a16="http://schemas.microsoft.com/office/drawing/2014/main" id="{6E143681-7E2E-5246-B581-AC4B96C2A6CD}"/>
               </a:ext>
             </a:extLst>
           </p:cNvPr>
@@ -11573,7 +12139,7 @@
           <p:cNvPr id="8" name="TextBox 7">
             <a:extLst>
               <a:ext uri="{FF2B5EF4-FFF2-40B4-BE49-F238E27FC236}">
-                <a16:creationId xmlns:a16="http://schemas.microsoft.com/office/drawing/2014/main" xmlns="" id="{47844ACB-683F-3447-BEAF-1897DF1BE6CF}"/>
+                <a16:creationId xmlns:a16="http://schemas.microsoft.com/office/drawing/2014/main" id="{47844ACB-683F-3447-BEAF-1897DF1BE6CF}"/>
               </a:ext>
             </a:extLst>
           </p:cNvPr>
@@ -11630,6 +12196,41 @@
                 <a:cs typeface="Times New Roman" panose="02020603050405020304" pitchFamily="18" charset="0"/>
               </a:rPr>
               <a:t>”</a:t>
+            </a:r>
+          </a:p>
+        </p:txBody>
+      </p:sp>
+      <p:sp>
+        <p:nvSpPr>
+          <p:cNvPr id="6" name="文字方塊 5">
+            <a:extLst>
+              <a:ext uri="{FF2B5EF4-FFF2-40B4-BE49-F238E27FC236}">
+                <a16:creationId xmlns:a16="http://schemas.microsoft.com/office/drawing/2014/main" id="{21C003A9-2617-40ED-9EDE-961ED5BF9CD4}"/>
+              </a:ext>
+            </a:extLst>
+          </p:cNvPr>
+          <p:cNvSpPr txBox="1"/>
+          <p:nvPr/>
+        </p:nvSpPr>
+        <p:spPr>
+          <a:xfrm>
+            <a:off x="11484528" y="6493241"/>
+            <a:ext cx="805343" cy="276999"/>
+          </a:xfrm>
+          <a:prstGeom prst="rect">
+            <a:avLst/>
+          </a:prstGeom>
+          <a:noFill/>
+        </p:spPr>
+        <p:txBody>
+          <a:bodyPr wrap="square" rtlCol="0">
+            <a:spAutoFit/>
+          </a:bodyPr>
+          <a:lstStyle/>
+          <a:p>
+            <a:r>
+              <a:rPr lang="en-US" sz="1200" dirty="0"/>
+              <a:t>4</a:t>
             </a:r>
           </a:p>
         </p:txBody>
@@ -11644,13 +12245,6 @@
   <p:clrMapOvr>
     <a:masterClrMapping/>
   </p:clrMapOvr>
-  <p:timing>
-    <p:tnLst>
-      <p:par>
-        <p:cTn id="1" dur="indefinite" restart="never" nodeType="tmRoot"/>
-      </p:par>
-    </p:tnLst>
-  </p:timing>
 </p:sld>
 </file>
 
@@ -11684,7 +12278,7 @@
           <p:cNvPr id="10" name="文字方塊 9">
             <a:extLst>
               <a:ext uri="{FF2B5EF4-FFF2-40B4-BE49-F238E27FC236}">
-                <a16:creationId xmlns:a16="http://schemas.microsoft.com/office/drawing/2014/main" xmlns="" id="{E94E4CCB-02C7-43A6-BF1E-61E48AFFA5AE}"/>
+                <a16:creationId xmlns:a16="http://schemas.microsoft.com/office/drawing/2014/main" id="{E94E4CCB-02C7-43A6-BF1E-61E48AFFA5AE}"/>
               </a:ext>
             </a:extLst>
           </p:cNvPr>
@@ -11719,7 +12313,7 @@
           <p:cNvPr id="2" name="TextBox 1">
             <a:extLst>
               <a:ext uri="{FF2B5EF4-FFF2-40B4-BE49-F238E27FC236}">
-                <a16:creationId xmlns:a16="http://schemas.microsoft.com/office/drawing/2014/main" xmlns="" id="{261D8624-67F2-7244-AF41-3AF06403FE4E}"/>
+                <a16:creationId xmlns:a16="http://schemas.microsoft.com/office/drawing/2014/main" id="{261D8624-67F2-7244-AF41-3AF06403FE4E}"/>
               </a:ext>
             </a:extLst>
           </p:cNvPr>
@@ -11728,7 +12322,7 @@
         </p:nvSpPr>
         <p:spPr>
           <a:xfrm>
-            <a:off x="1118678" y="1577235"/>
+            <a:off x="1194713" y="1428041"/>
             <a:ext cx="6652527" cy="461665"/>
           </a:xfrm>
           <a:prstGeom prst="rect">
@@ -11810,7 +12404,7 @@
           <p:cNvPr id="6" name="TextBox 5">
             <a:extLst>
               <a:ext uri="{FF2B5EF4-FFF2-40B4-BE49-F238E27FC236}">
-                <a16:creationId xmlns:a16="http://schemas.microsoft.com/office/drawing/2014/main" xmlns="" id="{0E53FF1D-CE5B-FC4E-A813-2B1BD33775B6}"/>
+                <a16:creationId xmlns:a16="http://schemas.microsoft.com/office/drawing/2014/main" id="{0E53FF1D-CE5B-FC4E-A813-2B1BD33775B6}"/>
               </a:ext>
             </a:extLst>
           </p:cNvPr>
@@ -11819,7 +12413,7 @@
         </p:nvSpPr>
         <p:spPr>
           <a:xfrm>
-            <a:off x="1118679" y="2341442"/>
+            <a:off x="1194713" y="2877113"/>
             <a:ext cx="3864007" cy="461665"/>
           </a:xfrm>
           <a:prstGeom prst="rect">
@@ -11862,7 +12456,7 @@
           <p:cNvPr id="9" name="TextBox 8">
             <a:extLst>
               <a:ext uri="{FF2B5EF4-FFF2-40B4-BE49-F238E27FC236}">
-                <a16:creationId xmlns:a16="http://schemas.microsoft.com/office/drawing/2014/main" xmlns="" id="{303A935E-D1E0-7541-9F0A-8ADE86F3A716}"/>
+                <a16:creationId xmlns:a16="http://schemas.microsoft.com/office/drawing/2014/main" id="{303A935E-D1E0-7541-9F0A-8ADE86F3A716}"/>
               </a:ext>
             </a:extLst>
           </p:cNvPr>
@@ -11871,7 +12465,7 @@
         </p:nvSpPr>
         <p:spPr>
           <a:xfrm>
-            <a:off x="1118678" y="3247332"/>
+            <a:off x="1194713" y="3369277"/>
             <a:ext cx="3238387" cy="461665"/>
           </a:xfrm>
           <a:prstGeom prst="rect">
@@ -11911,7 +12505,7 @@
           <p:cNvPr id="11" name="TextBox 10">
             <a:extLst>
               <a:ext uri="{FF2B5EF4-FFF2-40B4-BE49-F238E27FC236}">
-                <a16:creationId xmlns:a16="http://schemas.microsoft.com/office/drawing/2014/main" xmlns="" id="{F5030FDE-8A5D-3D4B-A646-9223612D5F10}"/>
+                <a16:creationId xmlns:a16="http://schemas.microsoft.com/office/drawing/2014/main" id="{F5030FDE-8A5D-3D4B-A646-9223612D5F10}"/>
               </a:ext>
             </a:extLst>
           </p:cNvPr>
@@ -11953,7 +12547,7 @@
           <p:cNvPr id="12" name="TextBox 11">
             <a:extLst>
               <a:ext uri="{FF2B5EF4-FFF2-40B4-BE49-F238E27FC236}">
-                <a16:creationId xmlns:a16="http://schemas.microsoft.com/office/drawing/2014/main" xmlns="" id="{FEA4928B-0179-8049-B80E-43938973A224}"/>
+                <a16:creationId xmlns:a16="http://schemas.microsoft.com/office/drawing/2014/main" id="{FEA4928B-0179-8049-B80E-43938973A224}"/>
               </a:ext>
             </a:extLst>
           </p:cNvPr>
@@ -11995,7 +12589,7 @@
           <p:cNvPr id="13" name="TextBox 12">
             <a:extLst>
               <a:ext uri="{FF2B5EF4-FFF2-40B4-BE49-F238E27FC236}">
-                <a16:creationId xmlns:a16="http://schemas.microsoft.com/office/drawing/2014/main" xmlns="" id="{31BA6F7F-AC56-3D47-B85E-88757C5B0473}"/>
+                <a16:creationId xmlns:a16="http://schemas.microsoft.com/office/drawing/2014/main" id="{31BA6F7F-AC56-3D47-B85E-88757C5B0473}"/>
               </a:ext>
             </a:extLst>
           </p:cNvPr>
@@ -12037,7 +12631,7 @@
           <p:cNvPr id="14" name="TextBox 13">
             <a:extLst>
               <a:ext uri="{FF2B5EF4-FFF2-40B4-BE49-F238E27FC236}">
-                <a16:creationId xmlns:a16="http://schemas.microsoft.com/office/drawing/2014/main" xmlns="" id="{B96E33F1-322D-3E4A-9CFC-14869396E459}"/>
+                <a16:creationId xmlns:a16="http://schemas.microsoft.com/office/drawing/2014/main" id="{B96E33F1-322D-3E4A-9CFC-14869396E459}"/>
               </a:ext>
             </a:extLst>
           </p:cNvPr>
@@ -12071,6 +12665,120 @@
               </a:rPr>
               <a:t>SST-5: Rotten Tomatoes Movies Reviews</a:t>
             </a:r>
+          </a:p>
+        </p:txBody>
+      </p:sp>
+      <p:sp>
+        <p:nvSpPr>
+          <p:cNvPr id="15" name="文字方塊 14">
+            <a:extLst>
+              <a:ext uri="{FF2B5EF4-FFF2-40B4-BE49-F238E27FC236}">
+                <a16:creationId xmlns:a16="http://schemas.microsoft.com/office/drawing/2014/main" id="{38F2B4A7-DF79-4A21-AB91-4347F5D1DA2F}"/>
+              </a:ext>
+            </a:extLst>
+          </p:cNvPr>
+          <p:cNvSpPr txBox="1"/>
+          <p:nvPr/>
+        </p:nvSpPr>
+        <p:spPr>
+          <a:xfrm>
+            <a:off x="11484528" y="6493241"/>
+            <a:ext cx="805343" cy="276999"/>
+          </a:xfrm>
+          <a:prstGeom prst="rect">
+            <a:avLst/>
+          </a:prstGeom>
+          <a:noFill/>
+        </p:spPr>
+        <p:txBody>
+          <a:bodyPr wrap="square" rtlCol="0">
+            <a:spAutoFit/>
+          </a:bodyPr>
+          <a:lstStyle/>
+          <a:p>
+            <a:r>
+              <a:rPr lang="en-US" sz="1200" dirty="0"/>
+              <a:t>5</a:t>
+            </a:r>
+          </a:p>
+        </p:txBody>
+      </p:sp>
+      <p:sp>
+        <p:nvSpPr>
+          <p:cNvPr id="3" name="文字方塊 2">
+            <a:extLst>
+              <a:ext uri="{FF2B5EF4-FFF2-40B4-BE49-F238E27FC236}">
+                <a16:creationId xmlns:a16="http://schemas.microsoft.com/office/drawing/2014/main" id="{F156AE79-104E-4E70-934B-EB4DD0E3B303}"/>
+              </a:ext>
+            </a:extLst>
+          </p:cNvPr>
+          <p:cNvSpPr txBox="1"/>
+          <p:nvPr/>
+        </p:nvSpPr>
+        <p:spPr>
+          <a:xfrm>
+            <a:off x="2737871" y="1996388"/>
+            <a:ext cx="10450286" cy="769441"/>
+          </a:xfrm>
+          <a:prstGeom prst="rect">
+            <a:avLst/>
+          </a:prstGeom>
+          <a:noFill/>
+        </p:spPr>
+        <p:txBody>
+          <a:bodyPr wrap="square" rtlCol="0">
+            <a:spAutoFit/>
+          </a:bodyPr>
+          <a:lstStyle/>
+          <a:p>
+            <a:r>
+              <a:rPr lang="en-US" sz="2200" dirty="0">
+                <a:latin typeface="Calibri" panose="020F0502020204030204" pitchFamily="34" charset="0"/>
+                <a:cs typeface="Calibri" panose="020F0502020204030204" pitchFamily="34" charset="0"/>
+              </a:rPr>
+              <a:t>Bidirectional Encoder Representation from Transformers (</a:t>
+            </a:r>
+            <a:r>
+              <a:rPr lang="en-US" sz="2200" b="1" dirty="0">
+                <a:latin typeface="Calibri" panose="020F0502020204030204" pitchFamily="34" charset="0"/>
+                <a:cs typeface="Calibri" panose="020F0502020204030204" pitchFamily="34" charset="0"/>
+              </a:rPr>
+              <a:t>BERT</a:t>
+            </a:r>
+            <a:r>
+              <a:rPr lang="en-US" sz="2200" dirty="0">
+                <a:latin typeface="Calibri" panose="020F0502020204030204" pitchFamily="34" charset="0"/>
+                <a:cs typeface="Calibri" panose="020F0502020204030204" pitchFamily="34" charset="0"/>
+              </a:rPr>
+              <a:t>)</a:t>
+            </a:r>
+          </a:p>
+          <a:p>
+            <a:r>
+              <a:rPr lang="en-GB" sz="2200" dirty="0">
+                <a:latin typeface="Calibri" panose="020F0502020204030204" pitchFamily="34" charset="0"/>
+                <a:cs typeface="Calibri" panose="020F0502020204030204" pitchFamily="34" charset="0"/>
+              </a:rPr>
+              <a:t>Robustly optimized BERT approach (</a:t>
+            </a:r>
+            <a:r>
+              <a:rPr lang="en-GB" sz="2200" b="1" dirty="0" err="1">
+                <a:latin typeface="Calibri" panose="020F0502020204030204" pitchFamily="34" charset="0"/>
+                <a:cs typeface="Calibri" panose="020F0502020204030204" pitchFamily="34" charset="0"/>
+              </a:rPr>
+              <a:t>RoBERTa</a:t>
+            </a:r>
+            <a:r>
+              <a:rPr lang="en-GB" sz="2200" dirty="0">
+                <a:latin typeface="Calibri" panose="020F0502020204030204" pitchFamily="34" charset="0"/>
+                <a:cs typeface="Calibri" panose="020F0502020204030204" pitchFamily="34" charset="0"/>
+              </a:rPr>
+              <a:t>)</a:t>
+            </a:r>
+            <a:endParaRPr lang="en-US" sz="2200" dirty="0">
+              <a:latin typeface="Calibri" panose="020F0502020204030204" pitchFamily="34" charset="0"/>
+              <a:cs typeface="Calibri" panose="020F0502020204030204" pitchFamily="34" charset="0"/>
+            </a:endParaRPr>
           </a:p>
         </p:txBody>
       </p:sp>
@@ -12084,13 +12792,6 @@
   <p:clrMapOvr>
     <a:masterClrMapping/>
   </p:clrMapOvr>
-  <p:timing>
-    <p:tnLst>
-      <p:par>
-        <p:cTn id="1" dur="indefinite" restart="never" nodeType="tmRoot"/>
-      </p:par>
-    </p:tnLst>
-  </p:timing>
 </p:sld>
 </file>
 
@@ -12124,7 +12825,7 @@
           <p:cNvPr id="2" name="文字方塊 9">
             <a:extLst>
               <a:ext uri="{FF2B5EF4-FFF2-40B4-BE49-F238E27FC236}">
-                <a16:creationId xmlns:a16="http://schemas.microsoft.com/office/drawing/2014/main" xmlns="" id="{1472181F-E1C9-5B4B-AC5F-B6ABF9C576B7}"/>
+                <a16:creationId xmlns:a16="http://schemas.microsoft.com/office/drawing/2014/main" id="{1472181F-E1C9-5B4B-AC5F-B6ABF9C576B7}"/>
               </a:ext>
             </a:extLst>
           </p:cNvPr>
@@ -12159,7 +12860,7 @@
           <p:cNvPr id="4" name="Picture 3">
             <a:extLst>
               <a:ext uri="{FF2B5EF4-FFF2-40B4-BE49-F238E27FC236}">
-                <a16:creationId xmlns:a16="http://schemas.microsoft.com/office/drawing/2014/main" xmlns="" id="{2AE1B8CB-ADBD-5543-943F-74B8A1A1096E}"/>
+                <a16:creationId xmlns:a16="http://schemas.microsoft.com/office/drawing/2014/main" id="{2AE1B8CB-ADBD-5543-943F-74B8A1A1096E}"/>
               </a:ext>
             </a:extLst>
           </p:cNvPr>
@@ -12195,7 +12896,7 @@
           <p:cNvPr id="5" name="TextBox 4">
             <a:extLst>
               <a:ext uri="{FF2B5EF4-FFF2-40B4-BE49-F238E27FC236}">
-                <a16:creationId xmlns:a16="http://schemas.microsoft.com/office/drawing/2014/main" xmlns="" id="{0F0A5022-A9F2-4143-B927-A449071B04E6}"/>
+                <a16:creationId xmlns:a16="http://schemas.microsoft.com/office/drawing/2014/main" id="{0F0A5022-A9F2-4143-B927-A449071B04E6}"/>
               </a:ext>
             </a:extLst>
           </p:cNvPr>
@@ -12251,7 +12952,7 @@
           <p:cNvPr id="6" name="TextBox 5">
             <a:extLst>
               <a:ext uri="{FF2B5EF4-FFF2-40B4-BE49-F238E27FC236}">
-                <a16:creationId xmlns:a16="http://schemas.microsoft.com/office/drawing/2014/main" xmlns="" id="{F0562E0E-EEBC-9146-9A8A-71CE457A66D7}"/>
+                <a16:creationId xmlns:a16="http://schemas.microsoft.com/office/drawing/2014/main" id="{F0562E0E-EEBC-9146-9A8A-71CE457A66D7}"/>
               </a:ext>
             </a:extLst>
           </p:cNvPr>
@@ -12300,7 +13001,7 @@
           <p:cNvPr id="7" name="TextBox 6">
             <a:extLst>
               <a:ext uri="{FF2B5EF4-FFF2-40B4-BE49-F238E27FC236}">
-                <a16:creationId xmlns:a16="http://schemas.microsoft.com/office/drawing/2014/main" xmlns="" id="{355704DE-69FB-6741-8A5C-9D7C9D428879}"/>
+                <a16:creationId xmlns:a16="http://schemas.microsoft.com/office/drawing/2014/main" id="{355704DE-69FB-6741-8A5C-9D7C9D428879}"/>
               </a:ext>
             </a:extLst>
           </p:cNvPr>
@@ -12411,7 +13112,7 @@
           <p:cNvPr id="8" name="TextBox 7">
             <a:extLst>
               <a:ext uri="{FF2B5EF4-FFF2-40B4-BE49-F238E27FC236}">
-                <a16:creationId xmlns:a16="http://schemas.microsoft.com/office/drawing/2014/main" xmlns="" id="{AE4EEBC1-28CD-AF45-8054-CC75A4A30072}"/>
+                <a16:creationId xmlns:a16="http://schemas.microsoft.com/office/drawing/2014/main" id="{AE4EEBC1-28CD-AF45-8054-CC75A4A30072}"/>
               </a:ext>
             </a:extLst>
           </p:cNvPr>
@@ -12463,7 +13164,7 @@
           <p:cNvPr id="10" name="TextBox 4">
             <a:extLst>
               <a:ext uri="{FF2B5EF4-FFF2-40B4-BE49-F238E27FC236}">
-                <a16:creationId xmlns:a16="http://schemas.microsoft.com/office/drawing/2014/main" xmlns="" id="{63537FB0-121E-415E-8CFE-3EBE420ABEE7}"/>
+                <a16:creationId xmlns:a16="http://schemas.microsoft.com/office/drawing/2014/main" id="{63537FB0-121E-415E-8CFE-3EBE420ABEE7}"/>
               </a:ext>
             </a:extLst>
           </p:cNvPr>
@@ -12497,6 +13198,41 @@
               <a:latin typeface="Calibri" panose="020F0502020204030204" pitchFamily="34" charset="0"/>
               <a:cs typeface="Calibri" panose="020F0502020204030204" pitchFamily="34" charset="0"/>
             </a:endParaRPr>
+          </a:p>
+        </p:txBody>
+      </p:sp>
+      <p:sp>
+        <p:nvSpPr>
+          <p:cNvPr id="9" name="文字方塊 8">
+            <a:extLst>
+              <a:ext uri="{FF2B5EF4-FFF2-40B4-BE49-F238E27FC236}">
+                <a16:creationId xmlns:a16="http://schemas.microsoft.com/office/drawing/2014/main" id="{F226C00B-405D-4E5A-8892-4520896AD1A8}"/>
+              </a:ext>
+            </a:extLst>
+          </p:cNvPr>
+          <p:cNvSpPr txBox="1"/>
+          <p:nvPr/>
+        </p:nvSpPr>
+        <p:spPr>
+          <a:xfrm>
+            <a:off x="11484528" y="6493241"/>
+            <a:ext cx="805343" cy="276999"/>
+          </a:xfrm>
+          <a:prstGeom prst="rect">
+            <a:avLst/>
+          </a:prstGeom>
+          <a:noFill/>
+        </p:spPr>
+        <p:txBody>
+          <a:bodyPr wrap="square" rtlCol="0">
+            <a:spAutoFit/>
+          </a:bodyPr>
+          <a:lstStyle/>
+          <a:p>
+            <a:r>
+              <a:rPr lang="en-US" sz="1200" dirty="0"/>
+              <a:t>6</a:t>
+            </a:r>
           </a:p>
         </p:txBody>
       </p:sp>
@@ -12510,13 +13246,6 @@
   <p:clrMapOvr>
     <a:masterClrMapping/>
   </p:clrMapOvr>
-  <p:timing>
-    <p:tnLst>
-      <p:par>
-        <p:cTn id="1" dur="indefinite" restart="never" nodeType="tmRoot"/>
-      </p:par>
-    </p:tnLst>
-  </p:timing>
 </p:sld>
 </file>
 
@@ -12550,7 +13279,7 @@
           <p:cNvPr id="2" name="文字方塊 9">
             <a:extLst>
               <a:ext uri="{FF2B5EF4-FFF2-40B4-BE49-F238E27FC236}">
-                <a16:creationId xmlns:a16="http://schemas.microsoft.com/office/drawing/2014/main" xmlns="" id="{1472181F-E1C9-5B4B-AC5F-B6ABF9C576B7}"/>
+                <a16:creationId xmlns:a16="http://schemas.microsoft.com/office/drawing/2014/main" id="{1472181F-E1C9-5B4B-AC5F-B6ABF9C576B7}"/>
               </a:ext>
             </a:extLst>
           </p:cNvPr>
@@ -12585,7 +13314,7 @@
           <p:cNvPr id="12" name="TextBox 11">
             <a:extLst>
               <a:ext uri="{FF2B5EF4-FFF2-40B4-BE49-F238E27FC236}">
-                <a16:creationId xmlns:a16="http://schemas.microsoft.com/office/drawing/2014/main" xmlns="" id="{BADF6B0D-70A2-C543-A968-7B986D74325C}"/>
+                <a16:creationId xmlns:a16="http://schemas.microsoft.com/office/drawing/2014/main" id="{BADF6B0D-70A2-C543-A968-7B986D74325C}"/>
               </a:ext>
             </a:extLst>
           </p:cNvPr>
@@ -12627,7 +13356,7 @@
           <p:cNvPr id="4" name="圖片 3">
             <a:extLst>
               <a:ext uri="{FF2B5EF4-FFF2-40B4-BE49-F238E27FC236}">
-                <a16:creationId xmlns:a16="http://schemas.microsoft.com/office/drawing/2014/main" xmlns="" id="{E4E23801-30FF-482F-98A2-6E26DDF23DC6}"/>
+                <a16:creationId xmlns:a16="http://schemas.microsoft.com/office/drawing/2014/main" id="{E4E23801-30FF-482F-98A2-6E26DDF23DC6}"/>
               </a:ext>
             </a:extLst>
           </p:cNvPr>
@@ -12662,7 +13391,7 @@
           <p:cNvPr id="6" name="Picture 5">
             <a:extLst>
               <a:ext uri="{FF2B5EF4-FFF2-40B4-BE49-F238E27FC236}">
-                <a16:creationId xmlns:a16="http://schemas.microsoft.com/office/drawing/2014/main" xmlns="" id="{B8E806E6-B826-3B46-B210-8D486570DE5E}"/>
+                <a16:creationId xmlns:a16="http://schemas.microsoft.com/office/drawing/2014/main" id="{B8E806E6-B826-3B46-B210-8D486570DE5E}"/>
               </a:ext>
             </a:extLst>
           </p:cNvPr>
@@ -12693,6 +13422,41 @@
           </a:prstGeom>
         </p:spPr>
       </p:pic>
+      <p:sp>
+        <p:nvSpPr>
+          <p:cNvPr id="7" name="文字方塊 6">
+            <a:extLst>
+              <a:ext uri="{FF2B5EF4-FFF2-40B4-BE49-F238E27FC236}">
+                <a16:creationId xmlns:a16="http://schemas.microsoft.com/office/drawing/2014/main" id="{7886FB91-0482-40E5-9FBB-F504CBB62D77}"/>
+              </a:ext>
+            </a:extLst>
+          </p:cNvPr>
+          <p:cNvSpPr txBox="1"/>
+          <p:nvPr/>
+        </p:nvSpPr>
+        <p:spPr>
+          <a:xfrm>
+            <a:off x="11484528" y="6493241"/>
+            <a:ext cx="805343" cy="276999"/>
+          </a:xfrm>
+          <a:prstGeom prst="rect">
+            <a:avLst/>
+          </a:prstGeom>
+          <a:noFill/>
+        </p:spPr>
+        <p:txBody>
+          <a:bodyPr wrap="square" rtlCol="0">
+            <a:spAutoFit/>
+          </a:bodyPr>
+          <a:lstStyle/>
+          <a:p>
+            <a:r>
+              <a:rPr lang="en-US" sz="1200" dirty="0"/>
+              <a:t>7</a:t>
+            </a:r>
+          </a:p>
+        </p:txBody>
+      </p:sp>
     </p:spTree>
     <p:extLst>
       <p:ext uri="{BB962C8B-B14F-4D97-AF65-F5344CB8AC3E}">
@@ -12703,13 +13467,6 @@
   <p:clrMapOvr>
     <a:masterClrMapping/>
   </p:clrMapOvr>
-  <p:timing>
-    <p:tnLst>
-      <p:par>
-        <p:cTn id="1" dur="indefinite" restart="never" nodeType="tmRoot"/>
-      </p:par>
-    </p:tnLst>
-  </p:timing>
 </p:sld>
 </file>
 
@@ -12743,7 +13500,7 @@
           <p:cNvPr id="2" name="文字方塊 9">
             <a:extLst>
               <a:ext uri="{FF2B5EF4-FFF2-40B4-BE49-F238E27FC236}">
-                <a16:creationId xmlns:a16="http://schemas.microsoft.com/office/drawing/2014/main" xmlns="" id="{1472181F-E1C9-5B4B-AC5F-B6ABF9C576B7}"/>
+                <a16:creationId xmlns:a16="http://schemas.microsoft.com/office/drawing/2014/main" id="{1472181F-E1C9-5B4B-AC5F-B6ABF9C576B7}"/>
               </a:ext>
             </a:extLst>
           </p:cNvPr>
@@ -12778,7 +13535,7 @@
           <p:cNvPr id="5" name="TextBox 4">
             <a:extLst>
               <a:ext uri="{FF2B5EF4-FFF2-40B4-BE49-F238E27FC236}">
-                <a16:creationId xmlns:a16="http://schemas.microsoft.com/office/drawing/2014/main" xmlns="" id="{0F0A5022-A9F2-4143-B927-A449071B04E6}"/>
+                <a16:creationId xmlns:a16="http://schemas.microsoft.com/office/drawing/2014/main" id="{0F0A5022-A9F2-4143-B927-A449071B04E6}"/>
               </a:ext>
             </a:extLst>
           </p:cNvPr>
@@ -12820,7 +13577,7 @@
           <p:cNvPr id="8" name="Graphic 7">
             <a:extLst>
               <a:ext uri="{FF2B5EF4-FFF2-40B4-BE49-F238E27FC236}">
-                <a16:creationId xmlns:a16="http://schemas.microsoft.com/office/drawing/2014/main" xmlns="" id="{ED9A1A52-F217-754E-A733-83DA33FECBD7}"/>
+                <a16:creationId xmlns:a16="http://schemas.microsoft.com/office/drawing/2014/main" id="{ED9A1A52-F217-754E-A733-83DA33FECBD7}"/>
               </a:ext>
             </a:extLst>
           </p:cNvPr>
@@ -12836,7 +13593,7 @@
                 <a14:useLocalDpi xmlns:a14="http://schemas.microsoft.com/office/drawing/2010/main" val="0"/>
               </a:ext>
               <a:ext uri="{96DAC541-7B7A-43D3-8B79-37D633B846F1}">
-                <asvg:svgBlip xmlns:asvg="http://schemas.microsoft.com/office/drawing/2016/SVG/main" xmlns="" r:embed="rId4"/>
+                <asvg:svgBlip xmlns:asvg="http://schemas.microsoft.com/office/drawing/2016/SVG/main" r:embed="rId4"/>
               </a:ext>
             </a:extLst>
           </a:blip>
@@ -12859,7 +13616,7 @@
           <p:cNvPr id="11" name="Graphic 10">
             <a:extLst>
               <a:ext uri="{FF2B5EF4-FFF2-40B4-BE49-F238E27FC236}">
-                <a16:creationId xmlns:a16="http://schemas.microsoft.com/office/drawing/2014/main" xmlns="" id="{556628F3-2664-9F45-9E3D-A5F441A60F44}"/>
+                <a16:creationId xmlns:a16="http://schemas.microsoft.com/office/drawing/2014/main" id="{556628F3-2664-9F45-9E3D-A5F441A60F44}"/>
               </a:ext>
             </a:extLst>
           </p:cNvPr>
@@ -12875,7 +13632,7 @@
                 <a14:useLocalDpi xmlns:a14="http://schemas.microsoft.com/office/drawing/2010/main" val="0"/>
               </a:ext>
               <a:ext uri="{96DAC541-7B7A-43D3-8B79-37D633B846F1}">
-                <asvg:svgBlip xmlns:asvg="http://schemas.microsoft.com/office/drawing/2016/SVG/main" xmlns="" r:embed="rId6"/>
+                <asvg:svgBlip xmlns:asvg="http://schemas.microsoft.com/office/drawing/2016/SVG/main" r:embed="rId6"/>
               </a:ext>
             </a:extLst>
           </a:blip>
@@ -12898,7 +13655,7 @@
           <p:cNvPr id="12" name="TextBox 11">
             <a:extLst>
               <a:ext uri="{FF2B5EF4-FFF2-40B4-BE49-F238E27FC236}">
-                <a16:creationId xmlns:a16="http://schemas.microsoft.com/office/drawing/2014/main" xmlns="" id="{BADF6B0D-70A2-C543-A968-7B986D74325C}"/>
+                <a16:creationId xmlns:a16="http://schemas.microsoft.com/office/drawing/2014/main" id="{BADF6B0D-70A2-C543-A968-7B986D74325C}"/>
               </a:ext>
             </a:extLst>
           </p:cNvPr>
@@ -12940,7 +13697,7 @@
           <p:cNvPr id="4" name="圖片 3">
             <a:extLst>
               <a:ext uri="{FF2B5EF4-FFF2-40B4-BE49-F238E27FC236}">
-                <a16:creationId xmlns:a16="http://schemas.microsoft.com/office/drawing/2014/main" xmlns="" id="{E4E23801-30FF-482F-98A2-6E26DDF23DC6}"/>
+                <a16:creationId xmlns:a16="http://schemas.microsoft.com/office/drawing/2014/main" id="{E4E23801-30FF-482F-98A2-6E26DDF23DC6}"/>
               </a:ext>
             </a:extLst>
           </p:cNvPr>
@@ -12993,10 +13750,45 @@
           <a:lstStyle/>
           <a:p>
             <a:r>
-              <a:rPr lang="en-US" altLang="zh-TW" dirty="0" smtClean="0"/>
+              <a:rPr lang="en-US" altLang="zh-TW" dirty="0"/>
               <a:t>W</a:t>
             </a:r>
             <a:endParaRPr lang="zh-TW" altLang="en-US" dirty="0"/>
+          </a:p>
+        </p:txBody>
+      </p:sp>
+      <p:sp>
+        <p:nvSpPr>
+          <p:cNvPr id="9" name="文字方塊 8">
+            <a:extLst>
+              <a:ext uri="{FF2B5EF4-FFF2-40B4-BE49-F238E27FC236}">
+                <a16:creationId xmlns:a16="http://schemas.microsoft.com/office/drawing/2014/main" id="{3D5ACCB8-6422-4619-B5BC-16878077F822}"/>
+              </a:ext>
+            </a:extLst>
+          </p:cNvPr>
+          <p:cNvSpPr txBox="1"/>
+          <p:nvPr/>
+        </p:nvSpPr>
+        <p:spPr>
+          <a:xfrm>
+            <a:off x="11484528" y="6493241"/>
+            <a:ext cx="805343" cy="276999"/>
+          </a:xfrm>
+          <a:prstGeom prst="rect">
+            <a:avLst/>
+          </a:prstGeom>
+          <a:noFill/>
+        </p:spPr>
+        <p:txBody>
+          <a:bodyPr wrap="square" rtlCol="0">
+            <a:spAutoFit/>
+          </a:bodyPr>
+          <a:lstStyle/>
+          <a:p>
+            <a:r>
+              <a:rPr lang="en-US" sz="1200" dirty="0"/>
+              <a:t>8</a:t>
+            </a:r>
           </a:p>
         </p:txBody>
       </p:sp>
@@ -13010,13 +13802,6 @@
   <p:clrMapOvr>
     <a:masterClrMapping/>
   </p:clrMapOvr>
-  <p:timing>
-    <p:tnLst>
-      <p:par>
-        <p:cTn id="1" dur="indefinite" restart="never" nodeType="tmRoot"/>
-      </p:par>
-    </p:tnLst>
-  </p:timing>
 </p:sld>
 </file>
 

--- a/Lab/REP.pptx
+++ b/Lab/REP.pptx
@@ -249,7 +249,7 @@
                 <a:ea typeface="Microsoft JhengHei UI" panose="020B0604030504040204" pitchFamily="34" charset="-120"/>
                 <a:sym typeface="Microsoft JhengHei UI" panose="020B0604030504040204" pitchFamily="34" charset="-120"/>
               </a:rPr>
-              <a:t>2020/12/29</a:t>
+              <a:t>2020/12/30</a:t>
             </a:fld>
             <a:endParaRPr lang="en-US" altLang="zh-TW" dirty="0">
               <a:latin typeface="Microsoft JhengHei UI" panose="020B0604030504040204" pitchFamily="34" charset="-120"/>
@@ -458,7 +458,7 @@
             <a:fld id="{AA006804-164C-4CDA-8F38-2D5258C292C6}" type="datetime1">
               <a:rPr lang="zh-TW" altLang="en-US" smtClean="0"/>
               <a:pPr/>
-              <a:t>2020/12/29</a:t>
+              <a:t>2020/12/30</a:t>
             </a:fld>
             <a:endParaRPr lang="zh-TW" altLang="en-US" dirty="0"/>
           </a:p>
@@ -8781,7 +8781,7 @@
         <p:spPr>
           <a:xfrm>
             <a:off x="1407138" y="1797784"/>
-            <a:ext cx="7824578" cy="1631216"/>
+            <a:ext cx="8047256" cy="1631216"/>
           </a:xfrm>
           <a:prstGeom prst="rect">
             <a:avLst/>
@@ -8789,7 +8789,7 @@
           <a:noFill/>
         </p:spPr>
         <p:txBody>
-          <a:bodyPr wrap="none" rtlCol="0">
+          <a:bodyPr wrap="square" rtlCol="0">
             <a:spAutoFit/>
           </a:bodyPr>
           <a:lstStyle/>
@@ -9050,7 +9050,7 @@
                 <a:latin typeface="+mn-lt"/>
                 <a:ea typeface="DFKai-SB" panose="03000509000000000000" pitchFamily="65" charset="-120"/>
               </a:rPr>
-              <a:t>        張炎清 教授</a:t>
+              <a:t>         張炎清 教授</a:t>
             </a:r>
             <a:endParaRPr lang="en-US" altLang="zh-TW" sz="2200" b="1" i="0" dirty="0">
               <a:latin typeface="+mn-lt"/>
@@ -11650,7 +11650,7 @@
             </a:r>
             <a:r>
               <a:rPr lang="en-US" sz="2400" dirty="0"/>
-              <a:t> Pre-train and fine-tune the language model.</a:t>
+              <a:t>  Pre-train and fine-tune the language model.</a:t>
             </a:r>
           </a:p>
         </p:txBody>
@@ -14630,15 +14630,6 @@
 </file>
 
 <file path=customXml/item1.xml><?xml version="1.0" encoding="utf-8"?>
-<p:properties xmlns:p="http://schemas.microsoft.com/office/2006/metadata/properties" xmlns:xsi="http://www.w3.org/2001/XMLSchema-instance" xmlns:pc="http://schemas.microsoft.com/office/infopath/2007/PartnerControls">
-  <documentManagement>
-    <_ip_UnifiedCompliancePolicyUIAction xmlns="http://schemas.microsoft.com/sharepoint/v3" xsi:nil="true"/>
-    <_ip_UnifiedCompliancePolicyProperties xmlns="http://schemas.microsoft.com/sharepoint/v3" xsi:nil="true"/>
-  </documentManagement>
-</p:properties>
-</file>
-
-<file path=customXml/item2.xml><?xml version="1.0" encoding="utf-8"?>
 <ct:contentTypeSchema xmlns:ct="http://schemas.microsoft.com/office/2006/metadata/contentType" xmlns:ma="http://schemas.microsoft.com/office/2006/metadata/properties/metaAttributes" ct:_="" ma:_="" ma:contentTypeName="Document" ma:contentTypeID="0x010100DEEA25CC0A0AC24199CDC46C25B8B0BC" ma:contentTypeVersion="9" ma:contentTypeDescription="Create a new document." ma:contentTypeScope="" ma:versionID="76e25e1730b4532ab1d5e5b131a96a5a">
   <xsd:schema xmlns:xsd="http://www.w3.org/2001/XMLSchema" xmlns:xs="http://www.w3.org/2001/XMLSchema" xmlns:p="http://schemas.microsoft.com/office/2006/metadata/properties" xmlns:ns1="http://schemas.microsoft.com/sharepoint/v3" xmlns:ns2="6dc4bcd6-49db-4c07-9060-8acfc67cef9f" xmlns:ns3="fb0879af-3eba-417a-a55a-ffe6dcd6ca77" targetNamespace="http://schemas.microsoft.com/office/2006/metadata/properties" ma:root="true" ma:fieldsID="ad1e9281a84c4949647088091c718de3" ns1:_="" ns2:_="" ns3:_="">
     <xsd:import namespace="http://schemas.microsoft.com/sharepoint/v3"/>
@@ -14840,25 +14831,16 @@
 </ct:contentTypeSchema>
 </file>
 
-<file path=customXml/itemProps1.xml><?xml version="1.0" encoding="utf-8"?>
-<ds:datastoreItem xmlns:ds="http://schemas.openxmlformats.org/officeDocument/2006/customXml" ds:itemID="{8FB61CFE-D4DA-4753-A9A5-D482B9609A35}">
-  <ds:schemaRefs>
-    <ds:schemaRef ds:uri="http://schemas.microsoft.com/office/2006/metadata/properties"/>
-    <ds:schemaRef ds:uri="http://schemas.openxmlformats.org/package/2006/metadata/core-properties"/>
-    <ds:schemaRef ds:uri="http://purl.org/dc/elements/1.1/"/>
-    <ds:schemaRef ds:uri="http://schemas.microsoft.com/office/2006/documentManagement/types"/>
-    <ds:schemaRef ds:uri="http://schemas.microsoft.com/sharepoint/v3"/>
-    <ds:schemaRef ds:uri="http://purl.org/dc/terms/"/>
-    <ds:schemaRef ds:uri="http://schemas.microsoft.com/office/infopath/2007/PartnerControls"/>
-    <ds:schemaRef ds:uri="http://www.w3.org/XML/1998/namespace"/>
-    <ds:schemaRef ds:uri="fb0879af-3eba-417a-a55a-ffe6dcd6ca77"/>
-    <ds:schemaRef ds:uri="6dc4bcd6-49db-4c07-9060-8acfc67cef9f"/>
-    <ds:schemaRef ds:uri="http://purl.org/dc/dcmitype/"/>
-  </ds:schemaRefs>
-</ds:datastoreItem>
+<file path=customXml/item2.xml><?xml version="1.0" encoding="utf-8"?>
+<p:properties xmlns:p="http://schemas.microsoft.com/office/2006/metadata/properties" xmlns:xsi="http://www.w3.org/2001/XMLSchema-instance" xmlns:pc="http://schemas.microsoft.com/office/infopath/2007/PartnerControls">
+  <documentManagement>
+    <_ip_UnifiedCompliancePolicyUIAction xmlns="http://schemas.microsoft.com/sharepoint/v3" xsi:nil="true"/>
+    <_ip_UnifiedCompliancePolicyProperties xmlns="http://schemas.microsoft.com/sharepoint/v3" xsi:nil="true"/>
+  </documentManagement>
+</p:properties>
 </file>
 
-<file path=customXml/itemProps2.xml><?xml version="1.0" encoding="utf-8"?>
+<file path=customXml/itemProps1.xml><?xml version="1.0" encoding="utf-8"?>
 <ds:datastoreItem xmlns:ds="http://schemas.openxmlformats.org/officeDocument/2006/customXml" ds:itemID="{58A784AD-7888-482C-A72A-80D3063962ED}">
   <ds:schemaRefs>
     <ds:schemaRef ds:uri="http://schemas.microsoft.com/office/2006/metadata/contentType"/>
@@ -14876,4 +14858,22 @@
     <ds:schemaRef ds:uri="http://schemas.microsoft.com/internal/obd"/>
   </ds:schemaRefs>
 </ds:datastoreItem>
+</file>
+
+<file path=customXml/itemProps2.xml><?xml version="1.0" encoding="utf-8"?>
+<ds:datastoreItem xmlns:ds="http://schemas.openxmlformats.org/officeDocument/2006/customXml" ds:itemID="{8FB61CFE-D4DA-4753-A9A5-D482B9609A35}">
+  <ds:schemaRefs>
+    <ds:schemaRef ds:uri="http://schemas.microsoft.com/office/2006/metadata/properties"/>
+    <ds:schemaRef ds:uri="http://schemas.openxmlformats.org/package/2006/metadata/core-properties"/>
+    <ds:schemaRef ds:uri="http://purl.org/dc/elements/1.1/"/>
+    <ds:schemaRef ds:uri="http://schemas.microsoft.com/office/2006/documentManagement/types"/>
+    <ds:schemaRef ds:uri="http://schemas.microsoft.com/sharepoint/v3"/>
+    <ds:schemaRef ds:uri="http://purl.org/dc/terms/"/>
+    <ds:schemaRef ds:uri="http://schemas.microsoft.com/office/infopath/2007/PartnerControls"/>
+    <ds:schemaRef ds:uri="http://www.w3.org/XML/1998/namespace"/>
+    <ds:schemaRef ds:uri="fb0879af-3eba-417a-a55a-ffe6dcd6ca77"/>
+    <ds:schemaRef ds:uri="6dc4bcd6-49db-4c07-9060-8acfc67cef9f"/>
+    <ds:schemaRef ds:uri="http://purl.org/dc/dcmitype/"/>
+  </ds:schemaRefs>
+</ds:datastoreItem>
 </file>
--- a/Lab/REP.pptx
+++ b/Lab/REP.pptx
@@ -249,7 +249,7 @@
                 <a:ea typeface="Microsoft JhengHei UI" panose="020B0604030504040204" pitchFamily="34" charset="-120"/>
                 <a:sym typeface="Microsoft JhengHei UI" panose="020B0604030504040204" pitchFamily="34" charset="-120"/>
               </a:rPr>
-              <a:t>2020/12/30</a:t>
+              <a:t>2020/12/31</a:t>
             </a:fld>
             <a:endParaRPr lang="en-US" altLang="zh-TW" dirty="0">
               <a:latin typeface="Microsoft JhengHei UI" panose="020B0604030504040204" pitchFamily="34" charset="-120"/>
@@ -458,7 +458,7 @@
             <a:fld id="{AA006804-164C-4CDA-8F38-2D5258C292C6}" type="datetime1">
               <a:rPr lang="zh-TW" altLang="en-US" smtClean="0"/>
               <a:pPr/>
-              <a:t>2020/12/30</a:t>
+              <a:t>2020/12/31</a:t>
             </a:fld>
             <a:endParaRPr lang="zh-TW" altLang="en-US" dirty="0"/>
           </a:p>
@@ -8780,8 +8780,8 @@
         </p:nvSpPr>
         <p:spPr>
           <a:xfrm>
-            <a:off x="1407138" y="1797784"/>
-            <a:ext cx="8047256" cy="1631216"/>
+            <a:off x="1319067" y="1797784"/>
+            <a:ext cx="8775150" cy="1631216"/>
           </a:xfrm>
           <a:prstGeom prst="rect">
             <a:avLst/>
@@ -9146,7 +9146,7 @@
         </p:nvSpPr>
         <p:spPr>
           <a:xfrm>
-            <a:off x="1575830" y="1640863"/>
+            <a:off x="1272901" y="1621886"/>
             <a:ext cx="3588931" cy="461665"/>
           </a:xfrm>
           <a:prstGeom prst="rect">
@@ -9188,7 +9188,7 @@
         </p:nvSpPr>
         <p:spPr>
           <a:xfrm>
-            <a:off x="2154803" y="2456953"/>
+            <a:off x="1773335" y="2428904"/>
             <a:ext cx="9500541" cy="461665"/>
           </a:xfrm>
           <a:prstGeom prst="rect">
@@ -9227,7 +9227,7 @@
         </p:nvSpPr>
         <p:spPr>
           <a:xfrm>
-            <a:off x="2154802" y="3169363"/>
+            <a:off x="1773334" y="3141314"/>
             <a:ext cx="9500541" cy="461665"/>
           </a:xfrm>
           <a:prstGeom prst="rect">
@@ -9247,7 +9247,7 @@
             </a:pPr>
             <a:r>
               <a:rPr lang="en-US" sz="2400" dirty="0"/>
-              <a:t>Each layers uses different linear transformations.</a:t>
+              <a:t>Each layer uses different linear transformations.</a:t>
             </a:r>
           </a:p>
         </p:txBody>
@@ -9266,7 +9266,7 @@
         </p:nvSpPr>
         <p:spPr>
           <a:xfrm>
-            <a:off x="2154802" y="3881773"/>
+            <a:off x="1773334" y="3853724"/>
             <a:ext cx="9500541" cy="461665"/>
           </a:xfrm>
           <a:prstGeom prst="rect">
@@ -9305,7 +9305,7 @@
           </p:cNvPicPr>
           <p:nvPr/>
         </p:nvPicPr>
-        <p:blipFill>
+        <p:blipFill rotWithShape="1">
           <a:blip r:embed="rId3" cstate="print">
             <a:extLst>
               <a:ext uri="{28A0092B-C50C-407E-A947-70E740481C1C}">
@@ -9313,14 +9313,13 @@
               </a:ext>
             </a:extLst>
           </a:blip>
-          <a:stretch>
-            <a:fillRect/>
-          </a:stretch>
+          <a:srcRect t="30505"/>
+          <a:stretch/>
         </p:blipFill>
         <p:spPr>
           <a:xfrm>
-            <a:off x="7569640" y="4703970"/>
-            <a:ext cx="3962401" cy="1584186"/>
+            <a:off x="7721105" y="4712245"/>
+            <a:ext cx="3962401" cy="1099076"/>
           </a:xfrm>
           <a:prstGeom prst="rect">
             <a:avLst/>
@@ -9829,12 +9828,219 @@
           </a:p>
         </p:txBody>
       </p:sp>
+      <p:sp>
+        <p:nvSpPr>
+          <p:cNvPr id="11" name="TextBox 10">
+            <a:extLst>
+              <a:ext uri="{FF2B5EF4-FFF2-40B4-BE49-F238E27FC236}">
+                <a16:creationId xmlns:a16="http://schemas.microsoft.com/office/drawing/2014/main" id="{047DF914-B467-334D-87BF-6ED281A9340C}"/>
+              </a:ext>
+            </a:extLst>
+          </p:cNvPr>
+          <p:cNvSpPr txBox="1"/>
+          <p:nvPr/>
+        </p:nvSpPr>
+        <p:spPr>
+          <a:xfrm>
+            <a:off x="1516651" y="3684012"/>
+            <a:ext cx="9561079" cy="461665"/>
+          </a:xfrm>
+          <a:prstGeom prst="rect">
+            <a:avLst/>
+          </a:prstGeom>
+          <a:noFill/>
+        </p:spPr>
+        <p:txBody>
+          <a:bodyPr wrap="square" rtlCol="0">
+            <a:spAutoFit/>
+          </a:bodyPr>
+          <a:lstStyle/>
+          <a:p>
+            <a:pPr marL="342900" indent="-342900">
+              <a:buFont typeface="Wingdings" pitchFamily="2" charset="2"/>
+              <a:buChar char="§"/>
+            </a:pPr>
+            <a:r>
+              <a:rPr lang="en-US" sz="2400" b="1" dirty="0">
+                <a:latin typeface="Calibri" panose="020F0502020204030204" pitchFamily="34" charset="0"/>
+                <a:cs typeface="Calibri" panose="020F0502020204030204" pitchFamily="34" charset="0"/>
+              </a:rPr>
+              <a:t>Activation Function:   </a:t>
+            </a:r>
+            <a:r>
+              <a:rPr lang="en-US" sz="2400" dirty="0">
+                <a:latin typeface="Times New Roman" panose="02020603050405020304" pitchFamily="18" charset="0"/>
+                <a:cs typeface="Times New Roman" panose="02020603050405020304" pitchFamily="18" charset="0"/>
+              </a:rPr>
+              <a:t>Gaussian Error Linear Unit (GELU)</a:t>
+            </a:r>
+          </a:p>
+        </p:txBody>
+      </p:sp>
+      <p:sp>
+        <p:nvSpPr>
+          <p:cNvPr id="12" name="TextBox 11">
+            <a:extLst>
+              <a:ext uri="{FF2B5EF4-FFF2-40B4-BE49-F238E27FC236}">
+                <a16:creationId xmlns:a16="http://schemas.microsoft.com/office/drawing/2014/main" id="{87F6B32E-0BBB-5943-984B-398FF49AE20E}"/>
+              </a:ext>
+            </a:extLst>
+          </p:cNvPr>
+          <p:cNvSpPr txBox="1"/>
+          <p:nvPr/>
+        </p:nvSpPr>
+        <p:spPr>
+          <a:xfrm>
+            <a:off x="952373" y="4496984"/>
+            <a:ext cx="5692392" cy="461665"/>
+          </a:xfrm>
+          <a:prstGeom prst="rect">
+            <a:avLst/>
+          </a:prstGeom>
+          <a:noFill/>
+        </p:spPr>
+        <p:txBody>
+          <a:bodyPr wrap="none" rtlCol="0">
+            <a:spAutoFit/>
+          </a:bodyPr>
+          <a:lstStyle/>
+          <a:p>
+            <a:pPr marL="342900" indent="-342900">
+              <a:buFont typeface="Arial" panose="020B0604020202020204" pitchFamily="34" charset="0"/>
+              <a:buChar char="•"/>
+            </a:pPr>
+            <a:r>
+              <a:rPr lang="en-US" sz="2400" dirty="0">
+                <a:latin typeface="Calibri" panose="020F0502020204030204" pitchFamily="34" charset="0"/>
+                <a:cs typeface="Calibri" panose="020F0502020204030204" pitchFamily="34" charset="0"/>
+              </a:rPr>
+              <a:t>Models: BERT, </a:t>
+            </a:r>
+            <a:r>
+              <a:rPr lang="en-US" sz="2400" dirty="0" err="1">
+                <a:latin typeface="Calibri" panose="020F0502020204030204" pitchFamily="34" charset="0"/>
+                <a:cs typeface="Calibri" panose="020F0502020204030204" pitchFamily="34" charset="0"/>
+              </a:rPr>
+              <a:t>RoBERTa</a:t>
+            </a:r>
+            <a:r>
+              <a:rPr lang="en-US" sz="2400" dirty="0">
+                <a:latin typeface="Calibri" panose="020F0502020204030204" pitchFamily="34" charset="0"/>
+                <a:cs typeface="Calibri" panose="020F0502020204030204" pitchFamily="34" charset="0"/>
+              </a:rPr>
+              <a:t>, </a:t>
+            </a:r>
+            <a:r>
+              <a:rPr lang="en-US" sz="2400" dirty="0" err="1">
+                <a:latin typeface="Calibri" panose="020F0502020204030204" pitchFamily="34" charset="0"/>
+                <a:cs typeface="Calibri" panose="020F0502020204030204" pitchFamily="34" charset="0"/>
+              </a:rPr>
+              <a:t>DistilBERT</a:t>
+            </a:r>
+            <a:r>
+              <a:rPr lang="en-US" sz="2400" dirty="0">
+                <a:latin typeface="Calibri" panose="020F0502020204030204" pitchFamily="34" charset="0"/>
+                <a:cs typeface="Calibri" panose="020F0502020204030204" pitchFamily="34" charset="0"/>
+              </a:rPr>
+              <a:t>, </a:t>
+            </a:r>
+            <a:r>
+              <a:rPr lang="en-US" sz="2400" dirty="0" err="1">
+                <a:latin typeface="Calibri" panose="020F0502020204030204" pitchFamily="34" charset="0"/>
+                <a:cs typeface="Calibri" panose="020F0502020204030204" pitchFamily="34" charset="0"/>
+              </a:rPr>
+              <a:t>XLNet</a:t>
+            </a:r>
+            <a:endParaRPr lang="en-US" sz="2400" dirty="0">
+              <a:latin typeface="Calibri" panose="020F0502020204030204" pitchFamily="34" charset="0"/>
+              <a:cs typeface="Calibri" panose="020F0502020204030204" pitchFamily="34" charset="0"/>
+            </a:endParaRPr>
+          </a:p>
+        </p:txBody>
+      </p:sp>
+      <p:sp>
+        <p:nvSpPr>
+          <p:cNvPr id="13" name="TextBox 12">
+            <a:extLst>
+              <a:ext uri="{FF2B5EF4-FFF2-40B4-BE49-F238E27FC236}">
+                <a16:creationId xmlns:a16="http://schemas.microsoft.com/office/drawing/2014/main" id="{EF565234-AACD-4849-9DD1-72F925B48DE6}"/>
+              </a:ext>
+            </a:extLst>
+          </p:cNvPr>
+          <p:cNvSpPr txBox="1"/>
+          <p:nvPr/>
+        </p:nvSpPr>
+        <p:spPr>
+          <a:xfrm>
+            <a:off x="952373" y="5289466"/>
+            <a:ext cx="10008317" cy="461665"/>
+          </a:xfrm>
+          <a:prstGeom prst="rect">
+            <a:avLst/>
+          </a:prstGeom>
+          <a:noFill/>
+        </p:spPr>
+        <p:txBody>
+          <a:bodyPr wrap="none" rtlCol="0">
+            <a:spAutoFit/>
+          </a:bodyPr>
+          <a:lstStyle/>
+          <a:p>
+            <a:pPr marL="342900" indent="-342900">
+              <a:buFont typeface="Arial" panose="020B0604020202020204" pitchFamily="34" charset="0"/>
+              <a:buChar char="•"/>
+            </a:pPr>
+            <a:r>
+              <a:rPr lang="en-US" sz="2400" b="1" dirty="0">
+                <a:latin typeface="Calibri" panose="020F0502020204030204" pitchFamily="34" charset="0"/>
+                <a:cs typeface="Calibri" panose="020F0502020204030204" pitchFamily="34" charset="0"/>
+              </a:rPr>
+              <a:t>Solving the short-term dependency problem of Transformer-based Models</a:t>
+            </a:r>
+          </a:p>
+        </p:txBody>
+      </p:sp>
+      <p:sp>
+        <p:nvSpPr>
+          <p:cNvPr id="9" name="文字方塊 8">
+            <a:extLst>
+              <a:ext uri="{FF2B5EF4-FFF2-40B4-BE49-F238E27FC236}">
+                <a16:creationId xmlns:a16="http://schemas.microsoft.com/office/drawing/2014/main" id="{AE73553F-4114-411F-A6A1-3291FA4B6CF8}"/>
+              </a:ext>
+            </a:extLst>
+          </p:cNvPr>
+          <p:cNvSpPr txBox="1"/>
+          <p:nvPr/>
+        </p:nvSpPr>
+        <p:spPr>
+          <a:xfrm>
+            <a:off x="11484528" y="6493241"/>
+            <a:ext cx="805343" cy="276999"/>
+          </a:xfrm>
+          <a:prstGeom prst="rect">
+            <a:avLst/>
+          </a:prstGeom>
+          <a:noFill/>
+        </p:spPr>
+        <p:txBody>
+          <a:bodyPr wrap="square" rtlCol="0">
+            <a:spAutoFit/>
+          </a:bodyPr>
+          <a:lstStyle/>
+          <a:p>
+            <a:r>
+              <a:rPr lang="en-US" sz="1200" dirty="0"/>
+              <a:t>11</a:t>
+            </a:r>
+          </a:p>
+        </p:txBody>
+      </p:sp>
       <p:pic>
         <p:nvPicPr>
-          <p:cNvPr id="4" name="Picture 3">
-            <a:extLst>
-              <a:ext uri="{FF2B5EF4-FFF2-40B4-BE49-F238E27FC236}">
-                <a16:creationId xmlns:a16="http://schemas.microsoft.com/office/drawing/2014/main" id="{C37648F9-7CB8-0A41-831D-BCB3F0DA04B2}"/>
+          <p:cNvPr id="10" name="Picture 9">
+            <a:extLst>
+              <a:ext uri="{FF2B5EF4-FFF2-40B4-BE49-F238E27FC236}">
+                <a16:creationId xmlns:a16="http://schemas.microsoft.com/office/drawing/2014/main" id="{73845E70-9BCF-3D4A-B14D-AAD9645A1F20}"/>
               </a:ext>
             </a:extLst>
           </p:cNvPr>
@@ -9844,7 +10050,7 @@
           <p:nvPr/>
         </p:nvPicPr>
         <p:blipFill>
-          <a:blip r:embed="rId3" cstate="print">
+          <a:blip r:embed="rId3">
             <a:extLst>
               <a:ext uri="{28A0092B-C50C-407E-A947-70E740481C1C}">
                 <a14:useLocalDpi xmlns:a14="http://schemas.microsoft.com/office/drawing/2010/main" val="0"/>
@@ -9857,221 +10063,14 @@
         </p:blipFill>
         <p:spPr>
           <a:xfrm>
-            <a:off x="2973545" y="2871040"/>
-            <a:ext cx="5783152" cy="552971"/>
+            <a:off x="2545805" y="2921395"/>
+            <a:ext cx="4991100" cy="431800"/>
           </a:xfrm>
           <a:prstGeom prst="rect">
             <a:avLst/>
           </a:prstGeom>
         </p:spPr>
       </p:pic>
-      <p:sp>
-        <p:nvSpPr>
-          <p:cNvPr id="11" name="TextBox 10">
-            <a:extLst>
-              <a:ext uri="{FF2B5EF4-FFF2-40B4-BE49-F238E27FC236}">
-                <a16:creationId xmlns:a16="http://schemas.microsoft.com/office/drawing/2014/main" id="{047DF914-B467-334D-87BF-6ED281A9340C}"/>
-              </a:ext>
-            </a:extLst>
-          </p:cNvPr>
-          <p:cNvSpPr txBox="1"/>
-          <p:nvPr/>
-        </p:nvSpPr>
-        <p:spPr>
-          <a:xfrm>
-            <a:off x="1516651" y="3684012"/>
-            <a:ext cx="9561079" cy="461665"/>
-          </a:xfrm>
-          <a:prstGeom prst="rect">
-            <a:avLst/>
-          </a:prstGeom>
-          <a:noFill/>
-        </p:spPr>
-        <p:txBody>
-          <a:bodyPr wrap="square" rtlCol="0">
-            <a:spAutoFit/>
-          </a:bodyPr>
-          <a:lstStyle/>
-          <a:p>
-            <a:pPr marL="342900" indent="-342900">
-              <a:buFont typeface="Wingdings" pitchFamily="2" charset="2"/>
-              <a:buChar char="§"/>
-            </a:pPr>
-            <a:r>
-              <a:rPr lang="en-US" sz="2400" b="1" dirty="0">
-                <a:latin typeface="Calibri" panose="020F0502020204030204" pitchFamily="34" charset="0"/>
-                <a:cs typeface="Calibri" panose="020F0502020204030204" pitchFamily="34" charset="0"/>
-              </a:rPr>
-              <a:t>Activation Function:   </a:t>
-            </a:r>
-            <a:r>
-              <a:rPr lang="en-US" sz="2400" dirty="0">
-                <a:latin typeface="Times New Roman" panose="02020603050405020304" pitchFamily="18" charset="0"/>
-                <a:cs typeface="Times New Roman" panose="02020603050405020304" pitchFamily="18" charset="0"/>
-              </a:rPr>
-              <a:t>Gaussian Error Linear Unit (GELU)</a:t>
-            </a:r>
-          </a:p>
-        </p:txBody>
-      </p:sp>
-      <p:sp>
-        <p:nvSpPr>
-          <p:cNvPr id="12" name="TextBox 11">
-            <a:extLst>
-              <a:ext uri="{FF2B5EF4-FFF2-40B4-BE49-F238E27FC236}">
-                <a16:creationId xmlns:a16="http://schemas.microsoft.com/office/drawing/2014/main" id="{87F6B32E-0BBB-5943-984B-398FF49AE20E}"/>
-              </a:ext>
-            </a:extLst>
-          </p:cNvPr>
-          <p:cNvSpPr txBox="1"/>
-          <p:nvPr/>
-        </p:nvSpPr>
-        <p:spPr>
-          <a:xfrm>
-            <a:off x="952373" y="4496984"/>
-            <a:ext cx="5692392" cy="461665"/>
-          </a:xfrm>
-          <a:prstGeom prst="rect">
-            <a:avLst/>
-          </a:prstGeom>
-          <a:noFill/>
-        </p:spPr>
-        <p:txBody>
-          <a:bodyPr wrap="none" rtlCol="0">
-            <a:spAutoFit/>
-          </a:bodyPr>
-          <a:lstStyle/>
-          <a:p>
-            <a:pPr marL="342900" indent="-342900">
-              <a:buFont typeface="Arial" panose="020B0604020202020204" pitchFamily="34" charset="0"/>
-              <a:buChar char="•"/>
-            </a:pPr>
-            <a:r>
-              <a:rPr lang="en-US" sz="2400" dirty="0">
-                <a:latin typeface="Calibri" panose="020F0502020204030204" pitchFamily="34" charset="0"/>
-                <a:cs typeface="Calibri" panose="020F0502020204030204" pitchFamily="34" charset="0"/>
-              </a:rPr>
-              <a:t>Models: BERT, </a:t>
-            </a:r>
-            <a:r>
-              <a:rPr lang="en-US" sz="2400" dirty="0" err="1">
-                <a:latin typeface="Calibri" panose="020F0502020204030204" pitchFamily="34" charset="0"/>
-                <a:cs typeface="Calibri" panose="020F0502020204030204" pitchFamily="34" charset="0"/>
-              </a:rPr>
-              <a:t>RoBERTa</a:t>
-            </a:r>
-            <a:r>
-              <a:rPr lang="en-US" sz="2400" dirty="0">
-                <a:latin typeface="Calibri" panose="020F0502020204030204" pitchFamily="34" charset="0"/>
-                <a:cs typeface="Calibri" panose="020F0502020204030204" pitchFamily="34" charset="0"/>
-              </a:rPr>
-              <a:t>, </a:t>
-            </a:r>
-            <a:r>
-              <a:rPr lang="en-US" sz="2400" dirty="0" err="1">
-                <a:latin typeface="Calibri" panose="020F0502020204030204" pitchFamily="34" charset="0"/>
-                <a:cs typeface="Calibri" panose="020F0502020204030204" pitchFamily="34" charset="0"/>
-              </a:rPr>
-              <a:t>DistilBERT</a:t>
-            </a:r>
-            <a:r>
-              <a:rPr lang="en-US" sz="2400" dirty="0">
-                <a:latin typeface="Calibri" panose="020F0502020204030204" pitchFamily="34" charset="0"/>
-                <a:cs typeface="Calibri" panose="020F0502020204030204" pitchFamily="34" charset="0"/>
-              </a:rPr>
-              <a:t>, </a:t>
-            </a:r>
-            <a:r>
-              <a:rPr lang="en-US" sz="2400" dirty="0" err="1">
-                <a:latin typeface="Calibri" panose="020F0502020204030204" pitchFamily="34" charset="0"/>
-                <a:cs typeface="Calibri" panose="020F0502020204030204" pitchFamily="34" charset="0"/>
-              </a:rPr>
-              <a:t>XLNet</a:t>
-            </a:r>
-            <a:endParaRPr lang="en-US" sz="2400" dirty="0">
-              <a:latin typeface="Calibri" panose="020F0502020204030204" pitchFamily="34" charset="0"/>
-              <a:cs typeface="Calibri" panose="020F0502020204030204" pitchFamily="34" charset="0"/>
-            </a:endParaRPr>
-          </a:p>
-        </p:txBody>
-      </p:sp>
-      <p:sp>
-        <p:nvSpPr>
-          <p:cNvPr id="13" name="TextBox 12">
-            <a:extLst>
-              <a:ext uri="{FF2B5EF4-FFF2-40B4-BE49-F238E27FC236}">
-                <a16:creationId xmlns:a16="http://schemas.microsoft.com/office/drawing/2014/main" id="{EF565234-AACD-4849-9DD1-72F925B48DE6}"/>
-              </a:ext>
-            </a:extLst>
-          </p:cNvPr>
-          <p:cNvSpPr txBox="1"/>
-          <p:nvPr/>
-        </p:nvSpPr>
-        <p:spPr>
-          <a:xfrm>
-            <a:off x="952373" y="5289466"/>
-            <a:ext cx="10008317" cy="461665"/>
-          </a:xfrm>
-          <a:prstGeom prst="rect">
-            <a:avLst/>
-          </a:prstGeom>
-          <a:noFill/>
-        </p:spPr>
-        <p:txBody>
-          <a:bodyPr wrap="none" rtlCol="0">
-            <a:spAutoFit/>
-          </a:bodyPr>
-          <a:lstStyle/>
-          <a:p>
-            <a:pPr marL="342900" indent="-342900">
-              <a:buFont typeface="Arial" panose="020B0604020202020204" pitchFamily="34" charset="0"/>
-              <a:buChar char="•"/>
-            </a:pPr>
-            <a:r>
-              <a:rPr lang="en-US" sz="2400" b="1" dirty="0">
-                <a:latin typeface="Calibri" panose="020F0502020204030204" pitchFamily="34" charset="0"/>
-                <a:cs typeface="Calibri" panose="020F0502020204030204" pitchFamily="34" charset="0"/>
-              </a:rPr>
-              <a:t>Solving the short-term dependency problem of Transformer-based Models</a:t>
-            </a:r>
-          </a:p>
-        </p:txBody>
-      </p:sp>
-      <p:sp>
-        <p:nvSpPr>
-          <p:cNvPr id="9" name="文字方塊 8">
-            <a:extLst>
-              <a:ext uri="{FF2B5EF4-FFF2-40B4-BE49-F238E27FC236}">
-                <a16:creationId xmlns:a16="http://schemas.microsoft.com/office/drawing/2014/main" id="{AE73553F-4114-411F-A6A1-3291FA4B6CF8}"/>
-              </a:ext>
-            </a:extLst>
-          </p:cNvPr>
-          <p:cNvSpPr txBox="1"/>
-          <p:nvPr/>
-        </p:nvSpPr>
-        <p:spPr>
-          <a:xfrm>
-            <a:off x="11484528" y="6493241"/>
-            <a:ext cx="805343" cy="276999"/>
-          </a:xfrm>
-          <a:prstGeom prst="rect">
-            <a:avLst/>
-          </a:prstGeom>
-          <a:noFill/>
-        </p:spPr>
-        <p:txBody>
-          <a:bodyPr wrap="square" rtlCol="0">
-            <a:spAutoFit/>
-          </a:bodyPr>
-          <a:lstStyle/>
-          <a:p>
-            <a:r>
-              <a:rPr lang="en-US" sz="1200" dirty="0"/>
-              <a:t>11</a:t>
-            </a:r>
-          </a:p>
-        </p:txBody>
-      </p:sp>
     </p:spTree>
     <p:extLst>
       <p:ext uri="{BB962C8B-B14F-4D97-AF65-F5344CB8AC3E}">
@@ -10869,7 +10868,7 @@
         <p:spPr>
           <a:xfrm>
             <a:off x="1065604" y="1549929"/>
-            <a:ext cx="10109569" cy="3758141"/>
+            <a:ext cx="10287472" cy="3824275"/>
           </a:xfrm>
           <a:prstGeom prst="rect">
             <a:avLst/>
@@ -10998,7 +10997,7 @@
         </p:nvSpPr>
         <p:spPr>
           <a:xfrm>
-            <a:off x="1110517" y="1639362"/>
+            <a:off x="985534" y="1650581"/>
             <a:ext cx="8310608" cy="430887"/>
           </a:xfrm>
           <a:prstGeom prst="rect">
@@ -11050,7 +11049,7 @@
         </p:nvSpPr>
         <p:spPr>
           <a:xfrm>
-            <a:off x="1110517" y="2693535"/>
+            <a:off x="985534" y="2704754"/>
             <a:ext cx="10927800" cy="769441"/>
           </a:xfrm>
           <a:prstGeom prst="rect">
@@ -11111,7 +11110,7 @@
         </p:nvSpPr>
         <p:spPr>
           <a:xfrm>
-            <a:off x="1110517" y="4002140"/>
+            <a:off x="985534" y="4013359"/>
             <a:ext cx="10661060" cy="769441"/>
           </a:xfrm>
           <a:prstGeom prst="rect">
@@ -11158,7 +11157,7 @@
         </p:nvSpPr>
         <p:spPr>
           <a:xfrm>
-            <a:off x="1110517" y="5112989"/>
+            <a:off x="985534" y="5124208"/>
             <a:ext cx="11206466" cy="769441"/>
           </a:xfrm>
           <a:prstGeom prst="rect">
@@ -12322,7 +12321,7 @@
         </p:nvSpPr>
         <p:spPr>
           <a:xfrm>
-            <a:off x="1194713" y="1428041"/>
+            <a:off x="1194713" y="1546994"/>
             <a:ext cx="6652527" cy="461665"/>
           </a:xfrm>
           <a:prstGeom prst="rect">
@@ -12413,7 +12412,7 @@
         </p:nvSpPr>
         <p:spPr>
           <a:xfrm>
-            <a:off x="1194713" y="2877113"/>
+            <a:off x="1194713" y="3015472"/>
             <a:ext cx="3864007" cy="461665"/>
           </a:xfrm>
           <a:prstGeom prst="rect">
@@ -12436,7 +12435,7 @@
                 <a:latin typeface="Calibri" panose="020F0502020204030204" pitchFamily="34" charset="0"/>
                 <a:cs typeface="Calibri" panose="020F0502020204030204" pitchFamily="34" charset="0"/>
               </a:rPr>
-              <a:t>Task: </a:t>
+              <a:t>Task:   </a:t>
             </a:r>
             <a:r>
               <a:rPr lang="en-US" sz="2400" b="1" dirty="0">
@@ -12465,7 +12464,7 @@
         </p:nvSpPr>
         <p:spPr>
           <a:xfrm>
-            <a:off x="1194713" y="3369277"/>
+            <a:off x="1194713" y="3629648"/>
             <a:ext cx="3238387" cy="461665"/>
           </a:xfrm>
           <a:prstGeom prst="rect">
@@ -12514,7 +12513,7 @@
         </p:nvSpPr>
         <p:spPr>
           <a:xfrm>
-            <a:off x="1752850" y="3922389"/>
+            <a:off x="1589387" y="4243824"/>
             <a:ext cx="5001690" cy="461665"/>
           </a:xfrm>
           <a:prstGeom prst="rect">
@@ -12556,7 +12555,7 @@
         </p:nvSpPr>
         <p:spPr>
           <a:xfrm>
-            <a:off x="1752848" y="4535656"/>
+            <a:off x="1589385" y="4857091"/>
             <a:ext cx="10907922" cy="461665"/>
           </a:xfrm>
           <a:prstGeom prst="rect">
@@ -12598,7 +12597,7 @@
         </p:nvSpPr>
         <p:spPr>
           <a:xfrm>
-            <a:off x="1752849" y="5058203"/>
+            <a:off x="1589386" y="5379638"/>
             <a:ext cx="4111960" cy="461665"/>
           </a:xfrm>
           <a:prstGeom prst="rect">
@@ -12640,7 +12639,7 @@
         </p:nvSpPr>
         <p:spPr>
           <a:xfrm>
-            <a:off x="1752848" y="5672379"/>
+            <a:off x="1589385" y="5993814"/>
             <a:ext cx="5536259" cy="461665"/>
           </a:xfrm>
           <a:prstGeom prst="rect">
@@ -12717,7 +12716,7 @@
         </p:nvSpPr>
         <p:spPr>
           <a:xfrm>
-            <a:off x="2737871" y="1996388"/>
+            <a:off x="3282620" y="2169775"/>
             <a:ext cx="10450286" cy="769441"/>
           </a:xfrm>
           <a:prstGeom prst="rect">
@@ -13544,7 +13543,7 @@
         </p:nvSpPr>
         <p:spPr>
           <a:xfrm>
-            <a:off x="1806418" y="4185280"/>
+            <a:off x="1908823" y="3954447"/>
             <a:ext cx="3588931" cy="461665"/>
           </a:xfrm>
           <a:prstGeom prst="rect">
@@ -13572,12 +13571,124 @@
           </a:p>
         </p:txBody>
       </p:sp>
+      <p:sp>
+        <p:nvSpPr>
+          <p:cNvPr id="12" name="TextBox 11">
+            <a:extLst>
+              <a:ext uri="{FF2B5EF4-FFF2-40B4-BE49-F238E27FC236}">
+                <a16:creationId xmlns:a16="http://schemas.microsoft.com/office/drawing/2014/main" id="{BADF6B0D-70A2-C543-A968-7B986D74325C}"/>
+              </a:ext>
+            </a:extLst>
+          </p:cNvPr>
+          <p:cNvSpPr txBox="1"/>
+          <p:nvPr/>
+        </p:nvSpPr>
+        <p:spPr>
+          <a:xfrm>
+            <a:off x="1806418" y="1669873"/>
+            <a:ext cx="4257127" cy="461665"/>
+          </a:xfrm>
+          <a:prstGeom prst="rect">
+            <a:avLst/>
+          </a:prstGeom>
+          <a:noFill/>
+        </p:spPr>
+        <p:txBody>
+          <a:bodyPr wrap="none" rtlCol="0">
+            <a:spAutoFit/>
+          </a:bodyPr>
+          <a:lstStyle/>
+          <a:p>
+            <a:pPr marL="342900" indent="-342900">
+              <a:buFont typeface="Arial" panose="020B0604020202020204" pitchFamily="34" charset="0"/>
+              <a:buChar char="•"/>
+            </a:pPr>
+            <a:r>
+              <a:rPr lang="en-US" sz="2400" b="1" dirty="0">
+                <a:latin typeface="Calibri" panose="020F0502020204030204" pitchFamily="34" charset="0"/>
+                <a:cs typeface="Calibri" panose="020F0502020204030204" pitchFamily="34" charset="0"/>
+              </a:rPr>
+              <a:t>Scaled Dot-Product Attention</a:t>
+            </a:r>
+          </a:p>
+        </p:txBody>
+      </p:sp>
       <p:pic>
         <p:nvPicPr>
-          <p:cNvPr id="8" name="Graphic 7">
-            <a:extLst>
-              <a:ext uri="{FF2B5EF4-FFF2-40B4-BE49-F238E27FC236}">
-                <a16:creationId xmlns:a16="http://schemas.microsoft.com/office/drawing/2014/main" id="{ED9A1A52-F217-754E-A733-83DA33FECBD7}"/>
+          <p:cNvPr id="4" name="圖片 3">
+            <a:extLst>
+              <a:ext uri="{FF2B5EF4-FFF2-40B4-BE49-F238E27FC236}">
+                <a16:creationId xmlns:a16="http://schemas.microsoft.com/office/drawing/2014/main" id="{E4E23801-30FF-482F-98A2-6E26DDF23DC6}"/>
+              </a:ext>
+            </a:extLst>
+          </p:cNvPr>
+          <p:cNvPicPr>
+            <a:picLocks noChangeAspect="1"/>
+          </p:cNvPicPr>
+          <p:nvPr/>
+        </p:nvPicPr>
+        <p:blipFill rotWithShape="1">
+          <a:blip r:embed="rId3">
+            <a:extLst>
+              <a:ext uri="{28A0092B-C50C-407E-A947-70E740481C1C}">
+                <a14:useLocalDpi xmlns:a14="http://schemas.microsoft.com/office/drawing/2010/main" val="0"/>
+              </a:ext>
+            </a:extLst>
+          </a:blip>
+          <a:srcRect l="-1" r="38337"/>
+          <a:stretch/>
+        </p:blipFill>
+        <p:spPr>
+          <a:xfrm>
+            <a:off x="2175226" y="2724542"/>
+            <a:ext cx="3949874" cy="758554"/>
+          </a:xfrm>
+          <a:prstGeom prst="rect">
+            <a:avLst/>
+          </a:prstGeom>
+        </p:spPr>
+      </p:pic>
+      <p:sp>
+        <p:nvSpPr>
+          <p:cNvPr id="9" name="文字方塊 8">
+            <a:extLst>
+              <a:ext uri="{FF2B5EF4-FFF2-40B4-BE49-F238E27FC236}">
+                <a16:creationId xmlns:a16="http://schemas.microsoft.com/office/drawing/2014/main" id="{3D5ACCB8-6422-4619-B5BC-16878077F822}"/>
+              </a:ext>
+            </a:extLst>
+          </p:cNvPr>
+          <p:cNvSpPr txBox="1"/>
+          <p:nvPr/>
+        </p:nvSpPr>
+        <p:spPr>
+          <a:xfrm>
+            <a:off x="11484528" y="6493241"/>
+            <a:ext cx="805343" cy="276999"/>
+          </a:xfrm>
+          <a:prstGeom prst="rect">
+            <a:avLst/>
+          </a:prstGeom>
+          <a:noFill/>
+        </p:spPr>
+        <p:txBody>
+          <a:bodyPr wrap="square" rtlCol="0">
+            <a:spAutoFit/>
+          </a:bodyPr>
+          <a:lstStyle/>
+          <a:p>
+            <a:r>
+              <a:rPr lang="en-US" sz="1200" dirty="0"/>
+              <a:t>8</a:t>
+            </a:r>
+          </a:p>
+        </p:txBody>
+      </p:sp>
+      <p:pic>
+        <p:nvPicPr>
+          <p:cNvPr id="13" name="Picture 12">
+            <a:extLst>
+              <a:ext uri="{FF2B5EF4-FFF2-40B4-BE49-F238E27FC236}">
+                <a16:creationId xmlns:a16="http://schemas.microsoft.com/office/drawing/2014/main" id="{97B67585-F312-3A45-A82A-C36F1F2B97CA}"/>
               </a:ext>
             </a:extLst>
           </p:cNvPr>
@@ -13587,13 +13698,10 @@
           <p:nvPr/>
         </p:nvPicPr>
         <p:blipFill>
-          <a:blip r:embed="rId3" cstate="print">
+          <a:blip r:embed="rId4">
             <a:extLst>
               <a:ext uri="{28A0092B-C50C-407E-A947-70E740481C1C}">
                 <a14:useLocalDpi xmlns:a14="http://schemas.microsoft.com/office/drawing/2010/main" val="0"/>
-              </a:ext>
-              <a:ext uri="{96DAC541-7B7A-43D3-8B79-37D633B846F1}">
-                <asvg:svgBlip xmlns:asvg="http://schemas.microsoft.com/office/drawing/2016/SVG/main" r:embed="rId4"/>
               </a:ext>
             </a:extLst>
           </a:blip>
@@ -13603,8 +13711,8 @@
         </p:blipFill>
         <p:spPr>
           <a:xfrm>
-            <a:off x="6805581" y="1669873"/>
-            <a:ext cx="4791583" cy="2224663"/>
+            <a:off x="6664460" y="1495094"/>
+            <a:ext cx="4893239" cy="2355252"/>
           </a:xfrm>
           <a:prstGeom prst="rect">
             <a:avLst/>
@@ -13613,10 +13721,10 @@
       </p:pic>
       <p:pic>
         <p:nvPicPr>
-          <p:cNvPr id="11" name="Graphic 10">
-            <a:extLst>
-              <a:ext uri="{FF2B5EF4-FFF2-40B4-BE49-F238E27FC236}">
-                <a16:creationId xmlns:a16="http://schemas.microsoft.com/office/drawing/2014/main" id="{556628F3-2664-9F45-9E3D-A5F441A60F44}"/>
+          <p:cNvPr id="15" name="Picture 14">
+            <a:extLst>
+              <a:ext uri="{FF2B5EF4-FFF2-40B4-BE49-F238E27FC236}">
+                <a16:creationId xmlns:a16="http://schemas.microsoft.com/office/drawing/2014/main" id="{5FF01190-8416-FB49-8361-20930620B806}"/>
               </a:ext>
             </a:extLst>
           </p:cNvPr>
@@ -13626,13 +13734,10 @@
           <p:nvPr/>
         </p:nvPicPr>
         <p:blipFill>
-          <a:blip r:embed="rId5" cstate="print">
+          <a:blip r:embed="rId5">
             <a:extLst>
               <a:ext uri="{28A0092B-C50C-407E-A947-70E740481C1C}">
                 <a14:useLocalDpi xmlns:a14="http://schemas.microsoft.com/office/drawing/2010/main" val="0"/>
-              </a:ext>
-              <a:ext uri="{96DAC541-7B7A-43D3-8B79-37D633B846F1}">
-                <asvg:svgBlip xmlns:asvg="http://schemas.microsoft.com/office/drawing/2016/SVG/main" r:embed="rId6"/>
               </a:ext>
             </a:extLst>
           </a:blip>
@@ -13642,156 +13747,14 @@
         </p:blipFill>
         <p:spPr>
           <a:xfrm>
-            <a:off x="7084422" y="4263571"/>
-            <a:ext cx="4712474" cy="2381438"/>
+            <a:off x="5800550" y="4185280"/>
+            <a:ext cx="6159577" cy="2441242"/>
           </a:xfrm>
           <a:prstGeom prst="rect">
             <a:avLst/>
           </a:prstGeom>
         </p:spPr>
       </p:pic>
-      <p:sp>
-        <p:nvSpPr>
-          <p:cNvPr id="12" name="TextBox 11">
-            <a:extLst>
-              <a:ext uri="{FF2B5EF4-FFF2-40B4-BE49-F238E27FC236}">
-                <a16:creationId xmlns:a16="http://schemas.microsoft.com/office/drawing/2014/main" id="{BADF6B0D-70A2-C543-A968-7B986D74325C}"/>
-              </a:ext>
-            </a:extLst>
-          </p:cNvPr>
-          <p:cNvSpPr txBox="1"/>
-          <p:nvPr/>
-        </p:nvSpPr>
-        <p:spPr>
-          <a:xfrm>
-            <a:off x="1806418" y="1669873"/>
-            <a:ext cx="4257127" cy="461665"/>
-          </a:xfrm>
-          <a:prstGeom prst="rect">
-            <a:avLst/>
-          </a:prstGeom>
-          <a:noFill/>
-        </p:spPr>
-        <p:txBody>
-          <a:bodyPr wrap="none" rtlCol="0">
-            <a:spAutoFit/>
-          </a:bodyPr>
-          <a:lstStyle/>
-          <a:p>
-            <a:pPr marL="342900" indent="-342900">
-              <a:buFont typeface="Arial" panose="020B0604020202020204" pitchFamily="34" charset="0"/>
-              <a:buChar char="•"/>
-            </a:pPr>
-            <a:r>
-              <a:rPr lang="en-US" sz="2400" b="1" dirty="0">
-                <a:latin typeface="Calibri" panose="020F0502020204030204" pitchFamily="34" charset="0"/>
-                <a:cs typeface="Calibri" panose="020F0502020204030204" pitchFamily="34" charset="0"/>
-              </a:rPr>
-              <a:t>Scaled Dot-Product Attention</a:t>
-            </a:r>
-          </a:p>
-        </p:txBody>
-      </p:sp>
-      <p:pic>
-        <p:nvPicPr>
-          <p:cNvPr id="4" name="圖片 3">
-            <a:extLst>
-              <a:ext uri="{FF2B5EF4-FFF2-40B4-BE49-F238E27FC236}">
-                <a16:creationId xmlns:a16="http://schemas.microsoft.com/office/drawing/2014/main" id="{E4E23801-30FF-482F-98A2-6E26DDF23DC6}"/>
-              </a:ext>
-            </a:extLst>
-          </p:cNvPr>
-          <p:cNvPicPr>
-            <a:picLocks noChangeAspect="1"/>
-          </p:cNvPicPr>
-          <p:nvPr/>
-        </p:nvPicPr>
-        <p:blipFill rotWithShape="1">
-          <a:blip r:embed="rId7">
-            <a:extLst>
-              <a:ext uri="{28A0092B-C50C-407E-A947-70E740481C1C}">
-                <a14:useLocalDpi xmlns:a14="http://schemas.microsoft.com/office/drawing/2010/main" val="0"/>
-              </a:ext>
-            </a:extLst>
-          </a:blip>
-          <a:srcRect l="-1" r="38337"/>
-          <a:stretch/>
-        </p:blipFill>
-        <p:spPr>
-          <a:xfrm>
-            <a:off x="2175226" y="2724542"/>
-            <a:ext cx="3949874" cy="758554"/>
-          </a:xfrm>
-          <a:prstGeom prst="rect">
-            <a:avLst/>
-          </a:prstGeom>
-        </p:spPr>
-      </p:pic>
-      <p:sp>
-        <p:nvSpPr>
-          <p:cNvPr id="3" name="文字方塊 2"/>
-          <p:cNvSpPr txBox="1"/>
-          <p:nvPr/>
-        </p:nvSpPr>
-        <p:spPr>
-          <a:xfrm>
-            <a:off x="4407108" y="3483096"/>
-            <a:ext cx="869430" cy="369332"/>
-          </a:xfrm>
-          <a:prstGeom prst="rect">
-            <a:avLst/>
-          </a:prstGeom>
-          <a:noFill/>
-        </p:spPr>
-        <p:txBody>
-          <a:bodyPr wrap="square" rtlCol="0">
-            <a:spAutoFit/>
-          </a:bodyPr>
-          <a:lstStyle/>
-          <a:p>
-            <a:r>
-              <a:rPr lang="en-US" altLang="zh-TW" dirty="0"/>
-              <a:t>W</a:t>
-            </a:r>
-            <a:endParaRPr lang="zh-TW" altLang="en-US" dirty="0"/>
-          </a:p>
-        </p:txBody>
-      </p:sp>
-      <p:sp>
-        <p:nvSpPr>
-          <p:cNvPr id="9" name="文字方塊 8">
-            <a:extLst>
-              <a:ext uri="{FF2B5EF4-FFF2-40B4-BE49-F238E27FC236}">
-                <a16:creationId xmlns:a16="http://schemas.microsoft.com/office/drawing/2014/main" id="{3D5ACCB8-6422-4619-B5BC-16878077F822}"/>
-              </a:ext>
-            </a:extLst>
-          </p:cNvPr>
-          <p:cNvSpPr txBox="1"/>
-          <p:nvPr/>
-        </p:nvSpPr>
-        <p:spPr>
-          <a:xfrm>
-            <a:off x="11484528" y="6493241"/>
-            <a:ext cx="805343" cy="276999"/>
-          </a:xfrm>
-          <a:prstGeom prst="rect">
-            <a:avLst/>
-          </a:prstGeom>
-          <a:noFill/>
-        </p:spPr>
-        <p:txBody>
-          <a:bodyPr wrap="square" rtlCol="0">
-            <a:spAutoFit/>
-          </a:bodyPr>
-          <a:lstStyle/>
-          <a:p>
-            <a:r>
-              <a:rPr lang="en-US" sz="1200" dirty="0"/>
-              <a:t>8</a:t>
-            </a:r>
-          </a:p>
-        </p:txBody>
-      </p:sp>
     </p:spTree>
     <p:extLst>
       <p:ext uri="{BB962C8B-B14F-4D97-AF65-F5344CB8AC3E}">

--- a/Lab/REP.pptx
+++ b/Lab/REP.pptx
@@ -5,29 +5,32 @@
     <p:sldMasterId id="2147483648" r:id="rId3"/>
   </p:sldMasterIdLst>
   <p:notesMasterIdLst>
-    <p:notesMasterId r:id="rId21"/>
+    <p:notesMasterId r:id="rId24"/>
   </p:notesMasterIdLst>
   <p:handoutMasterIdLst>
-    <p:handoutMasterId r:id="rId22"/>
+    <p:handoutMasterId r:id="rId25"/>
   </p:handoutMasterIdLst>
   <p:sldIdLst>
     <p:sldId id="282" r:id="rId4"/>
     <p:sldId id="300" r:id="rId5"/>
     <p:sldId id="283" r:id="rId6"/>
     <p:sldId id="301" r:id="rId7"/>
-    <p:sldId id="302" r:id="rId8"/>
-    <p:sldId id="303" r:id="rId9"/>
-    <p:sldId id="296" r:id="rId10"/>
-    <p:sldId id="312" r:id="rId11"/>
-    <p:sldId id="304" r:id="rId12"/>
-    <p:sldId id="313" r:id="rId13"/>
-    <p:sldId id="311" r:id="rId14"/>
-    <p:sldId id="305" r:id="rId15"/>
-    <p:sldId id="307" r:id="rId16"/>
-    <p:sldId id="306" r:id="rId17"/>
-    <p:sldId id="308" r:id="rId18"/>
-    <p:sldId id="309" r:id="rId19"/>
-    <p:sldId id="310" r:id="rId20"/>
+    <p:sldId id="315" r:id="rId8"/>
+    <p:sldId id="302" r:id="rId9"/>
+    <p:sldId id="303" r:id="rId10"/>
+    <p:sldId id="296" r:id="rId11"/>
+    <p:sldId id="316" r:id="rId12"/>
+    <p:sldId id="317" r:id="rId13"/>
+    <p:sldId id="312" r:id="rId14"/>
+    <p:sldId id="304" r:id="rId15"/>
+    <p:sldId id="313" r:id="rId16"/>
+    <p:sldId id="311" r:id="rId17"/>
+    <p:sldId id="305" r:id="rId18"/>
+    <p:sldId id="307" r:id="rId19"/>
+    <p:sldId id="306" r:id="rId20"/>
+    <p:sldId id="308" r:id="rId21"/>
+    <p:sldId id="309" r:id="rId22"/>
+    <p:sldId id="310" r:id="rId23"/>
   </p:sldIdLst>
   <p:sldSz cx="12192000" cy="6858000"/>
   <p:notesSz cx="6858000" cy="9144000"/>
@@ -249,7 +252,7 @@
                 <a:ea typeface="Microsoft JhengHei UI" panose="020B0604030504040204" pitchFamily="34" charset="-120"/>
                 <a:sym typeface="Microsoft JhengHei UI" panose="020B0604030504040204" pitchFamily="34" charset="-120"/>
               </a:rPr>
-              <a:t>2020/12/31</a:t>
+              <a:t>2021/1/1</a:t>
             </a:fld>
             <a:endParaRPr lang="en-US" altLang="zh-TW" dirty="0">
               <a:latin typeface="Microsoft JhengHei UI" panose="020B0604030504040204" pitchFamily="34" charset="-120"/>
@@ -458,7 +461,7 @@
             <a:fld id="{AA006804-164C-4CDA-8F38-2D5258C292C6}" type="datetime1">
               <a:rPr lang="zh-TW" altLang="en-US" smtClean="0"/>
               <a:pPr/>
-              <a:t>2020/12/31</a:t>
+              <a:t>2021/1/1</a:t>
             </a:fld>
             <a:endParaRPr lang="zh-TW" altLang="en-US" dirty="0"/>
           </a:p>
@@ -933,7 +936,7 @@
           <p:cNvPr id="5" name="頁首版面配置區 4">
             <a:extLst>
               <a:ext uri="{FF2B5EF4-FFF2-40B4-BE49-F238E27FC236}">
-                <a16:creationId xmlns:a16="http://schemas.microsoft.com/office/drawing/2014/main" id="{5C88A382-E830-4845-9C9C-421562D2C6F2}"/>
+                <a16:creationId xmlns:a16="http://schemas.microsoft.com/office/drawing/2014/main" id="{834FB955-B0A4-4715-A2CD-0AF8344CCCE6}"/>
               </a:ext>
             </a:extLst>
           </p:cNvPr>
@@ -960,7 +963,7 @@
     </p:spTree>
     <p:extLst>
       <p:ext uri="{BB962C8B-B14F-4D97-AF65-F5344CB8AC3E}">
-        <p14:creationId xmlns:p14="http://schemas.microsoft.com/office/powerpoint/2010/main" val="2190313031"/>
+        <p14:creationId xmlns:p14="http://schemas.microsoft.com/office/powerpoint/2010/main" val="2382796359"/>
       </p:ext>
     </p:extLst>
   </p:cSld>
@@ -1047,7 +1050,7 @@
           <p:cNvPr id="5" name="頁首版面配置區 4">
             <a:extLst>
               <a:ext uri="{FF2B5EF4-FFF2-40B4-BE49-F238E27FC236}">
-                <a16:creationId xmlns:a16="http://schemas.microsoft.com/office/drawing/2014/main" id="{B0369EC9-2BF2-4CEF-B733-BD79390B1E2E}"/>
+                <a16:creationId xmlns:a16="http://schemas.microsoft.com/office/drawing/2014/main" id="{71D18276-84C9-4AF6-9FB4-8070C96147DC}"/>
               </a:ext>
             </a:extLst>
           </p:cNvPr>
@@ -1074,7 +1077,7 @@
     </p:spTree>
     <p:extLst>
       <p:ext uri="{BB962C8B-B14F-4D97-AF65-F5344CB8AC3E}">
-        <p14:creationId xmlns:p14="http://schemas.microsoft.com/office/powerpoint/2010/main" val="3214425974"/>
+        <p14:creationId xmlns:p14="http://schemas.microsoft.com/office/powerpoint/2010/main" val="2347172397"/>
       </p:ext>
     </p:extLst>
   </p:cSld>
@@ -1161,7 +1164,7 @@
           <p:cNvPr id="5" name="頁首版面配置區 4">
             <a:extLst>
               <a:ext uri="{FF2B5EF4-FFF2-40B4-BE49-F238E27FC236}">
-                <a16:creationId xmlns:a16="http://schemas.microsoft.com/office/drawing/2014/main" id="{FF80F06F-3710-4263-9F80-0D2A92DDD819}"/>
+                <a16:creationId xmlns:a16="http://schemas.microsoft.com/office/drawing/2014/main" id="{12FD8A95-6F27-4C71-B3D8-7A54519CDA45}"/>
               </a:ext>
             </a:extLst>
           </p:cNvPr>
@@ -1188,7 +1191,7 @@
     </p:spTree>
     <p:extLst>
       <p:ext uri="{BB962C8B-B14F-4D97-AF65-F5344CB8AC3E}">
-        <p14:creationId xmlns:p14="http://schemas.microsoft.com/office/powerpoint/2010/main" val="409340556"/>
+        <p14:creationId xmlns:p14="http://schemas.microsoft.com/office/powerpoint/2010/main" val="781114186"/>
       </p:ext>
     </p:extLst>
   </p:cSld>
@@ -1275,7 +1278,7 @@
           <p:cNvPr id="5" name="頁首版面配置區 4">
             <a:extLst>
               <a:ext uri="{FF2B5EF4-FFF2-40B4-BE49-F238E27FC236}">
-                <a16:creationId xmlns:a16="http://schemas.microsoft.com/office/drawing/2014/main" id="{395663F1-EC29-4F7E-B7B3-C47C3BAA9D0F}"/>
+                <a16:creationId xmlns:a16="http://schemas.microsoft.com/office/drawing/2014/main" id="{5C88A382-E830-4845-9C9C-421562D2C6F2}"/>
               </a:ext>
             </a:extLst>
           </p:cNvPr>
@@ -1302,7 +1305,7 @@
     </p:spTree>
     <p:extLst>
       <p:ext uri="{BB962C8B-B14F-4D97-AF65-F5344CB8AC3E}">
-        <p14:creationId xmlns:p14="http://schemas.microsoft.com/office/powerpoint/2010/main" val="2701519937"/>
+        <p14:creationId xmlns:p14="http://schemas.microsoft.com/office/powerpoint/2010/main" val="2190313031"/>
       </p:ext>
     </p:extLst>
   </p:cSld>
@@ -1389,7 +1392,7 @@
           <p:cNvPr id="5" name="頁首版面配置區 4">
             <a:extLst>
               <a:ext uri="{FF2B5EF4-FFF2-40B4-BE49-F238E27FC236}">
-                <a16:creationId xmlns:a16="http://schemas.microsoft.com/office/drawing/2014/main" id="{6E8C5AB6-E61C-4B97-8238-2D971E93E5C6}"/>
+                <a16:creationId xmlns:a16="http://schemas.microsoft.com/office/drawing/2014/main" id="{B0369EC9-2BF2-4CEF-B733-BD79390B1E2E}"/>
               </a:ext>
             </a:extLst>
           </p:cNvPr>
@@ -1416,7 +1419,7 @@
     </p:spTree>
     <p:extLst>
       <p:ext uri="{BB962C8B-B14F-4D97-AF65-F5344CB8AC3E}">
-        <p14:creationId xmlns:p14="http://schemas.microsoft.com/office/powerpoint/2010/main" val="3565233456"/>
+        <p14:creationId xmlns:p14="http://schemas.microsoft.com/office/powerpoint/2010/main" val="3214425974"/>
       </p:ext>
     </p:extLst>
   </p:cSld>
@@ -1503,7 +1506,7 @@
           <p:cNvPr id="5" name="頁首版面配置區 4">
             <a:extLst>
               <a:ext uri="{FF2B5EF4-FFF2-40B4-BE49-F238E27FC236}">
-                <a16:creationId xmlns:a16="http://schemas.microsoft.com/office/drawing/2014/main" id="{8FD7EE22-8F34-425B-82D2-EC0C0E66DD50}"/>
+                <a16:creationId xmlns:a16="http://schemas.microsoft.com/office/drawing/2014/main" id="{FF80F06F-3710-4263-9F80-0D2A92DDD819}"/>
               </a:ext>
             </a:extLst>
           </p:cNvPr>
@@ -1530,7 +1533,7 @@
     </p:spTree>
     <p:extLst>
       <p:ext uri="{BB962C8B-B14F-4D97-AF65-F5344CB8AC3E}">
-        <p14:creationId xmlns:p14="http://schemas.microsoft.com/office/powerpoint/2010/main" val="2220057016"/>
+        <p14:creationId xmlns:p14="http://schemas.microsoft.com/office/powerpoint/2010/main" val="409340556"/>
       </p:ext>
     </p:extLst>
   </p:cSld>
@@ -1617,7 +1620,7 @@
           <p:cNvPr id="5" name="頁首版面配置區 4">
             <a:extLst>
               <a:ext uri="{FF2B5EF4-FFF2-40B4-BE49-F238E27FC236}">
-                <a16:creationId xmlns:a16="http://schemas.microsoft.com/office/drawing/2014/main" id="{B0ED961B-B77E-4128-9A1E-997B6008F2D5}"/>
+                <a16:creationId xmlns:a16="http://schemas.microsoft.com/office/drawing/2014/main" id="{395663F1-EC29-4F7E-B7B3-C47C3BAA9D0F}"/>
               </a:ext>
             </a:extLst>
           </p:cNvPr>
@@ -1644,7 +1647,7 @@
     </p:spTree>
     <p:extLst>
       <p:ext uri="{BB962C8B-B14F-4D97-AF65-F5344CB8AC3E}">
-        <p14:creationId xmlns:p14="http://schemas.microsoft.com/office/powerpoint/2010/main" val="2333112210"/>
+        <p14:creationId xmlns:p14="http://schemas.microsoft.com/office/powerpoint/2010/main" val="2701519937"/>
       </p:ext>
     </p:extLst>
   </p:cSld>
@@ -1731,7 +1734,7 @@
           <p:cNvPr id="5" name="頁首版面配置區 4">
             <a:extLst>
               <a:ext uri="{FF2B5EF4-FFF2-40B4-BE49-F238E27FC236}">
-                <a16:creationId xmlns:a16="http://schemas.microsoft.com/office/drawing/2014/main" id="{C6CA5819-F2E0-4902-8EC2-936D1629FEA9}"/>
+                <a16:creationId xmlns:a16="http://schemas.microsoft.com/office/drawing/2014/main" id="{6E8C5AB6-E61C-4B97-8238-2D971E93E5C6}"/>
               </a:ext>
             </a:extLst>
           </p:cNvPr>
@@ -1758,7 +1761,235 @@
     </p:spTree>
     <p:extLst>
       <p:ext uri="{BB962C8B-B14F-4D97-AF65-F5344CB8AC3E}">
-        <p14:creationId xmlns:p14="http://schemas.microsoft.com/office/powerpoint/2010/main" val="3099077120"/>
+        <p14:creationId xmlns:p14="http://schemas.microsoft.com/office/powerpoint/2010/main" val="3565233456"/>
+      </p:ext>
+    </p:extLst>
+  </p:cSld>
+  <p:clrMapOvr>
+    <a:masterClrMapping/>
+  </p:clrMapOvr>
+</p:notes>
+</file>
+
+<file path=ppt/notesSlides/notesSlide18.xml><?xml version="1.0" encoding="utf-8"?>
+<p:notes xmlns:a="http://schemas.openxmlformats.org/drawingml/2006/main" xmlns:r="http://schemas.openxmlformats.org/officeDocument/2006/relationships" xmlns:p="http://schemas.openxmlformats.org/presentationml/2006/main">
+  <p:cSld>
+    <p:spTree>
+      <p:nvGrpSpPr>
+        <p:cNvPr id="1" name=""/>
+        <p:cNvGrpSpPr/>
+        <p:nvPr/>
+      </p:nvGrpSpPr>
+      <p:grpSpPr>
+        <a:xfrm>
+          <a:off x="0" y="0"/>
+          <a:ext cx="0" cy="0"/>
+          <a:chOff x="0" y="0"/>
+          <a:chExt cx="0" cy="0"/>
+        </a:xfrm>
+      </p:grpSpPr>
+      <p:sp>
+        <p:nvSpPr>
+          <p:cNvPr id="2" name="投影片影像版面配置區 1"/>
+          <p:cNvSpPr>
+            <a:spLocks noGrp="1" noRot="1" noChangeAspect="1"/>
+          </p:cNvSpPr>
+          <p:nvPr>
+            <p:ph type="sldImg"/>
+          </p:nvPr>
+        </p:nvSpPr>
+        <p:spPr/>
+      </p:sp>
+      <p:sp>
+        <p:nvSpPr>
+          <p:cNvPr id="3" name="備忘稿版面配置區 2"/>
+          <p:cNvSpPr>
+            <a:spLocks noGrp="1"/>
+          </p:cNvSpPr>
+          <p:nvPr>
+            <p:ph type="body" idx="1"/>
+          </p:nvPr>
+        </p:nvSpPr>
+        <p:spPr/>
+        <p:txBody>
+          <a:bodyPr/>
+          <a:lstStyle/>
+          <a:p>
+            <a:endParaRPr lang="zh-TW" altLang="en-US" dirty="0"/>
+          </a:p>
+        </p:txBody>
+      </p:sp>
+      <p:sp>
+        <p:nvSpPr>
+          <p:cNvPr id="4" name="投影片編號版面配置區 3"/>
+          <p:cNvSpPr>
+            <a:spLocks noGrp="1"/>
+          </p:cNvSpPr>
+          <p:nvPr>
+            <p:ph type="sldNum" sz="quarter" idx="10"/>
+          </p:nvPr>
+        </p:nvSpPr>
+        <p:spPr/>
+        <p:txBody>
+          <a:bodyPr/>
+          <a:lstStyle/>
+          <a:p>
+            <a:fld id="{8530193B-564F-4854-8A52-728F3FB19C85}" type="slidenum">
+              <a:rPr lang="en-ZA" smtClean="0"/>
+              <a:pPr/>
+              <a:t>18</a:t>
+            </a:fld>
+            <a:endParaRPr lang="en-ZA"/>
+          </a:p>
+        </p:txBody>
+      </p:sp>
+      <p:sp>
+        <p:nvSpPr>
+          <p:cNvPr id="5" name="頁首版面配置區 4">
+            <a:extLst>
+              <a:ext uri="{FF2B5EF4-FFF2-40B4-BE49-F238E27FC236}">
+                <a16:creationId xmlns:a16="http://schemas.microsoft.com/office/drawing/2014/main" id="{8FD7EE22-8F34-425B-82D2-EC0C0E66DD50}"/>
+              </a:ext>
+            </a:extLst>
+          </p:cNvPr>
+          <p:cNvSpPr>
+            <a:spLocks noGrp="1"/>
+          </p:cNvSpPr>
+          <p:nvPr>
+            <p:ph type="hdr" sz="quarter"/>
+          </p:nvPr>
+        </p:nvSpPr>
+        <p:spPr/>
+        <p:txBody>
+          <a:bodyPr/>
+          <a:lstStyle/>
+          <a:p>
+            <a:r>
+              <a:rPr lang="en-US" altLang="zh-TW"/>
+              <a:t>1</a:t>
+            </a:r>
+            <a:endParaRPr lang="zh-TW" altLang="en-US" dirty="0"/>
+          </a:p>
+        </p:txBody>
+      </p:sp>
+    </p:spTree>
+    <p:extLst>
+      <p:ext uri="{BB962C8B-B14F-4D97-AF65-F5344CB8AC3E}">
+        <p14:creationId xmlns:p14="http://schemas.microsoft.com/office/powerpoint/2010/main" val="2220057016"/>
+      </p:ext>
+    </p:extLst>
+  </p:cSld>
+  <p:clrMapOvr>
+    <a:masterClrMapping/>
+  </p:clrMapOvr>
+</p:notes>
+</file>
+
+<file path=ppt/notesSlides/notesSlide19.xml><?xml version="1.0" encoding="utf-8"?>
+<p:notes xmlns:a="http://schemas.openxmlformats.org/drawingml/2006/main" xmlns:r="http://schemas.openxmlformats.org/officeDocument/2006/relationships" xmlns:p="http://schemas.openxmlformats.org/presentationml/2006/main">
+  <p:cSld>
+    <p:spTree>
+      <p:nvGrpSpPr>
+        <p:cNvPr id="1" name=""/>
+        <p:cNvGrpSpPr/>
+        <p:nvPr/>
+      </p:nvGrpSpPr>
+      <p:grpSpPr>
+        <a:xfrm>
+          <a:off x="0" y="0"/>
+          <a:ext cx="0" cy="0"/>
+          <a:chOff x="0" y="0"/>
+          <a:chExt cx="0" cy="0"/>
+        </a:xfrm>
+      </p:grpSpPr>
+      <p:sp>
+        <p:nvSpPr>
+          <p:cNvPr id="2" name="投影片影像版面配置區 1"/>
+          <p:cNvSpPr>
+            <a:spLocks noGrp="1" noRot="1" noChangeAspect="1"/>
+          </p:cNvSpPr>
+          <p:nvPr>
+            <p:ph type="sldImg"/>
+          </p:nvPr>
+        </p:nvSpPr>
+        <p:spPr/>
+      </p:sp>
+      <p:sp>
+        <p:nvSpPr>
+          <p:cNvPr id="3" name="備忘稿版面配置區 2"/>
+          <p:cNvSpPr>
+            <a:spLocks noGrp="1"/>
+          </p:cNvSpPr>
+          <p:nvPr>
+            <p:ph type="body" idx="1"/>
+          </p:nvPr>
+        </p:nvSpPr>
+        <p:spPr/>
+        <p:txBody>
+          <a:bodyPr/>
+          <a:lstStyle/>
+          <a:p>
+            <a:endParaRPr lang="zh-TW" altLang="en-US" dirty="0"/>
+          </a:p>
+        </p:txBody>
+      </p:sp>
+      <p:sp>
+        <p:nvSpPr>
+          <p:cNvPr id="4" name="投影片編號版面配置區 3"/>
+          <p:cNvSpPr>
+            <a:spLocks noGrp="1"/>
+          </p:cNvSpPr>
+          <p:nvPr>
+            <p:ph type="sldNum" sz="quarter" idx="10"/>
+          </p:nvPr>
+        </p:nvSpPr>
+        <p:spPr/>
+        <p:txBody>
+          <a:bodyPr/>
+          <a:lstStyle/>
+          <a:p>
+            <a:fld id="{8530193B-564F-4854-8A52-728F3FB19C85}" type="slidenum">
+              <a:rPr lang="en-ZA" smtClean="0"/>
+              <a:pPr/>
+              <a:t>19</a:t>
+            </a:fld>
+            <a:endParaRPr lang="en-ZA"/>
+          </a:p>
+        </p:txBody>
+      </p:sp>
+      <p:sp>
+        <p:nvSpPr>
+          <p:cNvPr id="5" name="頁首版面配置區 4">
+            <a:extLst>
+              <a:ext uri="{FF2B5EF4-FFF2-40B4-BE49-F238E27FC236}">
+                <a16:creationId xmlns:a16="http://schemas.microsoft.com/office/drawing/2014/main" id="{B0ED961B-B77E-4128-9A1E-997B6008F2D5}"/>
+              </a:ext>
+            </a:extLst>
+          </p:cNvPr>
+          <p:cNvSpPr>
+            <a:spLocks noGrp="1"/>
+          </p:cNvSpPr>
+          <p:nvPr>
+            <p:ph type="hdr" sz="quarter"/>
+          </p:nvPr>
+        </p:nvSpPr>
+        <p:spPr/>
+        <p:txBody>
+          <a:bodyPr/>
+          <a:lstStyle/>
+          <a:p>
+            <a:r>
+              <a:rPr lang="en-US" altLang="zh-TW"/>
+              <a:t>1</a:t>
+            </a:r>
+            <a:endParaRPr lang="zh-TW" altLang="en-US" dirty="0"/>
+          </a:p>
+        </p:txBody>
+      </p:sp>
+    </p:spTree>
+    <p:extLst>
+      <p:ext uri="{BB962C8B-B14F-4D97-AF65-F5344CB8AC3E}">
+        <p14:creationId xmlns:p14="http://schemas.microsoft.com/office/powerpoint/2010/main" val="2333112210"/>
       </p:ext>
     </p:extLst>
   </p:cSld>
@@ -1873,6 +2104,120 @@
     <p:extLst>
       <p:ext uri="{BB962C8B-B14F-4D97-AF65-F5344CB8AC3E}">
         <p14:creationId xmlns:p14="http://schemas.microsoft.com/office/powerpoint/2010/main" val="3327122026"/>
+      </p:ext>
+    </p:extLst>
+  </p:cSld>
+  <p:clrMapOvr>
+    <a:masterClrMapping/>
+  </p:clrMapOvr>
+</p:notes>
+</file>
+
+<file path=ppt/notesSlides/notesSlide20.xml><?xml version="1.0" encoding="utf-8"?>
+<p:notes xmlns:a="http://schemas.openxmlformats.org/drawingml/2006/main" xmlns:r="http://schemas.openxmlformats.org/officeDocument/2006/relationships" xmlns:p="http://schemas.openxmlformats.org/presentationml/2006/main">
+  <p:cSld>
+    <p:spTree>
+      <p:nvGrpSpPr>
+        <p:cNvPr id="1" name=""/>
+        <p:cNvGrpSpPr/>
+        <p:nvPr/>
+      </p:nvGrpSpPr>
+      <p:grpSpPr>
+        <a:xfrm>
+          <a:off x="0" y="0"/>
+          <a:ext cx="0" cy="0"/>
+          <a:chOff x="0" y="0"/>
+          <a:chExt cx="0" cy="0"/>
+        </a:xfrm>
+      </p:grpSpPr>
+      <p:sp>
+        <p:nvSpPr>
+          <p:cNvPr id="2" name="投影片影像版面配置區 1"/>
+          <p:cNvSpPr>
+            <a:spLocks noGrp="1" noRot="1" noChangeAspect="1"/>
+          </p:cNvSpPr>
+          <p:nvPr>
+            <p:ph type="sldImg"/>
+          </p:nvPr>
+        </p:nvSpPr>
+        <p:spPr/>
+      </p:sp>
+      <p:sp>
+        <p:nvSpPr>
+          <p:cNvPr id="3" name="備忘稿版面配置區 2"/>
+          <p:cNvSpPr>
+            <a:spLocks noGrp="1"/>
+          </p:cNvSpPr>
+          <p:nvPr>
+            <p:ph type="body" idx="1"/>
+          </p:nvPr>
+        </p:nvSpPr>
+        <p:spPr/>
+        <p:txBody>
+          <a:bodyPr/>
+          <a:lstStyle/>
+          <a:p>
+            <a:endParaRPr lang="zh-TW" altLang="en-US" dirty="0"/>
+          </a:p>
+        </p:txBody>
+      </p:sp>
+      <p:sp>
+        <p:nvSpPr>
+          <p:cNvPr id="4" name="投影片編號版面配置區 3"/>
+          <p:cNvSpPr>
+            <a:spLocks noGrp="1"/>
+          </p:cNvSpPr>
+          <p:nvPr>
+            <p:ph type="sldNum" sz="quarter" idx="10"/>
+          </p:nvPr>
+        </p:nvSpPr>
+        <p:spPr/>
+        <p:txBody>
+          <a:bodyPr/>
+          <a:lstStyle/>
+          <a:p>
+            <a:fld id="{8530193B-564F-4854-8A52-728F3FB19C85}" type="slidenum">
+              <a:rPr lang="en-ZA" smtClean="0"/>
+              <a:pPr/>
+              <a:t>20</a:t>
+            </a:fld>
+            <a:endParaRPr lang="en-ZA"/>
+          </a:p>
+        </p:txBody>
+      </p:sp>
+      <p:sp>
+        <p:nvSpPr>
+          <p:cNvPr id="5" name="頁首版面配置區 4">
+            <a:extLst>
+              <a:ext uri="{FF2B5EF4-FFF2-40B4-BE49-F238E27FC236}">
+                <a16:creationId xmlns:a16="http://schemas.microsoft.com/office/drawing/2014/main" id="{C6CA5819-F2E0-4902-8EC2-936D1629FEA9}"/>
+              </a:ext>
+            </a:extLst>
+          </p:cNvPr>
+          <p:cNvSpPr>
+            <a:spLocks noGrp="1"/>
+          </p:cNvSpPr>
+          <p:nvPr>
+            <p:ph type="hdr" sz="quarter"/>
+          </p:nvPr>
+        </p:nvSpPr>
+        <p:spPr/>
+        <p:txBody>
+          <a:bodyPr/>
+          <a:lstStyle/>
+          <a:p>
+            <a:r>
+              <a:rPr lang="en-US" altLang="zh-TW"/>
+              <a:t>1</a:t>
+            </a:r>
+            <a:endParaRPr lang="zh-TW" altLang="en-US" dirty="0"/>
+          </a:p>
+        </p:txBody>
+      </p:sp>
+    </p:spTree>
+    <p:extLst>
+      <p:ext uri="{BB962C8B-B14F-4D97-AF65-F5344CB8AC3E}">
+        <p14:creationId xmlns:p14="http://schemas.microsoft.com/office/powerpoint/2010/main" val="3099077120"/>
       </p:ext>
     </p:extLst>
   </p:cSld>
@@ -2187,7 +2532,7 @@
           <p:cNvPr id="5" name="頁首版面配置區 4">
             <a:extLst>
               <a:ext uri="{FF2B5EF4-FFF2-40B4-BE49-F238E27FC236}">
-                <a16:creationId xmlns:a16="http://schemas.microsoft.com/office/drawing/2014/main" id="{69520323-41D2-417A-A859-72788AD14792}"/>
+                <a16:creationId xmlns:a16="http://schemas.microsoft.com/office/drawing/2014/main" id="{1F0C3561-C6B6-4374-B68A-3EF82E316F02}"/>
               </a:ext>
             </a:extLst>
           </p:cNvPr>
@@ -2214,7 +2559,7 @@
     </p:spTree>
     <p:extLst>
       <p:ext uri="{BB962C8B-B14F-4D97-AF65-F5344CB8AC3E}">
-        <p14:creationId xmlns:p14="http://schemas.microsoft.com/office/powerpoint/2010/main" val="2826190633"/>
+        <p14:creationId xmlns:p14="http://schemas.microsoft.com/office/powerpoint/2010/main" val="214243249"/>
       </p:ext>
     </p:extLst>
   </p:cSld>
@@ -2301,7 +2646,7 @@
           <p:cNvPr id="5" name="頁首版面配置區 4">
             <a:extLst>
               <a:ext uri="{FF2B5EF4-FFF2-40B4-BE49-F238E27FC236}">
-                <a16:creationId xmlns:a16="http://schemas.microsoft.com/office/drawing/2014/main" id="{6F900149-3555-4763-9486-4E4028601AAD}"/>
+                <a16:creationId xmlns:a16="http://schemas.microsoft.com/office/drawing/2014/main" id="{69520323-41D2-417A-A859-72788AD14792}"/>
               </a:ext>
             </a:extLst>
           </p:cNvPr>
@@ -2328,7 +2673,7 @@
     </p:spTree>
     <p:extLst>
       <p:ext uri="{BB962C8B-B14F-4D97-AF65-F5344CB8AC3E}">
-        <p14:creationId xmlns:p14="http://schemas.microsoft.com/office/powerpoint/2010/main" val="2358249215"/>
+        <p14:creationId xmlns:p14="http://schemas.microsoft.com/office/powerpoint/2010/main" val="2826190633"/>
       </p:ext>
     </p:extLst>
   </p:cSld>
@@ -2415,7 +2760,7 @@
           <p:cNvPr id="5" name="頁首版面配置區 4">
             <a:extLst>
               <a:ext uri="{FF2B5EF4-FFF2-40B4-BE49-F238E27FC236}">
-                <a16:creationId xmlns:a16="http://schemas.microsoft.com/office/drawing/2014/main" id="{834FB955-B0A4-4715-A2CD-0AF8344CCCE6}"/>
+                <a16:creationId xmlns:a16="http://schemas.microsoft.com/office/drawing/2014/main" id="{6F900149-3555-4763-9486-4E4028601AAD}"/>
               </a:ext>
             </a:extLst>
           </p:cNvPr>
@@ -2442,7 +2787,7 @@
     </p:spTree>
     <p:extLst>
       <p:ext uri="{BB962C8B-B14F-4D97-AF65-F5344CB8AC3E}">
-        <p14:creationId xmlns:p14="http://schemas.microsoft.com/office/powerpoint/2010/main" val="3762600028"/>
+        <p14:creationId xmlns:p14="http://schemas.microsoft.com/office/powerpoint/2010/main" val="2358249215"/>
       </p:ext>
     </p:extLst>
   </p:cSld>
@@ -2529,7 +2874,7 @@
           <p:cNvPr id="5" name="頁首版面配置區 4">
             <a:extLst>
               <a:ext uri="{FF2B5EF4-FFF2-40B4-BE49-F238E27FC236}">
-                <a16:creationId xmlns:a16="http://schemas.microsoft.com/office/drawing/2014/main" id="{71D18276-84C9-4AF6-9FB4-8070C96147DC}"/>
+                <a16:creationId xmlns:a16="http://schemas.microsoft.com/office/drawing/2014/main" id="{834FB955-B0A4-4715-A2CD-0AF8344CCCE6}"/>
               </a:ext>
             </a:extLst>
           </p:cNvPr>
@@ -2556,7 +2901,7 @@
     </p:spTree>
     <p:extLst>
       <p:ext uri="{BB962C8B-B14F-4D97-AF65-F5344CB8AC3E}">
-        <p14:creationId xmlns:p14="http://schemas.microsoft.com/office/powerpoint/2010/main" val="2347172397"/>
+        <p14:creationId xmlns:p14="http://schemas.microsoft.com/office/powerpoint/2010/main" val="3762600028"/>
       </p:ext>
     </p:extLst>
   </p:cSld>
@@ -2643,7 +2988,7 @@
           <p:cNvPr id="5" name="頁首版面配置區 4">
             <a:extLst>
               <a:ext uri="{FF2B5EF4-FFF2-40B4-BE49-F238E27FC236}">
-                <a16:creationId xmlns:a16="http://schemas.microsoft.com/office/drawing/2014/main" id="{12FD8A95-6F27-4C71-B3D8-7A54519CDA45}"/>
+                <a16:creationId xmlns:a16="http://schemas.microsoft.com/office/drawing/2014/main" id="{834FB955-B0A4-4715-A2CD-0AF8344CCCE6}"/>
               </a:ext>
             </a:extLst>
           </p:cNvPr>
@@ -2670,7 +3015,7 @@
     </p:spTree>
     <p:extLst>
       <p:ext uri="{BB962C8B-B14F-4D97-AF65-F5344CB8AC3E}">
-        <p14:creationId xmlns:p14="http://schemas.microsoft.com/office/powerpoint/2010/main" val="781114186"/>
+        <p14:creationId xmlns:p14="http://schemas.microsoft.com/office/powerpoint/2010/main" val="3687651324"/>
       </p:ext>
     </p:extLst>
   </p:cSld>
@@ -8670,7 +9015,7 @@
         </p:nvSpPr>
         <p:spPr>
           <a:xfrm>
-            <a:off x="5253247" y="3640376"/>
+            <a:off x="5319426" y="3540568"/>
             <a:ext cx="4770946" cy="1602932"/>
           </a:xfrm>
         </p:spPr>
@@ -8679,6 +9024,14 @@
           <a:lstStyle/>
           <a:p>
             <a:pPr rtl="0"/>
+            <a:r>
+              <a:rPr lang="en-US" altLang="zh-TW" sz="2500" b="1" i="0" dirty="0">
+                <a:latin typeface="+mn-lt"/>
+                <a:ea typeface="Microsoft JhengHei UI" panose="020B0604030504040204" pitchFamily="34" charset="-120"/>
+                <a:sym typeface="Microsoft JhengHei UI" panose="020B0604030504040204" pitchFamily="34" charset="-120"/>
+              </a:rPr>
+              <a:t>Natural Language Processing:</a:t>
+            </a:r>
             <a:br>
               <a:rPr lang="en-US" altLang="zh-TW" sz="2500" b="1" i="0" dirty="0">
                 <a:latin typeface="+mn-lt"/>
@@ -8686,17 +9039,6 @@
                 <a:sym typeface="Microsoft JhengHei UI" panose="020B0604030504040204" pitchFamily="34" charset="-120"/>
               </a:rPr>
             </a:br>
-            <a:r>
-              <a:rPr lang="en-US" altLang="zh-TW" sz="2500" b="1" i="0" dirty="0">
-                <a:latin typeface="+mn-lt"/>
-                <a:ea typeface="Microsoft JhengHei UI" panose="020B0604030504040204" pitchFamily="34" charset="-120"/>
-                <a:sym typeface="Microsoft JhengHei UI" panose="020B0604030504040204" pitchFamily="34" charset="-120"/>
-              </a:rPr>
-              <a:t>Natural Language Processing:</a:t>
-            </a:r>
-          </a:p>
-          <a:p>
-            <a:pPr rtl="0"/>
             <a:r>
               <a:rPr lang="en-US" altLang="zh-TW" sz="2500" b="1" i="0" dirty="0">
                 <a:latin typeface="+mn-lt"/>
@@ -9112,7 +9454,7 @@
         <p:spPr>
           <a:xfrm>
             <a:off x="616225" y="569844"/>
-            <a:ext cx="9500541" cy="523220"/>
+            <a:ext cx="10791141" cy="523220"/>
           </a:xfrm>
           <a:prstGeom prst="rect">
             <a:avLst/>
@@ -9127,17 +9469,17 @@
           <a:p>
             <a:r>
               <a:rPr lang="en-US" sz="2800" b="1" dirty="0"/>
-              <a:t>Attention Mechanism: The Fix – Multi-Headed Attention</a:t>
-            </a:r>
-          </a:p>
-        </p:txBody>
-      </p:sp>
-      <p:sp>
-        <p:nvSpPr>
-          <p:cNvPr id="5" name="TextBox 4">
-            <a:extLst>
-              <a:ext uri="{FF2B5EF4-FFF2-40B4-BE49-F238E27FC236}">
-                <a16:creationId xmlns:a16="http://schemas.microsoft.com/office/drawing/2014/main" id="{0F0A5022-A9F2-4143-B927-A449071B04E6}"/>
+              <a:t>Next Sentence Prediction (NSP)</a:t>
+            </a:r>
+          </a:p>
+        </p:txBody>
+      </p:sp>
+      <p:sp>
+        <p:nvSpPr>
+          <p:cNvPr id="10" name="TextBox 4">
+            <a:extLst>
+              <a:ext uri="{FF2B5EF4-FFF2-40B4-BE49-F238E27FC236}">
+                <a16:creationId xmlns:a16="http://schemas.microsoft.com/office/drawing/2014/main" id="{63537FB0-121E-415E-8CFE-3EBE420ABEE7}"/>
               </a:ext>
             </a:extLst>
           </p:cNvPr>
@@ -9146,8 +9488,8 @@
         </p:nvSpPr>
         <p:spPr>
           <a:xfrm>
-            <a:off x="1272901" y="1621886"/>
-            <a:ext cx="3588931" cy="461665"/>
+            <a:off x="926092" y="1464412"/>
+            <a:ext cx="2003690" cy="461665"/>
           </a:xfrm>
           <a:prstGeom prst="rect">
             <a:avLst/>
@@ -9155,7 +9497,7 @@
           <a:noFill/>
         </p:spPr>
         <p:txBody>
-          <a:bodyPr wrap="none" rtlCol="0">
+          <a:bodyPr wrap="square" rtlCol="0">
             <a:spAutoFit/>
           </a:bodyPr>
           <a:lstStyle/>
@@ -9169,17 +9511,21 @@
                 <a:latin typeface="Calibri" panose="020F0502020204030204" pitchFamily="34" charset="0"/>
                 <a:cs typeface="Calibri" panose="020F0502020204030204" pitchFamily="34" charset="0"/>
               </a:rPr>
-              <a:t>Multi-Headed Attention</a:t>
-            </a:r>
-          </a:p>
-        </p:txBody>
-      </p:sp>
-      <p:sp>
-        <p:nvSpPr>
-          <p:cNvPr id="6" name="TextBox 5">
-            <a:extLst>
-              <a:ext uri="{FF2B5EF4-FFF2-40B4-BE49-F238E27FC236}">
-                <a16:creationId xmlns:a16="http://schemas.microsoft.com/office/drawing/2014/main" id="{AA02E5DE-4934-2043-ACFE-09A4C05C23C7}"/>
+              <a:t>NSP</a:t>
+            </a:r>
+            <a:endParaRPr lang="en-US" sz="2400" dirty="0">
+              <a:latin typeface="Calibri" panose="020F0502020204030204" pitchFamily="34" charset="0"/>
+              <a:cs typeface="Calibri" panose="020F0502020204030204" pitchFamily="34" charset="0"/>
+            </a:endParaRPr>
+          </a:p>
+        </p:txBody>
+      </p:sp>
+      <p:sp>
+        <p:nvSpPr>
+          <p:cNvPr id="9" name="文字方塊 8">
+            <a:extLst>
+              <a:ext uri="{FF2B5EF4-FFF2-40B4-BE49-F238E27FC236}">
+                <a16:creationId xmlns:a16="http://schemas.microsoft.com/office/drawing/2014/main" id="{F226C00B-405D-4E5A-8892-4520896AD1A8}"/>
               </a:ext>
             </a:extLst>
           </p:cNvPr>
@@ -9188,8 +9534,8 @@
         </p:nvSpPr>
         <p:spPr>
           <a:xfrm>
-            <a:off x="1773335" y="2428904"/>
-            <a:ext cx="9500541" cy="461665"/>
+            <a:off x="11484528" y="6493241"/>
+            <a:ext cx="805343" cy="276999"/>
           </a:xfrm>
           <a:prstGeom prst="rect">
             <a:avLst/>
@@ -9202,101 +9548,19 @@
           </a:bodyPr>
           <a:lstStyle/>
           <a:p>
-            <a:pPr marL="342900" indent="-342900">
-              <a:buFont typeface="Arial" panose="020B0604020202020204" pitchFamily="34" charset="0"/>
-              <a:buChar char="•"/>
-            </a:pPr>
-            <a:r>
-              <a:rPr lang="en-US" sz="2400" dirty="0"/>
-              <a:t>Multiple attention layers (heads) in parallel (shown by different colors)</a:t>
-            </a:r>
-          </a:p>
-        </p:txBody>
-      </p:sp>
-      <p:sp>
-        <p:nvSpPr>
-          <p:cNvPr id="10" name="TextBox 9">
-            <a:extLst>
-              <a:ext uri="{FF2B5EF4-FFF2-40B4-BE49-F238E27FC236}">
-                <a16:creationId xmlns:a16="http://schemas.microsoft.com/office/drawing/2014/main" id="{0904BA4E-C0C3-D744-814B-DA4816B447F1}"/>
-              </a:ext>
-            </a:extLst>
-          </p:cNvPr>
-          <p:cNvSpPr txBox="1"/>
-          <p:nvPr/>
-        </p:nvSpPr>
-        <p:spPr>
-          <a:xfrm>
-            <a:off x="1773334" y="3141314"/>
-            <a:ext cx="9500541" cy="461665"/>
-          </a:xfrm>
-          <a:prstGeom prst="rect">
-            <a:avLst/>
-          </a:prstGeom>
-          <a:noFill/>
-        </p:spPr>
-        <p:txBody>
-          <a:bodyPr wrap="square" rtlCol="0">
-            <a:spAutoFit/>
-          </a:bodyPr>
-          <a:lstStyle/>
-          <a:p>
-            <a:pPr marL="342900" indent="-342900">
-              <a:buFont typeface="Arial" panose="020B0604020202020204" pitchFamily="34" charset="0"/>
-              <a:buChar char="•"/>
-            </a:pPr>
-            <a:r>
-              <a:rPr lang="en-US" sz="2400" dirty="0"/>
-              <a:t>Each layer uses different linear transformations.</a:t>
-            </a:r>
-          </a:p>
-        </p:txBody>
-      </p:sp>
-      <p:sp>
-        <p:nvSpPr>
-          <p:cNvPr id="13" name="TextBox 12">
-            <a:extLst>
-              <a:ext uri="{FF2B5EF4-FFF2-40B4-BE49-F238E27FC236}">
-                <a16:creationId xmlns:a16="http://schemas.microsoft.com/office/drawing/2014/main" id="{E9FE2D4D-3A0B-9B43-87CD-629A77DD5A92}"/>
-              </a:ext>
-            </a:extLst>
-          </p:cNvPr>
-          <p:cNvSpPr txBox="1"/>
-          <p:nvPr/>
-        </p:nvSpPr>
-        <p:spPr>
-          <a:xfrm>
-            <a:off x="1773334" y="3853724"/>
-            <a:ext cx="9500541" cy="461665"/>
-          </a:xfrm>
-          <a:prstGeom prst="rect">
-            <a:avLst/>
-          </a:prstGeom>
-          <a:noFill/>
-        </p:spPr>
-        <p:txBody>
-          <a:bodyPr wrap="square" rtlCol="0">
-            <a:spAutoFit/>
-          </a:bodyPr>
-          <a:lstStyle/>
-          <a:p>
-            <a:pPr marL="342900" indent="-342900">
-              <a:buFont typeface="Arial" panose="020B0604020202020204" pitchFamily="34" charset="0"/>
-              <a:buChar char="•"/>
-            </a:pPr>
-            <a:r>
-              <a:rPr lang="en-US" sz="2400" dirty="0"/>
-              <a:t>Different heads can learn different relationships.</a:t>
+            <a:r>
+              <a:rPr lang="en-US" sz="1200" dirty="0"/>
+              <a:t>6</a:t>
             </a:r>
           </a:p>
         </p:txBody>
       </p:sp>
       <p:pic>
         <p:nvPicPr>
-          <p:cNvPr id="9" name="Picture 8">
-            <a:extLst>
-              <a:ext uri="{FF2B5EF4-FFF2-40B4-BE49-F238E27FC236}">
-                <a16:creationId xmlns:a16="http://schemas.microsoft.com/office/drawing/2014/main" id="{0942FB8F-AC6E-4341-8B0C-3D563C5F5700}"/>
+          <p:cNvPr id="6" name="圖片 5">
+            <a:extLst>
+              <a:ext uri="{FF2B5EF4-FFF2-40B4-BE49-F238E27FC236}">
+                <a16:creationId xmlns:a16="http://schemas.microsoft.com/office/drawing/2014/main" id="{7700B3CF-D37F-494E-90C3-35A5DA7AAFA9}"/>
               </a:ext>
             </a:extLst>
           </p:cNvPr>
@@ -9305,66 +9569,32 @@
           </p:cNvPicPr>
           <p:nvPr/>
         </p:nvPicPr>
-        <p:blipFill rotWithShape="1">
-          <a:blip r:embed="rId3" cstate="print">
+        <p:blipFill>
+          <a:blip r:embed="rId3">
             <a:extLst>
               <a:ext uri="{28A0092B-C50C-407E-A947-70E740481C1C}">
                 <a14:useLocalDpi xmlns:a14="http://schemas.microsoft.com/office/drawing/2010/main" val="0"/>
               </a:ext>
             </a:extLst>
           </a:blip>
-          <a:srcRect t="30505"/>
-          <a:stretch/>
+          <a:stretch>
+            <a:fillRect/>
+          </a:stretch>
         </p:blipFill>
         <p:spPr>
           <a:xfrm>
-            <a:off x="7721105" y="4712245"/>
-            <a:ext cx="3962401" cy="1099076"/>
+            <a:off x="616224" y="2851814"/>
+            <a:ext cx="11441331" cy="1584384"/>
           </a:xfrm>
           <a:prstGeom prst="rect">
             <a:avLst/>
           </a:prstGeom>
         </p:spPr>
       </p:pic>
-      <p:sp>
-        <p:nvSpPr>
-          <p:cNvPr id="8" name="文字方塊 7">
-            <a:extLst>
-              <a:ext uri="{FF2B5EF4-FFF2-40B4-BE49-F238E27FC236}">
-                <a16:creationId xmlns:a16="http://schemas.microsoft.com/office/drawing/2014/main" id="{4170633D-74D4-4071-A14B-EC57F32C3D9F}"/>
-              </a:ext>
-            </a:extLst>
-          </p:cNvPr>
-          <p:cNvSpPr txBox="1"/>
-          <p:nvPr/>
-        </p:nvSpPr>
-        <p:spPr>
-          <a:xfrm>
-            <a:off x="11484528" y="6493241"/>
-            <a:ext cx="805343" cy="276999"/>
-          </a:xfrm>
-          <a:prstGeom prst="rect">
-            <a:avLst/>
-          </a:prstGeom>
-          <a:noFill/>
-        </p:spPr>
-        <p:txBody>
-          <a:bodyPr wrap="square" rtlCol="0">
-            <a:spAutoFit/>
-          </a:bodyPr>
-          <a:lstStyle/>
-          <a:p>
-            <a:r>
-              <a:rPr lang="en-US" sz="1200" dirty="0"/>
-              <a:t>9</a:t>
-            </a:r>
-          </a:p>
-        </p:txBody>
-      </p:sp>
     </p:spTree>
     <p:extLst>
       <p:ext uri="{BB962C8B-B14F-4D97-AF65-F5344CB8AC3E}">
-        <p14:creationId xmlns:p14="http://schemas.microsoft.com/office/powerpoint/2010/main" val="823711344"/>
+        <p14:creationId xmlns:p14="http://schemas.microsoft.com/office/powerpoint/2010/main" val="4238423464"/>
       </p:ext>
     </p:extLst>
   </p:cSld>
@@ -9429,17 +9659,17 @@
           <a:p>
             <a:r>
               <a:rPr lang="en-US" sz="2800" b="1" dirty="0"/>
-              <a:t>Problems with Attention Mechanism</a:t>
-            </a:r>
-          </a:p>
-        </p:txBody>
-      </p:sp>
-      <p:sp>
-        <p:nvSpPr>
-          <p:cNvPr id="13" name="TextBox 5">
-            <a:extLst>
-              <a:ext uri="{FF2B5EF4-FFF2-40B4-BE49-F238E27FC236}">
-                <a16:creationId xmlns:a16="http://schemas.microsoft.com/office/drawing/2014/main" id="{A35F1A04-046B-42E3-9C3B-FFD642B26147}"/>
+              <a:t>Attention Mechanism</a:t>
+            </a:r>
+          </a:p>
+        </p:txBody>
+      </p:sp>
+      <p:sp>
+        <p:nvSpPr>
+          <p:cNvPr id="12" name="TextBox 11">
+            <a:extLst>
+              <a:ext uri="{FF2B5EF4-FFF2-40B4-BE49-F238E27FC236}">
+                <a16:creationId xmlns:a16="http://schemas.microsoft.com/office/drawing/2014/main" id="{BADF6B0D-70A2-C543-A968-7B986D74325C}"/>
               </a:ext>
             </a:extLst>
           </p:cNvPr>
@@ -9448,8 +9678,8 @@
         </p:nvSpPr>
         <p:spPr>
           <a:xfrm>
-            <a:off x="1790024" y="2339903"/>
-            <a:ext cx="9047605" cy="830997"/>
+            <a:off x="1081364" y="1686157"/>
+            <a:ext cx="4800545" cy="461665"/>
           </a:xfrm>
           <a:prstGeom prst="rect">
             <a:avLst/>
@@ -9463,39 +9693,96 @@
           <a:lstStyle/>
           <a:p>
             <a:pPr marL="342900" indent="-342900">
-              <a:buFont typeface="Wingdings" pitchFamily="2" charset="2"/>
-              <a:buChar char="§"/>
+              <a:buFont typeface="Arial" panose="020B0604020202020204" pitchFamily="34" charset="0"/>
+              <a:buChar char="•"/>
             </a:pPr>
             <a:r>
               <a:rPr lang="en-US" sz="2400" b="1" dirty="0">
                 <a:latin typeface="Calibri" panose="020F0502020204030204" pitchFamily="34" charset="0"/>
                 <a:cs typeface="Calibri" panose="020F0502020204030204" pitchFamily="34" charset="0"/>
               </a:rPr>
-              <a:t>Too many heads -&gt; Hard to process queries from multiple positions</a:t>
-            </a:r>
-          </a:p>
-          <a:p>
-            <a:pPr lvl="6"/>
-            <a:r>
-              <a:rPr lang="en-US" sz="2400" b="1" dirty="0">
-                <a:latin typeface="Calibri" panose="020F0502020204030204" pitchFamily="34" charset="0"/>
-                <a:cs typeface="Calibri" panose="020F0502020204030204" pitchFamily="34" charset="0"/>
-              </a:rPr>
-              <a:t>in parallel.</a:t>
-            </a:r>
-            <a:endParaRPr lang="en-US" sz="2400" dirty="0">
-              <a:latin typeface="Calibri" panose="020F0502020204030204" pitchFamily="34" charset="0"/>
-              <a:cs typeface="Calibri" panose="020F0502020204030204" pitchFamily="34" charset="0"/>
-            </a:endParaRPr>
-          </a:p>
-        </p:txBody>
-      </p:sp>
-      <p:sp>
-        <p:nvSpPr>
-          <p:cNvPr id="14" name="TextBox 6">
-            <a:extLst>
-              <a:ext uri="{FF2B5EF4-FFF2-40B4-BE49-F238E27FC236}">
-                <a16:creationId xmlns:a16="http://schemas.microsoft.com/office/drawing/2014/main" id="{1DFF8FF5-A1E8-4D4B-9DE1-775A18258604}"/>
+              <a:t>Scaled Dot-Product Self Attention</a:t>
+            </a:r>
+          </a:p>
+        </p:txBody>
+      </p:sp>
+      <p:pic>
+        <p:nvPicPr>
+          <p:cNvPr id="4" name="圖片 3">
+            <a:extLst>
+              <a:ext uri="{FF2B5EF4-FFF2-40B4-BE49-F238E27FC236}">
+                <a16:creationId xmlns:a16="http://schemas.microsoft.com/office/drawing/2014/main" id="{E4E23801-30FF-482F-98A2-6E26DDF23DC6}"/>
+              </a:ext>
+            </a:extLst>
+          </p:cNvPr>
+          <p:cNvPicPr>
+            <a:picLocks noChangeAspect="1"/>
+          </p:cNvPicPr>
+          <p:nvPr/>
+        </p:nvPicPr>
+        <p:blipFill rotWithShape="1">
+          <a:blip r:embed="rId3">
+            <a:extLst>
+              <a:ext uri="{28A0092B-C50C-407E-A947-70E740481C1C}">
+                <a14:useLocalDpi xmlns:a14="http://schemas.microsoft.com/office/drawing/2010/main" val="0"/>
+              </a:ext>
+            </a:extLst>
+          </a:blip>
+          <a:srcRect l="-1" r="38337"/>
+          <a:stretch/>
+        </p:blipFill>
+        <p:spPr>
+          <a:xfrm>
+            <a:off x="1081364" y="3178660"/>
+            <a:ext cx="4216087" cy="809679"/>
+          </a:xfrm>
+          <a:prstGeom prst="rect">
+            <a:avLst/>
+          </a:prstGeom>
+        </p:spPr>
+      </p:pic>
+      <p:pic>
+        <p:nvPicPr>
+          <p:cNvPr id="6" name="Picture 5">
+            <a:extLst>
+              <a:ext uri="{FF2B5EF4-FFF2-40B4-BE49-F238E27FC236}">
+                <a16:creationId xmlns:a16="http://schemas.microsoft.com/office/drawing/2014/main" id="{B8E806E6-B826-3B46-B210-8D486570DE5E}"/>
+              </a:ext>
+            </a:extLst>
+          </p:cNvPr>
+          <p:cNvPicPr>
+            <a:picLocks noChangeAspect="1"/>
+          </p:cNvPicPr>
+          <p:nvPr/>
+        </p:nvPicPr>
+        <p:blipFill>
+          <a:blip r:embed="rId4">
+            <a:extLst>
+              <a:ext uri="{28A0092B-C50C-407E-A947-70E740481C1C}">
+                <a14:useLocalDpi xmlns:a14="http://schemas.microsoft.com/office/drawing/2010/main" val="0"/>
+              </a:ext>
+            </a:extLst>
+          </a:blip>
+          <a:stretch>
+            <a:fillRect/>
+          </a:stretch>
+        </p:blipFill>
+        <p:spPr>
+          <a:xfrm>
+            <a:off x="5648527" y="2959904"/>
+            <a:ext cx="6095998" cy="2947642"/>
+          </a:xfrm>
+          <a:prstGeom prst="rect">
+            <a:avLst/>
+          </a:prstGeom>
+        </p:spPr>
+      </p:pic>
+      <p:sp>
+        <p:nvSpPr>
+          <p:cNvPr id="7" name="文字方塊 6">
+            <a:extLst>
+              <a:ext uri="{FF2B5EF4-FFF2-40B4-BE49-F238E27FC236}">
+                <a16:creationId xmlns:a16="http://schemas.microsoft.com/office/drawing/2014/main" id="{7886FB91-0482-40E5-9FBB-F504CBB62D77}"/>
               </a:ext>
             </a:extLst>
           </p:cNvPr>
@@ -9504,8 +9791,8 @@
         </p:nvSpPr>
         <p:spPr>
           <a:xfrm>
-            <a:off x="1790025" y="3170900"/>
-            <a:ext cx="3747949" cy="461665"/>
+            <a:off x="11484528" y="6493241"/>
+            <a:ext cx="805343" cy="276999"/>
           </a:xfrm>
           <a:prstGeom prst="rect">
             <a:avLst/>
@@ -9513,156 +9800,14 @@
           <a:noFill/>
         </p:spPr>
         <p:txBody>
-          <a:bodyPr wrap="none" rtlCol="0">
-            <a:spAutoFit/>
-          </a:bodyPr>
-          <a:lstStyle/>
-          <a:p>
-            <a:pPr marL="342900" indent="-342900">
-              <a:buFont typeface="Wingdings" pitchFamily="2" charset="2"/>
-              <a:buChar char="§"/>
-            </a:pPr>
-            <a:r>
-              <a:rPr lang="en-US" sz="2400" b="1" dirty="0">
-                <a:solidFill>
-                  <a:srgbClr val="FF0000"/>
-                </a:solidFill>
-                <a:latin typeface="Calibri" panose="020F0502020204030204" pitchFamily="34" charset="0"/>
-                <a:cs typeface="Calibri" panose="020F0502020204030204" pitchFamily="34" charset="0"/>
-              </a:rPr>
-              <a:t>Valid heads are unknown</a:t>
-            </a:r>
-          </a:p>
-        </p:txBody>
-      </p:sp>
-      <p:sp>
-        <p:nvSpPr>
-          <p:cNvPr id="15" name="TextBox 9">
-            <a:extLst>
-              <a:ext uri="{FF2B5EF4-FFF2-40B4-BE49-F238E27FC236}">
-                <a16:creationId xmlns:a16="http://schemas.microsoft.com/office/drawing/2014/main" id="{4F69F72C-E1BD-4408-B368-6888FC13EC7B}"/>
-              </a:ext>
-            </a:extLst>
-          </p:cNvPr>
-          <p:cNvSpPr txBox="1"/>
-          <p:nvPr/>
-        </p:nvSpPr>
-        <p:spPr>
-          <a:xfrm>
-            <a:off x="1790024" y="3822153"/>
-            <a:ext cx="9510843" cy="1200329"/>
-          </a:xfrm>
-          <a:prstGeom prst="rect">
-            <a:avLst/>
-          </a:prstGeom>
-          <a:noFill/>
-        </p:spPr>
-        <p:txBody>
           <a:bodyPr wrap="square" rtlCol="0">
             <a:spAutoFit/>
           </a:bodyPr>
           <a:lstStyle/>
           <a:p>
-            <a:pPr marL="342900" indent="-342900">
-              <a:buFont typeface="Wingdings" pitchFamily="2" charset="2"/>
-              <a:buChar char="§"/>
-            </a:pPr>
-            <a:r>
-              <a:rPr lang="en-US" sz="2400" b="1" dirty="0">
-                <a:latin typeface="Calibri" panose="020F0502020204030204" pitchFamily="34" charset="0"/>
-                <a:cs typeface="Calibri" panose="020F0502020204030204" pitchFamily="34" charset="0"/>
-              </a:rPr>
-              <a:t>Processing with “Valid heads” problem:</a:t>
-            </a:r>
-            <a:br>
-              <a:rPr lang="en-US" sz="2400" b="1" dirty="0">
-                <a:latin typeface="Calibri" panose="020F0502020204030204" pitchFamily="34" charset="0"/>
-                <a:cs typeface="Calibri" panose="020F0502020204030204" pitchFamily="34" charset="0"/>
-              </a:rPr>
-            </a:br>
-            <a:r>
-              <a:rPr lang="en-US" sz="2400" b="1" dirty="0">
-                <a:solidFill>
-                  <a:srgbClr val="FF0000"/>
-                </a:solidFill>
-                <a:latin typeface="Calibri" panose="020F0502020204030204" pitchFamily="34" charset="0"/>
-                <a:cs typeface="Calibri" panose="020F0502020204030204" pitchFamily="34" charset="0"/>
-              </a:rPr>
-              <a:t>	</a:t>
-            </a:r>
-            <a:br>
-              <a:rPr lang="en-US" sz="2400" b="1" dirty="0">
-                <a:solidFill>
-                  <a:srgbClr val="FF0000"/>
-                </a:solidFill>
-                <a:latin typeface="Calibri" panose="020F0502020204030204" pitchFamily="34" charset="0"/>
-                <a:cs typeface="Calibri" panose="020F0502020204030204" pitchFamily="34" charset="0"/>
-              </a:rPr>
-            </a:br>
-            <a:r>
-              <a:rPr lang="en-US" sz="2400" b="1" dirty="0">
-                <a:solidFill>
-                  <a:srgbClr val="FF0000"/>
-                </a:solidFill>
-                <a:latin typeface="Calibri" panose="020F0502020204030204" pitchFamily="34" charset="0"/>
-                <a:cs typeface="Calibri" panose="020F0502020204030204" pitchFamily="34" charset="0"/>
-              </a:rPr>
-              <a:t>	We propose EDM-</a:t>
-            </a:r>
-            <a:r>
-              <a:rPr lang="en-US" sz="2400" b="1" dirty="0" err="1">
-                <a:solidFill>
-                  <a:srgbClr val="FF0000"/>
-                </a:solidFill>
-                <a:latin typeface="Calibri" panose="020F0502020204030204" pitchFamily="34" charset="0"/>
-                <a:cs typeface="Calibri" panose="020F0502020204030204" pitchFamily="34" charset="0"/>
-              </a:rPr>
-              <a:t>RoBERTa</a:t>
-            </a:r>
-            <a:r>
-              <a:rPr lang="en-US" sz="2400" b="1" dirty="0">
-                <a:solidFill>
-                  <a:srgbClr val="FF0000"/>
-                </a:solidFill>
-                <a:latin typeface="Calibri" panose="020F0502020204030204" pitchFamily="34" charset="0"/>
-                <a:cs typeface="Calibri" panose="020F0502020204030204" pitchFamily="34" charset="0"/>
-              </a:rPr>
-              <a:t> to optimize the attention process</a:t>
-            </a:r>
-          </a:p>
-        </p:txBody>
-      </p:sp>
-      <p:sp>
-        <p:nvSpPr>
-          <p:cNvPr id="6" name="文字方塊 5">
-            <a:extLst>
-              <a:ext uri="{FF2B5EF4-FFF2-40B4-BE49-F238E27FC236}">
-                <a16:creationId xmlns:a16="http://schemas.microsoft.com/office/drawing/2014/main" id="{064B2AB1-2865-4D5A-90E4-412F1FAFC6F9}"/>
-              </a:ext>
-            </a:extLst>
-          </p:cNvPr>
-          <p:cNvSpPr txBox="1"/>
-          <p:nvPr/>
-        </p:nvSpPr>
-        <p:spPr>
-          <a:xfrm>
-            <a:off x="11484528" y="6493241"/>
-            <a:ext cx="805343" cy="276999"/>
-          </a:xfrm>
-          <a:prstGeom prst="rect">
-            <a:avLst/>
-          </a:prstGeom>
-          <a:noFill/>
-        </p:spPr>
-        <p:txBody>
-          <a:bodyPr wrap="square" rtlCol="0">
-            <a:spAutoFit/>
-          </a:bodyPr>
-          <a:lstStyle/>
-          <a:p>
             <a:r>
               <a:rPr lang="en-US" sz="1200" dirty="0"/>
-              <a:t>10</a:t>
+              <a:t>7</a:t>
             </a:r>
           </a:p>
         </p:txBody>
@@ -9670,7 +9815,7 @@
     </p:spTree>
     <p:extLst>
       <p:ext uri="{BB962C8B-B14F-4D97-AF65-F5344CB8AC3E}">
-        <p14:creationId xmlns:p14="http://schemas.microsoft.com/office/powerpoint/2010/main" val="4156085279"/>
+        <p14:creationId xmlns:p14="http://schemas.microsoft.com/office/powerpoint/2010/main" val="3746276885"/>
       </p:ext>
     </p:extLst>
   </p:cSld>
@@ -9735,7 +9880,7 @@
           <a:p>
             <a:r>
               <a:rPr lang="en-US" sz="2800" b="1" dirty="0"/>
-              <a:t>Optimization</a:t>
+              <a:t>Attention Mechanism</a:t>
             </a:r>
           </a:p>
         </p:txBody>
@@ -9754,8 +9899,8 @@
         </p:nvSpPr>
         <p:spPr>
           <a:xfrm>
-            <a:off x="952373" y="1568534"/>
-            <a:ext cx="5613268" cy="461665"/>
+            <a:off x="1838873" y="3687383"/>
+            <a:ext cx="3588931" cy="461665"/>
           </a:xfrm>
           <a:prstGeom prst="rect">
             <a:avLst/>
@@ -9773,21 +9918,21 @@
               <a:buChar char="•"/>
             </a:pPr>
             <a:r>
-              <a:rPr lang="en-US" sz="2400" dirty="0">
+              <a:rPr lang="en-US" sz="2400" b="1" dirty="0">
                 <a:latin typeface="Calibri" panose="020F0502020204030204" pitchFamily="34" charset="0"/>
                 <a:cs typeface="Calibri" panose="020F0502020204030204" pitchFamily="34" charset="0"/>
               </a:rPr>
-              <a:t>Single-headed Attention RNN (SHA-RNN)</a:t>
-            </a:r>
-          </a:p>
-        </p:txBody>
-      </p:sp>
-      <p:sp>
-        <p:nvSpPr>
-          <p:cNvPr id="6" name="TextBox 5">
-            <a:extLst>
-              <a:ext uri="{FF2B5EF4-FFF2-40B4-BE49-F238E27FC236}">
-                <a16:creationId xmlns:a16="http://schemas.microsoft.com/office/drawing/2014/main" id="{F0562E0E-EEBC-9146-9A8A-71CE457A66D7}"/>
+              <a:t>Multi-Headed Attention</a:t>
+            </a:r>
+          </a:p>
+        </p:txBody>
+      </p:sp>
+      <p:sp>
+        <p:nvSpPr>
+          <p:cNvPr id="12" name="TextBox 11">
+            <a:extLst>
+              <a:ext uri="{FF2B5EF4-FFF2-40B4-BE49-F238E27FC236}">
+                <a16:creationId xmlns:a16="http://schemas.microsoft.com/office/drawing/2014/main" id="{BADF6B0D-70A2-C543-A968-7B986D74325C}"/>
               </a:ext>
             </a:extLst>
           </p:cNvPr>
@@ -9796,8 +9941,8 @@
         </p:nvSpPr>
         <p:spPr>
           <a:xfrm>
-            <a:off x="1516652" y="2219787"/>
-            <a:ext cx="2593852" cy="461665"/>
+            <a:off x="1838873" y="1360128"/>
+            <a:ext cx="4257127" cy="461665"/>
           </a:xfrm>
           <a:prstGeom prst="rect">
             <a:avLst/>
@@ -9805,35 +9950,66 @@
           <a:noFill/>
         </p:spPr>
         <p:txBody>
-          <a:bodyPr wrap="square" rtlCol="0">
+          <a:bodyPr wrap="none" rtlCol="0">
             <a:spAutoFit/>
           </a:bodyPr>
           <a:lstStyle/>
           <a:p>
             <a:pPr marL="342900" indent="-342900">
-              <a:buFont typeface="Wingdings" pitchFamily="2" charset="2"/>
-              <a:buChar char="§"/>
+              <a:buFont typeface="Arial" panose="020B0604020202020204" pitchFamily="34" charset="0"/>
+              <a:buChar char="•"/>
             </a:pPr>
             <a:r>
               <a:rPr lang="en-US" sz="2400" b="1" dirty="0">
                 <a:latin typeface="Calibri" panose="020F0502020204030204" pitchFamily="34" charset="0"/>
                 <a:cs typeface="Calibri" panose="020F0502020204030204" pitchFamily="34" charset="0"/>
               </a:rPr>
-              <a:t>Boom Layer</a:t>
-            </a:r>
-            <a:endParaRPr lang="en-US" sz="2400" dirty="0">
-              <a:latin typeface="Calibri" panose="020F0502020204030204" pitchFamily="34" charset="0"/>
-              <a:cs typeface="Calibri" panose="020F0502020204030204" pitchFamily="34" charset="0"/>
-            </a:endParaRPr>
-          </a:p>
-        </p:txBody>
-      </p:sp>
-      <p:sp>
-        <p:nvSpPr>
-          <p:cNvPr id="11" name="TextBox 10">
-            <a:extLst>
-              <a:ext uri="{FF2B5EF4-FFF2-40B4-BE49-F238E27FC236}">
-                <a16:creationId xmlns:a16="http://schemas.microsoft.com/office/drawing/2014/main" id="{047DF914-B467-334D-87BF-6ED281A9340C}"/>
+              <a:t>Scaled Dot-Product Attention</a:t>
+            </a:r>
+          </a:p>
+        </p:txBody>
+      </p:sp>
+      <p:pic>
+        <p:nvPicPr>
+          <p:cNvPr id="4" name="圖片 3">
+            <a:extLst>
+              <a:ext uri="{FF2B5EF4-FFF2-40B4-BE49-F238E27FC236}">
+                <a16:creationId xmlns:a16="http://schemas.microsoft.com/office/drawing/2014/main" id="{E4E23801-30FF-482F-98A2-6E26DDF23DC6}"/>
+              </a:ext>
+            </a:extLst>
+          </p:cNvPr>
+          <p:cNvPicPr>
+            <a:picLocks noChangeAspect="1"/>
+          </p:cNvPicPr>
+          <p:nvPr/>
+        </p:nvPicPr>
+        <p:blipFill rotWithShape="1">
+          <a:blip r:embed="rId3">
+            <a:extLst>
+              <a:ext uri="{28A0092B-C50C-407E-A947-70E740481C1C}">
+                <a14:useLocalDpi xmlns:a14="http://schemas.microsoft.com/office/drawing/2010/main" val="0"/>
+              </a:ext>
+            </a:extLst>
+          </a:blip>
+          <a:srcRect l="-1" r="38337"/>
+          <a:stretch/>
+        </p:blipFill>
+        <p:spPr>
+          <a:xfrm>
+            <a:off x="2146126" y="2293443"/>
+            <a:ext cx="3949874" cy="758554"/>
+          </a:xfrm>
+          <a:prstGeom prst="rect">
+            <a:avLst/>
+          </a:prstGeom>
+        </p:spPr>
+      </p:pic>
+      <p:sp>
+        <p:nvSpPr>
+          <p:cNvPr id="9" name="文字方塊 8">
+            <a:extLst>
+              <a:ext uri="{FF2B5EF4-FFF2-40B4-BE49-F238E27FC236}">
+                <a16:creationId xmlns:a16="http://schemas.microsoft.com/office/drawing/2014/main" id="{3D5ACCB8-6422-4619-B5BC-16878077F822}"/>
               </a:ext>
             </a:extLst>
           </p:cNvPr>
@@ -9842,8 +10018,8 @@
         </p:nvSpPr>
         <p:spPr>
           <a:xfrm>
-            <a:off x="1516651" y="3684012"/>
-            <a:ext cx="9561079" cy="461665"/>
+            <a:off x="11484528" y="6493241"/>
+            <a:ext cx="805343" cy="276999"/>
           </a:xfrm>
           <a:prstGeom prst="rect">
             <a:avLst/>
@@ -9856,191 +10032,19 @@
           </a:bodyPr>
           <a:lstStyle/>
           <a:p>
-            <a:pPr marL="342900" indent="-342900">
-              <a:buFont typeface="Wingdings" pitchFamily="2" charset="2"/>
-              <a:buChar char="§"/>
-            </a:pPr>
-            <a:r>
-              <a:rPr lang="en-US" sz="2400" b="1" dirty="0">
-                <a:latin typeface="Calibri" panose="020F0502020204030204" pitchFamily="34" charset="0"/>
-                <a:cs typeface="Calibri" panose="020F0502020204030204" pitchFamily="34" charset="0"/>
-              </a:rPr>
-              <a:t>Activation Function:   </a:t>
-            </a:r>
-            <a:r>
-              <a:rPr lang="en-US" sz="2400" dirty="0">
-                <a:latin typeface="Times New Roman" panose="02020603050405020304" pitchFamily="18" charset="0"/>
-                <a:cs typeface="Times New Roman" panose="02020603050405020304" pitchFamily="18" charset="0"/>
-              </a:rPr>
-              <a:t>Gaussian Error Linear Unit (GELU)</a:t>
-            </a:r>
-          </a:p>
-        </p:txBody>
-      </p:sp>
-      <p:sp>
-        <p:nvSpPr>
-          <p:cNvPr id="12" name="TextBox 11">
-            <a:extLst>
-              <a:ext uri="{FF2B5EF4-FFF2-40B4-BE49-F238E27FC236}">
-                <a16:creationId xmlns:a16="http://schemas.microsoft.com/office/drawing/2014/main" id="{87F6B32E-0BBB-5943-984B-398FF49AE20E}"/>
-              </a:ext>
-            </a:extLst>
-          </p:cNvPr>
-          <p:cNvSpPr txBox="1"/>
-          <p:nvPr/>
-        </p:nvSpPr>
-        <p:spPr>
-          <a:xfrm>
-            <a:off x="952373" y="4496984"/>
-            <a:ext cx="5692392" cy="461665"/>
-          </a:xfrm>
-          <a:prstGeom prst="rect">
-            <a:avLst/>
-          </a:prstGeom>
-          <a:noFill/>
-        </p:spPr>
-        <p:txBody>
-          <a:bodyPr wrap="none" rtlCol="0">
-            <a:spAutoFit/>
-          </a:bodyPr>
-          <a:lstStyle/>
-          <a:p>
-            <a:pPr marL="342900" indent="-342900">
-              <a:buFont typeface="Arial" panose="020B0604020202020204" pitchFamily="34" charset="0"/>
-              <a:buChar char="•"/>
-            </a:pPr>
-            <a:r>
-              <a:rPr lang="en-US" sz="2400" dirty="0">
-                <a:latin typeface="Calibri" panose="020F0502020204030204" pitchFamily="34" charset="0"/>
-                <a:cs typeface="Calibri" panose="020F0502020204030204" pitchFamily="34" charset="0"/>
-              </a:rPr>
-              <a:t>Models: BERT, </a:t>
-            </a:r>
-            <a:r>
-              <a:rPr lang="en-US" sz="2400" dirty="0" err="1">
-                <a:latin typeface="Calibri" panose="020F0502020204030204" pitchFamily="34" charset="0"/>
-                <a:cs typeface="Calibri" panose="020F0502020204030204" pitchFamily="34" charset="0"/>
-              </a:rPr>
-              <a:t>RoBERTa</a:t>
-            </a:r>
-            <a:r>
-              <a:rPr lang="en-US" sz="2400" dirty="0">
-                <a:latin typeface="Calibri" panose="020F0502020204030204" pitchFamily="34" charset="0"/>
-                <a:cs typeface="Calibri" panose="020F0502020204030204" pitchFamily="34" charset="0"/>
-              </a:rPr>
-              <a:t>, </a:t>
-            </a:r>
-            <a:r>
-              <a:rPr lang="en-US" sz="2400" dirty="0" err="1">
-                <a:latin typeface="Calibri" panose="020F0502020204030204" pitchFamily="34" charset="0"/>
-                <a:cs typeface="Calibri" panose="020F0502020204030204" pitchFamily="34" charset="0"/>
-              </a:rPr>
-              <a:t>DistilBERT</a:t>
-            </a:r>
-            <a:r>
-              <a:rPr lang="en-US" sz="2400" dirty="0">
-                <a:latin typeface="Calibri" panose="020F0502020204030204" pitchFamily="34" charset="0"/>
-                <a:cs typeface="Calibri" panose="020F0502020204030204" pitchFamily="34" charset="0"/>
-              </a:rPr>
-              <a:t>, </a:t>
-            </a:r>
-            <a:r>
-              <a:rPr lang="en-US" sz="2400" dirty="0" err="1">
-                <a:latin typeface="Calibri" panose="020F0502020204030204" pitchFamily="34" charset="0"/>
-                <a:cs typeface="Calibri" panose="020F0502020204030204" pitchFamily="34" charset="0"/>
-              </a:rPr>
-              <a:t>XLNet</a:t>
-            </a:r>
-            <a:endParaRPr lang="en-US" sz="2400" dirty="0">
-              <a:latin typeface="Calibri" panose="020F0502020204030204" pitchFamily="34" charset="0"/>
-              <a:cs typeface="Calibri" panose="020F0502020204030204" pitchFamily="34" charset="0"/>
-            </a:endParaRPr>
-          </a:p>
-        </p:txBody>
-      </p:sp>
-      <p:sp>
-        <p:nvSpPr>
-          <p:cNvPr id="13" name="TextBox 12">
-            <a:extLst>
-              <a:ext uri="{FF2B5EF4-FFF2-40B4-BE49-F238E27FC236}">
-                <a16:creationId xmlns:a16="http://schemas.microsoft.com/office/drawing/2014/main" id="{EF565234-AACD-4849-9DD1-72F925B48DE6}"/>
-              </a:ext>
-            </a:extLst>
-          </p:cNvPr>
-          <p:cNvSpPr txBox="1"/>
-          <p:nvPr/>
-        </p:nvSpPr>
-        <p:spPr>
-          <a:xfrm>
-            <a:off x="952373" y="5289466"/>
-            <a:ext cx="10008317" cy="461665"/>
-          </a:xfrm>
-          <a:prstGeom prst="rect">
-            <a:avLst/>
-          </a:prstGeom>
-          <a:noFill/>
-        </p:spPr>
-        <p:txBody>
-          <a:bodyPr wrap="none" rtlCol="0">
-            <a:spAutoFit/>
-          </a:bodyPr>
-          <a:lstStyle/>
-          <a:p>
-            <a:pPr marL="342900" indent="-342900">
-              <a:buFont typeface="Arial" panose="020B0604020202020204" pitchFamily="34" charset="0"/>
-              <a:buChar char="•"/>
-            </a:pPr>
-            <a:r>
-              <a:rPr lang="en-US" sz="2400" b="1" dirty="0">
-                <a:latin typeface="Calibri" panose="020F0502020204030204" pitchFamily="34" charset="0"/>
-                <a:cs typeface="Calibri" panose="020F0502020204030204" pitchFamily="34" charset="0"/>
-              </a:rPr>
-              <a:t>Solving the short-term dependency problem of Transformer-based Models</a:t>
-            </a:r>
-          </a:p>
-        </p:txBody>
-      </p:sp>
-      <p:sp>
-        <p:nvSpPr>
-          <p:cNvPr id="9" name="文字方塊 8">
-            <a:extLst>
-              <a:ext uri="{FF2B5EF4-FFF2-40B4-BE49-F238E27FC236}">
-                <a16:creationId xmlns:a16="http://schemas.microsoft.com/office/drawing/2014/main" id="{AE73553F-4114-411F-A6A1-3291FA4B6CF8}"/>
-              </a:ext>
-            </a:extLst>
-          </p:cNvPr>
-          <p:cNvSpPr txBox="1"/>
-          <p:nvPr/>
-        </p:nvSpPr>
-        <p:spPr>
-          <a:xfrm>
-            <a:off x="11484528" y="6493241"/>
-            <a:ext cx="805343" cy="276999"/>
-          </a:xfrm>
-          <a:prstGeom prst="rect">
-            <a:avLst/>
-          </a:prstGeom>
-          <a:noFill/>
-        </p:spPr>
-        <p:txBody>
-          <a:bodyPr wrap="square" rtlCol="0">
-            <a:spAutoFit/>
-          </a:bodyPr>
-          <a:lstStyle/>
-          <a:p>
             <a:r>
               <a:rPr lang="en-US" sz="1200" dirty="0"/>
-              <a:t>11</a:t>
+              <a:t>8</a:t>
             </a:r>
           </a:p>
         </p:txBody>
       </p:sp>
       <p:pic>
         <p:nvPicPr>
-          <p:cNvPr id="10" name="Picture 9">
-            <a:extLst>
-              <a:ext uri="{FF2B5EF4-FFF2-40B4-BE49-F238E27FC236}">
-                <a16:creationId xmlns:a16="http://schemas.microsoft.com/office/drawing/2014/main" id="{73845E70-9BCF-3D4A-B14D-AAD9645A1F20}"/>
+          <p:cNvPr id="13" name="Picture 12">
+            <a:extLst>
+              <a:ext uri="{FF2B5EF4-FFF2-40B4-BE49-F238E27FC236}">
+                <a16:creationId xmlns:a16="http://schemas.microsoft.com/office/drawing/2014/main" id="{97B67585-F312-3A45-A82A-C36F1F2B97CA}"/>
               </a:ext>
             </a:extLst>
           </p:cNvPr>
@@ -10050,7 +10054,7 @@
           <p:nvPr/>
         </p:nvPicPr>
         <p:blipFill>
-          <a:blip r:embed="rId3">
+          <a:blip r:embed="rId4">
             <a:extLst>
               <a:ext uri="{28A0092B-C50C-407E-A947-70E740481C1C}">
                 <a14:useLocalDpi xmlns:a14="http://schemas.microsoft.com/office/drawing/2010/main" val="0"/>
@@ -10063,8 +10067,44 @@
         </p:blipFill>
         <p:spPr>
           <a:xfrm>
-            <a:off x="2545805" y="2921395"/>
-            <a:ext cx="4991100" cy="431800"/>
+            <a:off x="6654297" y="1332130"/>
+            <a:ext cx="4921509" cy="2368859"/>
+          </a:xfrm>
+          <a:prstGeom prst="rect">
+            <a:avLst/>
+          </a:prstGeom>
+        </p:spPr>
+      </p:pic>
+      <p:pic>
+        <p:nvPicPr>
+          <p:cNvPr id="15" name="Picture 14">
+            <a:extLst>
+              <a:ext uri="{FF2B5EF4-FFF2-40B4-BE49-F238E27FC236}">
+                <a16:creationId xmlns:a16="http://schemas.microsoft.com/office/drawing/2014/main" id="{5FF01190-8416-FB49-8361-20930620B806}"/>
+              </a:ext>
+            </a:extLst>
+          </p:cNvPr>
+          <p:cNvPicPr>
+            <a:picLocks noChangeAspect="1"/>
+          </p:cNvPicPr>
+          <p:nvPr/>
+        </p:nvPicPr>
+        <p:blipFill>
+          <a:blip r:embed="rId5">
+            <a:extLst>
+              <a:ext uri="{28A0092B-C50C-407E-A947-70E740481C1C}">
+                <a14:useLocalDpi xmlns:a14="http://schemas.microsoft.com/office/drawing/2010/main" val="0"/>
+              </a:ext>
+            </a:extLst>
+          </a:blip>
+          <a:stretch>
+            <a:fillRect/>
+          </a:stretch>
+        </p:blipFill>
+        <p:spPr>
+          <a:xfrm>
+            <a:off x="5504507" y="3954446"/>
+            <a:ext cx="6599976" cy="2615787"/>
           </a:xfrm>
           <a:prstGeom prst="rect">
             <a:avLst/>
@@ -10074,7 +10114,7 @@
     </p:spTree>
     <p:extLst>
       <p:ext uri="{BB962C8B-B14F-4D97-AF65-F5344CB8AC3E}">
-        <p14:creationId xmlns:p14="http://schemas.microsoft.com/office/powerpoint/2010/main" val="1030187098"/>
+        <p14:creationId xmlns:p14="http://schemas.microsoft.com/office/powerpoint/2010/main" val="3666552043"/>
       </p:ext>
     </p:extLst>
   </p:cSld>
@@ -10139,13 +10179,8 @@
           <a:p>
             <a:r>
               <a:rPr lang="en-US" sz="2800" b="1" dirty="0"/>
-              <a:t>Improved Learning Model:  EDM-</a:t>
-            </a:r>
-            <a:r>
-              <a:rPr lang="en-US" sz="2800" b="1" dirty="0" err="1"/>
-              <a:t>RoBERTa</a:t>
-            </a:r>
-            <a:endParaRPr lang="en-US" sz="2800" b="1" dirty="0"/>
+              <a:t>Attention Mechanism:   The Fix – Multi-Headed Attention</a:t>
+            </a:r>
           </a:p>
         </p:txBody>
       </p:sp>
@@ -10163,8 +10198,8 @@
         </p:nvSpPr>
         <p:spPr>
           <a:xfrm>
-            <a:off x="952373" y="1568534"/>
-            <a:ext cx="6384248" cy="461665"/>
+            <a:off x="1272901" y="1621886"/>
+            <a:ext cx="3588931" cy="461665"/>
           </a:xfrm>
           <a:prstGeom prst="rect">
             <a:avLst/>
@@ -10182,25 +10217,11 @@
               <a:buChar char="•"/>
             </a:pPr>
             <a:r>
-              <a:rPr lang="en-US" sz="2400" dirty="0">
+              <a:rPr lang="en-US" sz="2400" b="1" dirty="0">
                 <a:latin typeface="Calibri" panose="020F0502020204030204" pitchFamily="34" charset="0"/>
                 <a:cs typeface="Calibri" panose="020F0502020204030204" pitchFamily="34" charset="0"/>
               </a:rPr>
-              <a:t>Choose the best-performed model: </a:t>
-            </a:r>
-            <a:r>
-              <a:rPr lang="en-US" sz="2400" b="1" dirty="0" err="1">
-                <a:latin typeface="Times New Roman" panose="02020603050405020304" pitchFamily="18" charset="0"/>
-                <a:cs typeface="Times New Roman" panose="02020603050405020304" pitchFamily="18" charset="0"/>
-              </a:rPr>
-              <a:t>RoBERTa</a:t>
-            </a:r>
-            <a:r>
-              <a:rPr lang="en-US" sz="2400" dirty="0">
-                <a:latin typeface="Calibri" panose="020F0502020204030204" pitchFamily="34" charset="0"/>
-                <a:cs typeface="Calibri" panose="020F0502020204030204" pitchFamily="34" charset="0"/>
-              </a:rPr>
-              <a:t> </a:t>
+              <a:t>Multi-Headed Attention</a:t>
             </a:r>
           </a:p>
         </p:txBody>
@@ -10210,7 +10231,7 @@
           <p:cNvPr id="6" name="TextBox 5">
             <a:extLst>
               <a:ext uri="{FF2B5EF4-FFF2-40B4-BE49-F238E27FC236}">
-                <a16:creationId xmlns:a16="http://schemas.microsoft.com/office/drawing/2014/main" id="{F0562E0E-EEBC-9146-9A8A-71CE457A66D7}"/>
+                <a16:creationId xmlns:a16="http://schemas.microsoft.com/office/drawing/2014/main" id="{AA02E5DE-4934-2043-ACFE-09A4C05C23C7}"/>
               </a:ext>
             </a:extLst>
           </p:cNvPr>
@@ -10219,8 +10240,8 @@
         </p:nvSpPr>
         <p:spPr>
           <a:xfrm>
-            <a:off x="952373" y="2376449"/>
-            <a:ext cx="6661566" cy="461665"/>
+            <a:off x="1773335" y="2428904"/>
+            <a:ext cx="9500541" cy="461665"/>
           </a:xfrm>
           <a:prstGeom prst="rect">
             <a:avLst/>
@@ -10238,39 +10259,96 @@
               <a:buChar char="•"/>
             </a:pPr>
             <a:r>
-              <a:rPr lang="en-US" sz="2400" b="1" dirty="0">
-                <a:latin typeface="Calibri" panose="020F0502020204030204" pitchFamily="34" charset="0"/>
-                <a:cs typeface="Calibri" panose="020F0502020204030204" pitchFamily="34" charset="0"/>
-              </a:rPr>
-              <a:t>Optimize the </a:t>
-            </a:r>
-            <a:r>
-              <a:rPr lang="en-US" sz="2400" b="1" dirty="0" err="1">
-                <a:latin typeface="Calibri" panose="020F0502020204030204" pitchFamily="34" charset="0"/>
-                <a:cs typeface="Calibri" panose="020F0502020204030204" pitchFamily="34" charset="0"/>
-              </a:rPr>
-              <a:t>RoBERTa</a:t>
-            </a:r>
-            <a:r>
-              <a:rPr lang="en-US" sz="2400" b="1" dirty="0">
-                <a:latin typeface="Calibri" panose="020F0502020204030204" pitchFamily="34" charset="0"/>
-                <a:cs typeface="Calibri" panose="020F0502020204030204" pitchFamily="34" charset="0"/>
-              </a:rPr>
-              <a:t> model with Boom Layer</a:t>
-            </a:r>
-            <a:endParaRPr lang="en-US" sz="2400" dirty="0">
-              <a:latin typeface="Calibri" panose="020F0502020204030204" pitchFamily="34" charset="0"/>
-              <a:cs typeface="Calibri" panose="020F0502020204030204" pitchFamily="34" charset="0"/>
-            </a:endParaRPr>
+              <a:rPr lang="en-US" sz="2400" dirty="0"/>
+              <a:t>Multiple attention layers (heads) in parallel (shown by different colors)</a:t>
+            </a:r>
+          </a:p>
+        </p:txBody>
+      </p:sp>
+      <p:sp>
+        <p:nvSpPr>
+          <p:cNvPr id="10" name="TextBox 9">
+            <a:extLst>
+              <a:ext uri="{FF2B5EF4-FFF2-40B4-BE49-F238E27FC236}">
+                <a16:creationId xmlns:a16="http://schemas.microsoft.com/office/drawing/2014/main" id="{0904BA4E-C0C3-D744-814B-DA4816B447F1}"/>
+              </a:ext>
+            </a:extLst>
+          </p:cNvPr>
+          <p:cNvSpPr txBox="1"/>
+          <p:nvPr/>
+        </p:nvSpPr>
+        <p:spPr>
+          <a:xfrm>
+            <a:off x="1773334" y="3141314"/>
+            <a:ext cx="9500541" cy="461665"/>
+          </a:xfrm>
+          <a:prstGeom prst="rect">
+            <a:avLst/>
+          </a:prstGeom>
+          <a:noFill/>
+        </p:spPr>
+        <p:txBody>
+          <a:bodyPr wrap="square" rtlCol="0">
+            <a:spAutoFit/>
+          </a:bodyPr>
+          <a:lstStyle/>
+          <a:p>
+            <a:pPr marL="342900" indent="-342900">
+              <a:buFont typeface="Arial" panose="020B0604020202020204" pitchFamily="34" charset="0"/>
+              <a:buChar char="•"/>
+            </a:pPr>
+            <a:r>
+              <a:rPr lang="en-US" sz="2400" dirty="0"/>
+              <a:t>Each layer uses different linear transformations.</a:t>
+            </a:r>
+          </a:p>
+        </p:txBody>
+      </p:sp>
+      <p:sp>
+        <p:nvSpPr>
+          <p:cNvPr id="13" name="TextBox 12">
+            <a:extLst>
+              <a:ext uri="{FF2B5EF4-FFF2-40B4-BE49-F238E27FC236}">
+                <a16:creationId xmlns:a16="http://schemas.microsoft.com/office/drawing/2014/main" id="{E9FE2D4D-3A0B-9B43-87CD-629A77DD5A92}"/>
+              </a:ext>
+            </a:extLst>
+          </p:cNvPr>
+          <p:cNvSpPr txBox="1"/>
+          <p:nvPr/>
+        </p:nvSpPr>
+        <p:spPr>
+          <a:xfrm>
+            <a:off x="1773334" y="3853724"/>
+            <a:ext cx="9500541" cy="461665"/>
+          </a:xfrm>
+          <a:prstGeom prst="rect">
+            <a:avLst/>
+          </a:prstGeom>
+          <a:noFill/>
+        </p:spPr>
+        <p:txBody>
+          <a:bodyPr wrap="square" rtlCol="0">
+            <a:spAutoFit/>
+          </a:bodyPr>
+          <a:lstStyle/>
+          <a:p>
+            <a:pPr marL="342900" indent="-342900">
+              <a:buFont typeface="Arial" panose="020B0604020202020204" pitchFamily="34" charset="0"/>
+              <a:buChar char="•"/>
+            </a:pPr>
+            <a:r>
+              <a:rPr lang="en-US" sz="2400" dirty="0"/>
+              <a:t>Different heads can learn different relationships.</a:t>
+            </a:r>
           </a:p>
         </p:txBody>
       </p:sp>
       <p:pic>
         <p:nvPicPr>
-          <p:cNvPr id="7" name="Picture 6">
-            <a:extLst>
-              <a:ext uri="{FF2B5EF4-FFF2-40B4-BE49-F238E27FC236}">
-                <a16:creationId xmlns:a16="http://schemas.microsoft.com/office/drawing/2014/main" id="{03DD16DF-6DDD-1440-BEC6-E2C893E34BBD}"/>
+          <p:cNvPr id="9" name="Picture 8">
+            <a:extLst>
+              <a:ext uri="{FF2B5EF4-FFF2-40B4-BE49-F238E27FC236}">
+                <a16:creationId xmlns:a16="http://schemas.microsoft.com/office/drawing/2014/main" id="{0942FB8F-AC6E-4341-8B0C-3D563C5F5700}"/>
               </a:ext>
             </a:extLst>
           </p:cNvPr>
@@ -10279,22 +10357,21 @@
           </p:cNvPicPr>
           <p:nvPr/>
         </p:nvPicPr>
-        <p:blipFill>
-          <a:blip r:embed="rId3">
+        <p:blipFill rotWithShape="1">
+          <a:blip r:embed="rId3" cstate="print">
             <a:extLst>
               <a:ext uri="{28A0092B-C50C-407E-A947-70E740481C1C}">
                 <a14:useLocalDpi xmlns:a14="http://schemas.microsoft.com/office/drawing/2010/main" val="0"/>
               </a:ext>
             </a:extLst>
           </a:blip>
-          <a:stretch>
-            <a:fillRect/>
-          </a:stretch>
+          <a:srcRect t="30505"/>
+          <a:stretch/>
         </p:blipFill>
         <p:spPr>
           <a:xfrm>
-            <a:off x="9091898" y="138352"/>
-            <a:ext cx="2483877" cy="6690442"/>
+            <a:off x="7721105" y="4712245"/>
+            <a:ext cx="3962401" cy="1099076"/>
           </a:xfrm>
           <a:prstGeom prst="rect">
             <a:avLst/>
@@ -10303,10 +10380,10 @@
       </p:pic>
       <p:sp>
         <p:nvSpPr>
-          <p:cNvPr id="14" name="TextBox 13">
-            <a:extLst>
-              <a:ext uri="{FF2B5EF4-FFF2-40B4-BE49-F238E27FC236}">
-                <a16:creationId xmlns:a16="http://schemas.microsoft.com/office/drawing/2014/main" id="{8A847973-0319-9B4F-B5CD-4F522B13162B}"/>
+          <p:cNvPr id="8" name="文字方塊 7">
+            <a:extLst>
+              <a:ext uri="{FF2B5EF4-FFF2-40B4-BE49-F238E27FC236}">
+                <a16:creationId xmlns:a16="http://schemas.microsoft.com/office/drawing/2014/main" id="{4170633D-74D4-4071-A14B-EC57F32C3D9F}"/>
               </a:ext>
             </a:extLst>
           </p:cNvPr>
@@ -10315,8 +10392,8 @@
         </p:nvSpPr>
         <p:spPr>
           <a:xfrm>
-            <a:off x="1154104" y="3882972"/>
-            <a:ext cx="8424781" cy="477054"/>
+            <a:off x="11484528" y="6493241"/>
+            <a:ext cx="805343" cy="276999"/>
           </a:xfrm>
           <a:prstGeom prst="rect">
             <a:avLst/>
@@ -10330,57 +10407,8 @@
           <a:lstStyle/>
           <a:p>
             <a:r>
-              <a:rPr lang="en-US" sz="2500" b="1" dirty="0">
-                <a:latin typeface="Times New Roman" panose="02020603050405020304" pitchFamily="18" charset="0"/>
-                <a:cs typeface="Times New Roman" panose="02020603050405020304" pitchFamily="18" charset="0"/>
-              </a:rPr>
-              <a:t>Enhancing the Dependency Mechanism of </a:t>
-            </a:r>
-            <a:r>
-              <a:rPr lang="en-US" sz="2500" b="1" dirty="0" err="1">
-                <a:latin typeface="Times New Roman" panose="02020603050405020304" pitchFamily="18" charset="0"/>
-                <a:cs typeface="Times New Roman" panose="02020603050405020304" pitchFamily="18" charset="0"/>
-              </a:rPr>
-              <a:t>RoBERTa</a:t>
-            </a:r>
-            <a:endParaRPr lang="en-US" sz="2500" dirty="0">
-              <a:latin typeface="Times New Roman" panose="02020603050405020304" pitchFamily="18" charset="0"/>
-              <a:cs typeface="Times New Roman" panose="02020603050405020304" pitchFamily="18" charset="0"/>
-            </a:endParaRPr>
-          </a:p>
-        </p:txBody>
-      </p:sp>
-      <p:sp>
-        <p:nvSpPr>
-          <p:cNvPr id="8" name="文字方塊 7">
-            <a:extLst>
-              <a:ext uri="{FF2B5EF4-FFF2-40B4-BE49-F238E27FC236}">
-                <a16:creationId xmlns:a16="http://schemas.microsoft.com/office/drawing/2014/main" id="{CA9DE776-E94C-47BA-B7C4-BC7427DC5373}"/>
-              </a:ext>
-            </a:extLst>
-          </p:cNvPr>
-          <p:cNvSpPr txBox="1"/>
-          <p:nvPr/>
-        </p:nvSpPr>
-        <p:spPr>
-          <a:xfrm>
-            <a:off x="11484528" y="6493241"/>
-            <a:ext cx="805343" cy="276999"/>
-          </a:xfrm>
-          <a:prstGeom prst="rect">
-            <a:avLst/>
-          </a:prstGeom>
-          <a:noFill/>
-        </p:spPr>
-        <p:txBody>
-          <a:bodyPr wrap="square" rtlCol="0">
-            <a:spAutoFit/>
-          </a:bodyPr>
-          <a:lstStyle/>
-          <a:p>
-            <a:r>
               <a:rPr lang="en-US" sz="1200" dirty="0"/>
-              <a:t>12</a:t>
+              <a:t>9</a:t>
             </a:r>
           </a:p>
         </p:txBody>
@@ -10388,7 +10416,7 @@
     </p:spTree>
     <p:extLst>
       <p:ext uri="{BB962C8B-B14F-4D97-AF65-F5344CB8AC3E}">
-        <p14:creationId xmlns:p14="http://schemas.microsoft.com/office/powerpoint/2010/main" val="2301789250"/>
+        <p14:creationId xmlns:p14="http://schemas.microsoft.com/office/powerpoint/2010/main" val="823711344"/>
       </p:ext>
     </p:extLst>
   </p:cSld>
@@ -10453,89 +10481,17 @@
           <a:p>
             <a:r>
               <a:rPr lang="en-US" sz="2800" b="1" dirty="0"/>
-              <a:t>Optimization: Statistics</a:t>
-            </a:r>
-          </a:p>
-        </p:txBody>
-      </p:sp>
-      <p:pic>
-        <p:nvPicPr>
-          <p:cNvPr id="7" name="Picture 6">
-            <a:extLst>
-              <a:ext uri="{FF2B5EF4-FFF2-40B4-BE49-F238E27FC236}">
-                <a16:creationId xmlns:a16="http://schemas.microsoft.com/office/drawing/2014/main" id="{3EA49A00-B665-BB4E-8414-F14A25C37FAF}"/>
-              </a:ext>
-            </a:extLst>
-          </p:cNvPr>
-          <p:cNvPicPr>
-            <a:picLocks noChangeAspect="1"/>
-          </p:cNvPicPr>
-          <p:nvPr/>
-        </p:nvPicPr>
-        <p:blipFill>
-          <a:blip r:embed="rId3">
-            <a:extLst>
-              <a:ext uri="{28A0092B-C50C-407E-A947-70E740481C1C}">
-                <a14:useLocalDpi xmlns:a14="http://schemas.microsoft.com/office/drawing/2010/main" val="0"/>
-              </a:ext>
-            </a:extLst>
-          </a:blip>
-          <a:stretch>
-            <a:fillRect/>
-          </a:stretch>
-        </p:blipFill>
-        <p:spPr>
-          <a:xfrm>
-            <a:off x="817123" y="1479649"/>
-            <a:ext cx="8716836" cy="2237989"/>
-          </a:xfrm>
-          <a:prstGeom prst="rect">
-            <a:avLst/>
-          </a:prstGeom>
-        </p:spPr>
-      </p:pic>
-      <p:pic>
-        <p:nvPicPr>
-          <p:cNvPr id="9" name="Picture 8">
-            <a:extLst>
-              <a:ext uri="{FF2B5EF4-FFF2-40B4-BE49-F238E27FC236}">
-                <a16:creationId xmlns:a16="http://schemas.microsoft.com/office/drawing/2014/main" id="{039B4765-42F5-9541-BC34-8ACF710B3366}"/>
-              </a:ext>
-            </a:extLst>
-          </p:cNvPr>
-          <p:cNvPicPr>
-            <a:picLocks noChangeAspect="1"/>
-          </p:cNvPicPr>
-          <p:nvPr/>
-        </p:nvPicPr>
-        <p:blipFill>
-          <a:blip r:embed="rId4">
-            <a:extLst>
-              <a:ext uri="{28A0092B-C50C-407E-A947-70E740481C1C}">
-                <a14:useLocalDpi xmlns:a14="http://schemas.microsoft.com/office/drawing/2010/main" val="0"/>
-              </a:ext>
-            </a:extLst>
-          </a:blip>
-          <a:stretch>
-            <a:fillRect/>
-          </a:stretch>
-        </p:blipFill>
-        <p:spPr>
-          <a:xfrm>
-            <a:off x="2869660" y="4330567"/>
-            <a:ext cx="9015380" cy="2237989"/>
-          </a:xfrm>
-          <a:prstGeom prst="rect">
-            <a:avLst/>
-          </a:prstGeom>
-        </p:spPr>
-      </p:pic>
-      <p:sp>
-        <p:nvSpPr>
-          <p:cNvPr id="5" name="文字方塊 4">
-            <a:extLst>
-              <a:ext uri="{FF2B5EF4-FFF2-40B4-BE49-F238E27FC236}">
-                <a16:creationId xmlns:a16="http://schemas.microsoft.com/office/drawing/2014/main" id="{41506C6F-93EE-49C5-88F9-1B83EB3738F0}"/>
+              <a:t>Problems with Attention Mechanism</a:t>
+            </a:r>
+          </a:p>
+        </p:txBody>
+      </p:sp>
+      <p:sp>
+        <p:nvSpPr>
+          <p:cNvPr id="13" name="TextBox 5">
+            <a:extLst>
+              <a:ext uri="{FF2B5EF4-FFF2-40B4-BE49-F238E27FC236}">
+                <a16:creationId xmlns:a16="http://schemas.microsoft.com/office/drawing/2014/main" id="{A35F1A04-046B-42E3-9C3B-FFD642B26147}"/>
               </a:ext>
             </a:extLst>
           </p:cNvPr>
@@ -10544,8 +10500,8 @@
         </p:nvSpPr>
         <p:spPr>
           <a:xfrm>
-            <a:off x="11484528" y="6493241"/>
-            <a:ext cx="805343" cy="276999"/>
+            <a:off x="1699490" y="1896283"/>
+            <a:ext cx="9047605" cy="830997"/>
           </a:xfrm>
           <a:prstGeom prst="rect">
             <a:avLst/>
@@ -10553,14 +10509,212 @@
           <a:noFill/>
         </p:spPr>
         <p:txBody>
+          <a:bodyPr wrap="none" rtlCol="0">
+            <a:spAutoFit/>
+          </a:bodyPr>
+          <a:lstStyle/>
+          <a:p>
+            <a:pPr marL="342900" indent="-342900">
+              <a:buFont typeface="Wingdings" pitchFamily="2" charset="2"/>
+              <a:buChar char="§"/>
+            </a:pPr>
+            <a:r>
+              <a:rPr lang="en-US" sz="2400" b="1" dirty="0">
+                <a:latin typeface="Calibri" panose="020F0502020204030204" pitchFamily="34" charset="0"/>
+                <a:cs typeface="Calibri" panose="020F0502020204030204" pitchFamily="34" charset="0"/>
+              </a:rPr>
+              <a:t>Too many heads -&gt; Hard to process queries from multiple positions</a:t>
+            </a:r>
+          </a:p>
+          <a:p>
+            <a:pPr lvl="6"/>
+            <a:r>
+              <a:rPr lang="en-US" sz="2400" b="1" dirty="0">
+                <a:latin typeface="Calibri" panose="020F0502020204030204" pitchFamily="34" charset="0"/>
+                <a:cs typeface="Calibri" panose="020F0502020204030204" pitchFamily="34" charset="0"/>
+              </a:rPr>
+              <a:t>in parallel.</a:t>
+            </a:r>
+            <a:endParaRPr lang="en-US" sz="2400" dirty="0">
+              <a:latin typeface="Calibri" panose="020F0502020204030204" pitchFamily="34" charset="0"/>
+              <a:cs typeface="Calibri" panose="020F0502020204030204" pitchFamily="34" charset="0"/>
+            </a:endParaRPr>
+          </a:p>
+        </p:txBody>
+      </p:sp>
+      <p:sp>
+        <p:nvSpPr>
+          <p:cNvPr id="14" name="TextBox 6">
+            <a:extLst>
+              <a:ext uri="{FF2B5EF4-FFF2-40B4-BE49-F238E27FC236}">
+                <a16:creationId xmlns:a16="http://schemas.microsoft.com/office/drawing/2014/main" id="{1DFF8FF5-A1E8-4D4B-9DE1-775A18258604}"/>
+              </a:ext>
+            </a:extLst>
+          </p:cNvPr>
+          <p:cNvSpPr txBox="1"/>
+          <p:nvPr/>
+        </p:nvSpPr>
+        <p:spPr>
+          <a:xfrm>
+            <a:off x="1699491" y="2727280"/>
+            <a:ext cx="3747949" cy="461665"/>
+          </a:xfrm>
+          <a:prstGeom prst="rect">
+            <a:avLst/>
+          </a:prstGeom>
+          <a:noFill/>
+        </p:spPr>
+        <p:txBody>
+          <a:bodyPr wrap="none" rtlCol="0">
+            <a:spAutoFit/>
+          </a:bodyPr>
+          <a:lstStyle/>
+          <a:p>
+            <a:pPr marL="342900" indent="-342900">
+              <a:buFont typeface="Wingdings" pitchFamily="2" charset="2"/>
+              <a:buChar char="§"/>
+            </a:pPr>
+            <a:r>
+              <a:rPr lang="en-US" sz="2400" b="1" dirty="0">
+                <a:solidFill>
+                  <a:srgbClr val="FF0000"/>
+                </a:solidFill>
+                <a:latin typeface="Calibri" panose="020F0502020204030204" pitchFamily="34" charset="0"/>
+                <a:cs typeface="Calibri" panose="020F0502020204030204" pitchFamily="34" charset="0"/>
+              </a:rPr>
+              <a:t>Valid heads are unknown</a:t>
+            </a:r>
+          </a:p>
+        </p:txBody>
+      </p:sp>
+      <p:sp>
+        <p:nvSpPr>
+          <p:cNvPr id="15" name="TextBox 9">
+            <a:extLst>
+              <a:ext uri="{FF2B5EF4-FFF2-40B4-BE49-F238E27FC236}">
+                <a16:creationId xmlns:a16="http://schemas.microsoft.com/office/drawing/2014/main" id="{4F69F72C-E1BD-4408-B368-6888FC13EC7B}"/>
+              </a:ext>
+            </a:extLst>
+          </p:cNvPr>
+          <p:cNvSpPr txBox="1"/>
+          <p:nvPr/>
+        </p:nvSpPr>
+        <p:spPr>
+          <a:xfrm>
+            <a:off x="1699490" y="3378533"/>
+            <a:ext cx="9510843" cy="1200329"/>
+          </a:xfrm>
+          <a:prstGeom prst="rect">
+            <a:avLst/>
+          </a:prstGeom>
+          <a:noFill/>
+        </p:spPr>
+        <p:txBody>
           <a:bodyPr wrap="square" rtlCol="0">
             <a:spAutoFit/>
           </a:bodyPr>
           <a:lstStyle/>
           <a:p>
+            <a:pPr marL="342900" indent="-342900">
+              <a:buFont typeface="Wingdings" pitchFamily="2" charset="2"/>
+              <a:buChar char="§"/>
+            </a:pPr>
+            <a:r>
+              <a:rPr lang="en-US" sz="2400" b="1" dirty="0">
+                <a:latin typeface="Calibri" panose="020F0502020204030204" pitchFamily="34" charset="0"/>
+                <a:cs typeface="Calibri" panose="020F0502020204030204" pitchFamily="34" charset="0"/>
+              </a:rPr>
+              <a:t>Processing with “Valid heads” problem:</a:t>
+            </a:r>
+            <a:br>
+              <a:rPr lang="en-US" sz="2400" b="1" dirty="0">
+                <a:latin typeface="Calibri" panose="020F0502020204030204" pitchFamily="34" charset="0"/>
+                <a:cs typeface="Calibri" panose="020F0502020204030204" pitchFamily="34" charset="0"/>
+              </a:rPr>
+            </a:br>
+            <a:r>
+              <a:rPr lang="en-US" sz="2400" b="1" dirty="0">
+                <a:solidFill>
+                  <a:srgbClr val="FF0000"/>
+                </a:solidFill>
+                <a:latin typeface="Calibri" panose="020F0502020204030204" pitchFamily="34" charset="0"/>
+                <a:cs typeface="Calibri" panose="020F0502020204030204" pitchFamily="34" charset="0"/>
+              </a:rPr>
+              <a:t>	</a:t>
+            </a:r>
+            <a:br>
+              <a:rPr lang="en-US" sz="2400" b="1" dirty="0">
+                <a:solidFill>
+                  <a:srgbClr val="FF0000"/>
+                </a:solidFill>
+                <a:latin typeface="Calibri" panose="020F0502020204030204" pitchFamily="34" charset="0"/>
+                <a:cs typeface="Calibri" panose="020F0502020204030204" pitchFamily="34" charset="0"/>
+              </a:rPr>
+            </a:br>
+            <a:r>
+              <a:rPr lang="en-US" sz="2400" b="1" dirty="0">
+                <a:solidFill>
+                  <a:srgbClr val="FF0000"/>
+                </a:solidFill>
+                <a:latin typeface="Calibri" panose="020F0502020204030204" pitchFamily="34" charset="0"/>
+                <a:cs typeface="Calibri" panose="020F0502020204030204" pitchFamily="34" charset="0"/>
+              </a:rPr>
+              <a:t>	We propose EDM-</a:t>
+            </a:r>
+            <a:r>
+              <a:rPr lang="en-US" sz="2400" b="1" dirty="0" err="1">
+                <a:solidFill>
+                  <a:srgbClr val="FF0000"/>
+                </a:solidFill>
+                <a:latin typeface="Calibri" panose="020F0502020204030204" pitchFamily="34" charset="0"/>
+                <a:cs typeface="Calibri" panose="020F0502020204030204" pitchFamily="34" charset="0"/>
+              </a:rPr>
+              <a:t>RoBERTa</a:t>
+            </a:r>
+            <a:r>
+              <a:rPr lang="en-US" sz="2400" b="1" dirty="0">
+                <a:solidFill>
+                  <a:srgbClr val="FF0000"/>
+                </a:solidFill>
+                <a:latin typeface="Calibri" panose="020F0502020204030204" pitchFamily="34" charset="0"/>
+                <a:cs typeface="Calibri" panose="020F0502020204030204" pitchFamily="34" charset="0"/>
+              </a:rPr>
+              <a:t> to optimize the attention process</a:t>
+            </a:r>
+          </a:p>
+        </p:txBody>
+      </p:sp>
+      <p:sp>
+        <p:nvSpPr>
+          <p:cNvPr id="6" name="文字方塊 5">
+            <a:extLst>
+              <a:ext uri="{FF2B5EF4-FFF2-40B4-BE49-F238E27FC236}">
+                <a16:creationId xmlns:a16="http://schemas.microsoft.com/office/drawing/2014/main" id="{064B2AB1-2865-4D5A-90E4-412F1FAFC6F9}"/>
+              </a:ext>
+            </a:extLst>
+          </p:cNvPr>
+          <p:cNvSpPr txBox="1"/>
+          <p:nvPr/>
+        </p:nvSpPr>
+        <p:spPr>
+          <a:xfrm>
+            <a:off x="11484528" y="6493241"/>
+            <a:ext cx="805343" cy="276999"/>
+          </a:xfrm>
+          <a:prstGeom prst="rect">
+            <a:avLst/>
+          </a:prstGeom>
+          <a:noFill/>
+        </p:spPr>
+        <p:txBody>
+          <a:bodyPr wrap="square" rtlCol="0">
+            <a:spAutoFit/>
+          </a:bodyPr>
+          <a:lstStyle/>
+          <a:p>
             <a:r>
               <a:rPr lang="en-US" sz="1200" dirty="0"/>
-              <a:t>13</a:t>
+              <a:t>10</a:t>
             </a:r>
           </a:p>
         </p:txBody>
@@ -10568,7 +10722,7 @@
     </p:spTree>
     <p:extLst>
       <p:ext uri="{BB962C8B-B14F-4D97-AF65-F5344CB8AC3E}">
-        <p14:creationId xmlns:p14="http://schemas.microsoft.com/office/powerpoint/2010/main" val="1987724706"/>
+        <p14:creationId xmlns:p14="http://schemas.microsoft.com/office/powerpoint/2010/main" val="4156085279"/>
       </p:ext>
     </p:extLst>
   </p:cSld>
@@ -10618,7 +10772,7 @@
         <p:spPr>
           <a:xfrm>
             <a:off x="616225" y="569844"/>
-            <a:ext cx="11008328" cy="523220"/>
+            <a:ext cx="9500541" cy="523220"/>
           </a:xfrm>
           <a:prstGeom prst="rect">
             <a:avLst/>
@@ -10633,30 +10787,312 @@
           <a:p>
             <a:r>
               <a:rPr lang="en-US" sz="2800" b="1" dirty="0"/>
-              <a:t>EDM-</a:t>
-            </a:r>
-            <a:r>
-              <a:rPr lang="en-US" sz="2800" b="1" dirty="0" err="1"/>
+              <a:t>Optimization</a:t>
+            </a:r>
+          </a:p>
+        </p:txBody>
+      </p:sp>
+      <p:sp>
+        <p:nvSpPr>
+          <p:cNvPr id="5" name="TextBox 4">
+            <a:extLst>
+              <a:ext uri="{FF2B5EF4-FFF2-40B4-BE49-F238E27FC236}">
+                <a16:creationId xmlns:a16="http://schemas.microsoft.com/office/drawing/2014/main" id="{0F0A5022-A9F2-4143-B927-A449071B04E6}"/>
+              </a:ext>
+            </a:extLst>
+          </p:cNvPr>
+          <p:cNvSpPr txBox="1"/>
+          <p:nvPr/>
+        </p:nvSpPr>
+        <p:spPr>
+          <a:xfrm>
+            <a:off x="952373" y="1568534"/>
+            <a:ext cx="5613268" cy="461665"/>
+          </a:xfrm>
+          <a:prstGeom prst="rect">
+            <a:avLst/>
+          </a:prstGeom>
+          <a:noFill/>
+        </p:spPr>
+        <p:txBody>
+          <a:bodyPr wrap="none" rtlCol="0">
+            <a:spAutoFit/>
+          </a:bodyPr>
+          <a:lstStyle/>
+          <a:p>
+            <a:pPr marL="342900" indent="-342900">
+              <a:buFont typeface="Arial" panose="020B0604020202020204" pitchFamily="34" charset="0"/>
+              <a:buChar char="•"/>
+            </a:pPr>
+            <a:r>
+              <a:rPr lang="en-US" sz="2400" dirty="0">
+                <a:latin typeface="Calibri" panose="020F0502020204030204" pitchFamily="34" charset="0"/>
+                <a:cs typeface="Calibri" panose="020F0502020204030204" pitchFamily="34" charset="0"/>
+              </a:rPr>
+              <a:t>Single-headed Attention RNN (SHA-RNN)</a:t>
+            </a:r>
+          </a:p>
+        </p:txBody>
+      </p:sp>
+      <p:sp>
+        <p:nvSpPr>
+          <p:cNvPr id="6" name="TextBox 5">
+            <a:extLst>
+              <a:ext uri="{FF2B5EF4-FFF2-40B4-BE49-F238E27FC236}">
+                <a16:creationId xmlns:a16="http://schemas.microsoft.com/office/drawing/2014/main" id="{F0562E0E-EEBC-9146-9A8A-71CE457A66D7}"/>
+              </a:ext>
+            </a:extLst>
+          </p:cNvPr>
+          <p:cNvSpPr txBox="1"/>
+          <p:nvPr/>
+        </p:nvSpPr>
+        <p:spPr>
+          <a:xfrm>
+            <a:off x="1516652" y="2219787"/>
+            <a:ext cx="2593852" cy="461665"/>
+          </a:xfrm>
+          <a:prstGeom prst="rect">
+            <a:avLst/>
+          </a:prstGeom>
+          <a:noFill/>
+        </p:spPr>
+        <p:txBody>
+          <a:bodyPr wrap="square" rtlCol="0">
+            <a:spAutoFit/>
+          </a:bodyPr>
+          <a:lstStyle/>
+          <a:p>
+            <a:pPr marL="342900" indent="-342900">
+              <a:buFont typeface="Wingdings" pitchFamily="2" charset="2"/>
+              <a:buChar char="§"/>
+            </a:pPr>
+            <a:r>
+              <a:rPr lang="en-US" sz="2400" b="1" dirty="0">
+                <a:latin typeface="Calibri" panose="020F0502020204030204" pitchFamily="34" charset="0"/>
+                <a:cs typeface="Calibri" panose="020F0502020204030204" pitchFamily="34" charset="0"/>
+              </a:rPr>
+              <a:t>Boom Layer</a:t>
+            </a:r>
+            <a:endParaRPr lang="en-US" sz="2400" dirty="0">
+              <a:latin typeface="Calibri" panose="020F0502020204030204" pitchFamily="34" charset="0"/>
+              <a:cs typeface="Calibri" panose="020F0502020204030204" pitchFamily="34" charset="0"/>
+            </a:endParaRPr>
+          </a:p>
+        </p:txBody>
+      </p:sp>
+      <p:sp>
+        <p:nvSpPr>
+          <p:cNvPr id="11" name="TextBox 10">
+            <a:extLst>
+              <a:ext uri="{FF2B5EF4-FFF2-40B4-BE49-F238E27FC236}">
+                <a16:creationId xmlns:a16="http://schemas.microsoft.com/office/drawing/2014/main" id="{047DF914-B467-334D-87BF-6ED281A9340C}"/>
+              </a:ext>
+            </a:extLst>
+          </p:cNvPr>
+          <p:cNvSpPr txBox="1"/>
+          <p:nvPr/>
+        </p:nvSpPr>
+        <p:spPr>
+          <a:xfrm>
+            <a:off x="1516651" y="3684012"/>
+            <a:ext cx="9561079" cy="461665"/>
+          </a:xfrm>
+          <a:prstGeom prst="rect">
+            <a:avLst/>
+          </a:prstGeom>
+          <a:noFill/>
+        </p:spPr>
+        <p:txBody>
+          <a:bodyPr wrap="square" rtlCol="0">
+            <a:spAutoFit/>
+          </a:bodyPr>
+          <a:lstStyle/>
+          <a:p>
+            <a:pPr marL="342900" indent="-342900">
+              <a:buFont typeface="Wingdings" pitchFamily="2" charset="2"/>
+              <a:buChar char="§"/>
+            </a:pPr>
+            <a:r>
+              <a:rPr lang="en-US" sz="2400" b="1" dirty="0">
+                <a:latin typeface="Calibri" panose="020F0502020204030204" pitchFamily="34" charset="0"/>
+                <a:cs typeface="Calibri" panose="020F0502020204030204" pitchFamily="34" charset="0"/>
+              </a:rPr>
+              <a:t>Activation Function:   </a:t>
+            </a:r>
+            <a:r>
+              <a:rPr lang="en-US" sz="2400" dirty="0">
+                <a:latin typeface="Times New Roman" panose="02020603050405020304" pitchFamily="18" charset="0"/>
+                <a:cs typeface="Times New Roman" panose="02020603050405020304" pitchFamily="18" charset="0"/>
+              </a:rPr>
+              <a:t>Gaussian Error Linear Unit (GELU)</a:t>
+            </a:r>
+          </a:p>
+        </p:txBody>
+      </p:sp>
+      <p:sp>
+        <p:nvSpPr>
+          <p:cNvPr id="12" name="TextBox 11">
+            <a:extLst>
+              <a:ext uri="{FF2B5EF4-FFF2-40B4-BE49-F238E27FC236}">
+                <a16:creationId xmlns:a16="http://schemas.microsoft.com/office/drawing/2014/main" id="{87F6B32E-0BBB-5943-984B-398FF49AE20E}"/>
+              </a:ext>
+            </a:extLst>
+          </p:cNvPr>
+          <p:cNvSpPr txBox="1"/>
+          <p:nvPr/>
+        </p:nvSpPr>
+        <p:spPr>
+          <a:xfrm>
+            <a:off x="952373" y="4496984"/>
+            <a:ext cx="5692392" cy="461665"/>
+          </a:xfrm>
+          <a:prstGeom prst="rect">
+            <a:avLst/>
+          </a:prstGeom>
+          <a:noFill/>
+        </p:spPr>
+        <p:txBody>
+          <a:bodyPr wrap="none" rtlCol="0">
+            <a:spAutoFit/>
+          </a:bodyPr>
+          <a:lstStyle/>
+          <a:p>
+            <a:pPr marL="342900" indent="-342900">
+              <a:buFont typeface="Arial" panose="020B0604020202020204" pitchFamily="34" charset="0"/>
+              <a:buChar char="•"/>
+            </a:pPr>
+            <a:r>
+              <a:rPr lang="en-US" sz="2400" dirty="0">
+                <a:latin typeface="Calibri" panose="020F0502020204030204" pitchFamily="34" charset="0"/>
+                <a:cs typeface="Calibri" panose="020F0502020204030204" pitchFamily="34" charset="0"/>
+              </a:rPr>
+              <a:t>Models: BERT, </a:t>
+            </a:r>
+            <a:r>
+              <a:rPr lang="en-US" sz="2400" dirty="0" err="1">
+                <a:latin typeface="Calibri" panose="020F0502020204030204" pitchFamily="34" charset="0"/>
+                <a:cs typeface="Calibri" panose="020F0502020204030204" pitchFamily="34" charset="0"/>
+              </a:rPr>
               <a:t>RoBERTa</a:t>
             </a:r>
             <a:r>
-              <a:rPr lang="en-US" sz="2800" b="1" dirty="0"/>
-              <a:t>: Enhancing the Dependency Structure of </a:t>
-            </a:r>
-            <a:r>
-              <a:rPr lang="en-US" sz="2800" b="1" dirty="0" err="1"/>
-              <a:t>RoBERTa</a:t>
-            </a:r>
-            <a:endParaRPr lang="en-US" sz="2800" b="1" dirty="0"/>
+              <a:rPr lang="en-US" sz="2400" dirty="0">
+                <a:latin typeface="Calibri" panose="020F0502020204030204" pitchFamily="34" charset="0"/>
+                <a:cs typeface="Calibri" panose="020F0502020204030204" pitchFamily="34" charset="0"/>
+              </a:rPr>
+              <a:t>, </a:t>
+            </a:r>
+            <a:r>
+              <a:rPr lang="en-US" sz="2400" dirty="0" err="1">
+                <a:latin typeface="Calibri" panose="020F0502020204030204" pitchFamily="34" charset="0"/>
+                <a:cs typeface="Calibri" panose="020F0502020204030204" pitchFamily="34" charset="0"/>
+              </a:rPr>
+              <a:t>DistilBERT</a:t>
+            </a:r>
+            <a:r>
+              <a:rPr lang="en-US" sz="2400" dirty="0">
+                <a:latin typeface="Calibri" panose="020F0502020204030204" pitchFamily="34" charset="0"/>
+                <a:cs typeface="Calibri" panose="020F0502020204030204" pitchFamily="34" charset="0"/>
+              </a:rPr>
+              <a:t>, </a:t>
+            </a:r>
+            <a:r>
+              <a:rPr lang="en-US" sz="2400" dirty="0" err="1">
+                <a:latin typeface="Calibri" panose="020F0502020204030204" pitchFamily="34" charset="0"/>
+                <a:cs typeface="Calibri" panose="020F0502020204030204" pitchFamily="34" charset="0"/>
+              </a:rPr>
+              <a:t>XLNet</a:t>
+            </a:r>
+            <a:endParaRPr lang="en-US" sz="2400" dirty="0">
+              <a:latin typeface="Calibri" panose="020F0502020204030204" pitchFamily="34" charset="0"/>
+              <a:cs typeface="Calibri" panose="020F0502020204030204" pitchFamily="34" charset="0"/>
+            </a:endParaRPr>
+          </a:p>
+        </p:txBody>
+      </p:sp>
+      <p:sp>
+        <p:nvSpPr>
+          <p:cNvPr id="13" name="TextBox 12">
+            <a:extLst>
+              <a:ext uri="{FF2B5EF4-FFF2-40B4-BE49-F238E27FC236}">
+                <a16:creationId xmlns:a16="http://schemas.microsoft.com/office/drawing/2014/main" id="{EF565234-AACD-4849-9DD1-72F925B48DE6}"/>
+              </a:ext>
+            </a:extLst>
+          </p:cNvPr>
+          <p:cNvSpPr txBox="1"/>
+          <p:nvPr/>
+        </p:nvSpPr>
+        <p:spPr>
+          <a:xfrm>
+            <a:off x="952373" y="5289466"/>
+            <a:ext cx="10377136" cy="461665"/>
+          </a:xfrm>
+          <a:prstGeom prst="rect">
+            <a:avLst/>
+          </a:prstGeom>
+          <a:noFill/>
+        </p:spPr>
+        <p:txBody>
+          <a:bodyPr wrap="none" rtlCol="0">
+            <a:spAutoFit/>
+          </a:bodyPr>
+          <a:lstStyle/>
+          <a:p>
+            <a:pPr marL="342900" indent="-342900">
+              <a:buFont typeface="Arial" panose="020B0604020202020204" pitchFamily="34" charset="0"/>
+              <a:buChar char="•"/>
+            </a:pPr>
+            <a:r>
+              <a:rPr lang="en-US" sz="2400" b="1" dirty="0">
+                <a:latin typeface="Calibri" panose="020F0502020204030204" pitchFamily="34" charset="0"/>
+                <a:cs typeface="Calibri" panose="020F0502020204030204" pitchFamily="34" charset="0"/>
+              </a:rPr>
+              <a:t>Solving the short-term dependency problem from Transformer-based Models</a:t>
+            </a:r>
+          </a:p>
+        </p:txBody>
+      </p:sp>
+      <p:sp>
+        <p:nvSpPr>
+          <p:cNvPr id="9" name="文字方塊 8">
+            <a:extLst>
+              <a:ext uri="{FF2B5EF4-FFF2-40B4-BE49-F238E27FC236}">
+                <a16:creationId xmlns:a16="http://schemas.microsoft.com/office/drawing/2014/main" id="{AE73553F-4114-411F-A6A1-3291FA4B6CF8}"/>
+              </a:ext>
+            </a:extLst>
+          </p:cNvPr>
+          <p:cNvSpPr txBox="1"/>
+          <p:nvPr/>
+        </p:nvSpPr>
+        <p:spPr>
+          <a:xfrm>
+            <a:off x="11484528" y="6493241"/>
+            <a:ext cx="805343" cy="276999"/>
+          </a:xfrm>
+          <a:prstGeom prst="rect">
+            <a:avLst/>
+          </a:prstGeom>
+          <a:noFill/>
+        </p:spPr>
+        <p:txBody>
+          <a:bodyPr wrap="square" rtlCol="0">
+            <a:spAutoFit/>
+          </a:bodyPr>
+          <a:lstStyle/>
+          <a:p>
+            <a:r>
+              <a:rPr lang="en-US" sz="1200" dirty="0"/>
+              <a:t>11</a:t>
+            </a:r>
           </a:p>
         </p:txBody>
       </p:sp>
       <p:pic>
         <p:nvPicPr>
-          <p:cNvPr id="4" name="Picture 3">
-            <a:extLst>
-              <a:ext uri="{FF2B5EF4-FFF2-40B4-BE49-F238E27FC236}">
-                <a16:creationId xmlns:a16="http://schemas.microsoft.com/office/drawing/2014/main" id="{01A05A17-4134-CB42-BA18-D7A967D0F2DB}"/>
+          <p:cNvPr id="10" name="Picture 9">
+            <a:extLst>
+              <a:ext uri="{FF2B5EF4-FFF2-40B4-BE49-F238E27FC236}">
+                <a16:creationId xmlns:a16="http://schemas.microsoft.com/office/drawing/2014/main" id="{73845E70-9BCF-3D4A-B14D-AAD9645A1F20}"/>
               </a:ext>
             </a:extLst>
           </p:cNvPr>
@@ -10679,97 +11115,18 @@
         </p:blipFill>
         <p:spPr>
           <a:xfrm>
-            <a:off x="1589975" y="2907884"/>
-            <a:ext cx="9012050" cy="1757124"/>
+            <a:off x="2545805" y="2921395"/>
+            <a:ext cx="4991100" cy="431800"/>
           </a:xfrm>
           <a:prstGeom prst="rect">
             <a:avLst/>
           </a:prstGeom>
         </p:spPr>
       </p:pic>
-      <p:sp>
-        <p:nvSpPr>
-          <p:cNvPr id="5" name="TextBox 4">
-            <a:extLst>
-              <a:ext uri="{FF2B5EF4-FFF2-40B4-BE49-F238E27FC236}">
-                <a16:creationId xmlns:a16="http://schemas.microsoft.com/office/drawing/2014/main" id="{7143B78D-B6B3-474D-B531-66EC4DED1CA1}"/>
-              </a:ext>
-            </a:extLst>
-          </p:cNvPr>
-          <p:cNvSpPr txBox="1"/>
-          <p:nvPr/>
-        </p:nvSpPr>
-        <p:spPr>
-          <a:xfrm>
-            <a:off x="1322962" y="1780162"/>
-            <a:ext cx="5985293" cy="477054"/>
-          </a:xfrm>
-          <a:prstGeom prst="rect">
-            <a:avLst/>
-          </a:prstGeom>
-          <a:noFill/>
-        </p:spPr>
-        <p:txBody>
-          <a:bodyPr wrap="none" rtlCol="0">
-            <a:spAutoFit/>
-          </a:bodyPr>
-          <a:lstStyle/>
-          <a:p>
-            <a:pPr marL="342900" indent="-342900">
-              <a:buFont typeface="Arial" panose="020B0604020202020204" pitchFamily="34" charset="0"/>
-              <a:buChar char="•"/>
-            </a:pPr>
-            <a:r>
-              <a:rPr lang="en-US" sz="2500" b="1" dirty="0"/>
-              <a:t>Detailed parameters of EDM-</a:t>
-            </a:r>
-            <a:r>
-              <a:rPr lang="en-US" sz="2500" b="1" dirty="0" err="1"/>
-              <a:t>RoBERTa</a:t>
-            </a:r>
-            <a:endParaRPr lang="en-US" sz="2500" b="1" dirty="0"/>
-          </a:p>
-        </p:txBody>
-      </p:sp>
-      <p:sp>
-        <p:nvSpPr>
-          <p:cNvPr id="6" name="文字方塊 5">
-            <a:extLst>
-              <a:ext uri="{FF2B5EF4-FFF2-40B4-BE49-F238E27FC236}">
-                <a16:creationId xmlns:a16="http://schemas.microsoft.com/office/drawing/2014/main" id="{F1369C88-80E7-407E-80FA-2D871FE3345B}"/>
-              </a:ext>
-            </a:extLst>
-          </p:cNvPr>
-          <p:cNvSpPr txBox="1"/>
-          <p:nvPr/>
-        </p:nvSpPr>
-        <p:spPr>
-          <a:xfrm>
-            <a:off x="11484528" y="6493241"/>
-            <a:ext cx="805343" cy="276999"/>
-          </a:xfrm>
-          <a:prstGeom prst="rect">
-            <a:avLst/>
-          </a:prstGeom>
-          <a:noFill/>
-        </p:spPr>
-        <p:txBody>
-          <a:bodyPr wrap="square" rtlCol="0">
-            <a:spAutoFit/>
-          </a:bodyPr>
-          <a:lstStyle/>
-          <a:p>
-            <a:r>
-              <a:rPr lang="en-US" sz="1200" dirty="0"/>
-              <a:t>14</a:t>
-            </a:r>
-          </a:p>
-        </p:txBody>
-      </p:sp>
     </p:spTree>
     <p:extLst>
       <p:ext uri="{BB962C8B-B14F-4D97-AF65-F5344CB8AC3E}">
-        <p14:creationId xmlns:p14="http://schemas.microsoft.com/office/powerpoint/2010/main" val="266460702"/>
+        <p14:creationId xmlns:p14="http://schemas.microsoft.com/office/powerpoint/2010/main" val="1030187098"/>
       </p:ext>
     </p:extLst>
   </p:cSld>
@@ -10819,7 +11176,7 @@
         <p:spPr>
           <a:xfrm>
             <a:off x="616225" y="569844"/>
-            <a:ext cx="11008328" cy="523220"/>
+            <a:ext cx="9500541" cy="523220"/>
           </a:xfrm>
           <a:prstGeom prst="rect">
             <a:avLst/>
@@ -10834,17 +11191,138 @@
           <a:p>
             <a:r>
               <a:rPr lang="en-US" sz="2800" b="1" dirty="0"/>
-              <a:t>Runtimes &amp; Environments</a:t>
-            </a:r>
+              <a:t>Improved Learning Model:  EDM-</a:t>
+            </a:r>
+            <a:r>
+              <a:rPr lang="en-US" sz="2800" b="1" dirty="0" err="1"/>
+              <a:t>RoBERTa</a:t>
+            </a:r>
+            <a:endParaRPr lang="en-US" sz="2800" b="1" dirty="0"/>
+          </a:p>
+        </p:txBody>
+      </p:sp>
+      <p:sp>
+        <p:nvSpPr>
+          <p:cNvPr id="5" name="TextBox 4">
+            <a:extLst>
+              <a:ext uri="{FF2B5EF4-FFF2-40B4-BE49-F238E27FC236}">
+                <a16:creationId xmlns:a16="http://schemas.microsoft.com/office/drawing/2014/main" id="{0F0A5022-A9F2-4143-B927-A449071B04E6}"/>
+              </a:ext>
+            </a:extLst>
+          </p:cNvPr>
+          <p:cNvSpPr txBox="1"/>
+          <p:nvPr/>
+        </p:nvSpPr>
+        <p:spPr>
+          <a:xfrm>
+            <a:off x="952373" y="1568534"/>
+            <a:ext cx="6384248" cy="461665"/>
+          </a:xfrm>
+          <a:prstGeom prst="rect">
+            <a:avLst/>
+          </a:prstGeom>
+          <a:noFill/>
+        </p:spPr>
+        <p:txBody>
+          <a:bodyPr wrap="none" rtlCol="0">
+            <a:spAutoFit/>
+          </a:bodyPr>
+          <a:lstStyle/>
+          <a:p>
+            <a:pPr marL="342900" indent="-342900">
+              <a:buFont typeface="Arial" panose="020B0604020202020204" pitchFamily="34" charset="0"/>
+              <a:buChar char="•"/>
+            </a:pPr>
+            <a:r>
+              <a:rPr lang="en-US" sz="2400" dirty="0">
+                <a:latin typeface="Calibri" panose="020F0502020204030204" pitchFamily="34" charset="0"/>
+                <a:cs typeface="Calibri" panose="020F0502020204030204" pitchFamily="34" charset="0"/>
+              </a:rPr>
+              <a:t>Choose the best-performed model: </a:t>
+            </a:r>
+            <a:r>
+              <a:rPr lang="en-US" sz="2400" b="1" dirty="0" err="1">
+                <a:latin typeface="Times New Roman" panose="02020603050405020304" pitchFamily="18" charset="0"/>
+                <a:cs typeface="Times New Roman" panose="02020603050405020304" pitchFamily="18" charset="0"/>
+              </a:rPr>
+              <a:t>RoBERTa</a:t>
+            </a:r>
+            <a:r>
+              <a:rPr lang="en-US" sz="2400" dirty="0">
+                <a:latin typeface="Calibri" panose="020F0502020204030204" pitchFamily="34" charset="0"/>
+                <a:cs typeface="Calibri" panose="020F0502020204030204" pitchFamily="34" charset="0"/>
+              </a:rPr>
+              <a:t> </a:t>
+            </a:r>
+          </a:p>
+        </p:txBody>
+      </p:sp>
+      <p:sp>
+        <p:nvSpPr>
+          <p:cNvPr id="6" name="TextBox 5">
+            <a:extLst>
+              <a:ext uri="{FF2B5EF4-FFF2-40B4-BE49-F238E27FC236}">
+                <a16:creationId xmlns:a16="http://schemas.microsoft.com/office/drawing/2014/main" id="{F0562E0E-EEBC-9146-9A8A-71CE457A66D7}"/>
+              </a:ext>
+            </a:extLst>
+          </p:cNvPr>
+          <p:cNvSpPr txBox="1"/>
+          <p:nvPr/>
+        </p:nvSpPr>
+        <p:spPr>
+          <a:xfrm>
+            <a:off x="952373" y="2376449"/>
+            <a:ext cx="6661566" cy="461665"/>
+          </a:xfrm>
+          <a:prstGeom prst="rect">
+            <a:avLst/>
+          </a:prstGeom>
+          <a:noFill/>
+        </p:spPr>
+        <p:txBody>
+          <a:bodyPr wrap="square" rtlCol="0">
+            <a:spAutoFit/>
+          </a:bodyPr>
+          <a:lstStyle/>
+          <a:p>
+            <a:pPr marL="342900" indent="-342900">
+              <a:buFont typeface="Arial" panose="020B0604020202020204" pitchFamily="34" charset="0"/>
+              <a:buChar char="•"/>
+            </a:pPr>
+            <a:r>
+              <a:rPr lang="en-US" sz="2400" b="1" dirty="0">
+                <a:latin typeface="Calibri" panose="020F0502020204030204" pitchFamily="34" charset="0"/>
+                <a:cs typeface="Calibri" panose="020F0502020204030204" pitchFamily="34" charset="0"/>
+              </a:rPr>
+              <a:t>Optimize the </a:t>
+            </a:r>
+            <a:r>
+              <a:rPr lang="en-US" sz="2400" b="1" dirty="0" err="1">
+                <a:latin typeface="Calibri" panose="020F0502020204030204" pitchFamily="34" charset="0"/>
+                <a:cs typeface="Calibri" panose="020F0502020204030204" pitchFamily="34" charset="0"/>
+              </a:rPr>
+              <a:t>RoBERTa</a:t>
+            </a:r>
+            <a:r>
+              <a:rPr lang="en-US" sz="2400" b="1" dirty="0">
+                <a:latin typeface="Calibri" panose="020F0502020204030204" pitchFamily="34" charset="0"/>
+                <a:cs typeface="Calibri" panose="020F0502020204030204" pitchFamily="34" charset="0"/>
+              </a:rPr>
+              <a:t> model with Boom Layer</a:t>
+            </a:r>
+            <a:endParaRPr lang="en-US" sz="2400" dirty="0">
+              <a:latin typeface="Calibri" panose="020F0502020204030204" pitchFamily="34" charset="0"/>
+              <a:cs typeface="Calibri" panose="020F0502020204030204" pitchFamily="34" charset="0"/>
+            </a:endParaRPr>
           </a:p>
         </p:txBody>
       </p:sp>
       <p:pic>
         <p:nvPicPr>
-          <p:cNvPr id="4" name="Picture 3">
-            <a:extLst>
-              <a:ext uri="{FF2B5EF4-FFF2-40B4-BE49-F238E27FC236}">
-                <a16:creationId xmlns:a16="http://schemas.microsoft.com/office/drawing/2014/main" id="{C4D9BF90-F101-B548-82AE-FAC79A08ABF4}"/>
+          <p:cNvPr id="7" name="Picture 6">
+            <a:extLst>
+              <a:ext uri="{FF2B5EF4-FFF2-40B4-BE49-F238E27FC236}">
+                <a16:creationId xmlns:a16="http://schemas.microsoft.com/office/drawing/2014/main" id="{03DD16DF-6DDD-1440-BEC6-E2C893E34BBD}"/>
               </a:ext>
             </a:extLst>
           </p:cNvPr>
@@ -10867,8 +11345,8 @@
         </p:blipFill>
         <p:spPr>
           <a:xfrm>
-            <a:off x="1065604" y="1549929"/>
-            <a:ext cx="10287472" cy="3824275"/>
+            <a:off x="9091898" y="138352"/>
+            <a:ext cx="2483877" cy="6690442"/>
           </a:xfrm>
           <a:prstGeom prst="rect">
             <a:avLst/>
@@ -10877,10 +11355,10 @@
       </p:pic>
       <p:sp>
         <p:nvSpPr>
-          <p:cNvPr id="5" name="文字方塊 4">
-            <a:extLst>
-              <a:ext uri="{FF2B5EF4-FFF2-40B4-BE49-F238E27FC236}">
-                <a16:creationId xmlns:a16="http://schemas.microsoft.com/office/drawing/2014/main" id="{181B9430-086A-4BD7-9B44-D493315FC3AE}"/>
+          <p:cNvPr id="14" name="TextBox 13">
+            <a:extLst>
+              <a:ext uri="{FF2B5EF4-FFF2-40B4-BE49-F238E27FC236}">
+                <a16:creationId xmlns:a16="http://schemas.microsoft.com/office/drawing/2014/main" id="{8A847973-0319-9B4F-B5CD-4F522B13162B}"/>
               </a:ext>
             </a:extLst>
           </p:cNvPr>
@@ -10889,8 +11367,8 @@
         </p:nvSpPr>
         <p:spPr>
           <a:xfrm>
-            <a:off x="11484528" y="6493241"/>
-            <a:ext cx="805343" cy="276999"/>
+            <a:off x="1154104" y="3882972"/>
+            <a:ext cx="8424781" cy="477054"/>
           </a:xfrm>
           <a:prstGeom prst="rect">
             <a:avLst/>
@@ -10904,8 +11382,57 @@
           <a:lstStyle/>
           <a:p>
             <a:r>
+              <a:rPr lang="en-US" sz="2500" b="1" dirty="0">
+                <a:latin typeface="Times New Roman" panose="02020603050405020304" pitchFamily="18" charset="0"/>
+                <a:cs typeface="Times New Roman" panose="02020603050405020304" pitchFamily="18" charset="0"/>
+              </a:rPr>
+              <a:t>Enhancing the Dependency Mechanism of </a:t>
+            </a:r>
+            <a:r>
+              <a:rPr lang="en-US" sz="2500" b="1" dirty="0" err="1">
+                <a:latin typeface="Times New Roman" panose="02020603050405020304" pitchFamily="18" charset="0"/>
+                <a:cs typeface="Times New Roman" panose="02020603050405020304" pitchFamily="18" charset="0"/>
+              </a:rPr>
+              <a:t>RoBERTa</a:t>
+            </a:r>
+            <a:endParaRPr lang="en-US" sz="2500" dirty="0">
+              <a:latin typeface="Times New Roman" panose="02020603050405020304" pitchFamily="18" charset="0"/>
+              <a:cs typeface="Times New Roman" panose="02020603050405020304" pitchFamily="18" charset="0"/>
+            </a:endParaRPr>
+          </a:p>
+        </p:txBody>
+      </p:sp>
+      <p:sp>
+        <p:nvSpPr>
+          <p:cNvPr id="8" name="文字方塊 7">
+            <a:extLst>
+              <a:ext uri="{FF2B5EF4-FFF2-40B4-BE49-F238E27FC236}">
+                <a16:creationId xmlns:a16="http://schemas.microsoft.com/office/drawing/2014/main" id="{CA9DE776-E94C-47BA-B7C4-BC7427DC5373}"/>
+              </a:ext>
+            </a:extLst>
+          </p:cNvPr>
+          <p:cNvSpPr txBox="1"/>
+          <p:nvPr/>
+        </p:nvSpPr>
+        <p:spPr>
+          <a:xfrm>
+            <a:off x="11484528" y="6493241"/>
+            <a:ext cx="805343" cy="276999"/>
+          </a:xfrm>
+          <a:prstGeom prst="rect">
+            <a:avLst/>
+          </a:prstGeom>
+          <a:noFill/>
+        </p:spPr>
+        <p:txBody>
+          <a:bodyPr wrap="square" rtlCol="0">
+            <a:spAutoFit/>
+          </a:bodyPr>
+          <a:lstStyle/>
+          <a:p>
+            <a:r>
               <a:rPr lang="en-US" sz="1200" dirty="0"/>
-              <a:t>15</a:t>
+              <a:t>12</a:t>
             </a:r>
           </a:p>
         </p:txBody>
@@ -10913,7 +11440,7 @@
     </p:spTree>
     <p:extLst>
       <p:ext uri="{BB962C8B-B14F-4D97-AF65-F5344CB8AC3E}">
-        <p14:creationId xmlns:p14="http://schemas.microsoft.com/office/powerpoint/2010/main" val="1320879586"/>
+        <p14:creationId xmlns:p14="http://schemas.microsoft.com/office/powerpoint/2010/main" val="2301789250"/>
       </p:ext>
     </p:extLst>
   </p:cSld>
@@ -10963,7 +11490,7 @@
         <p:spPr>
           <a:xfrm>
             <a:off x="616225" y="569844"/>
-            <a:ext cx="11008328" cy="523220"/>
+            <a:ext cx="9500541" cy="523220"/>
           </a:xfrm>
           <a:prstGeom prst="rect">
             <a:avLst/>
@@ -10978,17 +11505,89 @@
           <a:p>
             <a:r>
               <a:rPr lang="en-US" sz="2800" b="1" dirty="0"/>
-              <a:t>Conclusions</a:t>
-            </a:r>
-          </a:p>
-        </p:txBody>
-      </p:sp>
-      <p:sp>
-        <p:nvSpPr>
-          <p:cNvPr id="3" name="文字方塊 2">
-            <a:extLst>
-              <a:ext uri="{FF2B5EF4-FFF2-40B4-BE49-F238E27FC236}">
-                <a16:creationId xmlns:a16="http://schemas.microsoft.com/office/drawing/2014/main" id="{F40C8BBC-9339-4C5C-A66C-50E9ED01322F}"/>
+              <a:t>Optimization: Statistics</a:t>
+            </a:r>
+          </a:p>
+        </p:txBody>
+      </p:sp>
+      <p:pic>
+        <p:nvPicPr>
+          <p:cNvPr id="7" name="Picture 6">
+            <a:extLst>
+              <a:ext uri="{FF2B5EF4-FFF2-40B4-BE49-F238E27FC236}">
+                <a16:creationId xmlns:a16="http://schemas.microsoft.com/office/drawing/2014/main" id="{3EA49A00-B665-BB4E-8414-F14A25C37FAF}"/>
+              </a:ext>
+            </a:extLst>
+          </p:cNvPr>
+          <p:cNvPicPr>
+            <a:picLocks noChangeAspect="1"/>
+          </p:cNvPicPr>
+          <p:nvPr/>
+        </p:nvPicPr>
+        <p:blipFill>
+          <a:blip r:embed="rId3">
+            <a:extLst>
+              <a:ext uri="{28A0092B-C50C-407E-A947-70E740481C1C}">
+                <a14:useLocalDpi xmlns:a14="http://schemas.microsoft.com/office/drawing/2010/main" val="0"/>
+              </a:ext>
+            </a:extLst>
+          </a:blip>
+          <a:stretch>
+            <a:fillRect/>
+          </a:stretch>
+        </p:blipFill>
+        <p:spPr>
+          <a:xfrm>
+            <a:off x="817123" y="1479649"/>
+            <a:ext cx="8716836" cy="2237989"/>
+          </a:xfrm>
+          <a:prstGeom prst="rect">
+            <a:avLst/>
+          </a:prstGeom>
+        </p:spPr>
+      </p:pic>
+      <p:pic>
+        <p:nvPicPr>
+          <p:cNvPr id="9" name="Picture 8">
+            <a:extLst>
+              <a:ext uri="{FF2B5EF4-FFF2-40B4-BE49-F238E27FC236}">
+                <a16:creationId xmlns:a16="http://schemas.microsoft.com/office/drawing/2014/main" id="{039B4765-42F5-9541-BC34-8ACF710B3366}"/>
+              </a:ext>
+            </a:extLst>
+          </p:cNvPr>
+          <p:cNvPicPr>
+            <a:picLocks noChangeAspect="1"/>
+          </p:cNvPicPr>
+          <p:nvPr/>
+        </p:nvPicPr>
+        <p:blipFill>
+          <a:blip r:embed="rId4">
+            <a:extLst>
+              <a:ext uri="{28A0092B-C50C-407E-A947-70E740481C1C}">
+                <a14:useLocalDpi xmlns:a14="http://schemas.microsoft.com/office/drawing/2010/main" val="0"/>
+              </a:ext>
+            </a:extLst>
+          </a:blip>
+          <a:stretch>
+            <a:fillRect/>
+          </a:stretch>
+        </p:blipFill>
+        <p:spPr>
+          <a:xfrm>
+            <a:off x="2869660" y="4330567"/>
+            <a:ext cx="9015380" cy="2237989"/>
+          </a:xfrm>
+          <a:prstGeom prst="rect">
+            <a:avLst/>
+          </a:prstGeom>
+        </p:spPr>
+      </p:pic>
+      <p:sp>
+        <p:nvSpPr>
+          <p:cNvPr id="5" name="文字方塊 4">
+            <a:extLst>
+              <a:ext uri="{FF2B5EF4-FFF2-40B4-BE49-F238E27FC236}">
+                <a16:creationId xmlns:a16="http://schemas.microsoft.com/office/drawing/2014/main" id="{41506C6F-93EE-49C5-88F9-1B83EB3738F0}"/>
               </a:ext>
             </a:extLst>
           </p:cNvPr>
@@ -10997,8 +11596,8 @@
         </p:nvSpPr>
         <p:spPr>
           <a:xfrm>
-            <a:off x="985534" y="1650581"/>
-            <a:ext cx="8310608" cy="430887"/>
+            <a:off x="11484528" y="6493241"/>
+            <a:ext cx="805343" cy="276999"/>
           </a:xfrm>
           <a:prstGeom prst="rect">
             <a:avLst/>
@@ -11006,41 +11605,62 @@
           <a:noFill/>
         </p:spPr>
         <p:txBody>
-          <a:bodyPr wrap="none" rtlCol="0">
+          <a:bodyPr wrap="square" rtlCol="0">
             <a:spAutoFit/>
           </a:bodyPr>
           <a:lstStyle/>
           <a:p>
             <a:r>
-              <a:rPr lang="en-US" sz="2200" dirty="0">
-                <a:latin typeface="Calibri" panose="020F0502020204030204" pitchFamily="34" charset="0"/>
-                <a:cs typeface="Calibri" panose="020F0502020204030204" pitchFamily="34" charset="0"/>
-              </a:rPr>
-              <a:t>We introduced a language representation model called EDM-</a:t>
-            </a:r>
-            <a:r>
-              <a:rPr lang="en-US" sz="2200" dirty="0" err="1">
-                <a:latin typeface="Calibri" panose="020F0502020204030204" pitchFamily="34" charset="0"/>
-                <a:cs typeface="Calibri" panose="020F0502020204030204" pitchFamily="34" charset="0"/>
-              </a:rPr>
-              <a:t>RoBERTa</a:t>
-            </a:r>
-            <a:r>
-              <a:rPr lang="en-US" sz="2200" dirty="0">
-                <a:latin typeface="Calibri" panose="020F0502020204030204" pitchFamily="34" charset="0"/>
-                <a:cs typeface="Calibri" panose="020F0502020204030204" pitchFamily="34" charset="0"/>
-              </a:rPr>
-              <a:t>.</a:t>
-            </a:r>
-          </a:p>
-        </p:txBody>
-      </p:sp>
-      <p:sp>
-        <p:nvSpPr>
-          <p:cNvPr id="4" name="文字方塊 3">
-            <a:extLst>
-              <a:ext uri="{FF2B5EF4-FFF2-40B4-BE49-F238E27FC236}">
-                <a16:creationId xmlns:a16="http://schemas.microsoft.com/office/drawing/2014/main" id="{535C972E-20D5-4DCB-AFBB-E1252A03BA81}"/>
+              <a:rPr lang="en-US" sz="1200" dirty="0"/>
+              <a:t>13</a:t>
+            </a:r>
+          </a:p>
+        </p:txBody>
+      </p:sp>
+    </p:spTree>
+    <p:extLst>
+      <p:ext uri="{BB962C8B-B14F-4D97-AF65-F5344CB8AC3E}">
+        <p14:creationId xmlns:p14="http://schemas.microsoft.com/office/powerpoint/2010/main" val="1987724706"/>
+      </p:ext>
+    </p:extLst>
+  </p:cSld>
+  <p:clrMapOvr>
+    <a:masterClrMapping/>
+  </p:clrMapOvr>
+</p:sld>
+</file>
+
+<file path=ppt/slides/slide18.xml><?xml version="1.0" encoding="utf-8"?>
+<p:sld xmlns:a="http://schemas.openxmlformats.org/drawingml/2006/main" xmlns:r="http://schemas.openxmlformats.org/officeDocument/2006/relationships" xmlns:p="http://schemas.openxmlformats.org/presentationml/2006/main">
+  <p:cSld>
+    <p:bg>
+      <p:bgPr>
+        <a:solidFill>
+          <a:schemeClr val="bg1"/>
+        </a:solidFill>
+        <a:effectLst/>
+      </p:bgPr>
+    </p:bg>
+    <p:spTree>
+      <p:nvGrpSpPr>
+        <p:cNvPr id="1" name=""/>
+        <p:cNvGrpSpPr/>
+        <p:nvPr/>
+      </p:nvGrpSpPr>
+      <p:grpSpPr>
+        <a:xfrm>
+          <a:off x="0" y="0"/>
+          <a:ext cx="0" cy="0"/>
+          <a:chOff x="0" y="0"/>
+          <a:chExt cx="0" cy="0"/>
+        </a:xfrm>
+      </p:grpSpPr>
+      <p:sp>
+        <p:nvSpPr>
+          <p:cNvPr id="2" name="文字方塊 9">
+            <a:extLst>
+              <a:ext uri="{FF2B5EF4-FFF2-40B4-BE49-F238E27FC236}">
+                <a16:creationId xmlns:a16="http://schemas.microsoft.com/office/drawing/2014/main" id="{1472181F-E1C9-5B4B-AC5F-B6ABF9C576B7}"/>
               </a:ext>
             </a:extLst>
           </p:cNvPr>
@@ -11049,8 +11669,8 @@
         </p:nvSpPr>
         <p:spPr>
           <a:xfrm>
-            <a:off x="985534" y="2704754"/>
-            <a:ext cx="10927800" cy="769441"/>
+            <a:off x="616225" y="569844"/>
+            <a:ext cx="11008328" cy="523220"/>
           </a:xfrm>
           <a:prstGeom prst="rect">
             <a:avLst/>
@@ -11058,50 +11678,73 @@
           <a:noFill/>
         </p:spPr>
         <p:txBody>
-          <a:bodyPr wrap="none" rtlCol="0">
+          <a:bodyPr wrap="square" rtlCol="0">
             <a:spAutoFit/>
           </a:bodyPr>
           <a:lstStyle/>
           <a:p>
             <a:r>
-              <a:rPr lang="en-US" sz="2200" dirty="0">
-                <a:latin typeface="Calibri" panose="020F0502020204030204" pitchFamily="34" charset="0"/>
-                <a:cs typeface="Calibri" panose="020F0502020204030204" pitchFamily="34" charset="0"/>
-              </a:rPr>
+              <a:rPr lang="en-US" sz="2800" b="1" dirty="0"/>
               <a:t>EDM-</a:t>
             </a:r>
             <a:r>
-              <a:rPr lang="en-US" sz="2200" dirty="0" err="1">
-                <a:latin typeface="Calibri" panose="020F0502020204030204" pitchFamily="34" charset="0"/>
-                <a:cs typeface="Calibri" panose="020F0502020204030204" pitchFamily="34" charset="0"/>
-              </a:rPr>
+              <a:rPr lang="en-US" sz="2800" b="1" dirty="0" err="1"/>
               <a:t>RoBERTa</a:t>
             </a:r>
             <a:r>
-              <a:rPr lang="en-US" sz="2200" dirty="0">
-                <a:latin typeface="Calibri" panose="020F0502020204030204" pitchFamily="34" charset="0"/>
-                <a:cs typeface="Calibri" panose="020F0502020204030204" pitchFamily="34" charset="0"/>
-              </a:rPr>
-              <a:t> is designed to improve the dependency mechanism, and fine-tune the whole </a:t>
-            </a:r>
-          </a:p>
-          <a:p>
-            <a:r>
-              <a:rPr lang="en-US" sz="2200" dirty="0">
-                <a:latin typeface="Calibri" panose="020F0502020204030204" pitchFamily="34" charset="0"/>
-                <a:cs typeface="Calibri" panose="020F0502020204030204" pitchFamily="34" charset="0"/>
-              </a:rPr>
-              <a:t>model with sentiment analysis datasets.</a:t>
-            </a:r>
-          </a:p>
-        </p:txBody>
-      </p:sp>
-      <p:sp>
-        <p:nvSpPr>
-          <p:cNvPr id="5" name="文字方塊 4">
-            <a:extLst>
-              <a:ext uri="{FF2B5EF4-FFF2-40B4-BE49-F238E27FC236}">
-                <a16:creationId xmlns:a16="http://schemas.microsoft.com/office/drawing/2014/main" id="{1ED8058D-F274-4F85-8FE0-141F54DE55C1}"/>
+              <a:rPr lang="en-US" sz="2800" b="1" dirty="0"/>
+              <a:t>: Enhancing the Dependency Structure of </a:t>
+            </a:r>
+            <a:r>
+              <a:rPr lang="en-US" sz="2800" b="1" dirty="0" err="1"/>
+              <a:t>RoBERTa</a:t>
+            </a:r>
+            <a:endParaRPr lang="en-US" sz="2800" b="1" dirty="0"/>
+          </a:p>
+        </p:txBody>
+      </p:sp>
+      <p:pic>
+        <p:nvPicPr>
+          <p:cNvPr id="4" name="Picture 3">
+            <a:extLst>
+              <a:ext uri="{FF2B5EF4-FFF2-40B4-BE49-F238E27FC236}">
+                <a16:creationId xmlns:a16="http://schemas.microsoft.com/office/drawing/2014/main" id="{01A05A17-4134-CB42-BA18-D7A967D0F2DB}"/>
+              </a:ext>
+            </a:extLst>
+          </p:cNvPr>
+          <p:cNvPicPr>
+            <a:picLocks noChangeAspect="1"/>
+          </p:cNvPicPr>
+          <p:nvPr/>
+        </p:nvPicPr>
+        <p:blipFill>
+          <a:blip r:embed="rId3">
+            <a:extLst>
+              <a:ext uri="{28A0092B-C50C-407E-A947-70E740481C1C}">
+                <a14:useLocalDpi xmlns:a14="http://schemas.microsoft.com/office/drawing/2010/main" val="0"/>
+              </a:ext>
+            </a:extLst>
+          </a:blip>
+          <a:stretch>
+            <a:fillRect/>
+          </a:stretch>
+        </p:blipFill>
+        <p:spPr>
+          <a:xfrm>
+            <a:off x="1589975" y="2907884"/>
+            <a:ext cx="9012050" cy="1757124"/>
+          </a:xfrm>
+          <a:prstGeom prst="rect">
+            <a:avLst/>
+          </a:prstGeom>
+        </p:spPr>
+      </p:pic>
+      <p:sp>
+        <p:nvSpPr>
+          <p:cNvPr id="5" name="TextBox 4">
+            <a:extLst>
+              <a:ext uri="{FF2B5EF4-FFF2-40B4-BE49-F238E27FC236}">
+                <a16:creationId xmlns:a16="http://schemas.microsoft.com/office/drawing/2014/main" id="{7143B78D-B6B3-474D-B531-66EC4DED1CA1}"/>
               </a:ext>
             </a:extLst>
           </p:cNvPr>
@@ -11110,8 +11753,8 @@
         </p:nvSpPr>
         <p:spPr>
           <a:xfrm>
-            <a:off x="985534" y="4013359"/>
-            <a:ext cx="10661060" cy="769441"/>
+            <a:off x="1322962" y="1780162"/>
+            <a:ext cx="5985293" cy="477054"/>
           </a:xfrm>
           <a:prstGeom prst="rect">
             <a:avLst/>
@@ -11124,22 +11767,19 @@
           </a:bodyPr>
           <a:lstStyle/>
           <a:p>
-            <a:r>
-              <a:rPr lang="en-US" sz="2200" dirty="0">
-                <a:latin typeface="Calibri" panose="020F0502020204030204" pitchFamily="34" charset="0"/>
-                <a:cs typeface="Calibri" panose="020F0502020204030204" pitchFamily="34" charset="0"/>
-              </a:rPr>
-              <a:t>Experiments and statistics show our proposed model successfully enhance the dependency </a:t>
-            </a:r>
-          </a:p>
-          <a:p>
-            <a:r>
-              <a:rPr lang="en-US" sz="2200" dirty="0">
-                <a:latin typeface="Calibri" panose="020F0502020204030204" pitchFamily="34" charset="0"/>
-                <a:cs typeface="Calibri" panose="020F0502020204030204" pitchFamily="34" charset="0"/>
-              </a:rPr>
-              <a:t>mechanism on local context.</a:t>
-            </a:r>
+            <a:pPr marL="342900" indent="-342900">
+              <a:buFont typeface="Arial" panose="020B0604020202020204" pitchFamily="34" charset="0"/>
+              <a:buChar char="•"/>
+            </a:pPr>
+            <a:r>
+              <a:rPr lang="en-US" sz="2500" b="1" dirty="0"/>
+              <a:t>Detailed parameters of EDM-</a:t>
+            </a:r>
+            <a:r>
+              <a:rPr lang="en-US" sz="2500" b="1" dirty="0" err="1"/>
+              <a:t>RoBERTa</a:t>
+            </a:r>
+            <a:endParaRPr lang="en-US" sz="2500" b="1" dirty="0"/>
           </a:p>
         </p:txBody>
       </p:sp>
@@ -11148,7 +11788,7 @@
           <p:cNvPr id="6" name="文字方塊 5">
             <a:extLst>
               <a:ext uri="{FF2B5EF4-FFF2-40B4-BE49-F238E27FC236}">
-                <a16:creationId xmlns:a16="http://schemas.microsoft.com/office/drawing/2014/main" id="{4F61AFF0-1A69-4A7E-B1DF-D76B12F32D41}"/>
+                <a16:creationId xmlns:a16="http://schemas.microsoft.com/office/drawing/2014/main" id="{F1369C88-80E7-407E-80FA-2D871FE3345B}"/>
               </a:ext>
             </a:extLst>
           </p:cNvPr>
@@ -11157,8 +11797,8 @@
         </p:nvSpPr>
         <p:spPr>
           <a:xfrm>
-            <a:off x="985534" y="5124208"/>
-            <a:ext cx="11206466" cy="769441"/>
+            <a:off x="11484528" y="6493241"/>
+            <a:ext cx="805343" cy="276999"/>
           </a:xfrm>
           <a:prstGeom prst="rect">
             <a:avLst/>
@@ -11166,89 +11806,62 @@
           <a:noFill/>
         </p:spPr>
         <p:txBody>
-          <a:bodyPr wrap="none" rtlCol="0">
+          <a:bodyPr wrap="square" rtlCol="0">
             <a:spAutoFit/>
           </a:bodyPr>
           <a:lstStyle/>
           <a:p>
             <a:r>
-              <a:rPr lang="en-US" sz="2200" dirty="0">
-                <a:latin typeface="Calibri" panose="020F0502020204030204" pitchFamily="34" charset="0"/>
-                <a:cs typeface="Calibri" panose="020F0502020204030204" pitchFamily="34" charset="0"/>
-              </a:rPr>
-              <a:t>EDM-</a:t>
-            </a:r>
-            <a:r>
-              <a:rPr lang="en-US" sz="2200" dirty="0" err="1">
-                <a:latin typeface="Calibri" panose="020F0502020204030204" pitchFamily="34" charset="0"/>
-                <a:cs typeface="Calibri" panose="020F0502020204030204" pitchFamily="34" charset="0"/>
-              </a:rPr>
-              <a:t>RoBERTa</a:t>
-            </a:r>
-            <a:r>
-              <a:rPr lang="en-US" sz="2200" dirty="0">
-                <a:latin typeface="Calibri" panose="020F0502020204030204" pitchFamily="34" charset="0"/>
-                <a:cs typeface="Calibri" panose="020F0502020204030204" pitchFamily="34" charset="0"/>
-              </a:rPr>
-              <a:t> outperforms conventional pre-trained models, including Seq2Seq, BERT, </a:t>
-            </a:r>
-            <a:r>
-              <a:rPr lang="en-US" sz="2200" dirty="0" err="1">
-                <a:latin typeface="Calibri" panose="020F0502020204030204" pitchFamily="34" charset="0"/>
-                <a:cs typeface="Calibri" panose="020F0502020204030204" pitchFamily="34" charset="0"/>
-              </a:rPr>
-              <a:t>RoBERTa</a:t>
-            </a:r>
-            <a:r>
-              <a:rPr lang="en-US" sz="2200" dirty="0">
-                <a:latin typeface="Calibri" panose="020F0502020204030204" pitchFamily="34" charset="0"/>
-                <a:cs typeface="Calibri" panose="020F0502020204030204" pitchFamily="34" charset="0"/>
-              </a:rPr>
-              <a:t>,</a:t>
-            </a:r>
-            <a:br>
-              <a:rPr lang="en-US" sz="2200" dirty="0">
-                <a:latin typeface="Calibri" panose="020F0502020204030204" pitchFamily="34" charset="0"/>
-                <a:cs typeface="Calibri" panose="020F0502020204030204" pitchFamily="34" charset="0"/>
-              </a:rPr>
-            </a:br>
-            <a:r>
-              <a:rPr lang="en-US" sz="2200" dirty="0" err="1">
-                <a:latin typeface="Calibri" panose="020F0502020204030204" pitchFamily="34" charset="0"/>
-                <a:cs typeface="Calibri" panose="020F0502020204030204" pitchFamily="34" charset="0"/>
-              </a:rPr>
-              <a:t>XLNet</a:t>
-            </a:r>
-            <a:r>
-              <a:rPr lang="en-US" sz="2200" dirty="0">
-                <a:latin typeface="Calibri" panose="020F0502020204030204" pitchFamily="34" charset="0"/>
-                <a:cs typeface="Calibri" panose="020F0502020204030204" pitchFamily="34" charset="0"/>
-              </a:rPr>
-              <a:t>, and </a:t>
-            </a:r>
-            <a:r>
-              <a:rPr lang="en-US" sz="2200" dirty="0" err="1">
-                <a:latin typeface="Calibri" panose="020F0502020204030204" pitchFamily="34" charset="0"/>
-                <a:cs typeface="Calibri" panose="020F0502020204030204" pitchFamily="34" charset="0"/>
-              </a:rPr>
-              <a:t>DistilBERT</a:t>
-            </a:r>
-            <a:r>
-              <a:rPr lang="en-US" sz="2200" dirty="0">
-                <a:latin typeface="Calibri" panose="020F0502020204030204" pitchFamily="34" charset="0"/>
-                <a:cs typeface="Calibri" panose="020F0502020204030204" pitchFamily="34" charset="0"/>
-              </a:rPr>
-              <a:t>.</a:t>
-            </a:r>
-          </a:p>
-        </p:txBody>
-      </p:sp>
-      <p:sp>
-        <p:nvSpPr>
-          <p:cNvPr id="7" name="文字方塊 6">
-            <a:extLst>
-              <a:ext uri="{FF2B5EF4-FFF2-40B4-BE49-F238E27FC236}">
-                <a16:creationId xmlns:a16="http://schemas.microsoft.com/office/drawing/2014/main" id="{35E60E60-825F-4F55-A1A1-6BB19B615797}"/>
+              <a:rPr lang="en-US" sz="1200" dirty="0"/>
+              <a:t>14</a:t>
+            </a:r>
+          </a:p>
+        </p:txBody>
+      </p:sp>
+    </p:spTree>
+    <p:extLst>
+      <p:ext uri="{BB962C8B-B14F-4D97-AF65-F5344CB8AC3E}">
+        <p14:creationId xmlns:p14="http://schemas.microsoft.com/office/powerpoint/2010/main" val="266460702"/>
+      </p:ext>
+    </p:extLst>
+  </p:cSld>
+  <p:clrMapOvr>
+    <a:masterClrMapping/>
+  </p:clrMapOvr>
+</p:sld>
+</file>
+
+<file path=ppt/slides/slide19.xml><?xml version="1.0" encoding="utf-8"?>
+<p:sld xmlns:a="http://schemas.openxmlformats.org/drawingml/2006/main" xmlns:r="http://schemas.openxmlformats.org/officeDocument/2006/relationships" xmlns:p="http://schemas.openxmlformats.org/presentationml/2006/main">
+  <p:cSld>
+    <p:bg>
+      <p:bgPr>
+        <a:solidFill>
+          <a:schemeClr val="bg1"/>
+        </a:solidFill>
+        <a:effectLst/>
+      </p:bgPr>
+    </p:bg>
+    <p:spTree>
+      <p:nvGrpSpPr>
+        <p:cNvPr id="1" name=""/>
+        <p:cNvGrpSpPr/>
+        <p:nvPr/>
+      </p:nvGrpSpPr>
+      <p:grpSpPr>
+        <a:xfrm>
+          <a:off x="0" y="0"/>
+          <a:ext cx="0" cy="0"/>
+          <a:chOff x="0" y="0"/>
+          <a:chExt cx="0" cy="0"/>
+        </a:xfrm>
+      </p:grpSpPr>
+      <p:sp>
+        <p:nvSpPr>
+          <p:cNvPr id="2" name="文字方塊 9">
+            <a:extLst>
+              <a:ext uri="{FF2B5EF4-FFF2-40B4-BE49-F238E27FC236}">
+                <a16:creationId xmlns:a16="http://schemas.microsoft.com/office/drawing/2014/main" id="{1472181F-E1C9-5B4B-AC5F-B6ABF9C576B7}"/>
               </a:ext>
             </a:extLst>
           </p:cNvPr>
@@ -11257,8 +11870,8 @@
         </p:nvSpPr>
         <p:spPr>
           <a:xfrm>
-            <a:off x="11484528" y="6493241"/>
-            <a:ext cx="805343" cy="276999"/>
+            <a:off x="616225" y="569844"/>
+            <a:ext cx="11008328" cy="523220"/>
           </a:xfrm>
           <a:prstGeom prst="rect">
             <a:avLst/>
@@ -11272,8 +11885,79 @@
           <a:lstStyle/>
           <a:p>
             <a:r>
+              <a:rPr lang="en-US" sz="2800" b="1" dirty="0"/>
+              <a:t>Runtimes &amp; Environments</a:t>
+            </a:r>
+          </a:p>
+        </p:txBody>
+      </p:sp>
+      <p:pic>
+        <p:nvPicPr>
+          <p:cNvPr id="4" name="Picture 3">
+            <a:extLst>
+              <a:ext uri="{FF2B5EF4-FFF2-40B4-BE49-F238E27FC236}">
+                <a16:creationId xmlns:a16="http://schemas.microsoft.com/office/drawing/2014/main" id="{C4D9BF90-F101-B548-82AE-FAC79A08ABF4}"/>
+              </a:ext>
+            </a:extLst>
+          </p:cNvPr>
+          <p:cNvPicPr>
+            <a:picLocks noChangeAspect="1"/>
+          </p:cNvPicPr>
+          <p:nvPr/>
+        </p:nvPicPr>
+        <p:blipFill>
+          <a:blip r:embed="rId3">
+            <a:extLst>
+              <a:ext uri="{28A0092B-C50C-407E-A947-70E740481C1C}">
+                <a14:useLocalDpi xmlns:a14="http://schemas.microsoft.com/office/drawing/2010/main" val="0"/>
+              </a:ext>
+            </a:extLst>
+          </a:blip>
+          <a:stretch>
+            <a:fillRect/>
+          </a:stretch>
+        </p:blipFill>
+        <p:spPr>
+          <a:xfrm>
+            <a:off x="1065604" y="1549929"/>
+            <a:ext cx="10287472" cy="3824275"/>
+          </a:xfrm>
+          <a:prstGeom prst="rect">
+            <a:avLst/>
+          </a:prstGeom>
+        </p:spPr>
+      </p:pic>
+      <p:sp>
+        <p:nvSpPr>
+          <p:cNvPr id="5" name="文字方塊 4">
+            <a:extLst>
+              <a:ext uri="{FF2B5EF4-FFF2-40B4-BE49-F238E27FC236}">
+                <a16:creationId xmlns:a16="http://schemas.microsoft.com/office/drawing/2014/main" id="{181B9430-086A-4BD7-9B44-D493315FC3AE}"/>
+              </a:ext>
+            </a:extLst>
+          </p:cNvPr>
+          <p:cNvSpPr txBox="1"/>
+          <p:nvPr/>
+        </p:nvSpPr>
+        <p:spPr>
+          <a:xfrm>
+            <a:off x="11484528" y="6493241"/>
+            <a:ext cx="805343" cy="276999"/>
+          </a:xfrm>
+          <a:prstGeom prst="rect">
+            <a:avLst/>
+          </a:prstGeom>
+          <a:noFill/>
+        </p:spPr>
+        <p:txBody>
+          <a:bodyPr wrap="square" rtlCol="0">
+            <a:spAutoFit/>
+          </a:bodyPr>
+          <a:lstStyle/>
+          <a:p>
+            <a:r>
               <a:rPr lang="en-US" sz="1200" dirty="0"/>
-              <a:t>16</a:t>
+              <a:t>15</a:t>
             </a:r>
           </a:p>
         </p:txBody>
@@ -11281,7 +11965,7 @@
     </p:spTree>
     <p:extLst>
       <p:ext uri="{BB962C8B-B14F-4D97-AF65-F5344CB8AC3E}">
-        <p14:creationId xmlns:p14="http://schemas.microsoft.com/office/powerpoint/2010/main" val="1742442189"/>
+        <p14:creationId xmlns:p14="http://schemas.microsoft.com/office/powerpoint/2010/main" val="1320879586"/>
       </p:ext>
     </p:extLst>
   </p:cSld>
@@ -11338,7 +12022,15 @@
           <a:p>
             <a:r>
               <a:rPr lang="en-US" sz="3000" b="1" dirty="0"/>
-              <a:t>Enhancing the Dependency Mechanism of </a:t>
+              <a:t>EDM-</a:t>
+            </a:r>
+            <a:r>
+              <a:rPr lang="en-US" sz="3000" b="1" dirty="0" err="1"/>
+              <a:t>RoBERTa</a:t>
+            </a:r>
+            <a:r>
+              <a:rPr lang="en-US" sz="3000" b="1" dirty="0"/>
+              <a:t>: Enhancing the Dependency Mechanism of </a:t>
             </a:r>
             <a:r>
               <a:rPr lang="en-US" sz="3000" b="1" dirty="0" err="1"/>
@@ -11462,6 +12154,374 @@
     <p:extLst>
       <p:ext uri="{BB962C8B-B14F-4D97-AF65-F5344CB8AC3E}">
         <p14:creationId xmlns:p14="http://schemas.microsoft.com/office/powerpoint/2010/main" val="2987568489"/>
+      </p:ext>
+    </p:extLst>
+  </p:cSld>
+  <p:clrMapOvr>
+    <a:masterClrMapping/>
+  </p:clrMapOvr>
+</p:sld>
+</file>
+
+<file path=ppt/slides/slide20.xml><?xml version="1.0" encoding="utf-8"?>
+<p:sld xmlns:a="http://schemas.openxmlformats.org/drawingml/2006/main" xmlns:r="http://schemas.openxmlformats.org/officeDocument/2006/relationships" xmlns:p="http://schemas.openxmlformats.org/presentationml/2006/main">
+  <p:cSld>
+    <p:bg>
+      <p:bgPr>
+        <a:solidFill>
+          <a:schemeClr val="bg1"/>
+        </a:solidFill>
+        <a:effectLst/>
+      </p:bgPr>
+    </p:bg>
+    <p:spTree>
+      <p:nvGrpSpPr>
+        <p:cNvPr id="1" name=""/>
+        <p:cNvGrpSpPr/>
+        <p:nvPr/>
+      </p:nvGrpSpPr>
+      <p:grpSpPr>
+        <a:xfrm>
+          <a:off x="0" y="0"/>
+          <a:ext cx="0" cy="0"/>
+          <a:chOff x="0" y="0"/>
+          <a:chExt cx="0" cy="0"/>
+        </a:xfrm>
+      </p:grpSpPr>
+      <p:sp>
+        <p:nvSpPr>
+          <p:cNvPr id="2" name="文字方塊 9">
+            <a:extLst>
+              <a:ext uri="{FF2B5EF4-FFF2-40B4-BE49-F238E27FC236}">
+                <a16:creationId xmlns:a16="http://schemas.microsoft.com/office/drawing/2014/main" id="{1472181F-E1C9-5B4B-AC5F-B6ABF9C576B7}"/>
+              </a:ext>
+            </a:extLst>
+          </p:cNvPr>
+          <p:cNvSpPr txBox="1"/>
+          <p:nvPr/>
+        </p:nvSpPr>
+        <p:spPr>
+          <a:xfrm>
+            <a:off x="616225" y="569844"/>
+            <a:ext cx="11008328" cy="523220"/>
+          </a:xfrm>
+          <a:prstGeom prst="rect">
+            <a:avLst/>
+          </a:prstGeom>
+          <a:noFill/>
+        </p:spPr>
+        <p:txBody>
+          <a:bodyPr wrap="square" rtlCol="0">
+            <a:spAutoFit/>
+          </a:bodyPr>
+          <a:lstStyle/>
+          <a:p>
+            <a:r>
+              <a:rPr lang="en-US" sz="2800" b="1" dirty="0"/>
+              <a:t>Conclusions</a:t>
+            </a:r>
+          </a:p>
+        </p:txBody>
+      </p:sp>
+      <p:sp>
+        <p:nvSpPr>
+          <p:cNvPr id="3" name="文字方塊 2">
+            <a:extLst>
+              <a:ext uri="{FF2B5EF4-FFF2-40B4-BE49-F238E27FC236}">
+                <a16:creationId xmlns:a16="http://schemas.microsoft.com/office/drawing/2014/main" id="{F40C8BBC-9339-4C5C-A66C-50E9ED01322F}"/>
+              </a:ext>
+            </a:extLst>
+          </p:cNvPr>
+          <p:cNvSpPr txBox="1"/>
+          <p:nvPr/>
+        </p:nvSpPr>
+        <p:spPr>
+          <a:xfrm>
+            <a:off x="985534" y="1650581"/>
+            <a:ext cx="8310608" cy="430887"/>
+          </a:xfrm>
+          <a:prstGeom prst="rect">
+            <a:avLst/>
+          </a:prstGeom>
+          <a:noFill/>
+        </p:spPr>
+        <p:txBody>
+          <a:bodyPr wrap="none" rtlCol="0">
+            <a:spAutoFit/>
+          </a:bodyPr>
+          <a:lstStyle/>
+          <a:p>
+            <a:r>
+              <a:rPr lang="en-US" sz="2200" dirty="0">
+                <a:latin typeface="Calibri" panose="020F0502020204030204" pitchFamily="34" charset="0"/>
+                <a:cs typeface="Calibri" panose="020F0502020204030204" pitchFamily="34" charset="0"/>
+              </a:rPr>
+              <a:t>We introduced a language representation model called EDM-</a:t>
+            </a:r>
+            <a:r>
+              <a:rPr lang="en-US" sz="2200" dirty="0" err="1">
+                <a:latin typeface="Calibri" panose="020F0502020204030204" pitchFamily="34" charset="0"/>
+                <a:cs typeface="Calibri" panose="020F0502020204030204" pitchFamily="34" charset="0"/>
+              </a:rPr>
+              <a:t>RoBERTa</a:t>
+            </a:r>
+            <a:r>
+              <a:rPr lang="en-US" sz="2200" dirty="0">
+                <a:latin typeface="Calibri" panose="020F0502020204030204" pitchFamily="34" charset="0"/>
+                <a:cs typeface="Calibri" panose="020F0502020204030204" pitchFamily="34" charset="0"/>
+              </a:rPr>
+              <a:t>.</a:t>
+            </a:r>
+          </a:p>
+        </p:txBody>
+      </p:sp>
+      <p:sp>
+        <p:nvSpPr>
+          <p:cNvPr id="4" name="文字方塊 3">
+            <a:extLst>
+              <a:ext uri="{FF2B5EF4-FFF2-40B4-BE49-F238E27FC236}">
+                <a16:creationId xmlns:a16="http://schemas.microsoft.com/office/drawing/2014/main" id="{535C972E-20D5-4DCB-AFBB-E1252A03BA81}"/>
+              </a:ext>
+            </a:extLst>
+          </p:cNvPr>
+          <p:cNvSpPr txBox="1"/>
+          <p:nvPr/>
+        </p:nvSpPr>
+        <p:spPr>
+          <a:xfrm>
+            <a:off x="985534" y="2704754"/>
+            <a:ext cx="10927800" cy="769441"/>
+          </a:xfrm>
+          <a:prstGeom prst="rect">
+            <a:avLst/>
+          </a:prstGeom>
+          <a:noFill/>
+        </p:spPr>
+        <p:txBody>
+          <a:bodyPr wrap="none" rtlCol="0">
+            <a:spAutoFit/>
+          </a:bodyPr>
+          <a:lstStyle/>
+          <a:p>
+            <a:r>
+              <a:rPr lang="en-US" sz="2200" dirty="0">
+                <a:latin typeface="Calibri" panose="020F0502020204030204" pitchFamily="34" charset="0"/>
+                <a:cs typeface="Calibri" panose="020F0502020204030204" pitchFamily="34" charset="0"/>
+              </a:rPr>
+              <a:t>EDM-</a:t>
+            </a:r>
+            <a:r>
+              <a:rPr lang="en-US" sz="2200" dirty="0" err="1">
+                <a:latin typeface="Calibri" panose="020F0502020204030204" pitchFamily="34" charset="0"/>
+                <a:cs typeface="Calibri" panose="020F0502020204030204" pitchFamily="34" charset="0"/>
+              </a:rPr>
+              <a:t>RoBERTa</a:t>
+            </a:r>
+            <a:r>
+              <a:rPr lang="en-US" sz="2200" dirty="0">
+                <a:latin typeface="Calibri" panose="020F0502020204030204" pitchFamily="34" charset="0"/>
+                <a:cs typeface="Calibri" panose="020F0502020204030204" pitchFamily="34" charset="0"/>
+              </a:rPr>
+              <a:t> is designed to improve the dependency mechanism, and fine-tune the whole </a:t>
+            </a:r>
+          </a:p>
+          <a:p>
+            <a:r>
+              <a:rPr lang="en-US" sz="2200" dirty="0">
+                <a:latin typeface="Calibri" panose="020F0502020204030204" pitchFamily="34" charset="0"/>
+                <a:cs typeface="Calibri" panose="020F0502020204030204" pitchFamily="34" charset="0"/>
+              </a:rPr>
+              <a:t>model with sentiment analysis datasets.</a:t>
+            </a:r>
+          </a:p>
+        </p:txBody>
+      </p:sp>
+      <p:sp>
+        <p:nvSpPr>
+          <p:cNvPr id="5" name="文字方塊 4">
+            <a:extLst>
+              <a:ext uri="{FF2B5EF4-FFF2-40B4-BE49-F238E27FC236}">
+                <a16:creationId xmlns:a16="http://schemas.microsoft.com/office/drawing/2014/main" id="{1ED8058D-F274-4F85-8FE0-141F54DE55C1}"/>
+              </a:ext>
+            </a:extLst>
+          </p:cNvPr>
+          <p:cNvSpPr txBox="1"/>
+          <p:nvPr/>
+        </p:nvSpPr>
+        <p:spPr>
+          <a:xfrm>
+            <a:off x="985534" y="4013359"/>
+            <a:ext cx="10661060" cy="769441"/>
+          </a:xfrm>
+          <a:prstGeom prst="rect">
+            <a:avLst/>
+          </a:prstGeom>
+          <a:noFill/>
+        </p:spPr>
+        <p:txBody>
+          <a:bodyPr wrap="none" rtlCol="0">
+            <a:spAutoFit/>
+          </a:bodyPr>
+          <a:lstStyle/>
+          <a:p>
+            <a:r>
+              <a:rPr lang="en-US" sz="2200" dirty="0">
+                <a:latin typeface="Calibri" panose="020F0502020204030204" pitchFamily="34" charset="0"/>
+                <a:cs typeface="Calibri" panose="020F0502020204030204" pitchFamily="34" charset="0"/>
+              </a:rPr>
+              <a:t>Experiments and statistics show our proposed model successfully enhance the dependency </a:t>
+            </a:r>
+          </a:p>
+          <a:p>
+            <a:r>
+              <a:rPr lang="en-US" sz="2200" dirty="0">
+                <a:latin typeface="Calibri" panose="020F0502020204030204" pitchFamily="34" charset="0"/>
+                <a:cs typeface="Calibri" panose="020F0502020204030204" pitchFamily="34" charset="0"/>
+              </a:rPr>
+              <a:t>mechanism on local context.</a:t>
+            </a:r>
+          </a:p>
+        </p:txBody>
+      </p:sp>
+      <p:sp>
+        <p:nvSpPr>
+          <p:cNvPr id="6" name="文字方塊 5">
+            <a:extLst>
+              <a:ext uri="{FF2B5EF4-FFF2-40B4-BE49-F238E27FC236}">
+                <a16:creationId xmlns:a16="http://schemas.microsoft.com/office/drawing/2014/main" id="{4F61AFF0-1A69-4A7E-B1DF-D76B12F32D41}"/>
+              </a:ext>
+            </a:extLst>
+          </p:cNvPr>
+          <p:cNvSpPr txBox="1"/>
+          <p:nvPr/>
+        </p:nvSpPr>
+        <p:spPr>
+          <a:xfrm>
+            <a:off x="985534" y="5124208"/>
+            <a:ext cx="11206466" cy="769441"/>
+          </a:xfrm>
+          <a:prstGeom prst="rect">
+            <a:avLst/>
+          </a:prstGeom>
+          <a:noFill/>
+        </p:spPr>
+        <p:txBody>
+          <a:bodyPr wrap="none" rtlCol="0">
+            <a:spAutoFit/>
+          </a:bodyPr>
+          <a:lstStyle/>
+          <a:p>
+            <a:r>
+              <a:rPr lang="en-US" sz="2200" dirty="0">
+                <a:latin typeface="Calibri" panose="020F0502020204030204" pitchFamily="34" charset="0"/>
+                <a:cs typeface="Calibri" panose="020F0502020204030204" pitchFamily="34" charset="0"/>
+              </a:rPr>
+              <a:t>EDM-</a:t>
+            </a:r>
+            <a:r>
+              <a:rPr lang="en-US" sz="2200" dirty="0" err="1">
+                <a:latin typeface="Calibri" panose="020F0502020204030204" pitchFamily="34" charset="0"/>
+                <a:cs typeface="Calibri" panose="020F0502020204030204" pitchFamily="34" charset="0"/>
+              </a:rPr>
+              <a:t>RoBERTa</a:t>
+            </a:r>
+            <a:r>
+              <a:rPr lang="en-US" sz="2200" dirty="0">
+                <a:latin typeface="Calibri" panose="020F0502020204030204" pitchFamily="34" charset="0"/>
+                <a:cs typeface="Calibri" panose="020F0502020204030204" pitchFamily="34" charset="0"/>
+              </a:rPr>
+              <a:t> outperforms conventional pre-trained models, including Seq2Seq, BERT, </a:t>
+            </a:r>
+            <a:r>
+              <a:rPr lang="en-US" sz="2200" dirty="0" err="1">
+                <a:latin typeface="Calibri" panose="020F0502020204030204" pitchFamily="34" charset="0"/>
+                <a:cs typeface="Calibri" panose="020F0502020204030204" pitchFamily="34" charset="0"/>
+              </a:rPr>
+              <a:t>RoBERTa</a:t>
+            </a:r>
+            <a:r>
+              <a:rPr lang="en-US" sz="2200" dirty="0">
+                <a:latin typeface="Calibri" panose="020F0502020204030204" pitchFamily="34" charset="0"/>
+                <a:cs typeface="Calibri" panose="020F0502020204030204" pitchFamily="34" charset="0"/>
+              </a:rPr>
+              <a:t>,</a:t>
+            </a:r>
+            <a:br>
+              <a:rPr lang="en-US" sz="2200" dirty="0">
+                <a:latin typeface="Calibri" panose="020F0502020204030204" pitchFamily="34" charset="0"/>
+                <a:cs typeface="Calibri" panose="020F0502020204030204" pitchFamily="34" charset="0"/>
+              </a:rPr>
+            </a:br>
+            <a:r>
+              <a:rPr lang="en-US" sz="2200" dirty="0" err="1">
+                <a:latin typeface="Calibri" panose="020F0502020204030204" pitchFamily="34" charset="0"/>
+                <a:cs typeface="Calibri" panose="020F0502020204030204" pitchFamily="34" charset="0"/>
+              </a:rPr>
+              <a:t>XLNet</a:t>
+            </a:r>
+            <a:r>
+              <a:rPr lang="en-US" sz="2200" dirty="0">
+                <a:latin typeface="Calibri" panose="020F0502020204030204" pitchFamily="34" charset="0"/>
+                <a:cs typeface="Calibri" panose="020F0502020204030204" pitchFamily="34" charset="0"/>
+              </a:rPr>
+              <a:t>, and </a:t>
+            </a:r>
+            <a:r>
+              <a:rPr lang="en-US" sz="2200" dirty="0" err="1">
+                <a:latin typeface="Calibri" panose="020F0502020204030204" pitchFamily="34" charset="0"/>
+                <a:cs typeface="Calibri" panose="020F0502020204030204" pitchFamily="34" charset="0"/>
+              </a:rPr>
+              <a:t>DistilBERT</a:t>
+            </a:r>
+            <a:r>
+              <a:rPr lang="en-US" sz="2200" dirty="0">
+                <a:latin typeface="Calibri" panose="020F0502020204030204" pitchFamily="34" charset="0"/>
+                <a:cs typeface="Calibri" panose="020F0502020204030204" pitchFamily="34" charset="0"/>
+              </a:rPr>
+              <a:t>.</a:t>
+            </a:r>
+          </a:p>
+        </p:txBody>
+      </p:sp>
+      <p:sp>
+        <p:nvSpPr>
+          <p:cNvPr id="7" name="文字方塊 6">
+            <a:extLst>
+              <a:ext uri="{FF2B5EF4-FFF2-40B4-BE49-F238E27FC236}">
+                <a16:creationId xmlns:a16="http://schemas.microsoft.com/office/drawing/2014/main" id="{35E60E60-825F-4F55-A1A1-6BB19B615797}"/>
+              </a:ext>
+            </a:extLst>
+          </p:cNvPr>
+          <p:cNvSpPr txBox="1"/>
+          <p:nvPr/>
+        </p:nvSpPr>
+        <p:spPr>
+          <a:xfrm>
+            <a:off x="11484528" y="6493241"/>
+            <a:ext cx="805343" cy="276999"/>
+          </a:xfrm>
+          <a:prstGeom prst="rect">
+            <a:avLst/>
+          </a:prstGeom>
+          <a:noFill/>
+        </p:spPr>
+        <p:txBody>
+          <a:bodyPr wrap="square" rtlCol="0">
+            <a:spAutoFit/>
+          </a:bodyPr>
+          <a:lstStyle/>
+          <a:p>
+            <a:r>
+              <a:rPr lang="en-US" sz="1200" dirty="0"/>
+              <a:t>16</a:t>
+            </a:r>
+          </a:p>
+        </p:txBody>
+      </p:sp>
+    </p:spTree>
+    <p:extLst>
+      <p:ext uri="{BB962C8B-B14F-4D97-AF65-F5344CB8AC3E}">
+        <p14:creationId xmlns:p14="http://schemas.microsoft.com/office/powerpoint/2010/main" val="1742442189"/>
       </p:ext>
     </p:extLst>
   </p:cSld>
@@ -11987,8 +13047,8 @@
         </p:nvSpPr>
         <p:spPr>
           <a:xfrm>
-            <a:off x="616225" y="569844"/>
-            <a:ext cx="5959673" cy="523220"/>
+            <a:off x="616224" y="569844"/>
+            <a:ext cx="10868303" cy="523220"/>
           </a:xfrm>
           <a:prstGeom prst="rect">
             <a:avLst/>
@@ -12003,17 +13063,17 @@
           <a:p>
             <a:r>
               <a:rPr lang="en-US" sz="2800" b="1" dirty="0"/>
-              <a:t>Encoder-Decoder Structure</a:t>
-            </a:r>
-          </a:p>
-        </p:txBody>
-      </p:sp>
-      <p:sp>
-        <p:nvSpPr>
-          <p:cNvPr id="2" name="TextBox 1">
-            <a:extLst>
-              <a:ext uri="{FF2B5EF4-FFF2-40B4-BE49-F238E27FC236}">
-                <a16:creationId xmlns:a16="http://schemas.microsoft.com/office/drawing/2014/main" id="{261D8624-67F2-7244-AF41-3AF06403FE4E}"/>
+              <a:t>Syntactic Patterns Emerge in Word Vectors </a:t>
+            </a:r>
+          </a:p>
+        </p:txBody>
+      </p:sp>
+      <p:sp>
+        <p:nvSpPr>
+          <p:cNvPr id="5" name="文字方塊 4">
+            <a:extLst>
+              <a:ext uri="{FF2B5EF4-FFF2-40B4-BE49-F238E27FC236}">
+                <a16:creationId xmlns:a16="http://schemas.microsoft.com/office/drawing/2014/main" id="{EC8A05CD-495D-4F38-BAFB-5486B9D0C972}"/>
               </a:ext>
             </a:extLst>
           </p:cNvPr>
@@ -12022,8 +13082,8 @@
         </p:nvSpPr>
         <p:spPr>
           <a:xfrm>
-            <a:off x="1906621" y="1906621"/>
-            <a:ext cx="9638552" cy="830997"/>
+            <a:off x="11484528" y="6493241"/>
+            <a:ext cx="805343" cy="276999"/>
           </a:xfrm>
           <a:prstGeom prst="rect">
             <a:avLst/>
@@ -12036,208 +13096,53 @@
           </a:bodyPr>
           <a:lstStyle/>
           <a:p>
-            <a:pPr marL="342900" indent="-342900">
-              <a:buFont typeface="Arial" panose="020B0604020202020204" pitchFamily="34" charset="0"/>
-              <a:buChar char="•"/>
-            </a:pPr>
-            <a:r>
-              <a:rPr lang="en-US" sz="2400" b="1" dirty="0">
-                <a:latin typeface="Calibri" panose="020F0502020204030204" pitchFamily="34" charset="0"/>
-                <a:cs typeface="Calibri" panose="020F0502020204030204" pitchFamily="34" charset="0"/>
-              </a:rPr>
-              <a:t>Natural Language Understanding </a:t>
-            </a:r>
-            <a:r>
-              <a:rPr lang="en-US" sz="2400" b="1" dirty="0">
-                <a:latin typeface="Calibri" panose="020F0502020204030204" pitchFamily="34" charset="0"/>
-                <a:cs typeface="Calibri" panose="020F0502020204030204" pitchFamily="34" charset="0"/>
-                <a:sym typeface="Wingdings" pitchFamily="2" charset="2"/>
-              </a:rPr>
-              <a:t>(NLU) with </a:t>
-            </a:r>
-            <a:r>
-              <a:rPr lang="en-US" sz="2400" b="1" dirty="0">
-                <a:latin typeface="Calibri" panose="020F0502020204030204" pitchFamily="34" charset="0"/>
-                <a:cs typeface="Calibri" panose="020F0502020204030204" pitchFamily="34" charset="0"/>
-              </a:rPr>
-              <a:t>Encoder:</a:t>
-            </a:r>
-            <a:br>
-              <a:rPr lang="en-US" sz="2400" b="1" dirty="0">
-                <a:latin typeface="Calibri" panose="020F0502020204030204" pitchFamily="34" charset="0"/>
-                <a:cs typeface="Calibri" panose="020F0502020204030204" pitchFamily="34" charset="0"/>
-              </a:rPr>
-            </a:br>
-            <a:r>
-              <a:rPr lang="en-US" sz="2400" b="1" dirty="0">
-                <a:latin typeface="Calibri" panose="020F0502020204030204" pitchFamily="34" charset="0"/>
-                <a:cs typeface="Calibri" panose="020F0502020204030204" pitchFamily="34" charset="0"/>
-              </a:rPr>
-              <a:t>Sentiment Analysis,  Named Entity Classification, etc.</a:t>
-            </a:r>
-          </a:p>
-        </p:txBody>
-      </p:sp>
-      <p:sp>
-        <p:nvSpPr>
-          <p:cNvPr id="7" name="TextBox 6">
-            <a:extLst>
-              <a:ext uri="{FF2B5EF4-FFF2-40B4-BE49-F238E27FC236}">
-                <a16:creationId xmlns:a16="http://schemas.microsoft.com/office/drawing/2014/main" id="{6E143681-7E2E-5246-B581-AC4B96C2A6CD}"/>
-              </a:ext>
-            </a:extLst>
-          </p:cNvPr>
-          <p:cNvSpPr txBox="1"/>
+            <a:r>
+              <a:rPr lang="en-US" sz="1200" dirty="0"/>
+              <a:t>3</a:t>
+            </a:r>
+          </a:p>
+        </p:txBody>
+      </p:sp>
+      <p:pic>
+        <p:nvPicPr>
+          <p:cNvPr id="3" name="圖片 2">
+            <a:extLst>
+              <a:ext uri="{FF2B5EF4-FFF2-40B4-BE49-F238E27FC236}">
+                <a16:creationId xmlns:a16="http://schemas.microsoft.com/office/drawing/2014/main" id="{28D86C56-1B4D-4227-8953-E563406DA6D9}"/>
+              </a:ext>
+            </a:extLst>
+          </p:cNvPr>
+          <p:cNvPicPr>
+            <a:picLocks noChangeAspect="1"/>
+          </p:cNvPicPr>
           <p:nvPr/>
-        </p:nvSpPr>
-        <p:spPr>
-          <a:xfrm>
-            <a:off x="1906621" y="3508442"/>
-            <a:ext cx="7403502" cy="830997"/>
+        </p:nvPicPr>
+        <p:blipFill>
+          <a:blip r:embed="rId3">
+            <a:extLst>
+              <a:ext uri="{28A0092B-C50C-407E-A947-70E740481C1C}">
+                <a14:useLocalDpi xmlns:a14="http://schemas.microsoft.com/office/drawing/2010/main" val="0"/>
+              </a:ext>
+            </a:extLst>
+          </a:blip>
+          <a:stretch>
+            <a:fillRect/>
+          </a:stretch>
+        </p:blipFill>
+        <p:spPr>
+          <a:xfrm>
+            <a:off x="3822236" y="1327464"/>
+            <a:ext cx="5742585" cy="5304276"/>
           </a:xfrm>
           <a:prstGeom prst="rect">
             <a:avLst/>
           </a:prstGeom>
-          <a:noFill/>
-        </p:spPr>
-        <p:txBody>
-          <a:bodyPr wrap="none" rtlCol="0">
-            <a:spAutoFit/>
-          </a:bodyPr>
-          <a:lstStyle/>
-          <a:p>
-            <a:pPr marL="342900" indent="-342900">
-              <a:buFont typeface="Arial" panose="020B0604020202020204" pitchFamily="34" charset="0"/>
-              <a:buChar char="•"/>
-            </a:pPr>
-            <a:r>
-              <a:rPr lang="en-US" sz="2400" b="1" dirty="0">
-                <a:latin typeface="Calibri" panose="020F0502020204030204" pitchFamily="34" charset="0"/>
-                <a:cs typeface="Calibri" panose="020F0502020204030204" pitchFamily="34" charset="0"/>
-              </a:rPr>
-              <a:t>Natural Language Generation (NLG) with Decoder: </a:t>
-            </a:r>
-            <a:br>
-              <a:rPr lang="en-US" sz="2400" b="1" dirty="0">
-                <a:latin typeface="Calibri" panose="020F0502020204030204" pitchFamily="34" charset="0"/>
-                <a:cs typeface="Calibri" panose="020F0502020204030204" pitchFamily="34" charset="0"/>
-              </a:rPr>
-            </a:br>
-            <a:r>
-              <a:rPr lang="en-US" sz="2400" b="1" dirty="0">
-                <a:latin typeface="Calibri" panose="020F0502020204030204" pitchFamily="34" charset="0"/>
-                <a:cs typeface="Calibri" panose="020F0502020204030204" pitchFamily="34" charset="0"/>
-              </a:rPr>
-              <a:t>Neural Machine Translation, Question Answering, etc.</a:t>
-            </a:r>
-          </a:p>
-        </p:txBody>
-      </p:sp>
-      <p:sp>
-        <p:nvSpPr>
-          <p:cNvPr id="8" name="TextBox 7">
-            <a:extLst>
-              <a:ext uri="{FF2B5EF4-FFF2-40B4-BE49-F238E27FC236}">
-                <a16:creationId xmlns:a16="http://schemas.microsoft.com/office/drawing/2014/main" id="{47844ACB-683F-3447-BEAF-1897DF1BE6CF}"/>
-              </a:ext>
-            </a:extLst>
-          </p:cNvPr>
-          <p:cNvSpPr txBox="1"/>
-          <p:nvPr/>
-        </p:nvSpPr>
-        <p:spPr>
-          <a:xfrm>
-            <a:off x="1994212" y="4783664"/>
-            <a:ext cx="6639382" cy="461665"/>
-          </a:xfrm>
-          <a:prstGeom prst="rect">
-            <a:avLst/>
-          </a:prstGeom>
-          <a:noFill/>
-        </p:spPr>
-        <p:txBody>
-          <a:bodyPr wrap="none" rtlCol="0">
-            <a:spAutoFit/>
-          </a:bodyPr>
-          <a:lstStyle/>
-          <a:p>
-            <a:pPr marL="342900" indent="-342900">
-              <a:buFont typeface="Arial" panose="020B0604020202020204" pitchFamily="34" charset="0"/>
-              <a:buChar char="•"/>
-            </a:pPr>
-            <a:r>
-              <a:rPr lang="en-US" sz="2400" b="1" dirty="0">
-                <a:latin typeface="Calibri" panose="020F0502020204030204" pitchFamily="34" charset="0"/>
-                <a:cs typeface="Calibri" panose="020F0502020204030204" pitchFamily="34" charset="0"/>
-              </a:rPr>
-              <a:t>Context Vector: </a:t>
-            </a:r>
-            <a:r>
-              <a:rPr lang="en-US" sz="2400" b="1" dirty="0">
-                <a:latin typeface="Times New Roman" panose="02020603050405020304" pitchFamily="18" charset="0"/>
-                <a:cs typeface="Times New Roman" panose="02020603050405020304" pitchFamily="18" charset="0"/>
-              </a:rPr>
-              <a:t>Causing “</a:t>
-            </a:r>
-            <a:r>
-              <a:rPr lang="en-US" sz="2400" b="1" dirty="0">
-                <a:solidFill>
-                  <a:srgbClr val="FF0000"/>
-                </a:solidFill>
-                <a:latin typeface="Times New Roman" panose="02020603050405020304" pitchFamily="18" charset="0"/>
-                <a:cs typeface="Times New Roman" panose="02020603050405020304" pitchFamily="18" charset="0"/>
-              </a:rPr>
-              <a:t>Bottleneck Problem</a:t>
-            </a:r>
-            <a:r>
-              <a:rPr lang="en-US" sz="2400" b="1" dirty="0">
-                <a:latin typeface="Times New Roman" panose="02020603050405020304" pitchFamily="18" charset="0"/>
-                <a:cs typeface="Times New Roman" panose="02020603050405020304" pitchFamily="18" charset="0"/>
-              </a:rPr>
-              <a:t>”</a:t>
-            </a:r>
-          </a:p>
-        </p:txBody>
-      </p:sp>
-      <p:sp>
-        <p:nvSpPr>
-          <p:cNvPr id="6" name="文字方塊 5">
-            <a:extLst>
-              <a:ext uri="{FF2B5EF4-FFF2-40B4-BE49-F238E27FC236}">
-                <a16:creationId xmlns:a16="http://schemas.microsoft.com/office/drawing/2014/main" id="{21C003A9-2617-40ED-9EDE-961ED5BF9CD4}"/>
-              </a:ext>
-            </a:extLst>
-          </p:cNvPr>
-          <p:cNvSpPr txBox="1"/>
-          <p:nvPr/>
-        </p:nvSpPr>
-        <p:spPr>
-          <a:xfrm>
-            <a:off x="11484528" y="6493241"/>
-            <a:ext cx="805343" cy="276999"/>
-          </a:xfrm>
-          <a:prstGeom prst="rect">
-            <a:avLst/>
-          </a:prstGeom>
-          <a:noFill/>
-        </p:spPr>
-        <p:txBody>
-          <a:bodyPr wrap="square" rtlCol="0">
-            <a:spAutoFit/>
-          </a:bodyPr>
-          <a:lstStyle/>
-          <a:p>
-            <a:r>
-              <a:rPr lang="en-US" sz="1200" dirty="0"/>
-              <a:t>4</a:t>
-            </a:r>
-          </a:p>
-        </p:txBody>
-      </p:sp>
+        </p:spPr>
+      </p:pic>
     </p:spTree>
     <p:extLst>
       <p:ext uri="{BB962C8B-B14F-4D97-AF65-F5344CB8AC3E}">
-        <p14:creationId xmlns:p14="http://schemas.microsoft.com/office/powerpoint/2010/main" val="2159107117"/>
+        <p14:creationId xmlns:p14="http://schemas.microsoft.com/office/powerpoint/2010/main" val="2316858801"/>
       </p:ext>
     </p:extLst>
   </p:cSld>
@@ -12287,7 +13192,7 @@
         <p:spPr>
           <a:xfrm>
             <a:off x="616225" y="569844"/>
-            <a:ext cx="9500541" cy="523220"/>
+            <a:ext cx="5959673" cy="523220"/>
           </a:xfrm>
           <a:prstGeom prst="rect">
             <a:avLst/>
@@ -12302,7 +13207,7 @@
           <a:p>
             <a:r>
               <a:rPr lang="en-US" sz="2800" b="1" dirty="0"/>
-              <a:t>Encoder-Decoder Structure: Transformer-based Models</a:t>
+              <a:t>Encoder-Decoder Structure</a:t>
             </a:r>
           </a:p>
         </p:txBody>
@@ -12321,8 +13226,8 @@
         </p:nvSpPr>
         <p:spPr>
           <a:xfrm>
-            <a:off x="1194713" y="1546994"/>
-            <a:ext cx="6652527" cy="461665"/>
+            <a:off x="1906621" y="1906621"/>
+            <a:ext cx="9638552" cy="830997"/>
           </a:xfrm>
           <a:prstGeom prst="rect">
             <a:avLst/>
@@ -12330,7 +13235,7 @@
           <a:noFill/>
         </p:spPr>
         <p:txBody>
-          <a:bodyPr wrap="none" rtlCol="0">
+          <a:bodyPr wrap="square" rtlCol="0">
             <a:spAutoFit/>
           </a:bodyPr>
           <a:lstStyle/>
@@ -12344,98 +13249,139 @@
                 <a:latin typeface="Calibri" panose="020F0502020204030204" pitchFamily="34" charset="0"/>
                 <a:cs typeface="Calibri" panose="020F0502020204030204" pitchFamily="34" charset="0"/>
               </a:rPr>
-              <a:t>Models: </a:t>
+              <a:t>Natural Language Understanding </a:t>
+            </a:r>
+            <a:r>
+              <a:rPr lang="en-US" sz="2400" b="1" dirty="0">
+                <a:latin typeface="Calibri" panose="020F0502020204030204" pitchFamily="34" charset="0"/>
+                <a:cs typeface="Calibri" panose="020F0502020204030204" pitchFamily="34" charset="0"/>
+                <a:sym typeface="Wingdings" pitchFamily="2" charset="2"/>
+              </a:rPr>
+              <a:t>(NLU) with </a:t>
+            </a:r>
+            <a:r>
+              <a:rPr lang="en-US" sz="2400" b="1" dirty="0">
+                <a:latin typeface="Calibri" panose="020F0502020204030204" pitchFamily="34" charset="0"/>
+                <a:cs typeface="Calibri" panose="020F0502020204030204" pitchFamily="34" charset="0"/>
+              </a:rPr>
+              <a:t>Encoder:</a:t>
+            </a:r>
+            <a:br>
+              <a:rPr lang="en-US" sz="2400" b="1" dirty="0">
+                <a:latin typeface="Calibri" panose="020F0502020204030204" pitchFamily="34" charset="0"/>
+                <a:cs typeface="Calibri" panose="020F0502020204030204" pitchFamily="34" charset="0"/>
+              </a:rPr>
+            </a:br>
+            <a:r>
+              <a:rPr lang="en-US" sz="2400" b="1" dirty="0">
+                <a:latin typeface="Calibri" panose="020F0502020204030204" pitchFamily="34" charset="0"/>
+                <a:cs typeface="Calibri" panose="020F0502020204030204" pitchFamily="34" charset="0"/>
+              </a:rPr>
+              <a:t>Sentiment Analysis,  Named Entity Classification, etc.</a:t>
+            </a:r>
+          </a:p>
+        </p:txBody>
+      </p:sp>
+      <p:sp>
+        <p:nvSpPr>
+          <p:cNvPr id="7" name="TextBox 6">
+            <a:extLst>
+              <a:ext uri="{FF2B5EF4-FFF2-40B4-BE49-F238E27FC236}">
+                <a16:creationId xmlns:a16="http://schemas.microsoft.com/office/drawing/2014/main" id="{6E143681-7E2E-5246-B581-AC4B96C2A6CD}"/>
+              </a:ext>
+            </a:extLst>
+          </p:cNvPr>
+          <p:cNvSpPr txBox="1"/>
+          <p:nvPr/>
+        </p:nvSpPr>
+        <p:spPr>
+          <a:xfrm>
+            <a:off x="1906621" y="3508442"/>
+            <a:ext cx="7403502" cy="830997"/>
+          </a:xfrm>
+          <a:prstGeom prst="rect">
+            <a:avLst/>
+          </a:prstGeom>
+          <a:noFill/>
+        </p:spPr>
+        <p:txBody>
+          <a:bodyPr wrap="none" rtlCol="0">
+            <a:spAutoFit/>
+          </a:bodyPr>
+          <a:lstStyle/>
+          <a:p>
+            <a:pPr marL="342900" indent="-342900">
+              <a:buFont typeface="Arial" panose="020B0604020202020204" pitchFamily="34" charset="0"/>
+              <a:buChar char="•"/>
+            </a:pPr>
+            <a:r>
+              <a:rPr lang="en-US" sz="2400" b="1" dirty="0">
+                <a:latin typeface="Calibri" panose="020F0502020204030204" pitchFamily="34" charset="0"/>
+                <a:cs typeface="Calibri" panose="020F0502020204030204" pitchFamily="34" charset="0"/>
+              </a:rPr>
+              <a:t>Natural Language Generation (NLG) with Decoder: </a:t>
+            </a:r>
+            <a:br>
+              <a:rPr lang="en-US" sz="2400" b="1" dirty="0">
+                <a:latin typeface="Calibri" panose="020F0502020204030204" pitchFamily="34" charset="0"/>
+                <a:cs typeface="Calibri" panose="020F0502020204030204" pitchFamily="34" charset="0"/>
+              </a:rPr>
+            </a:br>
+            <a:r>
+              <a:rPr lang="en-US" sz="2400" b="1" dirty="0">
+                <a:latin typeface="Calibri" panose="020F0502020204030204" pitchFamily="34" charset="0"/>
+                <a:cs typeface="Calibri" panose="020F0502020204030204" pitchFamily="34" charset="0"/>
+              </a:rPr>
+              <a:t>Neural Machine Translation, Question Answering, etc.</a:t>
+            </a:r>
+          </a:p>
+        </p:txBody>
+      </p:sp>
+      <p:sp>
+        <p:nvSpPr>
+          <p:cNvPr id="8" name="TextBox 7">
+            <a:extLst>
+              <a:ext uri="{FF2B5EF4-FFF2-40B4-BE49-F238E27FC236}">
+                <a16:creationId xmlns:a16="http://schemas.microsoft.com/office/drawing/2014/main" id="{47844ACB-683F-3447-BEAF-1897DF1BE6CF}"/>
+              </a:ext>
+            </a:extLst>
+          </p:cNvPr>
+          <p:cNvSpPr txBox="1"/>
+          <p:nvPr/>
+        </p:nvSpPr>
+        <p:spPr>
+          <a:xfrm>
+            <a:off x="1994212" y="4783664"/>
+            <a:ext cx="6639382" cy="461665"/>
+          </a:xfrm>
+          <a:prstGeom prst="rect">
+            <a:avLst/>
+          </a:prstGeom>
+          <a:noFill/>
+        </p:spPr>
+        <p:txBody>
+          <a:bodyPr wrap="none" rtlCol="0">
+            <a:spAutoFit/>
+          </a:bodyPr>
+          <a:lstStyle/>
+          <a:p>
+            <a:pPr marL="342900" indent="-342900">
+              <a:buFont typeface="Arial" panose="020B0604020202020204" pitchFamily="34" charset="0"/>
+              <a:buChar char="•"/>
+            </a:pPr>
+            <a:r>
+              <a:rPr lang="en-US" sz="2400" b="1" dirty="0">
+                <a:latin typeface="Calibri" panose="020F0502020204030204" pitchFamily="34" charset="0"/>
+                <a:cs typeface="Calibri" panose="020F0502020204030204" pitchFamily="34" charset="0"/>
+              </a:rPr>
+              <a:t>Context Vector: </a:t>
             </a:r>
             <a:r>
               <a:rPr lang="en-US" sz="2400" b="1" dirty="0">
                 <a:latin typeface="Times New Roman" panose="02020603050405020304" pitchFamily="18" charset="0"/>
                 <a:cs typeface="Times New Roman" panose="02020603050405020304" pitchFamily="18" charset="0"/>
               </a:rPr>
-              <a:t>BERT, </a:t>
-            </a:r>
-            <a:r>
-              <a:rPr lang="en-US" sz="2400" b="1" dirty="0" err="1">
-                <a:solidFill>
-                  <a:srgbClr val="FF0000"/>
-                </a:solidFill>
-                <a:latin typeface="Times New Roman" panose="02020603050405020304" pitchFamily="18" charset="0"/>
-                <a:cs typeface="Times New Roman" panose="02020603050405020304" pitchFamily="18" charset="0"/>
-              </a:rPr>
-              <a:t>RoBERTa</a:t>
-            </a:r>
-            <a:r>
-              <a:rPr lang="en-US" sz="2400" b="1" dirty="0">
-                <a:latin typeface="Times New Roman" panose="02020603050405020304" pitchFamily="18" charset="0"/>
-                <a:cs typeface="Times New Roman" panose="02020603050405020304" pitchFamily="18" charset="0"/>
-              </a:rPr>
-              <a:t>, </a:t>
-            </a:r>
-            <a:r>
-              <a:rPr lang="en-US" sz="2400" b="1" dirty="0" err="1">
-                <a:latin typeface="Times New Roman" panose="02020603050405020304" pitchFamily="18" charset="0"/>
-                <a:cs typeface="Times New Roman" panose="02020603050405020304" pitchFamily="18" charset="0"/>
-              </a:rPr>
-              <a:t>XLNet</a:t>
-            </a:r>
-            <a:r>
-              <a:rPr lang="en-US" sz="2400" b="1" dirty="0">
-                <a:latin typeface="Times New Roman" panose="02020603050405020304" pitchFamily="18" charset="0"/>
-                <a:cs typeface="Times New Roman" panose="02020603050405020304" pitchFamily="18" charset="0"/>
-              </a:rPr>
-              <a:t>, </a:t>
-            </a:r>
-            <a:r>
-              <a:rPr lang="en-US" sz="2400" b="1" dirty="0" err="1">
-                <a:latin typeface="Times New Roman" panose="02020603050405020304" pitchFamily="18" charset="0"/>
-                <a:cs typeface="Times New Roman" panose="02020603050405020304" pitchFamily="18" charset="0"/>
-              </a:rPr>
-              <a:t>DistilBERT</a:t>
-            </a:r>
-            <a:endParaRPr lang="en-US" sz="2400" b="1" dirty="0">
-              <a:latin typeface="Times New Roman" panose="02020603050405020304" pitchFamily="18" charset="0"/>
-              <a:cs typeface="Times New Roman" panose="02020603050405020304" pitchFamily="18" charset="0"/>
-            </a:endParaRPr>
-          </a:p>
-        </p:txBody>
-      </p:sp>
-      <p:sp>
-        <p:nvSpPr>
-          <p:cNvPr id="6" name="TextBox 5">
-            <a:extLst>
-              <a:ext uri="{FF2B5EF4-FFF2-40B4-BE49-F238E27FC236}">
-                <a16:creationId xmlns:a16="http://schemas.microsoft.com/office/drawing/2014/main" id="{0E53FF1D-CE5B-FC4E-A813-2B1BD33775B6}"/>
-              </a:ext>
-            </a:extLst>
-          </p:cNvPr>
-          <p:cNvSpPr txBox="1"/>
-          <p:nvPr/>
-        </p:nvSpPr>
-        <p:spPr>
-          <a:xfrm>
-            <a:off x="1194713" y="3015472"/>
-            <a:ext cx="3864007" cy="461665"/>
-          </a:xfrm>
-          <a:prstGeom prst="rect">
-            <a:avLst/>
-          </a:prstGeom>
-          <a:noFill/>
-        </p:spPr>
-        <p:txBody>
-          <a:bodyPr wrap="none" rtlCol="0">
-            <a:spAutoFit/>
-          </a:bodyPr>
-          <a:lstStyle/>
-          <a:p>
-            <a:pPr marL="342900" indent="-342900">
-              <a:buFont typeface="Arial" panose="020B0604020202020204" pitchFamily="34" charset="0"/>
-              <a:buChar char="•"/>
-            </a:pPr>
-            <a:r>
-              <a:rPr lang="en-US" sz="2400" b="1" dirty="0">
-                <a:latin typeface="Calibri" panose="020F0502020204030204" pitchFamily="34" charset="0"/>
-                <a:cs typeface="Calibri" panose="020F0502020204030204" pitchFamily="34" charset="0"/>
-              </a:rPr>
-              <a:t>Task:   </a:t>
+              <a:t>Causing “</a:t>
             </a:r>
             <a:r>
               <a:rPr lang="en-US" sz="2400" b="1" dirty="0">
@@ -12445,17 +13391,24 @@
                 <a:latin typeface="Times New Roman" panose="02020603050405020304" pitchFamily="18" charset="0"/>
                 <a:cs typeface="Times New Roman" panose="02020603050405020304" pitchFamily="18" charset="0"/>
               </a:rPr>
-              <a:t>Sentiment Analysis</a:t>
-            </a:r>
-          </a:p>
-        </p:txBody>
-      </p:sp>
-      <p:sp>
-        <p:nvSpPr>
-          <p:cNvPr id="9" name="TextBox 8">
-            <a:extLst>
-              <a:ext uri="{FF2B5EF4-FFF2-40B4-BE49-F238E27FC236}">
-                <a16:creationId xmlns:a16="http://schemas.microsoft.com/office/drawing/2014/main" id="{303A935E-D1E0-7541-9F0A-8ADE86F3A716}"/>
+              <a:t>Bottleneck Problem</a:t>
+            </a:r>
+            <a:r>
+              <a:rPr lang="en-US" sz="2400" b="1" dirty="0">
+                <a:latin typeface="Times New Roman" panose="02020603050405020304" pitchFamily="18" charset="0"/>
+                <a:cs typeface="Times New Roman" panose="02020603050405020304" pitchFamily="18" charset="0"/>
+              </a:rPr>
+              <a:t>”</a:t>
+            </a:r>
+          </a:p>
+        </p:txBody>
+      </p:sp>
+      <p:sp>
+        <p:nvSpPr>
+          <p:cNvPr id="6" name="文字方塊 5">
+            <a:extLst>
+              <a:ext uri="{FF2B5EF4-FFF2-40B4-BE49-F238E27FC236}">
+                <a16:creationId xmlns:a16="http://schemas.microsoft.com/office/drawing/2014/main" id="{21C003A9-2617-40ED-9EDE-961ED5BF9CD4}"/>
               </a:ext>
             </a:extLst>
           </p:cNvPr>
@@ -12464,8 +13417,8 @@
         </p:nvSpPr>
         <p:spPr>
           <a:xfrm>
-            <a:off x="1194713" y="3629648"/>
-            <a:ext cx="3238387" cy="461665"/>
+            <a:off x="11484528" y="6493241"/>
+            <a:ext cx="805343" cy="276999"/>
           </a:xfrm>
           <a:prstGeom prst="rect">
             <a:avLst/>
@@ -12473,223 +13426,6 @@
           <a:noFill/>
         </p:spPr>
         <p:txBody>
-          <a:bodyPr wrap="none" rtlCol="0">
-            <a:spAutoFit/>
-          </a:bodyPr>
-          <a:lstStyle/>
-          <a:p>
-            <a:pPr marL="342900" indent="-342900">
-              <a:buFont typeface="Arial" panose="020B0604020202020204" pitchFamily="34" charset="0"/>
-              <a:buChar char="•"/>
-            </a:pPr>
-            <a:r>
-              <a:rPr lang="en-US" sz="2400" b="1" dirty="0">
-                <a:latin typeface="Calibri" panose="020F0502020204030204" pitchFamily="34" charset="0"/>
-                <a:cs typeface="Calibri" panose="020F0502020204030204" pitchFamily="34" charset="0"/>
-              </a:rPr>
-              <a:t>Benchmark Datasets:</a:t>
-            </a:r>
-            <a:endParaRPr lang="en-US" sz="2400" b="1" dirty="0">
-              <a:solidFill>
-                <a:srgbClr val="FF0000"/>
-              </a:solidFill>
-              <a:latin typeface="Times New Roman" panose="02020603050405020304" pitchFamily="18" charset="0"/>
-              <a:cs typeface="Times New Roman" panose="02020603050405020304" pitchFamily="18" charset="0"/>
-            </a:endParaRPr>
-          </a:p>
-        </p:txBody>
-      </p:sp>
-      <p:sp>
-        <p:nvSpPr>
-          <p:cNvPr id="11" name="TextBox 10">
-            <a:extLst>
-              <a:ext uri="{FF2B5EF4-FFF2-40B4-BE49-F238E27FC236}">
-                <a16:creationId xmlns:a16="http://schemas.microsoft.com/office/drawing/2014/main" id="{F5030FDE-8A5D-3D4B-A646-9223612D5F10}"/>
-              </a:ext>
-            </a:extLst>
-          </p:cNvPr>
-          <p:cNvSpPr txBox="1"/>
-          <p:nvPr/>
-        </p:nvSpPr>
-        <p:spPr>
-          <a:xfrm>
-            <a:off x="1589387" y="4243824"/>
-            <a:ext cx="5001690" cy="461665"/>
-          </a:xfrm>
-          <a:prstGeom prst="rect">
-            <a:avLst/>
-          </a:prstGeom>
-          <a:noFill/>
-        </p:spPr>
-        <p:txBody>
-          <a:bodyPr wrap="none" rtlCol="0">
-            <a:spAutoFit/>
-          </a:bodyPr>
-          <a:lstStyle/>
-          <a:p>
-            <a:pPr marL="342900" indent="-342900">
-              <a:buFont typeface="Wingdings" pitchFamily="2" charset="2"/>
-              <a:buChar char="ü"/>
-            </a:pPr>
-            <a:r>
-              <a:rPr lang="en-US" sz="2400" dirty="0">
-                <a:latin typeface="Calibri" panose="020F0502020204030204" pitchFamily="34" charset="0"/>
-                <a:cs typeface="Calibri" panose="020F0502020204030204" pitchFamily="34" charset="0"/>
-              </a:rPr>
-              <a:t>First GOP Debate Twitter Sentiment</a:t>
-            </a:r>
-          </a:p>
-        </p:txBody>
-      </p:sp>
-      <p:sp>
-        <p:nvSpPr>
-          <p:cNvPr id="12" name="TextBox 11">
-            <a:extLst>
-              <a:ext uri="{FF2B5EF4-FFF2-40B4-BE49-F238E27FC236}">
-                <a16:creationId xmlns:a16="http://schemas.microsoft.com/office/drawing/2014/main" id="{FEA4928B-0179-8049-B80E-43938973A224}"/>
-              </a:ext>
-            </a:extLst>
-          </p:cNvPr>
-          <p:cNvSpPr txBox="1"/>
-          <p:nvPr/>
-        </p:nvSpPr>
-        <p:spPr>
-          <a:xfrm>
-            <a:off x="1589385" y="4857091"/>
-            <a:ext cx="10907922" cy="461665"/>
-          </a:xfrm>
-          <a:prstGeom prst="rect">
-            <a:avLst/>
-          </a:prstGeom>
-          <a:noFill/>
-        </p:spPr>
-        <p:txBody>
-          <a:bodyPr wrap="none" rtlCol="0">
-            <a:spAutoFit/>
-          </a:bodyPr>
-          <a:lstStyle/>
-          <a:p>
-            <a:pPr marL="342900" indent="-342900">
-              <a:buFont typeface="Wingdings" pitchFamily="2" charset="2"/>
-              <a:buChar char="ü"/>
-            </a:pPr>
-            <a:r>
-              <a:rPr lang="en-US" sz="2400" dirty="0">
-                <a:latin typeface="Calibri" panose="020F0502020204030204" pitchFamily="34" charset="0"/>
-                <a:cs typeface="Calibri" panose="020F0502020204030204" pitchFamily="34" charset="0"/>
-              </a:rPr>
-              <a:t>Tweets from verified users concerning stocks traded on the NYSE, NASDQ &amp; SNP </a:t>
-            </a:r>
-          </a:p>
-        </p:txBody>
-      </p:sp>
-      <p:sp>
-        <p:nvSpPr>
-          <p:cNvPr id="13" name="TextBox 12">
-            <a:extLst>
-              <a:ext uri="{FF2B5EF4-FFF2-40B4-BE49-F238E27FC236}">
-                <a16:creationId xmlns:a16="http://schemas.microsoft.com/office/drawing/2014/main" id="{31BA6F7F-AC56-3D47-B85E-88757C5B0473}"/>
-              </a:ext>
-            </a:extLst>
-          </p:cNvPr>
-          <p:cNvSpPr txBox="1"/>
-          <p:nvPr/>
-        </p:nvSpPr>
-        <p:spPr>
-          <a:xfrm>
-            <a:off x="1589386" y="5379638"/>
-            <a:ext cx="4111960" cy="461665"/>
-          </a:xfrm>
-          <a:prstGeom prst="rect">
-            <a:avLst/>
-          </a:prstGeom>
-          <a:noFill/>
-        </p:spPr>
-        <p:txBody>
-          <a:bodyPr wrap="none" rtlCol="0">
-            <a:spAutoFit/>
-          </a:bodyPr>
-          <a:lstStyle/>
-          <a:p>
-            <a:pPr marL="342900" indent="-342900">
-              <a:buFont typeface="Wingdings" pitchFamily="2" charset="2"/>
-              <a:buChar char="ü"/>
-            </a:pPr>
-            <a:r>
-              <a:rPr lang="en-US" sz="2400" dirty="0">
-                <a:latin typeface="Calibri" panose="020F0502020204030204" pitchFamily="34" charset="0"/>
-                <a:cs typeface="Calibri" panose="020F0502020204030204" pitchFamily="34" charset="0"/>
-              </a:rPr>
-              <a:t>SST-2: IMDb Movies Reviews</a:t>
-            </a:r>
-          </a:p>
-        </p:txBody>
-      </p:sp>
-      <p:sp>
-        <p:nvSpPr>
-          <p:cNvPr id="14" name="TextBox 13">
-            <a:extLst>
-              <a:ext uri="{FF2B5EF4-FFF2-40B4-BE49-F238E27FC236}">
-                <a16:creationId xmlns:a16="http://schemas.microsoft.com/office/drawing/2014/main" id="{B96E33F1-322D-3E4A-9CFC-14869396E459}"/>
-              </a:ext>
-            </a:extLst>
-          </p:cNvPr>
-          <p:cNvSpPr txBox="1"/>
-          <p:nvPr/>
-        </p:nvSpPr>
-        <p:spPr>
-          <a:xfrm>
-            <a:off x="1589385" y="5993814"/>
-            <a:ext cx="5536259" cy="461665"/>
-          </a:xfrm>
-          <a:prstGeom prst="rect">
-            <a:avLst/>
-          </a:prstGeom>
-          <a:noFill/>
-        </p:spPr>
-        <p:txBody>
-          <a:bodyPr wrap="none" rtlCol="0">
-            <a:spAutoFit/>
-          </a:bodyPr>
-          <a:lstStyle/>
-          <a:p>
-            <a:pPr marL="342900" indent="-342900">
-              <a:buFont typeface="Wingdings" pitchFamily="2" charset="2"/>
-              <a:buChar char="ü"/>
-            </a:pPr>
-            <a:r>
-              <a:rPr lang="en-US" sz="2400" dirty="0">
-                <a:latin typeface="Calibri" panose="020F0502020204030204" pitchFamily="34" charset="0"/>
-                <a:cs typeface="Calibri" panose="020F0502020204030204" pitchFamily="34" charset="0"/>
-              </a:rPr>
-              <a:t>SST-5: Rotten Tomatoes Movies Reviews</a:t>
-            </a:r>
-          </a:p>
-        </p:txBody>
-      </p:sp>
-      <p:sp>
-        <p:nvSpPr>
-          <p:cNvPr id="15" name="文字方塊 14">
-            <a:extLst>
-              <a:ext uri="{FF2B5EF4-FFF2-40B4-BE49-F238E27FC236}">
-                <a16:creationId xmlns:a16="http://schemas.microsoft.com/office/drawing/2014/main" id="{38F2B4A7-DF79-4A21-AB91-4347F5D1DA2F}"/>
-              </a:ext>
-            </a:extLst>
-          </p:cNvPr>
-          <p:cNvSpPr txBox="1"/>
-          <p:nvPr/>
-        </p:nvSpPr>
-        <p:spPr>
-          <a:xfrm>
-            <a:off x="11484528" y="6493241"/>
-            <a:ext cx="805343" cy="276999"/>
-          </a:xfrm>
-          <a:prstGeom prst="rect">
-            <a:avLst/>
-          </a:prstGeom>
-          <a:noFill/>
-        </p:spPr>
-        <p:txBody>
           <a:bodyPr wrap="square" rtlCol="0">
             <a:spAutoFit/>
           </a:bodyPr>
@@ -12697,94 +13433,15 @@
           <a:p>
             <a:r>
               <a:rPr lang="en-US" sz="1200" dirty="0"/>
-              <a:t>5</a:t>
-            </a:r>
-          </a:p>
-        </p:txBody>
-      </p:sp>
-      <p:sp>
-        <p:nvSpPr>
-          <p:cNvPr id="3" name="文字方塊 2">
-            <a:extLst>
-              <a:ext uri="{FF2B5EF4-FFF2-40B4-BE49-F238E27FC236}">
-                <a16:creationId xmlns:a16="http://schemas.microsoft.com/office/drawing/2014/main" id="{F156AE79-104E-4E70-934B-EB4DD0E3B303}"/>
-              </a:ext>
-            </a:extLst>
-          </p:cNvPr>
-          <p:cNvSpPr txBox="1"/>
-          <p:nvPr/>
-        </p:nvSpPr>
-        <p:spPr>
-          <a:xfrm>
-            <a:off x="3282620" y="2169775"/>
-            <a:ext cx="10450286" cy="769441"/>
-          </a:xfrm>
-          <a:prstGeom prst="rect">
-            <a:avLst/>
-          </a:prstGeom>
-          <a:noFill/>
-        </p:spPr>
-        <p:txBody>
-          <a:bodyPr wrap="square" rtlCol="0">
-            <a:spAutoFit/>
-          </a:bodyPr>
-          <a:lstStyle/>
-          <a:p>
-            <a:r>
-              <a:rPr lang="en-US" sz="2200" dirty="0">
-                <a:latin typeface="Calibri" panose="020F0502020204030204" pitchFamily="34" charset="0"/>
-                <a:cs typeface="Calibri" panose="020F0502020204030204" pitchFamily="34" charset="0"/>
-              </a:rPr>
-              <a:t>Bidirectional Encoder Representation from Transformers (</a:t>
-            </a:r>
-            <a:r>
-              <a:rPr lang="en-US" sz="2200" b="1" dirty="0">
-                <a:latin typeface="Calibri" panose="020F0502020204030204" pitchFamily="34" charset="0"/>
-                <a:cs typeface="Calibri" panose="020F0502020204030204" pitchFamily="34" charset="0"/>
-              </a:rPr>
-              <a:t>BERT</a:t>
-            </a:r>
-            <a:r>
-              <a:rPr lang="en-US" sz="2200" dirty="0">
-                <a:latin typeface="Calibri" panose="020F0502020204030204" pitchFamily="34" charset="0"/>
-                <a:cs typeface="Calibri" panose="020F0502020204030204" pitchFamily="34" charset="0"/>
-              </a:rPr>
-              <a:t>)</a:t>
-            </a:r>
-          </a:p>
-          <a:p>
-            <a:r>
-              <a:rPr lang="en-GB" sz="2200" dirty="0">
-                <a:latin typeface="Calibri" panose="020F0502020204030204" pitchFamily="34" charset="0"/>
-                <a:cs typeface="Calibri" panose="020F0502020204030204" pitchFamily="34" charset="0"/>
-              </a:rPr>
-              <a:t>Robustly optimized BERT approach (</a:t>
-            </a:r>
-            <a:r>
-              <a:rPr lang="en-GB" sz="2200" b="1" dirty="0" err="1">
-                <a:latin typeface="Calibri" panose="020F0502020204030204" pitchFamily="34" charset="0"/>
-                <a:cs typeface="Calibri" panose="020F0502020204030204" pitchFamily="34" charset="0"/>
-              </a:rPr>
-              <a:t>RoBERTa</a:t>
-            </a:r>
-            <a:r>
-              <a:rPr lang="en-GB" sz="2200" dirty="0">
-                <a:latin typeface="Calibri" panose="020F0502020204030204" pitchFamily="34" charset="0"/>
-                <a:cs typeface="Calibri" panose="020F0502020204030204" pitchFamily="34" charset="0"/>
-              </a:rPr>
-              <a:t>)</a:t>
-            </a:r>
-            <a:endParaRPr lang="en-US" sz="2200" dirty="0">
-              <a:latin typeface="Calibri" panose="020F0502020204030204" pitchFamily="34" charset="0"/>
-              <a:cs typeface="Calibri" panose="020F0502020204030204" pitchFamily="34" charset="0"/>
-            </a:endParaRPr>
+              <a:t>4</a:t>
+            </a:r>
           </a:p>
         </p:txBody>
       </p:sp>
     </p:spTree>
     <p:extLst>
       <p:ext uri="{BB962C8B-B14F-4D97-AF65-F5344CB8AC3E}">
-        <p14:creationId xmlns:p14="http://schemas.microsoft.com/office/powerpoint/2010/main" val="3985582327"/>
+        <p14:creationId xmlns:p14="http://schemas.microsoft.com/office/powerpoint/2010/main" val="2159107117"/>
       </p:ext>
     </p:extLst>
   </p:cSld>
@@ -12821,10 +13478,10 @@
       </p:grpSpPr>
       <p:sp>
         <p:nvSpPr>
-          <p:cNvPr id="2" name="文字方塊 9">
-            <a:extLst>
-              <a:ext uri="{FF2B5EF4-FFF2-40B4-BE49-F238E27FC236}">
-                <a16:creationId xmlns:a16="http://schemas.microsoft.com/office/drawing/2014/main" id="{1472181F-E1C9-5B4B-AC5F-B6ABF9C576B7}"/>
+          <p:cNvPr id="10" name="文字方塊 9">
+            <a:extLst>
+              <a:ext uri="{FF2B5EF4-FFF2-40B4-BE49-F238E27FC236}">
+                <a16:creationId xmlns:a16="http://schemas.microsoft.com/office/drawing/2014/main" id="{E94E4CCB-02C7-43A6-BF1E-61E48AFFA5AE}"/>
               </a:ext>
             </a:extLst>
           </p:cNvPr>
@@ -12849,53 +13506,17 @@
           <a:p>
             <a:r>
               <a:rPr lang="en-US" sz="2800" b="1" dirty="0"/>
-              <a:t> Structure: Transformer-based Models</a:t>
-            </a:r>
-          </a:p>
-        </p:txBody>
-      </p:sp>
-      <p:pic>
-        <p:nvPicPr>
-          <p:cNvPr id="4" name="Picture 3">
-            <a:extLst>
-              <a:ext uri="{FF2B5EF4-FFF2-40B4-BE49-F238E27FC236}">
-                <a16:creationId xmlns:a16="http://schemas.microsoft.com/office/drawing/2014/main" id="{2AE1B8CB-ADBD-5543-943F-74B8A1A1096E}"/>
-              </a:ext>
-            </a:extLst>
-          </p:cNvPr>
-          <p:cNvPicPr>
-            <a:picLocks noChangeAspect="1"/>
-          </p:cNvPicPr>
-          <p:nvPr/>
-        </p:nvPicPr>
-        <p:blipFill>
-          <a:blip r:embed="rId3" cstate="print">
-            <a:extLst>
-              <a:ext uri="{28A0092B-C50C-407E-A947-70E740481C1C}">
-                <a14:useLocalDpi xmlns:a14="http://schemas.microsoft.com/office/drawing/2010/main" val="0"/>
-              </a:ext>
-            </a:extLst>
-          </a:blip>
-          <a:stretch>
-            <a:fillRect/>
-          </a:stretch>
-        </p:blipFill>
-        <p:spPr>
-          <a:xfrm>
-            <a:off x="8055806" y="685539"/>
-            <a:ext cx="4121919" cy="6021421"/>
-          </a:xfrm>
-          <a:prstGeom prst="rect">
-            <a:avLst/>
-          </a:prstGeom>
-        </p:spPr>
-      </p:pic>
-      <p:sp>
-        <p:nvSpPr>
-          <p:cNvPr id="5" name="TextBox 4">
-            <a:extLst>
-              <a:ext uri="{FF2B5EF4-FFF2-40B4-BE49-F238E27FC236}">
-                <a16:creationId xmlns:a16="http://schemas.microsoft.com/office/drawing/2014/main" id="{0F0A5022-A9F2-4143-B927-A449071B04E6}"/>
+              <a:t>Encoder-Decoder Structure: Transformer-based Models</a:t>
+            </a:r>
+          </a:p>
+        </p:txBody>
+      </p:sp>
+      <p:sp>
+        <p:nvSpPr>
+          <p:cNvPr id="2" name="TextBox 1">
+            <a:extLst>
+              <a:ext uri="{FF2B5EF4-FFF2-40B4-BE49-F238E27FC236}">
+                <a16:creationId xmlns:a16="http://schemas.microsoft.com/office/drawing/2014/main" id="{261D8624-67F2-7244-AF41-3AF06403FE4E}"/>
               </a:ext>
             </a:extLst>
           </p:cNvPr>
@@ -12904,8 +13525,8 @@
         </p:nvSpPr>
         <p:spPr>
           <a:xfrm>
-            <a:off x="1430548" y="2272206"/>
-            <a:ext cx="6170344" cy="461665"/>
+            <a:off x="1194713" y="1546994"/>
+            <a:ext cx="6652527" cy="461665"/>
           </a:xfrm>
           <a:prstGeom prst="rect">
             <a:avLst/>
@@ -12927,31 +13548,209 @@
                 <a:latin typeface="Calibri" panose="020F0502020204030204" pitchFamily="34" charset="0"/>
                 <a:cs typeface="Calibri" panose="020F0502020204030204" pitchFamily="34" charset="0"/>
               </a:rPr>
-              <a:t>BERT:  </a:t>
-            </a:r>
-            <a:r>
-              <a:rPr lang="en-US" sz="2400" dirty="0" err="1">
+              <a:t>Models: </a:t>
+            </a:r>
+            <a:r>
+              <a:rPr lang="en-US" sz="2400" b="1" dirty="0">
+                <a:latin typeface="Times New Roman" panose="02020603050405020304" pitchFamily="18" charset="0"/>
+                <a:cs typeface="Times New Roman" panose="02020603050405020304" pitchFamily="18" charset="0"/>
+              </a:rPr>
+              <a:t>BERT, </a:t>
+            </a:r>
+            <a:r>
+              <a:rPr lang="en-US" sz="2400" b="1" dirty="0" err="1">
+                <a:solidFill>
+                  <a:srgbClr val="FF0000"/>
+                </a:solidFill>
+                <a:latin typeface="Times New Roman" panose="02020603050405020304" pitchFamily="18" charset="0"/>
+                <a:cs typeface="Times New Roman" panose="02020603050405020304" pitchFamily="18" charset="0"/>
+              </a:rPr>
+              <a:t>RoBERTa</a:t>
+            </a:r>
+            <a:r>
+              <a:rPr lang="en-US" sz="2400" b="1" dirty="0">
+                <a:latin typeface="Times New Roman" panose="02020603050405020304" pitchFamily="18" charset="0"/>
+                <a:cs typeface="Times New Roman" panose="02020603050405020304" pitchFamily="18" charset="0"/>
+              </a:rPr>
+              <a:t>, </a:t>
+            </a:r>
+            <a:r>
+              <a:rPr lang="en-US" sz="2400" b="1" dirty="0" err="1">
+                <a:latin typeface="Times New Roman" panose="02020603050405020304" pitchFamily="18" charset="0"/>
+                <a:cs typeface="Times New Roman" panose="02020603050405020304" pitchFamily="18" charset="0"/>
+              </a:rPr>
+              <a:t>XLNet</a:t>
+            </a:r>
+            <a:r>
+              <a:rPr lang="en-US" sz="2400" b="1" dirty="0">
+                <a:latin typeface="Times New Roman" panose="02020603050405020304" pitchFamily="18" charset="0"/>
+                <a:cs typeface="Times New Roman" panose="02020603050405020304" pitchFamily="18" charset="0"/>
+              </a:rPr>
+              <a:t>, </a:t>
+            </a:r>
+            <a:r>
+              <a:rPr lang="en-US" sz="2400" b="1" dirty="0" err="1">
+                <a:latin typeface="Times New Roman" panose="02020603050405020304" pitchFamily="18" charset="0"/>
+                <a:cs typeface="Times New Roman" panose="02020603050405020304" pitchFamily="18" charset="0"/>
+              </a:rPr>
+              <a:t>DistilBERT</a:t>
+            </a:r>
+            <a:endParaRPr lang="en-US" sz="2400" b="1" dirty="0">
+              <a:latin typeface="Times New Roman" panose="02020603050405020304" pitchFamily="18" charset="0"/>
+              <a:cs typeface="Times New Roman" panose="02020603050405020304" pitchFamily="18" charset="0"/>
+            </a:endParaRPr>
+          </a:p>
+        </p:txBody>
+      </p:sp>
+      <p:sp>
+        <p:nvSpPr>
+          <p:cNvPr id="6" name="TextBox 5">
+            <a:extLst>
+              <a:ext uri="{FF2B5EF4-FFF2-40B4-BE49-F238E27FC236}">
+                <a16:creationId xmlns:a16="http://schemas.microsoft.com/office/drawing/2014/main" id="{0E53FF1D-CE5B-FC4E-A813-2B1BD33775B6}"/>
+              </a:ext>
+            </a:extLst>
+          </p:cNvPr>
+          <p:cNvSpPr txBox="1"/>
+          <p:nvPr/>
+        </p:nvSpPr>
+        <p:spPr>
+          <a:xfrm>
+            <a:off x="1194713" y="3015472"/>
+            <a:ext cx="3864007" cy="461665"/>
+          </a:xfrm>
+          <a:prstGeom prst="rect">
+            <a:avLst/>
+          </a:prstGeom>
+          <a:noFill/>
+        </p:spPr>
+        <p:txBody>
+          <a:bodyPr wrap="none" rtlCol="0">
+            <a:spAutoFit/>
+          </a:bodyPr>
+          <a:lstStyle/>
+          <a:p>
+            <a:pPr marL="342900" indent="-342900">
+              <a:buFont typeface="Arial" panose="020B0604020202020204" pitchFamily="34" charset="0"/>
+              <a:buChar char="•"/>
+            </a:pPr>
+            <a:r>
+              <a:rPr lang="en-US" sz="2400" b="1" dirty="0">
                 <a:latin typeface="Calibri" panose="020F0502020204030204" pitchFamily="34" charset="0"/>
                 <a:cs typeface="Calibri" panose="020F0502020204030204" pitchFamily="34" charset="0"/>
               </a:rPr>
-              <a:t>Maskd</a:t>
-            </a:r>
+              <a:t>Task:   </a:t>
+            </a:r>
+            <a:r>
+              <a:rPr lang="en-US" sz="2400" b="1" dirty="0">
+                <a:solidFill>
+                  <a:srgbClr val="FF0000"/>
+                </a:solidFill>
+                <a:latin typeface="Times New Roman" panose="02020603050405020304" pitchFamily="18" charset="0"/>
+                <a:cs typeface="Times New Roman" panose="02020603050405020304" pitchFamily="18" charset="0"/>
+              </a:rPr>
+              <a:t>Sentiment Analysis</a:t>
+            </a:r>
+          </a:p>
+        </p:txBody>
+      </p:sp>
+      <p:sp>
+        <p:nvSpPr>
+          <p:cNvPr id="9" name="TextBox 8">
+            <a:extLst>
+              <a:ext uri="{FF2B5EF4-FFF2-40B4-BE49-F238E27FC236}">
+                <a16:creationId xmlns:a16="http://schemas.microsoft.com/office/drawing/2014/main" id="{303A935E-D1E0-7541-9F0A-8ADE86F3A716}"/>
+              </a:ext>
+            </a:extLst>
+          </p:cNvPr>
+          <p:cNvSpPr txBox="1"/>
+          <p:nvPr/>
+        </p:nvSpPr>
+        <p:spPr>
+          <a:xfrm>
+            <a:off x="1194713" y="3629648"/>
+            <a:ext cx="3238387" cy="461665"/>
+          </a:xfrm>
+          <a:prstGeom prst="rect">
+            <a:avLst/>
+          </a:prstGeom>
+          <a:noFill/>
+        </p:spPr>
+        <p:txBody>
+          <a:bodyPr wrap="none" rtlCol="0">
+            <a:spAutoFit/>
+          </a:bodyPr>
+          <a:lstStyle/>
+          <a:p>
+            <a:pPr marL="342900" indent="-342900">
+              <a:buFont typeface="Arial" panose="020B0604020202020204" pitchFamily="34" charset="0"/>
+              <a:buChar char="•"/>
+            </a:pPr>
+            <a:r>
+              <a:rPr lang="en-US" sz="2400" b="1" dirty="0">
+                <a:latin typeface="Calibri" panose="020F0502020204030204" pitchFamily="34" charset="0"/>
+                <a:cs typeface="Calibri" panose="020F0502020204030204" pitchFamily="34" charset="0"/>
+              </a:rPr>
+              <a:t>Benchmark Datasets:</a:t>
+            </a:r>
+            <a:endParaRPr lang="en-US" sz="2400" b="1" dirty="0">
+              <a:solidFill>
+                <a:srgbClr val="FF0000"/>
+              </a:solidFill>
+              <a:latin typeface="Times New Roman" panose="02020603050405020304" pitchFamily="18" charset="0"/>
+              <a:cs typeface="Times New Roman" panose="02020603050405020304" pitchFamily="18" charset="0"/>
+            </a:endParaRPr>
+          </a:p>
+        </p:txBody>
+      </p:sp>
+      <p:sp>
+        <p:nvSpPr>
+          <p:cNvPr id="11" name="TextBox 10">
+            <a:extLst>
+              <a:ext uri="{FF2B5EF4-FFF2-40B4-BE49-F238E27FC236}">
+                <a16:creationId xmlns:a16="http://schemas.microsoft.com/office/drawing/2014/main" id="{F5030FDE-8A5D-3D4B-A646-9223612D5F10}"/>
+              </a:ext>
+            </a:extLst>
+          </p:cNvPr>
+          <p:cNvSpPr txBox="1"/>
+          <p:nvPr/>
+        </p:nvSpPr>
+        <p:spPr>
+          <a:xfrm>
+            <a:off x="1589387" y="4243824"/>
+            <a:ext cx="5001690" cy="461665"/>
+          </a:xfrm>
+          <a:prstGeom prst="rect">
+            <a:avLst/>
+          </a:prstGeom>
+          <a:noFill/>
+        </p:spPr>
+        <p:txBody>
+          <a:bodyPr wrap="none" rtlCol="0">
+            <a:spAutoFit/>
+          </a:bodyPr>
+          <a:lstStyle/>
+          <a:p>
+            <a:pPr marL="342900" indent="-342900">
+              <a:buFont typeface="Wingdings" pitchFamily="2" charset="2"/>
+              <a:buChar char="ü"/>
+            </a:pPr>
             <a:r>
               <a:rPr lang="en-US" sz="2400" dirty="0">
                 <a:latin typeface="Calibri" panose="020F0502020204030204" pitchFamily="34" charset="0"/>
                 <a:cs typeface="Calibri" panose="020F0502020204030204" pitchFamily="34" charset="0"/>
               </a:rPr>
-              <a:t> LM &amp; Next Sentence Prediction</a:t>
-            </a:r>
-          </a:p>
-        </p:txBody>
-      </p:sp>
-      <p:sp>
-        <p:nvSpPr>
-          <p:cNvPr id="6" name="TextBox 5">
-            <a:extLst>
-              <a:ext uri="{FF2B5EF4-FFF2-40B4-BE49-F238E27FC236}">
-                <a16:creationId xmlns:a16="http://schemas.microsoft.com/office/drawing/2014/main" id="{F0562E0E-EEBC-9146-9A8A-71CE457A66D7}"/>
+              <a:t>First GOP Debate Twitter Sentiment</a:t>
+            </a:r>
+          </a:p>
+        </p:txBody>
+      </p:sp>
+      <p:sp>
+        <p:nvSpPr>
+          <p:cNvPr id="12" name="TextBox 11">
+            <a:extLst>
+              <a:ext uri="{FF2B5EF4-FFF2-40B4-BE49-F238E27FC236}">
+                <a16:creationId xmlns:a16="http://schemas.microsoft.com/office/drawing/2014/main" id="{FEA4928B-0179-8049-B80E-43938973A224}"/>
               </a:ext>
             </a:extLst>
           </p:cNvPr>
@@ -12960,8 +13759,8 @@
         </p:nvSpPr>
         <p:spPr>
           <a:xfrm>
-            <a:off x="1430548" y="2992554"/>
-            <a:ext cx="1723933" cy="461665"/>
+            <a:off x="1589385" y="4765462"/>
+            <a:ext cx="10907922" cy="461665"/>
           </a:xfrm>
           <a:prstGeom prst="rect">
             <a:avLst/>
@@ -12975,270 +13774,221 @@
           <a:lstStyle/>
           <a:p>
             <a:pPr marL="342900" indent="-342900">
-              <a:buFont typeface="Arial" panose="020B0604020202020204" pitchFamily="34" charset="0"/>
-              <a:buChar char="•"/>
+              <a:buFont typeface="Wingdings" pitchFamily="2" charset="2"/>
+              <a:buChar char="ü"/>
             </a:pPr>
             <a:r>
-              <a:rPr lang="en-US" sz="2400" b="1" dirty="0" err="1">
+              <a:rPr lang="en-US" sz="2400" dirty="0">
+                <a:latin typeface="Calibri" panose="020F0502020204030204" pitchFamily="34" charset="0"/>
+                <a:cs typeface="Calibri" panose="020F0502020204030204" pitchFamily="34" charset="0"/>
+              </a:rPr>
+              <a:t>Tweets from verified users concerning stocks traded on the NYSE, NASDQ &amp; SNP </a:t>
+            </a:r>
+          </a:p>
+        </p:txBody>
+      </p:sp>
+      <p:sp>
+        <p:nvSpPr>
+          <p:cNvPr id="13" name="TextBox 12">
+            <a:extLst>
+              <a:ext uri="{FF2B5EF4-FFF2-40B4-BE49-F238E27FC236}">
+                <a16:creationId xmlns:a16="http://schemas.microsoft.com/office/drawing/2014/main" id="{31BA6F7F-AC56-3D47-B85E-88757C5B0473}"/>
+              </a:ext>
+            </a:extLst>
+          </p:cNvPr>
+          <p:cNvSpPr txBox="1"/>
+          <p:nvPr/>
+        </p:nvSpPr>
+        <p:spPr>
+          <a:xfrm>
+            <a:off x="1589386" y="5379638"/>
+            <a:ext cx="4111960" cy="461665"/>
+          </a:xfrm>
+          <a:prstGeom prst="rect">
+            <a:avLst/>
+          </a:prstGeom>
+          <a:noFill/>
+        </p:spPr>
+        <p:txBody>
+          <a:bodyPr wrap="none" rtlCol="0">
+            <a:spAutoFit/>
+          </a:bodyPr>
+          <a:lstStyle/>
+          <a:p>
+            <a:pPr marL="342900" indent="-342900">
+              <a:buFont typeface="Wingdings" pitchFamily="2" charset="2"/>
+              <a:buChar char="ü"/>
+            </a:pPr>
+            <a:r>
+              <a:rPr lang="en-US" sz="2400" dirty="0">
+                <a:latin typeface="Calibri" panose="020F0502020204030204" pitchFamily="34" charset="0"/>
+                <a:cs typeface="Calibri" panose="020F0502020204030204" pitchFamily="34" charset="0"/>
+              </a:rPr>
+              <a:t>SST-2: IMDb Movies Reviews</a:t>
+            </a:r>
+          </a:p>
+        </p:txBody>
+      </p:sp>
+      <p:sp>
+        <p:nvSpPr>
+          <p:cNvPr id="14" name="TextBox 13">
+            <a:extLst>
+              <a:ext uri="{FF2B5EF4-FFF2-40B4-BE49-F238E27FC236}">
+                <a16:creationId xmlns:a16="http://schemas.microsoft.com/office/drawing/2014/main" id="{B96E33F1-322D-3E4A-9CFC-14869396E459}"/>
+              </a:ext>
+            </a:extLst>
+          </p:cNvPr>
+          <p:cNvSpPr txBox="1"/>
+          <p:nvPr/>
+        </p:nvSpPr>
+        <p:spPr>
+          <a:xfrm>
+            <a:off x="1589385" y="5993814"/>
+            <a:ext cx="5536259" cy="461665"/>
+          </a:xfrm>
+          <a:prstGeom prst="rect">
+            <a:avLst/>
+          </a:prstGeom>
+          <a:noFill/>
+        </p:spPr>
+        <p:txBody>
+          <a:bodyPr wrap="none" rtlCol="0">
+            <a:spAutoFit/>
+          </a:bodyPr>
+          <a:lstStyle/>
+          <a:p>
+            <a:pPr marL="342900" indent="-342900">
+              <a:buFont typeface="Wingdings" pitchFamily="2" charset="2"/>
+              <a:buChar char="ü"/>
+            </a:pPr>
+            <a:r>
+              <a:rPr lang="en-US" sz="2400" dirty="0">
+                <a:latin typeface="Calibri" panose="020F0502020204030204" pitchFamily="34" charset="0"/>
+                <a:cs typeface="Calibri" panose="020F0502020204030204" pitchFamily="34" charset="0"/>
+              </a:rPr>
+              <a:t>SST-5: Rotten Tomatoes Movies Reviews</a:t>
+            </a:r>
+          </a:p>
+        </p:txBody>
+      </p:sp>
+      <p:sp>
+        <p:nvSpPr>
+          <p:cNvPr id="15" name="文字方塊 14">
+            <a:extLst>
+              <a:ext uri="{FF2B5EF4-FFF2-40B4-BE49-F238E27FC236}">
+                <a16:creationId xmlns:a16="http://schemas.microsoft.com/office/drawing/2014/main" id="{38F2B4A7-DF79-4A21-AB91-4347F5D1DA2F}"/>
+              </a:ext>
+            </a:extLst>
+          </p:cNvPr>
+          <p:cNvSpPr txBox="1"/>
+          <p:nvPr/>
+        </p:nvSpPr>
+        <p:spPr>
+          <a:xfrm>
+            <a:off x="11484528" y="6493241"/>
+            <a:ext cx="805343" cy="276999"/>
+          </a:xfrm>
+          <a:prstGeom prst="rect">
+            <a:avLst/>
+          </a:prstGeom>
+          <a:noFill/>
+        </p:spPr>
+        <p:txBody>
+          <a:bodyPr wrap="square" rtlCol="0">
+            <a:spAutoFit/>
+          </a:bodyPr>
+          <a:lstStyle/>
+          <a:p>
+            <a:r>
+              <a:rPr lang="en-US" sz="1200" dirty="0"/>
+              <a:t>5</a:t>
+            </a:r>
+          </a:p>
+        </p:txBody>
+      </p:sp>
+      <p:sp>
+        <p:nvSpPr>
+          <p:cNvPr id="3" name="文字方塊 2">
+            <a:extLst>
+              <a:ext uri="{FF2B5EF4-FFF2-40B4-BE49-F238E27FC236}">
+                <a16:creationId xmlns:a16="http://schemas.microsoft.com/office/drawing/2014/main" id="{F156AE79-104E-4E70-934B-EB4DD0E3B303}"/>
+              </a:ext>
+            </a:extLst>
+          </p:cNvPr>
+          <p:cNvSpPr txBox="1"/>
+          <p:nvPr/>
+        </p:nvSpPr>
+        <p:spPr>
+          <a:xfrm>
+            <a:off x="3282620" y="2169775"/>
+            <a:ext cx="10450286" cy="769441"/>
+          </a:xfrm>
+          <a:prstGeom prst="rect">
+            <a:avLst/>
+          </a:prstGeom>
+          <a:noFill/>
+        </p:spPr>
+        <p:txBody>
+          <a:bodyPr wrap="square" rtlCol="0">
+            <a:spAutoFit/>
+          </a:bodyPr>
+          <a:lstStyle/>
+          <a:p>
+            <a:r>
+              <a:rPr lang="en-US" sz="2200" dirty="0">
+                <a:latin typeface="Calibri" panose="020F0502020204030204" pitchFamily="34" charset="0"/>
+                <a:cs typeface="Calibri" panose="020F0502020204030204" pitchFamily="34" charset="0"/>
+              </a:rPr>
+              <a:t>Bidirectional Encoder Representation from Transformers (</a:t>
+            </a:r>
+            <a:r>
+              <a:rPr lang="en-US" sz="2200" b="1" dirty="0">
+                <a:latin typeface="Calibri" panose="020F0502020204030204" pitchFamily="34" charset="0"/>
+                <a:cs typeface="Calibri" panose="020F0502020204030204" pitchFamily="34" charset="0"/>
+              </a:rPr>
+              <a:t>BERT</a:t>
+            </a:r>
+            <a:r>
+              <a:rPr lang="en-US" sz="2200" dirty="0">
+                <a:latin typeface="Calibri" panose="020F0502020204030204" pitchFamily="34" charset="0"/>
+                <a:cs typeface="Calibri" panose="020F0502020204030204" pitchFamily="34" charset="0"/>
+              </a:rPr>
+              <a:t>)</a:t>
+            </a:r>
+          </a:p>
+          <a:p>
+            <a:r>
+              <a:rPr lang="en-GB" sz="2200" dirty="0">
+                <a:latin typeface="Calibri" panose="020F0502020204030204" pitchFamily="34" charset="0"/>
+                <a:cs typeface="Calibri" panose="020F0502020204030204" pitchFamily="34" charset="0"/>
+              </a:rPr>
+              <a:t>Robustly optimized BERT approach (</a:t>
+            </a:r>
+            <a:r>
+              <a:rPr lang="en-GB" sz="2200" b="1" dirty="0" err="1">
                 <a:latin typeface="Calibri" panose="020F0502020204030204" pitchFamily="34" charset="0"/>
                 <a:cs typeface="Calibri" panose="020F0502020204030204" pitchFamily="34" charset="0"/>
               </a:rPr>
               <a:t>RoBERTa</a:t>
             </a:r>
             <a:r>
-              <a:rPr lang="en-US" sz="2400" b="1" dirty="0">
+              <a:rPr lang="en-GB" sz="2200" dirty="0">
                 <a:latin typeface="Calibri" panose="020F0502020204030204" pitchFamily="34" charset="0"/>
                 <a:cs typeface="Calibri" panose="020F0502020204030204" pitchFamily="34" charset="0"/>
               </a:rPr>
-              <a:t>:</a:t>
-            </a:r>
-          </a:p>
-        </p:txBody>
-      </p:sp>
-      <p:sp>
-        <p:nvSpPr>
-          <p:cNvPr id="7" name="TextBox 6">
-            <a:extLst>
-              <a:ext uri="{FF2B5EF4-FFF2-40B4-BE49-F238E27FC236}">
-                <a16:creationId xmlns:a16="http://schemas.microsoft.com/office/drawing/2014/main" id="{355704DE-69FB-6741-8A5C-9D7C9D428879}"/>
-              </a:ext>
-            </a:extLst>
-          </p:cNvPr>
-          <p:cNvSpPr txBox="1"/>
-          <p:nvPr/>
-        </p:nvSpPr>
-        <p:spPr>
-          <a:xfrm>
-            <a:off x="2048245" y="3732746"/>
-            <a:ext cx="5949514" cy="830997"/>
-          </a:xfrm>
-          <a:prstGeom prst="rect">
-            <a:avLst/>
-          </a:prstGeom>
-          <a:noFill/>
-        </p:spPr>
-        <p:txBody>
-          <a:bodyPr wrap="none" rtlCol="0">
-            <a:spAutoFit/>
-          </a:bodyPr>
-          <a:lstStyle/>
-          <a:p>
-            <a:pPr marL="342900" indent="-342900">
-              <a:buFont typeface="Courier New" panose="02070309020205020404" pitchFamily="49" charset="0"/>
-              <a:buChar char="o"/>
-            </a:pPr>
-            <a:r>
-              <a:rPr lang="en-US" sz="2400" dirty="0">
-                <a:latin typeface="Calibri" panose="020F0502020204030204" pitchFamily="34" charset="0"/>
-                <a:cs typeface="Calibri" panose="020F0502020204030204" pitchFamily="34" charset="0"/>
-              </a:rPr>
-              <a:t>Trained on  </a:t>
-            </a:r>
-            <a:r>
-              <a:rPr lang="en-US" sz="2400" b="1" dirty="0">
-                <a:solidFill>
-                  <a:srgbClr val="FF0000"/>
-                </a:solidFill>
-                <a:latin typeface="Calibri" panose="020F0502020204030204" pitchFamily="34" charset="0"/>
-                <a:cs typeface="Calibri" panose="020F0502020204030204" pitchFamily="34" charset="0"/>
-              </a:rPr>
-              <a:t>More Corpus </a:t>
-            </a:r>
-            <a:br>
-              <a:rPr lang="en-US" sz="2400" b="1" dirty="0">
-                <a:solidFill>
-                  <a:srgbClr val="FF0000"/>
-                </a:solidFill>
-                <a:latin typeface="Calibri" panose="020F0502020204030204" pitchFamily="34" charset="0"/>
-                <a:cs typeface="Calibri" panose="020F0502020204030204" pitchFamily="34" charset="0"/>
-              </a:rPr>
-            </a:br>
-            <a:r>
-              <a:rPr lang="en-US" sz="2400" b="1" dirty="0">
-                <a:solidFill>
-                  <a:srgbClr val="FF0000"/>
-                </a:solidFill>
-                <a:latin typeface="Calibri" panose="020F0502020204030204" pitchFamily="34" charset="0"/>
-                <a:cs typeface="Calibri" panose="020F0502020204030204" pitchFamily="34" charset="0"/>
-              </a:rPr>
-              <a:t>	(WikiText103,  </a:t>
-            </a:r>
-            <a:r>
-              <a:rPr lang="en-US" sz="2400" b="1" dirty="0" err="1">
-                <a:solidFill>
-                  <a:srgbClr val="FF0000"/>
-                </a:solidFill>
-                <a:latin typeface="Calibri" panose="020F0502020204030204" pitchFamily="34" charset="0"/>
-                <a:cs typeface="Calibri" panose="020F0502020204030204" pitchFamily="34" charset="0"/>
-              </a:rPr>
-              <a:t>BookCorpus</a:t>
-            </a:r>
-            <a:r>
-              <a:rPr lang="en-US" sz="2400" b="1" dirty="0">
-                <a:solidFill>
-                  <a:srgbClr val="FF0000"/>
-                </a:solidFill>
-                <a:latin typeface="Calibri" panose="020F0502020204030204" pitchFamily="34" charset="0"/>
-                <a:cs typeface="Calibri" panose="020F0502020204030204" pitchFamily="34" charset="0"/>
-              </a:rPr>
-              <a:t>,  </a:t>
-            </a:r>
-            <a:r>
-              <a:rPr lang="en-US" sz="2400" b="1" dirty="0" err="1">
-                <a:solidFill>
-                  <a:srgbClr val="FF0000"/>
-                </a:solidFill>
-                <a:latin typeface="Calibri" panose="020F0502020204030204" pitchFamily="34" charset="0"/>
-                <a:cs typeface="Calibri" panose="020F0502020204030204" pitchFamily="34" charset="0"/>
-              </a:rPr>
-              <a:t>CCNews</a:t>
-            </a:r>
-            <a:r>
-              <a:rPr lang="en-US" sz="2400" b="1" dirty="0">
-                <a:solidFill>
-                  <a:srgbClr val="FF0000"/>
-                </a:solidFill>
-                <a:latin typeface="Calibri" panose="020F0502020204030204" pitchFamily="34" charset="0"/>
-                <a:cs typeface="Calibri" panose="020F0502020204030204" pitchFamily="34" charset="0"/>
-              </a:rPr>
-              <a:t>) </a:t>
-            </a:r>
-          </a:p>
-        </p:txBody>
-      </p:sp>
-      <p:sp>
-        <p:nvSpPr>
-          <p:cNvPr id="8" name="TextBox 7">
-            <a:extLst>
-              <a:ext uri="{FF2B5EF4-FFF2-40B4-BE49-F238E27FC236}">
-                <a16:creationId xmlns:a16="http://schemas.microsoft.com/office/drawing/2014/main" id="{AE4EEBC1-28CD-AF45-8054-CC75A4A30072}"/>
-              </a:ext>
-            </a:extLst>
-          </p:cNvPr>
-          <p:cNvSpPr txBox="1"/>
-          <p:nvPr/>
-        </p:nvSpPr>
-        <p:spPr>
-          <a:xfrm>
-            <a:off x="2048245" y="4729584"/>
-            <a:ext cx="4398640" cy="461665"/>
-          </a:xfrm>
-          <a:prstGeom prst="rect">
-            <a:avLst/>
-          </a:prstGeom>
-          <a:noFill/>
-        </p:spPr>
-        <p:txBody>
-          <a:bodyPr wrap="none" rtlCol="0">
-            <a:spAutoFit/>
-          </a:bodyPr>
-          <a:lstStyle/>
-          <a:p>
-            <a:pPr marL="342900" indent="-342900">
-              <a:buFont typeface="Courier New" panose="02070309020205020404" pitchFamily="49" charset="0"/>
-              <a:buChar char="o"/>
-            </a:pPr>
-            <a:r>
-              <a:rPr lang="en-US" sz="2400" dirty="0">
-                <a:latin typeface="Calibri" panose="020F0502020204030204" pitchFamily="34" charset="0"/>
-                <a:cs typeface="Calibri" panose="020F0502020204030204" pitchFamily="34" charset="0"/>
-              </a:rPr>
-              <a:t>Trained with </a:t>
-            </a:r>
-            <a:r>
-              <a:rPr lang="en-US" sz="2400" b="1" dirty="0">
-                <a:solidFill>
-                  <a:srgbClr val="FF0000"/>
-                </a:solidFill>
-                <a:latin typeface="Calibri" panose="020F0502020204030204" pitchFamily="34" charset="0"/>
-                <a:cs typeface="Calibri" panose="020F0502020204030204" pitchFamily="34" charset="0"/>
-              </a:rPr>
-              <a:t>Bigger batch sizes</a:t>
-            </a:r>
-          </a:p>
-        </p:txBody>
-      </p:sp>
-      <p:sp>
-        <p:nvSpPr>
-          <p:cNvPr id="10" name="TextBox 4">
-            <a:extLst>
-              <a:ext uri="{FF2B5EF4-FFF2-40B4-BE49-F238E27FC236}">
-                <a16:creationId xmlns:a16="http://schemas.microsoft.com/office/drawing/2014/main" id="{63537FB0-121E-415E-8CFE-3EBE420ABEE7}"/>
-              </a:ext>
-            </a:extLst>
-          </p:cNvPr>
-          <p:cNvSpPr txBox="1"/>
-          <p:nvPr/>
-        </p:nvSpPr>
-        <p:spPr>
-          <a:xfrm>
-            <a:off x="926092" y="1464412"/>
-            <a:ext cx="3238835" cy="461665"/>
-          </a:xfrm>
-          <a:prstGeom prst="rect">
-            <a:avLst/>
-          </a:prstGeom>
-          <a:noFill/>
-        </p:spPr>
-        <p:txBody>
-          <a:bodyPr wrap="none" rtlCol="0">
-            <a:spAutoFit/>
-          </a:bodyPr>
-          <a:lstStyle/>
-          <a:p>
-            <a:r>
-              <a:rPr lang="en-US" sz="2400" b="1" dirty="0">
-                <a:latin typeface="Calibri" panose="020F0502020204030204" pitchFamily="34" charset="0"/>
-                <a:cs typeface="Calibri" panose="020F0502020204030204" pitchFamily="34" charset="0"/>
-              </a:rPr>
-              <a:t>Pre-training approaches</a:t>
-            </a:r>
-            <a:endParaRPr lang="en-US" sz="2400" dirty="0">
+              <a:t>)</a:t>
+            </a:r>
+            <a:endParaRPr lang="en-US" sz="2200" dirty="0">
               <a:latin typeface="Calibri" panose="020F0502020204030204" pitchFamily="34" charset="0"/>
               <a:cs typeface="Calibri" panose="020F0502020204030204" pitchFamily="34" charset="0"/>
             </a:endParaRPr>
           </a:p>
         </p:txBody>
       </p:sp>
-      <p:sp>
-        <p:nvSpPr>
-          <p:cNvPr id="9" name="文字方塊 8">
-            <a:extLst>
-              <a:ext uri="{FF2B5EF4-FFF2-40B4-BE49-F238E27FC236}">
-                <a16:creationId xmlns:a16="http://schemas.microsoft.com/office/drawing/2014/main" id="{F226C00B-405D-4E5A-8892-4520896AD1A8}"/>
-              </a:ext>
-            </a:extLst>
-          </p:cNvPr>
-          <p:cNvSpPr txBox="1"/>
-          <p:nvPr/>
-        </p:nvSpPr>
-        <p:spPr>
-          <a:xfrm>
-            <a:off x="11484528" y="6493241"/>
-            <a:ext cx="805343" cy="276999"/>
-          </a:xfrm>
-          <a:prstGeom prst="rect">
-            <a:avLst/>
-          </a:prstGeom>
-          <a:noFill/>
-        </p:spPr>
-        <p:txBody>
-          <a:bodyPr wrap="square" rtlCol="0">
-            <a:spAutoFit/>
-          </a:bodyPr>
-          <a:lstStyle/>
-          <a:p>
-            <a:r>
-              <a:rPr lang="en-US" sz="1200" dirty="0"/>
-              <a:t>6</a:t>
-            </a:r>
-          </a:p>
-        </p:txBody>
-      </p:sp>
     </p:spTree>
     <p:extLst>
       <p:ext uri="{BB962C8B-B14F-4D97-AF65-F5344CB8AC3E}">
-        <p14:creationId xmlns:p14="http://schemas.microsoft.com/office/powerpoint/2010/main" val="209784463"/>
+        <p14:creationId xmlns:p14="http://schemas.microsoft.com/office/powerpoint/2010/main" val="3985582327"/>
       </p:ext>
     </p:extLst>
   </p:cSld>
@@ -13303,94 +14053,17 @@
           <a:p>
             <a:r>
               <a:rPr lang="en-US" sz="2800" b="1" dirty="0"/>
-              <a:t>Attention Mechanism</a:t>
-            </a:r>
-          </a:p>
-        </p:txBody>
-      </p:sp>
-      <p:sp>
-        <p:nvSpPr>
-          <p:cNvPr id="12" name="TextBox 11">
-            <a:extLst>
-              <a:ext uri="{FF2B5EF4-FFF2-40B4-BE49-F238E27FC236}">
-                <a16:creationId xmlns:a16="http://schemas.microsoft.com/office/drawing/2014/main" id="{BADF6B0D-70A2-C543-A968-7B986D74325C}"/>
-              </a:ext>
-            </a:extLst>
-          </p:cNvPr>
-          <p:cNvSpPr txBox="1"/>
-          <p:nvPr/>
-        </p:nvSpPr>
-        <p:spPr>
-          <a:xfrm>
-            <a:off x="1081364" y="1686157"/>
-            <a:ext cx="4800545" cy="461665"/>
-          </a:xfrm>
-          <a:prstGeom prst="rect">
-            <a:avLst/>
-          </a:prstGeom>
-          <a:noFill/>
-        </p:spPr>
-        <p:txBody>
-          <a:bodyPr wrap="none" rtlCol="0">
-            <a:spAutoFit/>
-          </a:bodyPr>
-          <a:lstStyle/>
-          <a:p>
-            <a:pPr marL="342900" indent="-342900">
-              <a:buFont typeface="Arial" panose="020B0604020202020204" pitchFamily="34" charset="0"/>
-              <a:buChar char="•"/>
-            </a:pPr>
-            <a:r>
-              <a:rPr lang="en-US" sz="2400" b="1" dirty="0">
-                <a:latin typeface="Calibri" panose="020F0502020204030204" pitchFamily="34" charset="0"/>
-                <a:cs typeface="Calibri" panose="020F0502020204030204" pitchFamily="34" charset="0"/>
-              </a:rPr>
-              <a:t>Scaled Dot-Product Self Attention</a:t>
+              <a:t> Structure: Transformer-based Models</a:t>
             </a:r>
           </a:p>
         </p:txBody>
       </p:sp>
       <p:pic>
         <p:nvPicPr>
-          <p:cNvPr id="4" name="圖片 3">
-            <a:extLst>
-              <a:ext uri="{FF2B5EF4-FFF2-40B4-BE49-F238E27FC236}">
-                <a16:creationId xmlns:a16="http://schemas.microsoft.com/office/drawing/2014/main" id="{E4E23801-30FF-482F-98A2-6E26DDF23DC6}"/>
-              </a:ext>
-            </a:extLst>
-          </p:cNvPr>
-          <p:cNvPicPr>
-            <a:picLocks noChangeAspect="1"/>
-          </p:cNvPicPr>
-          <p:nvPr/>
-        </p:nvPicPr>
-        <p:blipFill rotWithShape="1">
-          <a:blip r:embed="rId3">
-            <a:extLst>
-              <a:ext uri="{28A0092B-C50C-407E-A947-70E740481C1C}">
-                <a14:useLocalDpi xmlns:a14="http://schemas.microsoft.com/office/drawing/2010/main" val="0"/>
-              </a:ext>
-            </a:extLst>
-          </a:blip>
-          <a:srcRect l="-1" r="38337"/>
-          <a:stretch/>
-        </p:blipFill>
-        <p:spPr>
-          <a:xfrm>
-            <a:off x="1081364" y="3178660"/>
-            <a:ext cx="4216087" cy="809679"/>
-          </a:xfrm>
-          <a:prstGeom prst="rect">
-            <a:avLst/>
-          </a:prstGeom>
-        </p:spPr>
-      </p:pic>
-      <p:pic>
-        <p:nvPicPr>
-          <p:cNvPr id="6" name="Picture 5">
-            <a:extLst>
-              <a:ext uri="{FF2B5EF4-FFF2-40B4-BE49-F238E27FC236}">
-                <a16:creationId xmlns:a16="http://schemas.microsoft.com/office/drawing/2014/main" id="{B8E806E6-B826-3B46-B210-8D486570DE5E}"/>
+          <p:cNvPr id="4" name="Picture 3">
+            <a:extLst>
+              <a:ext uri="{FF2B5EF4-FFF2-40B4-BE49-F238E27FC236}">
+                <a16:creationId xmlns:a16="http://schemas.microsoft.com/office/drawing/2014/main" id="{2AE1B8CB-ADBD-5543-943F-74B8A1A1096E}"/>
               </a:ext>
             </a:extLst>
           </p:cNvPr>
@@ -13400,7 +14073,7 @@
           <p:nvPr/>
         </p:nvPicPr>
         <p:blipFill>
-          <a:blip r:embed="rId4">
+          <a:blip r:embed="rId3" cstate="print">
             <a:extLst>
               <a:ext uri="{28A0092B-C50C-407E-A947-70E740481C1C}">
                 <a14:useLocalDpi xmlns:a14="http://schemas.microsoft.com/office/drawing/2010/main" val="0"/>
@@ -13413,8 +14086,8 @@
         </p:blipFill>
         <p:spPr>
           <a:xfrm>
-            <a:off x="5648527" y="2959904"/>
-            <a:ext cx="6095998" cy="2947642"/>
+            <a:off x="8055806" y="685539"/>
+            <a:ext cx="4121919" cy="6021421"/>
           </a:xfrm>
           <a:prstGeom prst="rect">
             <a:avLst/>
@@ -13423,10 +14096,10 @@
       </p:pic>
       <p:sp>
         <p:nvSpPr>
-          <p:cNvPr id="7" name="文字方塊 6">
-            <a:extLst>
-              <a:ext uri="{FF2B5EF4-FFF2-40B4-BE49-F238E27FC236}">
-                <a16:creationId xmlns:a16="http://schemas.microsoft.com/office/drawing/2014/main" id="{7886FB91-0482-40E5-9FBB-F504CBB62D77}"/>
+          <p:cNvPr id="5" name="TextBox 4">
+            <a:extLst>
+              <a:ext uri="{FF2B5EF4-FFF2-40B4-BE49-F238E27FC236}">
+                <a16:creationId xmlns:a16="http://schemas.microsoft.com/office/drawing/2014/main" id="{0F0A5022-A9F2-4143-B927-A449071B04E6}"/>
               </a:ext>
             </a:extLst>
           </p:cNvPr>
@@ -13435,8 +14108,8 @@
         </p:nvSpPr>
         <p:spPr>
           <a:xfrm>
-            <a:off x="11484528" y="6493241"/>
-            <a:ext cx="805343" cy="276999"/>
+            <a:off x="1430548" y="2272206"/>
+            <a:ext cx="6236772" cy="461665"/>
           </a:xfrm>
           <a:prstGeom prst="rect">
             <a:avLst/>
@@ -13444,6 +14117,316 @@
           <a:noFill/>
         </p:spPr>
         <p:txBody>
+          <a:bodyPr wrap="none" rtlCol="0">
+            <a:spAutoFit/>
+          </a:bodyPr>
+          <a:lstStyle/>
+          <a:p>
+            <a:pPr marL="342900" indent="-342900">
+              <a:buFont typeface="Arial" panose="020B0604020202020204" pitchFamily="34" charset="0"/>
+              <a:buChar char="•"/>
+            </a:pPr>
+            <a:r>
+              <a:rPr lang="en-US" sz="2400" b="1" dirty="0">
+                <a:latin typeface="Calibri" panose="020F0502020204030204" pitchFamily="34" charset="0"/>
+                <a:cs typeface="Calibri" panose="020F0502020204030204" pitchFamily="34" charset="0"/>
+              </a:rPr>
+              <a:t>BERT:  </a:t>
+            </a:r>
+            <a:r>
+              <a:rPr lang="en-US" sz="2400" dirty="0" err="1">
+                <a:latin typeface="Calibri" panose="020F0502020204030204" pitchFamily="34" charset="0"/>
+                <a:cs typeface="Calibri" panose="020F0502020204030204" pitchFamily="34" charset="0"/>
+              </a:rPr>
+              <a:t>Maskd</a:t>
+            </a:r>
+            <a:r>
+              <a:rPr lang="en-US" sz="2400" dirty="0">
+                <a:latin typeface="Calibri" panose="020F0502020204030204" pitchFamily="34" charset="0"/>
+                <a:cs typeface="Calibri" panose="020F0502020204030204" pitchFamily="34" charset="0"/>
+              </a:rPr>
+              <a:t> LM &amp; Next Sentence Prediction</a:t>
+            </a:r>
+          </a:p>
+        </p:txBody>
+      </p:sp>
+      <p:sp>
+        <p:nvSpPr>
+          <p:cNvPr id="6" name="TextBox 5">
+            <a:extLst>
+              <a:ext uri="{FF2B5EF4-FFF2-40B4-BE49-F238E27FC236}">
+                <a16:creationId xmlns:a16="http://schemas.microsoft.com/office/drawing/2014/main" id="{F0562E0E-EEBC-9146-9A8A-71CE457A66D7}"/>
+              </a:ext>
+            </a:extLst>
+          </p:cNvPr>
+          <p:cNvSpPr txBox="1"/>
+          <p:nvPr/>
+        </p:nvSpPr>
+        <p:spPr>
+          <a:xfrm>
+            <a:off x="1430548" y="2992554"/>
+            <a:ext cx="1723933" cy="461665"/>
+          </a:xfrm>
+          <a:prstGeom prst="rect">
+            <a:avLst/>
+          </a:prstGeom>
+          <a:noFill/>
+        </p:spPr>
+        <p:txBody>
+          <a:bodyPr wrap="none" rtlCol="0">
+            <a:spAutoFit/>
+          </a:bodyPr>
+          <a:lstStyle/>
+          <a:p>
+            <a:pPr marL="342900" indent="-342900">
+              <a:buFont typeface="Arial" panose="020B0604020202020204" pitchFamily="34" charset="0"/>
+              <a:buChar char="•"/>
+            </a:pPr>
+            <a:r>
+              <a:rPr lang="en-US" sz="2400" b="1" dirty="0" err="1">
+                <a:latin typeface="Calibri" panose="020F0502020204030204" pitchFamily="34" charset="0"/>
+                <a:cs typeface="Calibri" panose="020F0502020204030204" pitchFamily="34" charset="0"/>
+              </a:rPr>
+              <a:t>RoBERTa</a:t>
+            </a:r>
+            <a:r>
+              <a:rPr lang="en-US" sz="2400" b="1" dirty="0">
+                <a:latin typeface="Calibri" panose="020F0502020204030204" pitchFamily="34" charset="0"/>
+                <a:cs typeface="Calibri" panose="020F0502020204030204" pitchFamily="34" charset="0"/>
+              </a:rPr>
+              <a:t>:</a:t>
+            </a:r>
+          </a:p>
+        </p:txBody>
+      </p:sp>
+      <p:sp>
+        <p:nvSpPr>
+          <p:cNvPr id="7" name="TextBox 6">
+            <a:extLst>
+              <a:ext uri="{FF2B5EF4-FFF2-40B4-BE49-F238E27FC236}">
+                <a16:creationId xmlns:a16="http://schemas.microsoft.com/office/drawing/2014/main" id="{355704DE-69FB-6741-8A5C-9D7C9D428879}"/>
+              </a:ext>
+            </a:extLst>
+          </p:cNvPr>
+          <p:cNvSpPr txBox="1"/>
+          <p:nvPr/>
+        </p:nvSpPr>
+        <p:spPr>
+          <a:xfrm>
+            <a:off x="2048245" y="3732746"/>
+            <a:ext cx="5949514" cy="830997"/>
+          </a:xfrm>
+          <a:prstGeom prst="rect">
+            <a:avLst/>
+          </a:prstGeom>
+          <a:noFill/>
+        </p:spPr>
+        <p:txBody>
+          <a:bodyPr wrap="none" rtlCol="0">
+            <a:spAutoFit/>
+          </a:bodyPr>
+          <a:lstStyle/>
+          <a:p>
+            <a:pPr marL="342900" indent="-342900">
+              <a:buFont typeface="Courier New" panose="02070309020205020404" pitchFamily="49" charset="0"/>
+              <a:buChar char="o"/>
+            </a:pPr>
+            <a:r>
+              <a:rPr lang="en-US" sz="2400" dirty="0">
+                <a:latin typeface="Calibri" panose="020F0502020204030204" pitchFamily="34" charset="0"/>
+                <a:cs typeface="Calibri" panose="020F0502020204030204" pitchFamily="34" charset="0"/>
+              </a:rPr>
+              <a:t>Trained on  </a:t>
+            </a:r>
+            <a:r>
+              <a:rPr lang="en-US" sz="2400" b="1" dirty="0">
+                <a:solidFill>
+                  <a:srgbClr val="FF0000"/>
+                </a:solidFill>
+                <a:latin typeface="Calibri" panose="020F0502020204030204" pitchFamily="34" charset="0"/>
+                <a:cs typeface="Calibri" panose="020F0502020204030204" pitchFamily="34" charset="0"/>
+              </a:rPr>
+              <a:t>More Corpus </a:t>
+            </a:r>
+            <a:br>
+              <a:rPr lang="en-US" sz="2400" b="1" dirty="0">
+                <a:solidFill>
+                  <a:srgbClr val="FF0000"/>
+                </a:solidFill>
+                <a:latin typeface="Calibri" panose="020F0502020204030204" pitchFamily="34" charset="0"/>
+                <a:cs typeface="Calibri" panose="020F0502020204030204" pitchFamily="34" charset="0"/>
+              </a:rPr>
+            </a:br>
+            <a:r>
+              <a:rPr lang="en-US" sz="2400" b="1" dirty="0">
+                <a:solidFill>
+                  <a:srgbClr val="FF0000"/>
+                </a:solidFill>
+                <a:latin typeface="Calibri" panose="020F0502020204030204" pitchFamily="34" charset="0"/>
+                <a:cs typeface="Calibri" panose="020F0502020204030204" pitchFamily="34" charset="0"/>
+              </a:rPr>
+              <a:t>	(WikiText103,  </a:t>
+            </a:r>
+            <a:r>
+              <a:rPr lang="en-US" sz="2400" b="1" dirty="0" err="1">
+                <a:solidFill>
+                  <a:srgbClr val="FF0000"/>
+                </a:solidFill>
+                <a:latin typeface="Calibri" panose="020F0502020204030204" pitchFamily="34" charset="0"/>
+                <a:cs typeface="Calibri" panose="020F0502020204030204" pitchFamily="34" charset="0"/>
+              </a:rPr>
+              <a:t>BookCorpus</a:t>
+            </a:r>
+            <a:r>
+              <a:rPr lang="en-US" sz="2400" b="1" dirty="0">
+                <a:solidFill>
+                  <a:srgbClr val="FF0000"/>
+                </a:solidFill>
+                <a:latin typeface="Calibri" panose="020F0502020204030204" pitchFamily="34" charset="0"/>
+                <a:cs typeface="Calibri" panose="020F0502020204030204" pitchFamily="34" charset="0"/>
+              </a:rPr>
+              <a:t>,  </a:t>
+            </a:r>
+            <a:r>
+              <a:rPr lang="en-US" sz="2400" b="1" dirty="0" err="1">
+                <a:solidFill>
+                  <a:srgbClr val="FF0000"/>
+                </a:solidFill>
+                <a:latin typeface="Calibri" panose="020F0502020204030204" pitchFamily="34" charset="0"/>
+                <a:cs typeface="Calibri" panose="020F0502020204030204" pitchFamily="34" charset="0"/>
+              </a:rPr>
+              <a:t>CCNews</a:t>
+            </a:r>
+            <a:r>
+              <a:rPr lang="en-US" sz="2400" b="1" dirty="0">
+                <a:solidFill>
+                  <a:srgbClr val="FF0000"/>
+                </a:solidFill>
+                <a:latin typeface="Calibri" panose="020F0502020204030204" pitchFamily="34" charset="0"/>
+                <a:cs typeface="Calibri" panose="020F0502020204030204" pitchFamily="34" charset="0"/>
+              </a:rPr>
+              <a:t>) </a:t>
+            </a:r>
+          </a:p>
+        </p:txBody>
+      </p:sp>
+      <p:sp>
+        <p:nvSpPr>
+          <p:cNvPr id="8" name="TextBox 7">
+            <a:extLst>
+              <a:ext uri="{FF2B5EF4-FFF2-40B4-BE49-F238E27FC236}">
+                <a16:creationId xmlns:a16="http://schemas.microsoft.com/office/drawing/2014/main" id="{AE4EEBC1-28CD-AF45-8054-CC75A4A30072}"/>
+              </a:ext>
+            </a:extLst>
+          </p:cNvPr>
+          <p:cNvSpPr txBox="1"/>
+          <p:nvPr/>
+        </p:nvSpPr>
+        <p:spPr>
+          <a:xfrm>
+            <a:off x="2048245" y="4729584"/>
+            <a:ext cx="4398640" cy="461665"/>
+          </a:xfrm>
+          <a:prstGeom prst="rect">
+            <a:avLst/>
+          </a:prstGeom>
+          <a:noFill/>
+        </p:spPr>
+        <p:txBody>
+          <a:bodyPr wrap="none" rtlCol="0">
+            <a:spAutoFit/>
+          </a:bodyPr>
+          <a:lstStyle/>
+          <a:p>
+            <a:pPr marL="342900" indent="-342900">
+              <a:buFont typeface="Courier New" panose="02070309020205020404" pitchFamily="49" charset="0"/>
+              <a:buChar char="o"/>
+            </a:pPr>
+            <a:r>
+              <a:rPr lang="en-US" sz="2400" dirty="0">
+                <a:latin typeface="Calibri" panose="020F0502020204030204" pitchFamily="34" charset="0"/>
+                <a:cs typeface="Calibri" panose="020F0502020204030204" pitchFamily="34" charset="0"/>
+              </a:rPr>
+              <a:t>Trained with </a:t>
+            </a:r>
+            <a:r>
+              <a:rPr lang="en-US" sz="2400" b="1" dirty="0">
+                <a:solidFill>
+                  <a:srgbClr val="FF0000"/>
+                </a:solidFill>
+                <a:latin typeface="Calibri" panose="020F0502020204030204" pitchFamily="34" charset="0"/>
+                <a:cs typeface="Calibri" panose="020F0502020204030204" pitchFamily="34" charset="0"/>
+              </a:rPr>
+              <a:t>Bigger batch sizes</a:t>
+            </a:r>
+          </a:p>
+        </p:txBody>
+      </p:sp>
+      <p:sp>
+        <p:nvSpPr>
+          <p:cNvPr id="10" name="TextBox 4">
+            <a:extLst>
+              <a:ext uri="{FF2B5EF4-FFF2-40B4-BE49-F238E27FC236}">
+                <a16:creationId xmlns:a16="http://schemas.microsoft.com/office/drawing/2014/main" id="{63537FB0-121E-415E-8CFE-3EBE420ABEE7}"/>
+              </a:ext>
+            </a:extLst>
+          </p:cNvPr>
+          <p:cNvSpPr txBox="1"/>
+          <p:nvPr/>
+        </p:nvSpPr>
+        <p:spPr>
+          <a:xfrm>
+            <a:off x="926092" y="1464412"/>
+            <a:ext cx="3238835" cy="461665"/>
+          </a:xfrm>
+          <a:prstGeom prst="rect">
+            <a:avLst/>
+          </a:prstGeom>
+          <a:noFill/>
+        </p:spPr>
+        <p:txBody>
+          <a:bodyPr wrap="none" rtlCol="0">
+            <a:spAutoFit/>
+          </a:bodyPr>
+          <a:lstStyle/>
+          <a:p>
+            <a:r>
+              <a:rPr lang="en-US" sz="2400" b="1" dirty="0">
+                <a:latin typeface="Calibri" panose="020F0502020204030204" pitchFamily="34" charset="0"/>
+                <a:cs typeface="Calibri" panose="020F0502020204030204" pitchFamily="34" charset="0"/>
+              </a:rPr>
+              <a:t>Pre-training approaches</a:t>
+            </a:r>
+            <a:endParaRPr lang="en-US" sz="2400" dirty="0">
+              <a:latin typeface="Calibri" panose="020F0502020204030204" pitchFamily="34" charset="0"/>
+              <a:cs typeface="Calibri" panose="020F0502020204030204" pitchFamily="34" charset="0"/>
+            </a:endParaRPr>
+          </a:p>
+        </p:txBody>
+      </p:sp>
+      <p:sp>
+        <p:nvSpPr>
+          <p:cNvPr id="9" name="文字方塊 8">
+            <a:extLst>
+              <a:ext uri="{FF2B5EF4-FFF2-40B4-BE49-F238E27FC236}">
+                <a16:creationId xmlns:a16="http://schemas.microsoft.com/office/drawing/2014/main" id="{F226C00B-405D-4E5A-8892-4520896AD1A8}"/>
+              </a:ext>
+            </a:extLst>
+          </p:cNvPr>
+          <p:cNvSpPr txBox="1"/>
+          <p:nvPr/>
+        </p:nvSpPr>
+        <p:spPr>
+          <a:xfrm>
+            <a:off x="11484528" y="6493241"/>
+            <a:ext cx="805343" cy="276999"/>
+          </a:xfrm>
+          <a:prstGeom prst="rect">
+            <a:avLst/>
+          </a:prstGeom>
+          <a:noFill/>
+        </p:spPr>
+        <p:txBody>
           <a:bodyPr wrap="square" rtlCol="0">
             <a:spAutoFit/>
           </a:bodyPr>
@@ -13451,7 +14434,7 @@
           <a:p>
             <a:r>
               <a:rPr lang="en-US" sz="1200" dirty="0"/>
-              <a:t>7</a:t>
+              <a:t>6</a:t>
             </a:r>
           </a:p>
         </p:txBody>
@@ -13459,7 +14442,7 @@
     </p:spTree>
     <p:extLst>
       <p:ext uri="{BB962C8B-B14F-4D97-AF65-F5344CB8AC3E}">
-        <p14:creationId xmlns:p14="http://schemas.microsoft.com/office/powerpoint/2010/main" val="3746276885"/>
+        <p14:creationId xmlns:p14="http://schemas.microsoft.com/office/powerpoint/2010/main" val="209784463"/>
       </p:ext>
     </p:extLst>
   </p:cSld>
@@ -13509,7 +14492,7 @@
         <p:spPr>
           <a:xfrm>
             <a:off x="616225" y="569844"/>
-            <a:ext cx="9500541" cy="523220"/>
+            <a:ext cx="10791141" cy="523220"/>
           </a:xfrm>
           <a:prstGeom prst="rect">
             <a:avLst/>
@@ -13524,17 +14507,17 @@
           <a:p>
             <a:r>
               <a:rPr lang="en-US" sz="2800" b="1" dirty="0"/>
-              <a:t>Attention Mechanism</a:t>
-            </a:r>
-          </a:p>
-        </p:txBody>
-      </p:sp>
-      <p:sp>
-        <p:nvSpPr>
-          <p:cNvPr id="5" name="TextBox 4">
-            <a:extLst>
-              <a:ext uri="{FF2B5EF4-FFF2-40B4-BE49-F238E27FC236}">
-                <a16:creationId xmlns:a16="http://schemas.microsoft.com/office/drawing/2014/main" id="{0F0A5022-A9F2-4143-B927-A449071B04E6}"/>
+              <a:t>Masked Language (Masked LM)</a:t>
+            </a:r>
+          </a:p>
+        </p:txBody>
+      </p:sp>
+      <p:sp>
+        <p:nvSpPr>
+          <p:cNvPr id="10" name="TextBox 4">
+            <a:extLst>
+              <a:ext uri="{FF2B5EF4-FFF2-40B4-BE49-F238E27FC236}">
+                <a16:creationId xmlns:a16="http://schemas.microsoft.com/office/drawing/2014/main" id="{63537FB0-121E-415E-8CFE-3EBE420ABEE7}"/>
               </a:ext>
             </a:extLst>
           </p:cNvPr>
@@ -13543,8 +14526,8 @@
         </p:nvSpPr>
         <p:spPr>
           <a:xfrm>
-            <a:off x="1908823" y="3954447"/>
-            <a:ext cx="3588931" cy="461665"/>
+            <a:off x="926092" y="1464412"/>
+            <a:ext cx="2003690" cy="461665"/>
           </a:xfrm>
           <a:prstGeom prst="rect">
             <a:avLst/>
@@ -13552,7 +14535,7 @@
           <a:noFill/>
         </p:spPr>
         <p:txBody>
-          <a:bodyPr wrap="none" rtlCol="0">
+          <a:bodyPr wrap="square" rtlCol="0">
             <a:spAutoFit/>
           </a:bodyPr>
           <a:lstStyle/>
@@ -13566,17 +14549,21 @@
                 <a:latin typeface="Calibri" panose="020F0502020204030204" pitchFamily="34" charset="0"/>
                 <a:cs typeface="Calibri" panose="020F0502020204030204" pitchFamily="34" charset="0"/>
               </a:rPr>
-              <a:t>Multi-Headed Attention</a:t>
-            </a:r>
-          </a:p>
-        </p:txBody>
-      </p:sp>
-      <p:sp>
-        <p:nvSpPr>
-          <p:cNvPr id="12" name="TextBox 11">
-            <a:extLst>
-              <a:ext uri="{FF2B5EF4-FFF2-40B4-BE49-F238E27FC236}">
-                <a16:creationId xmlns:a16="http://schemas.microsoft.com/office/drawing/2014/main" id="{BADF6B0D-70A2-C543-A968-7B986D74325C}"/>
+              <a:t>Masked LM</a:t>
+            </a:r>
+            <a:endParaRPr lang="en-US" sz="2400" dirty="0">
+              <a:latin typeface="Calibri" panose="020F0502020204030204" pitchFamily="34" charset="0"/>
+              <a:cs typeface="Calibri" panose="020F0502020204030204" pitchFamily="34" charset="0"/>
+            </a:endParaRPr>
+          </a:p>
+        </p:txBody>
+      </p:sp>
+      <p:sp>
+        <p:nvSpPr>
+          <p:cNvPr id="9" name="文字方塊 8">
+            <a:extLst>
+              <a:ext uri="{FF2B5EF4-FFF2-40B4-BE49-F238E27FC236}">
+                <a16:creationId xmlns:a16="http://schemas.microsoft.com/office/drawing/2014/main" id="{F226C00B-405D-4E5A-8892-4520896AD1A8}"/>
               </a:ext>
             </a:extLst>
           </p:cNvPr>
@@ -13585,8 +14572,8 @@
         </p:nvSpPr>
         <p:spPr>
           <a:xfrm>
-            <a:off x="1806418" y="1669873"/>
-            <a:ext cx="4257127" cy="461665"/>
+            <a:off x="11484528" y="6493241"/>
+            <a:ext cx="805343" cy="276999"/>
           </a:xfrm>
           <a:prstGeom prst="rect">
             <a:avLst/>
@@ -13594,31 +14581,24 @@
           <a:noFill/>
         </p:spPr>
         <p:txBody>
-          <a:bodyPr wrap="none" rtlCol="0">
+          <a:bodyPr wrap="square" rtlCol="0">
             <a:spAutoFit/>
           </a:bodyPr>
           <a:lstStyle/>
           <a:p>
-            <a:pPr marL="342900" indent="-342900">
-              <a:buFont typeface="Arial" panose="020B0604020202020204" pitchFamily="34" charset="0"/>
-              <a:buChar char="•"/>
-            </a:pPr>
-            <a:r>
-              <a:rPr lang="en-US" sz="2400" b="1" dirty="0">
-                <a:latin typeface="Calibri" panose="020F0502020204030204" pitchFamily="34" charset="0"/>
-                <a:cs typeface="Calibri" panose="020F0502020204030204" pitchFamily="34" charset="0"/>
-              </a:rPr>
-              <a:t>Scaled Dot-Product Attention</a:t>
+            <a:r>
+              <a:rPr lang="en-US" sz="1200" dirty="0"/>
+              <a:t>6</a:t>
             </a:r>
           </a:p>
         </p:txBody>
       </p:sp>
       <p:pic>
         <p:nvPicPr>
-          <p:cNvPr id="4" name="圖片 3">
-            <a:extLst>
-              <a:ext uri="{FF2B5EF4-FFF2-40B4-BE49-F238E27FC236}">
-                <a16:creationId xmlns:a16="http://schemas.microsoft.com/office/drawing/2014/main" id="{E4E23801-30FF-482F-98A2-6E26DDF23DC6}"/>
+          <p:cNvPr id="11" name="圖片 10">
+            <a:extLst>
+              <a:ext uri="{FF2B5EF4-FFF2-40B4-BE49-F238E27FC236}">
+                <a16:creationId xmlns:a16="http://schemas.microsoft.com/office/drawing/2014/main" id="{78AD1FAB-6433-42CA-8DFF-D82EA7D89973}"/>
               </a:ext>
             </a:extLst>
           </p:cNvPr>
@@ -13627,7 +14607,7 @@
           </p:cNvPicPr>
           <p:nvPr/>
         </p:nvPicPr>
-        <p:blipFill rotWithShape="1">
+        <p:blipFill>
           <a:blip r:embed="rId3">
             <a:extLst>
               <a:ext uri="{28A0092B-C50C-407E-A947-70E740481C1C}">
@@ -13635,60 +14615,26 @@
               </a:ext>
             </a:extLst>
           </a:blip>
-          <a:srcRect l="-1" r="38337"/>
-          <a:stretch/>
+          <a:stretch>
+            <a:fillRect/>
+          </a:stretch>
         </p:blipFill>
         <p:spPr>
           <a:xfrm>
-            <a:off x="2175226" y="2724542"/>
-            <a:ext cx="3949874" cy="758554"/>
+            <a:off x="6648596" y="2976393"/>
+            <a:ext cx="5320084" cy="2005390"/>
           </a:xfrm>
           <a:prstGeom prst="rect">
             <a:avLst/>
           </a:prstGeom>
         </p:spPr>
       </p:pic>
-      <p:sp>
-        <p:nvSpPr>
-          <p:cNvPr id="9" name="文字方塊 8">
-            <a:extLst>
-              <a:ext uri="{FF2B5EF4-FFF2-40B4-BE49-F238E27FC236}">
-                <a16:creationId xmlns:a16="http://schemas.microsoft.com/office/drawing/2014/main" id="{3D5ACCB8-6422-4619-B5BC-16878077F822}"/>
-              </a:ext>
-            </a:extLst>
-          </p:cNvPr>
-          <p:cNvSpPr txBox="1"/>
-          <p:nvPr/>
-        </p:nvSpPr>
-        <p:spPr>
-          <a:xfrm>
-            <a:off x="11484528" y="6493241"/>
-            <a:ext cx="805343" cy="276999"/>
-          </a:xfrm>
-          <a:prstGeom prst="rect">
-            <a:avLst/>
-          </a:prstGeom>
-          <a:noFill/>
-        </p:spPr>
-        <p:txBody>
-          <a:bodyPr wrap="square" rtlCol="0">
-            <a:spAutoFit/>
-          </a:bodyPr>
-          <a:lstStyle/>
-          <a:p>
-            <a:r>
-              <a:rPr lang="en-US" sz="1200" dirty="0"/>
-              <a:t>8</a:t>
-            </a:r>
-          </a:p>
-        </p:txBody>
-      </p:sp>
       <p:pic>
         <p:nvPicPr>
-          <p:cNvPr id="13" name="Picture 12">
-            <a:extLst>
-              <a:ext uri="{FF2B5EF4-FFF2-40B4-BE49-F238E27FC236}">
-                <a16:creationId xmlns:a16="http://schemas.microsoft.com/office/drawing/2014/main" id="{97B67585-F312-3A45-A82A-C36F1F2B97CA}"/>
+          <p:cNvPr id="14" name="圖片 13">
+            <a:extLst>
+              <a:ext uri="{FF2B5EF4-FFF2-40B4-BE49-F238E27FC236}">
+                <a16:creationId xmlns:a16="http://schemas.microsoft.com/office/drawing/2014/main" id="{03F82D09-3924-45A5-97B4-238B9743F29C}"/>
               </a:ext>
             </a:extLst>
           </p:cNvPr>
@@ -13711,44 +14657,8 @@
         </p:blipFill>
         <p:spPr>
           <a:xfrm>
-            <a:off x="6664460" y="1495094"/>
-            <a:ext cx="4893239" cy="2355252"/>
-          </a:xfrm>
-          <a:prstGeom prst="rect">
-            <a:avLst/>
-          </a:prstGeom>
-        </p:spPr>
-      </p:pic>
-      <p:pic>
-        <p:nvPicPr>
-          <p:cNvPr id="15" name="Picture 14">
-            <a:extLst>
-              <a:ext uri="{FF2B5EF4-FFF2-40B4-BE49-F238E27FC236}">
-                <a16:creationId xmlns:a16="http://schemas.microsoft.com/office/drawing/2014/main" id="{5FF01190-8416-FB49-8361-20930620B806}"/>
-              </a:ext>
-            </a:extLst>
-          </p:cNvPr>
-          <p:cNvPicPr>
-            <a:picLocks noChangeAspect="1"/>
-          </p:cNvPicPr>
-          <p:nvPr/>
-        </p:nvPicPr>
-        <p:blipFill>
-          <a:blip r:embed="rId5">
-            <a:extLst>
-              <a:ext uri="{28A0092B-C50C-407E-A947-70E740481C1C}">
-                <a14:useLocalDpi xmlns:a14="http://schemas.microsoft.com/office/drawing/2010/main" val="0"/>
-              </a:ext>
-            </a:extLst>
-          </a:blip>
-          <a:stretch>
-            <a:fillRect/>
-          </a:stretch>
-        </p:blipFill>
-        <p:spPr>
-          <a:xfrm>
-            <a:off x="5800550" y="4185280"/>
-            <a:ext cx="6159577" cy="2441242"/>
+            <a:off x="823982" y="2976393"/>
+            <a:ext cx="5187813" cy="1955531"/>
           </a:xfrm>
           <a:prstGeom prst="rect">
             <a:avLst/>
@@ -13758,7 +14668,7 @@
     </p:spTree>
     <p:extLst>
       <p:ext uri="{BB962C8B-B14F-4D97-AF65-F5344CB8AC3E}">
-        <p14:creationId xmlns:p14="http://schemas.microsoft.com/office/powerpoint/2010/main" val="3666552043"/>
+        <p14:creationId xmlns:p14="http://schemas.microsoft.com/office/powerpoint/2010/main" val="1800997233"/>
       </p:ext>
     </p:extLst>
   </p:cSld>
@@ -14593,6 +15503,15 @@
 </file>
 
 <file path=customXml/item1.xml><?xml version="1.0" encoding="utf-8"?>
+<p:properties xmlns:p="http://schemas.microsoft.com/office/2006/metadata/properties" xmlns:xsi="http://www.w3.org/2001/XMLSchema-instance" xmlns:pc="http://schemas.microsoft.com/office/infopath/2007/PartnerControls">
+  <documentManagement>
+    <_ip_UnifiedCompliancePolicyUIAction xmlns="http://schemas.microsoft.com/sharepoint/v3" xsi:nil="true"/>
+    <_ip_UnifiedCompliancePolicyProperties xmlns="http://schemas.microsoft.com/sharepoint/v3" xsi:nil="true"/>
+  </documentManagement>
+</p:properties>
+</file>
+
+<file path=customXml/item2.xml><?xml version="1.0" encoding="utf-8"?>
 <ct:contentTypeSchema xmlns:ct="http://schemas.microsoft.com/office/2006/metadata/contentType" xmlns:ma="http://schemas.microsoft.com/office/2006/metadata/properties/metaAttributes" ct:_="" ma:_="" ma:contentTypeName="Document" ma:contentTypeID="0x010100DEEA25CC0A0AC24199CDC46C25B8B0BC" ma:contentTypeVersion="9" ma:contentTypeDescription="Create a new document." ma:contentTypeScope="" ma:versionID="76e25e1730b4532ab1d5e5b131a96a5a">
   <xsd:schema xmlns:xsd="http://www.w3.org/2001/XMLSchema" xmlns:xs="http://www.w3.org/2001/XMLSchema" xmlns:p="http://schemas.microsoft.com/office/2006/metadata/properties" xmlns:ns1="http://schemas.microsoft.com/sharepoint/v3" xmlns:ns2="6dc4bcd6-49db-4c07-9060-8acfc67cef9f" xmlns:ns3="fb0879af-3eba-417a-a55a-ffe6dcd6ca77" targetNamespace="http://schemas.microsoft.com/office/2006/metadata/properties" ma:root="true" ma:fieldsID="ad1e9281a84c4949647088091c718de3" ns1:_="" ns2:_="" ns3:_="">
     <xsd:import namespace="http://schemas.microsoft.com/sharepoint/v3"/>
@@ -14794,16 +15713,25 @@
 </ct:contentTypeSchema>
 </file>
 
-<file path=customXml/item2.xml><?xml version="1.0" encoding="utf-8"?>
-<p:properties xmlns:p="http://schemas.microsoft.com/office/2006/metadata/properties" xmlns:xsi="http://www.w3.org/2001/XMLSchema-instance" xmlns:pc="http://schemas.microsoft.com/office/infopath/2007/PartnerControls">
-  <documentManagement>
-    <_ip_UnifiedCompliancePolicyUIAction xmlns="http://schemas.microsoft.com/sharepoint/v3" xsi:nil="true"/>
-    <_ip_UnifiedCompliancePolicyProperties xmlns="http://schemas.microsoft.com/sharepoint/v3" xsi:nil="true"/>
-  </documentManagement>
-</p:properties>
+<file path=customXml/itemProps1.xml><?xml version="1.0" encoding="utf-8"?>
+<ds:datastoreItem xmlns:ds="http://schemas.openxmlformats.org/officeDocument/2006/customXml" ds:itemID="{8FB61CFE-D4DA-4753-A9A5-D482B9609A35}">
+  <ds:schemaRefs>
+    <ds:schemaRef ds:uri="http://schemas.microsoft.com/office/2006/metadata/properties"/>
+    <ds:schemaRef ds:uri="http://schemas.openxmlformats.org/package/2006/metadata/core-properties"/>
+    <ds:schemaRef ds:uri="http://purl.org/dc/elements/1.1/"/>
+    <ds:schemaRef ds:uri="http://schemas.microsoft.com/office/2006/documentManagement/types"/>
+    <ds:schemaRef ds:uri="http://schemas.microsoft.com/sharepoint/v3"/>
+    <ds:schemaRef ds:uri="http://purl.org/dc/terms/"/>
+    <ds:schemaRef ds:uri="http://schemas.microsoft.com/office/infopath/2007/PartnerControls"/>
+    <ds:schemaRef ds:uri="http://www.w3.org/XML/1998/namespace"/>
+    <ds:schemaRef ds:uri="fb0879af-3eba-417a-a55a-ffe6dcd6ca77"/>
+    <ds:schemaRef ds:uri="6dc4bcd6-49db-4c07-9060-8acfc67cef9f"/>
+    <ds:schemaRef ds:uri="http://purl.org/dc/dcmitype/"/>
+  </ds:schemaRefs>
+</ds:datastoreItem>
 </file>
 
-<file path=customXml/itemProps1.xml><?xml version="1.0" encoding="utf-8"?>
+<file path=customXml/itemProps2.xml><?xml version="1.0" encoding="utf-8"?>
 <ds:datastoreItem xmlns:ds="http://schemas.openxmlformats.org/officeDocument/2006/customXml" ds:itemID="{58A784AD-7888-482C-A72A-80D3063962ED}">
   <ds:schemaRefs>
     <ds:schemaRef ds:uri="http://schemas.microsoft.com/office/2006/metadata/contentType"/>
@@ -14821,22 +15749,4 @@
     <ds:schemaRef ds:uri="http://schemas.microsoft.com/internal/obd"/>
   </ds:schemaRefs>
 </ds:datastoreItem>
-</file>
-
-<file path=customXml/itemProps2.xml><?xml version="1.0" encoding="utf-8"?>
-<ds:datastoreItem xmlns:ds="http://schemas.openxmlformats.org/officeDocument/2006/customXml" ds:itemID="{8FB61CFE-D4DA-4753-A9A5-D482B9609A35}">
-  <ds:schemaRefs>
-    <ds:schemaRef ds:uri="http://schemas.microsoft.com/office/2006/metadata/properties"/>
-    <ds:schemaRef ds:uri="http://schemas.openxmlformats.org/package/2006/metadata/core-properties"/>
-    <ds:schemaRef ds:uri="http://purl.org/dc/elements/1.1/"/>
-    <ds:schemaRef ds:uri="http://schemas.microsoft.com/office/2006/documentManagement/types"/>
-    <ds:schemaRef ds:uri="http://schemas.microsoft.com/sharepoint/v3"/>
-    <ds:schemaRef ds:uri="http://purl.org/dc/terms/"/>
-    <ds:schemaRef ds:uri="http://schemas.microsoft.com/office/infopath/2007/PartnerControls"/>
-    <ds:schemaRef ds:uri="http://www.w3.org/XML/1998/namespace"/>
-    <ds:schemaRef ds:uri="fb0879af-3eba-417a-a55a-ffe6dcd6ca77"/>
-    <ds:schemaRef ds:uri="6dc4bcd6-49db-4c07-9060-8acfc67cef9f"/>
-    <ds:schemaRef ds:uri="http://purl.org/dc/dcmitype/"/>
-  </ds:schemaRefs>
-</ds:datastoreItem>
 </file>
--- a/Lab/REP.pptx
+++ b/Lab/REP.pptx
@@ -5,10 +5,10 @@
     <p:sldMasterId id="2147483648" r:id="rId3"/>
   </p:sldMasterIdLst>
   <p:notesMasterIdLst>
-    <p:notesMasterId r:id="rId24"/>
+    <p:notesMasterId r:id="rId25"/>
   </p:notesMasterIdLst>
   <p:handoutMasterIdLst>
-    <p:handoutMasterId r:id="rId25"/>
+    <p:handoutMasterId r:id="rId26"/>
   </p:handoutMasterIdLst>
   <p:sldIdLst>
     <p:sldId id="282" r:id="rId4"/>
@@ -26,11 +26,12 @@
     <p:sldId id="313" r:id="rId16"/>
     <p:sldId id="311" r:id="rId17"/>
     <p:sldId id="305" r:id="rId18"/>
-    <p:sldId id="307" r:id="rId19"/>
-    <p:sldId id="306" r:id="rId20"/>
-    <p:sldId id="308" r:id="rId21"/>
-    <p:sldId id="309" r:id="rId22"/>
-    <p:sldId id="310" r:id="rId23"/>
+    <p:sldId id="318" r:id="rId19"/>
+    <p:sldId id="307" r:id="rId20"/>
+    <p:sldId id="306" r:id="rId21"/>
+    <p:sldId id="308" r:id="rId22"/>
+    <p:sldId id="309" r:id="rId23"/>
+    <p:sldId id="310" r:id="rId24"/>
   </p:sldIdLst>
   <p:sldSz cx="12192000" cy="6858000"/>
   <p:notesSz cx="6858000" cy="9144000"/>
@@ -1620,7 +1621,7 @@
           <p:cNvPr id="5" name="頁首版面配置區 4">
             <a:extLst>
               <a:ext uri="{FF2B5EF4-FFF2-40B4-BE49-F238E27FC236}">
-                <a16:creationId xmlns:a16="http://schemas.microsoft.com/office/drawing/2014/main" id="{395663F1-EC29-4F7E-B7B3-C47C3BAA9D0F}"/>
+                <a16:creationId xmlns:a16="http://schemas.microsoft.com/office/drawing/2014/main" id="{FF80F06F-3710-4263-9F80-0D2A92DDD819}"/>
               </a:ext>
             </a:extLst>
           </p:cNvPr>
@@ -1647,7 +1648,7 @@
     </p:spTree>
     <p:extLst>
       <p:ext uri="{BB962C8B-B14F-4D97-AF65-F5344CB8AC3E}">
-        <p14:creationId xmlns:p14="http://schemas.microsoft.com/office/powerpoint/2010/main" val="2701519937"/>
+        <p14:creationId xmlns:p14="http://schemas.microsoft.com/office/powerpoint/2010/main" val="1798000473"/>
       </p:ext>
     </p:extLst>
   </p:cSld>
@@ -1734,7 +1735,7 @@
           <p:cNvPr id="5" name="頁首版面配置區 4">
             <a:extLst>
               <a:ext uri="{FF2B5EF4-FFF2-40B4-BE49-F238E27FC236}">
-                <a16:creationId xmlns:a16="http://schemas.microsoft.com/office/drawing/2014/main" id="{6E8C5AB6-E61C-4B97-8238-2D971E93E5C6}"/>
+                <a16:creationId xmlns:a16="http://schemas.microsoft.com/office/drawing/2014/main" id="{395663F1-EC29-4F7E-B7B3-C47C3BAA9D0F}"/>
               </a:ext>
             </a:extLst>
           </p:cNvPr>
@@ -1761,7 +1762,7 @@
     </p:spTree>
     <p:extLst>
       <p:ext uri="{BB962C8B-B14F-4D97-AF65-F5344CB8AC3E}">
-        <p14:creationId xmlns:p14="http://schemas.microsoft.com/office/powerpoint/2010/main" val="3565233456"/>
+        <p14:creationId xmlns:p14="http://schemas.microsoft.com/office/powerpoint/2010/main" val="2701519937"/>
       </p:ext>
     </p:extLst>
   </p:cSld>
@@ -1848,7 +1849,7 @@
           <p:cNvPr id="5" name="頁首版面配置區 4">
             <a:extLst>
               <a:ext uri="{FF2B5EF4-FFF2-40B4-BE49-F238E27FC236}">
-                <a16:creationId xmlns:a16="http://schemas.microsoft.com/office/drawing/2014/main" id="{8FD7EE22-8F34-425B-82D2-EC0C0E66DD50}"/>
+                <a16:creationId xmlns:a16="http://schemas.microsoft.com/office/drawing/2014/main" id="{6E8C5AB6-E61C-4B97-8238-2D971E93E5C6}"/>
               </a:ext>
             </a:extLst>
           </p:cNvPr>
@@ -1875,7 +1876,7 @@
     </p:spTree>
     <p:extLst>
       <p:ext uri="{BB962C8B-B14F-4D97-AF65-F5344CB8AC3E}">
-        <p14:creationId xmlns:p14="http://schemas.microsoft.com/office/powerpoint/2010/main" val="2220057016"/>
+        <p14:creationId xmlns:p14="http://schemas.microsoft.com/office/powerpoint/2010/main" val="3565233456"/>
       </p:ext>
     </p:extLst>
   </p:cSld>
@@ -1962,7 +1963,7 @@
           <p:cNvPr id="5" name="頁首版面配置區 4">
             <a:extLst>
               <a:ext uri="{FF2B5EF4-FFF2-40B4-BE49-F238E27FC236}">
-                <a16:creationId xmlns:a16="http://schemas.microsoft.com/office/drawing/2014/main" id="{B0ED961B-B77E-4128-9A1E-997B6008F2D5}"/>
+                <a16:creationId xmlns:a16="http://schemas.microsoft.com/office/drawing/2014/main" id="{8FD7EE22-8F34-425B-82D2-EC0C0E66DD50}"/>
               </a:ext>
             </a:extLst>
           </p:cNvPr>
@@ -1989,7 +1990,7 @@
     </p:spTree>
     <p:extLst>
       <p:ext uri="{BB962C8B-B14F-4D97-AF65-F5344CB8AC3E}">
-        <p14:creationId xmlns:p14="http://schemas.microsoft.com/office/powerpoint/2010/main" val="2333112210"/>
+        <p14:creationId xmlns:p14="http://schemas.microsoft.com/office/powerpoint/2010/main" val="2220057016"/>
       </p:ext>
     </p:extLst>
   </p:cSld>
@@ -2180,6 +2181,120 @@
               <a:rPr lang="en-ZA" smtClean="0"/>
               <a:pPr/>
               <a:t>20</a:t>
+            </a:fld>
+            <a:endParaRPr lang="en-ZA"/>
+          </a:p>
+        </p:txBody>
+      </p:sp>
+      <p:sp>
+        <p:nvSpPr>
+          <p:cNvPr id="5" name="頁首版面配置區 4">
+            <a:extLst>
+              <a:ext uri="{FF2B5EF4-FFF2-40B4-BE49-F238E27FC236}">
+                <a16:creationId xmlns:a16="http://schemas.microsoft.com/office/drawing/2014/main" id="{B0ED961B-B77E-4128-9A1E-997B6008F2D5}"/>
+              </a:ext>
+            </a:extLst>
+          </p:cNvPr>
+          <p:cNvSpPr>
+            <a:spLocks noGrp="1"/>
+          </p:cNvSpPr>
+          <p:nvPr>
+            <p:ph type="hdr" sz="quarter"/>
+          </p:nvPr>
+        </p:nvSpPr>
+        <p:spPr/>
+        <p:txBody>
+          <a:bodyPr/>
+          <a:lstStyle/>
+          <a:p>
+            <a:r>
+              <a:rPr lang="en-US" altLang="zh-TW"/>
+              <a:t>1</a:t>
+            </a:r>
+            <a:endParaRPr lang="zh-TW" altLang="en-US" dirty="0"/>
+          </a:p>
+        </p:txBody>
+      </p:sp>
+    </p:spTree>
+    <p:extLst>
+      <p:ext uri="{BB962C8B-B14F-4D97-AF65-F5344CB8AC3E}">
+        <p14:creationId xmlns:p14="http://schemas.microsoft.com/office/powerpoint/2010/main" val="2333112210"/>
+      </p:ext>
+    </p:extLst>
+  </p:cSld>
+  <p:clrMapOvr>
+    <a:masterClrMapping/>
+  </p:clrMapOvr>
+</p:notes>
+</file>
+
+<file path=ppt/notesSlides/notesSlide21.xml><?xml version="1.0" encoding="utf-8"?>
+<p:notes xmlns:a="http://schemas.openxmlformats.org/drawingml/2006/main" xmlns:r="http://schemas.openxmlformats.org/officeDocument/2006/relationships" xmlns:p="http://schemas.openxmlformats.org/presentationml/2006/main">
+  <p:cSld>
+    <p:spTree>
+      <p:nvGrpSpPr>
+        <p:cNvPr id="1" name=""/>
+        <p:cNvGrpSpPr/>
+        <p:nvPr/>
+      </p:nvGrpSpPr>
+      <p:grpSpPr>
+        <a:xfrm>
+          <a:off x="0" y="0"/>
+          <a:ext cx="0" cy="0"/>
+          <a:chOff x="0" y="0"/>
+          <a:chExt cx="0" cy="0"/>
+        </a:xfrm>
+      </p:grpSpPr>
+      <p:sp>
+        <p:nvSpPr>
+          <p:cNvPr id="2" name="投影片影像版面配置區 1"/>
+          <p:cNvSpPr>
+            <a:spLocks noGrp="1" noRot="1" noChangeAspect="1"/>
+          </p:cNvSpPr>
+          <p:nvPr>
+            <p:ph type="sldImg"/>
+          </p:nvPr>
+        </p:nvSpPr>
+        <p:spPr/>
+      </p:sp>
+      <p:sp>
+        <p:nvSpPr>
+          <p:cNvPr id="3" name="備忘稿版面配置區 2"/>
+          <p:cNvSpPr>
+            <a:spLocks noGrp="1"/>
+          </p:cNvSpPr>
+          <p:nvPr>
+            <p:ph type="body" idx="1"/>
+          </p:nvPr>
+        </p:nvSpPr>
+        <p:spPr/>
+        <p:txBody>
+          <a:bodyPr/>
+          <a:lstStyle/>
+          <a:p>
+            <a:endParaRPr lang="zh-TW" altLang="en-US" dirty="0"/>
+          </a:p>
+        </p:txBody>
+      </p:sp>
+      <p:sp>
+        <p:nvSpPr>
+          <p:cNvPr id="4" name="投影片編號版面配置區 3"/>
+          <p:cNvSpPr>
+            <a:spLocks noGrp="1"/>
+          </p:cNvSpPr>
+          <p:nvPr>
+            <p:ph type="sldNum" sz="quarter" idx="10"/>
+          </p:nvPr>
+        </p:nvSpPr>
+        <p:spPr/>
+        <p:txBody>
+          <a:bodyPr/>
+          <a:lstStyle/>
+          <a:p>
+            <a:fld id="{8530193B-564F-4854-8A52-728F3FB19C85}" type="slidenum">
+              <a:rPr lang="en-ZA" smtClean="0"/>
+              <a:pPr/>
+              <a:t>21</a:t>
             </a:fld>
             <a:endParaRPr lang="en-ZA"/>
           </a:p>
@@ -9708,10 +9823,10 @@
       </p:sp>
       <p:pic>
         <p:nvPicPr>
-          <p:cNvPr id="4" name="圖片 3">
-            <a:extLst>
-              <a:ext uri="{FF2B5EF4-FFF2-40B4-BE49-F238E27FC236}">
-                <a16:creationId xmlns:a16="http://schemas.microsoft.com/office/drawing/2014/main" id="{E4E23801-30FF-482F-98A2-6E26DDF23DC6}"/>
+          <p:cNvPr id="6" name="Picture 5">
+            <a:extLst>
+              <a:ext uri="{FF2B5EF4-FFF2-40B4-BE49-F238E27FC236}">
+                <a16:creationId xmlns:a16="http://schemas.microsoft.com/office/drawing/2014/main" id="{B8E806E6-B826-3B46-B210-8D486570DE5E}"/>
               </a:ext>
             </a:extLst>
           </p:cNvPr>
@@ -9720,7 +9835,7 @@
           </p:cNvPicPr>
           <p:nvPr/>
         </p:nvPicPr>
-        <p:blipFill rotWithShape="1">
+        <p:blipFill>
           <a:blip r:embed="rId3">
             <a:extLst>
               <a:ext uri="{28A0092B-C50C-407E-A947-70E740481C1C}">
@@ -9728,25 +9843,61 @@
               </a:ext>
             </a:extLst>
           </a:blip>
-          <a:srcRect l="-1" r="38337"/>
-          <a:stretch/>
+          <a:stretch>
+            <a:fillRect/>
+          </a:stretch>
         </p:blipFill>
         <p:spPr>
           <a:xfrm>
-            <a:off x="1081364" y="3178660"/>
-            <a:ext cx="4216087" cy="809679"/>
+            <a:off x="5648527" y="2959904"/>
+            <a:ext cx="6095998" cy="2947642"/>
           </a:xfrm>
           <a:prstGeom prst="rect">
             <a:avLst/>
           </a:prstGeom>
         </p:spPr>
       </p:pic>
+      <p:sp>
+        <p:nvSpPr>
+          <p:cNvPr id="7" name="文字方塊 6">
+            <a:extLst>
+              <a:ext uri="{FF2B5EF4-FFF2-40B4-BE49-F238E27FC236}">
+                <a16:creationId xmlns:a16="http://schemas.microsoft.com/office/drawing/2014/main" id="{7886FB91-0482-40E5-9FBB-F504CBB62D77}"/>
+              </a:ext>
+            </a:extLst>
+          </p:cNvPr>
+          <p:cNvSpPr txBox="1"/>
+          <p:nvPr/>
+        </p:nvSpPr>
+        <p:spPr>
+          <a:xfrm>
+            <a:off x="11484528" y="6493241"/>
+            <a:ext cx="805343" cy="276999"/>
+          </a:xfrm>
+          <a:prstGeom prst="rect">
+            <a:avLst/>
+          </a:prstGeom>
+          <a:noFill/>
+        </p:spPr>
+        <p:txBody>
+          <a:bodyPr wrap="square" rtlCol="0">
+            <a:spAutoFit/>
+          </a:bodyPr>
+          <a:lstStyle/>
+          <a:p>
+            <a:r>
+              <a:rPr lang="en-US" sz="1200" dirty="0"/>
+              <a:t>7</a:t>
+            </a:r>
+          </a:p>
+        </p:txBody>
+      </p:sp>
       <p:pic>
         <p:nvPicPr>
-          <p:cNvPr id="6" name="Picture 5">
-            <a:extLst>
-              <a:ext uri="{FF2B5EF4-FFF2-40B4-BE49-F238E27FC236}">
-                <a16:creationId xmlns:a16="http://schemas.microsoft.com/office/drawing/2014/main" id="{B8E806E6-B826-3B46-B210-8D486570DE5E}"/>
+          <p:cNvPr id="5" name="圖片 4">
+            <a:extLst>
+              <a:ext uri="{FF2B5EF4-FFF2-40B4-BE49-F238E27FC236}">
+                <a16:creationId xmlns:a16="http://schemas.microsoft.com/office/drawing/2014/main" id="{2AEDD248-D649-460F-B2EB-2B052352F7A1}"/>
               </a:ext>
             </a:extLst>
           </p:cNvPr>
@@ -9769,49 +9920,14 @@
         </p:blipFill>
         <p:spPr>
           <a:xfrm>
-            <a:off x="5648527" y="2959904"/>
-            <a:ext cx="6095998" cy="2947642"/>
+            <a:off x="940203" y="2977359"/>
+            <a:ext cx="5554393" cy="903282"/>
           </a:xfrm>
           <a:prstGeom prst="rect">
             <a:avLst/>
           </a:prstGeom>
         </p:spPr>
       </p:pic>
-      <p:sp>
-        <p:nvSpPr>
-          <p:cNvPr id="7" name="文字方塊 6">
-            <a:extLst>
-              <a:ext uri="{FF2B5EF4-FFF2-40B4-BE49-F238E27FC236}">
-                <a16:creationId xmlns:a16="http://schemas.microsoft.com/office/drawing/2014/main" id="{7886FB91-0482-40E5-9FBB-F504CBB62D77}"/>
-              </a:ext>
-            </a:extLst>
-          </p:cNvPr>
-          <p:cNvSpPr txBox="1"/>
-          <p:nvPr/>
-        </p:nvSpPr>
-        <p:spPr>
-          <a:xfrm>
-            <a:off x="11484528" y="6493241"/>
-            <a:ext cx="805343" cy="276999"/>
-          </a:xfrm>
-          <a:prstGeom prst="rect">
-            <a:avLst/>
-          </a:prstGeom>
-          <a:noFill/>
-        </p:spPr>
-        <p:txBody>
-          <a:bodyPr wrap="square" rtlCol="0">
-            <a:spAutoFit/>
-          </a:bodyPr>
-          <a:lstStyle/>
-          <a:p>
-            <a:r>
-              <a:rPr lang="en-US" sz="1200" dirty="0"/>
-              <a:t>7</a:t>
-            </a:r>
-          </a:p>
-        </p:txBody>
-      </p:sp>
     </p:spTree>
     <p:extLst>
       <p:ext uri="{BB962C8B-B14F-4D97-AF65-F5344CB8AC3E}">
@@ -9969,12 +10085,47 @@
           </a:p>
         </p:txBody>
       </p:sp>
+      <p:sp>
+        <p:nvSpPr>
+          <p:cNvPr id="9" name="文字方塊 8">
+            <a:extLst>
+              <a:ext uri="{FF2B5EF4-FFF2-40B4-BE49-F238E27FC236}">
+                <a16:creationId xmlns:a16="http://schemas.microsoft.com/office/drawing/2014/main" id="{3D5ACCB8-6422-4619-B5BC-16878077F822}"/>
+              </a:ext>
+            </a:extLst>
+          </p:cNvPr>
+          <p:cNvSpPr txBox="1"/>
+          <p:nvPr/>
+        </p:nvSpPr>
+        <p:spPr>
+          <a:xfrm>
+            <a:off x="11484528" y="6493241"/>
+            <a:ext cx="805343" cy="276999"/>
+          </a:xfrm>
+          <a:prstGeom prst="rect">
+            <a:avLst/>
+          </a:prstGeom>
+          <a:noFill/>
+        </p:spPr>
+        <p:txBody>
+          <a:bodyPr wrap="square" rtlCol="0">
+            <a:spAutoFit/>
+          </a:bodyPr>
+          <a:lstStyle/>
+          <a:p>
+            <a:r>
+              <a:rPr lang="en-US" sz="1200" dirty="0"/>
+              <a:t>8</a:t>
+            </a:r>
+          </a:p>
+        </p:txBody>
+      </p:sp>
       <p:pic>
         <p:nvPicPr>
-          <p:cNvPr id="4" name="圖片 3">
-            <a:extLst>
-              <a:ext uri="{FF2B5EF4-FFF2-40B4-BE49-F238E27FC236}">
-                <a16:creationId xmlns:a16="http://schemas.microsoft.com/office/drawing/2014/main" id="{E4E23801-30FF-482F-98A2-6E26DDF23DC6}"/>
+          <p:cNvPr id="13" name="Picture 12">
+            <a:extLst>
+              <a:ext uri="{FF2B5EF4-FFF2-40B4-BE49-F238E27FC236}">
+                <a16:creationId xmlns:a16="http://schemas.microsoft.com/office/drawing/2014/main" id="{97B67585-F312-3A45-A82A-C36F1F2B97CA}"/>
               </a:ext>
             </a:extLst>
           </p:cNvPr>
@@ -9983,7 +10134,7 @@
           </p:cNvPicPr>
           <p:nvPr/>
         </p:nvPicPr>
-        <p:blipFill rotWithShape="1">
+        <p:blipFill>
           <a:blip r:embed="rId3">
             <a:extLst>
               <a:ext uri="{28A0092B-C50C-407E-A947-70E740481C1C}">
@@ -9991,60 +10142,26 @@
               </a:ext>
             </a:extLst>
           </a:blip>
-          <a:srcRect l="-1" r="38337"/>
-          <a:stretch/>
+          <a:stretch>
+            <a:fillRect/>
+          </a:stretch>
         </p:blipFill>
         <p:spPr>
           <a:xfrm>
-            <a:off x="2146126" y="2293443"/>
-            <a:ext cx="3949874" cy="758554"/>
+            <a:off x="6654297" y="1332130"/>
+            <a:ext cx="4921509" cy="2368859"/>
           </a:xfrm>
           <a:prstGeom prst="rect">
             <a:avLst/>
           </a:prstGeom>
         </p:spPr>
       </p:pic>
-      <p:sp>
-        <p:nvSpPr>
-          <p:cNvPr id="9" name="文字方塊 8">
-            <a:extLst>
-              <a:ext uri="{FF2B5EF4-FFF2-40B4-BE49-F238E27FC236}">
-                <a16:creationId xmlns:a16="http://schemas.microsoft.com/office/drawing/2014/main" id="{3D5ACCB8-6422-4619-B5BC-16878077F822}"/>
-              </a:ext>
-            </a:extLst>
-          </p:cNvPr>
-          <p:cNvSpPr txBox="1"/>
-          <p:nvPr/>
-        </p:nvSpPr>
-        <p:spPr>
-          <a:xfrm>
-            <a:off x="11484528" y="6493241"/>
-            <a:ext cx="805343" cy="276999"/>
-          </a:xfrm>
-          <a:prstGeom prst="rect">
-            <a:avLst/>
-          </a:prstGeom>
-          <a:noFill/>
-        </p:spPr>
-        <p:txBody>
-          <a:bodyPr wrap="square" rtlCol="0">
-            <a:spAutoFit/>
-          </a:bodyPr>
-          <a:lstStyle/>
-          <a:p>
-            <a:r>
-              <a:rPr lang="en-US" sz="1200" dirty="0"/>
-              <a:t>8</a:t>
-            </a:r>
-          </a:p>
-        </p:txBody>
-      </p:sp>
       <p:pic>
         <p:nvPicPr>
-          <p:cNvPr id="13" name="Picture 12">
-            <a:extLst>
-              <a:ext uri="{FF2B5EF4-FFF2-40B4-BE49-F238E27FC236}">
-                <a16:creationId xmlns:a16="http://schemas.microsoft.com/office/drawing/2014/main" id="{97B67585-F312-3A45-A82A-C36F1F2B97CA}"/>
+          <p:cNvPr id="15" name="Picture 14">
+            <a:extLst>
+              <a:ext uri="{FF2B5EF4-FFF2-40B4-BE49-F238E27FC236}">
+                <a16:creationId xmlns:a16="http://schemas.microsoft.com/office/drawing/2014/main" id="{5FF01190-8416-FB49-8361-20930620B806}"/>
               </a:ext>
             </a:extLst>
           </p:cNvPr>
@@ -10067,8 +10184,8 @@
         </p:blipFill>
         <p:spPr>
           <a:xfrm>
-            <a:off x="6654297" y="1332130"/>
-            <a:ext cx="4921509" cy="2368859"/>
+            <a:off x="5504507" y="3954446"/>
+            <a:ext cx="6599976" cy="2615787"/>
           </a:xfrm>
           <a:prstGeom prst="rect">
             <a:avLst/>
@@ -10077,10 +10194,10 @@
       </p:pic>
       <p:pic>
         <p:nvPicPr>
-          <p:cNvPr id="15" name="Picture 14">
-            <a:extLst>
-              <a:ext uri="{FF2B5EF4-FFF2-40B4-BE49-F238E27FC236}">
-                <a16:creationId xmlns:a16="http://schemas.microsoft.com/office/drawing/2014/main" id="{5FF01190-8416-FB49-8361-20930620B806}"/>
+          <p:cNvPr id="8" name="圖片 4">
+            <a:extLst>
+              <a:ext uri="{FF2B5EF4-FFF2-40B4-BE49-F238E27FC236}">
+                <a16:creationId xmlns:a16="http://schemas.microsoft.com/office/drawing/2014/main" id="{2745ECBE-B8E6-A648-9983-11ADD7E7F410}"/>
               </a:ext>
             </a:extLst>
           </p:cNvPr>
@@ -10103,8 +10220,8 @@
         </p:blipFill>
         <p:spPr>
           <a:xfrm>
-            <a:off x="5504507" y="3954446"/>
-            <a:ext cx="6599976" cy="2615787"/>
+            <a:off x="1409221" y="2394863"/>
+            <a:ext cx="4770210" cy="775754"/>
           </a:xfrm>
           <a:prstGeom prst="rect">
             <a:avLst/>
@@ -10501,7 +10618,7 @@
         <p:spPr>
           <a:xfrm>
             <a:off x="1699490" y="1896283"/>
-            <a:ext cx="9047605" cy="830997"/>
+            <a:ext cx="9335248" cy="830997"/>
           </a:xfrm>
           <a:prstGeom prst="rect">
             <a:avLst/>
@@ -10520,8 +10637,8 @@
             </a:pPr>
             <a:r>
               <a:rPr lang="en-US" sz="2400" b="1" dirty="0">
-                <a:latin typeface="Calibri" panose="020F0502020204030204" pitchFamily="34" charset="0"/>
-                <a:cs typeface="Calibri" panose="020F0502020204030204" pitchFamily="34" charset="0"/>
+                <a:latin typeface="Times New Roman" panose="02020603050405020304" pitchFamily="18" charset="0"/>
+                <a:cs typeface="Times New Roman" panose="02020603050405020304" pitchFamily="18" charset="0"/>
               </a:rPr>
               <a:t>Too many heads -&gt; Hard to process queries from multiple positions</a:t>
             </a:r>
@@ -10530,14 +10647,14 @@
             <a:pPr lvl="6"/>
             <a:r>
               <a:rPr lang="en-US" sz="2400" b="1" dirty="0">
-                <a:latin typeface="Calibri" panose="020F0502020204030204" pitchFamily="34" charset="0"/>
-                <a:cs typeface="Calibri" panose="020F0502020204030204" pitchFamily="34" charset="0"/>
+                <a:latin typeface="Times New Roman" panose="02020603050405020304" pitchFamily="18" charset="0"/>
+                <a:cs typeface="Times New Roman" panose="02020603050405020304" pitchFamily="18" charset="0"/>
               </a:rPr>
               <a:t>in parallel.</a:t>
             </a:r>
             <a:endParaRPr lang="en-US" sz="2400" dirty="0">
-              <a:latin typeface="Calibri" panose="020F0502020204030204" pitchFamily="34" charset="0"/>
-              <a:cs typeface="Calibri" panose="020F0502020204030204" pitchFamily="34" charset="0"/>
+              <a:latin typeface="Times New Roman" panose="02020603050405020304" pitchFamily="18" charset="0"/>
+              <a:cs typeface="Times New Roman" panose="02020603050405020304" pitchFamily="18" charset="0"/>
             </a:endParaRPr>
           </a:p>
         </p:txBody>
@@ -10557,7 +10674,7 @@
         <p:spPr>
           <a:xfrm>
             <a:off x="1699491" y="2727280"/>
-            <a:ext cx="3747949" cy="461665"/>
+            <a:ext cx="3860159" cy="461665"/>
           </a:xfrm>
           <a:prstGeom prst="rect">
             <a:avLst/>
@@ -10579,8 +10696,8 @@
                 <a:solidFill>
                   <a:srgbClr val="FF0000"/>
                 </a:solidFill>
-                <a:latin typeface="Calibri" panose="020F0502020204030204" pitchFamily="34" charset="0"/>
-                <a:cs typeface="Calibri" panose="020F0502020204030204" pitchFamily="34" charset="0"/>
+                <a:latin typeface="Times New Roman" panose="02020603050405020304" pitchFamily="18" charset="0"/>
+                <a:cs typeface="Times New Roman" panose="02020603050405020304" pitchFamily="18" charset="0"/>
               </a:rPr>
               <a:t>Valid heads are unknown</a:t>
             </a:r>
@@ -10621,15 +10738,15 @@
             </a:pPr>
             <a:r>
               <a:rPr lang="en-US" sz="2400" b="1" dirty="0">
-                <a:latin typeface="Calibri" panose="020F0502020204030204" pitchFamily="34" charset="0"/>
-                <a:cs typeface="Calibri" panose="020F0502020204030204" pitchFamily="34" charset="0"/>
+                <a:latin typeface="Times New Roman" panose="02020603050405020304" pitchFamily="18" charset="0"/>
+                <a:cs typeface="Times New Roman" panose="02020603050405020304" pitchFamily="18" charset="0"/>
               </a:rPr>
               <a:t>Processing with “Valid heads” problem:</a:t>
             </a:r>
             <a:br>
               <a:rPr lang="en-US" sz="2400" b="1" dirty="0">
-                <a:latin typeface="Calibri" panose="020F0502020204030204" pitchFamily="34" charset="0"/>
-                <a:cs typeface="Calibri" panose="020F0502020204030204" pitchFamily="34" charset="0"/>
+                <a:latin typeface="Times New Roman" panose="02020603050405020304" pitchFamily="18" charset="0"/>
+                <a:cs typeface="Times New Roman" panose="02020603050405020304" pitchFamily="18" charset="0"/>
               </a:rPr>
             </a:br>
             <a:r>
@@ -10637,8 +10754,8 @@
                 <a:solidFill>
                   <a:srgbClr val="FF0000"/>
                 </a:solidFill>
-                <a:latin typeface="Calibri" panose="020F0502020204030204" pitchFamily="34" charset="0"/>
-                <a:cs typeface="Calibri" panose="020F0502020204030204" pitchFamily="34" charset="0"/>
+                <a:latin typeface="Times New Roman" panose="02020603050405020304" pitchFamily="18" charset="0"/>
+                <a:cs typeface="Times New Roman" panose="02020603050405020304" pitchFamily="18" charset="0"/>
               </a:rPr>
               <a:t>	</a:t>
             </a:r>
@@ -10647,8 +10764,8 @@
                 <a:solidFill>
                   <a:srgbClr val="FF0000"/>
                 </a:solidFill>
-                <a:latin typeface="Calibri" panose="020F0502020204030204" pitchFamily="34" charset="0"/>
-                <a:cs typeface="Calibri" panose="020F0502020204030204" pitchFamily="34" charset="0"/>
+                <a:latin typeface="Times New Roman" panose="02020603050405020304" pitchFamily="18" charset="0"/>
+                <a:cs typeface="Times New Roman" panose="02020603050405020304" pitchFamily="18" charset="0"/>
               </a:rPr>
             </a:br>
             <a:r>
@@ -10656,8 +10773,8 @@
                 <a:solidFill>
                   <a:srgbClr val="FF0000"/>
                 </a:solidFill>
-                <a:latin typeface="Calibri" panose="020F0502020204030204" pitchFamily="34" charset="0"/>
-                <a:cs typeface="Calibri" panose="020F0502020204030204" pitchFamily="34" charset="0"/>
+                <a:latin typeface="Times New Roman" panose="02020603050405020304" pitchFamily="18" charset="0"/>
+                <a:cs typeface="Times New Roman" panose="02020603050405020304" pitchFamily="18" charset="0"/>
               </a:rPr>
               <a:t>	We propose EDM-</a:t>
             </a:r>
@@ -10666,8 +10783,8 @@
                 <a:solidFill>
                   <a:srgbClr val="FF0000"/>
                 </a:solidFill>
-                <a:latin typeface="Calibri" panose="020F0502020204030204" pitchFamily="34" charset="0"/>
-                <a:cs typeface="Calibri" panose="020F0502020204030204" pitchFamily="34" charset="0"/>
+                <a:latin typeface="Times New Roman" panose="02020603050405020304" pitchFamily="18" charset="0"/>
+                <a:cs typeface="Times New Roman" panose="02020603050405020304" pitchFamily="18" charset="0"/>
               </a:rPr>
               <a:t>RoBERTa</a:t>
             </a:r>
@@ -10676,8 +10793,8 @@
                 <a:solidFill>
                   <a:srgbClr val="FF0000"/>
                 </a:solidFill>
-                <a:latin typeface="Calibri" panose="020F0502020204030204" pitchFamily="34" charset="0"/>
-                <a:cs typeface="Calibri" panose="020F0502020204030204" pitchFamily="34" charset="0"/>
+                <a:latin typeface="Times New Roman" panose="02020603050405020304" pitchFamily="18" charset="0"/>
+                <a:cs typeface="Times New Roman" panose="02020603050405020304" pitchFamily="18" charset="0"/>
               </a:rPr>
               <a:t> to optimize the attention process</a:t>
             </a:r>
@@ -10924,7 +11041,7 @@
                 <a:latin typeface="Times New Roman" panose="02020603050405020304" pitchFamily="18" charset="0"/>
                 <a:cs typeface="Times New Roman" panose="02020603050405020304" pitchFamily="18" charset="0"/>
               </a:rPr>
-              <a:t>Gaussian Error Linear Unit (GELU)</a:t>
+              <a:t>Gaussian Error Linear Units (GELUs)</a:t>
             </a:r>
           </a:p>
         </p:txBody>
@@ -11089,10 +11206,10 @@
       </p:sp>
       <p:pic>
         <p:nvPicPr>
-          <p:cNvPr id="10" name="Picture 9">
-            <a:extLst>
-              <a:ext uri="{FF2B5EF4-FFF2-40B4-BE49-F238E27FC236}">
-                <a16:creationId xmlns:a16="http://schemas.microsoft.com/office/drawing/2014/main" id="{73845E70-9BCF-3D4A-B14D-AAD9645A1F20}"/>
+          <p:cNvPr id="4" name="Picture 3">
+            <a:extLst>
+              <a:ext uri="{FF2B5EF4-FFF2-40B4-BE49-F238E27FC236}">
+                <a16:creationId xmlns:a16="http://schemas.microsoft.com/office/drawing/2014/main" id="{7C742139-6B31-3A45-AB98-FB2FDEC77E93}"/>
               </a:ext>
             </a:extLst>
           </p:cNvPr>
@@ -11115,8 +11232,8 @@
         </p:blipFill>
         <p:spPr>
           <a:xfrm>
-            <a:off x="2545805" y="2921395"/>
-            <a:ext cx="4991100" cy="431800"/>
+            <a:off x="2775695" y="2844490"/>
+            <a:ext cx="5707858" cy="461665"/>
           </a:xfrm>
           <a:prstGeom prst="rect">
             <a:avLst/>
@@ -11191,13 +11308,8 @@
           <a:p>
             <a:r>
               <a:rPr lang="en-US" sz="2800" b="1" dirty="0"/>
-              <a:t>Improved Learning Model:  EDM-</a:t>
-            </a:r>
-            <a:r>
-              <a:rPr lang="en-US" sz="2800" b="1" dirty="0" err="1"/>
-              <a:t>RoBERTa</a:t>
-            </a:r>
-            <a:endParaRPr lang="en-US" sz="2800" b="1" dirty="0"/>
+              <a:t>Optimization</a:t>
+            </a:r>
           </a:p>
         </p:txBody>
       </p:sp>
@@ -11216,7 +11328,7 @@
         <p:spPr>
           <a:xfrm>
             <a:off x="952373" y="1568534"/>
-            <a:ext cx="6384248" cy="461665"/>
+            <a:ext cx="11102783" cy="830997"/>
           </a:xfrm>
           <a:prstGeom prst="rect">
             <a:avLst/>
@@ -11235,13 +11347,22 @@
             </a:pPr>
             <a:r>
               <a:rPr lang="en-US" sz="2400" dirty="0">
-                <a:latin typeface="Calibri" panose="020F0502020204030204" pitchFamily="34" charset="0"/>
-                <a:cs typeface="Calibri" panose="020F0502020204030204" pitchFamily="34" charset="0"/>
+                <a:latin typeface="Times New Roman" panose="02020603050405020304" pitchFamily="18" charset="0"/>
+                <a:cs typeface="Times New Roman" panose="02020603050405020304" pitchFamily="18" charset="0"/>
               </a:rPr>
-              <a:t>Choose the best-performed model: </a:t>
-            </a:r>
-            <a:r>
-              <a:rPr lang="en-US" sz="2400" b="1" dirty="0" err="1">
+              <a:t>Why using both two-dimensional and multi-dimensional sentiment analysis datasets </a:t>
+            </a:r>
+          </a:p>
+          <a:p>
+            <a:r>
+              <a:rPr lang="en-US" sz="2400" dirty="0">
+                <a:latin typeface="Times New Roman" panose="02020603050405020304" pitchFamily="18" charset="0"/>
+                <a:cs typeface="Times New Roman" panose="02020603050405020304" pitchFamily="18" charset="0"/>
+              </a:rPr>
+              <a:t>      to train EDM-</a:t>
+            </a:r>
+            <a:r>
+              <a:rPr lang="en-US" sz="2400" dirty="0" err="1">
                 <a:latin typeface="Times New Roman" panose="02020603050405020304" pitchFamily="18" charset="0"/>
                 <a:cs typeface="Times New Roman" panose="02020603050405020304" pitchFamily="18" charset="0"/>
               </a:rPr>
@@ -11249,10 +11370,10 @@
             </a:r>
             <a:r>
               <a:rPr lang="en-US" sz="2400" dirty="0">
-                <a:latin typeface="Calibri" panose="020F0502020204030204" pitchFamily="34" charset="0"/>
-                <a:cs typeface="Calibri" panose="020F0502020204030204" pitchFamily="34" charset="0"/>
+                <a:latin typeface="Times New Roman" panose="02020603050405020304" pitchFamily="18" charset="0"/>
+                <a:cs typeface="Times New Roman" panose="02020603050405020304" pitchFamily="18" charset="0"/>
               </a:rPr>
-              <a:t> </a:t>
+              <a:t> ?</a:t>
             </a:r>
           </a:p>
         </p:txBody>
@@ -11271,8 +11392,8 @@
         </p:nvSpPr>
         <p:spPr>
           <a:xfrm>
-            <a:off x="952373" y="2376449"/>
-            <a:ext cx="6661566" cy="461665"/>
+            <a:off x="1629842" y="2644168"/>
+            <a:ext cx="9422471" cy="461665"/>
           </a:xfrm>
           <a:prstGeom prst="rect">
             <a:avLst/>
@@ -11286,29 +11407,15 @@
           <a:lstStyle/>
           <a:p>
             <a:pPr marL="342900" indent="-342900">
-              <a:buFont typeface="Arial" panose="020B0604020202020204" pitchFamily="34" charset="0"/>
-              <a:buChar char="•"/>
+              <a:buFont typeface="Wingdings" pitchFamily="2" charset="2"/>
+              <a:buChar char="§"/>
             </a:pPr>
             <a:r>
               <a:rPr lang="en-US" sz="2400" b="1" dirty="0">
                 <a:latin typeface="Calibri" panose="020F0502020204030204" pitchFamily="34" charset="0"/>
                 <a:cs typeface="Calibri" panose="020F0502020204030204" pitchFamily="34" charset="0"/>
               </a:rPr>
-              <a:t>Optimize the </a:t>
-            </a:r>
-            <a:r>
-              <a:rPr lang="en-US" sz="2400" b="1" dirty="0" err="1">
-                <a:latin typeface="Calibri" panose="020F0502020204030204" pitchFamily="34" charset="0"/>
-                <a:cs typeface="Calibri" panose="020F0502020204030204" pitchFamily="34" charset="0"/>
-              </a:rPr>
-              <a:t>RoBERTa</a:t>
-            </a:r>
-            <a:r>
-              <a:rPr lang="en-US" sz="2400" b="1" dirty="0">
-                <a:latin typeface="Calibri" panose="020F0502020204030204" pitchFamily="34" charset="0"/>
-                <a:cs typeface="Calibri" panose="020F0502020204030204" pitchFamily="34" charset="0"/>
-              </a:rPr>
-              <a:t> model with Boom Layer</a:t>
+              <a:t>Deal with the sentences with sentimental ambiguity</a:t>
             </a:r>
             <a:endParaRPr lang="en-US" sz="2400" dirty="0">
               <a:latin typeface="Calibri" panose="020F0502020204030204" pitchFamily="34" charset="0"/>
@@ -11317,12 +11424,47 @@
           </a:p>
         </p:txBody>
       </p:sp>
+      <p:sp>
+        <p:nvSpPr>
+          <p:cNvPr id="9" name="文字方塊 8">
+            <a:extLst>
+              <a:ext uri="{FF2B5EF4-FFF2-40B4-BE49-F238E27FC236}">
+                <a16:creationId xmlns:a16="http://schemas.microsoft.com/office/drawing/2014/main" id="{AE73553F-4114-411F-A6A1-3291FA4B6CF8}"/>
+              </a:ext>
+            </a:extLst>
+          </p:cNvPr>
+          <p:cNvSpPr txBox="1"/>
+          <p:nvPr/>
+        </p:nvSpPr>
+        <p:spPr>
+          <a:xfrm>
+            <a:off x="11484528" y="6493241"/>
+            <a:ext cx="805343" cy="276999"/>
+          </a:xfrm>
+          <a:prstGeom prst="rect">
+            <a:avLst/>
+          </a:prstGeom>
+          <a:noFill/>
+        </p:spPr>
+        <p:txBody>
+          <a:bodyPr wrap="square" rtlCol="0">
+            <a:spAutoFit/>
+          </a:bodyPr>
+          <a:lstStyle/>
+          <a:p>
+            <a:r>
+              <a:rPr lang="en-US" sz="1200" dirty="0"/>
+              <a:t>11</a:t>
+            </a:r>
+          </a:p>
+        </p:txBody>
+      </p:sp>
       <p:pic>
         <p:nvPicPr>
           <p:cNvPr id="7" name="Picture 6">
             <a:extLst>
               <a:ext uri="{FF2B5EF4-FFF2-40B4-BE49-F238E27FC236}">
-                <a16:creationId xmlns:a16="http://schemas.microsoft.com/office/drawing/2014/main" id="{03DD16DF-6DDD-1440-BEC6-E2C893E34BBD}"/>
+                <a16:creationId xmlns:a16="http://schemas.microsoft.com/office/drawing/2014/main" id="{C93D3C89-0C3D-1D41-9BAC-E72071BBCA8E}"/>
               </a:ext>
             </a:extLst>
           </p:cNvPr>
@@ -11345,102 +11487,18 @@
         </p:blipFill>
         <p:spPr>
           <a:xfrm>
-            <a:off x="9091898" y="138352"/>
-            <a:ext cx="2483877" cy="6690442"/>
+            <a:off x="1377377" y="3634580"/>
+            <a:ext cx="9437245" cy="1623612"/>
           </a:xfrm>
           <a:prstGeom prst="rect">
             <a:avLst/>
           </a:prstGeom>
         </p:spPr>
       </p:pic>
-      <p:sp>
-        <p:nvSpPr>
-          <p:cNvPr id="14" name="TextBox 13">
-            <a:extLst>
-              <a:ext uri="{FF2B5EF4-FFF2-40B4-BE49-F238E27FC236}">
-                <a16:creationId xmlns:a16="http://schemas.microsoft.com/office/drawing/2014/main" id="{8A847973-0319-9B4F-B5CD-4F522B13162B}"/>
-              </a:ext>
-            </a:extLst>
-          </p:cNvPr>
-          <p:cNvSpPr txBox="1"/>
-          <p:nvPr/>
-        </p:nvSpPr>
-        <p:spPr>
-          <a:xfrm>
-            <a:off x="1154104" y="3882972"/>
-            <a:ext cx="8424781" cy="477054"/>
-          </a:xfrm>
-          <a:prstGeom prst="rect">
-            <a:avLst/>
-          </a:prstGeom>
-          <a:noFill/>
-        </p:spPr>
-        <p:txBody>
-          <a:bodyPr wrap="square" rtlCol="0">
-            <a:spAutoFit/>
-          </a:bodyPr>
-          <a:lstStyle/>
-          <a:p>
-            <a:r>
-              <a:rPr lang="en-US" sz="2500" b="1" dirty="0">
-                <a:latin typeface="Times New Roman" panose="02020603050405020304" pitchFamily="18" charset="0"/>
-                <a:cs typeface="Times New Roman" panose="02020603050405020304" pitchFamily="18" charset="0"/>
-              </a:rPr>
-              <a:t>Enhancing the Dependency Mechanism of </a:t>
-            </a:r>
-            <a:r>
-              <a:rPr lang="en-US" sz="2500" b="1" dirty="0" err="1">
-                <a:latin typeface="Times New Roman" panose="02020603050405020304" pitchFamily="18" charset="0"/>
-                <a:cs typeface="Times New Roman" panose="02020603050405020304" pitchFamily="18" charset="0"/>
-              </a:rPr>
-              <a:t>RoBERTa</a:t>
-            </a:r>
-            <a:endParaRPr lang="en-US" sz="2500" dirty="0">
-              <a:latin typeface="Times New Roman" panose="02020603050405020304" pitchFamily="18" charset="0"/>
-              <a:cs typeface="Times New Roman" panose="02020603050405020304" pitchFamily="18" charset="0"/>
-            </a:endParaRPr>
-          </a:p>
-        </p:txBody>
-      </p:sp>
-      <p:sp>
-        <p:nvSpPr>
-          <p:cNvPr id="8" name="文字方塊 7">
-            <a:extLst>
-              <a:ext uri="{FF2B5EF4-FFF2-40B4-BE49-F238E27FC236}">
-                <a16:creationId xmlns:a16="http://schemas.microsoft.com/office/drawing/2014/main" id="{CA9DE776-E94C-47BA-B7C4-BC7427DC5373}"/>
-              </a:ext>
-            </a:extLst>
-          </p:cNvPr>
-          <p:cNvSpPr txBox="1"/>
-          <p:nvPr/>
-        </p:nvSpPr>
-        <p:spPr>
-          <a:xfrm>
-            <a:off x="11484528" y="6493241"/>
-            <a:ext cx="805343" cy="276999"/>
-          </a:xfrm>
-          <a:prstGeom prst="rect">
-            <a:avLst/>
-          </a:prstGeom>
-          <a:noFill/>
-        </p:spPr>
-        <p:txBody>
-          <a:bodyPr wrap="square" rtlCol="0">
-            <a:spAutoFit/>
-          </a:bodyPr>
-          <a:lstStyle/>
-          <a:p>
-            <a:r>
-              <a:rPr lang="en-US" sz="1200" dirty="0"/>
-              <a:t>12</a:t>
-            </a:r>
-          </a:p>
-        </p:txBody>
-      </p:sp>
     </p:spTree>
     <p:extLst>
       <p:ext uri="{BB962C8B-B14F-4D97-AF65-F5344CB8AC3E}">
-        <p14:creationId xmlns:p14="http://schemas.microsoft.com/office/powerpoint/2010/main" val="2301789250"/>
+        <p14:creationId xmlns:p14="http://schemas.microsoft.com/office/powerpoint/2010/main" val="3234856110"/>
       </p:ext>
     </p:extLst>
   </p:cSld>
@@ -11505,8 +11563,129 @@
           <a:p>
             <a:r>
               <a:rPr lang="en-US" sz="2800" b="1" dirty="0"/>
-              <a:t>Optimization: Statistics</a:t>
-            </a:r>
+              <a:t>Improved Learning Model:  EDM-</a:t>
+            </a:r>
+            <a:r>
+              <a:rPr lang="en-US" sz="2800" b="1" dirty="0" err="1"/>
+              <a:t>RoBERTa</a:t>
+            </a:r>
+            <a:endParaRPr lang="en-US" sz="2800" b="1" dirty="0"/>
+          </a:p>
+        </p:txBody>
+      </p:sp>
+      <p:sp>
+        <p:nvSpPr>
+          <p:cNvPr id="5" name="TextBox 4">
+            <a:extLst>
+              <a:ext uri="{FF2B5EF4-FFF2-40B4-BE49-F238E27FC236}">
+                <a16:creationId xmlns:a16="http://schemas.microsoft.com/office/drawing/2014/main" id="{0F0A5022-A9F2-4143-B927-A449071B04E6}"/>
+              </a:ext>
+            </a:extLst>
+          </p:cNvPr>
+          <p:cNvSpPr txBox="1"/>
+          <p:nvPr/>
+        </p:nvSpPr>
+        <p:spPr>
+          <a:xfrm>
+            <a:off x="952373" y="1568534"/>
+            <a:ext cx="6384248" cy="461665"/>
+          </a:xfrm>
+          <a:prstGeom prst="rect">
+            <a:avLst/>
+          </a:prstGeom>
+          <a:noFill/>
+        </p:spPr>
+        <p:txBody>
+          <a:bodyPr wrap="none" rtlCol="0">
+            <a:spAutoFit/>
+          </a:bodyPr>
+          <a:lstStyle/>
+          <a:p>
+            <a:pPr marL="342900" indent="-342900">
+              <a:buFont typeface="Arial" panose="020B0604020202020204" pitchFamily="34" charset="0"/>
+              <a:buChar char="•"/>
+            </a:pPr>
+            <a:r>
+              <a:rPr lang="en-US" sz="2400" dirty="0">
+                <a:latin typeface="Calibri" panose="020F0502020204030204" pitchFamily="34" charset="0"/>
+                <a:cs typeface="Calibri" panose="020F0502020204030204" pitchFamily="34" charset="0"/>
+              </a:rPr>
+              <a:t>Choose the best-performed model: </a:t>
+            </a:r>
+            <a:r>
+              <a:rPr lang="en-US" sz="2400" b="1" dirty="0" err="1">
+                <a:latin typeface="Times New Roman" panose="02020603050405020304" pitchFamily="18" charset="0"/>
+                <a:cs typeface="Times New Roman" panose="02020603050405020304" pitchFamily="18" charset="0"/>
+              </a:rPr>
+              <a:t>RoBERTa</a:t>
+            </a:r>
+            <a:r>
+              <a:rPr lang="en-US" sz="2400" dirty="0">
+                <a:latin typeface="Calibri" panose="020F0502020204030204" pitchFamily="34" charset="0"/>
+                <a:cs typeface="Calibri" panose="020F0502020204030204" pitchFamily="34" charset="0"/>
+              </a:rPr>
+              <a:t> </a:t>
+            </a:r>
+          </a:p>
+        </p:txBody>
+      </p:sp>
+      <p:sp>
+        <p:nvSpPr>
+          <p:cNvPr id="6" name="TextBox 5">
+            <a:extLst>
+              <a:ext uri="{FF2B5EF4-FFF2-40B4-BE49-F238E27FC236}">
+                <a16:creationId xmlns:a16="http://schemas.microsoft.com/office/drawing/2014/main" id="{F0562E0E-EEBC-9146-9A8A-71CE457A66D7}"/>
+              </a:ext>
+            </a:extLst>
+          </p:cNvPr>
+          <p:cNvSpPr txBox="1"/>
+          <p:nvPr/>
+        </p:nvSpPr>
+        <p:spPr>
+          <a:xfrm>
+            <a:off x="952373" y="2376449"/>
+            <a:ext cx="6661566" cy="461665"/>
+          </a:xfrm>
+          <a:prstGeom prst="rect">
+            <a:avLst/>
+          </a:prstGeom>
+          <a:noFill/>
+        </p:spPr>
+        <p:txBody>
+          <a:bodyPr wrap="square" rtlCol="0">
+            <a:spAutoFit/>
+          </a:bodyPr>
+          <a:lstStyle/>
+          <a:p>
+            <a:pPr marL="342900" indent="-342900">
+              <a:buFont typeface="Arial" panose="020B0604020202020204" pitchFamily="34" charset="0"/>
+              <a:buChar char="•"/>
+            </a:pPr>
+            <a:r>
+              <a:rPr lang="en-US" sz="2400" b="1" dirty="0">
+                <a:latin typeface="Calibri" panose="020F0502020204030204" pitchFamily="34" charset="0"/>
+                <a:cs typeface="Calibri" panose="020F0502020204030204" pitchFamily="34" charset="0"/>
+              </a:rPr>
+              <a:t>Optimize the </a:t>
+            </a:r>
+            <a:r>
+              <a:rPr lang="en-US" sz="2400" b="1" dirty="0" err="1">
+                <a:latin typeface="Calibri" panose="020F0502020204030204" pitchFamily="34" charset="0"/>
+                <a:cs typeface="Calibri" panose="020F0502020204030204" pitchFamily="34" charset="0"/>
+              </a:rPr>
+              <a:t>RoBERTa</a:t>
+            </a:r>
+            <a:r>
+              <a:rPr lang="en-US" sz="2400" b="1" dirty="0">
+                <a:latin typeface="Calibri" panose="020F0502020204030204" pitchFamily="34" charset="0"/>
+                <a:cs typeface="Calibri" panose="020F0502020204030204" pitchFamily="34" charset="0"/>
+              </a:rPr>
+              <a:t> model with Boom Layer</a:t>
+            </a:r>
+            <a:endParaRPr lang="en-US" sz="2400" dirty="0">
+              <a:latin typeface="Calibri" panose="020F0502020204030204" pitchFamily="34" charset="0"/>
+              <a:cs typeface="Calibri" panose="020F0502020204030204" pitchFamily="34" charset="0"/>
+            </a:endParaRPr>
           </a:p>
         </p:txBody>
       </p:sp>
@@ -11515,7 +11694,7 @@
           <p:cNvPr id="7" name="Picture 6">
             <a:extLst>
               <a:ext uri="{FF2B5EF4-FFF2-40B4-BE49-F238E27FC236}">
-                <a16:creationId xmlns:a16="http://schemas.microsoft.com/office/drawing/2014/main" id="{3EA49A00-B665-BB4E-8414-F14A25C37FAF}"/>
+                <a16:creationId xmlns:a16="http://schemas.microsoft.com/office/drawing/2014/main" id="{03DD16DF-6DDD-1440-BEC6-E2C893E34BBD}"/>
               </a:ext>
             </a:extLst>
           </p:cNvPr>
@@ -11538,56 +11717,20 @@
         </p:blipFill>
         <p:spPr>
           <a:xfrm>
-            <a:off x="817123" y="1479649"/>
-            <a:ext cx="8716836" cy="2237989"/>
+            <a:off x="8858536" y="28820"/>
+            <a:ext cx="2516459" cy="6778202"/>
           </a:xfrm>
           <a:prstGeom prst="rect">
             <a:avLst/>
           </a:prstGeom>
         </p:spPr>
       </p:pic>
-      <p:pic>
-        <p:nvPicPr>
-          <p:cNvPr id="9" name="Picture 8">
-            <a:extLst>
-              <a:ext uri="{FF2B5EF4-FFF2-40B4-BE49-F238E27FC236}">
-                <a16:creationId xmlns:a16="http://schemas.microsoft.com/office/drawing/2014/main" id="{039B4765-42F5-9541-BC34-8ACF710B3366}"/>
-              </a:ext>
-            </a:extLst>
-          </p:cNvPr>
-          <p:cNvPicPr>
-            <a:picLocks noChangeAspect="1"/>
-          </p:cNvPicPr>
-          <p:nvPr/>
-        </p:nvPicPr>
-        <p:blipFill>
-          <a:blip r:embed="rId4">
-            <a:extLst>
-              <a:ext uri="{28A0092B-C50C-407E-A947-70E740481C1C}">
-                <a14:useLocalDpi xmlns:a14="http://schemas.microsoft.com/office/drawing/2010/main" val="0"/>
-              </a:ext>
-            </a:extLst>
-          </a:blip>
-          <a:stretch>
-            <a:fillRect/>
-          </a:stretch>
-        </p:blipFill>
-        <p:spPr>
-          <a:xfrm>
-            <a:off x="2869660" y="4330567"/>
-            <a:ext cx="9015380" cy="2237989"/>
-          </a:xfrm>
-          <a:prstGeom prst="rect">
-            <a:avLst/>
-          </a:prstGeom>
-        </p:spPr>
-      </p:pic>
-      <p:sp>
-        <p:nvSpPr>
-          <p:cNvPr id="5" name="文字方塊 4">
-            <a:extLst>
-              <a:ext uri="{FF2B5EF4-FFF2-40B4-BE49-F238E27FC236}">
-                <a16:creationId xmlns:a16="http://schemas.microsoft.com/office/drawing/2014/main" id="{41506C6F-93EE-49C5-88F9-1B83EB3738F0}"/>
+      <p:sp>
+        <p:nvSpPr>
+          <p:cNvPr id="14" name="TextBox 13">
+            <a:extLst>
+              <a:ext uri="{FF2B5EF4-FFF2-40B4-BE49-F238E27FC236}">
+                <a16:creationId xmlns:a16="http://schemas.microsoft.com/office/drawing/2014/main" id="{8A847973-0319-9B4F-B5CD-4F522B13162B}"/>
               </a:ext>
             </a:extLst>
           </p:cNvPr>
@@ -11596,8 +11739,8 @@
         </p:nvSpPr>
         <p:spPr>
           <a:xfrm>
-            <a:off x="11484528" y="6493241"/>
-            <a:ext cx="805343" cy="276999"/>
+            <a:off x="1154104" y="3882972"/>
+            <a:ext cx="8424781" cy="477054"/>
           </a:xfrm>
           <a:prstGeom prst="rect">
             <a:avLst/>
@@ -11611,8 +11754,57 @@
           <a:lstStyle/>
           <a:p>
             <a:r>
+              <a:rPr lang="en-US" sz="2500" b="1" dirty="0">
+                <a:latin typeface="Times New Roman" panose="02020603050405020304" pitchFamily="18" charset="0"/>
+                <a:cs typeface="Times New Roman" panose="02020603050405020304" pitchFamily="18" charset="0"/>
+              </a:rPr>
+              <a:t>Enhancing the Dependency Mechanism of </a:t>
+            </a:r>
+            <a:r>
+              <a:rPr lang="en-US" sz="2500" b="1" dirty="0" err="1">
+                <a:latin typeface="Times New Roman" panose="02020603050405020304" pitchFamily="18" charset="0"/>
+                <a:cs typeface="Times New Roman" panose="02020603050405020304" pitchFamily="18" charset="0"/>
+              </a:rPr>
+              <a:t>RoBERTa</a:t>
+            </a:r>
+            <a:endParaRPr lang="en-US" sz="2500" dirty="0">
+              <a:latin typeface="Times New Roman" panose="02020603050405020304" pitchFamily="18" charset="0"/>
+              <a:cs typeface="Times New Roman" panose="02020603050405020304" pitchFamily="18" charset="0"/>
+            </a:endParaRPr>
+          </a:p>
+        </p:txBody>
+      </p:sp>
+      <p:sp>
+        <p:nvSpPr>
+          <p:cNvPr id="8" name="文字方塊 7">
+            <a:extLst>
+              <a:ext uri="{FF2B5EF4-FFF2-40B4-BE49-F238E27FC236}">
+                <a16:creationId xmlns:a16="http://schemas.microsoft.com/office/drawing/2014/main" id="{CA9DE776-E94C-47BA-B7C4-BC7427DC5373}"/>
+              </a:ext>
+            </a:extLst>
+          </p:cNvPr>
+          <p:cNvSpPr txBox="1"/>
+          <p:nvPr/>
+        </p:nvSpPr>
+        <p:spPr>
+          <a:xfrm>
+            <a:off x="11484528" y="6493241"/>
+            <a:ext cx="805343" cy="276999"/>
+          </a:xfrm>
+          <a:prstGeom prst="rect">
+            <a:avLst/>
+          </a:prstGeom>
+          <a:noFill/>
+        </p:spPr>
+        <p:txBody>
+          <a:bodyPr wrap="square" rtlCol="0">
+            <a:spAutoFit/>
+          </a:bodyPr>
+          <a:lstStyle/>
+          <a:p>
+            <a:r>
               <a:rPr lang="en-US" sz="1200" dirty="0"/>
-              <a:t>13</a:t>
+              <a:t>12</a:t>
             </a:r>
           </a:p>
         </p:txBody>
@@ -11620,7 +11812,7 @@
     </p:spTree>
     <p:extLst>
       <p:ext uri="{BB962C8B-B14F-4D97-AF65-F5344CB8AC3E}">
-        <p14:creationId xmlns:p14="http://schemas.microsoft.com/office/powerpoint/2010/main" val="1987724706"/>
+        <p14:creationId xmlns:p14="http://schemas.microsoft.com/office/powerpoint/2010/main" val="2301789250"/>
       </p:ext>
     </p:extLst>
   </p:cSld>
@@ -11670,7 +11862,7 @@
         <p:spPr>
           <a:xfrm>
             <a:off x="616225" y="569844"/>
-            <a:ext cx="11008328" cy="523220"/>
+            <a:ext cx="9500541" cy="523220"/>
           </a:xfrm>
           <a:prstGeom prst="rect">
             <a:avLst/>
@@ -11685,30 +11877,17 @@
           <a:p>
             <a:r>
               <a:rPr lang="en-US" sz="2800" b="1" dirty="0"/>
-              <a:t>EDM-</a:t>
-            </a:r>
-            <a:r>
-              <a:rPr lang="en-US" sz="2800" b="1" dirty="0" err="1"/>
-              <a:t>RoBERTa</a:t>
-            </a:r>
-            <a:r>
-              <a:rPr lang="en-US" sz="2800" b="1" dirty="0"/>
-              <a:t>: Enhancing the Dependency Structure of </a:t>
-            </a:r>
-            <a:r>
-              <a:rPr lang="en-US" sz="2800" b="1" dirty="0" err="1"/>
-              <a:t>RoBERTa</a:t>
-            </a:r>
-            <a:endParaRPr lang="en-US" sz="2800" b="1" dirty="0"/>
+              <a:t>Optimization: Statistics</a:t>
+            </a:r>
           </a:p>
         </p:txBody>
       </p:sp>
       <p:pic>
         <p:nvPicPr>
-          <p:cNvPr id="4" name="Picture 3">
-            <a:extLst>
-              <a:ext uri="{FF2B5EF4-FFF2-40B4-BE49-F238E27FC236}">
-                <a16:creationId xmlns:a16="http://schemas.microsoft.com/office/drawing/2014/main" id="{01A05A17-4134-CB42-BA18-D7A967D0F2DB}"/>
+          <p:cNvPr id="7" name="Picture 6">
+            <a:extLst>
+              <a:ext uri="{FF2B5EF4-FFF2-40B4-BE49-F238E27FC236}">
+                <a16:creationId xmlns:a16="http://schemas.microsoft.com/office/drawing/2014/main" id="{3EA49A00-B665-BB4E-8414-F14A25C37FAF}"/>
               </a:ext>
             </a:extLst>
           </p:cNvPr>
@@ -11731,20 +11910,56 @@
         </p:blipFill>
         <p:spPr>
           <a:xfrm>
-            <a:off x="1589975" y="2907884"/>
-            <a:ext cx="9012050" cy="1757124"/>
+            <a:off x="817123" y="1479649"/>
+            <a:ext cx="8716836" cy="2237989"/>
           </a:xfrm>
           <a:prstGeom prst="rect">
             <a:avLst/>
           </a:prstGeom>
         </p:spPr>
       </p:pic>
-      <p:sp>
-        <p:nvSpPr>
-          <p:cNvPr id="5" name="TextBox 4">
-            <a:extLst>
-              <a:ext uri="{FF2B5EF4-FFF2-40B4-BE49-F238E27FC236}">
-                <a16:creationId xmlns:a16="http://schemas.microsoft.com/office/drawing/2014/main" id="{7143B78D-B6B3-474D-B531-66EC4DED1CA1}"/>
+      <p:pic>
+        <p:nvPicPr>
+          <p:cNvPr id="9" name="Picture 8">
+            <a:extLst>
+              <a:ext uri="{FF2B5EF4-FFF2-40B4-BE49-F238E27FC236}">
+                <a16:creationId xmlns:a16="http://schemas.microsoft.com/office/drawing/2014/main" id="{039B4765-42F5-9541-BC34-8ACF710B3366}"/>
+              </a:ext>
+            </a:extLst>
+          </p:cNvPr>
+          <p:cNvPicPr>
+            <a:picLocks noChangeAspect="1"/>
+          </p:cNvPicPr>
+          <p:nvPr/>
+        </p:nvPicPr>
+        <p:blipFill>
+          <a:blip r:embed="rId4">
+            <a:extLst>
+              <a:ext uri="{28A0092B-C50C-407E-A947-70E740481C1C}">
+                <a14:useLocalDpi xmlns:a14="http://schemas.microsoft.com/office/drawing/2010/main" val="0"/>
+              </a:ext>
+            </a:extLst>
+          </a:blip>
+          <a:stretch>
+            <a:fillRect/>
+          </a:stretch>
+        </p:blipFill>
+        <p:spPr>
+          <a:xfrm>
+            <a:off x="2869660" y="4330567"/>
+            <a:ext cx="9015380" cy="2237989"/>
+          </a:xfrm>
+          <a:prstGeom prst="rect">
+            <a:avLst/>
+          </a:prstGeom>
+        </p:spPr>
+      </p:pic>
+      <p:sp>
+        <p:nvSpPr>
+          <p:cNvPr id="5" name="文字方塊 4">
+            <a:extLst>
+              <a:ext uri="{FF2B5EF4-FFF2-40B4-BE49-F238E27FC236}">
+                <a16:creationId xmlns:a16="http://schemas.microsoft.com/office/drawing/2014/main" id="{41506C6F-93EE-49C5-88F9-1B83EB3738F0}"/>
               </a:ext>
             </a:extLst>
           </p:cNvPr>
@@ -11753,8 +11968,8 @@
         </p:nvSpPr>
         <p:spPr>
           <a:xfrm>
-            <a:off x="1322962" y="1780162"/>
-            <a:ext cx="5985293" cy="477054"/>
+            <a:off x="11484528" y="6493241"/>
+            <a:ext cx="805343" cy="276999"/>
           </a:xfrm>
           <a:prstGeom prst="rect">
             <a:avLst/>
@@ -11762,50 +11977,6 @@
           <a:noFill/>
         </p:spPr>
         <p:txBody>
-          <a:bodyPr wrap="none" rtlCol="0">
-            <a:spAutoFit/>
-          </a:bodyPr>
-          <a:lstStyle/>
-          <a:p>
-            <a:pPr marL="342900" indent="-342900">
-              <a:buFont typeface="Arial" panose="020B0604020202020204" pitchFamily="34" charset="0"/>
-              <a:buChar char="•"/>
-            </a:pPr>
-            <a:r>
-              <a:rPr lang="en-US" sz="2500" b="1" dirty="0"/>
-              <a:t>Detailed parameters of EDM-</a:t>
-            </a:r>
-            <a:r>
-              <a:rPr lang="en-US" sz="2500" b="1" dirty="0" err="1"/>
-              <a:t>RoBERTa</a:t>
-            </a:r>
-            <a:endParaRPr lang="en-US" sz="2500" b="1" dirty="0"/>
-          </a:p>
-        </p:txBody>
-      </p:sp>
-      <p:sp>
-        <p:nvSpPr>
-          <p:cNvPr id="6" name="文字方塊 5">
-            <a:extLst>
-              <a:ext uri="{FF2B5EF4-FFF2-40B4-BE49-F238E27FC236}">
-                <a16:creationId xmlns:a16="http://schemas.microsoft.com/office/drawing/2014/main" id="{F1369C88-80E7-407E-80FA-2D871FE3345B}"/>
-              </a:ext>
-            </a:extLst>
-          </p:cNvPr>
-          <p:cNvSpPr txBox="1"/>
-          <p:nvPr/>
-        </p:nvSpPr>
-        <p:spPr>
-          <a:xfrm>
-            <a:off x="11484528" y="6493241"/>
-            <a:ext cx="805343" cy="276999"/>
-          </a:xfrm>
-          <a:prstGeom prst="rect">
-            <a:avLst/>
-          </a:prstGeom>
-          <a:noFill/>
-        </p:spPr>
-        <p:txBody>
           <a:bodyPr wrap="square" rtlCol="0">
             <a:spAutoFit/>
           </a:bodyPr>
@@ -11813,7 +11984,7 @@
           <a:p>
             <a:r>
               <a:rPr lang="en-US" sz="1200" dirty="0"/>
-              <a:t>14</a:t>
+              <a:t>13</a:t>
             </a:r>
           </a:p>
         </p:txBody>
@@ -11821,7 +11992,7 @@
     </p:spTree>
     <p:extLst>
       <p:ext uri="{BB962C8B-B14F-4D97-AF65-F5344CB8AC3E}">
-        <p14:creationId xmlns:p14="http://schemas.microsoft.com/office/powerpoint/2010/main" val="266460702"/>
+        <p14:creationId xmlns:p14="http://schemas.microsoft.com/office/powerpoint/2010/main" val="1987724706"/>
       </p:ext>
     </p:extLst>
   </p:cSld>
@@ -11886,8 +12057,21 @@
           <a:p>
             <a:r>
               <a:rPr lang="en-US" sz="2800" b="1" dirty="0"/>
-              <a:t>Runtimes &amp; Environments</a:t>
-            </a:r>
+              <a:t>EDM-</a:t>
+            </a:r>
+            <a:r>
+              <a:rPr lang="en-US" sz="2800" b="1" dirty="0" err="1"/>
+              <a:t>RoBERTa</a:t>
+            </a:r>
+            <a:r>
+              <a:rPr lang="en-US" sz="2800" b="1" dirty="0"/>
+              <a:t>: Enhancing the Dependency Structure of </a:t>
+            </a:r>
+            <a:r>
+              <a:rPr lang="en-US" sz="2800" b="1" dirty="0" err="1"/>
+              <a:t>RoBERTa</a:t>
+            </a:r>
+            <a:endParaRPr lang="en-US" sz="2800" b="1" dirty="0"/>
           </a:p>
         </p:txBody>
       </p:sp>
@@ -11896,7 +12080,7 @@
           <p:cNvPr id="4" name="Picture 3">
             <a:extLst>
               <a:ext uri="{FF2B5EF4-FFF2-40B4-BE49-F238E27FC236}">
-                <a16:creationId xmlns:a16="http://schemas.microsoft.com/office/drawing/2014/main" id="{C4D9BF90-F101-B548-82AE-FAC79A08ABF4}"/>
+                <a16:creationId xmlns:a16="http://schemas.microsoft.com/office/drawing/2014/main" id="{01A05A17-4134-CB42-BA18-D7A967D0F2DB}"/>
               </a:ext>
             </a:extLst>
           </p:cNvPr>
@@ -11919,8 +12103,8 @@
         </p:blipFill>
         <p:spPr>
           <a:xfrm>
-            <a:off x="1065604" y="1549929"/>
-            <a:ext cx="10287472" cy="3824275"/>
+            <a:off x="1589975" y="2907884"/>
+            <a:ext cx="9012050" cy="1757124"/>
           </a:xfrm>
           <a:prstGeom prst="rect">
             <a:avLst/>
@@ -11929,10 +12113,10 @@
       </p:pic>
       <p:sp>
         <p:nvSpPr>
-          <p:cNvPr id="5" name="文字方塊 4">
-            <a:extLst>
-              <a:ext uri="{FF2B5EF4-FFF2-40B4-BE49-F238E27FC236}">
-                <a16:creationId xmlns:a16="http://schemas.microsoft.com/office/drawing/2014/main" id="{181B9430-086A-4BD7-9B44-D493315FC3AE}"/>
+          <p:cNvPr id="5" name="TextBox 4">
+            <a:extLst>
+              <a:ext uri="{FF2B5EF4-FFF2-40B4-BE49-F238E27FC236}">
+                <a16:creationId xmlns:a16="http://schemas.microsoft.com/office/drawing/2014/main" id="{7143B78D-B6B3-474D-B531-66EC4DED1CA1}"/>
               </a:ext>
             </a:extLst>
           </p:cNvPr>
@@ -11941,8 +12125,8 @@
         </p:nvSpPr>
         <p:spPr>
           <a:xfrm>
-            <a:off x="11484528" y="6493241"/>
-            <a:ext cx="805343" cy="276999"/>
+            <a:off x="1322962" y="1780162"/>
+            <a:ext cx="5985293" cy="477054"/>
           </a:xfrm>
           <a:prstGeom prst="rect">
             <a:avLst/>
@@ -11950,6 +12134,50 @@
           <a:noFill/>
         </p:spPr>
         <p:txBody>
+          <a:bodyPr wrap="none" rtlCol="0">
+            <a:spAutoFit/>
+          </a:bodyPr>
+          <a:lstStyle/>
+          <a:p>
+            <a:pPr marL="342900" indent="-342900">
+              <a:buFont typeface="Arial" panose="020B0604020202020204" pitchFamily="34" charset="0"/>
+              <a:buChar char="•"/>
+            </a:pPr>
+            <a:r>
+              <a:rPr lang="en-US" sz="2500" b="1" dirty="0"/>
+              <a:t>Detailed parameters of EDM-</a:t>
+            </a:r>
+            <a:r>
+              <a:rPr lang="en-US" sz="2500" b="1" dirty="0" err="1"/>
+              <a:t>RoBERTa</a:t>
+            </a:r>
+            <a:endParaRPr lang="en-US" sz="2500" b="1" dirty="0"/>
+          </a:p>
+        </p:txBody>
+      </p:sp>
+      <p:sp>
+        <p:nvSpPr>
+          <p:cNvPr id="6" name="文字方塊 5">
+            <a:extLst>
+              <a:ext uri="{FF2B5EF4-FFF2-40B4-BE49-F238E27FC236}">
+                <a16:creationId xmlns:a16="http://schemas.microsoft.com/office/drawing/2014/main" id="{F1369C88-80E7-407E-80FA-2D871FE3345B}"/>
+              </a:ext>
+            </a:extLst>
+          </p:cNvPr>
+          <p:cNvSpPr txBox="1"/>
+          <p:nvPr/>
+        </p:nvSpPr>
+        <p:spPr>
+          <a:xfrm>
+            <a:off x="11484528" y="6493241"/>
+            <a:ext cx="805343" cy="276999"/>
+          </a:xfrm>
+          <a:prstGeom prst="rect">
+            <a:avLst/>
+          </a:prstGeom>
+          <a:noFill/>
+        </p:spPr>
+        <p:txBody>
           <a:bodyPr wrap="square" rtlCol="0">
             <a:spAutoFit/>
           </a:bodyPr>
@@ -11957,7 +12185,7 @@
           <a:p>
             <a:r>
               <a:rPr lang="en-US" sz="1200" dirty="0"/>
-              <a:t>15</a:t>
+              <a:t>14</a:t>
             </a:r>
           </a:p>
         </p:txBody>
@@ -11965,7 +12193,7 @@
     </p:spTree>
     <p:extLst>
       <p:ext uri="{BB962C8B-B14F-4D97-AF65-F5344CB8AC3E}">
-        <p14:creationId xmlns:p14="http://schemas.microsoft.com/office/powerpoint/2010/main" val="1320879586"/>
+        <p14:creationId xmlns:p14="http://schemas.microsoft.com/office/powerpoint/2010/main" val="266460702"/>
       </p:ext>
     </p:extLst>
   </p:cSld>
@@ -12218,17 +12446,53 @@
           <a:p>
             <a:r>
               <a:rPr lang="en-US" sz="2800" b="1" dirty="0"/>
-              <a:t>Conclusions</a:t>
-            </a:r>
-          </a:p>
-        </p:txBody>
-      </p:sp>
-      <p:sp>
-        <p:nvSpPr>
-          <p:cNvPr id="3" name="文字方塊 2">
-            <a:extLst>
-              <a:ext uri="{FF2B5EF4-FFF2-40B4-BE49-F238E27FC236}">
-                <a16:creationId xmlns:a16="http://schemas.microsoft.com/office/drawing/2014/main" id="{F40C8BBC-9339-4C5C-A66C-50E9ED01322F}"/>
+              <a:t>Runtimes &amp; Environments</a:t>
+            </a:r>
+          </a:p>
+        </p:txBody>
+      </p:sp>
+      <p:pic>
+        <p:nvPicPr>
+          <p:cNvPr id="4" name="Picture 3">
+            <a:extLst>
+              <a:ext uri="{FF2B5EF4-FFF2-40B4-BE49-F238E27FC236}">
+                <a16:creationId xmlns:a16="http://schemas.microsoft.com/office/drawing/2014/main" id="{C4D9BF90-F101-B548-82AE-FAC79A08ABF4}"/>
+              </a:ext>
+            </a:extLst>
+          </p:cNvPr>
+          <p:cNvPicPr>
+            <a:picLocks noChangeAspect="1"/>
+          </p:cNvPicPr>
+          <p:nvPr/>
+        </p:nvPicPr>
+        <p:blipFill>
+          <a:blip r:embed="rId3">
+            <a:extLst>
+              <a:ext uri="{28A0092B-C50C-407E-A947-70E740481C1C}">
+                <a14:useLocalDpi xmlns:a14="http://schemas.microsoft.com/office/drawing/2010/main" val="0"/>
+              </a:ext>
+            </a:extLst>
+          </a:blip>
+          <a:stretch>
+            <a:fillRect/>
+          </a:stretch>
+        </p:blipFill>
+        <p:spPr>
+          <a:xfrm>
+            <a:off x="927457" y="1581734"/>
+            <a:ext cx="10888735" cy="4047789"/>
+          </a:xfrm>
+          <a:prstGeom prst="rect">
+            <a:avLst/>
+          </a:prstGeom>
+        </p:spPr>
+      </p:pic>
+      <p:sp>
+        <p:nvSpPr>
+          <p:cNvPr id="5" name="文字方塊 4">
+            <a:extLst>
+              <a:ext uri="{FF2B5EF4-FFF2-40B4-BE49-F238E27FC236}">
+                <a16:creationId xmlns:a16="http://schemas.microsoft.com/office/drawing/2014/main" id="{181B9430-086A-4BD7-9B44-D493315FC3AE}"/>
               </a:ext>
             </a:extLst>
           </p:cNvPr>
@@ -12237,8 +12501,8 @@
         </p:nvSpPr>
         <p:spPr>
           <a:xfrm>
-            <a:off x="985534" y="1650581"/>
-            <a:ext cx="8310608" cy="430887"/>
+            <a:off x="11484528" y="6493241"/>
+            <a:ext cx="805343" cy="276999"/>
           </a:xfrm>
           <a:prstGeom prst="rect">
             <a:avLst/>
@@ -12246,41 +12510,62 @@
           <a:noFill/>
         </p:spPr>
         <p:txBody>
-          <a:bodyPr wrap="none" rtlCol="0">
+          <a:bodyPr wrap="square" rtlCol="0">
             <a:spAutoFit/>
           </a:bodyPr>
           <a:lstStyle/>
           <a:p>
             <a:r>
-              <a:rPr lang="en-US" sz="2200" dirty="0">
-                <a:latin typeface="Calibri" panose="020F0502020204030204" pitchFamily="34" charset="0"/>
-                <a:cs typeface="Calibri" panose="020F0502020204030204" pitchFamily="34" charset="0"/>
-              </a:rPr>
-              <a:t>We introduced a language representation model called EDM-</a:t>
-            </a:r>
-            <a:r>
-              <a:rPr lang="en-US" sz="2200" dirty="0" err="1">
-                <a:latin typeface="Calibri" panose="020F0502020204030204" pitchFamily="34" charset="0"/>
-                <a:cs typeface="Calibri" panose="020F0502020204030204" pitchFamily="34" charset="0"/>
-              </a:rPr>
-              <a:t>RoBERTa</a:t>
-            </a:r>
-            <a:r>
-              <a:rPr lang="en-US" sz="2200" dirty="0">
-                <a:latin typeface="Calibri" panose="020F0502020204030204" pitchFamily="34" charset="0"/>
-                <a:cs typeface="Calibri" panose="020F0502020204030204" pitchFamily="34" charset="0"/>
-              </a:rPr>
-              <a:t>.</a:t>
-            </a:r>
-          </a:p>
-        </p:txBody>
-      </p:sp>
-      <p:sp>
-        <p:nvSpPr>
-          <p:cNvPr id="4" name="文字方塊 3">
-            <a:extLst>
-              <a:ext uri="{FF2B5EF4-FFF2-40B4-BE49-F238E27FC236}">
-                <a16:creationId xmlns:a16="http://schemas.microsoft.com/office/drawing/2014/main" id="{535C972E-20D5-4DCB-AFBB-E1252A03BA81}"/>
+              <a:rPr lang="en-US" sz="1200" dirty="0"/>
+              <a:t>15</a:t>
+            </a:r>
+          </a:p>
+        </p:txBody>
+      </p:sp>
+    </p:spTree>
+    <p:extLst>
+      <p:ext uri="{BB962C8B-B14F-4D97-AF65-F5344CB8AC3E}">
+        <p14:creationId xmlns:p14="http://schemas.microsoft.com/office/powerpoint/2010/main" val="1320879586"/>
+      </p:ext>
+    </p:extLst>
+  </p:cSld>
+  <p:clrMapOvr>
+    <a:masterClrMapping/>
+  </p:clrMapOvr>
+</p:sld>
+</file>
+
+<file path=ppt/slides/slide21.xml><?xml version="1.0" encoding="utf-8"?>
+<p:sld xmlns:a="http://schemas.openxmlformats.org/drawingml/2006/main" xmlns:r="http://schemas.openxmlformats.org/officeDocument/2006/relationships" xmlns:p="http://schemas.openxmlformats.org/presentationml/2006/main">
+  <p:cSld>
+    <p:bg>
+      <p:bgPr>
+        <a:solidFill>
+          <a:schemeClr val="bg1"/>
+        </a:solidFill>
+        <a:effectLst/>
+      </p:bgPr>
+    </p:bg>
+    <p:spTree>
+      <p:nvGrpSpPr>
+        <p:cNvPr id="1" name=""/>
+        <p:cNvGrpSpPr/>
+        <p:nvPr/>
+      </p:nvGrpSpPr>
+      <p:grpSpPr>
+        <a:xfrm>
+          <a:off x="0" y="0"/>
+          <a:ext cx="0" cy="0"/>
+          <a:chOff x="0" y="0"/>
+          <a:chExt cx="0" cy="0"/>
+        </a:xfrm>
+      </p:grpSpPr>
+      <p:sp>
+        <p:nvSpPr>
+          <p:cNvPr id="2" name="文字方塊 9">
+            <a:extLst>
+              <a:ext uri="{FF2B5EF4-FFF2-40B4-BE49-F238E27FC236}">
+                <a16:creationId xmlns:a16="http://schemas.microsoft.com/office/drawing/2014/main" id="{1472181F-E1C9-5B4B-AC5F-B6ABF9C576B7}"/>
               </a:ext>
             </a:extLst>
           </p:cNvPr>
@@ -12289,8 +12574,8 @@
         </p:nvSpPr>
         <p:spPr>
           <a:xfrm>
-            <a:off x="985534" y="2704754"/>
-            <a:ext cx="10927800" cy="769441"/>
+            <a:off x="616225" y="569844"/>
+            <a:ext cx="11008328" cy="523220"/>
           </a:xfrm>
           <a:prstGeom prst="rect">
             <a:avLst/>
@@ -12298,50 +12583,24 @@
           <a:noFill/>
         </p:spPr>
         <p:txBody>
-          <a:bodyPr wrap="none" rtlCol="0">
+          <a:bodyPr wrap="square" rtlCol="0">
             <a:spAutoFit/>
           </a:bodyPr>
           <a:lstStyle/>
           <a:p>
             <a:r>
-              <a:rPr lang="en-US" sz="2200" dirty="0">
-                <a:latin typeface="Calibri" panose="020F0502020204030204" pitchFamily="34" charset="0"/>
-                <a:cs typeface="Calibri" panose="020F0502020204030204" pitchFamily="34" charset="0"/>
-              </a:rPr>
-              <a:t>EDM-</a:t>
-            </a:r>
-            <a:r>
-              <a:rPr lang="en-US" sz="2200" dirty="0" err="1">
-                <a:latin typeface="Calibri" panose="020F0502020204030204" pitchFamily="34" charset="0"/>
-                <a:cs typeface="Calibri" panose="020F0502020204030204" pitchFamily="34" charset="0"/>
-              </a:rPr>
-              <a:t>RoBERTa</a:t>
-            </a:r>
-            <a:r>
-              <a:rPr lang="en-US" sz="2200" dirty="0">
-                <a:latin typeface="Calibri" panose="020F0502020204030204" pitchFamily="34" charset="0"/>
-                <a:cs typeface="Calibri" panose="020F0502020204030204" pitchFamily="34" charset="0"/>
-              </a:rPr>
-              <a:t> is designed to improve the dependency mechanism, and fine-tune the whole </a:t>
-            </a:r>
-          </a:p>
-          <a:p>
-            <a:r>
-              <a:rPr lang="en-US" sz="2200" dirty="0">
-                <a:latin typeface="Calibri" panose="020F0502020204030204" pitchFamily="34" charset="0"/>
-                <a:cs typeface="Calibri" panose="020F0502020204030204" pitchFamily="34" charset="0"/>
-              </a:rPr>
-              <a:t>model with sentiment analysis datasets.</a:t>
-            </a:r>
-          </a:p>
-        </p:txBody>
-      </p:sp>
-      <p:sp>
-        <p:nvSpPr>
-          <p:cNvPr id="5" name="文字方塊 4">
-            <a:extLst>
-              <a:ext uri="{FF2B5EF4-FFF2-40B4-BE49-F238E27FC236}">
-                <a16:creationId xmlns:a16="http://schemas.microsoft.com/office/drawing/2014/main" id="{1ED8058D-F274-4F85-8FE0-141F54DE55C1}"/>
+              <a:rPr lang="en-US" sz="2800" b="1" dirty="0"/>
+              <a:t>Conclusions</a:t>
+            </a:r>
+          </a:p>
+        </p:txBody>
+      </p:sp>
+      <p:sp>
+        <p:nvSpPr>
+          <p:cNvPr id="3" name="文字方塊 2">
+            <a:extLst>
+              <a:ext uri="{FF2B5EF4-FFF2-40B4-BE49-F238E27FC236}">
+                <a16:creationId xmlns:a16="http://schemas.microsoft.com/office/drawing/2014/main" id="{F40C8BBC-9339-4C5C-A66C-50E9ED01322F}"/>
               </a:ext>
             </a:extLst>
           </p:cNvPr>
@@ -12350,8 +12609,8 @@
         </p:nvSpPr>
         <p:spPr>
           <a:xfrm>
-            <a:off x="985534" y="4013359"/>
-            <a:ext cx="10661060" cy="769441"/>
+            <a:off x="985534" y="1650581"/>
+            <a:ext cx="8310608" cy="430887"/>
           </a:xfrm>
           <a:prstGeom prst="rect">
             <a:avLst/>
@@ -12366,29 +12625,34 @@
           <a:p>
             <a:r>
               <a:rPr lang="en-US" sz="2200" dirty="0">
-                <a:latin typeface="Calibri" panose="020F0502020204030204" pitchFamily="34" charset="0"/>
-                <a:cs typeface="Calibri" panose="020F0502020204030204" pitchFamily="34" charset="0"/>
+                <a:latin typeface="Times New Roman" panose="02020603050405020304" pitchFamily="18" charset="0"/>
+                <a:cs typeface="Times New Roman" panose="02020603050405020304" pitchFamily="18" charset="0"/>
               </a:rPr>
-              <a:t>Experiments and statistics show our proposed model successfully enhance the dependency </a:t>
-            </a:r>
-          </a:p>
-          <a:p>
+              <a:t>We introduced a language representation model called EDM-</a:t>
+            </a:r>
+            <a:r>
+              <a:rPr lang="en-US" sz="2200" dirty="0" err="1">
+                <a:latin typeface="Times New Roman" panose="02020603050405020304" pitchFamily="18" charset="0"/>
+                <a:cs typeface="Times New Roman" panose="02020603050405020304" pitchFamily="18" charset="0"/>
+              </a:rPr>
+              <a:t>RoBERTa</a:t>
+            </a:r>
             <a:r>
               <a:rPr lang="en-US" sz="2200" dirty="0">
-                <a:latin typeface="Calibri" panose="020F0502020204030204" pitchFamily="34" charset="0"/>
-                <a:cs typeface="Calibri" panose="020F0502020204030204" pitchFamily="34" charset="0"/>
+                <a:latin typeface="Times New Roman" panose="02020603050405020304" pitchFamily="18" charset="0"/>
+                <a:cs typeface="Times New Roman" panose="02020603050405020304" pitchFamily="18" charset="0"/>
               </a:rPr>
-              <a:t>mechanism on local context.</a:t>
-            </a:r>
-          </a:p>
-        </p:txBody>
-      </p:sp>
-      <p:sp>
-        <p:nvSpPr>
-          <p:cNvPr id="6" name="文字方塊 5">
-            <a:extLst>
-              <a:ext uri="{FF2B5EF4-FFF2-40B4-BE49-F238E27FC236}">
-                <a16:creationId xmlns:a16="http://schemas.microsoft.com/office/drawing/2014/main" id="{4F61AFF0-1A69-4A7E-B1DF-D76B12F32D41}"/>
+              <a:t>.</a:t>
+            </a:r>
+          </a:p>
+        </p:txBody>
+      </p:sp>
+      <p:sp>
+        <p:nvSpPr>
+          <p:cNvPr id="4" name="文字方塊 3">
+            <a:extLst>
+              <a:ext uri="{FF2B5EF4-FFF2-40B4-BE49-F238E27FC236}">
+                <a16:creationId xmlns:a16="http://schemas.microsoft.com/office/drawing/2014/main" id="{535C972E-20D5-4DCB-AFBB-E1252A03BA81}"/>
               </a:ext>
             </a:extLst>
           </p:cNvPr>
@@ -12397,8 +12661,8 @@
         </p:nvSpPr>
         <p:spPr>
           <a:xfrm>
-            <a:off x="985534" y="5124208"/>
-            <a:ext cx="11206466" cy="769441"/>
+            <a:off x="985534" y="2638985"/>
+            <a:ext cx="10927800" cy="769441"/>
           </a:xfrm>
           <a:prstGeom prst="rect">
             <a:avLst/>
@@ -12413,70 +12677,178 @@
           <a:p>
             <a:r>
               <a:rPr lang="en-US" sz="2200" dirty="0">
-                <a:latin typeface="Calibri" panose="020F0502020204030204" pitchFamily="34" charset="0"/>
-                <a:cs typeface="Calibri" panose="020F0502020204030204" pitchFamily="34" charset="0"/>
+                <a:latin typeface="Times New Roman" panose="02020603050405020304" pitchFamily="18" charset="0"/>
+                <a:cs typeface="Times New Roman" panose="02020603050405020304" pitchFamily="18" charset="0"/>
               </a:rPr>
               <a:t>EDM-</a:t>
             </a:r>
             <a:r>
               <a:rPr lang="en-US" sz="2200" dirty="0" err="1">
-                <a:latin typeface="Calibri" panose="020F0502020204030204" pitchFamily="34" charset="0"/>
-                <a:cs typeface="Calibri" panose="020F0502020204030204" pitchFamily="34" charset="0"/>
+                <a:latin typeface="Times New Roman" panose="02020603050405020304" pitchFamily="18" charset="0"/>
+                <a:cs typeface="Times New Roman" panose="02020603050405020304" pitchFamily="18" charset="0"/>
               </a:rPr>
               <a:t>RoBERTa</a:t>
             </a:r>
             <a:r>
               <a:rPr lang="en-US" sz="2200" dirty="0">
-                <a:latin typeface="Calibri" panose="020F0502020204030204" pitchFamily="34" charset="0"/>
-                <a:cs typeface="Calibri" panose="020F0502020204030204" pitchFamily="34" charset="0"/>
+                <a:latin typeface="Times New Roman" panose="02020603050405020304" pitchFamily="18" charset="0"/>
+                <a:cs typeface="Times New Roman" panose="02020603050405020304" pitchFamily="18" charset="0"/>
+              </a:rPr>
+              <a:t> is designed to improve the dependency mechanism, and fine-tune the whole </a:t>
+            </a:r>
+          </a:p>
+          <a:p>
+            <a:r>
+              <a:rPr lang="en-US" sz="2200" dirty="0">
+                <a:latin typeface="Times New Roman" panose="02020603050405020304" pitchFamily="18" charset="0"/>
+                <a:cs typeface="Times New Roman" panose="02020603050405020304" pitchFamily="18" charset="0"/>
+              </a:rPr>
+              <a:t>model with sentiment analysis datasets.</a:t>
+            </a:r>
+          </a:p>
+        </p:txBody>
+      </p:sp>
+      <p:sp>
+        <p:nvSpPr>
+          <p:cNvPr id="5" name="文字方塊 4">
+            <a:extLst>
+              <a:ext uri="{FF2B5EF4-FFF2-40B4-BE49-F238E27FC236}">
+                <a16:creationId xmlns:a16="http://schemas.microsoft.com/office/drawing/2014/main" id="{1ED8058D-F274-4F85-8FE0-141F54DE55C1}"/>
+              </a:ext>
+            </a:extLst>
+          </p:cNvPr>
+          <p:cNvSpPr txBox="1"/>
+          <p:nvPr/>
+        </p:nvSpPr>
+        <p:spPr>
+          <a:xfrm>
+            <a:off x="985534" y="3965943"/>
+            <a:ext cx="10661060" cy="769441"/>
+          </a:xfrm>
+          <a:prstGeom prst="rect">
+            <a:avLst/>
+          </a:prstGeom>
+          <a:noFill/>
+        </p:spPr>
+        <p:txBody>
+          <a:bodyPr wrap="none" rtlCol="0">
+            <a:spAutoFit/>
+          </a:bodyPr>
+          <a:lstStyle/>
+          <a:p>
+            <a:r>
+              <a:rPr lang="en-US" sz="2200" dirty="0">
+                <a:latin typeface="Times New Roman" panose="02020603050405020304" pitchFamily="18" charset="0"/>
+                <a:cs typeface="Times New Roman" panose="02020603050405020304" pitchFamily="18" charset="0"/>
+              </a:rPr>
+              <a:t>Experiments and statistics show our proposed model successfully enhance the dependency </a:t>
+            </a:r>
+          </a:p>
+          <a:p>
+            <a:r>
+              <a:rPr lang="en-US" sz="2200" dirty="0">
+                <a:latin typeface="Times New Roman" panose="02020603050405020304" pitchFamily="18" charset="0"/>
+                <a:cs typeface="Times New Roman" panose="02020603050405020304" pitchFamily="18" charset="0"/>
+              </a:rPr>
+              <a:t>mechanism on local context.</a:t>
+            </a:r>
+          </a:p>
+        </p:txBody>
+      </p:sp>
+      <p:sp>
+        <p:nvSpPr>
+          <p:cNvPr id="6" name="文字方塊 5">
+            <a:extLst>
+              <a:ext uri="{FF2B5EF4-FFF2-40B4-BE49-F238E27FC236}">
+                <a16:creationId xmlns:a16="http://schemas.microsoft.com/office/drawing/2014/main" id="{4F61AFF0-1A69-4A7E-B1DF-D76B12F32D41}"/>
+              </a:ext>
+            </a:extLst>
+          </p:cNvPr>
+          <p:cNvSpPr txBox="1"/>
+          <p:nvPr/>
+        </p:nvSpPr>
+        <p:spPr>
+          <a:xfrm>
+            <a:off x="985534" y="5124208"/>
+            <a:ext cx="10447925" cy="769441"/>
+          </a:xfrm>
+          <a:prstGeom prst="rect">
+            <a:avLst/>
+          </a:prstGeom>
+          <a:noFill/>
+        </p:spPr>
+        <p:txBody>
+          <a:bodyPr wrap="none" rtlCol="0">
+            <a:spAutoFit/>
+          </a:bodyPr>
+          <a:lstStyle/>
+          <a:p>
+            <a:r>
+              <a:rPr lang="en-US" sz="2200" dirty="0">
+                <a:latin typeface="Times New Roman" panose="02020603050405020304" pitchFamily="18" charset="0"/>
+                <a:cs typeface="Times New Roman" panose="02020603050405020304" pitchFamily="18" charset="0"/>
+              </a:rPr>
+              <a:t>EDM-</a:t>
+            </a:r>
+            <a:r>
+              <a:rPr lang="en-US" sz="2200" dirty="0" err="1">
+                <a:latin typeface="Times New Roman" panose="02020603050405020304" pitchFamily="18" charset="0"/>
+                <a:cs typeface="Times New Roman" panose="02020603050405020304" pitchFamily="18" charset="0"/>
+              </a:rPr>
+              <a:t>RoBERTa</a:t>
+            </a:r>
+            <a:r>
+              <a:rPr lang="en-US" sz="2200" dirty="0">
+                <a:latin typeface="Times New Roman" panose="02020603050405020304" pitchFamily="18" charset="0"/>
+                <a:cs typeface="Times New Roman" panose="02020603050405020304" pitchFamily="18" charset="0"/>
               </a:rPr>
               <a:t> outperforms conventional pre-trained models, including Seq2Seq, BERT, </a:t>
             </a:r>
+            <a:br>
+              <a:rPr lang="en-US" sz="2200" dirty="0">
+                <a:latin typeface="Times New Roman" panose="02020603050405020304" pitchFamily="18" charset="0"/>
+                <a:cs typeface="Times New Roman" panose="02020603050405020304" pitchFamily="18" charset="0"/>
+              </a:rPr>
+            </a:br>
             <a:r>
               <a:rPr lang="en-US" sz="2200" dirty="0" err="1">
-                <a:latin typeface="Calibri" panose="020F0502020204030204" pitchFamily="34" charset="0"/>
-                <a:cs typeface="Calibri" panose="020F0502020204030204" pitchFamily="34" charset="0"/>
+                <a:latin typeface="Times New Roman" panose="02020603050405020304" pitchFamily="18" charset="0"/>
+                <a:cs typeface="Times New Roman" panose="02020603050405020304" pitchFamily="18" charset="0"/>
               </a:rPr>
               <a:t>RoBERTa</a:t>
             </a:r>
             <a:r>
               <a:rPr lang="en-US" sz="2200" dirty="0">
-                <a:latin typeface="Calibri" panose="020F0502020204030204" pitchFamily="34" charset="0"/>
-                <a:cs typeface="Calibri" panose="020F0502020204030204" pitchFamily="34" charset="0"/>
+                <a:latin typeface="Times New Roman" panose="02020603050405020304" pitchFamily="18" charset="0"/>
+                <a:cs typeface="Times New Roman" panose="02020603050405020304" pitchFamily="18" charset="0"/>
               </a:rPr>
-              <a:t>,</a:t>
-            </a:r>
-            <a:br>
-              <a:rPr lang="en-US" sz="2200" dirty="0">
-                <a:latin typeface="Calibri" panose="020F0502020204030204" pitchFamily="34" charset="0"/>
-                <a:cs typeface="Calibri" panose="020F0502020204030204" pitchFamily="34" charset="0"/>
-              </a:rPr>
-            </a:br>
+              <a:t>, </a:t>
+            </a:r>
             <a:r>
               <a:rPr lang="en-US" sz="2200" dirty="0" err="1">
-                <a:latin typeface="Calibri" panose="020F0502020204030204" pitchFamily="34" charset="0"/>
-                <a:cs typeface="Calibri" panose="020F0502020204030204" pitchFamily="34" charset="0"/>
+                <a:latin typeface="Times New Roman" panose="02020603050405020304" pitchFamily="18" charset="0"/>
+                <a:cs typeface="Times New Roman" panose="02020603050405020304" pitchFamily="18" charset="0"/>
               </a:rPr>
               <a:t>XLNet</a:t>
             </a:r>
             <a:r>
               <a:rPr lang="en-US" sz="2200" dirty="0">
-                <a:latin typeface="Calibri" panose="020F0502020204030204" pitchFamily="34" charset="0"/>
-                <a:cs typeface="Calibri" panose="020F0502020204030204" pitchFamily="34" charset="0"/>
+                <a:latin typeface="Times New Roman" panose="02020603050405020304" pitchFamily="18" charset="0"/>
+                <a:cs typeface="Times New Roman" panose="02020603050405020304" pitchFamily="18" charset="0"/>
               </a:rPr>
               <a:t>, and </a:t>
             </a:r>
             <a:r>
               <a:rPr lang="en-US" sz="2200" dirty="0" err="1">
-                <a:latin typeface="Calibri" panose="020F0502020204030204" pitchFamily="34" charset="0"/>
-                <a:cs typeface="Calibri" panose="020F0502020204030204" pitchFamily="34" charset="0"/>
+                <a:latin typeface="Times New Roman" panose="02020603050405020304" pitchFamily="18" charset="0"/>
+                <a:cs typeface="Times New Roman" panose="02020603050405020304" pitchFamily="18" charset="0"/>
               </a:rPr>
               <a:t>DistilBERT</a:t>
             </a:r>
             <a:r>
               <a:rPr lang="en-US" sz="2200" dirty="0">
-                <a:latin typeface="Calibri" panose="020F0502020204030204" pitchFamily="34" charset="0"/>
-                <a:cs typeface="Calibri" panose="020F0502020204030204" pitchFamily="34" charset="0"/>
+                <a:latin typeface="Times New Roman" panose="02020603050405020304" pitchFamily="18" charset="0"/>
+                <a:cs typeface="Times New Roman" panose="02020603050405020304" pitchFamily="18" charset="0"/>
               </a:rPr>
               <a:t>.</a:t>
             </a:r>

--- a/Lab/REP.pptx
+++ b/Lab/REP.pptx
@@ -15875,15 +15875,6 @@
 </file>
 
 <file path=customXml/item1.xml><?xml version="1.0" encoding="utf-8"?>
-<p:properties xmlns:p="http://schemas.microsoft.com/office/2006/metadata/properties" xmlns:xsi="http://www.w3.org/2001/XMLSchema-instance" xmlns:pc="http://schemas.microsoft.com/office/infopath/2007/PartnerControls">
-  <documentManagement>
-    <_ip_UnifiedCompliancePolicyUIAction xmlns="http://schemas.microsoft.com/sharepoint/v3" xsi:nil="true"/>
-    <_ip_UnifiedCompliancePolicyProperties xmlns="http://schemas.microsoft.com/sharepoint/v3" xsi:nil="true"/>
-  </documentManagement>
-</p:properties>
-</file>
-
-<file path=customXml/item2.xml><?xml version="1.0" encoding="utf-8"?>
 <ct:contentTypeSchema xmlns:ct="http://schemas.microsoft.com/office/2006/metadata/contentType" xmlns:ma="http://schemas.microsoft.com/office/2006/metadata/properties/metaAttributes" ct:_="" ma:_="" ma:contentTypeName="Document" ma:contentTypeID="0x010100DEEA25CC0A0AC24199CDC46C25B8B0BC" ma:contentTypeVersion="9" ma:contentTypeDescription="Create a new document." ma:contentTypeScope="" ma:versionID="76e25e1730b4532ab1d5e5b131a96a5a">
   <xsd:schema xmlns:xsd="http://www.w3.org/2001/XMLSchema" xmlns:xs="http://www.w3.org/2001/XMLSchema" xmlns:p="http://schemas.microsoft.com/office/2006/metadata/properties" xmlns:ns1="http://schemas.microsoft.com/sharepoint/v3" xmlns:ns2="6dc4bcd6-49db-4c07-9060-8acfc67cef9f" xmlns:ns3="fb0879af-3eba-417a-a55a-ffe6dcd6ca77" targetNamespace="http://schemas.microsoft.com/office/2006/metadata/properties" ma:root="true" ma:fieldsID="ad1e9281a84c4949647088091c718de3" ns1:_="" ns2:_="" ns3:_="">
     <xsd:import namespace="http://schemas.microsoft.com/sharepoint/v3"/>
@@ -16085,25 +16076,16 @@
 </ct:contentTypeSchema>
 </file>
 
-<file path=customXml/itemProps1.xml><?xml version="1.0" encoding="utf-8"?>
-<ds:datastoreItem xmlns:ds="http://schemas.openxmlformats.org/officeDocument/2006/customXml" ds:itemID="{8FB61CFE-D4DA-4753-A9A5-D482B9609A35}">
-  <ds:schemaRefs>
-    <ds:schemaRef ds:uri="http://schemas.microsoft.com/office/2006/metadata/properties"/>
-    <ds:schemaRef ds:uri="http://schemas.openxmlformats.org/package/2006/metadata/core-properties"/>
-    <ds:schemaRef ds:uri="http://purl.org/dc/elements/1.1/"/>
-    <ds:schemaRef ds:uri="http://schemas.microsoft.com/office/2006/documentManagement/types"/>
-    <ds:schemaRef ds:uri="http://schemas.microsoft.com/sharepoint/v3"/>
-    <ds:schemaRef ds:uri="http://purl.org/dc/terms/"/>
-    <ds:schemaRef ds:uri="http://schemas.microsoft.com/office/infopath/2007/PartnerControls"/>
-    <ds:schemaRef ds:uri="http://www.w3.org/XML/1998/namespace"/>
-    <ds:schemaRef ds:uri="fb0879af-3eba-417a-a55a-ffe6dcd6ca77"/>
-    <ds:schemaRef ds:uri="6dc4bcd6-49db-4c07-9060-8acfc67cef9f"/>
-    <ds:schemaRef ds:uri="http://purl.org/dc/dcmitype/"/>
-  </ds:schemaRefs>
-</ds:datastoreItem>
+<file path=customXml/item2.xml><?xml version="1.0" encoding="utf-8"?>
+<p:properties xmlns:p="http://schemas.microsoft.com/office/2006/metadata/properties" xmlns:xsi="http://www.w3.org/2001/XMLSchema-instance" xmlns:pc="http://schemas.microsoft.com/office/infopath/2007/PartnerControls">
+  <documentManagement>
+    <_ip_UnifiedCompliancePolicyUIAction xmlns="http://schemas.microsoft.com/sharepoint/v3" xsi:nil="true"/>
+    <_ip_UnifiedCompliancePolicyProperties xmlns="http://schemas.microsoft.com/sharepoint/v3" xsi:nil="true"/>
+  </documentManagement>
+</p:properties>
 </file>
 
-<file path=customXml/itemProps2.xml><?xml version="1.0" encoding="utf-8"?>
+<file path=customXml/itemProps1.xml><?xml version="1.0" encoding="utf-8"?>
 <ds:datastoreItem xmlns:ds="http://schemas.openxmlformats.org/officeDocument/2006/customXml" ds:itemID="{58A784AD-7888-482C-A72A-80D3063962ED}">
   <ds:schemaRefs>
     <ds:schemaRef ds:uri="http://schemas.microsoft.com/office/2006/metadata/contentType"/>
@@ -16121,4 +16103,22 @@
     <ds:schemaRef ds:uri="http://schemas.microsoft.com/internal/obd"/>
   </ds:schemaRefs>
 </ds:datastoreItem>
+</file>
+
+<file path=customXml/itemProps2.xml><?xml version="1.0" encoding="utf-8"?>
+<ds:datastoreItem xmlns:ds="http://schemas.openxmlformats.org/officeDocument/2006/customXml" ds:itemID="{8FB61CFE-D4DA-4753-A9A5-D482B9609A35}">
+  <ds:schemaRefs>
+    <ds:schemaRef ds:uri="http://schemas.microsoft.com/office/2006/metadata/properties"/>
+    <ds:schemaRef ds:uri="http://schemas.openxmlformats.org/package/2006/metadata/core-properties"/>
+    <ds:schemaRef ds:uri="http://purl.org/dc/elements/1.1/"/>
+    <ds:schemaRef ds:uri="http://schemas.microsoft.com/office/2006/documentManagement/types"/>
+    <ds:schemaRef ds:uri="http://schemas.microsoft.com/sharepoint/v3"/>
+    <ds:schemaRef ds:uri="http://purl.org/dc/terms/"/>
+    <ds:schemaRef ds:uri="http://schemas.microsoft.com/office/infopath/2007/PartnerControls"/>
+    <ds:schemaRef ds:uri="http://www.w3.org/XML/1998/namespace"/>
+    <ds:schemaRef ds:uri="fb0879af-3eba-417a-a55a-ffe6dcd6ca77"/>
+    <ds:schemaRef ds:uri="6dc4bcd6-49db-4c07-9060-8acfc67cef9f"/>
+    <ds:schemaRef ds:uri="http://purl.org/dc/dcmitype/"/>
+  </ds:schemaRefs>
+</ds:datastoreItem>
 </file>
--- a/Lab/REP.pptx
+++ b/Lab/REP.pptx
@@ -253,7 +253,7 @@
                 <a:ea typeface="Microsoft JhengHei UI" panose="020B0604030504040204" pitchFamily="34" charset="-120"/>
                 <a:sym typeface="Microsoft JhengHei UI" panose="020B0604030504040204" pitchFamily="34" charset="-120"/>
               </a:rPr>
-              <a:t>2021/1/1</a:t>
+              <a:t>2021/1/3</a:t>
             </a:fld>
             <a:endParaRPr lang="en-US" altLang="zh-TW" dirty="0">
               <a:latin typeface="Microsoft JhengHei UI" panose="020B0604030504040204" pitchFamily="34" charset="-120"/>
@@ -462,7 +462,7 @@
             <a:fld id="{AA006804-164C-4CDA-8F38-2D5258C292C6}" type="datetime1">
               <a:rPr lang="zh-TW" altLang="en-US" smtClean="0"/>
               <a:pPr/>
-              <a:t>2021/1/1</a:t>
+              <a:t>2021/1/3</a:t>
             </a:fld>
             <a:endParaRPr lang="zh-TW" altLang="en-US" dirty="0"/>
           </a:p>
@@ -9155,6 +9155,24 @@
               </a:rPr>
             </a:br>
             <a:r>
+              <a:rPr lang="en-US" altLang="zh-TW" sz="1000" b="1" i="0" dirty="0">
+                <a:solidFill>
+                  <a:schemeClr val="tx1"/>
+                </a:solidFill>
+                <a:latin typeface="+mn-lt"/>
+                <a:ea typeface="Microsoft JhengHei UI" panose="020B0604030504040204" pitchFamily="34" charset="-120"/>
+                <a:sym typeface="Microsoft JhengHei UI" panose="020B0604030504040204" pitchFamily="34" charset="-120"/>
+              </a:rPr>
+              <a:t>k</a:t>
+            </a:r>
+            <a:br>
+              <a:rPr lang="en-US" altLang="zh-TW" sz="2500" b="1" i="0" dirty="0">
+                <a:latin typeface="+mn-lt"/>
+                <a:ea typeface="Microsoft JhengHei UI" panose="020B0604030504040204" pitchFamily="34" charset="-120"/>
+                <a:sym typeface="Microsoft JhengHei UI" panose="020B0604030504040204" pitchFamily="34" charset="-120"/>
+              </a:rPr>
+            </a:br>
+            <a:r>
               <a:rPr lang="en-US" altLang="zh-TW" sz="2500" b="1" i="0" dirty="0">
                 <a:latin typeface="+mn-lt"/>
                 <a:ea typeface="Microsoft JhengHei UI" panose="020B0604030504040204" pitchFamily="34" charset="-120"/>
@@ -9920,8 +9938,8 @@
         </p:blipFill>
         <p:spPr>
           <a:xfrm>
-            <a:off x="940203" y="2977359"/>
-            <a:ext cx="5554393" cy="903282"/>
+            <a:off x="1280010" y="2977359"/>
+            <a:ext cx="5214586" cy="848021"/>
           </a:xfrm>
           <a:prstGeom prst="rect">
             <a:avLst/>
@@ -11308,7 +11326,7 @@
           <a:p>
             <a:r>
               <a:rPr lang="en-US" sz="2800" b="1" dirty="0"/>
-              <a:t>Optimization</a:t>
+              <a:t>Optimization: Sentimental Ambiguity</a:t>
             </a:r>
           </a:p>
         </p:txBody>
@@ -14089,7 +14107,7 @@
         </p:nvSpPr>
         <p:spPr>
           <a:xfrm>
-            <a:off x="1589387" y="4243824"/>
+            <a:off x="1589385" y="4300584"/>
             <a:ext cx="5001690" cy="461665"/>
           </a:xfrm>
           <a:prstGeom prst="rect">
@@ -14131,7 +14149,7 @@
         </p:nvSpPr>
         <p:spPr>
           <a:xfrm>
-            <a:off x="1589385" y="4765462"/>
+            <a:off x="1589385" y="4841717"/>
             <a:ext cx="10907922" cy="461665"/>
           </a:xfrm>
           <a:prstGeom prst="rect">
@@ -14215,7 +14233,7 @@
         </p:nvSpPr>
         <p:spPr>
           <a:xfrm>
-            <a:off x="1589385" y="5993814"/>
+            <a:off x="1589385" y="5920771"/>
             <a:ext cx="5536259" cy="461665"/>
           </a:xfrm>
           <a:prstGeom prst="rect">
@@ -15875,6 +15893,15 @@
 </file>
 
 <file path=customXml/item1.xml><?xml version="1.0" encoding="utf-8"?>
+<p:properties xmlns:p="http://schemas.microsoft.com/office/2006/metadata/properties" xmlns:xsi="http://www.w3.org/2001/XMLSchema-instance" xmlns:pc="http://schemas.microsoft.com/office/infopath/2007/PartnerControls">
+  <documentManagement>
+    <_ip_UnifiedCompliancePolicyUIAction xmlns="http://schemas.microsoft.com/sharepoint/v3" xsi:nil="true"/>
+    <_ip_UnifiedCompliancePolicyProperties xmlns="http://schemas.microsoft.com/sharepoint/v3" xsi:nil="true"/>
+  </documentManagement>
+</p:properties>
+</file>
+
+<file path=customXml/item2.xml><?xml version="1.0" encoding="utf-8"?>
 <ct:contentTypeSchema xmlns:ct="http://schemas.microsoft.com/office/2006/metadata/contentType" xmlns:ma="http://schemas.microsoft.com/office/2006/metadata/properties/metaAttributes" ct:_="" ma:_="" ma:contentTypeName="Document" ma:contentTypeID="0x010100DEEA25CC0A0AC24199CDC46C25B8B0BC" ma:contentTypeVersion="9" ma:contentTypeDescription="Create a new document." ma:contentTypeScope="" ma:versionID="76e25e1730b4532ab1d5e5b131a96a5a">
   <xsd:schema xmlns:xsd="http://www.w3.org/2001/XMLSchema" xmlns:xs="http://www.w3.org/2001/XMLSchema" xmlns:p="http://schemas.microsoft.com/office/2006/metadata/properties" xmlns:ns1="http://schemas.microsoft.com/sharepoint/v3" xmlns:ns2="6dc4bcd6-49db-4c07-9060-8acfc67cef9f" xmlns:ns3="fb0879af-3eba-417a-a55a-ffe6dcd6ca77" targetNamespace="http://schemas.microsoft.com/office/2006/metadata/properties" ma:root="true" ma:fieldsID="ad1e9281a84c4949647088091c718de3" ns1:_="" ns2:_="" ns3:_="">
     <xsd:import namespace="http://schemas.microsoft.com/sharepoint/v3"/>
@@ -16076,16 +16103,25 @@
 </ct:contentTypeSchema>
 </file>
 
-<file path=customXml/item2.xml><?xml version="1.0" encoding="utf-8"?>
-<p:properties xmlns:p="http://schemas.microsoft.com/office/2006/metadata/properties" xmlns:xsi="http://www.w3.org/2001/XMLSchema-instance" xmlns:pc="http://schemas.microsoft.com/office/infopath/2007/PartnerControls">
-  <documentManagement>
-    <_ip_UnifiedCompliancePolicyUIAction xmlns="http://schemas.microsoft.com/sharepoint/v3" xsi:nil="true"/>
-    <_ip_UnifiedCompliancePolicyProperties xmlns="http://schemas.microsoft.com/sharepoint/v3" xsi:nil="true"/>
-  </documentManagement>
-</p:properties>
+<file path=customXml/itemProps1.xml><?xml version="1.0" encoding="utf-8"?>
+<ds:datastoreItem xmlns:ds="http://schemas.openxmlformats.org/officeDocument/2006/customXml" ds:itemID="{8FB61CFE-D4DA-4753-A9A5-D482B9609A35}">
+  <ds:schemaRefs>
+    <ds:schemaRef ds:uri="http://schemas.microsoft.com/office/2006/metadata/properties"/>
+    <ds:schemaRef ds:uri="http://schemas.openxmlformats.org/package/2006/metadata/core-properties"/>
+    <ds:schemaRef ds:uri="http://purl.org/dc/elements/1.1/"/>
+    <ds:schemaRef ds:uri="http://schemas.microsoft.com/office/2006/documentManagement/types"/>
+    <ds:schemaRef ds:uri="http://schemas.microsoft.com/sharepoint/v3"/>
+    <ds:schemaRef ds:uri="http://purl.org/dc/terms/"/>
+    <ds:schemaRef ds:uri="http://schemas.microsoft.com/office/infopath/2007/PartnerControls"/>
+    <ds:schemaRef ds:uri="http://www.w3.org/XML/1998/namespace"/>
+    <ds:schemaRef ds:uri="fb0879af-3eba-417a-a55a-ffe6dcd6ca77"/>
+    <ds:schemaRef ds:uri="6dc4bcd6-49db-4c07-9060-8acfc67cef9f"/>
+    <ds:schemaRef ds:uri="http://purl.org/dc/dcmitype/"/>
+  </ds:schemaRefs>
+</ds:datastoreItem>
 </file>
 
-<file path=customXml/itemProps1.xml><?xml version="1.0" encoding="utf-8"?>
+<file path=customXml/itemProps2.xml><?xml version="1.0" encoding="utf-8"?>
 <ds:datastoreItem xmlns:ds="http://schemas.openxmlformats.org/officeDocument/2006/customXml" ds:itemID="{58A784AD-7888-482C-A72A-80D3063962ED}">
   <ds:schemaRefs>
     <ds:schemaRef ds:uri="http://schemas.microsoft.com/office/2006/metadata/contentType"/>
@@ -16103,22 +16139,4 @@
     <ds:schemaRef ds:uri="http://schemas.microsoft.com/internal/obd"/>
   </ds:schemaRefs>
 </ds:datastoreItem>
-</file>
-
-<file path=customXml/itemProps2.xml><?xml version="1.0" encoding="utf-8"?>
-<ds:datastoreItem xmlns:ds="http://schemas.openxmlformats.org/officeDocument/2006/customXml" ds:itemID="{8FB61CFE-D4DA-4753-A9A5-D482B9609A35}">
-  <ds:schemaRefs>
-    <ds:schemaRef ds:uri="http://schemas.microsoft.com/office/2006/metadata/properties"/>
-    <ds:schemaRef ds:uri="http://schemas.openxmlformats.org/package/2006/metadata/core-properties"/>
-    <ds:schemaRef ds:uri="http://purl.org/dc/elements/1.1/"/>
-    <ds:schemaRef ds:uri="http://schemas.microsoft.com/office/2006/documentManagement/types"/>
-    <ds:schemaRef ds:uri="http://schemas.microsoft.com/sharepoint/v3"/>
-    <ds:schemaRef ds:uri="http://purl.org/dc/terms/"/>
-    <ds:schemaRef ds:uri="http://schemas.microsoft.com/office/infopath/2007/PartnerControls"/>
-    <ds:schemaRef ds:uri="http://www.w3.org/XML/1998/namespace"/>
-    <ds:schemaRef ds:uri="fb0879af-3eba-417a-a55a-ffe6dcd6ca77"/>
-    <ds:schemaRef ds:uri="6dc4bcd6-49db-4c07-9060-8acfc67cef9f"/>
-    <ds:schemaRef ds:uri="http://purl.org/dc/dcmitype/"/>
-  </ds:schemaRefs>
-</ds:datastoreItem>
 </file>
--- a/Lab/REP.pptx
+++ b/Lab/REP.pptx
@@ -15893,15 +15893,6 @@
 </file>
 
 <file path=customXml/item1.xml><?xml version="1.0" encoding="utf-8"?>
-<p:properties xmlns:p="http://schemas.microsoft.com/office/2006/metadata/properties" xmlns:xsi="http://www.w3.org/2001/XMLSchema-instance" xmlns:pc="http://schemas.microsoft.com/office/infopath/2007/PartnerControls">
-  <documentManagement>
-    <_ip_UnifiedCompliancePolicyUIAction xmlns="http://schemas.microsoft.com/sharepoint/v3" xsi:nil="true"/>
-    <_ip_UnifiedCompliancePolicyProperties xmlns="http://schemas.microsoft.com/sharepoint/v3" xsi:nil="true"/>
-  </documentManagement>
-</p:properties>
-</file>
-
-<file path=customXml/item2.xml><?xml version="1.0" encoding="utf-8"?>
 <ct:contentTypeSchema xmlns:ct="http://schemas.microsoft.com/office/2006/metadata/contentType" xmlns:ma="http://schemas.microsoft.com/office/2006/metadata/properties/metaAttributes" ct:_="" ma:_="" ma:contentTypeName="Document" ma:contentTypeID="0x010100DEEA25CC0A0AC24199CDC46C25B8B0BC" ma:contentTypeVersion="9" ma:contentTypeDescription="Create a new document." ma:contentTypeScope="" ma:versionID="76e25e1730b4532ab1d5e5b131a96a5a">
   <xsd:schema xmlns:xsd="http://www.w3.org/2001/XMLSchema" xmlns:xs="http://www.w3.org/2001/XMLSchema" xmlns:p="http://schemas.microsoft.com/office/2006/metadata/properties" xmlns:ns1="http://schemas.microsoft.com/sharepoint/v3" xmlns:ns2="6dc4bcd6-49db-4c07-9060-8acfc67cef9f" xmlns:ns3="fb0879af-3eba-417a-a55a-ffe6dcd6ca77" targetNamespace="http://schemas.microsoft.com/office/2006/metadata/properties" ma:root="true" ma:fieldsID="ad1e9281a84c4949647088091c718de3" ns1:_="" ns2:_="" ns3:_="">
     <xsd:import namespace="http://schemas.microsoft.com/sharepoint/v3"/>
@@ -16103,25 +16094,16 @@
 </ct:contentTypeSchema>
 </file>
 
-<file path=customXml/itemProps1.xml><?xml version="1.0" encoding="utf-8"?>
-<ds:datastoreItem xmlns:ds="http://schemas.openxmlformats.org/officeDocument/2006/customXml" ds:itemID="{8FB61CFE-D4DA-4753-A9A5-D482B9609A35}">
-  <ds:schemaRefs>
-    <ds:schemaRef ds:uri="http://schemas.microsoft.com/office/2006/metadata/properties"/>
-    <ds:schemaRef ds:uri="http://schemas.openxmlformats.org/package/2006/metadata/core-properties"/>
-    <ds:schemaRef ds:uri="http://purl.org/dc/elements/1.1/"/>
-    <ds:schemaRef ds:uri="http://schemas.microsoft.com/office/2006/documentManagement/types"/>
-    <ds:schemaRef ds:uri="http://schemas.microsoft.com/sharepoint/v3"/>
-    <ds:schemaRef ds:uri="http://purl.org/dc/terms/"/>
-    <ds:schemaRef ds:uri="http://schemas.microsoft.com/office/infopath/2007/PartnerControls"/>
-    <ds:schemaRef ds:uri="http://www.w3.org/XML/1998/namespace"/>
-    <ds:schemaRef ds:uri="fb0879af-3eba-417a-a55a-ffe6dcd6ca77"/>
-    <ds:schemaRef ds:uri="6dc4bcd6-49db-4c07-9060-8acfc67cef9f"/>
-    <ds:schemaRef ds:uri="http://purl.org/dc/dcmitype/"/>
-  </ds:schemaRefs>
-</ds:datastoreItem>
+<file path=customXml/item2.xml><?xml version="1.0" encoding="utf-8"?>
+<p:properties xmlns:p="http://schemas.microsoft.com/office/2006/metadata/properties" xmlns:xsi="http://www.w3.org/2001/XMLSchema-instance" xmlns:pc="http://schemas.microsoft.com/office/infopath/2007/PartnerControls">
+  <documentManagement>
+    <_ip_UnifiedCompliancePolicyUIAction xmlns="http://schemas.microsoft.com/sharepoint/v3" xsi:nil="true"/>
+    <_ip_UnifiedCompliancePolicyProperties xmlns="http://schemas.microsoft.com/sharepoint/v3" xsi:nil="true"/>
+  </documentManagement>
+</p:properties>
 </file>
 
-<file path=customXml/itemProps2.xml><?xml version="1.0" encoding="utf-8"?>
+<file path=customXml/itemProps1.xml><?xml version="1.0" encoding="utf-8"?>
 <ds:datastoreItem xmlns:ds="http://schemas.openxmlformats.org/officeDocument/2006/customXml" ds:itemID="{58A784AD-7888-482C-A72A-80D3063962ED}">
   <ds:schemaRefs>
     <ds:schemaRef ds:uri="http://schemas.microsoft.com/office/2006/metadata/contentType"/>
@@ -16139,4 +16121,22 @@
     <ds:schemaRef ds:uri="http://schemas.microsoft.com/internal/obd"/>
   </ds:schemaRefs>
 </ds:datastoreItem>
+</file>
+
+<file path=customXml/itemProps2.xml><?xml version="1.0" encoding="utf-8"?>
+<ds:datastoreItem xmlns:ds="http://schemas.openxmlformats.org/officeDocument/2006/customXml" ds:itemID="{8FB61CFE-D4DA-4753-A9A5-D482B9609A35}">
+  <ds:schemaRefs>
+    <ds:schemaRef ds:uri="http://schemas.microsoft.com/office/2006/metadata/properties"/>
+    <ds:schemaRef ds:uri="http://schemas.openxmlformats.org/package/2006/metadata/core-properties"/>
+    <ds:schemaRef ds:uri="http://purl.org/dc/elements/1.1/"/>
+    <ds:schemaRef ds:uri="http://schemas.microsoft.com/office/2006/documentManagement/types"/>
+    <ds:schemaRef ds:uri="http://schemas.microsoft.com/sharepoint/v3"/>
+    <ds:schemaRef ds:uri="http://purl.org/dc/terms/"/>
+    <ds:schemaRef ds:uri="http://schemas.microsoft.com/office/infopath/2007/PartnerControls"/>
+    <ds:schemaRef ds:uri="http://www.w3.org/XML/1998/namespace"/>
+    <ds:schemaRef ds:uri="fb0879af-3eba-417a-a55a-ffe6dcd6ca77"/>
+    <ds:schemaRef ds:uri="6dc4bcd6-49db-4c07-9060-8acfc67cef9f"/>
+    <ds:schemaRef ds:uri="http://purl.org/dc/dcmitype/"/>
+  </ds:schemaRefs>
+</ds:datastoreItem>
 </file>
--- a/Lab/REP.pptx
+++ b/Lab/REP.pptx
@@ -5,10 +5,10 @@
     <p:sldMasterId id="2147483648" r:id="rId3"/>
   </p:sldMasterIdLst>
   <p:notesMasterIdLst>
-    <p:notesMasterId r:id="rId25"/>
+    <p:notesMasterId r:id="rId26"/>
   </p:notesMasterIdLst>
   <p:handoutMasterIdLst>
-    <p:handoutMasterId r:id="rId26"/>
+    <p:handoutMasterId r:id="rId27"/>
   </p:handoutMasterIdLst>
   <p:sldIdLst>
     <p:sldId id="282" r:id="rId4"/>
@@ -26,12 +26,13 @@
     <p:sldId id="313" r:id="rId16"/>
     <p:sldId id="311" r:id="rId17"/>
     <p:sldId id="305" r:id="rId18"/>
-    <p:sldId id="318" r:id="rId19"/>
-    <p:sldId id="307" r:id="rId20"/>
-    <p:sldId id="306" r:id="rId21"/>
-    <p:sldId id="308" r:id="rId22"/>
-    <p:sldId id="309" r:id="rId23"/>
-    <p:sldId id="310" r:id="rId24"/>
+    <p:sldId id="319" r:id="rId19"/>
+    <p:sldId id="318" r:id="rId20"/>
+    <p:sldId id="307" r:id="rId21"/>
+    <p:sldId id="306" r:id="rId22"/>
+    <p:sldId id="308" r:id="rId23"/>
+    <p:sldId id="309" r:id="rId24"/>
+    <p:sldId id="310" r:id="rId25"/>
   </p:sldIdLst>
   <p:sldSz cx="12192000" cy="6858000"/>
   <p:notesSz cx="6858000" cy="9144000"/>
@@ -1648,7 +1649,7 @@
     </p:spTree>
     <p:extLst>
       <p:ext uri="{BB962C8B-B14F-4D97-AF65-F5344CB8AC3E}">
-        <p14:creationId xmlns:p14="http://schemas.microsoft.com/office/powerpoint/2010/main" val="1798000473"/>
+        <p14:creationId xmlns:p14="http://schemas.microsoft.com/office/powerpoint/2010/main" val="2395718010"/>
       </p:ext>
     </p:extLst>
   </p:cSld>
@@ -1735,7 +1736,7 @@
           <p:cNvPr id="5" name="頁首版面配置區 4">
             <a:extLst>
               <a:ext uri="{FF2B5EF4-FFF2-40B4-BE49-F238E27FC236}">
-                <a16:creationId xmlns:a16="http://schemas.microsoft.com/office/drawing/2014/main" id="{395663F1-EC29-4F7E-B7B3-C47C3BAA9D0F}"/>
+                <a16:creationId xmlns:a16="http://schemas.microsoft.com/office/drawing/2014/main" id="{FF80F06F-3710-4263-9F80-0D2A92DDD819}"/>
               </a:ext>
             </a:extLst>
           </p:cNvPr>
@@ -1762,7 +1763,7 @@
     </p:spTree>
     <p:extLst>
       <p:ext uri="{BB962C8B-B14F-4D97-AF65-F5344CB8AC3E}">
-        <p14:creationId xmlns:p14="http://schemas.microsoft.com/office/powerpoint/2010/main" val="2701519937"/>
+        <p14:creationId xmlns:p14="http://schemas.microsoft.com/office/powerpoint/2010/main" val="1798000473"/>
       </p:ext>
     </p:extLst>
   </p:cSld>
@@ -1849,7 +1850,7 @@
           <p:cNvPr id="5" name="頁首版面配置區 4">
             <a:extLst>
               <a:ext uri="{FF2B5EF4-FFF2-40B4-BE49-F238E27FC236}">
-                <a16:creationId xmlns:a16="http://schemas.microsoft.com/office/drawing/2014/main" id="{6E8C5AB6-E61C-4B97-8238-2D971E93E5C6}"/>
+                <a16:creationId xmlns:a16="http://schemas.microsoft.com/office/drawing/2014/main" id="{395663F1-EC29-4F7E-B7B3-C47C3BAA9D0F}"/>
               </a:ext>
             </a:extLst>
           </p:cNvPr>
@@ -1876,7 +1877,7 @@
     </p:spTree>
     <p:extLst>
       <p:ext uri="{BB962C8B-B14F-4D97-AF65-F5344CB8AC3E}">
-        <p14:creationId xmlns:p14="http://schemas.microsoft.com/office/powerpoint/2010/main" val="3565233456"/>
+        <p14:creationId xmlns:p14="http://schemas.microsoft.com/office/powerpoint/2010/main" val="2701519937"/>
       </p:ext>
     </p:extLst>
   </p:cSld>
@@ -1963,7 +1964,7 @@
           <p:cNvPr id="5" name="頁首版面配置區 4">
             <a:extLst>
               <a:ext uri="{FF2B5EF4-FFF2-40B4-BE49-F238E27FC236}">
-                <a16:creationId xmlns:a16="http://schemas.microsoft.com/office/drawing/2014/main" id="{8FD7EE22-8F34-425B-82D2-EC0C0E66DD50}"/>
+                <a16:creationId xmlns:a16="http://schemas.microsoft.com/office/drawing/2014/main" id="{6E8C5AB6-E61C-4B97-8238-2D971E93E5C6}"/>
               </a:ext>
             </a:extLst>
           </p:cNvPr>
@@ -1990,7 +1991,7 @@
     </p:spTree>
     <p:extLst>
       <p:ext uri="{BB962C8B-B14F-4D97-AF65-F5344CB8AC3E}">
-        <p14:creationId xmlns:p14="http://schemas.microsoft.com/office/powerpoint/2010/main" val="2220057016"/>
+        <p14:creationId xmlns:p14="http://schemas.microsoft.com/office/powerpoint/2010/main" val="3565233456"/>
       </p:ext>
     </p:extLst>
   </p:cSld>
@@ -2191,7 +2192,7 @@
           <p:cNvPr id="5" name="頁首版面配置區 4">
             <a:extLst>
               <a:ext uri="{FF2B5EF4-FFF2-40B4-BE49-F238E27FC236}">
-                <a16:creationId xmlns:a16="http://schemas.microsoft.com/office/drawing/2014/main" id="{B0ED961B-B77E-4128-9A1E-997B6008F2D5}"/>
+                <a16:creationId xmlns:a16="http://schemas.microsoft.com/office/drawing/2014/main" id="{8FD7EE22-8F34-425B-82D2-EC0C0E66DD50}"/>
               </a:ext>
             </a:extLst>
           </p:cNvPr>
@@ -2218,7 +2219,7 @@
     </p:spTree>
     <p:extLst>
       <p:ext uri="{BB962C8B-B14F-4D97-AF65-F5344CB8AC3E}">
-        <p14:creationId xmlns:p14="http://schemas.microsoft.com/office/powerpoint/2010/main" val="2333112210"/>
+        <p14:creationId xmlns:p14="http://schemas.microsoft.com/office/powerpoint/2010/main" val="2220057016"/>
       </p:ext>
     </p:extLst>
   </p:cSld>
@@ -2295,6 +2296,120 @@
               <a:rPr lang="en-ZA" smtClean="0"/>
               <a:pPr/>
               <a:t>21</a:t>
+            </a:fld>
+            <a:endParaRPr lang="en-ZA"/>
+          </a:p>
+        </p:txBody>
+      </p:sp>
+      <p:sp>
+        <p:nvSpPr>
+          <p:cNvPr id="5" name="頁首版面配置區 4">
+            <a:extLst>
+              <a:ext uri="{FF2B5EF4-FFF2-40B4-BE49-F238E27FC236}">
+                <a16:creationId xmlns:a16="http://schemas.microsoft.com/office/drawing/2014/main" id="{B0ED961B-B77E-4128-9A1E-997B6008F2D5}"/>
+              </a:ext>
+            </a:extLst>
+          </p:cNvPr>
+          <p:cNvSpPr>
+            <a:spLocks noGrp="1"/>
+          </p:cNvSpPr>
+          <p:nvPr>
+            <p:ph type="hdr" sz="quarter"/>
+          </p:nvPr>
+        </p:nvSpPr>
+        <p:spPr/>
+        <p:txBody>
+          <a:bodyPr/>
+          <a:lstStyle/>
+          <a:p>
+            <a:r>
+              <a:rPr lang="en-US" altLang="zh-TW"/>
+              <a:t>1</a:t>
+            </a:r>
+            <a:endParaRPr lang="zh-TW" altLang="en-US" dirty="0"/>
+          </a:p>
+        </p:txBody>
+      </p:sp>
+    </p:spTree>
+    <p:extLst>
+      <p:ext uri="{BB962C8B-B14F-4D97-AF65-F5344CB8AC3E}">
+        <p14:creationId xmlns:p14="http://schemas.microsoft.com/office/powerpoint/2010/main" val="2333112210"/>
+      </p:ext>
+    </p:extLst>
+  </p:cSld>
+  <p:clrMapOvr>
+    <a:masterClrMapping/>
+  </p:clrMapOvr>
+</p:notes>
+</file>
+
+<file path=ppt/notesSlides/notesSlide22.xml><?xml version="1.0" encoding="utf-8"?>
+<p:notes xmlns:a="http://schemas.openxmlformats.org/drawingml/2006/main" xmlns:r="http://schemas.openxmlformats.org/officeDocument/2006/relationships" xmlns:p="http://schemas.openxmlformats.org/presentationml/2006/main">
+  <p:cSld>
+    <p:spTree>
+      <p:nvGrpSpPr>
+        <p:cNvPr id="1" name=""/>
+        <p:cNvGrpSpPr/>
+        <p:nvPr/>
+      </p:nvGrpSpPr>
+      <p:grpSpPr>
+        <a:xfrm>
+          <a:off x="0" y="0"/>
+          <a:ext cx="0" cy="0"/>
+          <a:chOff x="0" y="0"/>
+          <a:chExt cx="0" cy="0"/>
+        </a:xfrm>
+      </p:grpSpPr>
+      <p:sp>
+        <p:nvSpPr>
+          <p:cNvPr id="2" name="投影片影像版面配置區 1"/>
+          <p:cNvSpPr>
+            <a:spLocks noGrp="1" noRot="1" noChangeAspect="1"/>
+          </p:cNvSpPr>
+          <p:nvPr>
+            <p:ph type="sldImg"/>
+          </p:nvPr>
+        </p:nvSpPr>
+        <p:spPr/>
+      </p:sp>
+      <p:sp>
+        <p:nvSpPr>
+          <p:cNvPr id="3" name="備忘稿版面配置區 2"/>
+          <p:cNvSpPr>
+            <a:spLocks noGrp="1"/>
+          </p:cNvSpPr>
+          <p:nvPr>
+            <p:ph type="body" idx="1"/>
+          </p:nvPr>
+        </p:nvSpPr>
+        <p:spPr/>
+        <p:txBody>
+          <a:bodyPr/>
+          <a:lstStyle/>
+          <a:p>
+            <a:endParaRPr lang="zh-TW" altLang="en-US" dirty="0"/>
+          </a:p>
+        </p:txBody>
+      </p:sp>
+      <p:sp>
+        <p:nvSpPr>
+          <p:cNvPr id="4" name="投影片編號版面配置區 3"/>
+          <p:cNvSpPr>
+            <a:spLocks noGrp="1"/>
+          </p:cNvSpPr>
+          <p:nvPr>
+            <p:ph type="sldNum" sz="quarter" idx="10"/>
+          </p:nvPr>
+        </p:nvSpPr>
+        <p:spPr/>
+        <p:txBody>
+          <a:bodyPr/>
+          <a:lstStyle/>
+          <a:p>
+            <a:fld id="{8530193B-564F-4854-8A52-728F3FB19C85}" type="slidenum">
+              <a:rPr lang="en-ZA" smtClean="0"/>
+              <a:pPr/>
+              <a:t>22</a:t>
             </a:fld>
             <a:endParaRPr lang="en-ZA"/>
           </a:p>
@@ -11333,10 +11448,10 @@
       </p:sp>
       <p:sp>
         <p:nvSpPr>
-          <p:cNvPr id="5" name="TextBox 4">
-            <a:extLst>
-              <a:ext uri="{FF2B5EF4-FFF2-40B4-BE49-F238E27FC236}">
-                <a16:creationId xmlns:a16="http://schemas.microsoft.com/office/drawing/2014/main" id="{0F0A5022-A9F2-4143-B927-A449071B04E6}"/>
+          <p:cNvPr id="9" name="文字方塊 8">
+            <a:extLst>
+              <a:ext uri="{FF2B5EF4-FFF2-40B4-BE49-F238E27FC236}">
+                <a16:creationId xmlns:a16="http://schemas.microsoft.com/office/drawing/2014/main" id="{AE73553F-4114-411F-A6A1-3291FA4B6CF8}"/>
               </a:ext>
             </a:extLst>
           </p:cNvPr>
@@ -11345,8 +11460,8 @@
         </p:nvSpPr>
         <p:spPr>
           <a:xfrm>
-            <a:off x="952373" y="1568534"/>
-            <a:ext cx="11102783" cy="830997"/>
+            <a:off x="11484528" y="6493241"/>
+            <a:ext cx="805343" cy="276999"/>
           </a:xfrm>
           <a:prstGeom prst="rect">
             <a:avLst/>
@@ -11354,122 +11469,11 @@
           <a:noFill/>
         </p:spPr>
         <p:txBody>
-          <a:bodyPr wrap="none" rtlCol="0">
-            <a:spAutoFit/>
-          </a:bodyPr>
-          <a:lstStyle/>
-          <a:p>
-            <a:pPr marL="342900" indent="-342900">
-              <a:buFont typeface="Arial" panose="020B0604020202020204" pitchFamily="34" charset="0"/>
-              <a:buChar char="•"/>
-            </a:pPr>
-            <a:r>
-              <a:rPr lang="en-US" sz="2400" dirty="0">
-                <a:latin typeface="Times New Roman" panose="02020603050405020304" pitchFamily="18" charset="0"/>
-                <a:cs typeface="Times New Roman" panose="02020603050405020304" pitchFamily="18" charset="0"/>
-              </a:rPr>
-              <a:t>Why using both two-dimensional and multi-dimensional sentiment analysis datasets </a:t>
-            </a:r>
-          </a:p>
-          <a:p>
-            <a:r>
-              <a:rPr lang="en-US" sz="2400" dirty="0">
-                <a:latin typeface="Times New Roman" panose="02020603050405020304" pitchFamily="18" charset="0"/>
-                <a:cs typeface="Times New Roman" panose="02020603050405020304" pitchFamily="18" charset="0"/>
-              </a:rPr>
-              <a:t>      to train EDM-</a:t>
-            </a:r>
-            <a:r>
-              <a:rPr lang="en-US" sz="2400" dirty="0" err="1">
-                <a:latin typeface="Times New Roman" panose="02020603050405020304" pitchFamily="18" charset="0"/>
-                <a:cs typeface="Times New Roman" panose="02020603050405020304" pitchFamily="18" charset="0"/>
-              </a:rPr>
-              <a:t>RoBERTa</a:t>
-            </a:r>
-            <a:r>
-              <a:rPr lang="en-US" sz="2400" dirty="0">
-                <a:latin typeface="Times New Roman" panose="02020603050405020304" pitchFamily="18" charset="0"/>
-                <a:cs typeface="Times New Roman" panose="02020603050405020304" pitchFamily="18" charset="0"/>
-              </a:rPr>
-              <a:t> ?</a:t>
-            </a:r>
-          </a:p>
-        </p:txBody>
-      </p:sp>
-      <p:sp>
-        <p:nvSpPr>
-          <p:cNvPr id="6" name="TextBox 5">
-            <a:extLst>
-              <a:ext uri="{FF2B5EF4-FFF2-40B4-BE49-F238E27FC236}">
-                <a16:creationId xmlns:a16="http://schemas.microsoft.com/office/drawing/2014/main" id="{F0562E0E-EEBC-9146-9A8A-71CE457A66D7}"/>
-              </a:ext>
-            </a:extLst>
-          </p:cNvPr>
-          <p:cNvSpPr txBox="1"/>
-          <p:nvPr/>
-        </p:nvSpPr>
-        <p:spPr>
-          <a:xfrm>
-            <a:off x="1629842" y="2644168"/>
-            <a:ext cx="9422471" cy="461665"/>
-          </a:xfrm>
-          <a:prstGeom prst="rect">
-            <a:avLst/>
-          </a:prstGeom>
-          <a:noFill/>
-        </p:spPr>
-        <p:txBody>
           <a:bodyPr wrap="square" rtlCol="0">
             <a:spAutoFit/>
           </a:bodyPr>
           <a:lstStyle/>
           <a:p>
-            <a:pPr marL="342900" indent="-342900">
-              <a:buFont typeface="Wingdings" pitchFamily="2" charset="2"/>
-              <a:buChar char="§"/>
-            </a:pPr>
-            <a:r>
-              <a:rPr lang="en-US" sz="2400" b="1" dirty="0">
-                <a:latin typeface="Calibri" panose="020F0502020204030204" pitchFamily="34" charset="0"/>
-                <a:cs typeface="Calibri" panose="020F0502020204030204" pitchFamily="34" charset="0"/>
-              </a:rPr>
-              <a:t>Deal with the sentences with sentimental ambiguity</a:t>
-            </a:r>
-            <a:endParaRPr lang="en-US" sz="2400" dirty="0">
-              <a:latin typeface="Calibri" panose="020F0502020204030204" pitchFamily="34" charset="0"/>
-              <a:cs typeface="Calibri" panose="020F0502020204030204" pitchFamily="34" charset="0"/>
-            </a:endParaRPr>
-          </a:p>
-        </p:txBody>
-      </p:sp>
-      <p:sp>
-        <p:nvSpPr>
-          <p:cNvPr id="9" name="文字方塊 8">
-            <a:extLst>
-              <a:ext uri="{FF2B5EF4-FFF2-40B4-BE49-F238E27FC236}">
-                <a16:creationId xmlns:a16="http://schemas.microsoft.com/office/drawing/2014/main" id="{AE73553F-4114-411F-A6A1-3291FA4B6CF8}"/>
-              </a:ext>
-            </a:extLst>
-          </p:cNvPr>
-          <p:cNvSpPr txBox="1"/>
-          <p:nvPr/>
-        </p:nvSpPr>
-        <p:spPr>
-          <a:xfrm>
-            <a:off x="11484528" y="6493241"/>
-            <a:ext cx="805343" cy="276999"/>
-          </a:xfrm>
-          <a:prstGeom prst="rect">
-            <a:avLst/>
-          </a:prstGeom>
-          <a:noFill/>
-        </p:spPr>
-        <p:txBody>
-          <a:bodyPr wrap="square" rtlCol="0">
-            <a:spAutoFit/>
-          </a:bodyPr>
-          <a:lstStyle/>
-          <a:p>
             <a:r>
               <a:rPr lang="en-US" sz="1200" dirty="0"/>
               <a:t>11</a:t>
@@ -11479,10 +11483,10 @@
       </p:sp>
       <p:pic>
         <p:nvPicPr>
-          <p:cNvPr id="7" name="Picture 6">
-            <a:extLst>
-              <a:ext uri="{FF2B5EF4-FFF2-40B4-BE49-F238E27FC236}">
-                <a16:creationId xmlns:a16="http://schemas.microsoft.com/office/drawing/2014/main" id="{C93D3C89-0C3D-1D41-9BAC-E72071BBCA8E}"/>
+          <p:cNvPr id="10" name="Picture 9">
+            <a:extLst>
+              <a:ext uri="{FF2B5EF4-FFF2-40B4-BE49-F238E27FC236}">
+                <a16:creationId xmlns:a16="http://schemas.microsoft.com/office/drawing/2014/main" id="{F784B830-3049-CB41-A98F-95816DED6B0B}"/>
               </a:ext>
             </a:extLst>
           </p:cNvPr>
@@ -11505,8 +11509,8 @@
         </p:blipFill>
         <p:spPr>
           <a:xfrm>
-            <a:off x="1377377" y="3634580"/>
-            <a:ext cx="9437245" cy="1623612"/>
+            <a:off x="1771650" y="1660995"/>
+            <a:ext cx="8648700" cy="4076700"/>
           </a:xfrm>
           <a:prstGeom prst="rect">
             <a:avLst/>
@@ -11516,7 +11520,7 @@
     </p:spTree>
     <p:extLst>
       <p:ext uri="{BB962C8B-B14F-4D97-AF65-F5344CB8AC3E}">
-        <p14:creationId xmlns:p14="http://schemas.microsoft.com/office/powerpoint/2010/main" val="3234856110"/>
+        <p14:creationId xmlns:p14="http://schemas.microsoft.com/office/powerpoint/2010/main" val="4237160290"/>
       </p:ext>
     </p:extLst>
   </p:cSld>
@@ -11581,13 +11585,8 @@
           <a:p>
             <a:r>
               <a:rPr lang="en-US" sz="2800" b="1" dirty="0"/>
-              <a:t>Improved Learning Model:  EDM-</a:t>
-            </a:r>
-            <a:r>
-              <a:rPr lang="en-US" sz="2800" b="1" dirty="0" err="1"/>
-              <a:t>RoBERTa</a:t>
-            </a:r>
-            <a:endParaRPr lang="en-US" sz="2800" b="1" dirty="0"/>
+              <a:t>Optimization: Sentimental Ambiguity</a:t>
+            </a:r>
           </a:p>
         </p:txBody>
       </p:sp>
@@ -11606,7 +11605,7 @@
         <p:spPr>
           <a:xfrm>
             <a:off x="952373" y="1568534"/>
-            <a:ext cx="6384248" cy="461665"/>
+            <a:ext cx="11102783" cy="830997"/>
           </a:xfrm>
           <a:prstGeom prst="rect">
             <a:avLst/>
@@ -11625,13 +11624,22 @@
             </a:pPr>
             <a:r>
               <a:rPr lang="en-US" sz="2400" dirty="0">
-                <a:latin typeface="Calibri" panose="020F0502020204030204" pitchFamily="34" charset="0"/>
-                <a:cs typeface="Calibri" panose="020F0502020204030204" pitchFamily="34" charset="0"/>
+                <a:latin typeface="Times New Roman" panose="02020603050405020304" pitchFamily="18" charset="0"/>
+                <a:cs typeface="Times New Roman" panose="02020603050405020304" pitchFamily="18" charset="0"/>
               </a:rPr>
-              <a:t>Choose the best-performed model: </a:t>
-            </a:r>
-            <a:r>
-              <a:rPr lang="en-US" sz="2400" b="1" dirty="0" err="1">
+              <a:t>Why using both two-dimensional and multi-dimensional sentiment analysis datasets </a:t>
+            </a:r>
+          </a:p>
+          <a:p>
+            <a:r>
+              <a:rPr lang="en-US" sz="2400" dirty="0">
+                <a:latin typeface="Times New Roman" panose="02020603050405020304" pitchFamily="18" charset="0"/>
+                <a:cs typeface="Times New Roman" panose="02020603050405020304" pitchFamily="18" charset="0"/>
+              </a:rPr>
+              <a:t>      to train EDM-</a:t>
+            </a:r>
+            <a:r>
+              <a:rPr lang="en-US" sz="2400" dirty="0" err="1">
                 <a:latin typeface="Times New Roman" panose="02020603050405020304" pitchFamily="18" charset="0"/>
                 <a:cs typeface="Times New Roman" panose="02020603050405020304" pitchFamily="18" charset="0"/>
               </a:rPr>
@@ -11639,10 +11647,10 @@
             </a:r>
             <a:r>
               <a:rPr lang="en-US" sz="2400" dirty="0">
-                <a:latin typeface="Calibri" panose="020F0502020204030204" pitchFamily="34" charset="0"/>
-                <a:cs typeface="Calibri" panose="020F0502020204030204" pitchFamily="34" charset="0"/>
+                <a:latin typeface="Times New Roman" panose="02020603050405020304" pitchFamily="18" charset="0"/>
+                <a:cs typeface="Times New Roman" panose="02020603050405020304" pitchFamily="18" charset="0"/>
               </a:rPr>
-              <a:t> </a:t>
+              <a:t> ?</a:t>
             </a:r>
           </a:p>
         </p:txBody>
@@ -11661,8 +11669,8 @@
         </p:nvSpPr>
         <p:spPr>
           <a:xfrm>
-            <a:off x="952373" y="2376449"/>
-            <a:ext cx="6661566" cy="461665"/>
+            <a:off x="1629842" y="2644168"/>
+            <a:ext cx="9422471" cy="461665"/>
           </a:xfrm>
           <a:prstGeom prst="rect">
             <a:avLst/>
@@ -11676,29 +11684,15 @@
           <a:lstStyle/>
           <a:p>
             <a:pPr marL="342900" indent="-342900">
-              <a:buFont typeface="Arial" panose="020B0604020202020204" pitchFamily="34" charset="0"/>
-              <a:buChar char="•"/>
+              <a:buFont typeface="Wingdings" pitchFamily="2" charset="2"/>
+              <a:buChar char="§"/>
             </a:pPr>
             <a:r>
               <a:rPr lang="en-US" sz="2400" b="1" dirty="0">
                 <a:latin typeface="Calibri" panose="020F0502020204030204" pitchFamily="34" charset="0"/>
                 <a:cs typeface="Calibri" panose="020F0502020204030204" pitchFamily="34" charset="0"/>
               </a:rPr>
-              <a:t>Optimize the </a:t>
-            </a:r>
-            <a:r>
-              <a:rPr lang="en-US" sz="2400" b="1" dirty="0" err="1">
-                <a:latin typeface="Calibri" panose="020F0502020204030204" pitchFamily="34" charset="0"/>
-                <a:cs typeface="Calibri" panose="020F0502020204030204" pitchFamily="34" charset="0"/>
-              </a:rPr>
-              <a:t>RoBERTa</a:t>
-            </a:r>
-            <a:r>
-              <a:rPr lang="en-US" sz="2400" b="1" dirty="0">
-                <a:latin typeface="Calibri" panose="020F0502020204030204" pitchFamily="34" charset="0"/>
-                <a:cs typeface="Calibri" panose="020F0502020204030204" pitchFamily="34" charset="0"/>
-              </a:rPr>
-              <a:t> model with Boom Layer</a:t>
+              <a:t>Deal with the sentences with sentimental ambiguity</a:t>
             </a:r>
             <a:endParaRPr lang="en-US" sz="2400" dirty="0">
               <a:latin typeface="Calibri" panose="020F0502020204030204" pitchFamily="34" charset="0"/>
@@ -11707,12 +11701,47 @@
           </a:p>
         </p:txBody>
       </p:sp>
+      <p:sp>
+        <p:nvSpPr>
+          <p:cNvPr id="9" name="文字方塊 8">
+            <a:extLst>
+              <a:ext uri="{FF2B5EF4-FFF2-40B4-BE49-F238E27FC236}">
+                <a16:creationId xmlns:a16="http://schemas.microsoft.com/office/drawing/2014/main" id="{AE73553F-4114-411F-A6A1-3291FA4B6CF8}"/>
+              </a:ext>
+            </a:extLst>
+          </p:cNvPr>
+          <p:cNvSpPr txBox="1"/>
+          <p:nvPr/>
+        </p:nvSpPr>
+        <p:spPr>
+          <a:xfrm>
+            <a:off x="11484528" y="6493241"/>
+            <a:ext cx="805343" cy="276999"/>
+          </a:xfrm>
+          <a:prstGeom prst="rect">
+            <a:avLst/>
+          </a:prstGeom>
+          <a:noFill/>
+        </p:spPr>
+        <p:txBody>
+          <a:bodyPr wrap="square" rtlCol="0">
+            <a:spAutoFit/>
+          </a:bodyPr>
+          <a:lstStyle/>
+          <a:p>
+            <a:r>
+              <a:rPr lang="en-US" sz="1200" dirty="0"/>
+              <a:t>11</a:t>
+            </a:r>
+          </a:p>
+        </p:txBody>
+      </p:sp>
       <p:pic>
         <p:nvPicPr>
           <p:cNvPr id="7" name="Picture 6">
             <a:extLst>
               <a:ext uri="{FF2B5EF4-FFF2-40B4-BE49-F238E27FC236}">
-                <a16:creationId xmlns:a16="http://schemas.microsoft.com/office/drawing/2014/main" id="{03DD16DF-6DDD-1440-BEC6-E2C893E34BBD}"/>
+                <a16:creationId xmlns:a16="http://schemas.microsoft.com/office/drawing/2014/main" id="{C93D3C89-0C3D-1D41-9BAC-E72071BBCA8E}"/>
               </a:ext>
             </a:extLst>
           </p:cNvPr>
@@ -11735,102 +11764,18 @@
         </p:blipFill>
         <p:spPr>
           <a:xfrm>
-            <a:off x="8858536" y="28820"/>
-            <a:ext cx="2516459" cy="6778202"/>
+            <a:off x="1377377" y="3634580"/>
+            <a:ext cx="9437245" cy="1623612"/>
           </a:xfrm>
           <a:prstGeom prst="rect">
             <a:avLst/>
           </a:prstGeom>
         </p:spPr>
       </p:pic>
-      <p:sp>
-        <p:nvSpPr>
-          <p:cNvPr id="14" name="TextBox 13">
-            <a:extLst>
-              <a:ext uri="{FF2B5EF4-FFF2-40B4-BE49-F238E27FC236}">
-                <a16:creationId xmlns:a16="http://schemas.microsoft.com/office/drawing/2014/main" id="{8A847973-0319-9B4F-B5CD-4F522B13162B}"/>
-              </a:ext>
-            </a:extLst>
-          </p:cNvPr>
-          <p:cNvSpPr txBox="1"/>
-          <p:nvPr/>
-        </p:nvSpPr>
-        <p:spPr>
-          <a:xfrm>
-            <a:off x="1154104" y="3882972"/>
-            <a:ext cx="8424781" cy="477054"/>
-          </a:xfrm>
-          <a:prstGeom prst="rect">
-            <a:avLst/>
-          </a:prstGeom>
-          <a:noFill/>
-        </p:spPr>
-        <p:txBody>
-          <a:bodyPr wrap="square" rtlCol="0">
-            <a:spAutoFit/>
-          </a:bodyPr>
-          <a:lstStyle/>
-          <a:p>
-            <a:r>
-              <a:rPr lang="en-US" sz="2500" b="1" dirty="0">
-                <a:latin typeface="Times New Roman" panose="02020603050405020304" pitchFamily="18" charset="0"/>
-                <a:cs typeface="Times New Roman" panose="02020603050405020304" pitchFamily="18" charset="0"/>
-              </a:rPr>
-              <a:t>Enhancing the Dependency Mechanism of </a:t>
-            </a:r>
-            <a:r>
-              <a:rPr lang="en-US" sz="2500" b="1" dirty="0" err="1">
-                <a:latin typeface="Times New Roman" panose="02020603050405020304" pitchFamily="18" charset="0"/>
-                <a:cs typeface="Times New Roman" panose="02020603050405020304" pitchFamily="18" charset="0"/>
-              </a:rPr>
-              <a:t>RoBERTa</a:t>
-            </a:r>
-            <a:endParaRPr lang="en-US" sz="2500" dirty="0">
-              <a:latin typeface="Times New Roman" panose="02020603050405020304" pitchFamily="18" charset="0"/>
-              <a:cs typeface="Times New Roman" panose="02020603050405020304" pitchFamily="18" charset="0"/>
-            </a:endParaRPr>
-          </a:p>
-        </p:txBody>
-      </p:sp>
-      <p:sp>
-        <p:nvSpPr>
-          <p:cNvPr id="8" name="文字方塊 7">
-            <a:extLst>
-              <a:ext uri="{FF2B5EF4-FFF2-40B4-BE49-F238E27FC236}">
-                <a16:creationId xmlns:a16="http://schemas.microsoft.com/office/drawing/2014/main" id="{CA9DE776-E94C-47BA-B7C4-BC7427DC5373}"/>
-              </a:ext>
-            </a:extLst>
-          </p:cNvPr>
-          <p:cNvSpPr txBox="1"/>
-          <p:nvPr/>
-        </p:nvSpPr>
-        <p:spPr>
-          <a:xfrm>
-            <a:off x="11484528" y="6493241"/>
-            <a:ext cx="805343" cy="276999"/>
-          </a:xfrm>
-          <a:prstGeom prst="rect">
-            <a:avLst/>
-          </a:prstGeom>
-          <a:noFill/>
-        </p:spPr>
-        <p:txBody>
-          <a:bodyPr wrap="square" rtlCol="0">
-            <a:spAutoFit/>
-          </a:bodyPr>
-          <a:lstStyle/>
-          <a:p>
-            <a:r>
-              <a:rPr lang="en-US" sz="1200" dirty="0"/>
-              <a:t>12</a:t>
-            </a:r>
-          </a:p>
-        </p:txBody>
-      </p:sp>
     </p:spTree>
     <p:extLst>
       <p:ext uri="{BB962C8B-B14F-4D97-AF65-F5344CB8AC3E}">
-        <p14:creationId xmlns:p14="http://schemas.microsoft.com/office/powerpoint/2010/main" val="2301789250"/>
+        <p14:creationId xmlns:p14="http://schemas.microsoft.com/office/powerpoint/2010/main" val="3234856110"/>
       </p:ext>
     </p:extLst>
   </p:cSld>
@@ -11895,8 +11840,129 @@
           <a:p>
             <a:r>
               <a:rPr lang="en-US" sz="2800" b="1" dirty="0"/>
-              <a:t>Optimization: Statistics</a:t>
-            </a:r>
+              <a:t>Improved Learning Model:  EDM-</a:t>
+            </a:r>
+            <a:r>
+              <a:rPr lang="en-US" sz="2800" b="1" dirty="0" err="1"/>
+              <a:t>RoBERTa</a:t>
+            </a:r>
+            <a:endParaRPr lang="en-US" sz="2800" b="1" dirty="0"/>
+          </a:p>
+        </p:txBody>
+      </p:sp>
+      <p:sp>
+        <p:nvSpPr>
+          <p:cNvPr id="5" name="TextBox 4">
+            <a:extLst>
+              <a:ext uri="{FF2B5EF4-FFF2-40B4-BE49-F238E27FC236}">
+                <a16:creationId xmlns:a16="http://schemas.microsoft.com/office/drawing/2014/main" id="{0F0A5022-A9F2-4143-B927-A449071B04E6}"/>
+              </a:ext>
+            </a:extLst>
+          </p:cNvPr>
+          <p:cNvSpPr txBox="1"/>
+          <p:nvPr/>
+        </p:nvSpPr>
+        <p:spPr>
+          <a:xfrm>
+            <a:off x="952373" y="1568534"/>
+            <a:ext cx="6384248" cy="461665"/>
+          </a:xfrm>
+          <a:prstGeom prst="rect">
+            <a:avLst/>
+          </a:prstGeom>
+          <a:noFill/>
+        </p:spPr>
+        <p:txBody>
+          <a:bodyPr wrap="none" rtlCol="0">
+            <a:spAutoFit/>
+          </a:bodyPr>
+          <a:lstStyle/>
+          <a:p>
+            <a:pPr marL="342900" indent="-342900">
+              <a:buFont typeface="Arial" panose="020B0604020202020204" pitchFamily="34" charset="0"/>
+              <a:buChar char="•"/>
+            </a:pPr>
+            <a:r>
+              <a:rPr lang="en-US" sz="2400" dirty="0">
+                <a:latin typeface="Calibri" panose="020F0502020204030204" pitchFamily="34" charset="0"/>
+                <a:cs typeface="Calibri" panose="020F0502020204030204" pitchFamily="34" charset="0"/>
+              </a:rPr>
+              <a:t>Choose the best-performed model: </a:t>
+            </a:r>
+            <a:r>
+              <a:rPr lang="en-US" sz="2400" b="1" dirty="0" err="1">
+                <a:latin typeface="Times New Roman" panose="02020603050405020304" pitchFamily="18" charset="0"/>
+                <a:cs typeface="Times New Roman" panose="02020603050405020304" pitchFamily="18" charset="0"/>
+              </a:rPr>
+              <a:t>RoBERTa</a:t>
+            </a:r>
+            <a:r>
+              <a:rPr lang="en-US" sz="2400" dirty="0">
+                <a:latin typeface="Calibri" panose="020F0502020204030204" pitchFamily="34" charset="0"/>
+                <a:cs typeface="Calibri" panose="020F0502020204030204" pitchFamily="34" charset="0"/>
+              </a:rPr>
+              <a:t> </a:t>
+            </a:r>
+          </a:p>
+        </p:txBody>
+      </p:sp>
+      <p:sp>
+        <p:nvSpPr>
+          <p:cNvPr id="6" name="TextBox 5">
+            <a:extLst>
+              <a:ext uri="{FF2B5EF4-FFF2-40B4-BE49-F238E27FC236}">
+                <a16:creationId xmlns:a16="http://schemas.microsoft.com/office/drawing/2014/main" id="{F0562E0E-EEBC-9146-9A8A-71CE457A66D7}"/>
+              </a:ext>
+            </a:extLst>
+          </p:cNvPr>
+          <p:cNvSpPr txBox="1"/>
+          <p:nvPr/>
+        </p:nvSpPr>
+        <p:spPr>
+          <a:xfrm>
+            <a:off x="952373" y="2376449"/>
+            <a:ext cx="6661566" cy="461665"/>
+          </a:xfrm>
+          <a:prstGeom prst="rect">
+            <a:avLst/>
+          </a:prstGeom>
+          <a:noFill/>
+        </p:spPr>
+        <p:txBody>
+          <a:bodyPr wrap="square" rtlCol="0">
+            <a:spAutoFit/>
+          </a:bodyPr>
+          <a:lstStyle/>
+          <a:p>
+            <a:pPr marL="342900" indent="-342900">
+              <a:buFont typeface="Arial" panose="020B0604020202020204" pitchFamily="34" charset="0"/>
+              <a:buChar char="•"/>
+            </a:pPr>
+            <a:r>
+              <a:rPr lang="en-US" sz="2400" b="1" dirty="0">
+                <a:latin typeface="Calibri" panose="020F0502020204030204" pitchFamily="34" charset="0"/>
+                <a:cs typeface="Calibri" panose="020F0502020204030204" pitchFamily="34" charset="0"/>
+              </a:rPr>
+              <a:t>Optimize the </a:t>
+            </a:r>
+            <a:r>
+              <a:rPr lang="en-US" sz="2400" b="1" dirty="0" err="1">
+                <a:latin typeface="Calibri" panose="020F0502020204030204" pitchFamily="34" charset="0"/>
+                <a:cs typeface="Calibri" panose="020F0502020204030204" pitchFamily="34" charset="0"/>
+              </a:rPr>
+              <a:t>RoBERTa</a:t>
+            </a:r>
+            <a:r>
+              <a:rPr lang="en-US" sz="2400" b="1" dirty="0">
+                <a:latin typeface="Calibri" panose="020F0502020204030204" pitchFamily="34" charset="0"/>
+                <a:cs typeface="Calibri" panose="020F0502020204030204" pitchFamily="34" charset="0"/>
+              </a:rPr>
+              <a:t> model with Boom Layer</a:t>
+            </a:r>
+            <a:endParaRPr lang="en-US" sz="2400" dirty="0">
+              <a:latin typeface="Calibri" panose="020F0502020204030204" pitchFamily="34" charset="0"/>
+              <a:cs typeface="Calibri" panose="020F0502020204030204" pitchFamily="34" charset="0"/>
+            </a:endParaRPr>
           </a:p>
         </p:txBody>
       </p:sp>
@@ -11905,7 +11971,7 @@
           <p:cNvPr id="7" name="Picture 6">
             <a:extLst>
               <a:ext uri="{FF2B5EF4-FFF2-40B4-BE49-F238E27FC236}">
-                <a16:creationId xmlns:a16="http://schemas.microsoft.com/office/drawing/2014/main" id="{3EA49A00-B665-BB4E-8414-F14A25C37FAF}"/>
+                <a16:creationId xmlns:a16="http://schemas.microsoft.com/office/drawing/2014/main" id="{03DD16DF-6DDD-1440-BEC6-E2C893E34BBD}"/>
               </a:ext>
             </a:extLst>
           </p:cNvPr>
@@ -11928,56 +11994,20 @@
         </p:blipFill>
         <p:spPr>
           <a:xfrm>
-            <a:off x="817123" y="1479649"/>
-            <a:ext cx="8716836" cy="2237989"/>
+            <a:off x="8858536" y="28820"/>
+            <a:ext cx="2516459" cy="6778202"/>
           </a:xfrm>
           <a:prstGeom prst="rect">
             <a:avLst/>
           </a:prstGeom>
         </p:spPr>
       </p:pic>
-      <p:pic>
-        <p:nvPicPr>
-          <p:cNvPr id="9" name="Picture 8">
-            <a:extLst>
-              <a:ext uri="{FF2B5EF4-FFF2-40B4-BE49-F238E27FC236}">
-                <a16:creationId xmlns:a16="http://schemas.microsoft.com/office/drawing/2014/main" id="{039B4765-42F5-9541-BC34-8ACF710B3366}"/>
-              </a:ext>
-            </a:extLst>
-          </p:cNvPr>
-          <p:cNvPicPr>
-            <a:picLocks noChangeAspect="1"/>
-          </p:cNvPicPr>
-          <p:nvPr/>
-        </p:nvPicPr>
-        <p:blipFill>
-          <a:blip r:embed="rId4">
-            <a:extLst>
-              <a:ext uri="{28A0092B-C50C-407E-A947-70E740481C1C}">
-                <a14:useLocalDpi xmlns:a14="http://schemas.microsoft.com/office/drawing/2010/main" val="0"/>
-              </a:ext>
-            </a:extLst>
-          </a:blip>
-          <a:stretch>
-            <a:fillRect/>
-          </a:stretch>
-        </p:blipFill>
-        <p:spPr>
-          <a:xfrm>
-            <a:off x="2869660" y="4330567"/>
-            <a:ext cx="9015380" cy="2237989"/>
-          </a:xfrm>
-          <a:prstGeom prst="rect">
-            <a:avLst/>
-          </a:prstGeom>
-        </p:spPr>
-      </p:pic>
-      <p:sp>
-        <p:nvSpPr>
-          <p:cNvPr id="5" name="文字方塊 4">
-            <a:extLst>
-              <a:ext uri="{FF2B5EF4-FFF2-40B4-BE49-F238E27FC236}">
-                <a16:creationId xmlns:a16="http://schemas.microsoft.com/office/drawing/2014/main" id="{41506C6F-93EE-49C5-88F9-1B83EB3738F0}"/>
+      <p:sp>
+        <p:nvSpPr>
+          <p:cNvPr id="14" name="TextBox 13">
+            <a:extLst>
+              <a:ext uri="{FF2B5EF4-FFF2-40B4-BE49-F238E27FC236}">
+                <a16:creationId xmlns:a16="http://schemas.microsoft.com/office/drawing/2014/main" id="{8A847973-0319-9B4F-B5CD-4F522B13162B}"/>
               </a:ext>
             </a:extLst>
           </p:cNvPr>
@@ -11986,8 +12016,8 @@
         </p:nvSpPr>
         <p:spPr>
           <a:xfrm>
-            <a:off x="11484528" y="6493241"/>
-            <a:ext cx="805343" cy="276999"/>
+            <a:off x="1154104" y="3882972"/>
+            <a:ext cx="8424781" cy="477054"/>
           </a:xfrm>
           <a:prstGeom prst="rect">
             <a:avLst/>
@@ -12001,8 +12031,57 @@
           <a:lstStyle/>
           <a:p>
             <a:r>
+              <a:rPr lang="en-US" sz="2500" b="1" dirty="0">
+                <a:latin typeface="Times New Roman" panose="02020603050405020304" pitchFamily="18" charset="0"/>
+                <a:cs typeface="Times New Roman" panose="02020603050405020304" pitchFamily="18" charset="0"/>
+              </a:rPr>
+              <a:t>Enhancing the Dependency Mechanism of </a:t>
+            </a:r>
+            <a:r>
+              <a:rPr lang="en-US" sz="2500" b="1" dirty="0" err="1">
+                <a:latin typeface="Times New Roman" panose="02020603050405020304" pitchFamily="18" charset="0"/>
+                <a:cs typeface="Times New Roman" panose="02020603050405020304" pitchFamily="18" charset="0"/>
+              </a:rPr>
+              <a:t>RoBERTa</a:t>
+            </a:r>
+            <a:endParaRPr lang="en-US" sz="2500" dirty="0">
+              <a:latin typeface="Times New Roman" panose="02020603050405020304" pitchFamily="18" charset="0"/>
+              <a:cs typeface="Times New Roman" panose="02020603050405020304" pitchFamily="18" charset="0"/>
+            </a:endParaRPr>
+          </a:p>
+        </p:txBody>
+      </p:sp>
+      <p:sp>
+        <p:nvSpPr>
+          <p:cNvPr id="8" name="文字方塊 7">
+            <a:extLst>
+              <a:ext uri="{FF2B5EF4-FFF2-40B4-BE49-F238E27FC236}">
+                <a16:creationId xmlns:a16="http://schemas.microsoft.com/office/drawing/2014/main" id="{CA9DE776-E94C-47BA-B7C4-BC7427DC5373}"/>
+              </a:ext>
+            </a:extLst>
+          </p:cNvPr>
+          <p:cNvSpPr txBox="1"/>
+          <p:nvPr/>
+        </p:nvSpPr>
+        <p:spPr>
+          <a:xfrm>
+            <a:off x="11484528" y="6493241"/>
+            <a:ext cx="805343" cy="276999"/>
+          </a:xfrm>
+          <a:prstGeom prst="rect">
+            <a:avLst/>
+          </a:prstGeom>
+          <a:noFill/>
+        </p:spPr>
+        <p:txBody>
+          <a:bodyPr wrap="square" rtlCol="0">
+            <a:spAutoFit/>
+          </a:bodyPr>
+          <a:lstStyle/>
+          <a:p>
+            <a:r>
               <a:rPr lang="en-US" sz="1200" dirty="0"/>
-              <a:t>13</a:t>
+              <a:t>12</a:t>
             </a:r>
           </a:p>
         </p:txBody>
@@ -12010,7 +12089,7 @@
     </p:spTree>
     <p:extLst>
       <p:ext uri="{BB962C8B-B14F-4D97-AF65-F5344CB8AC3E}">
-        <p14:creationId xmlns:p14="http://schemas.microsoft.com/office/powerpoint/2010/main" val="1987724706"/>
+        <p14:creationId xmlns:p14="http://schemas.microsoft.com/office/powerpoint/2010/main" val="2301789250"/>
       </p:ext>
     </p:extLst>
   </p:cSld>
@@ -12060,7 +12139,7 @@
         <p:spPr>
           <a:xfrm>
             <a:off x="616225" y="569844"/>
-            <a:ext cx="11008328" cy="523220"/>
+            <a:ext cx="9500541" cy="523220"/>
           </a:xfrm>
           <a:prstGeom prst="rect">
             <a:avLst/>
@@ -12075,30 +12154,17 @@
           <a:p>
             <a:r>
               <a:rPr lang="en-US" sz="2800" b="1" dirty="0"/>
-              <a:t>EDM-</a:t>
-            </a:r>
-            <a:r>
-              <a:rPr lang="en-US" sz="2800" b="1" dirty="0" err="1"/>
-              <a:t>RoBERTa</a:t>
-            </a:r>
-            <a:r>
-              <a:rPr lang="en-US" sz="2800" b="1" dirty="0"/>
-              <a:t>: Enhancing the Dependency Structure of </a:t>
-            </a:r>
-            <a:r>
-              <a:rPr lang="en-US" sz="2800" b="1" dirty="0" err="1"/>
-              <a:t>RoBERTa</a:t>
-            </a:r>
-            <a:endParaRPr lang="en-US" sz="2800" b="1" dirty="0"/>
+              <a:t>Optimization: Statistics</a:t>
+            </a:r>
           </a:p>
         </p:txBody>
       </p:sp>
       <p:pic>
         <p:nvPicPr>
-          <p:cNvPr id="4" name="Picture 3">
-            <a:extLst>
-              <a:ext uri="{FF2B5EF4-FFF2-40B4-BE49-F238E27FC236}">
-                <a16:creationId xmlns:a16="http://schemas.microsoft.com/office/drawing/2014/main" id="{01A05A17-4134-CB42-BA18-D7A967D0F2DB}"/>
+          <p:cNvPr id="7" name="Picture 6">
+            <a:extLst>
+              <a:ext uri="{FF2B5EF4-FFF2-40B4-BE49-F238E27FC236}">
+                <a16:creationId xmlns:a16="http://schemas.microsoft.com/office/drawing/2014/main" id="{3EA49A00-B665-BB4E-8414-F14A25C37FAF}"/>
               </a:ext>
             </a:extLst>
           </p:cNvPr>
@@ -12121,20 +12187,56 @@
         </p:blipFill>
         <p:spPr>
           <a:xfrm>
-            <a:off x="1589975" y="2907884"/>
-            <a:ext cx="9012050" cy="1757124"/>
+            <a:off x="817123" y="1479649"/>
+            <a:ext cx="8716836" cy="2237989"/>
           </a:xfrm>
           <a:prstGeom prst="rect">
             <a:avLst/>
           </a:prstGeom>
         </p:spPr>
       </p:pic>
-      <p:sp>
-        <p:nvSpPr>
-          <p:cNvPr id="5" name="TextBox 4">
-            <a:extLst>
-              <a:ext uri="{FF2B5EF4-FFF2-40B4-BE49-F238E27FC236}">
-                <a16:creationId xmlns:a16="http://schemas.microsoft.com/office/drawing/2014/main" id="{7143B78D-B6B3-474D-B531-66EC4DED1CA1}"/>
+      <p:pic>
+        <p:nvPicPr>
+          <p:cNvPr id="9" name="Picture 8">
+            <a:extLst>
+              <a:ext uri="{FF2B5EF4-FFF2-40B4-BE49-F238E27FC236}">
+                <a16:creationId xmlns:a16="http://schemas.microsoft.com/office/drawing/2014/main" id="{039B4765-42F5-9541-BC34-8ACF710B3366}"/>
+              </a:ext>
+            </a:extLst>
+          </p:cNvPr>
+          <p:cNvPicPr>
+            <a:picLocks noChangeAspect="1"/>
+          </p:cNvPicPr>
+          <p:nvPr/>
+        </p:nvPicPr>
+        <p:blipFill>
+          <a:blip r:embed="rId4">
+            <a:extLst>
+              <a:ext uri="{28A0092B-C50C-407E-A947-70E740481C1C}">
+                <a14:useLocalDpi xmlns:a14="http://schemas.microsoft.com/office/drawing/2010/main" val="0"/>
+              </a:ext>
+            </a:extLst>
+          </a:blip>
+          <a:stretch>
+            <a:fillRect/>
+          </a:stretch>
+        </p:blipFill>
+        <p:spPr>
+          <a:xfrm>
+            <a:off x="2869660" y="4330567"/>
+            <a:ext cx="9015380" cy="2237989"/>
+          </a:xfrm>
+          <a:prstGeom prst="rect">
+            <a:avLst/>
+          </a:prstGeom>
+        </p:spPr>
+      </p:pic>
+      <p:sp>
+        <p:nvSpPr>
+          <p:cNvPr id="5" name="文字方塊 4">
+            <a:extLst>
+              <a:ext uri="{FF2B5EF4-FFF2-40B4-BE49-F238E27FC236}">
+                <a16:creationId xmlns:a16="http://schemas.microsoft.com/office/drawing/2014/main" id="{41506C6F-93EE-49C5-88F9-1B83EB3738F0}"/>
               </a:ext>
             </a:extLst>
           </p:cNvPr>
@@ -12143,8 +12245,8 @@
         </p:nvSpPr>
         <p:spPr>
           <a:xfrm>
-            <a:off x="1322962" y="1780162"/>
-            <a:ext cx="5985293" cy="477054"/>
+            <a:off x="11484528" y="6493241"/>
+            <a:ext cx="805343" cy="276999"/>
           </a:xfrm>
           <a:prstGeom prst="rect">
             <a:avLst/>
@@ -12152,50 +12254,6 @@
           <a:noFill/>
         </p:spPr>
         <p:txBody>
-          <a:bodyPr wrap="none" rtlCol="0">
-            <a:spAutoFit/>
-          </a:bodyPr>
-          <a:lstStyle/>
-          <a:p>
-            <a:pPr marL="342900" indent="-342900">
-              <a:buFont typeface="Arial" panose="020B0604020202020204" pitchFamily="34" charset="0"/>
-              <a:buChar char="•"/>
-            </a:pPr>
-            <a:r>
-              <a:rPr lang="en-US" sz="2500" b="1" dirty="0"/>
-              <a:t>Detailed parameters of EDM-</a:t>
-            </a:r>
-            <a:r>
-              <a:rPr lang="en-US" sz="2500" b="1" dirty="0" err="1"/>
-              <a:t>RoBERTa</a:t>
-            </a:r>
-            <a:endParaRPr lang="en-US" sz="2500" b="1" dirty="0"/>
-          </a:p>
-        </p:txBody>
-      </p:sp>
-      <p:sp>
-        <p:nvSpPr>
-          <p:cNvPr id="6" name="文字方塊 5">
-            <a:extLst>
-              <a:ext uri="{FF2B5EF4-FFF2-40B4-BE49-F238E27FC236}">
-                <a16:creationId xmlns:a16="http://schemas.microsoft.com/office/drawing/2014/main" id="{F1369C88-80E7-407E-80FA-2D871FE3345B}"/>
-              </a:ext>
-            </a:extLst>
-          </p:cNvPr>
-          <p:cNvSpPr txBox="1"/>
-          <p:nvPr/>
-        </p:nvSpPr>
-        <p:spPr>
-          <a:xfrm>
-            <a:off x="11484528" y="6493241"/>
-            <a:ext cx="805343" cy="276999"/>
-          </a:xfrm>
-          <a:prstGeom prst="rect">
-            <a:avLst/>
-          </a:prstGeom>
-          <a:noFill/>
-        </p:spPr>
-        <p:txBody>
           <a:bodyPr wrap="square" rtlCol="0">
             <a:spAutoFit/>
           </a:bodyPr>
@@ -12203,7 +12261,7 @@
           <a:p>
             <a:r>
               <a:rPr lang="en-US" sz="1200" dirty="0"/>
-              <a:t>14</a:t>
+              <a:t>13</a:t>
             </a:r>
           </a:p>
         </p:txBody>
@@ -12211,7 +12269,7 @@
     </p:spTree>
     <p:extLst>
       <p:ext uri="{BB962C8B-B14F-4D97-AF65-F5344CB8AC3E}">
-        <p14:creationId xmlns:p14="http://schemas.microsoft.com/office/powerpoint/2010/main" val="266460702"/>
+        <p14:creationId xmlns:p14="http://schemas.microsoft.com/office/powerpoint/2010/main" val="1987724706"/>
       </p:ext>
     </p:extLst>
   </p:cSld>
@@ -12464,6 +12522,207 @@
           <a:p>
             <a:r>
               <a:rPr lang="en-US" sz="2800" b="1" dirty="0"/>
+              <a:t>EDM-</a:t>
+            </a:r>
+            <a:r>
+              <a:rPr lang="en-US" sz="2800" b="1" dirty="0" err="1"/>
+              <a:t>RoBERTa</a:t>
+            </a:r>
+            <a:r>
+              <a:rPr lang="en-US" sz="2800" b="1" dirty="0"/>
+              <a:t>: Enhancing the Dependency Structure of </a:t>
+            </a:r>
+            <a:r>
+              <a:rPr lang="en-US" sz="2800" b="1" dirty="0" err="1"/>
+              <a:t>RoBERTa</a:t>
+            </a:r>
+            <a:endParaRPr lang="en-US" sz="2800" b="1" dirty="0"/>
+          </a:p>
+        </p:txBody>
+      </p:sp>
+      <p:pic>
+        <p:nvPicPr>
+          <p:cNvPr id="4" name="Picture 3">
+            <a:extLst>
+              <a:ext uri="{FF2B5EF4-FFF2-40B4-BE49-F238E27FC236}">
+                <a16:creationId xmlns:a16="http://schemas.microsoft.com/office/drawing/2014/main" id="{01A05A17-4134-CB42-BA18-D7A967D0F2DB}"/>
+              </a:ext>
+            </a:extLst>
+          </p:cNvPr>
+          <p:cNvPicPr>
+            <a:picLocks noChangeAspect="1"/>
+          </p:cNvPicPr>
+          <p:nvPr/>
+        </p:nvPicPr>
+        <p:blipFill>
+          <a:blip r:embed="rId3">
+            <a:extLst>
+              <a:ext uri="{28A0092B-C50C-407E-A947-70E740481C1C}">
+                <a14:useLocalDpi xmlns:a14="http://schemas.microsoft.com/office/drawing/2010/main" val="0"/>
+              </a:ext>
+            </a:extLst>
+          </a:blip>
+          <a:stretch>
+            <a:fillRect/>
+          </a:stretch>
+        </p:blipFill>
+        <p:spPr>
+          <a:xfrm>
+            <a:off x="1589975" y="2907884"/>
+            <a:ext cx="9012050" cy="1757124"/>
+          </a:xfrm>
+          <a:prstGeom prst="rect">
+            <a:avLst/>
+          </a:prstGeom>
+        </p:spPr>
+      </p:pic>
+      <p:sp>
+        <p:nvSpPr>
+          <p:cNvPr id="5" name="TextBox 4">
+            <a:extLst>
+              <a:ext uri="{FF2B5EF4-FFF2-40B4-BE49-F238E27FC236}">
+                <a16:creationId xmlns:a16="http://schemas.microsoft.com/office/drawing/2014/main" id="{7143B78D-B6B3-474D-B531-66EC4DED1CA1}"/>
+              </a:ext>
+            </a:extLst>
+          </p:cNvPr>
+          <p:cNvSpPr txBox="1"/>
+          <p:nvPr/>
+        </p:nvSpPr>
+        <p:spPr>
+          <a:xfrm>
+            <a:off x="1322962" y="1780162"/>
+            <a:ext cx="5985293" cy="477054"/>
+          </a:xfrm>
+          <a:prstGeom prst="rect">
+            <a:avLst/>
+          </a:prstGeom>
+          <a:noFill/>
+        </p:spPr>
+        <p:txBody>
+          <a:bodyPr wrap="none" rtlCol="0">
+            <a:spAutoFit/>
+          </a:bodyPr>
+          <a:lstStyle/>
+          <a:p>
+            <a:pPr marL="342900" indent="-342900">
+              <a:buFont typeface="Arial" panose="020B0604020202020204" pitchFamily="34" charset="0"/>
+              <a:buChar char="•"/>
+            </a:pPr>
+            <a:r>
+              <a:rPr lang="en-US" sz="2500" b="1" dirty="0"/>
+              <a:t>Detailed parameters of EDM-</a:t>
+            </a:r>
+            <a:r>
+              <a:rPr lang="en-US" sz="2500" b="1" dirty="0" err="1"/>
+              <a:t>RoBERTa</a:t>
+            </a:r>
+            <a:endParaRPr lang="en-US" sz="2500" b="1" dirty="0"/>
+          </a:p>
+        </p:txBody>
+      </p:sp>
+      <p:sp>
+        <p:nvSpPr>
+          <p:cNvPr id="6" name="文字方塊 5">
+            <a:extLst>
+              <a:ext uri="{FF2B5EF4-FFF2-40B4-BE49-F238E27FC236}">
+                <a16:creationId xmlns:a16="http://schemas.microsoft.com/office/drawing/2014/main" id="{F1369C88-80E7-407E-80FA-2D871FE3345B}"/>
+              </a:ext>
+            </a:extLst>
+          </p:cNvPr>
+          <p:cNvSpPr txBox="1"/>
+          <p:nvPr/>
+        </p:nvSpPr>
+        <p:spPr>
+          <a:xfrm>
+            <a:off x="11484528" y="6493241"/>
+            <a:ext cx="805343" cy="276999"/>
+          </a:xfrm>
+          <a:prstGeom prst="rect">
+            <a:avLst/>
+          </a:prstGeom>
+          <a:noFill/>
+        </p:spPr>
+        <p:txBody>
+          <a:bodyPr wrap="square" rtlCol="0">
+            <a:spAutoFit/>
+          </a:bodyPr>
+          <a:lstStyle/>
+          <a:p>
+            <a:r>
+              <a:rPr lang="en-US" sz="1200" dirty="0"/>
+              <a:t>14</a:t>
+            </a:r>
+          </a:p>
+        </p:txBody>
+      </p:sp>
+    </p:spTree>
+    <p:extLst>
+      <p:ext uri="{BB962C8B-B14F-4D97-AF65-F5344CB8AC3E}">
+        <p14:creationId xmlns:p14="http://schemas.microsoft.com/office/powerpoint/2010/main" val="266460702"/>
+      </p:ext>
+    </p:extLst>
+  </p:cSld>
+  <p:clrMapOvr>
+    <a:masterClrMapping/>
+  </p:clrMapOvr>
+</p:sld>
+</file>
+
+<file path=ppt/slides/slide21.xml><?xml version="1.0" encoding="utf-8"?>
+<p:sld xmlns:a="http://schemas.openxmlformats.org/drawingml/2006/main" xmlns:r="http://schemas.openxmlformats.org/officeDocument/2006/relationships" xmlns:p="http://schemas.openxmlformats.org/presentationml/2006/main">
+  <p:cSld>
+    <p:bg>
+      <p:bgPr>
+        <a:solidFill>
+          <a:schemeClr val="bg1"/>
+        </a:solidFill>
+        <a:effectLst/>
+      </p:bgPr>
+    </p:bg>
+    <p:spTree>
+      <p:nvGrpSpPr>
+        <p:cNvPr id="1" name=""/>
+        <p:cNvGrpSpPr/>
+        <p:nvPr/>
+      </p:nvGrpSpPr>
+      <p:grpSpPr>
+        <a:xfrm>
+          <a:off x="0" y="0"/>
+          <a:ext cx="0" cy="0"/>
+          <a:chOff x="0" y="0"/>
+          <a:chExt cx="0" cy="0"/>
+        </a:xfrm>
+      </p:grpSpPr>
+      <p:sp>
+        <p:nvSpPr>
+          <p:cNvPr id="2" name="文字方塊 9">
+            <a:extLst>
+              <a:ext uri="{FF2B5EF4-FFF2-40B4-BE49-F238E27FC236}">
+                <a16:creationId xmlns:a16="http://schemas.microsoft.com/office/drawing/2014/main" id="{1472181F-E1C9-5B4B-AC5F-B6ABF9C576B7}"/>
+              </a:ext>
+            </a:extLst>
+          </p:cNvPr>
+          <p:cNvSpPr txBox="1"/>
+          <p:nvPr/>
+        </p:nvSpPr>
+        <p:spPr>
+          <a:xfrm>
+            <a:off x="616225" y="569844"/>
+            <a:ext cx="11008328" cy="523220"/>
+          </a:xfrm>
+          <a:prstGeom prst="rect">
+            <a:avLst/>
+          </a:prstGeom>
+          <a:noFill/>
+        </p:spPr>
+        <p:txBody>
+          <a:bodyPr wrap="square" rtlCol="0">
+            <a:spAutoFit/>
+          </a:bodyPr>
+          <a:lstStyle/>
+          <a:p>
+            <a:r>
+              <a:rPr lang="en-US" sz="2800" b="1" dirty="0"/>
               <a:t>Runtimes &amp; Environments</a:t>
             </a:r>
           </a:p>
@@ -12553,7 +12812,7 @@
 </p:sld>
 </file>
 
-<file path=ppt/slides/slide21.xml><?xml version="1.0" encoding="utf-8"?>
+<file path=ppt/slides/slide22.xml><?xml version="1.0" encoding="utf-8"?>
 <p:sld xmlns:a="http://schemas.openxmlformats.org/drawingml/2006/main" xmlns:r="http://schemas.openxmlformats.org/officeDocument/2006/relationships" xmlns:p="http://schemas.openxmlformats.org/presentationml/2006/main">
   <p:cSld>
     <p:bg>
@@ -15893,6 +16152,15 @@
 </file>
 
 <file path=customXml/item1.xml><?xml version="1.0" encoding="utf-8"?>
+<p:properties xmlns:p="http://schemas.microsoft.com/office/2006/metadata/properties" xmlns:xsi="http://www.w3.org/2001/XMLSchema-instance" xmlns:pc="http://schemas.microsoft.com/office/infopath/2007/PartnerControls">
+  <documentManagement>
+    <_ip_UnifiedCompliancePolicyUIAction xmlns="http://schemas.microsoft.com/sharepoint/v3" xsi:nil="true"/>
+    <_ip_UnifiedCompliancePolicyProperties xmlns="http://schemas.microsoft.com/sharepoint/v3" xsi:nil="true"/>
+  </documentManagement>
+</p:properties>
+</file>
+
+<file path=customXml/item2.xml><?xml version="1.0" encoding="utf-8"?>
 <ct:contentTypeSchema xmlns:ct="http://schemas.microsoft.com/office/2006/metadata/contentType" xmlns:ma="http://schemas.microsoft.com/office/2006/metadata/properties/metaAttributes" ct:_="" ma:_="" ma:contentTypeName="Document" ma:contentTypeID="0x010100DEEA25CC0A0AC24199CDC46C25B8B0BC" ma:contentTypeVersion="9" ma:contentTypeDescription="Create a new document." ma:contentTypeScope="" ma:versionID="76e25e1730b4532ab1d5e5b131a96a5a">
   <xsd:schema xmlns:xsd="http://www.w3.org/2001/XMLSchema" xmlns:xs="http://www.w3.org/2001/XMLSchema" xmlns:p="http://schemas.microsoft.com/office/2006/metadata/properties" xmlns:ns1="http://schemas.microsoft.com/sharepoint/v3" xmlns:ns2="6dc4bcd6-49db-4c07-9060-8acfc67cef9f" xmlns:ns3="fb0879af-3eba-417a-a55a-ffe6dcd6ca77" targetNamespace="http://schemas.microsoft.com/office/2006/metadata/properties" ma:root="true" ma:fieldsID="ad1e9281a84c4949647088091c718de3" ns1:_="" ns2:_="" ns3:_="">
     <xsd:import namespace="http://schemas.microsoft.com/sharepoint/v3"/>
@@ -16094,16 +16362,25 @@
 </ct:contentTypeSchema>
 </file>
 
-<file path=customXml/item2.xml><?xml version="1.0" encoding="utf-8"?>
-<p:properties xmlns:p="http://schemas.microsoft.com/office/2006/metadata/properties" xmlns:xsi="http://www.w3.org/2001/XMLSchema-instance" xmlns:pc="http://schemas.microsoft.com/office/infopath/2007/PartnerControls">
-  <documentManagement>
-    <_ip_UnifiedCompliancePolicyUIAction xmlns="http://schemas.microsoft.com/sharepoint/v3" xsi:nil="true"/>
-    <_ip_UnifiedCompliancePolicyProperties xmlns="http://schemas.microsoft.com/sharepoint/v3" xsi:nil="true"/>
-  </documentManagement>
-</p:properties>
+<file path=customXml/itemProps1.xml><?xml version="1.0" encoding="utf-8"?>
+<ds:datastoreItem xmlns:ds="http://schemas.openxmlformats.org/officeDocument/2006/customXml" ds:itemID="{8FB61CFE-D4DA-4753-A9A5-D482B9609A35}">
+  <ds:schemaRefs>
+    <ds:schemaRef ds:uri="http://schemas.microsoft.com/office/2006/metadata/properties"/>
+    <ds:schemaRef ds:uri="http://schemas.openxmlformats.org/package/2006/metadata/core-properties"/>
+    <ds:schemaRef ds:uri="http://purl.org/dc/elements/1.1/"/>
+    <ds:schemaRef ds:uri="http://schemas.microsoft.com/office/2006/documentManagement/types"/>
+    <ds:schemaRef ds:uri="http://schemas.microsoft.com/sharepoint/v3"/>
+    <ds:schemaRef ds:uri="http://purl.org/dc/terms/"/>
+    <ds:schemaRef ds:uri="http://schemas.microsoft.com/office/infopath/2007/PartnerControls"/>
+    <ds:schemaRef ds:uri="http://www.w3.org/XML/1998/namespace"/>
+    <ds:schemaRef ds:uri="fb0879af-3eba-417a-a55a-ffe6dcd6ca77"/>
+    <ds:schemaRef ds:uri="6dc4bcd6-49db-4c07-9060-8acfc67cef9f"/>
+    <ds:schemaRef ds:uri="http://purl.org/dc/dcmitype/"/>
+  </ds:schemaRefs>
+</ds:datastoreItem>
 </file>
 
-<file path=customXml/itemProps1.xml><?xml version="1.0" encoding="utf-8"?>
+<file path=customXml/itemProps2.xml><?xml version="1.0" encoding="utf-8"?>
 <ds:datastoreItem xmlns:ds="http://schemas.openxmlformats.org/officeDocument/2006/customXml" ds:itemID="{58A784AD-7888-482C-A72A-80D3063962ED}">
   <ds:schemaRefs>
     <ds:schemaRef ds:uri="http://schemas.microsoft.com/office/2006/metadata/contentType"/>
@@ -16121,22 +16398,4 @@
     <ds:schemaRef ds:uri="http://schemas.microsoft.com/internal/obd"/>
   </ds:schemaRefs>
 </ds:datastoreItem>
-</file>
-
-<file path=customXml/itemProps2.xml><?xml version="1.0" encoding="utf-8"?>
-<ds:datastoreItem xmlns:ds="http://schemas.openxmlformats.org/officeDocument/2006/customXml" ds:itemID="{8FB61CFE-D4DA-4753-A9A5-D482B9609A35}">
-  <ds:schemaRefs>
-    <ds:schemaRef ds:uri="http://schemas.microsoft.com/office/2006/metadata/properties"/>
-    <ds:schemaRef ds:uri="http://schemas.openxmlformats.org/package/2006/metadata/core-properties"/>
-    <ds:schemaRef ds:uri="http://purl.org/dc/elements/1.1/"/>
-    <ds:schemaRef ds:uri="http://schemas.microsoft.com/office/2006/documentManagement/types"/>
-    <ds:schemaRef ds:uri="http://schemas.microsoft.com/sharepoint/v3"/>
-    <ds:schemaRef ds:uri="http://purl.org/dc/terms/"/>
-    <ds:schemaRef ds:uri="http://schemas.microsoft.com/office/infopath/2007/PartnerControls"/>
-    <ds:schemaRef ds:uri="http://www.w3.org/XML/1998/namespace"/>
-    <ds:schemaRef ds:uri="fb0879af-3eba-417a-a55a-ffe6dcd6ca77"/>
-    <ds:schemaRef ds:uri="6dc4bcd6-49db-4c07-9060-8acfc67cef9f"/>
-    <ds:schemaRef ds:uri="http://purl.org/dc/dcmitype/"/>
-  </ds:schemaRefs>
-</ds:datastoreItem>
 </file>
--- a/Lab/REP.pptx
+++ b/Lab/REP.pptx
@@ -254,7 +254,7 @@
                 <a:ea typeface="Microsoft JhengHei UI" panose="020B0604030504040204" pitchFamily="34" charset="-120"/>
                 <a:sym typeface="Microsoft JhengHei UI" panose="020B0604030504040204" pitchFamily="34" charset="-120"/>
               </a:rPr>
-              <a:t>2021/1/3</a:t>
+              <a:t>2021/1/4</a:t>
             </a:fld>
             <a:endParaRPr lang="en-US" altLang="zh-TW" dirty="0">
               <a:latin typeface="Microsoft JhengHei UI" panose="020B0604030504040204" pitchFamily="34" charset="-120"/>
@@ -463,7 +463,7 @@
             <a:fld id="{AA006804-164C-4CDA-8F38-2D5258C292C6}" type="datetime1">
               <a:rPr lang="zh-TW" altLang="en-US" smtClean="0"/>
               <a:pPr/>
-              <a:t>2021/1/3</a:t>
+              <a:t>2021/1/4</a:t>
             </a:fld>
             <a:endParaRPr lang="zh-TW" altLang="en-US" dirty="0"/>
           </a:p>

--- a/Lab/REP.pptx
+++ b/Lab/REP.pptx
@@ -5,10 +5,10 @@
     <p:sldMasterId id="2147483648" r:id="rId3"/>
   </p:sldMasterIdLst>
   <p:notesMasterIdLst>
-    <p:notesMasterId r:id="rId26"/>
+    <p:notesMasterId r:id="rId27"/>
   </p:notesMasterIdLst>
   <p:handoutMasterIdLst>
-    <p:handoutMasterId r:id="rId27"/>
+    <p:handoutMasterId r:id="rId28"/>
   </p:handoutMasterIdLst>
   <p:sldIdLst>
     <p:sldId id="282" r:id="rId4"/>
@@ -16,23 +16,24 @@
     <p:sldId id="283" r:id="rId6"/>
     <p:sldId id="301" r:id="rId7"/>
     <p:sldId id="315" r:id="rId8"/>
-    <p:sldId id="302" r:id="rId9"/>
-    <p:sldId id="303" r:id="rId10"/>
-    <p:sldId id="296" r:id="rId11"/>
-    <p:sldId id="316" r:id="rId12"/>
-    <p:sldId id="317" r:id="rId13"/>
-    <p:sldId id="312" r:id="rId14"/>
-    <p:sldId id="304" r:id="rId15"/>
-    <p:sldId id="313" r:id="rId16"/>
-    <p:sldId id="311" r:id="rId17"/>
-    <p:sldId id="305" r:id="rId18"/>
-    <p:sldId id="319" r:id="rId19"/>
-    <p:sldId id="318" r:id="rId20"/>
-    <p:sldId id="307" r:id="rId21"/>
-    <p:sldId id="306" r:id="rId22"/>
-    <p:sldId id="308" r:id="rId23"/>
-    <p:sldId id="309" r:id="rId24"/>
-    <p:sldId id="310" r:id="rId25"/>
+    <p:sldId id="320" r:id="rId9"/>
+    <p:sldId id="302" r:id="rId10"/>
+    <p:sldId id="303" r:id="rId11"/>
+    <p:sldId id="296" r:id="rId12"/>
+    <p:sldId id="316" r:id="rId13"/>
+    <p:sldId id="317" r:id="rId14"/>
+    <p:sldId id="312" r:id="rId15"/>
+    <p:sldId id="304" r:id="rId16"/>
+    <p:sldId id="313" r:id="rId17"/>
+    <p:sldId id="311" r:id="rId18"/>
+    <p:sldId id="305" r:id="rId19"/>
+    <p:sldId id="319" r:id="rId20"/>
+    <p:sldId id="318" r:id="rId21"/>
+    <p:sldId id="307" r:id="rId22"/>
+    <p:sldId id="306" r:id="rId23"/>
+    <p:sldId id="308" r:id="rId24"/>
+    <p:sldId id="309" r:id="rId25"/>
+    <p:sldId id="310" r:id="rId26"/>
   </p:sldIdLst>
   <p:sldSz cx="12192000" cy="6858000"/>
   <p:notesSz cx="6858000" cy="9144000"/>
@@ -254,7 +255,7 @@
                 <a:ea typeface="Microsoft JhengHei UI" panose="020B0604030504040204" pitchFamily="34" charset="-120"/>
                 <a:sym typeface="Microsoft JhengHei UI" panose="020B0604030504040204" pitchFamily="34" charset="-120"/>
               </a:rPr>
-              <a:t>2021/1/4</a:t>
+              <a:t>2021/1/5</a:t>
             </a:fld>
             <a:endParaRPr lang="en-US" altLang="zh-TW" dirty="0">
               <a:latin typeface="Microsoft JhengHei UI" panose="020B0604030504040204" pitchFamily="34" charset="-120"/>
@@ -463,7 +464,7 @@
             <a:fld id="{AA006804-164C-4CDA-8F38-2D5258C292C6}" type="datetime1">
               <a:rPr lang="zh-TW" altLang="en-US" smtClean="0"/>
               <a:pPr/>
-              <a:t>2021/1/4</a:t>
+              <a:t>2021/1/5</a:t>
             </a:fld>
             <a:endParaRPr lang="zh-TW" altLang="en-US" dirty="0"/>
           </a:p>
@@ -965,7 +966,7 @@
     </p:spTree>
     <p:extLst>
       <p:ext uri="{BB962C8B-B14F-4D97-AF65-F5344CB8AC3E}">
-        <p14:creationId xmlns:p14="http://schemas.microsoft.com/office/powerpoint/2010/main" val="2382796359"/>
+        <p14:creationId xmlns:p14="http://schemas.microsoft.com/office/powerpoint/2010/main" val="3687651324"/>
       </p:ext>
     </p:extLst>
   </p:cSld>
@@ -1052,7 +1053,7 @@
           <p:cNvPr id="5" name="頁首版面配置區 4">
             <a:extLst>
               <a:ext uri="{FF2B5EF4-FFF2-40B4-BE49-F238E27FC236}">
-                <a16:creationId xmlns:a16="http://schemas.microsoft.com/office/drawing/2014/main" id="{71D18276-84C9-4AF6-9FB4-8070C96147DC}"/>
+                <a16:creationId xmlns:a16="http://schemas.microsoft.com/office/drawing/2014/main" id="{834FB955-B0A4-4715-A2CD-0AF8344CCCE6}"/>
               </a:ext>
             </a:extLst>
           </p:cNvPr>
@@ -1079,7 +1080,7 @@
     </p:spTree>
     <p:extLst>
       <p:ext uri="{BB962C8B-B14F-4D97-AF65-F5344CB8AC3E}">
-        <p14:creationId xmlns:p14="http://schemas.microsoft.com/office/powerpoint/2010/main" val="2347172397"/>
+        <p14:creationId xmlns:p14="http://schemas.microsoft.com/office/powerpoint/2010/main" val="2382796359"/>
       </p:ext>
     </p:extLst>
   </p:cSld>
@@ -1166,7 +1167,7 @@
           <p:cNvPr id="5" name="頁首版面配置區 4">
             <a:extLst>
               <a:ext uri="{FF2B5EF4-FFF2-40B4-BE49-F238E27FC236}">
-                <a16:creationId xmlns:a16="http://schemas.microsoft.com/office/drawing/2014/main" id="{12FD8A95-6F27-4C71-B3D8-7A54519CDA45}"/>
+                <a16:creationId xmlns:a16="http://schemas.microsoft.com/office/drawing/2014/main" id="{71D18276-84C9-4AF6-9FB4-8070C96147DC}"/>
               </a:ext>
             </a:extLst>
           </p:cNvPr>
@@ -1193,7 +1194,7 @@
     </p:spTree>
     <p:extLst>
       <p:ext uri="{BB962C8B-B14F-4D97-AF65-F5344CB8AC3E}">
-        <p14:creationId xmlns:p14="http://schemas.microsoft.com/office/powerpoint/2010/main" val="781114186"/>
+        <p14:creationId xmlns:p14="http://schemas.microsoft.com/office/powerpoint/2010/main" val="2347172397"/>
       </p:ext>
     </p:extLst>
   </p:cSld>
@@ -1280,7 +1281,7 @@
           <p:cNvPr id="5" name="頁首版面配置區 4">
             <a:extLst>
               <a:ext uri="{FF2B5EF4-FFF2-40B4-BE49-F238E27FC236}">
-                <a16:creationId xmlns:a16="http://schemas.microsoft.com/office/drawing/2014/main" id="{5C88A382-E830-4845-9C9C-421562D2C6F2}"/>
+                <a16:creationId xmlns:a16="http://schemas.microsoft.com/office/drawing/2014/main" id="{12FD8A95-6F27-4C71-B3D8-7A54519CDA45}"/>
               </a:ext>
             </a:extLst>
           </p:cNvPr>
@@ -1307,7 +1308,7 @@
     </p:spTree>
     <p:extLst>
       <p:ext uri="{BB962C8B-B14F-4D97-AF65-F5344CB8AC3E}">
-        <p14:creationId xmlns:p14="http://schemas.microsoft.com/office/powerpoint/2010/main" val="2190313031"/>
+        <p14:creationId xmlns:p14="http://schemas.microsoft.com/office/powerpoint/2010/main" val="781114186"/>
       </p:ext>
     </p:extLst>
   </p:cSld>
@@ -1394,7 +1395,7 @@
           <p:cNvPr id="5" name="頁首版面配置區 4">
             <a:extLst>
               <a:ext uri="{FF2B5EF4-FFF2-40B4-BE49-F238E27FC236}">
-                <a16:creationId xmlns:a16="http://schemas.microsoft.com/office/drawing/2014/main" id="{B0369EC9-2BF2-4CEF-B733-BD79390B1E2E}"/>
+                <a16:creationId xmlns:a16="http://schemas.microsoft.com/office/drawing/2014/main" id="{5C88A382-E830-4845-9C9C-421562D2C6F2}"/>
               </a:ext>
             </a:extLst>
           </p:cNvPr>
@@ -1421,7 +1422,7 @@
     </p:spTree>
     <p:extLst>
       <p:ext uri="{BB962C8B-B14F-4D97-AF65-F5344CB8AC3E}">
-        <p14:creationId xmlns:p14="http://schemas.microsoft.com/office/powerpoint/2010/main" val="3214425974"/>
+        <p14:creationId xmlns:p14="http://schemas.microsoft.com/office/powerpoint/2010/main" val="2190313031"/>
       </p:ext>
     </p:extLst>
   </p:cSld>
@@ -1508,7 +1509,7 @@
           <p:cNvPr id="5" name="頁首版面配置區 4">
             <a:extLst>
               <a:ext uri="{FF2B5EF4-FFF2-40B4-BE49-F238E27FC236}">
-                <a16:creationId xmlns:a16="http://schemas.microsoft.com/office/drawing/2014/main" id="{FF80F06F-3710-4263-9F80-0D2A92DDD819}"/>
+                <a16:creationId xmlns:a16="http://schemas.microsoft.com/office/drawing/2014/main" id="{B0369EC9-2BF2-4CEF-B733-BD79390B1E2E}"/>
               </a:ext>
             </a:extLst>
           </p:cNvPr>
@@ -1535,7 +1536,7 @@
     </p:spTree>
     <p:extLst>
       <p:ext uri="{BB962C8B-B14F-4D97-AF65-F5344CB8AC3E}">
-        <p14:creationId xmlns:p14="http://schemas.microsoft.com/office/powerpoint/2010/main" val="409340556"/>
+        <p14:creationId xmlns:p14="http://schemas.microsoft.com/office/powerpoint/2010/main" val="3214425974"/>
       </p:ext>
     </p:extLst>
   </p:cSld>
@@ -1649,7 +1650,7 @@
     </p:spTree>
     <p:extLst>
       <p:ext uri="{BB962C8B-B14F-4D97-AF65-F5344CB8AC3E}">
-        <p14:creationId xmlns:p14="http://schemas.microsoft.com/office/powerpoint/2010/main" val="2395718010"/>
+        <p14:creationId xmlns:p14="http://schemas.microsoft.com/office/powerpoint/2010/main" val="409340556"/>
       </p:ext>
     </p:extLst>
   </p:cSld>
@@ -1763,7 +1764,7 @@
     </p:spTree>
     <p:extLst>
       <p:ext uri="{BB962C8B-B14F-4D97-AF65-F5344CB8AC3E}">
-        <p14:creationId xmlns:p14="http://schemas.microsoft.com/office/powerpoint/2010/main" val="1798000473"/>
+        <p14:creationId xmlns:p14="http://schemas.microsoft.com/office/powerpoint/2010/main" val="2395718010"/>
       </p:ext>
     </p:extLst>
   </p:cSld>
@@ -1850,7 +1851,7 @@
           <p:cNvPr id="5" name="頁首版面配置區 4">
             <a:extLst>
               <a:ext uri="{FF2B5EF4-FFF2-40B4-BE49-F238E27FC236}">
-                <a16:creationId xmlns:a16="http://schemas.microsoft.com/office/drawing/2014/main" id="{395663F1-EC29-4F7E-B7B3-C47C3BAA9D0F}"/>
+                <a16:creationId xmlns:a16="http://schemas.microsoft.com/office/drawing/2014/main" id="{FF80F06F-3710-4263-9F80-0D2A92DDD819}"/>
               </a:ext>
             </a:extLst>
           </p:cNvPr>
@@ -1877,7 +1878,7 @@
     </p:spTree>
     <p:extLst>
       <p:ext uri="{BB962C8B-B14F-4D97-AF65-F5344CB8AC3E}">
-        <p14:creationId xmlns:p14="http://schemas.microsoft.com/office/powerpoint/2010/main" val="2701519937"/>
+        <p14:creationId xmlns:p14="http://schemas.microsoft.com/office/powerpoint/2010/main" val="1798000473"/>
       </p:ext>
     </p:extLst>
   </p:cSld>
@@ -1964,7 +1965,7 @@
           <p:cNvPr id="5" name="頁首版面配置區 4">
             <a:extLst>
               <a:ext uri="{FF2B5EF4-FFF2-40B4-BE49-F238E27FC236}">
-                <a16:creationId xmlns:a16="http://schemas.microsoft.com/office/drawing/2014/main" id="{6E8C5AB6-E61C-4B97-8238-2D971E93E5C6}"/>
+                <a16:creationId xmlns:a16="http://schemas.microsoft.com/office/drawing/2014/main" id="{395663F1-EC29-4F7E-B7B3-C47C3BAA9D0F}"/>
               </a:ext>
             </a:extLst>
           </p:cNvPr>
@@ -1991,7 +1992,7 @@
     </p:spTree>
     <p:extLst>
       <p:ext uri="{BB962C8B-B14F-4D97-AF65-F5344CB8AC3E}">
-        <p14:creationId xmlns:p14="http://schemas.microsoft.com/office/powerpoint/2010/main" val="3565233456"/>
+        <p14:creationId xmlns:p14="http://schemas.microsoft.com/office/powerpoint/2010/main" val="2701519937"/>
       </p:ext>
     </p:extLst>
   </p:cSld>
@@ -2192,7 +2193,7 @@
           <p:cNvPr id="5" name="頁首版面配置區 4">
             <a:extLst>
               <a:ext uri="{FF2B5EF4-FFF2-40B4-BE49-F238E27FC236}">
-                <a16:creationId xmlns:a16="http://schemas.microsoft.com/office/drawing/2014/main" id="{8FD7EE22-8F34-425B-82D2-EC0C0E66DD50}"/>
+                <a16:creationId xmlns:a16="http://schemas.microsoft.com/office/drawing/2014/main" id="{6E8C5AB6-E61C-4B97-8238-2D971E93E5C6}"/>
               </a:ext>
             </a:extLst>
           </p:cNvPr>
@@ -2219,7 +2220,7 @@
     </p:spTree>
     <p:extLst>
       <p:ext uri="{BB962C8B-B14F-4D97-AF65-F5344CB8AC3E}">
-        <p14:creationId xmlns:p14="http://schemas.microsoft.com/office/powerpoint/2010/main" val="2220057016"/>
+        <p14:creationId xmlns:p14="http://schemas.microsoft.com/office/powerpoint/2010/main" val="3565233456"/>
       </p:ext>
     </p:extLst>
   </p:cSld>
@@ -2306,7 +2307,7 @@
           <p:cNvPr id="5" name="頁首版面配置區 4">
             <a:extLst>
               <a:ext uri="{FF2B5EF4-FFF2-40B4-BE49-F238E27FC236}">
-                <a16:creationId xmlns:a16="http://schemas.microsoft.com/office/drawing/2014/main" id="{B0ED961B-B77E-4128-9A1E-997B6008F2D5}"/>
+                <a16:creationId xmlns:a16="http://schemas.microsoft.com/office/drawing/2014/main" id="{8FD7EE22-8F34-425B-82D2-EC0C0E66DD50}"/>
               </a:ext>
             </a:extLst>
           </p:cNvPr>
@@ -2333,7 +2334,7 @@
     </p:spTree>
     <p:extLst>
       <p:ext uri="{BB962C8B-B14F-4D97-AF65-F5344CB8AC3E}">
-        <p14:creationId xmlns:p14="http://schemas.microsoft.com/office/powerpoint/2010/main" val="2333112210"/>
+        <p14:creationId xmlns:p14="http://schemas.microsoft.com/office/powerpoint/2010/main" val="2220057016"/>
       </p:ext>
     </p:extLst>
   </p:cSld>
@@ -2410,6 +2411,120 @@
               <a:rPr lang="en-ZA" smtClean="0"/>
               <a:pPr/>
               <a:t>22</a:t>
+            </a:fld>
+            <a:endParaRPr lang="en-ZA"/>
+          </a:p>
+        </p:txBody>
+      </p:sp>
+      <p:sp>
+        <p:nvSpPr>
+          <p:cNvPr id="5" name="頁首版面配置區 4">
+            <a:extLst>
+              <a:ext uri="{FF2B5EF4-FFF2-40B4-BE49-F238E27FC236}">
+                <a16:creationId xmlns:a16="http://schemas.microsoft.com/office/drawing/2014/main" id="{B0ED961B-B77E-4128-9A1E-997B6008F2D5}"/>
+              </a:ext>
+            </a:extLst>
+          </p:cNvPr>
+          <p:cNvSpPr>
+            <a:spLocks noGrp="1"/>
+          </p:cNvSpPr>
+          <p:nvPr>
+            <p:ph type="hdr" sz="quarter"/>
+          </p:nvPr>
+        </p:nvSpPr>
+        <p:spPr/>
+        <p:txBody>
+          <a:bodyPr/>
+          <a:lstStyle/>
+          <a:p>
+            <a:r>
+              <a:rPr lang="en-US" altLang="zh-TW"/>
+              <a:t>1</a:t>
+            </a:r>
+            <a:endParaRPr lang="zh-TW" altLang="en-US" dirty="0"/>
+          </a:p>
+        </p:txBody>
+      </p:sp>
+    </p:spTree>
+    <p:extLst>
+      <p:ext uri="{BB962C8B-B14F-4D97-AF65-F5344CB8AC3E}">
+        <p14:creationId xmlns:p14="http://schemas.microsoft.com/office/powerpoint/2010/main" val="2333112210"/>
+      </p:ext>
+    </p:extLst>
+  </p:cSld>
+  <p:clrMapOvr>
+    <a:masterClrMapping/>
+  </p:clrMapOvr>
+</p:notes>
+</file>
+
+<file path=ppt/notesSlides/notesSlide23.xml><?xml version="1.0" encoding="utf-8"?>
+<p:notes xmlns:a="http://schemas.openxmlformats.org/drawingml/2006/main" xmlns:r="http://schemas.openxmlformats.org/officeDocument/2006/relationships" xmlns:p="http://schemas.openxmlformats.org/presentationml/2006/main">
+  <p:cSld>
+    <p:spTree>
+      <p:nvGrpSpPr>
+        <p:cNvPr id="1" name=""/>
+        <p:cNvGrpSpPr/>
+        <p:nvPr/>
+      </p:nvGrpSpPr>
+      <p:grpSpPr>
+        <a:xfrm>
+          <a:off x="0" y="0"/>
+          <a:ext cx="0" cy="0"/>
+          <a:chOff x="0" y="0"/>
+          <a:chExt cx="0" cy="0"/>
+        </a:xfrm>
+      </p:grpSpPr>
+      <p:sp>
+        <p:nvSpPr>
+          <p:cNvPr id="2" name="投影片影像版面配置區 1"/>
+          <p:cNvSpPr>
+            <a:spLocks noGrp="1" noRot="1" noChangeAspect="1"/>
+          </p:cNvSpPr>
+          <p:nvPr>
+            <p:ph type="sldImg"/>
+          </p:nvPr>
+        </p:nvSpPr>
+        <p:spPr/>
+      </p:sp>
+      <p:sp>
+        <p:nvSpPr>
+          <p:cNvPr id="3" name="備忘稿版面配置區 2"/>
+          <p:cNvSpPr>
+            <a:spLocks noGrp="1"/>
+          </p:cNvSpPr>
+          <p:nvPr>
+            <p:ph type="body" idx="1"/>
+          </p:nvPr>
+        </p:nvSpPr>
+        <p:spPr/>
+        <p:txBody>
+          <a:bodyPr/>
+          <a:lstStyle/>
+          <a:p>
+            <a:endParaRPr lang="zh-TW" altLang="en-US" dirty="0"/>
+          </a:p>
+        </p:txBody>
+      </p:sp>
+      <p:sp>
+        <p:nvSpPr>
+          <p:cNvPr id="4" name="投影片編號版面配置區 3"/>
+          <p:cNvSpPr>
+            <a:spLocks noGrp="1"/>
+          </p:cNvSpPr>
+          <p:nvPr>
+            <p:ph type="sldNum" sz="quarter" idx="10"/>
+          </p:nvPr>
+        </p:nvSpPr>
+        <p:spPr/>
+        <p:txBody>
+          <a:bodyPr/>
+          <a:lstStyle/>
+          <a:p>
+            <a:fld id="{8530193B-564F-4854-8A52-728F3FB19C85}" type="slidenum">
+              <a:rPr lang="en-ZA" smtClean="0"/>
+              <a:pPr/>
+              <a:t>23</a:t>
             </a:fld>
             <a:endParaRPr lang="en-ZA"/>
           </a:p>
@@ -2876,7 +2991,7 @@
           <p:cNvPr id="5" name="頁首版面配置區 4">
             <a:extLst>
               <a:ext uri="{FF2B5EF4-FFF2-40B4-BE49-F238E27FC236}">
-                <a16:creationId xmlns:a16="http://schemas.microsoft.com/office/drawing/2014/main" id="{69520323-41D2-417A-A859-72788AD14792}"/>
+                <a16:creationId xmlns:a16="http://schemas.microsoft.com/office/drawing/2014/main" id="{1F0C3561-C6B6-4374-B68A-3EF82E316F02}"/>
               </a:ext>
             </a:extLst>
           </p:cNvPr>
@@ -2903,7 +3018,7 @@
     </p:spTree>
     <p:extLst>
       <p:ext uri="{BB962C8B-B14F-4D97-AF65-F5344CB8AC3E}">
-        <p14:creationId xmlns:p14="http://schemas.microsoft.com/office/powerpoint/2010/main" val="2826190633"/>
+        <p14:creationId xmlns:p14="http://schemas.microsoft.com/office/powerpoint/2010/main" val="2044174143"/>
       </p:ext>
     </p:extLst>
   </p:cSld>
@@ -2990,7 +3105,7 @@
           <p:cNvPr id="5" name="頁首版面配置區 4">
             <a:extLst>
               <a:ext uri="{FF2B5EF4-FFF2-40B4-BE49-F238E27FC236}">
-                <a16:creationId xmlns:a16="http://schemas.microsoft.com/office/drawing/2014/main" id="{6F900149-3555-4763-9486-4E4028601AAD}"/>
+                <a16:creationId xmlns:a16="http://schemas.microsoft.com/office/drawing/2014/main" id="{69520323-41D2-417A-A859-72788AD14792}"/>
               </a:ext>
             </a:extLst>
           </p:cNvPr>
@@ -3017,7 +3132,7 @@
     </p:spTree>
     <p:extLst>
       <p:ext uri="{BB962C8B-B14F-4D97-AF65-F5344CB8AC3E}">
-        <p14:creationId xmlns:p14="http://schemas.microsoft.com/office/powerpoint/2010/main" val="2358249215"/>
+        <p14:creationId xmlns:p14="http://schemas.microsoft.com/office/powerpoint/2010/main" val="2826190633"/>
       </p:ext>
     </p:extLst>
   </p:cSld>
@@ -3104,7 +3219,7 @@
           <p:cNvPr id="5" name="頁首版面配置區 4">
             <a:extLst>
               <a:ext uri="{FF2B5EF4-FFF2-40B4-BE49-F238E27FC236}">
-                <a16:creationId xmlns:a16="http://schemas.microsoft.com/office/drawing/2014/main" id="{834FB955-B0A4-4715-A2CD-0AF8344CCCE6}"/>
+                <a16:creationId xmlns:a16="http://schemas.microsoft.com/office/drawing/2014/main" id="{6F900149-3555-4763-9486-4E4028601AAD}"/>
               </a:ext>
             </a:extLst>
           </p:cNvPr>
@@ -3131,7 +3246,7 @@
     </p:spTree>
     <p:extLst>
       <p:ext uri="{BB962C8B-B14F-4D97-AF65-F5344CB8AC3E}">
-        <p14:creationId xmlns:p14="http://schemas.microsoft.com/office/powerpoint/2010/main" val="3762600028"/>
+        <p14:creationId xmlns:p14="http://schemas.microsoft.com/office/powerpoint/2010/main" val="2358249215"/>
       </p:ext>
     </p:extLst>
   </p:cSld>
@@ -3245,7 +3360,7 @@
     </p:spTree>
     <p:extLst>
       <p:ext uri="{BB962C8B-B14F-4D97-AF65-F5344CB8AC3E}">
-        <p14:creationId xmlns:p14="http://schemas.microsoft.com/office/powerpoint/2010/main" val="3687651324"/>
+        <p14:creationId xmlns:p14="http://schemas.microsoft.com/office/powerpoint/2010/main" val="3762600028"/>
       </p:ext>
     </p:extLst>
   </p:cSld>
@@ -9717,7 +9832,7 @@
           <a:p>
             <a:r>
               <a:rPr lang="en-US" sz="2800" b="1" dirty="0"/>
-              <a:t>Next Sentence Prediction (NSP)</a:t>
+              <a:t>Masked Language (Masked LM)</a:t>
             </a:r>
           </a:p>
         </p:txBody>
@@ -9759,7 +9874,7 @@
                 <a:latin typeface="Calibri" panose="020F0502020204030204" pitchFamily="34" charset="0"/>
                 <a:cs typeface="Calibri" panose="020F0502020204030204" pitchFamily="34" charset="0"/>
               </a:rPr>
-              <a:t>NSP</a:t>
+              <a:t>Masked LM</a:t>
             </a:r>
             <a:endParaRPr lang="en-US" sz="2400" dirty="0">
               <a:latin typeface="Calibri" panose="020F0502020204030204" pitchFamily="34" charset="0"/>
@@ -9798,17 +9913,17 @@
           <a:p>
             <a:r>
               <a:rPr lang="en-US" sz="1200" dirty="0"/>
-              <a:t>6</a:t>
+              <a:t>9</a:t>
             </a:r>
           </a:p>
         </p:txBody>
       </p:sp>
       <p:pic>
         <p:nvPicPr>
-          <p:cNvPr id="6" name="圖片 5">
-            <a:extLst>
-              <a:ext uri="{FF2B5EF4-FFF2-40B4-BE49-F238E27FC236}">
-                <a16:creationId xmlns:a16="http://schemas.microsoft.com/office/drawing/2014/main" id="{7700B3CF-D37F-494E-90C3-35A5DA7AAFA9}"/>
+          <p:cNvPr id="11" name="圖片 10">
+            <a:extLst>
+              <a:ext uri="{FF2B5EF4-FFF2-40B4-BE49-F238E27FC236}">
+                <a16:creationId xmlns:a16="http://schemas.microsoft.com/office/drawing/2014/main" id="{78AD1FAB-6433-42CA-8DFF-D82EA7D89973}"/>
               </a:ext>
             </a:extLst>
           </p:cNvPr>
@@ -9831,8 +9946,44 @@
         </p:blipFill>
         <p:spPr>
           <a:xfrm>
-            <a:off x="616224" y="2851814"/>
-            <a:ext cx="11441331" cy="1584384"/>
+            <a:off x="6648596" y="2976393"/>
+            <a:ext cx="5320084" cy="2005390"/>
+          </a:xfrm>
+          <a:prstGeom prst="rect">
+            <a:avLst/>
+          </a:prstGeom>
+        </p:spPr>
+      </p:pic>
+      <p:pic>
+        <p:nvPicPr>
+          <p:cNvPr id="14" name="圖片 13">
+            <a:extLst>
+              <a:ext uri="{FF2B5EF4-FFF2-40B4-BE49-F238E27FC236}">
+                <a16:creationId xmlns:a16="http://schemas.microsoft.com/office/drawing/2014/main" id="{03F82D09-3924-45A5-97B4-238B9743F29C}"/>
+              </a:ext>
+            </a:extLst>
+          </p:cNvPr>
+          <p:cNvPicPr>
+            <a:picLocks noChangeAspect="1"/>
+          </p:cNvPicPr>
+          <p:nvPr/>
+        </p:nvPicPr>
+        <p:blipFill>
+          <a:blip r:embed="rId4">
+            <a:extLst>
+              <a:ext uri="{28A0092B-C50C-407E-A947-70E740481C1C}">
+                <a14:useLocalDpi xmlns:a14="http://schemas.microsoft.com/office/drawing/2010/main" val="0"/>
+              </a:ext>
+            </a:extLst>
+          </a:blip>
+          <a:stretch>
+            <a:fillRect/>
+          </a:stretch>
+        </p:blipFill>
+        <p:spPr>
+          <a:xfrm>
+            <a:off x="823982" y="2976393"/>
+            <a:ext cx="5187813" cy="1955531"/>
           </a:xfrm>
           <a:prstGeom prst="rect">
             <a:avLst/>
@@ -9842,7 +9993,7 @@
     </p:spTree>
     <p:extLst>
       <p:ext uri="{BB962C8B-B14F-4D97-AF65-F5344CB8AC3E}">
-        <p14:creationId xmlns:p14="http://schemas.microsoft.com/office/powerpoint/2010/main" val="4238423464"/>
+        <p14:creationId xmlns:p14="http://schemas.microsoft.com/office/powerpoint/2010/main" val="1800997233"/>
       </p:ext>
     </p:extLst>
   </p:cSld>
@@ -9892,7 +10043,7 @@
         <p:spPr>
           <a:xfrm>
             <a:off x="616225" y="569844"/>
-            <a:ext cx="9500541" cy="523220"/>
+            <a:ext cx="10791141" cy="523220"/>
           </a:xfrm>
           <a:prstGeom prst="rect">
             <a:avLst/>
@@ -9907,17 +10058,17 @@
           <a:p>
             <a:r>
               <a:rPr lang="en-US" sz="2800" b="1" dirty="0"/>
-              <a:t>Attention Mechanism</a:t>
-            </a:r>
-          </a:p>
-        </p:txBody>
-      </p:sp>
-      <p:sp>
-        <p:nvSpPr>
-          <p:cNvPr id="12" name="TextBox 11">
-            <a:extLst>
-              <a:ext uri="{FF2B5EF4-FFF2-40B4-BE49-F238E27FC236}">
-                <a16:creationId xmlns:a16="http://schemas.microsoft.com/office/drawing/2014/main" id="{BADF6B0D-70A2-C543-A968-7B986D74325C}"/>
+              <a:t>Next Sentence Prediction (NSP)</a:t>
+            </a:r>
+          </a:p>
+        </p:txBody>
+      </p:sp>
+      <p:sp>
+        <p:nvSpPr>
+          <p:cNvPr id="10" name="TextBox 4">
+            <a:extLst>
+              <a:ext uri="{FF2B5EF4-FFF2-40B4-BE49-F238E27FC236}">
+                <a16:creationId xmlns:a16="http://schemas.microsoft.com/office/drawing/2014/main" id="{63537FB0-121E-415E-8CFE-3EBE420ABEE7}"/>
               </a:ext>
             </a:extLst>
           </p:cNvPr>
@@ -9926,8 +10077,8 @@
         </p:nvSpPr>
         <p:spPr>
           <a:xfrm>
-            <a:off x="1081364" y="1686157"/>
-            <a:ext cx="4800545" cy="461665"/>
+            <a:off x="926092" y="1464412"/>
+            <a:ext cx="2003690" cy="461665"/>
           </a:xfrm>
           <a:prstGeom prst="rect">
             <a:avLst/>
@@ -9935,7 +10086,7 @@
           <a:noFill/>
         </p:spPr>
         <p:txBody>
-          <a:bodyPr wrap="none" rtlCol="0">
+          <a:bodyPr wrap="square" rtlCol="0">
             <a:spAutoFit/>
           </a:bodyPr>
           <a:lstStyle/>
@@ -9949,17 +10100,56 @@
                 <a:latin typeface="Calibri" panose="020F0502020204030204" pitchFamily="34" charset="0"/>
                 <a:cs typeface="Calibri" panose="020F0502020204030204" pitchFamily="34" charset="0"/>
               </a:rPr>
-              <a:t>Scaled Dot-Product Self Attention</a:t>
+              <a:t>NSP</a:t>
+            </a:r>
+            <a:endParaRPr lang="en-US" sz="2400" dirty="0">
+              <a:latin typeface="Calibri" panose="020F0502020204030204" pitchFamily="34" charset="0"/>
+              <a:cs typeface="Calibri" panose="020F0502020204030204" pitchFamily="34" charset="0"/>
+            </a:endParaRPr>
+          </a:p>
+        </p:txBody>
+      </p:sp>
+      <p:sp>
+        <p:nvSpPr>
+          <p:cNvPr id="9" name="文字方塊 8">
+            <a:extLst>
+              <a:ext uri="{FF2B5EF4-FFF2-40B4-BE49-F238E27FC236}">
+                <a16:creationId xmlns:a16="http://schemas.microsoft.com/office/drawing/2014/main" id="{F226C00B-405D-4E5A-8892-4520896AD1A8}"/>
+              </a:ext>
+            </a:extLst>
+          </p:cNvPr>
+          <p:cNvSpPr txBox="1"/>
+          <p:nvPr/>
+        </p:nvSpPr>
+        <p:spPr>
+          <a:xfrm>
+            <a:off x="11484528" y="6493241"/>
+            <a:ext cx="805343" cy="276999"/>
+          </a:xfrm>
+          <a:prstGeom prst="rect">
+            <a:avLst/>
+          </a:prstGeom>
+          <a:noFill/>
+        </p:spPr>
+        <p:txBody>
+          <a:bodyPr wrap="square" rtlCol="0">
+            <a:spAutoFit/>
+          </a:bodyPr>
+          <a:lstStyle/>
+          <a:p>
+            <a:r>
+              <a:rPr lang="en-US" sz="1200" dirty="0"/>
+              <a:t>10</a:t>
             </a:r>
           </a:p>
         </p:txBody>
       </p:sp>
       <p:pic>
         <p:nvPicPr>
-          <p:cNvPr id="6" name="Picture 5">
-            <a:extLst>
-              <a:ext uri="{FF2B5EF4-FFF2-40B4-BE49-F238E27FC236}">
-                <a16:creationId xmlns:a16="http://schemas.microsoft.com/office/drawing/2014/main" id="{B8E806E6-B826-3B46-B210-8D486570DE5E}"/>
+          <p:cNvPr id="6" name="圖片 5">
+            <a:extLst>
+              <a:ext uri="{FF2B5EF4-FFF2-40B4-BE49-F238E27FC236}">
+                <a16:creationId xmlns:a16="http://schemas.microsoft.com/office/drawing/2014/main" id="{7700B3CF-D37F-494E-90C3-35A5DA7AAFA9}"/>
               </a:ext>
             </a:extLst>
           </p:cNvPr>
@@ -9982,79 +10172,8 @@
         </p:blipFill>
         <p:spPr>
           <a:xfrm>
-            <a:off x="5648527" y="2959904"/>
-            <a:ext cx="6095998" cy="2947642"/>
-          </a:xfrm>
-          <a:prstGeom prst="rect">
-            <a:avLst/>
-          </a:prstGeom>
-        </p:spPr>
-      </p:pic>
-      <p:sp>
-        <p:nvSpPr>
-          <p:cNvPr id="7" name="文字方塊 6">
-            <a:extLst>
-              <a:ext uri="{FF2B5EF4-FFF2-40B4-BE49-F238E27FC236}">
-                <a16:creationId xmlns:a16="http://schemas.microsoft.com/office/drawing/2014/main" id="{7886FB91-0482-40E5-9FBB-F504CBB62D77}"/>
-              </a:ext>
-            </a:extLst>
-          </p:cNvPr>
-          <p:cNvSpPr txBox="1"/>
-          <p:nvPr/>
-        </p:nvSpPr>
-        <p:spPr>
-          <a:xfrm>
-            <a:off x="11484528" y="6493241"/>
-            <a:ext cx="805343" cy="276999"/>
-          </a:xfrm>
-          <a:prstGeom prst="rect">
-            <a:avLst/>
-          </a:prstGeom>
-          <a:noFill/>
-        </p:spPr>
-        <p:txBody>
-          <a:bodyPr wrap="square" rtlCol="0">
-            <a:spAutoFit/>
-          </a:bodyPr>
-          <a:lstStyle/>
-          <a:p>
-            <a:r>
-              <a:rPr lang="en-US" sz="1200" dirty="0"/>
-              <a:t>7</a:t>
-            </a:r>
-          </a:p>
-        </p:txBody>
-      </p:sp>
-      <p:pic>
-        <p:nvPicPr>
-          <p:cNvPr id="5" name="圖片 4">
-            <a:extLst>
-              <a:ext uri="{FF2B5EF4-FFF2-40B4-BE49-F238E27FC236}">
-                <a16:creationId xmlns:a16="http://schemas.microsoft.com/office/drawing/2014/main" id="{2AEDD248-D649-460F-B2EB-2B052352F7A1}"/>
-              </a:ext>
-            </a:extLst>
-          </p:cNvPr>
-          <p:cNvPicPr>
-            <a:picLocks noChangeAspect="1"/>
-          </p:cNvPicPr>
-          <p:nvPr/>
-        </p:nvPicPr>
-        <p:blipFill>
-          <a:blip r:embed="rId4">
-            <a:extLst>
-              <a:ext uri="{28A0092B-C50C-407E-A947-70E740481C1C}">
-                <a14:useLocalDpi xmlns:a14="http://schemas.microsoft.com/office/drawing/2010/main" val="0"/>
-              </a:ext>
-            </a:extLst>
-          </a:blip>
-          <a:stretch>
-            <a:fillRect/>
-          </a:stretch>
-        </p:blipFill>
-        <p:spPr>
-          <a:xfrm>
-            <a:off x="1280010" y="2977359"/>
-            <a:ext cx="5214586" cy="848021"/>
+            <a:off x="616224" y="2851814"/>
+            <a:ext cx="11441331" cy="1584384"/>
           </a:xfrm>
           <a:prstGeom prst="rect">
             <a:avLst/>
@@ -10064,7 +10183,7 @@
     </p:spTree>
     <p:extLst>
       <p:ext uri="{BB962C8B-B14F-4D97-AF65-F5344CB8AC3E}">
-        <p14:creationId xmlns:p14="http://schemas.microsoft.com/office/powerpoint/2010/main" val="3746276885"/>
+        <p14:creationId xmlns:p14="http://schemas.microsoft.com/office/powerpoint/2010/main" val="4238423464"/>
       </p:ext>
     </p:extLst>
   </p:cSld>
@@ -10136,10 +10255,10 @@
       </p:sp>
       <p:sp>
         <p:nvSpPr>
-          <p:cNvPr id="5" name="TextBox 4">
-            <a:extLst>
-              <a:ext uri="{FF2B5EF4-FFF2-40B4-BE49-F238E27FC236}">
-                <a16:creationId xmlns:a16="http://schemas.microsoft.com/office/drawing/2014/main" id="{0F0A5022-A9F2-4143-B927-A449071B04E6}"/>
+          <p:cNvPr id="12" name="TextBox 11">
+            <a:extLst>
+              <a:ext uri="{FF2B5EF4-FFF2-40B4-BE49-F238E27FC236}">
+                <a16:creationId xmlns:a16="http://schemas.microsoft.com/office/drawing/2014/main" id="{BADF6B0D-70A2-C543-A968-7B986D74325C}"/>
               </a:ext>
             </a:extLst>
           </p:cNvPr>
@@ -10148,8 +10267,8 @@
         </p:nvSpPr>
         <p:spPr>
           <a:xfrm>
-            <a:off x="1838873" y="3687383"/>
-            <a:ext cx="3588931" cy="461665"/>
+            <a:off x="1081364" y="1686157"/>
+            <a:ext cx="4800545" cy="461665"/>
           </a:xfrm>
           <a:prstGeom prst="rect">
             <a:avLst/>
@@ -10171,94 +10290,17 @@
                 <a:latin typeface="Calibri" panose="020F0502020204030204" pitchFamily="34" charset="0"/>
                 <a:cs typeface="Calibri" panose="020F0502020204030204" pitchFamily="34" charset="0"/>
               </a:rPr>
-              <a:t>Multi-Headed Attention</a:t>
-            </a:r>
-          </a:p>
-        </p:txBody>
-      </p:sp>
-      <p:sp>
-        <p:nvSpPr>
-          <p:cNvPr id="12" name="TextBox 11">
-            <a:extLst>
-              <a:ext uri="{FF2B5EF4-FFF2-40B4-BE49-F238E27FC236}">
-                <a16:creationId xmlns:a16="http://schemas.microsoft.com/office/drawing/2014/main" id="{BADF6B0D-70A2-C543-A968-7B986D74325C}"/>
-              </a:ext>
-            </a:extLst>
-          </p:cNvPr>
-          <p:cNvSpPr txBox="1"/>
-          <p:nvPr/>
-        </p:nvSpPr>
-        <p:spPr>
-          <a:xfrm>
-            <a:off x="1838873" y="1360128"/>
-            <a:ext cx="4257127" cy="461665"/>
-          </a:xfrm>
-          <a:prstGeom prst="rect">
-            <a:avLst/>
-          </a:prstGeom>
-          <a:noFill/>
-        </p:spPr>
-        <p:txBody>
-          <a:bodyPr wrap="none" rtlCol="0">
-            <a:spAutoFit/>
-          </a:bodyPr>
-          <a:lstStyle/>
-          <a:p>
-            <a:pPr marL="342900" indent="-342900">
-              <a:buFont typeface="Arial" panose="020B0604020202020204" pitchFamily="34" charset="0"/>
-              <a:buChar char="•"/>
-            </a:pPr>
-            <a:r>
-              <a:rPr lang="en-US" sz="2400" b="1" dirty="0">
-                <a:latin typeface="Calibri" panose="020F0502020204030204" pitchFamily="34" charset="0"/>
-                <a:cs typeface="Calibri" panose="020F0502020204030204" pitchFamily="34" charset="0"/>
-              </a:rPr>
-              <a:t>Scaled Dot-Product Attention</a:t>
-            </a:r>
-          </a:p>
-        </p:txBody>
-      </p:sp>
-      <p:sp>
-        <p:nvSpPr>
-          <p:cNvPr id="9" name="文字方塊 8">
-            <a:extLst>
-              <a:ext uri="{FF2B5EF4-FFF2-40B4-BE49-F238E27FC236}">
-                <a16:creationId xmlns:a16="http://schemas.microsoft.com/office/drawing/2014/main" id="{3D5ACCB8-6422-4619-B5BC-16878077F822}"/>
-              </a:ext>
-            </a:extLst>
-          </p:cNvPr>
-          <p:cNvSpPr txBox="1"/>
-          <p:nvPr/>
-        </p:nvSpPr>
-        <p:spPr>
-          <a:xfrm>
-            <a:off x="11484528" y="6493241"/>
-            <a:ext cx="805343" cy="276999"/>
-          </a:xfrm>
-          <a:prstGeom prst="rect">
-            <a:avLst/>
-          </a:prstGeom>
-          <a:noFill/>
-        </p:spPr>
-        <p:txBody>
-          <a:bodyPr wrap="square" rtlCol="0">
-            <a:spAutoFit/>
-          </a:bodyPr>
-          <a:lstStyle/>
-          <a:p>
-            <a:r>
-              <a:rPr lang="en-US" sz="1200" dirty="0"/>
-              <a:t>8</a:t>
+              <a:t>Scaled Dot-Product Self Attention</a:t>
             </a:r>
           </a:p>
         </p:txBody>
       </p:sp>
       <p:pic>
         <p:nvPicPr>
-          <p:cNvPr id="13" name="Picture 12">
-            <a:extLst>
-              <a:ext uri="{FF2B5EF4-FFF2-40B4-BE49-F238E27FC236}">
-                <a16:creationId xmlns:a16="http://schemas.microsoft.com/office/drawing/2014/main" id="{97B67585-F312-3A45-A82A-C36F1F2B97CA}"/>
+          <p:cNvPr id="6" name="Picture 5">
+            <a:extLst>
+              <a:ext uri="{FF2B5EF4-FFF2-40B4-BE49-F238E27FC236}">
+                <a16:creationId xmlns:a16="http://schemas.microsoft.com/office/drawing/2014/main" id="{B8E806E6-B826-3B46-B210-8D486570DE5E}"/>
               </a:ext>
             </a:extLst>
           </p:cNvPr>
@@ -10281,20 +10323,55 @@
         </p:blipFill>
         <p:spPr>
           <a:xfrm>
-            <a:off x="6654297" y="1332130"/>
-            <a:ext cx="4921509" cy="2368859"/>
+            <a:off x="5648527" y="2959904"/>
+            <a:ext cx="6095998" cy="2947642"/>
           </a:xfrm>
           <a:prstGeom prst="rect">
             <a:avLst/>
           </a:prstGeom>
         </p:spPr>
       </p:pic>
+      <p:sp>
+        <p:nvSpPr>
+          <p:cNvPr id="7" name="文字方塊 6">
+            <a:extLst>
+              <a:ext uri="{FF2B5EF4-FFF2-40B4-BE49-F238E27FC236}">
+                <a16:creationId xmlns:a16="http://schemas.microsoft.com/office/drawing/2014/main" id="{7886FB91-0482-40E5-9FBB-F504CBB62D77}"/>
+              </a:ext>
+            </a:extLst>
+          </p:cNvPr>
+          <p:cNvSpPr txBox="1"/>
+          <p:nvPr/>
+        </p:nvSpPr>
+        <p:spPr>
+          <a:xfrm>
+            <a:off x="11484528" y="6493241"/>
+            <a:ext cx="805343" cy="276999"/>
+          </a:xfrm>
+          <a:prstGeom prst="rect">
+            <a:avLst/>
+          </a:prstGeom>
+          <a:noFill/>
+        </p:spPr>
+        <p:txBody>
+          <a:bodyPr wrap="square" rtlCol="0">
+            <a:spAutoFit/>
+          </a:bodyPr>
+          <a:lstStyle/>
+          <a:p>
+            <a:r>
+              <a:rPr lang="en-US" sz="1200" dirty="0"/>
+              <a:t>11</a:t>
+            </a:r>
+          </a:p>
+        </p:txBody>
+      </p:sp>
       <p:pic>
         <p:nvPicPr>
-          <p:cNvPr id="15" name="Picture 14">
-            <a:extLst>
-              <a:ext uri="{FF2B5EF4-FFF2-40B4-BE49-F238E27FC236}">
-                <a16:creationId xmlns:a16="http://schemas.microsoft.com/office/drawing/2014/main" id="{5FF01190-8416-FB49-8361-20930620B806}"/>
+          <p:cNvPr id="5" name="圖片 4">
+            <a:extLst>
+              <a:ext uri="{FF2B5EF4-FFF2-40B4-BE49-F238E27FC236}">
+                <a16:creationId xmlns:a16="http://schemas.microsoft.com/office/drawing/2014/main" id="{2AEDD248-D649-460F-B2EB-2B052352F7A1}"/>
               </a:ext>
             </a:extLst>
           </p:cNvPr>
@@ -10317,44 +10394,8 @@
         </p:blipFill>
         <p:spPr>
           <a:xfrm>
-            <a:off x="5504507" y="3954446"/>
-            <a:ext cx="6599976" cy="2615787"/>
-          </a:xfrm>
-          <a:prstGeom prst="rect">
-            <a:avLst/>
-          </a:prstGeom>
-        </p:spPr>
-      </p:pic>
-      <p:pic>
-        <p:nvPicPr>
-          <p:cNvPr id="8" name="圖片 4">
-            <a:extLst>
-              <a:ext uri="{FF2B5EF4-FFF2-40B4-BE49-F238E27FC236}">
-                <a16:creationId xmlns:a16="http://schemas.microsoft.com/office/drawing/2014/main" id="{2745ECBE-B8E6-A648-9983-11ADD7E7F410}"/>
-              </a:ext>
-            </a:extLst>
-          </p:cNvPr>
-          <p:cNvPicPr>
-            <a:picLocks noChangeAspect="1"/>
-          </p:cNvPicPr>
-          <p:nvPr/>
-        </p:nvPicPr>
-        <p:blipFill>
-          <a:blip r:embed="rId5">
-            <a:extLst>
-              <a:ext uri="{28A0092B-C50C-407E-A947-70E740481C1C}">
-                <a14:useLocalDpi xmlns:a14="http://schemas.microsoft.com/office/drawing/2010/main" val="0"/>
-              </a:ext>
-            </a:extLst>
-          </a:blip>
-          <a:stretch>
-            <a:fillRect/>
-          </a:stretch>
-        </p:blipFill>
-        <p:spPr>
-          <a:xfrm>
-            <a:off x="1409221" y="2394863"/>
-            <a:ext cx="4770210" cy="775754"/>
+            <a:off x="1280010" y="2977359"/>
+            <a:ext cx="5214586" cy="848021"/>
           </a:xfrm>
           <a:prstGeom prst="rect">
             <a:avLst/>
@@ -10364,7 +10405,7 @@
     </p:spTree>
     <p:extLst>
       <p:ext uri="{BB962C8B-B14F-4D97-AF65-F5344CB8AC3E}">
-        <p14:creationId xmlns:p14="http://schemas.microsoft.com/office/powerpoint/2010/main" val="3666552043"/>
+        <p14:creationId xmlns:p14="http://schemas.microsoft.com/office/powerpoint/2010/main" val="3746276885"/>
       </p:ext>
     </p:extLst>
   </p:cSld>
@@ -10429,7 +10470,7 @@
           <a:p>
             <a:r>
               <a:rPr lang="en-US" sz="2800" b="1" dirty="0"/>
-              <a:t>Attention Mechanism:   The Fix – Multi-Headed Attention</a:t>
+              <a:t>Attention Mechanism</a:t>
             </a:r>
           </a:p>
         </p:txBody>
@@ -10448,7 +10489,7 @@
         </p:nvSpPr>
         <p:spPr>
           <a:xfrm>
-            <a:off x="1272901" y="1621886"/>
+            <a:off x="1838873" y="3687383"/>
             <a:ext cx="3588931" cy="461665"/>
           </a:xfrm>
           <a:prstGeom prst="rect">
@@ -10478,10 +10519,10 @@
       </p:sp>
       <p:sp>
         <p:nvSpPr>
-          <p:cNvPr id="6" name="TextBox 5">
-            <a:extLst>
-              <a:ext uri="{FF2B5EF4-FFF2-40B4-BE49-F238E27FC236}">
-                <a16:creationId xmlns:a16="http://schemas.microsoft.com/office/drawing/2014/main" id="{AA02E5DE-4934-2043-ACFE-09A4C05C23C7}"/>
+          <p:cNvPr id="12" name="TextBox 11">
+            <a:extLst>
+              <a:ext uri="{FF2B5EF4-FFF2-40B4-BE49-F238E27FC236}">
+                <a16:creationId xmlns:a16="http://schemas.microsoft.com/office/drawing/2014/main" id="{BADF6B0D-70A2-C543-A968-7B986D74325C}"/>
               </a:ext>
             </a:extLst>
           </p:cNvPr>
@@ -10490,8 +10531,8 @@
         </p:nvSpPr>
         <p:spPr>
           <a:xfrm>
-            <a:off x="1773335" y="2428904"/>
-            <a:ext cx="9500541" cy="461665"/>
+            <a:off x="1838873" y="1360128"/>
+            <a:ext cx="4257127" cy="461665"/>
           </a:xfrm>
           <a:prstGeom prst="rect">
             <a:avLst/>
@@ -10499,7 +10540,7 @@
           <a:noFill/>
         </p:spPr>
         <p:txBody>
-          <a:bodyPr wrap="square" rtlCol="0">
+          <a:bodyPr wrap="none" rtlCol="0">
             <a:spAutoFit/>
           </a:bodyPr>
           <a:lstStyle/>
@@ -10509,18 +10550,21 @@
               <a:buChar char="•"/>
             </a:pPr>
             <a:r>
-              <a:rPr lang="en-US" sz="2400" dirty="0"/>
-              <a:t>Multiple attention layers (heads) in parallel (shown by different colors)</a:t>
-            </a:r>
-          </a:p>
-        </p:txBody>
-      </p:sp>
-      <p:sp>
-        <p:nvSpPr>
-          <p:cNvPr id="10" name="TextBox 9">
-            <a:extLst>
-              <a:ext uri="{FF2B5EF4-FFF2-40B4-BE49-F238E27FC236}">
-                <a16:creationId xmlns:a16="http://schemas.microsoft.com/office/drawing/2014/main" id="{0904BA4E-C0C3-D744-814B-DA4816B447F1}"/>
+              <a:rPr lang="en-US" sz="2400" b="1" dirty="0">
+                <a:latin typeface="Calibri" panose="020F0502020204030204" pitchFamily="34" charset="0"/>
+                <a:cs typeface="Calibri" panose="020F0502020204030204" pitchFamily="34" charset="0"/>
+              </a:rPr>
+              <a:t>Scaled Dot-Product Attention</a:t>
+            </a:r>
+          </a:p>
+        </p:txBody>
+      </p:sp>
+      <p:sp>
+        <p:nvSpPr>
+          <p:cNvPr id="9" name="文字方塊 8">
+            <a:extLst>
+              <a:ext uri="{FF2B5EF4-FFF2-40B4-BE49-F238E27FC236}">
+                <a16:creationId xmlns:a16="http://schemas.microsoft.com/office/drawing/2014/main" id="{3D5ACCB8-6422-4619-B5BC-16878077F822}"/>
               </a:ext>
             </a:extLst>
           </p:cNvPr>
@@ -10529,8 +10573,8 @@
         </p:nvSpPr>
         <p:spPr>
           <a:xfrm>
-            <a:off x="1773334" y="3141314"/>
-            <a:ext cx="9500541" cy="461665"/>
+            <a:off x="11484528" y="6493241"/>
+            <a:ext cx="805343" cy="276999"/>
           </a:xfrm>
           <a:prstGeom prst="rect">
             <a:avLst/>
@@ -10543,62 +10587,19 @@
           </a:bodyPr>
           <a:lstStyle/>
           <a:p>
-            <a:pPr marL="342900" indent="-342900">
-              <a:buFont typeface="Arial" panose="020B0604020202020204" pitchFamily="34" charset="0"/>
-              <a:buChar char="•"/>
-            </a:pPr>
-            <a:r>
-              <a:rPr lang="en-US" sz="2400" dirty="0"/>
-              <a:t>Each layer uses different linear transformations.</a:t>
-            </a:r>
-          </a:p>
-        </p:txBody>
-      </p:sp>
-      <p:sp>
-        <p:nvSpPr>
-          <p:cNvPr id="13" name="TextBox 12">
-            <a:extLst>
-              <a:ext uri="{FF2B5EF4-FFF2-40B4-BE49-F238E27FC236}">
-                <a16:creationId xmlns:a16="http://schemas.microsoft.com/office/drawing/2014/main" id="{E9FE2D4D-3A0B-9B43-87CD-629A77DD5A92}"/>
-              </a:ext>
-            </a:extLst>
-          </p:cNvPr>
-          <p:cNvSpPr txBox="1"/>
-          <p:nvPr/>
-        </p:nvSpPr>
-        <p:spPr>
-          <a:xfrm>
-            <a:off x="1773334" y="3853724"/>
-            <a:ext cx="9500541" cy="461665"/>
-          </a:xfrm>
-          <a:prstGeom prst="rect">
-            <a:avLst/>
-          </a:prstGeom>
-          <a:noFill/>
-        </p:spPr>
-        <p:txBody>
-          <a:bodyPr wrap="square" rtlCol="0">
-            <a:spAutoFit/>
-          </a:bodyPr>
-          <a:lstStyle/>
-          <a:p>
-            <a:pPr marL="342900" indent="-342900">
-              <a:buFont typeface="Arial" panose="020B0604020202020204" pitchFamily="34" charset="0"/>
-              <a:buChar char="•"/>
-            </a:pPr>
-            <a:r>
-              <a:rPr lang="en-US" sz="2400" dirty="0"/>
-              <a:t>Different heads can learn different relationships.</a:t>
+            <a:r>
+              <a:rPr lang="en-US" sz="1200" dirty="0"/>
+              <a:t>12</a:t>
             </a:r>
           </a:p>
         </p:txBody>
       </p:sp>
       <p:pic>
         <p:nvPicPr>
-          <p:cNvPr id="9" name="Picture 8">
-            <a:extLst>
-              <a:ext uri="{FF2B5EF4-FFF2-40B4-BE49-F238E27FC236}">
-                <a16:creationId xmlns:a16="http://schemas.microsoft.com/office/drawing/2014/main" id="{0942FB8F-AC6E-4341-8B0C-3D563C5F5700}"/>
+          <p:cNvPr id="13" name="Picture 12">
+            <a:extLst>
+              <a:ext uri="{FF2B5EF4-FFF2-40B4-BE49-F238E27FC236}">
+                <a16:creationId xmlns:a16="http://schemas.microsoft.com/office/drawing/2014/main" id="{97B67585-F312-3A45-A82A-C36F1F2B97CA}"/>
               </a:ext>
             </a:extLst>
           </p:cNvPr>
@@ -10607,66 +10608,104 @@
           </p:cNvPicPr>
           <p:nvPr/>
         </p:nvPicPr>
-        <p:blipFill rotWithShape="1">
-          <a:blip r:embed="rId3" cstate="print">
+        <p:blipFill>
+          <a:blip r:embed="rId3">
             <a:extLst>
               <a:ext uri="{28A0092B-C50C-407E-A947-70E740481C1C}">
                 <a14:useLocalDpi xmlns:a14="http://schemas.microsoft.com/office/drawing/2010/main" val="0"/>
               </a:ext>
             </a:extLst>
           </a:blip>
-          <a:srcRect t="30505"/>
-          <a:stretch/>
+          <a:stretch>
+            <a:fillRect/>
+          </a:stretch>
         </p:blipFill>
         <p:spPr>
           <a:xfrm>
-            <a:off x="7721105" y="4712245"/>
-            <a:ext cx="3962401" cy="1099076"/>
+            <a:off x="6654297" y="1332130"/>
+            <a:ext cx="4921509" cy="2368859"/>
           </a:xfrm>
           <a:prstGeom prst="rect">
             <a:avLst/>
           </a:prstGeom>
         </p:spPr>
       </p:pic>
-      <p:sp>
-        <p:nvSpPr>
-          <p:cNvPr id="8" name="文字方塊 7">
-            <a:extLst>
-              <a:ext uri="{FF2B5EF4-FFF2-40B4-BE49-F238E27FC236}">
-                <a16:creationId xmlns:a16="http://schemas.microsoft.com/office/drawing/2014/main" id="{4170633D-74D4-4071-A14B-EC57F32C3D9F}"/>
-              </a:ext>
-            </a:extLst>
-          </p:cNvPr>
-          <p:cNvSpPr txBox="1"/>
+      <p:pic>
+        <p:nvPicPr>
+          <p:cNvPr id="15" name="Picture 14">
+            <a:extLst>
+              <a:ext uri="{FF2B5EF4-FFF2-40B4-BE49-F238E27FC236}">
+                <a16:creationId xmlns:a16="http://schemas.microsoft.com/office/drawing/2014/main" id="{5FF01190-8416-FB49-8361-20930620B806}"/>
+              </a:ext>
+            </a:extLst>
+          </p:cNvPr>
+          <p:cNvPicPr>
+            <a:picLocks noChangeAspect="1"/>
+          </p:cNvPicPr>
           <p:nvPr/>
-        </p:nvSpPr>
-        <p:spPr>
-          <a:xfrm>
-            <a:off x="11484528" y="6493241"/>
-            <a:ext cx="805343" cy="276999"/>
+        </p:nvPicPr>
+        <p:blipFill>
+          <a:blip r:embed="rId4">
+            <a:extLst>
+              <a:ext uri="{28A0092B-C50C-407E-A947-70E740481C1C}">
+                <a14:useLocalDpi xmlns:a14="http://schemas.microsoft.com/office/drawing/2010/main" val="0"/>
+              </a:ext>
+            </a:extLst>
+          </a:blip>
+          <a:stretch>
+            <a:fillRect/>
+          </a:stretch>
+        </p:blipFill>
+        <p:spPr>
+          <a:xfrm>
+            <a:off x="5504507" y="3954446"/>
+            <a:ext cx="6599976" cy="2615787"/>
           </a:xfrm>
           <a:prstGeom prst="rect">
             <a:avLst/>
           </a:prstGeom>
-          <a:noFill/>
-        </p:spPr>
-        <p:txBody>
-          <a:bodyPr wrap="square" rtlCol="0">
-            <a:spAutoFit/>
-          </a:bodyPr>
-          <a:lstStyle/>
-          <a:p>
-            <a:r>
-              <a:rPr lang="en-US" sz="1200" dirty="0"/>
-              <a:t>9</a:t>
-            </a:r>
-          </a:p>
-        </p:txBody>
-      </p:sp>
+        </p:spPr>
+      </p:pic>
+      <p:pic>
+        <p:nvPicPr>
+          <p:cNvPr id="8" name="圖片 4">
+            <a:extLst>
+              <a:ext uri="{FF2B5EF4-FFF2-40B4-BE49-F238E27FC236}">
+                <a16:creationId xmlns:a16="http://schemas.microsoft.com/office/drawing/2014/main" id="{2745ECBE-B8E6-A648-9983-11ADD7E7F410}"/>
+              </a:ext>
+            </a:extLst>
+          </p:cNvPr>
+          <p:cNvPicPr>
+            <a:picLocks noChangeAspect="1"/>
+          </p:cNvPicPr>
+          <p:nvPr/>
+        </p:nvPicPr>
+        <p:blipFill>
+          <a:blip r:embed="rId5">
+            <a:extLst>
+              <a:ext uri="{28A0092B-C50C-407E-A947-70E740481C1C}">
+                <a14:useLocalDpi xmlns:a14="http://schemas.microsoft.com/office/drawing/2010/main" val="0"/>
+              </a:ext>
+            </a:extLst>
+          </a:blip>
+          <a:stretch>
+            <a:fillRect/>
+          </a:stretch>
+        </p:blipFill>
+        <p:spPr>
+          <a:xfrm>
+            <a:off x="1409221" y="2394863"/>
+            <a:ext cx="4770210" cy="775754"/>
+          </a:xfrm>
+          <a:prstGeom prst="rect">
+            <a:avLst/>
+          </a:prstGeom>
+        </p:spPr>
+      </p:pic>
     </p:spTree>
     <p:extLst>
       <p:ext uri="{BB962C8B-B14F-4D97-AF65-F5344CB8AC3E}">
-        <p14:creationId xmlns:p14="http://schemas.microsoft.com/office/powerpoint/2010/main" val="823711344"/>
+        <p14:creationId xmlns:p14="http://schemas.microsoft.com/office/powerpoint/2010/main" val="3666552043"/>
       </p:ext>
     </p:extLst>
   </p:cSld>
@@ -10731,17 +10770,17 @@
           <a:p>
             <a:r>
               <a:rPr lang="en-US" sz="2800" b="1" dirty="0"/>
-              <a:t>Problems with Attention Mechanism</a:t>
-            </a:r>
-          </a:p>
-        </p:txBody>
-      </p:sp>
-      <p:sp>
-        <p:nvSpPr>
-          <p:cNvPr id="13" name="TextBox 5">
-            <a:extLst>
-              <a:ext uri="{FF2B5EF4-FFF2-40B4-BE49-F238E27FC236}">
-                <a16:creationId xmlns:a16="http://schemas.microsoft.com/office/drawing/2014/main" id="{A35F1A04-046B-42E3-9C3B-FFD642B26147}"/>
+              <a:t>Attention Mechanism:   The Fix – Multi-Headed Attention</a:t>
+            </a:r>
+          </a:p>
+        </p:txBody>
+      </p:sp>
+      <p:sp>
+        <p:nvSpPr>
+          <p:cNvPr id="5" name="TextBox 4">
+            <a:extLst>
+              <a:ext uri="{FF2B5EF4-FFF2-40B4-BE49-F238E27FC236}">
+                <a16:creationId xmlns:a16="http://schemas.microsoft.com/office/drawing/2014/main" id="{0F0A5022-A9F2-4143-B927-A449071B04E6}"/>
               </a:ext>
             </a:extLst>
           </p:cNvPr>
@@ -10750,8 +10789,8 @@
         </p:nvSpPr>
         <p:spPr>
           <a:xfrm>
-            <a:off x="1699490" y="1896283"/>
-            <a:ext cx="9335248" cy="830997"/>
+            <a:off x="1272901" y="1621886"/>
+            <a:ext cx="3588931" cy="461665"/>
           </a:xfrm>
           <a:prstGeom prst="rect">
             <a:avLst/>
@@ -10765,39 +10804,25 @@
           <a:lstStyle/>
           <a:p>
             <a:pPr marL="342900" indent="-342900">
-              <a:buFont typeface="Wingdings" pitchFamily="2" charset="2"/>
-              <a:buChar char="§"/>
+              <a:buFont typeface="Arial" panose="020B0604020202020204" pitchFamily="34" charset="0"/>
+              <a:buChar char="•"/>
             </a:pPr>
             <a:r>
               <a:rPr lang="en-US" sz="2400" b="1" dirty="0">
-                <a:latin typeface="Times New Roman" panose="02020603050405020304" pitchFamily="18" charset="0"/>
-                <a:cs typeface="Times New Roman" panose="02020603050405020304" pitchFamily="18" charset="0"/>
+                <a:latin typeface="Calibri" panose="020F0502020204030204" pitchFamily="34" charset="0"/>
+                <a:cs typeface="Calibri" panose="020F0502020204030204" pitchFamily="34" charset="0"/>
               </a:rPr>
-              <a:t>Too many heads -&gt; Hard to process queries from multiple positions</a:t>
-            </a:r>
-          </a:p>
-          <a:p>
-            <a:pPr lvl="6"/>
-            <a:r>
-              <a:rPr lang="en-US" sz="2400" b="1" dirty="0">
-                <a:latin typeface="Times New Roman" panose="02020603050405020304" pitchFamily="18" charset="0"/>
-                <a:cs typeface="Times New Roman" panose="02020603050405020304" pitchFamily="18" charset="0"/>
-              </a:rPr>
-              <a:t>in parallel.</a:t>
-            </a:r>
-            <a:endParaRPr lang="en-US" sz="2400" dirty="0">
-              <a:latin typeface="Times New Roman" panose="02020603050405020304" pitchFamily="18" charset="0"/>
-              <a:cs typeface="Times New Roman" panose="02020603050405020304" pitchFamily="18" charset="0"/>
-            </a:endParaRPr>
-          </a:p>
-        </p:txBody>
-      </p:sp>
-      <p:sp>
-        <p:nvSpPr>
-          <p:cNvPr id="14" name="TextBox 6">
-            <a:extLst>
-              <a:ext uri="{FF2B5EF4-FFF2-40B4-BE49-F238E27FC236}">
-                <a16:creationId xmlns:a16="http://schemas.microsoft.com/office/drawing/2014/main" id="{1DFF8FF5-A1E8-4D4B-9DE1-775A18258604}"/>
+              <a:t>Multi-Headed Attention</a:t>
+            </a:r>
+          </a:p>
+        </p:txBody>
+      </p:sp>
+      <p:sp>
+        <p:nvSpPr>
+          <p:cNvPr id="6" name="TextBox 5">
+            <a:extLst>
+              <a:ext uri="{FF2B5EF4-FFF2-40B4-BE49-F238E27FC236}">
+                <a16:creationId xmlns:a16="http://schemas.microsoft.com/office/drawing/2014/main" id="{AA02E5DE-4934-2043-ACFE-09A4C05C23C7}"/>
               </a:ext>
             </a:extLst>
           </p:cNvPr>
@@ -10806,8 +10831,8 @@
         </p:nvSpPr>
         <p:spPr>
           <a:xfrm>
-            <a:off x="1699491" y="2727280"/>
-            <a:ext cx="3860159" cy="461665"/>
+            <a:off x="1773335" y="2428904"/>
+            <a:ext cx="9500541" cy="461665"/>
           </a:xfrm>
           <a:prstGeom prst="rect">
             <a:avLst/>
@@ -10815,34 +10840,28 @@
           <a:noFill/>
         </p:spPr>
         <p:txBody>
-          <a:bodyPr wrap="none" rtlCol="0">
+          <a:bodyPr wrap="square" rtlCol="0">
             <a:spAutoFit/>
           </a:bodyPr>
           <a:lstStyle/>
           <a:p>
             <a:pPr marL="342900" indent="-342900">
-              <a:buFont typeface="Wingdings" pitchFamily="2" charset="2"/>
-              <a:buChar char="§"/>
+              <a:buFont typeface="Arial" panose="020B0604020202020204" pitchFamily="34" charset="0"/>
+              <a:buChar char="•"/>
             </a:pPr>
             <a:r>
-              <a:rPr lang="en-US" sz="2400" b="1" dirty="0">
-                <a:solidFill>
-                  <a:srgbClr val="FF0000"/>
-                </a:solidFill>
-                <a:latin typeface="Times New Roman" panose="02020603050405020304" pitchFamily="18" charset="0"/>
-                <a:cs typeface="Times New Roman" panose="02020603050405020304" pitchFamily="18" charset="0"/>
-              </a:rPr>
-              <a:t>Valid heads are unknown</a:t>
-            </a:r>
-          </a:p>
-        </p:txBody>
-      </p:sp>
-      <p:sp>
-        <p:nvSpPr>
-          <p:cNvPr id="15" name="TextBox 9">
-            <a:extLst>
-              <a:ext uri="{FF2B5EF4-FFF2-40B4-BE49-F238E27FC236}">
-                <a16:creationId xmlns:a16="http://schemas.microsoft.com/office/drawing/2014/main" id="{4F69F72C-E1BD-4408-B368-6888FC13EC7B}"/>
+              <a:rPr lang="en-US" sz="2400" dirty="0"/>
+              <a:t>Multiple attention layers (heads) in parallel (shown by different colors)</a:t>
+            </a:r>
+          </a:p>
+        </p:txBody>
+      </p:sp>
+      <p:sp>
+        <p:nvSpPr>
+          <p:cNvPr id="10" name="TextBox 9">
+            <a:extLst>
+              <a:ext uri="{FF2B5EF4-FFF2-40B4-BE49-F238E27FC236}">
+                <a16:creationId xmlns:a16="http://schemas.microsoft.com/office/drawing/2014/main" id="{0904BA4E-C0C3-D744-814B-DA4816B447F1}"/>
               </a:ext>
             </a:extLst>
           </p:cNvPr>
@@ -10851,8 +10870,8 @@
         </p:nvSpPr>
         <p:spPr>
           <a:xfrm>
-            <a:off x="1699490" y="3378533"/>
-            <a:ext cx="9510843" cy="1200329"/>
+            <a:off x="1773334" y="3141314"/>
+            <a:ext cx="9500541" cy="461665"/>
           </a:xfrm>
           <a:prstGeom prst="rect">
             <a:avLst/>
@@ -10866,80 +10885,22 @@
           <a:lstStyle/>
           <a:p>
             <a:pPr marL="342900" indent="-342900">
-              <a:buFont typeface="Wingdings" pitchFamily="2" charset="2"/>
-              <a:buChar char="§"/>
+              <a:buFont typeface="Arial" panose="020B0604020202020204" pitchFamily="34" charset="0"/>
+              <a:buChar char="•"/>
             </a:pPr>
             <a:r>
-              <a:rPr lang="en-US" sz="2400" b="1" dirty="0">
-                <a:latin typeface="Times New Roman" panose="02020603050405020304" pitchFamily="18" charset="0"/>
-                <a:cs typeface="Times New Roman" panose="02020603050405020304" pitchFamily="18" charset="0"/>
-              </a:rPr>
-              <a:t>Processing with “Valid heads” problem:</a:t>
-            </a:r>
-            <a:br>
-              <a:rPr lang="en-US" sz="2400" b="1" dirty="0">
-                <a:latin typeface="Times New Roman" panose="02020603050405020304" pitchFamily="18" charset="0"/>
-                <a:cs typeface="Times New Roman" panose="02020603050405020304" pitchFamily="18" charset="0"/>
-              </a:rPr>
-            </a:br>
-            <a:r>
-              <a:rPr lang="en-US" sz="2400" b="1" dirty="0">
-                <a:solidFill>
-                  <a:srgbClr val="FF0000"/>
-                </a:solidFill>
-                <a:latin typeface="Times New Roman" panose="02020603050405020304" pitchFamily="18" charset="0"/>
-                <a:cs typeface="Times New Roman" panose="02020603050405020304" pitchFamily="18" charset="0"/>
-              </a:rPr>
-              <a:t>	</a:t>
-            </a:r>
-            <a:br>
-              <a:rPr lang="en-US" sz="2400" b="1" dirty="0">
-                <a:solidFill>
-                  <a:srgbClr val="FF0000"/>
-                </a:solidFill>
-                <a:latin typeface="Times New Roman" panose="02020603050405020304" pitchFamily="18" charset="0"/>
-                <a:cs typeface="Times New Roman" panose="02020603050405020304" pitchFamily="18" charset="0"/>
-              </a:rPr>
-            </a:br>
-            <a:r>
-              <a:rPr lang="en-US" sz="2400" b="1" dirty="0">
-                <a:solidFill>
-                  <a:srgbClr val="FF0000"/>
-                </a:solidFill>
-                <a:latin typeface="Times New Roman" panose="02020603050405020304" pitchFamily="18" charset="0"/>
-                <a:cs typeface="Times New Roman" panose="02020603050405020304" pitchFamily="18" charset="0"/>
-              </a:rPr>
-              <a:t>	We propose EDM-</a:t>
-            </a:r>
-            <a:r>
-              <a:rPr lang="en-US" sz="2400" b="1" dirty="0" err="1">
-                <a:solidFill>
-                  <a:srgbClr val="FF0000"/>
-                </a:solidFill>
-                <a:latin typeface="Times New Roman" panose="02020603050405020304" pitchFamily="18" charset="0"/>
-                <a:cs typeface="Times New Roman" panose="02020603050405020304" pitchFamily="18" charset="0"/>
-              </a:rPr>
-              <a:t>RoBERTa</a:t>
-            </a:r>
-            <a:r>
-              <a:rPr lang="en-US" sz="2400" b="1" dirty="0">
-                <a:solidFill>
-                  <a:srgbClr val="FF0000"/>
-                </a:solidFill>
-                <a:latin typeface="Times New Roman" panose="02020603050405020304" pitchFamily="18" charset="0"/>
-                <a:cs typeface="Times New Roman" panose="02020603050405020304" pitchFamily="18" charset="0"/>
-              </a:rPr>
-              <a:t> to optimize the attention process</a:t>
-            </a:r>
-          </a:p>
-        </p:txBody>
-      </p:sp>
-      <p:sp>
-        <p:nvSpPr>
-          <p:cNvPr id="6" name="文字方塊 5">
-            <a:extLst>
-              <a:ext uri="{FF2B5EF4-FFF2-40B4-BE49-F238E27FC236}">
-                <a16:creationId xmlns:a16="http://schemas.microsoft.com/office/drawing/2014/main" id="{064B2AB1-2865-4D5A-90E4-412F1FAFC6F9}"/>
+              <a:rPr lang="en-US" sz="2400" dirty="0"/>
+              <a:t>Each layer uses different linear transformations.</a:t>
+            </a:r>
+          </a:p>
+        </p:txBody>
+      </p:sp>
+      <p:sp>
+        <p:nvSpPr>
+          <p:cNvPr id="13" name="TextBox 12">
+            <a:extLst>
+              <a:ext uri="{FF2B5EF4-FFF2-40B4-BE49-F238E27FC236}">
+                <a16:creationId xmlns:a16="http://schemas.microsoft.com/office/drawing/2014/main" id="{E9FE2D4D-3A0B-9B43-87CD-629A77DD5A92}"/>
               </a:ext>
             </a:extLst>
           </p:cNvPr>
@@ -10948,8 +10909,8 @@
         </p:nvSpPr>
         <p:spPr>
           <a:xfrm>
-            <a:off x="11484528" y="6493241"/>
-            <a:ext cx="805343" cy="276999"/>
+            <a:off x="1773334" y="3853724"/>
+            <a:ext cx="9500541" cy="461665"/>
           </a:xfrm>
           <a:prstGeom prst="rect">
             <a:avLst/>
@@ -10962,9 +10923,83 @@
           </a:bodyPr>
           <a:lstStyle/>
           <a:p>
+            <a:pPr marL="342900" indent="-342900">
+              <a:buFont typeface="Arial" panose="020B0604020202020204" pitchFamily="34" charset="0"/>
+              <a:buChar char="•"/>
+            </a:pPr>
+            <a:r>
+              <a:rPr lang="en-US" sz="2400" dirty="0"/>
+              <a:t>Different heads can learn different relationships.</a:t>
+            </a:r>
+          </a:p>
+        </p:txBody>
+      </p:sp>
+      <p:pic>
+        <p:nvPicPr>
+          <p:cNvPr id="9" name="Picture 8">
+            <a:extLst>
+              <a:ext uri="{FF2B5EF4-FFF2-40B4-BE49-F238E27FC236}">
+                <a16:creationId xmlns:a16="http://schemas.microsoft.com/office/drawing/2014/main" id="{0942FB8F-AC6E-4341-8B0C-3D563C5F5700}"/>
+              </a:ext>
+            </a:extLst>
+          </p:cNvPr>
+          <p:cNvPicPr>
+            <a:picLocks noChangeAspect="1"/>
+          </p:cNvPicPr>
+          <p:nvPr/>
+        </p:nvPicPr>
+        <p:blipFill rotWithShape="1">
+          <a:blip r:embed="rId3" cstate="print">
+            <a:extLst>
+              <a:ext uri="{28A0092B-C50C-407E-A947-70E740481C1C}">
+                <a14:useLocalDpi xmlns:a14="http://schemas.microsoft.com/office/drawing/2010/main" val="0"/>
+              </a:ext>
+            </a:extLst>
+          </a:blip>
+          <a:srcRect t="30505"/>
+          <a:stretch/>
+        </p:blipFill>
+        <p:spPr>
+          <a:xfrm>
+            <a:off x="7721105" y="4712245"/>
+            <a:ext cx="3962401" cy="1099076"/>
+          </a:xfrm>
+          <a:prstGeom prst="rect">
+            <a:avLst/>
+          </a:prstGeom>
+        </p:spPr>
+      </p:pic>
+      <p:sp>
+        <p:nvSpPr>
+          <p:cNvPr id="8" name="文字方塊 7">
+            <a:extLst>
+              <a:ext uri="{FF2B5EF4-FFF2-40B4-BE49-F238E27FC236}">
+                <a16:creationId xmlns:a16="http://schemas.microsoft.com/office/drawing/2014/main" id="{4170633D-74D4-4071-A14B-EC57F32C3D9F}"/>
+              </a:ext>
+            </a:extLst>
+          </p:cNvPr>
+          <p:cNvSpPr txBox="1"/>
+          <p:nvPr/>
+        </p:nvSpPr>
+        <p:spPr>
+          <a:xfrm>
+            <a:off x="11484528" y="6493241"/>
+            <a:ext cx="805343" cy="276999"/>
+          </a:xfrm>
+          <a:prstGeom prst="rect">
+            <a:avLst/>
+          </a:prstGeom>
+          <a:noFill/>
+        </p:spPr>
+        <p:txBody>
+          <a:bodyPr wrap="square" rtlCol="0">
+            <a:spAutoFit/>
+          </a:bodyPr>
+          <a:lstStyle/>
+          <a:p>
             <a:r>
               <a:rPr lang="en-US" sz="1200" dirty="0"/>
-              <a:t>10</a:t>
+              <a:t>13</a:t>
             </a:r>
           </a:p>
         </p:txBody>
@@ -10972,7 +11007,7 @@
     </p:spTree>
     <p:extLst>
       <p:ext uri="{BB962C8B-B14F-4D97-AF65-F5344CB8AC3E}">
-        <p14:creationId xmlns:p14="http://schemas.microsoft.com/office/powerpoint/2010/main" val="4156085279"/>
+        <p14:creationId xmlns:p14="http://schemas.microsoft.com/office/powerpoint/2010/main" val="823711344"/>
       </p:ext>
     </p:extLst>
   </p:cSld>
@@ -11037,17 +11072,17 @@
           <a:p>
             <a:r>
               <a:rPr lang="en-US" sz="2800" b="1" dirty="0"/>
-              <a:t>Optimization</a:t>
-            </a:r>
-          </a:p>
-        </p:txBody>
-      </p:sp>
-      <p:sp>
-        <p:nvSpPr>
-          <p:cNvPr id="5" name="TextBox 4">
-            <a:extLst>
-              <a:ext uri="{FF2B5EF4-FFF2-40B4-BE49-F238E27FC236}">
-                <a16:creationId xmlns:a16="http://schemas.microsoft.com/office/drawing/2014/main" id="{0F0A5022-A9F2-4143-B927-A449071B04E6}"/>
+              <a:t>Problems with Attention Mechanism</a:t>
+            </a:r>
+          </a:p>
+        </p:txBody>
+      </p:sp>
+      <p:sp>
+        <p:nvSpPr>
+          <p:cNvPr id="13" name="TextBox 5">
+            <a:extLst>
+              <a:ext uri="{FF2B5EF4-FFF2-40B4-BE49-F238E27FC236}">
+                <a16:creationId xmlns:a16="http://schemas.microsoft.com/office/drawing/2014/main" id="{A35F1A04-046B-42E3-9C3B-FFD642B26147}"/>
               </a:ext>
             </a:extLst>
           </p:cNvPr>
@@ -11056,8 +11091,8 @@
         </p:nvSpPr>
         <p:spPr>
           <a:xfrm>
-            <a:off x="952373" y="1568534"/>
-            <a:ext cx="5613268" cy="461665"/>
+            <a:off x="1699490" y="1896283"/>
+            <a:ext cx="9335248" cy="830997"/>
           </a:xfrm>
           <a:prstGeom prst="rect">
             <a:avLst/>
@@ -11071,25 +11106,39 @@
           <a:lstStyle/>
           <a:p>
             <a:pPr marL="342900" indent="-342900">
-              <a:buFont typeface="Arial" panose="020B0604020202020204" pitchFamily="34" charset="0"/>
-              <a:buChar char="•"/>
+              <a:buFont typeface="Wingdings" pitchFamily="2" charset="2"/>
+              <a:buChar char="§"/>
             </a:pPr>
             <a:r>
-              <a:rPr lang="en-US" sz="2400" dirty="0">
-                <a:latin typeface="Calibri" panose="020F0502020204030204" pitchFamily="34" charset="0"/>
-                <a:cs typeface="Calibri" panose="020F0502020204030204" pitchFamily="34" charset="0"/>
+              <a:rPr lang="en-US" sz="2400" b="1" dirty="0">
+                <a:latin typeface="Times New Roman" panose="02020603050405020304" pitchFamily="18" charset="0"/>
+                <a:cs typeface="Times New Roman" panose="02020603050405020304" pitchFamily="18" charset="0"/>
               </a:rPr>
-              <a:t>Single-headed Attention RNN (SHA-RNN)</a:t>
-            </a:r>
-          </a:p>
-        </p:txBody>
-      </p:sp>
-      <p:sp>
-        <p:nvSpPr>
-          <p:cNvPr id="6" name="TextBox 5">
-            <a:extLst>
-              <a:ext uri="{FF2B5EF4-FFF2-40B4-BE49-F238E27FC236}">
-                <a16:creationId xmlns:a16="http://schemas.microsoft.com/office/drawing/2014/main" id="{F0562E0E-EEBC-9146-9A8A-71CE457A66D7}"/>
+              <a:t>Too many heads -&gt; Hard to process queries from multiple positions</a:t>
+            </a:r>
+          </a:p>
+          <a:p>
+            <a:pPr lvl="6"/>
+            <a:r>
+              <a:rPr lang="en-US" sz="2400" b="1" dirty="0">
+                <a:latin typeface="Times New Roman" panose="02020603050405020304" pitchFamily="18" charset="0"/>
+                <a:cs typeface="Times New Roman" panose="02020603050405020304" pitchFamily="18" charset="0"/>
+              </a:rPr>
+              <a:t>in parallel.</a:t>
+            </a:r>
+            <a:endParaRPr lang="en-US" sz="2400" dirty="0">
+              <a:latin typeface="Times New Roman" panose="02020603050405020304" pitchFamily="18" charset="0"/>
+              <a:cs typeface="Times New Roman" panose="02020603050405020304" pitchFamily="18" charset="0"/>
+            </a:endParaRPr>
+          </a:p>
+        </p:txBody>
+      </p:sp>
+      <p:sp>
+        <p:nvSpPr>
+          <p:cNvPr id="14" name="TextBox 6">
+            <a:extLst>
+              <a:ext uri="{FF2B5EF4-FFF2-40B4-BE49-F238E27FC236}">
+                <a16:creationId xmlns:a16="http://schemas.microsoft.com/office/drawing/2014/main" id="{1DFF8FF5-A1E8-4D4B-9DE1-775A18258604}"/>
               </a:ext>
             </a:extLst>
           </p:cNvPr>
@@ -11098,8 +11147,8 @@
         </p:nvSpPr>
         <p:spPr>
           <a:xfrm>
-            <a:off x="1516652" y="2219787"/>
-            <a:ext cx="2593852" cy="461665"/>
+            <a:off x="1699491" y="2727280"/>
+            <a:ext cx="3860159" cy="461665"/>
           </a:xfrm>
           <a:prstGeom prst="rect">
             <a:avLst/>
@@ -11107,7 +11156,7 @@
           <a:noFill/>
         </p:spPr>
         <p:txBody>
-          <a:bodyPr wrap="square" rtlCol="0">
+          <a:bodyPr wrap="none" rtlCol="0">
             <a:spAutoFit/>
           </a:bodyPr>
           <a:lstStyle/>
@@ -11118,24 +11167,23 @@
             </a:pPr>
             <a:r>
               <a:rPr lang="en-US" sz="2400" b="1" dirty="0">
-                <a:latin typeface="Calibri" panose="020F0502020204030204" pitchFamily="34" charset="0"/>
-                <a:cs typeface="Calibri" panose="020F0502020204030204" pitchFamily="34" charset="0"/>
+                <a:solidFill>
+                  <a:srgbClr val="FF0000"/>
+                </a:solidFill>
+                <a:latin typeface="Times New Roman" panose="02020603050405020304" pitchFamily="18" charset="0"/>
+                <a:cs typeface="Times New Roman" panose="02020603050405020304" pitchFamily="18" charset="0"/>
               </a:rPr>
-              <a:t>Boom Layer</a:t>
-            </a:r>
-            <a:endParaRPr lang="en-US" sz="2400" dirty="0">
-              <a:latin typeface="Calibri" panose="020F0502020204030204" pitchFamily="34" charset="0"/>
-              <a:cs typeface="Calibri" panose="020F0502020204030204" pitchFamily="34" charset="0"/>
-            </a:endParaRPr>
-          </a:p>
-        </p:txBody>
-      </p:sp>
-      <p:sp>
-        <p:nvSpPr>
-          <p:cNvPr id="11" name="TextBox 10">
-            <a:extLst>
-              <a:ext uri="{FF2B5EF4-FFF2-40B4-BE49-F238E27FC236}">
-                <a16:creationId xmlns:a16="http://schemas.microsoft.com/office/drawing/2014/main" id="{047DF914-B467-334D-87BF-6ED281A9340C}"/>
+              <a:t>Valid heads are unknown</a:t>
+            </a:r>
+          </a:p>
+        </p:txBody>
+      </p:sp>
+      <p:sp>
+        <p:nvSpPr>
+          <p:cNvPr id="15" name="TextBox 9">
+            <a:extLst>
+              <a:ext uri="{FF2B5EF4-FFF2-40B4-BE49-F238E27FC236}">
+                <a16:creationId xmlns:a16="http://schemas.microsoft.com/office/drawing/2014/main" id="{4F69F72C-E1BD-4408-B368-6888FC13EC7B}"/>
               </a:ext>
             </a:extLst>
           </p:cNvPr>
@@ -11144,8 +11192,8 @@
         </p:nvSpPr>
         <p:spPr>
           <a:xfrm>
-            <a:off x="1516651" y="3684012"/>
-            <a:ext cx="9561079" cy="461665"/>
+            <a:off x="1699490" y="3378533"/>
+            <a:ext cx="9510843" cy="1200329"/>
           </a:xfrm>
           <a:prstGeom prst="rect">
             <a:avLst/>
@@ -11164,27 +11212,75 @@
             </a:pPr>
             <a:r>
               <a:rPr lang="en-US" sz="2400" b="1" dirty="0">
-                <a:latin typeface="Calibri" panose="020F0502020204030204" pitchFamily="34" charset="0"/>
-                <a:cs typeface="Calibri" panose="020F0502020204030204" pitchFamily="34" charset="0"/>
-              </a:rPr>
-              <a:t>Activation Function:   </a:t>
-            </a:r>
-            <a:r>
-              <a:rPr lang="en-US" sz="2400" dirty="0">
                 <a:latin typeface="Times New Roman" panose="02020603050405020304" pitchFamily="18" charset="0"/>
                 <a:cs typeface="Times New Roman" panose="02020603050405020304" pitchFamily="18" charset="0"/>
               </a:rPr>
-              <a:t>Gaussian Error Linear Units (GELUs)</a:t>
-            </a:r>
-          </a:p>
-        </p:txBody>
-      </p:sp>
-      <p:sp>
-        <p:nvSpPr>
-          <p:cNvPr id="12" name="TextBox 11">
-            <a:extLst>
-              <a:ext uri="{FF2B5EF4-FFF2-40B4-BE49-F238E27FC236}">
-                <a16:creationId xmlns:a16="http://schemas.microsoft.com/office/drawing/2014/main" id="{87F6B32E-0BBB-5943-984B-398FF49AE20E}"/>
+              <a:t>Processing with “Valid heads” problem:</a:t>
+            </a:r>
+            <a:br>
+              <a:rPr lang="en-US" sz="2400" b="1" dirty="0">
+                <a:latin typeface="Times New Roman" panose="02020603050405020304" pitchFamily="18" charset="0"/>
+                <a:cs typeface="Times New Roman" panose="02020603050405020304" pitchFamily="18" charset="0"/>
+              </a:rPr>
+            </a:br>
+            <a:r>
+              <a:rPr lang="en-US" sz="2400" b="1" dirty="0">
+                <a:solidFill>
+                  <a:srgbClr val="FF0000"/>
+                </a:solidFill>
+                <a:latin typeface="Times New Roman" panose="02020603050405020304" pitchFamily="18" charset="0"/>
+                <a:cs typeface="Times New Roman" panose="02020603050405020304" pitchFamily="18" charset="0"/>
+              </a:rPr>
+              <a:t>	</a:t>
+            </a:r>
+            <a:br>
+              <a:rPr lang="en-US" sz="2400" b="1" dirty="0">
+                <a:solidFill>
+                  <a:srgbClr val="FF0000"/>
+                </a:solidFill>
+                <a:latin typeface="Times New Roman" panose="02020603050405020304" pitchFamily="18" charset="0"/>
+                <a:cs typeface="Times New Roman" panose="02020603050405020304" pitchFamily="18" charset="0"/>
+              </a:rPr>
+            </a:br>
+            <a:r>
+              <a:rPr lang="en-US" sz="2400" b="1" dirty="0">
+                <a:solidFill>
+                  <a:srgbClr val="FF0000"/>
+                </a:solidFill>
+                <a:latin typeface="Times New Roman" panose="02020603050405020304" pitchFamily="18" charset="0"/>
+                <a:cs typeface="Times New Roman" panose="02020603050405020304" pitchFamily="18" charset="0"/>
+              </a:rPr>
+              <a:t>	We propose EDM-</a:t>
+            </a:r>
+            <a:r>
+              <a:rPr lang="en-US" sz="2400" b="1" dirty="0" err="1">
+                <a:solidFill>
+                  <a:srgbClr val="FF0000"/>
+                </a:solidFill>
+                <a:latin typeface="Times New Roman" panose="02020603050405020304" pitchFamily="18" charset="0"/>
+                <a:cs typeface="Times New Roman" panose="02020603050405020304" pitchFamily="18" charset="0"/>
+              </a:rPr>
+              <a:t>RoBERTa</a:t>
+            </a:r>
+            <a:r>
+              <a:rPr lang="en-US" sz="2400" b="1" dirty="0">
+                <a:solidFill>
+                  <a:srgbClr val="FF0000"/>
+                </a:solidFill>
+                <a:latin typeface="Times New Roman" panose="02020603050405020304" pitchFamily="18" charset="0"/>
+                <a:cs typeface="Times New Roman" panose="02020603050405020304" pitchFamily="18" charset="0"/>
+              </a:rPr>
+              <a:t> to optimize the attention process</a:t>
+            </a:r>
+          </a:p>
+        </p:txBody>
+      </p:sp>
+      <p:sp>
+        <p:nvSpPr>
+          <p:cNvPr id="6" name="文字方塊 5">
+            <a:extLst>
+              <a:ext uri="{FF2B5EF4-FFF2-40B4-BE49-F238E27FC236}">
+                <a16:creationId xmlns:a16="http://schemas.microsoft.com/office/drawing/2014/main" id="{064B2AB1-2865-4D5A-90E4-412F1FAFC6F9}"/>
               </a:ext>
             </a:extLst>
           </p:cNvPr>
@@ -11193,8 +11289,8 @@
         </p:nvSpPr>
         <p:spPr>
           <a:xfrm>
-            <a:off x="952373" y="4496984"/>
-            <a:ext cx="5692392" cy="461665"/>
+            <a:off x="11484528" y="6493241"/>
+            <a:ext cx="805343" cy="276999"/>
           </a:xfrm>
           <a:prstGeom prst="rect">
             <a:avLst/>
@@ -11202,129 +11298,6 @@
           <a:noFill/>
         </p:spPr>
         <p:txBody>
-          <a:bodyPr wrap="none" rtlCol="0">
-            <a:spAutoFit/>
-          </a:bodyPr>
-          <a:lstStyle/>
-          <a:p>
-            <a:pPr marL="342900" indent="-342900">
-              <a:buFont typeface="Arial" panose="020B0604020202020204" pitchFamily="34" charset="0"/>
-              <a:buChar char="•"/>
-            </a:pPr>
-            <a:r>
-              <a:rPr lang="en-US" sz="2400" dirty="0">
-                <a:latin typeface="Calibri" panose="020F0502020204030204" pitchFamily="34" charset="0"/>
-                <a:cs typeface="Calibri" panose="020F0502020204030204" pitchFamily="34" charset="0"/>
-              </a:rPr>
-              <a:t>Models: BERT, </a:t>
-            </a:r>
-            <a:r>
-              <a:rPr lang="en-US" sz="2400" dirty="0" err="1">
-                <a:latin typeface="Calibri" panose="020F0502020204030204" pitchFamily="34" charset="0"/>
-                <a:cs typeface="Calibri" panose="020F0502020204030204" pitchFamily="34" charset="0"/>
-              </a:rPr>
-              <a:t>RoBERTa</a:t>
-            </a:r>
-            <a:r>
-              <a:rPr lang="en-US" sz="2400" dirty="0">
-                <a:latin typeface="Calibri" panose="020F0502020204030204" pitchFamily="34" charset="0"/>
-                <a:cs typeface="Calibri" panose="020F0502020204030204" pitchFamily="34" charset="0"/>
-              </a:rPr>
-              <a:t>, </a:t>
-            </a:r>
-            <a:r>
-              <a:rPr lang="en-US" sz="2400" dirty="0" err="1">
-                <a:latin typeface="Calibri" panose="020F0502020204030204" pitchFamily="34" charset="0"/>
-                <a:cs typeface="Calibri" panose="020F0502020204030204" pitchFamily="34" charset="0"/>
-              </a:rPr>
-              <a:t>DistilBERT</a:t>
-            </a:r>
-            <a:r>
-              <a:rPr lang="en-US" sz="2400" dirty="0">
-                <a:latin typeface="Calibri" panose="020F0502020204030204" pitchFamily="34" charset="0"/>
-                <a:cs typeface="Calibri" panose="020F0502020204030204" pitchFamily="34" charset="0"/>
-              </a:rPr>
-              <a:t>, </a:t>
-            </a:r>
-            <a:r>
-              <a:rPr lang="en-US" sz="2400" dirty="0" err="1">
-                <a:latin typeface="Calibri" panose="020F0502020204030204" pitchFamily="34" charset="0"/>
-                <a:cs typeface="Calibri" panose="020F0502020204030204" pitchFamily="34" charset="0"/>
-              </a:rPr>
-              <a:t>XLNet</a:t>
-            </a:r>
-            <a:endParaRPr lang="en-US" sz="2400" dirty="0">
-              <a:latin typeface="Calibri" panose="020F0502020204030204" pitchFamily="34" charset="0"/>
-              <a:cs typeface="Calibri" panose="020F0502020204030204" pitchFamily="34" charset="0"/>
-            </a:endParaRPr>
-          </a:p>
-        </p:txBody>
-      </p:sp>
-      <p:sp>
-        <p:nvSpPr>
-          <p:cNvPr id="13" name="TextBox 12">
-            <a:extLst>
-              <a:ext uri="{FF2B5EF4-FFF2-40B4-BE49-F238E27FC236}">
-                <a16:creationId xmlns:a16="http://schemas.microsoft.com/office/drawing/2014/main" id="{EF565234-AACD-4849-9DD1-72F925B48DE6}"/>
-              </a:ext>
-            </a:extLst>
-          </p:cNvPr>
-          <p:cNvSpPr txBox="1"/>
-          <p:nvPr/>
-        </p:nvSpPr>
-        <p:spPr>
-          <a:xfrm>
-            <a:off x="952373" y="5289466"/>
-            <a:ext cx="10377136" cy="461665"/>
-          </a:xfrm>
-          <a:prstGeom prst="rect">
-            <a:avLst/>
-          </a:prstGeom>
-          <a:noFill/>
-        </p:spPr>
-        <p:txBody>
-          <a:bodyPr wrap="none" rtlCol="0">
-            <a:spAutoFit/>
-          </a:bodyPr>
-          <a:lstStyle/>
-          <a:p>
-            <a:pPr marL="342900" indent="-342900">
-              <a:buFont typeface="Arial" panose="020B0604020202020204" pitchFamily="34" charset="0"/>
-              <a:buChar char="•"/>
-            </a:pPr>
-            <a:r>
-              <a:rPr lang="en-US" sz="2400" b="1" dirty="0">
-                <a:latin typeface="Calibri" panose="020F0502020204030204" pitchFamily="34" charset="0"/>
-                <a:cs typeface="Calibri" panose="020F0502020204030204" pitchFamily="34" charset="0"/>
-              </a:rPr>
-              <a:t>Solving the short-term dependency problem from Transformer-based Models</a:t>
-            </a:r>
-          </a:p>
-        </p:txBody>
-      </p:sp>
-      <p:sp>
-        <p:nvSpPr>
-          <p:cNvPr id="9" name="文字方塊 8">
-            <a:extLst>
-              <a:ext uri="{FF2B5EF4-FFF2-40B4-BE49-F238E27FC236}">
-                <a16:creationId xmlns:a16="http://schemas.microsoft.com/office/drawing/2014/main" id="{AE73553F-4114-411F-A6A1-3291FA4B6CF8}"/>
-              </a:ext>
-            </a:extLst>
-          </p:cNvPr>
-          <p:cNvSpPr txBox="1"/>
-          <p:nvPr/>
-        </p:nvSpPr>
-        <p:spPr>
-          <a:xfrm>
-            <a:off x="11484528" y="6493241"/>
-            <a:ext cx="805343" cy="276999"/>
-          </a:xfrm>
-          <a:prstGeom prst="rect">
-            <a:avLst/>
-          </a:prstGeom>
-          <a:noFill/>
-        </p:spPr>
-        <p:txBody>
           <a:bodyPr wrap="square" rtlCol="0">
             <a:spAutoFit/>
           </a:bodyPr>
@@ -11332,51 +11305,15 @@
           <a:p>
             <a:r>
               <a:rPr lang="en-US" sz="1200" dirty="0"/>
-              <a:t>11</a:t>
-            </a:r>
-          </a:p>
-        </p:txBody>
-      </p:sp>
-      <p:pic>
-        <p:nvPicPr>
-          <p:cNvPr id="4" name="Picture 3">
-            <a:extLst>
-              <a:ext uri="{FF2B5EF4-FFF2-40B4-BE49-F238E27FC236}">
-                <a16:creationId xmlns:a16="http://schemas.microsoft.com/office/drawing/2014/main" id="{7C742139-6B31-3A45-AB98-FB2FDEC77E93}"/>
-              </a:ext>
-            </a:extLst>
-          </p:cNvPr>
-          <p:cNvPicPr>
-            <a:picLocks noChangeAspect="1"/>
-          </p:cNvPicPr>
-          <p:nvPr/>
-        </p:nvPicPr>
-        <p:blipFill>
-          <a:blip r:embed="rId3">
-            <a:extLst>
-              <a:ext uri="{28A0092B-C50C-407E-A947-70E740481C1C}">
-                <a14:useLocalDpi xmlns:a14="http://schemas.microsoft.com/office/drawing/2010/main" val="0"/>
-              </a:ext>
-            </a:extLst>
-          </a:blip>
-          <a:stretch>
-            <a:fillRect/>
-          </a:stretch>
-        </p:blipFill>
-        <p:spPr>
-          <a:xfrm>
-            <a:off x="2775695" y="2844490"/>
-            <a:ext cx="5707858" cy="461665"/>
-          </a:xfrm>
-          <a:prstGeom prst="rect">
-            <a:avLst/>
-          </a:prstGeom>
-        </p:spPr>
-      </p:pic>
+              <a:t>14</a:t>
+            </a:r>
+          </a:p>
+        </p:txBody>
+      </p:sp>
     </p:spTree>
     <p:extLst>
       <p:ext uri="{BB962C8B-B14F-4D97-AF65-F5344CB8AC3E}">
-        <p14:creationId xmlns:p14="http://schemas.microsoft.com/office/powerpoint/2010/main" val="1030187098"/>
+        <p14:creationId xmlns:p14="http://schemas.microsoft.com/office/powerpoint/2010/main" val="4156085279"/>
       </p:ext>
     </p:extLst>
   </p:cSld>
@@ -11441,17 +11378,17 @@
           <a:p>
             <a:r>
               <a:rPr lang="en-US" sz="2800" b="1" dirty="0"/>
-              <a:t>Optimization: Sentimental Ambiguity</a:t>
-            </a:r>
-          </a:p>
-        </p:txBody>
-      </p:sp>
-      <p:sp>
-        <p:nvSpPr>
-          <p:cNvPr id="9" name="文字方塊 8">
-            <a:extLst>
-              <a:ext uri="{FF2B5EF4-FFF2-40B4-BE49-F238E27FC236}">
-                <a16:creationId xmlns:a16="http://schemas.microsoft.com/office/drawing/2014/main" id="{AE73553F-4114-411F-A6A1-3291FA4B6CF8}"/>
+              <a:t>Optimization</a:t>
+            </a:r>
+          </a:p>
+        </p:txBody>
+      </p:sp>
+      <p:sp>
+        <p:nvSpPr>
+          <p:cNvPr id="5" name="TextBox 4">
+            <a:extLst>
+              <a:ext uri="{FF2B5EF4-FFF2-40B4-BE49-F238E27FC236}">
+                <a16:creationId xmlns:a16="http://schemas.microsoft.com/office/drawing/2014/main" id="{0F0A5022-A9F2-4143-B927-A449071B04E6}"/>
               </a:ext>
             </a:extLst>
           </p:cNvPr>
@@ -11460,8 +11397,8 @@
         </p:nvSpPr>
         <p:spPr>
           <a:xfrm>
-            <a:off x="11484528" y="6493241"/>
-            <a:ext cx="805343" cy="276999"/>
+            <a:off x="952373" y="1568534"/>
+            <a:ext cx="5613268" cy="461665"/>
           </a:xfrm>
           <a:prstGeom prst="rect">
             <a:avLst/>
@@ -11469,24 +11406,284 @@
           <a:noFill/>
         </p:spPr>
         <p:txBody>
+          <a:bodyPr wrap="none" rtlCol="0">
+            <a:spAutoFit/>
+          </a:bodyPr>
+          <a:lstStyle/>
+          <a:p>
+            <a:pPr marL="342900" indent="-342900">
+              <a:buFont typeface="Arial" panose="020B0604020202020204" pitchFamily="34" charset="0"/>
+              <a:buChar char="•"/>
+            </a:pPr>
+            <a:r>
+              <a:rPr lang="en-US" sz="2400" dirty="0">
+                <a:latin typeface="Calibri" panose="020F0502020204030204" pitchFamily="34" charset="0"/>
+                <a:cs typeface="Calibri" panose="020F0502020204030204" pitchFamily="34" charset="0"/>
+              </a:rPr>
+              <a:t>Single-headed Attention RNN (SHA-RNN)</a:t>
+            </a:r>
+          </a:p>
+        </p:txBody>
+      </p:sp>
+      <p:sp>
+        <p:nvSpPr>
+          <p:cNvPr id="6" name="TextBox 5">
+            <a:extLst>
+              <a:ext uri="{FF2B5EF4-FFF2-40B4-BE49-F238E27FC236}">
+                <a16:creationId xmlns:a16="http://schemas.microsoft.com/office/drawing/2014/main" id="{F0562E0E-EEBC-9146-9A8A-71CE457A66D7}"/>
+              </a:ext>
+            </a:extLst>
+          </p:cNvPr>
+          <p:cNvSpPr txBox="1"/>
+          <p:nvPr/>
+        </p:nvSpPr>
+        <p:spPr>
+          <a:xfrm>
+            <a:off x="1516652" y="2219787"/>
+            <a:ext cx="2593852" cy="461665"/>
+          </a:xfrm>
+          <a:prstGeom prst="rect">
+            <a:avLst/>
+          </a:prstGeom>
+          <a:noFill/>
+        </p:spPr>
+        <p:txBody>
           <a:bodyPr wrap="square" rtlCol="0">
             <a:spAutoFit/>
           </a:bodyPr>
           <a:lstStyle/>
           <a:p>
+            <a:pPr marL="342900" indent="-342900">
+              <a:buFont typeface="Wingdings" pitchFamily="2" charset="2"/>
+              <a:buChar char="§"/>
+            </a:pPr>
+            <a:r>
+              <a:rPr lang="en-US" sz="2400" b="1" dirty="0">
+                <a:latin typeface="Calibri" panose="020F0502020204030204" pitchFamily="34" charset="0"/>
+                <a:cs typeface="Calibri" panose="020F0502020204030204" pitchFamily="34" charset="0"/>
+              </a:rPr>
+              <a:t>Boom Layer</a:t>
+            </a:r>
+            <a:endParaRPr lang="en-US" sz="2400" dirty="0">
+              <a:latin typeface="Calibri" panose="020F0502020204030204" pitchFamily="34" charset="0"/>
+              <a:cs typeface="Calibri" panose="020F0502020204030204" pitchFamily="34" charset="0"/>
+            </a:endParaRPr>
+          </a:p>
+        </p:txBody>
+      </p:sp>
+      <p:sp>
+        <p:nvSpPr>
+          <p:cNvPr id="11" name="TextBox 10">
+            <a:extLst>
+              <a:ext uri="{FF2B5EF4-FFF2-40B4-BE49-F238E27FC236}">
+                <a16:creationId xmlns:a16="http://schemas.microsoft.com/office/drawing/2014/main" id="{047DF914-B467-334D-87BF-6ED281A9340C}"/>
+              </a:ext>
+            </a:extLst>
+          </p:cNvPr>
+          <p:cNvSpPr txBox="1"/>
+          <p:nvPr/>
+        </p:nvSpPr>
+        <p:spPr>
+          <a:xfrm>
+            <a:off x="1516651" y="3684012"/>
+            <a:ext cx="9561079" cy="461665"/>
+          </a:xfrm>
+          <a:prstGeom prst="rect">
+            <a:avLst/>
+          </a:prstGeom>
+          <a:noFill/>
+        </p:spPr>
+        <p:txBody>
+          <a:bodyPr wrap="square" rtlCol="0">
+            <a:spAutoFit/>
+          </a:bodyPr>
+          <a:lstStyle/>
+          <a:p>
+            <a:pPr marL="342900" indent="-342900">
+              <a:buFont typeface="Wingdings" pitchFamily="2" charset="2"/>
+              <a:buChar char="§"/>
+            </a:pPr>
+            <a:r>
+              <a:rPr lang="en-US" sz="2400" b="1" dirty="0">
+                <a:latin typeface="Calibri" panose="020F0502020204030204" pitchFamily="34" charset="0"/>
+                <a:cs typeface="Calibri" panose="020F0502020204030204" pitchFamily="34" charset="0"/>
+              </a:rPr>
+              <a:t>Activation Function:   </a:t>
+            </a:r>
+            <a:r>
+              <a:rPr lang="en-US" sz="2400" dirty="0">
+                <a:latin typeface="Times New Roman" panose="02020603050405020304" pitchFamily="18" charset="0"/>
+                <a:cs typeface="Times New Roman" panose="02020603050405020304" pitchFamily="18" charset="0"/>
+              </a:rPr>
+              <a:t>Gaussian Error Linear Units (GELUs)</a:t>
+            </a:r>
+          </a:p>
+        </p:txBody>
+      </p:sp>
+      <p:sp>
+        <p:nvSpPr>
+          <p:cNvPr id="12" name="TextBox 11">
+            <a:extLst>
+              <a:ext uri="{FF2B5EF4-FFF2-40B4-BE49-F238E27FC236}">
+                <a16:creationId xmlns:a16="http://schemas.microsoft.com/office/drawing/2014/main" id="{87F6B32E-0BBB-5943-984B-398FF49AE20E}"/>
+              </a:ext>
+            </a:extLst>
+          </p:cNvPr>
+          <p:cNvSpPr txBox="1"/>
+          <p:nvPr/>
+        </p:nvSpPr>
+        <p:spPr>
+          <a:xfrm>
+            <a:off x="952373" y="4496984"/>
+            <a:ext cx="5692392" cy="461665"/>
+          </a:xfrm>
+          <a:prstGeom prst="rect">
+            <a:avLst/>
+          </a:prstGeom>
+          <a:noFill/>
+        </p:spPr>
+        <p:txBody>
+          <a:bodyPr wrap="none" rtlCol="0">
+            <a:spAutoFit/>
+          </a:bodyPr>
+          <a:lstStyle/>
+          <a:p>
+            <a:pPr marL="342900" indent="-342900">
+              <a:buFont typeface="Arial" panose="020B0604020202020204" pitchFamily="34" charset="0"/>
+              <a:buChar char="•"/>
+            </a:pPr>
+            <a:r>
+              <a:rPr lang="en-US" sz="2400" dirty="0">
+                <a:latin typeface="Calibri" panose="020F0502020204030204" pitchFamily="34" charset="0"/>
+                <a:cs typeface="Calibri" panose="020F0502020204030204" pitchFamily="34" charset="0"/>
+              </a:rPr>
+              <a:t>Models: BERT, </a:t>
+            </a:r>
+            <a:r>
+              <a:rPr lang="en-US" sz="2400" dirty="0" err="1">
+                <a:latin typeface="Calibri" panose="020F0502020204030204" pitchFamily="34" charset="0"/>
+                <a:cs typeface="Calibri" panose="020F0502020204030204" pitchFamily="34" charset="0"/>
+              </a:rPr>
+              <a:t>RoBERTa</a:t>
+            </a:r>
+            <a:r>
+              <a:rPr lang="en-US" sz="2400" dirty="0">
+                <a:latin typeface="Calibri" panose="020F0502020204030204" pitchFamily="34" charset="0"/>
+                <a:cs typeface="Calibri" panose="020F0502020204030204" pitchFamily="34" charset="0"/>
+              </a:rPr>
+              <a:t>, </a:t>
+            </a:r>
+            <a:r>
+              <a:rPr lang="en-US" sz="2400" dirty="0" err="1">
+                <a:latin typeface="Calibri" panose="020F0502020204030204" pitchFamily="34" charset="0"/>
+                <a:cs typeface="Calibri" panose="020F0502020204030204" pitchFamily="34" charset="0"/>
+              </a:rPr>
+              <a:t>DistilBERT</a:t>
+            </a:r>
+            <a:r>
+              <a:rPr lang="en-US" sz="2400" dirty="0">
+                <a:latin typeface="Calibri" panose="020F0502020204030204" pitchFamily="34" charset="0"/>
+                <a:cs typeface="Calibri" panose="020F0502020204030204" pitchFamily="34" charset="0"/>
+              </a:rPr>
+              <a:t>, </a:t>
+            </a:r>
+            <a:r>
+              <a:rPr lang="en-US" sz="2400" dirty="0" err="1">
+                <a:latin typeface="Calibri" panose="020F0502020204030204" pitchFamily="34" charset="0"/>
+                <a:cs typeface="Calibri" panose="020F0502020204030204" pitchFamily="34" charset="0"/>
+              </a:rPr>
+              <a:t>XLNet</a:t>
+            </a:r>
+            <a:endParaRPr lang="en-US" sz="2400" dirty="0">
+              <a:latin typeface="Calibri" panose="020F0502020204030204" pitchFamily="34" charset="0"/>
+              <a:cs typeface="Calibri" panose="020F0502020204030204" pitchFamily="34" charset="0"/>
+            </a:endParaRPr>
+          </a:p>
+        </p:txBody>
+      </p:sp>
+      <p:sp>
+        <p:nvSpPr>
+          <p:cNvPr id="13" name="TextBox 12">
+            <a:extLst>
+              <a:ext uri="{FF2B5EF4-FFF2-40B4-BE49-F238E27FC236}">
+                <a16:creationId xmlns:a16="http://schemas.microsoft.com/office/drawing/2014/main" id="{EF565234-AACD-4849-9DD1-72F925B48DE6}"/>
+              </a:ext>
+            </a:extLst>
+          </p:cNvPr>
+          <p:cNvSpPr txBox="1"/>
+          <p:nvPr/>
+        </p:nvSpPr>
+        <p:spPr>
+          <a:xfrm>
+            <a:off x="952373" y="5289466"/>
+            <a:ext cx="10377136" cy="461665"/>
+          </a:xfrm>
+          <a:prstGeom prst="rect">
+            <a:avLst/>
+          </a:prstGeom>
+          <a:noFill/>
+        </p:spPr>
+        <p:txBody>
+          <a:bodyPr wrap="none" rtlCol="0">
+            <a:spAutoFit/>
+          </a:bodyPr>
+          <a:lstStyle/>
+          <a:p>
+            <a:pPr marL="342900" indent="-342900">
+              <a:buFont typeface="Arial" panose="020B0604020202020204" pitchFamily="34" charset="0"/>
+              <a:buChar char="•"/>
+            </a:pPr>
+            <a:r>
+              <a:rPr lang="en-US" sz="2400" b="1" dirty="0">
+                <a:latin typeface="Calibri" panose="020F0502020204030204" pitchFamily="34" charset="0"/>
+                <a:cs typeface="Calibri" panose="020F0502020204030204" pitchFamily="34" charset="0"/>
+              </a:rPr>
+              <a:t>Solving the short-term dependency problem from Transformer-based Models</a:t>
+            </a:r>
+          </a:p>
+        </p:txBody>
+      </p:sp>
+      <p:sp>
+        <p:nvSpPr>
+          <p:cNvPr id="9" name="文字方塊 8">
+            <a:extLst>
+              <a:ext uri="{FF2B5EF4-FFF2-40B4-BE49-F238E27FC236}">
+                <a16:creationId xmlns:a16="http://schemas.microsoft.com/office/drawing/2014/main" id="{AE73553F-4114-411F-A6A1-3291FA4B6CF8}"/>
+              </a:ext>
+            </a:extLst>
+          </p:cNvPr>
+          <p:cNvSpPr txBox="1"/>
+          <p:nvPr/>
+        </p:nvSpPr>
+        <p:spPr>
+          <a:xfrm>
+            <a:off x="11484528" y="6493241"/>
+            <a:ext cx="805343" cy="276999"/>
+          </a:xfrm>
+          <a:prstGeom prst="rect">
+            <a:avLst/>
+          </a:prstGeom>
+          <a:noFill/>
+        </p:spPr>
+        <p:txBody>
+          <a:bodyPr wrap="square" rtlCol="0">
+            <a:spAutoFit/>
+          </a:bodyPr>
+          <a:lstStyle/>
+          <a:p>
             <a:r>
               <a:rPr lang="en-US" sz="1200" dirty="0"/>
-              <a:t>11</a:t>
+              <a:t>15</a:t>
             </a:r>
           </a:p>
         </p:txBody>
       </p:sp>
       <p:pic>
         <p:nvPicPr>
-          <p:cNvPr id="10" name="Picture 9">
-            <a:extLst>
-              <a:ext uri="{FF2B5EF4-FFF2-40B4-BE49-F238E27FC236}">
-                <a16:creationId xmlns:a16="http://schemas.microsoft.com/office/drawing/2014/main" id="{F784B830-3049-CB41-A98F-95816DED6B0B}"/>
+          <p:cNvPr id="4" name="Picture 3">
+            <a:extLst>
+              <a:ext uri="{FF2B5EF4-FFF2-40B4-BE49-F238E27FC236}">
+                <a16:creationId xmlns:a16="http://schemas.microsoft.com/office/drawing/2014/main" id="{7C742139-6B31-3A45-AB98-FB2FDEC77E93}"/>
               </a:ext>
             </a:extLst>
           </p:cNvPr>
@@ -11509,8 +11706,8 @@
         </p:blipFill>
         <p:spPr>
           <a:xfrm>
-            <a:off x="1771650" y="1660995"/>
-            <a:ext cx="8648700" cy="4076700"/>
+            <a:off x="2775695" y="2844490"/>
+            <a:ext cx="5707858" cy="461665"/>
           </a:xfrm>
           <a:prstGeom prst="rect">
             <a:avLst/>
@@ -11520,7 +11717,7 @@
     </p:spTree>
     <p:extLst>
       <p:ext uri="{BB962C8B-B14F-4D97-AF65-F5344CB8AC3E}">
-        <p14:creationId xmlns:p14="http://schemas.microsoft.com/office/powerpoint/2010/main" val="4237160290"/>
+        <p14:creationId xmlns:p14="http://schemas.microsoft.com/office/powerpoint/2010/main" val="1030187098"/>
       </p:ext>
     </p:extLst>
   </p:cSld>
@@ -11592,10 +11789,10 @@
       </p:sp>
       <p:sp>
         <p:nvSpPr>
-          <p:cNvPr id="5" name="TextBox 4">
-            <a:extLst>
-              <a:ext uri="{FF2B5EF4-FFF2-40B4-BE49-F238E27FC236}">
-                <a16:creationId xmlns:a16="http://schemas.microsoft.com/office/drawing/2014/main" id="{0F0A5022-A9F2-4143-B927-A449071B04E6}"/>
+          <p:cNvPr id="9" name="文字方塊 8">
+            <a:extLst>
+              <a:ext uri="{FF2B5EF4-FFF2-40B4-BE49-F238E27FC236}">
+                <a16:creationId xmlns:a16="http://schemas.microsoft.com/office/drawing/2014/main" id="{AE73553F-4114-411F-A6A1-3291FA4B6CF8}"/>
               </a:ext>
             </a:extLst>
           </p:cNvPr>
@@ -11604,8 +11801,8 @@
         </p:nvSpPr>
         <p:spPr>
           <a:xfrm>
-            <a:off x="952373" y="1568534"/>
-            <a:ext cx="11102783" cy="830997"/>
+            <a:off x="11484528" y="6493241"/>
+            <a:ext cx="805343" cy="276999"/>
           </a:xfrm>
           <a:prstGeom prst="rect">
             <a:avLst/>
@@ -11613,135 +11810,24 @@
           <a:noFill/>
         </p:spPr>
         <p:txBody>
-          <a:bodyPr wrap="none" rtlCol="0">
-            <a:spAutoFit/>
-          </a:bodyPr>
-          <a:lstStyle/>
-          <a:p>
-            <a:pPr marL="342900" indent="-342900">
-              <a:buFont typeface="Arial" panose="020B0604020202020204" pitchFamily="34" charset="0"/>
-              <a:buChar char="•"/>
-            </a:pPr>
-            <a:r>
-              <a:rPr lang="en-US" sz="2400" dirty="0">
-                <a:latin typeface="Times New Roman" panose="02020603050405020304" pitchFamily="18" charset="0"/>
-                <a:cs typeface="Times New Roman" panose="02020603050405020304" pitchFamily="18" charset="0"/>
-              </a:rPr>
-              <a:t>Why using both two-dimensional and multi-dimensional sentiment analysis datasets </a:t>
-            </a:r>
-          </a:p>
-          <a:p>
-            <a:r>
-              <a:rPr lang="en-US" sz="2400" dirty="0">
-                <a:latin typeface="Times New Roman" panose="02020603050405020304" pitchFamily="18" charset="0"/>
-                <a:cs typeface="Times New Roman" panose="02020603050405020304" pitchFamily="18" charset="0"/>
-              </a:rPr>
-              <a:t>      to train EDM-</a:t>
-            </a:r>
-            <a:r>
-              <a:rPr lang="en-US" sz="2400" dirty="0" err="1">
-                <a:latin typeface="Times New Roman" panose="02020603050405020304" pitchFamily="18" charset="0"/>
-                <a:cs typeface="Times New Roman" panose="02020603050405020304" pitchFamily="18" charset="0"/>
-              </a:rPr>
-              <a:t>RoBERTa</a:t>
-            </a:r>
-            <a:r>
-              <a:rPr lang="en-US" sz="2400" dirty="0">
-                <a:latin typeface="Times New Roman" panose="02020603050405020304" pitchFamily="18" charset="0"/>
-                <a:cs typeface="Times New Roman" panose="02020603050405020304" pitchFamily="18" charset="0"/>
-              </a:rPr>
-              <a:t> ?</a:t>
-            </a:r>
-          </a:p>
-        </p:txBody>
-      </p:sp>
-      <p:sp>
-        <p:nvSpPr>
-          <p:cNvPr id="6" name="TextBox 5">
-            <a:extLst>
-              <a:ext uri="{FF2B5EF4-FFF2-40B4-BE49-F238E27FC236}">
-                <a16:creationId xmlns:a16="http://schemas.microsoft.com/office/drawing/2014/main" id="{F0562E0E-EEBC-9146-9A8A-71CE457A66D7}"/>
-              </a:ext>
-            </a:extLst>
-          </p:cNvPr>
-          <p:cNvSpPr txBox="1"/>
-          <p:nvPr/>
-        </p:nvSpPr>
-        <p:spPr>
-          <a:xfrm>
-            <a:off x="1629842" y="2644168"/>
-            <a:ext cx="9422471" cy="461665"/>
-          </a:xfrm>
-          <a:prstGeom prst="rect">
-            <a:avLst/>
-          </a:prstGeom>
-          <a:noFill/>
-        </p:spPr>
-        <p:txBody>
           <a:bodyPr wrap="square" rtlCol="0">
             <a:spAutoFit/>
           </a:bodyPr>
           <a:lstStyle/>
           <a:p>
-            <a:pPr marL="342900" indent="-342900">
-              <a:buFont typeface="Wingdings" pitchFamily="2" charset="2"/>
-              <a:buChar char="§"/>
-            </a:pPr>
-            <a:r>
-              <a:rPr lang="en-US" sz="2400" b="1" dirty="0">
-                <a:latin typeface="Calibri" panose="020F0502020204030204" pitchFamily="34" charset="0"/>
-                <a:cs typeface="Calibri" panose="020F0502020204030204" pitchFamily="34" charset="0"/>
-              </a:rPr>
-              <a:t>Deal with the sentences with sentimental ambiguity</a:t>
-            </a:r>
-            <a:endParaRPr lang="en-US" sz="2400" dirty="0">
-              <a:latin typeface="Calibri" panose="020F0502020204030204" pitchFamily="34" charset="0"/>
-              <a:cs typeface="Calibri" panose="020F0502020204030204" pitchFamily="34" charset="0"/>
-            </a:endParaRPr>
-          </a:p>
-        </p:txBody>
-      </p:sp>
-      <p:sp>
-        <p:nvSpPr>
-          <p:cNvPr id="9" name="文字方塊 8">
-            <a:extLst>
-              <a:ext uri="{FF2B5EF4-FFF2-40B4-BE49-F238E27FC236}">
-                <a16:creationId xmlns:a16="http://schemas.microsoft.com/office/drawing/2014/main" id="{AE73553F-4114-411F-A6A1-3291FA4B6CF8}"/>
-              </a:ext>
-            </a:extLst>
-          </p:cNvPr>
-          <p:cNvSpPr txBox="1"/>
-          <p:nvPr/>
-        </p:nvSpPr>
-        <p:spPr>
-          <a:xfrm>
-            <a:off x="11484528" y="6493241"/>
-            <a:ext cx="805343" cy="276999"/>
-          </a:xfrm>
-          <a:prstGeom prst="rect">
-            <a:avLst/>
-          </a:prstGeom>
-          <a:noFill/>
-        </p:spPr>
-        <p:txBody>
-          <a:bodyPr wrap="square" rtlCol="0">
-            <a:spAutoFit/>
-          </a:bodyPr>
-          <a:lstStyle/>
-          <a:p>
             <a:r>
               <a:rPr lang="en-US" sz="1200" dirty="0"/>
-              <a:t>11</a:t>
+              <a:t>16</a:t>
             </a:r>
           </a:p>
         </p:txBody>
       </p:sp>
       <p:pic>
         <p:nvPicPr>
-          <p:cNvPr id="7" name="Picture 6">
-            <a:extLst>
-              <a:ext uri="{FF2B5EF4-FFF2-40B4-BE49-F238E27FC236}">
-                <a16:creationId xmlns:a16="http://schemas.microsoft.com/office/drawing/2014/main" id="{C93D3C89-0C3D-1D41-9BAC-E72071BBCA8E}"/>
+          <p:cNvPr id="10" name="Picture 9">
+            <a:extLst>
+              <a:ext uri="{FF2B5EF4-FFF2-40B4-BE49-F238E27FC236}">
+                <a16:creationId xmlns:a16="http://schemas.microsoft.com/office/drawing/2014/main" id="{F784B830-3049-CB41-A98F-95816DED6B0B}"/>
               </a:ext>
             </a:extLst>
           </p:cNvPr>
@@ -11764,8 +11850,8 @@
         </p:blipFill>
         <p:spPr>
           <a:xfrm>
-            <a:off x="1377377" y="3634580"/>
-            <a:ext cx="9437245" cy="1623612"/>
+            <a:off x="1771650" y="1660995"/>
+            <a:ext cx="8648700" cy="4076700"/>
           </a:xfrm>
           <a:prstGeom prst="rect">
             <a:avLst/>
@@ -11775,7 +11861,7 @@
     </p:spTree>
     <p:extLst>
       <p:ext uri="{BB962C8B-B14F-4D97-AF65-F5344CB8AC3E}">
-        <p14:creationId xmlns:p14="http://schemas.microsoft.com/office/powerpoint/2010/main" val="3234856110"/>
+        <p14:creationId xmlns:p14="http://schemas.microsoft.com/office/powerpoint/2010/main" val="4237160290"/>
       </p:ext>
     </p:extLst>
   </p:cSld>
@@ -11840,13 +11926,8 @@
           <a:p>
             <a:r>
               <a:rPr lang="en-US" sz="2800" b="1" dirty="0"/>
-              <a:t>Improved Learning Model:  EDM-</a:t>
-            </a:r>
-            <a:r>
-              <a:rPr lang="en-US" sz="2800" b="1" dirty="0" err="1"/>
-              <a:t>RoBERTa</a:t>
-            </a:r>
-            <a:endParaRPr lang="en-US" sz="2800" b="1" dirty="0"/>
+              <a:t>Optimization: Sentimental Ambiguity</a:t>
+            </a:r>
           </a:p>
         </p:txBody>
       </p:sp>
@@ -11865,7 +11946,7 @@
         <p:spPr>
           <a:xfrm>
             <a:off x="952373" y="1568534"/>
-            <a:ext cx="6384248" cy="461665"/>
+            <a:ext cx="11102783" cy="830997"/>
           </a:xfrm>
           <a:prstGeom prst="rect">
             <a:avLst/>
@@ -11884,13 +11965,22 @@
             </a:pPr>
             <a:r>
               <a:rPr lang="en-US" sz="2400" dirty="0">
-                <a:latin typeface="Calibri" panose="020F0502020204030204" pitchFamily="34" charset="0"/>
-                <a:cs typeface="Calibri" panose="020F0502020204030204" pitchFamily="34" charset="0"/>
+                <a:latin typeface="Times New Roman" panose="02020603050405020304" pitchFamily="18" charset="0"/>
+                <a:cs typeface="Times New Roman" panose="02020603050405020304" pitchFamily="18" charset="0"/>
               </a:rPr>
-              <a:t>Choose the best-performed model: </a:t>
-            </a:r>
-            <a:r>
-              <a:rPr lang="en-US" sz="2400" b="1" dirty="0" err="1">
+              <a:t>Why using both two-dimensional and multi-dimensional sentiment analysis datasets </a:t>
+            </a:r>
+          </a:p>
+          <a:p>
+            <a:r>
+              <a:rPr lang="en-US" sz="2400" dirty="0">
+                <a:latin typeface="Times New Roman" panose="02020603050405020304" pitchFamily="18" charset="0"/>
+                <a:cs typeface="Times New Roman" panose="02020603050405020304" pitchFamily="18" charset="0"/>
+              </a:rPr>
+              <a:t>      to train EDM-</a:t>
+            </a:r>
+            <a:r>
+              <a:rPr lang="en-US" sz="2400" dirty="0" err="1">
                 <a:latin typeface="Times New Roman" panose="02020603050405020304" pitchFamily="18" charset="0"/>
                 <a:cs typeface="Times New Roman" panose="02020603050405020304" pitchFamily="18" charset="0"/>
               </a:rPr>
@@ -11898,10 +11988,10 @@
             </a:r>
             <a:r>
               <a:rPr lang="en-US" sz="2400" dirty="0">
-                <a:latin typeface="Calibri" panose="020F0502020204030204" pitchFamily="34" charset="0"/>
-                <a:cs typeface="Calibri" panose="020F0502020204030204" pitchFamily="34" charset="0"/>
+                <a:latin typeface="Times New Roman" panose="02020603050405020304" pitchFamily="18" charset="0"/>
+                <a:cs typeface="Times New Roman" panose="02020603050405020304" pitchFamily="18" charset="0"/>
               </a:rPr>
-              <a:t> </a:t>
+              <a:t> ?</a:t>
             </a:r>
           </a:p>
         </p:txBody>
@@ -11920,8 +12010,8 @@
         </p:nvSpPr>
         <p:spPr>
           <a:xfrm>
-            <a:off x="952373" y="2376449"/>
-            <a:ext cx="6661566" cy="461665"/>
+            <a:off x="1629842" y="2644168"/>
+            <a:ext cx="9422471" cy="461665"/>
           </a:xfrm>
           <a:prstGeom prst="rect">
             <a:avLst/>
@@ -11935,29 +12025,15 @@
           <a:lstStyle/>
           <a:p>
             <a:pPr marL="342900" indent="-342900">
-              <a:buFont typeface="Arial" panose="020B0604020202020204" pitchFamily="34" charset="0"/>
-              <a:buChar char="•"/>
+              <a:buFont typeface="Wingdings" pitchFamily="2" charset="2"/>
+              <a:buChar char="§"/>
             </a:pPr>
             <a:r>
               <a:rPr lang="en-US" sz="2400" b="1" dirty="0">
                 <a:latin typeface="Calibri" panose="020F0502020204030204" pitchFamily="34" charset="0"/>
                 <a:cs typeface="Calibri" panose="020F0502020204030204" pitchFamily="34" charset="0"/>
               </a:rPr>
-              <a:t>Optimize the </a:t>
-            </a:r>
-            <a:r>
-              <a:rPr lang="en-US" sz="2400" b="1" dirty="0" err="1">
-                <a:latin typeface="Calibri" panose="020F0502020204030204" pitchFamily="34" charset="0"/>
-                <a:cs typeface="Calibri" panose="020F0502020204030204" pitchFamily="34" charset="0"/>
-              </a:rPr>
-              <a:t>RoBERTa</a:t>
-            </a:r>
-            <a:r>
-              <a:rPr lang="en-US" sz="2400" b="1" dirty="0">
-                <a:latin typeface="Calibri" panose="020F0502020204030204" pitchFamily="34" charset="0"/>
-                <a:cs typeface="Calibri" panose="020F0502020204030204" pitchFamily="34" charset="0"/>
-              </a:rPr>
-              <a:t> model with Boom Layer</a:t>
+              <a:t>Deal with the sentences with sentimental ambiguity</a:t>
             </a:r>
             <a:endParaRPr lang="en-US" sz="2400" dirty="0">
               <a:latin typeface="Calibri" panose="020F0502020204030204" pitchFamily="34" charset="0"/>
@@ -11966,12 +12042,47 @@
           </a:p>
         </p:txBody>
       </p:sp>
+      <p:sp>
+        <p:nvSpPr>
+          <p:cNvPr id="9" name="文字方塊 8">
+            <a:extLst>
+              <a:ext uri="{FF2B5EF4-FFF2-40B4-BE49-F238E27FC236}">
+                <a16:creationId xmlns:a16="http://schemas.microsoft.com/office/drawing/2014/main" id="{AE73553F-4114-411F-A6A1-3291FA4B6CF8}"/>
+              </a:ext>
+            </a:extLst>
+          </p:cNvPr>
+          <p:cNvSpPr txBox="1"/>
+          <p:nvPr/>
+        </p:nvSpPr>
+        <p:spPr>
+          <a:xfrm>
+            <a:off x="11484528" y="6493241"/>
+            <a:ext cx="805343" cy="276999"/>
+          </a:xfrm>
+          <a:prstGeom prst="rect">
+            <a:avLst/>
+          </a:prstGeom>
+          <a:noFill/>
+        </p:spPr>
+        <p:txBody>
+          <a:bodyPr wrap="square" rtlCol="0">
+            <a:spAutoFit/>
+          </a:bodyPr>
+          <a:lstStyle/>
+          <a:p>
+            <a:r>
+              <a:rPr lang="en-US" sz="1200" dirty="0"/>
+              <a:t>17</a:t>
+            </a:r>
+          </a:p>
+        </p:txBody>
+      </p:sp>
       <p:pic>
         <p:nvPicPr>
           <p:cNvPr id="7" name="Picture 6">
             <a:extLst>
               <a:ext uri="{FF2B5EF4-FFF2-40B4-BE49-F238E27FC236}">
-                <a16:creationId xmlns:a16="http://schemas.microsoft.com/office/drawing/2014/main" id="{03DD16DF-6DDD-1440-BEC6-E2C893E34BBD}"/>
+                <a16:creationId xmlns:a16="http://schemas.microsoft.com/office/drawing/2014/main" id="{C93D3C89-0C3D-1D41-9BAC-E72071BBCA8E}"/>
               </a:ext>
             </a:extLst>
           </p:cNvPr>
@@ -11994,102 +12105,18 @@
         </p:blipFill>
         <p:spPr>
           <a:xfrm>
-            <a:off x="8858536" y="28820"/>
-            <a:ext cx="2516459" cy="6778202"/>
+            <a:off x="1377377" y="3634580"/>
+            <a:ext cx="9437245" cy="1623612"/>
           </a:xfrm>
           <a:prstGeom prst="rect">
             <a:avLst/>
           </a:prstGeom>
         </p:spPr>
       </p:pic>
-      <p:sp>
-        <p:nvSpPr>
-          <p:cNvPr id="14" name="TextBox 13">
-            <a:extLst>
-              <a:ext uri="{FF2B5EF4-FFF2-40B4-BE49-F238E27FC236}">
-                <a16:creationId xmlns:a16="http://schemas.microsoft.com/office/drawing/2014/main" id="{8A847973-0319-9B4F-B5CD-4F522B13162B}"/>
-              </a:ext>
-            </a:extLst>
-          </p:cNvPr>
-          <p:cNvSpPr txBox="1"/>
-          <p:nvPr/>
-        </p:nvSpPr>
-        <p:spPr>
-          <a:xfrm>
-            <a:off x="1154104" y="3882972"/>
-            <a:ext cx="8424781" cy="477054"/>
-          </a:xfrm>
-          <a:prstGeom prst="rect">
-            <a:avLst/>
-          </a:prstGeom>
-          <a:noFill/>
-        </p:spPr>
-        <p:txBody>
-          <a:bodyPr wrap="square" rtlCol="0">
-            <a:spAutoFit/>
-          </a:bodyPr>
-          <a:lstStyle/>
-          <a:p>
-            <a:r>
-              <a:rPr lang="en-US" sz="2500" b="1" dirty="0">
-                <a:latin typeface="Times New Roman" panose="02020603050405020304" pitchFamily="18" charset="0"/>
-                <a:cs typeface="Times New Roman" panose="02020603050405020304" pitchFamily="18" charset="0"/>
-              </a:rPr>
-              <a:t>Enhancing the Dependency Mechanism of </a:t>
-            </a:r>
-            <a:r>
-              <a:rPr lang="en-US" sz="2500" b="1" dirty="0" err="1">
-                <a:latin typeface="Times New Roman" panose="02020603050405020304" pitchFamily="18" charset="0"/>
-                <a:cs typeface="Times New Roman" panose="02020603050405020304" pitchFamily="18" charset="0"/>
-              </a:rPr>
-              <a:t>RoBERTa</a:t>
-            </a:r>
-            <a:endParaRPr lang="en-US" sz="2500" dirty="0">
-              <a:latin typeface="Times New Roman" panose="02020603050405020304" pitchFamily="18" charset="0"/>
-              <a:cs typeface="Times New Roman" panose="02020603050405020304" pitchFamily="18" charset="0"/>
-            </a:endParaRPr>
-          </a:p>
-        </p:txBody>
-      </p:sp>
-      <p:sp>
-        <p:nvSpPr>
-          <p:cNvPr id="8" name="文字方塊 7">
-            <a:extLst>
-              <a:ext uri="{FF2B5EF4-FFF2-40B4-BE49-F238E27FC236}">
-                <a16:creationId xmlns:a16="http://schemas.microsoft.com/office/drawing/2014/main" id="{CA9DE776-E94C-47BA-B7C4-BC7427DC5373}"/>
-              </a:ext>
-            </a:extLst>
-          </p:cNvPr>
-          <p:cNvSpPr txBox="1"/>
-          <p:nvPr/>
-        </p:nvSpPr>
-        <p:spPr>
-          <a:xfrm>
-            <a:off x="11484528" y="6493241"/>
-            <a:ext cx="805343" cy="276999"/>
-          </a:xfrm>
-          <a:prstGeom prst="rect">
-            <a:avLst/>
-          </a:prstGeom>
-          <a:noFill/>
-        </p:spPr>
-        <p:txBody>
-          <a:bodyPr wrap="square" rtlCol="0">
-            <a:spAutoFit/>
-          </a:bodyPr>
-          <a:lstStyle/>
-          <a:p>
-            <a:r>
-              <a:rPr lang="en-US" sz="1200" dirty="0"/>
-              <a:t>12</a:t>
-            </a:r>
-          </a:p>
-        </p:txBody>
-      </p:sp>
     </p:spTree>
     <p:extLst>
       <p:ext uri="{BB962C8B-B14F-4D97-AF65-F5344CB8AC3E}">
-        <p14:creationId xmlns:p14="http://schemas.microsoft.com/office/powerpoint/2010/main" val="2301789250"/>
+        <p14:creationId xmlns:p14="http://schemas.microsoft.com/office/powerpoint/2010/main" val="3234856110"/>
       </p:ext>
     </p:extLst>
   </p:cSld>
@@ -12154,8 +12181,129 @@
           <a:p>
             <a:r>
               <a:rPr lang="en-US" sz="2800" b="1" dirty="0"/>
-              <a:t>Optimization: Statistics</a:t>
-            </a:r>
+              <a:t>Improved Learning Model:  EDM-</a:t>
+            </a:r>
+            <a:r>
+              <a:rPr lang="en-US" sz="2800" b="1" dirty="0" err="1"/>
+              <a:t>RoBERTa</a:t>
+            </a:r>
+            <a:endParaRPr lang="en-US" sz="2800" b="1" dirty="0"/>
+          </a:p>
+        </p:txBody>
+      </p:sp>
+      <p:sp>
+        <p:nvSpPr>
+          <p:cNvPr id="5" name="TextBox 4">
+            <a:extLst>
+              <a:ext uri="{FF2B5EF4-FFF2-40B4-BE49-F238E27FC236}">
+                <a16:creationId xmlns:a16="http://schemas.microsoft.com/office/drawing/2014/main" id="{0F0A5022-A9F2-4143-B927-A449071B04E6}"/>
+              </a:ext>
+            </a:extLst>
+          </p:cNvPr>
+          <p:cNvSpPr txBox="1"/>
+          <p:nvPr/>
+        </p:nvSpPr>
+        <p:spPr>
+          <a:xfrm>
+            <a:off x="952373" y="1568534"/>
+            <a:ext cx="6384248" cy="461665"/>
+          </a:xfrm>
+          <a:prstGeom prst="rect">
+            <a:avLst/>
+          </a:prstGeom>
+          <a:noFill/>
+        </p:spPr>
+        <p:txBody>
+          <a:bodyPr wrap="none" rtlCol="0">
+            <a:spAutoFit/>
+          </a:bodyPr>
+          <a:lstStyle/>
+          <a:p>
+            <a:pPr marL="342900" indent="-342900">
+              <a:buFont typeface="Arial" panose="020B0604020202020204" pitchFamily="34" charset="0"/>
+              <a:buChar char="•"/>
+            </a:pPr>
+            <a:r>
+              <a:rPr lang="en-US" sz="2400" dirty="0">
+                <a:latin typeface="Calibri" panose="020F0502020204030204" pitchFamily="34" charset="0"/>
+                <a:cs typeface="Calibri" panose="020F0502020204030204" pitchFamily="34" charset="0"/>
+              </a:rPr>
+              <a:t>Choose the best-performed model: </a:t>
+            </a:r>
+            <a:r>
+              <a:rPr lang="en-US" sz="2400" b="1" dirty="0" err="1">
+                <a:latin typeface="Times New Roman" panose="02020603050405020304" pitchFamily="18" charset="0"/>
+                <a:cs typeface="Times New Roman" panose="02020603050405020304" pitchFamily="18" charset="0"/>
+              </a:rPr>
+              <a:t>RoBERTa</a:t>
+            </a:r>
+            <a:r>
+              <a:rPr lang="en-US" sz="2400" dirty="0">
+                <a:latin typeface="Calibri" panose="020F0502020204030204" pitchFamily="34" charset="0"/>
+                <a:cs typeface="Calibri" panose="020F0502020204030204" pitchFamily="34" charset="0"/>
+              </a:rPr>
+              <a:t> </a:t>
+            </a:r>
+          </a:p>
+        </p:txBody>
+      </p:sp>
+      <p:sp>
+        <p:nvSpPr>
+          <p:cNvPr id="6" name="TextBox 5">
+            <a:extLst>
+              <a:ext uri="{FF2B5EF4-FFF2-40B4-BE49-F238E27FC236}">
+                <a16:creationId xmlns:a16="http://schemas.microsoft.com/office/drawing/2014/main" id="{F0562E0E-EEBC-9146-9A8A-71CE457A66D7}"/>
+              </a:ext>
+            </a:extLst>
+          </p:cNvPr>
+          <p:cNvSpPr txBox="1"/>
+          <p:nvPr/>
+        </p:nvSpPr>
+        <p:spPr>
+          <a:xfrm>
+            <a:off x="952373" y="2376449"/>
+            <a:ext cx="6661566" cy="461665"/>
+          </a:xfrm>
+          <a:prstGeom prst="rect">
+            <a:avLst/>
+          </a:prstGeom>
+          <a:noFill/>
+        </p:spPr>
+        <p:txBody>
+          <a:bodyPr wrap="square" rtlCol="0">
+            <a:spAutoFit/>
+          </a:bodyPr>
+          <a:lstStyle/>
+          <a:p>
+            <a:pPr marL="342900" indent="-342900">
+              <a:buFont typeface="Arial" panose="020B0604020202020204" pitchFamily="34" charset="0"/>
+              <a:buChar char="•"/>
+            </a:pPr>
+            <a:r>
+              <a:rPr lang="en-US" sz="2400" b="1" dirty="0">
+                <a:latin typeface="Calibri" panose="020F0502020204030204" pitchFamily="34" charset="0"/>
+                <a:cs typeface="Calibri" panose="020F0502020204030204" pitchFamily="34" charset="0"/>
+              </a:rPr>
+              <a:t>Optimize the </a:t>
+            </a:r>
+            <a:r>
+              <a:rPr lang="en-US" sz="2400" b="1" dirty="0" err="1">
+                <a:latin typeface="Calibri" panose="020F0502020204030204" pitchFamily="34" charset="0"/>
+                <a:cs typeface="Calibri" panose="020F0502020204030204" pitchFamily="34" charset="0"/>
+              </a:rPr>
+              <a:t>RoBERTa</a:t>
+            </a:r>
+            <a:r>
+              <a:rPr lang="en-US" sz="2400" b="1" dirty="0">
+                <a:latin typeface="Calibri" panose="020F0502020204030204" pitchFamily="34" charset="0"/>
+                <a:cs typeface="Calibri" panose="020F0502020204030204" pitchFamily="34" charset="0"/>
+              </a:rPr>
+              <a:t> model with Boom Layer</a:t>
+            </a:r>
+            <a:endParaRPr lang="en-US" sz="2400" dirty="0">
+              <a:latin typeface="Calibri" panose="020F0502020204030204" pitchFamily="34" charset="0"/>
+              <a:cs typeface="Calibri" panose="020F0502020204030204" pitchFamily="34" charset="0"/>
+            </a:endParaRPr>
           </a:p>
         </p:txBody>
       </p:sp>
@@ -12164,7 +12312,7 @@
           <p:cNvPr id="7" name="Picture 6">
             <a:extLst>
               <a:ext uri="{FF2B5EF4-FFF2-40B4-BE49-F238E27FC236}">
-                <a16:creationId xmlns:a16="http://schemas.microsoft.com/office/drawing/2014/main" id="{3EA49A00-B665-BB4E-8414-F14A25C37FAF}"/>
+                <a16:creationId xmlns:a16="http://schemas.microsoft.com/office/drawing/2014/main" id="{03DD16DF-6DDD-1440-BEC6-E2C893E34BBD}"/>
               </a:ext>
             </a:extLst>
           </p:cNvPr>
@@ -12187,56 +12335,20 @@
         </p:blipFill>
         <p:spPr>
           <a:xfrm>
-            <a:off x="817123" y="1479649"/>
-            <a:ext cx="8716836" cy="2237989"/>
+            <a:off x="8858536" y="28820"/>
+            <a:ext cx="2516459" cy="6778202"/>
           </a:xfrm>
           <a:prstGeom prst="rect">
             <a:avLst/>
           </a:prstGeom>
         </p:spPr>
       </p:pic>
-      <p:pic>
-        <p:nvPicPr>
-          <p:cNvPr id="9" name="Picture 8">
-            <a:extLst>
-              <a:ext uri="{FF2B5EF4-FFF2-40B4-BE49-F238E27FC236}">
-                <a16:creationId xmlns:a16="http://schemas.microsoft.com/office/drawing/2014/main" id="{039B4765-42F5-9541-BC34-8ACF710B3366}"/>
-              </a:ext>
-            </a:extLst>
-          </p:cNvPr>
-          <p:cNvPicPr>
-            <a:picLocks noChangeAspect="1"/>
-          </p:cNvPicPr>
-          <p:nvPr/>
-        </p:nvPicPr>
-        <p:blipFill>
-          <a:blip r:embed="rId4">
-            <a:extLst>
-              <a:ext uri="{28A0092B-C50C-407E-A947-70E740481C1C}">
-                <a14:useLocalDpi xmlns:a14="http://schemas.microsoft.com/office/drawing/2010/main" val="0"/>
-              </a:ext>
-            </a:extLst>
-          </a:blip>
-          <a:stretch>
-            <a:fillRect/>
-          </a:stretch>
-        </p:blipFill>
-        <p:spPr>
-          <a:xfrm>
-            <a:off x="2869660" y="4330567"/>
-            <a:ext cx="9015380" cy="2237989"/>
-          </a:xfrm>
-          <a:prstGeom prst="rect">
-            <a:avLst/>
-          </a:prstGeom>
-        </p:spPr>
-      </p:pic>
-      <p:sp>
-        <p:nvSpPr>
-          <p:cNvPr id="5" name="文字方塊 4">
-            <a:extLst>
-              <a:ext uri="{FF2B5EF4-FFF2-40B4-BE49-F238E27FC236}">
-                <a16:creationId xmlns:a16="http://schemas.microsoft.com/office/drawing/2014/main" id="{41506C6F-93EE-49C5-88F9-1B83EB3738F0}"/>
+      <p:sp>
+        <p:nvSpPr>
+          <p:cNvPr id="14" name="TextBox 13">
+            <a:extLst>
+              <a:ext uri="{FF2B5EF4-FFF2-40B4-BE49-F238E27FC236}">
+                <a16:creationId xmlns:a16="http://schemas.microsoft.com/office/drawing/2014/main" id="{8A847973-0319-9B4F-B5CD-4F522B13162B}"/>
               </a:ext>
             </a:extLst>
           </p:cNvPr>
@@ -12245,8 +12357,8 @@
         </p:nvSpPr>
         <p:spPr>
           <a:xfrm>
-            <a:off x="11484528" y="6493241"/>
-            <a:ext cx="805343" cy="276999"/>
+            <a:off x="1154104" y="3882972"/>
+            <a:ext cx="8424781" cy="477054"/>
           </a:xfrm>
           <a:prstGeom prst="rect">
             <a:avLst/>
@@ -12260,8 +12372,57 @@
           <a:lstStyle/>
           <a:p>
             <a:r>
+              <a:rPr lang="en-US" sz="2500" b="1" dirty="0">
+                <a:latin typeface="Times New Roman" panose="02020603050405020304" pitchFamily="18" charset="0"/>
+                <a:cs typeface="Times New Roman" panose="02020603050405020304" pitchFamily="18" charset="0"/>
+              </a:rPr>
+              <a:t>Enhancing the Dependency Mechanism of </a:t>
+            </a:r>
+            <a:r>
+              <a:rPr lang="en-US" sz="2500" b="1" dirty="0" err="1">
+                <a:latin typeface="Times New Roman" panose="02020603050405020304" pitchFamily="18" charset="0"/>
+                <a:cs typeface="Times New Roman" panose="02020603050405020304" pitchFamily="18" charset="0"/>
+              </a:rPr>
+              <a:t>RoBERTa</a:t>
+            </a:r>
+            <a:endParaRPr lang="en-US" sz="2500" dirty="0">
+              <a:latin typeface="Times New Roman" panose="02020603050405020304" pitchFamily="18" charset="0"/>
+              <a:cs typeface="Times New Roman" panose="02020603050405020304" pitchFamily="18" charset="0"/>
+            </a:endParaRPr>
+          </a:p>
+        </p:txBody>
+      </p:sp>
+      <p:sp>
+        <p:nvSpPr>
+          <p:cNvPr id="8" name="文字方塊 7">
+            <a:extLst>
+              <a:ext uri="{FF2B5EF4-FFF2-40B4-BE49-F238E27FC236}">
+                <a16:creationId xmlns:a16="http://schemas.microsoft.com/office/drawing/2014/main" id="{CA9DE776-E94C-47BA-B7C4-BC7427DC5373}"/>
+              </a:ext>
+            </a:extLst>
+          </p:cNvPr>
+          <p:cNvSpPr txBox="1"/>
+          <p:nvPr/>
+        </p:nvSpPr>
+        <p:spPr>
+          <a:xfrm>
+            <a:off x="11484528" y="6493241"/>
+            <a:ext cx="805343" cy="276999"/>
+          </a:xfrm>
+          <a:prstGeom prst="rect">
+            <a:avLst/>
+          </a:prstGeom>
+          <a:noFill/>
+        </p:spPr>
+        <p:txBody>
+          <a:bodyPr wrap="square" rtlCol="0">
+            <a:spAutoFit/>
+          </a:bodyPr>
+          <a:lstStyle/>
+          <a:p>
+            <a:r>
               <a:rPr lang="en-US" sz="1200" dirty="0"/>
-              <a:t>13</a:t>
+              <a:t>18</a:t>
             </a:r>
           </a:p>
         </p:txBody>
@@ -12269,7 +12430,7 @@
     </p:spTree>
     <p:extLst>
       <p:ext uri="{BB962C8B-B14F-4D97-AF65-F5344CB8AC3E}">
-        <p14:creationId xmlns:p14="http://schemas.microsoft.com/office/powerpoint/2010/main" val="1987724706"/>
+        <p14:creationId xmlns:p14="http://schemas.microsoft.com/office/powerpoint/2010/main" val="2301789250"/>
       </p:ext>
     </p:extLst>
   </p:cSld>
@@ -12507,7 +12668,7 @@
         <p:spPr>
           <a:xfrm>
             <a:off x="616225" y="569844"/>
-            <a:ext cx="11008328" cy="523220"/>
+            <a:ext cx="9500541" cy="523220"/>
           </a:xfrm>
           <a:prstGeom prst="rect">
             <a:avLst/>
@@ -12522,30 +12683,17 @@
           <a:p>
             <a:r>
               <a:rPr lang="en-US" sz="2800" b="1" dirty="0"/>
-              <a:t>EDM-</a:t>
-            </a:r>
-            <a:r>
-              <a:rPr lang="en-US" sz="2800" b="1" dirty="0" err="1"/>
-              <a:t>RoBERTa</a:t>
-            </a:r>
-            <a:r>
-              <a:rPr lang="en-US" sz="2800" b="1" dirty="0"/>
-              <a:t>: Enhancing the Dependency Structure of </a:t>
-            </a:r>
-            <a:r>
-              <a:rPr lang="en-US" sz="2800" b="1" dirty="0" err="1"/>
-              <a:t>RoBERTa</a:t>
-            </a:r>
-            <a:endParaRPr lang="en-US" sz="2800" b="1" dirty="0"/>
+              <a:t>Optimization: Statistics</a:t>
+            </a:r>
           </a:p>
         </p:txBody>
       </p:sp>
       <p:pic>
         <p:nvPicPr>
-          <p:cNvPr id="4" name="Picture 3">
-            <a:extLst>
-              <a:ext uri="{FF2B5EF4-FFF2-40B4-BE49-F238E27FC236}">
-                <a16:creationId xmlns:a16="http://schemas.microsoft.com/office/drawing/2014/main" id="{01A05A17-4134-CB42-BA18-D7A967D0F2DB}"/>
+          <p:cNvPr id="7" name="Picture 6">
+            <a:extLst>
+              <a:ext uri="{FF2B5EF4-FFF2-40B4-BE49-F238E27FC236}">
+                <a16:creationId xmlns:a16="http://schemas.microsoft.com/office/drawing/2014/main" id="{3EA49A00-B665-BB4E-8414-F14A25C37FAF}"/>
               </a:ext>
             </a:extLst>
           </p:cNvPr>
@@ -12568,20 +12716,56 @@
         </p:blipFill>
         <p:spPr>
           <a:xfrm>
-            <a:off x="1589975" y="2907884"/>
-            <a:ext cx="9012050" cy="1757124"/>
+            <a:off x="817123" y="1479649"/>
+            <a:ext cx="8716836" cy="2237989"/>
           </a:xfrm>
           <a:prstGeom prst="rect">
             <a:avLst/>
           </a:prstGeom>
         </p:spPr>
       </p:pic>
-      <p:sp>
-        <p:nvSpPr>
-          <p:cNvPr id="5" name="TextBox 4">
-            <a:extLst>
-              <a:ext uri="{FF2B5EF4-FFF2-40B4-BE49-F238E27FC236}">
-                <a16:creationId xmlns:a16="http://schemas.microsoft.com/office/drawing/2014/main" id="{7143B78D-B6B3-474D-B531-66EC4DED1CA1}"/>
+      <p:pic>
+        <p:nvPicPr>
+          <p:cNvPr id="9" name="Picture 8">
+            <a:extLst>
+              <a:ext uri="{FF2B5EF4-FFF2-40B4-BE49-F238E27FC236}">
+                <a16:creationId xmlns:a16="http://schemas.microsoft.com/office/drawing/2014/main" id="{039B4765-42F5-9541-BC34-8ACF710B3366}"/>
+              </a:ext>
+            </a:extLst>
+          </p:cNvPr>
+          <p:cNvPicPr>
+            <a:picLocks noChangeAspect="1"/>
+          </p:cNvPicPr>
+          <p:nvPr/>
+        </p:nvPicPr>
+        <p:blipFill>
+          <a:blip r:embed="rId4">
+            <a:extLst>
+              <a:ext uri="{28A0092B-C50C-407E-A947-70E740481C1C}">
+                <a14:useLocalDpi xmlns:a14="http://schemas.microsoft.com/office/drawing/2010/main" val="0"/>
+              </a:ext>
+            </a:extLst>
+          </a:blip>
+          <a:stretch>
+            <a:fillRect/>
+          </a:stretch>
+        </p:blipFill>
+        <p:spPr>
+          <a:xfrm>
+            <a:off x="2869660" y="4330567"/>
+            <a:ext cx="9015380" cy="2237989"/>
+          </a:xfrm>
+          <a:prstGeom prst="rect">
+            <a:avLst/>
+          </a:prstGeom>
+        </p:spPr>
+      </p:pic>
+      <p:sp>
+        <p:nvSpPr>
+          <p:cNvPr id="5" name="文字方塊 4">
+            <a:extLst>
+              <a:ext uri="{FF2B5EF4-FFF2-40B4-BE49-F238E27FC236}">
+                <a16:creationId xmlns:a16="http://schemas.microsoft.com/office/drawing/2014/main" id="{41506C6F-93EE-49C5-88F9-1B83EB3738F0}"/>
               </a:ext>
             </a:extLst>
           </p:cNvPr>
@@ -12590,8 +12774,8 @@
         </p:nvSpPr>
         <p:spPr>
           <a:xfrm>
-            <a:off x="1322962" y="1780162"/>
-            <a:ext cx="5985293" cy="477054"/>
+            <a:off x="11484528" y="6493241"/>
+            <a:ext cx="805343" cy="276999"/>
           </a:xfrm>
           <a:prstGeom prst="rect">
             <a:avLst/>
@@ -12599,50 +12783,6 @@
           <a:noFill/>
         </p:spPr>
         <p:txBody>
-          <a:bodyPr wrap="none" rtlCol="0">
-            <a:spAutoFit/>
-          </a:bodyPr>
-          <a:lstStyle/>
-          <a:p>
-            <a:pPr marL="342900" indent="-342900">
-              <a:buFont typeface="Arial" panose="020B0604020202020204" pitchFamily="34" charset="0"/>
-              <a:buChar char="•"/>
-            </a:pPr>
-            <a:r>
-              <a:rPr lang="en-US" sz="2500" b="1" dirty="0"/>
-              <a:t>Detailed parameters of EDM-</a:t>
-            </a:r>
-            <a:r>
-              <a:rPr lang="en-US" sz="2500" b="1" dirty="0" err="1"/>
-              <a:t>RoBERTa</a:t>
-            </a:r>
-            <a:endParaRPr lang="en-US" sz="2500" b="1" dirty="0"/>
-          </a:p>
-        </p:txBody>
-      </p:sp>
-      <p:sp>
-        <p:nvSpPr>
-          <p:cNvPr id="6" name="文字方塊 5">
-            <a:extLst>
-              <a:ext uri="{FF2B5EF4-FFF2-40B4-BE49-F238E27FC236}">
-                <a16:creationId xmlns:a16="http://schemas.microsoft.com/office/drawing/2014/main" id="{F1369C88-80E7-407E-80FA-2D871FE3345B}"/>
-              </a:ext>
-            </a:extLst>
-          </p:cNvPr>
-          <p:cNvSpPr txBox="1"/>
-          <p:nvPr/>
-        </p:nvSpPr>
-        <p:spPr>
-          <a:xfrm>
-            <a:off x="11484528" y="6493241"/>
-            <a:ext cx="805343" cy="276999"/>
-          </a:xfrm>
-          <a:prstGeom prst="rect">
-            <a:avLst/>
-          </a:prstGeom>
-          <a:noFill/>
-        </p:spPr>
-        <p:txBody>
           <a:bodyPr wrap="square" rtlCol="0">
             <a:spAutoFit/>
           </a:bodyPr>
@@ -12650,7 +12790,7 @@
           <a:p>
             <a:r>
               <a:rPr lang="en-US" sz="1200" dirty="0"/>
-              <a:t>14</a:t>
+              <a:t>19</a:t>
             </a:r>
           </a:p>
         </p:txBody>
@@ -12658,7 +12798,7 @@
     </p:spTree>
     <p:extLst>
       <p:ext uri="{BB962C8B-B14F-4D97-AF65-F5344CB8AC3E}">
-        <p14:creationId xmlns:p14="http://schemas.microsoft.com/office/powerpoint/2010/main" val="266460702"/>
+        <p14:creationId xmlns:p14="http://schemas.microsoft.com/office/powerpoint/2010/main" val="1987724706"/>
       </p:ext>
     </p:extLst>
   </p:cSld>
@@ -12723,8 +12863,21 @@
           <a:p>
             <a:r>
               <a:rPr lang="en-US" sz="2800" b="1" dirty="0"/>
-              <a:t>Runtimes &amp; Environments</a:t>
-            </a:r>
+              <a:t>EDM-</a:t>
+            </a:r>
+            <a:r>
+              <a:rPr lang="en-US" sz="2800" b="1" dirty="0" err="1"/>
+              <a:t>RoBERTa</a:t>
+            </a:r>
+            <a:r>
+              <a:rPr lang="en-US" sz="2800" b="1" dirty="0"/>
+              <a:t>: Enhancing the Dependency Structure of </a:t>
+            </a:r>
+            <a:r>
+              <a:rPr lang="en-US" sz="2800" b="1" dirty="0" err="1"/>
+              <a:t>RoBERTa</a:t>
+            </a:r>
+            <a:endParaRPr lang="en-US" sz="2800" b="1" dirty="0"/>
           </a:p>
         </p:txBody>
       </p:sp>
@@ -12733,7 +12886,7 @@
           <p:cNvPr id="4" name="Picture 3">
             <a:extLst>
               <a:ext uri="{FF2B5EF4-FFF2-40B4-BE49-F238E27FC236}">
-                <a16:creationId xmlns:a16="http://schemas.microsoft.com/office/drawing/2014/main" id="{C4D9BF90-F101-B548-82AE-FAC79A08ABF4}"/>
+                <a16:creationId xmlns:a16="http://schemas.microsoft.com/office/drawing/2014/main" id="{01A05A17-4134-CB42-BA18-D7A967D0F2DB}"/>
               </a:ext>
             </a:extLst>
           </p:cNvPr>
@@ -12756,8 +12909,8 @@
         </p:blipFill>
         <p:spPr>
           <a:xfrm>
-            <a:off x="927457" y="1581734"/>
-            <a:ext cx="10888735" cy="4047789"/>
+            <a:off x="1589975" y="2907884"/>
+            <a:ext cx="9012050" cy="1757124"/>
           </a:xfrm>
           <a:prstGeom prst="rect">
             <a:avLst/>
@@ -12766,10 +12919,10 @@
       </p:pic>
       <p:sp>
         <p:nvSpPr>
-          <p:cNvPr id="5" name="文字方塊 4">
-            <a:extLst>
-              <a:ext uri="{FF2B5EF4-FFF2-40B4-BE49-F238E27FC236}">
-                <a16:creationId xmlns:a16="http://schemas.microsoft.com/office/drawing/2014/main" id="{181B9430-086A-4BD7-9B44-D493315FC3AE}"/>
+          <p:cNvPr id="5" name="TextBox 4">
+            <a:extLst>
+              <a:ext uri="{FF2B5EF4-FFF2-40B4-BE49-F238E27FC236}">
+                <a16:creationId xmlns:a16="http://schemas.microsoft.com/office/drawing/2014/main" id="{7143B78D-B6B3-474D-B531-66EC4DED1CA1}"/>
               </a:ext>
             </a:extLst>
           </p:cNvPr>
@@ -12778,8 +12931,8 @@
         </p:nvSpPr>
         <p:spPr>
           <a:xfrm>
-            <a:off x="11484528" y="6493241"/>
-            <a:ext cx="805343" cy="276999"/>
+            <a:off x="1322962" y="1780162"/>
+            <a:ext cx="5985293" cy="477054"/>
           </a:xfrm>
           <a:prstGeom prst="rect">
             <a:avLst/>
@@ -12787,6 +12940,50 @@
           <a:noFill/>
         </p:spPr>
         <p:txBody>
+          <a:bodyPr wrap="none" rtlCol="0">
+            <a:spAutoFit/>
+          </a:bodyPr>
+          <a:lstStyle/>
+          <a:p>
+            <a:pPr marL="342900" indent="-342900">
+              <a:buFont typeface="Arial" panose="020B0604020202020204" pitchFamily="34" charset="0"/>
+              <a:buChar char="•"/>
+            </a:pPr>
+            <a:r>
+              <a:rPr lang="en-US" sz="2500" b="1" dirty="0"/>
+              <a:t>Detailed parameters of EDM-</a:t>
+            </a:r>
+            <a:r>
+              <a:rPr lang="en-US" sz="2500" b="1" dirty="0" err="1"/>
+              <a:t>RoBERTa</a:t>
+            </a:r>
+            <a:endParaRPr lang="en-US" sz="2500" b="1" dirty="0"/>
+          </a:p>
+        </p:txBody>
+      </p:sp>
+      <p:sp>
+        <p:nvSpPr>
+          <p:cNvPr id="6" name="文字方塊 5">
+            <a:extLst>
+              <a:ext uri="{FF2B5EF4-FFF2-40B4-BE49-F238E27FC236}">
+                <a16:creationId xmlns:a16="http://schemas.microsoft.com/office/drawing/2014/main" id="{F1369C88-80E7-407E-80FA-2D871FE3345B}"/>
+              </a:ext>
+            </a:extLst>
+          </p:cNvPr>
+          <p:cNvSpPr txBox="1"/>
+          <p:nvPr/>
+        </p:nvSpPr>
+        <p:spPr>
+          <a:xfrm>
+            <a:off x="11484528" y="6493241"/>
+            <a:ext cx="805343" cy="276999"/>
+          </a:xfrm>
+          <a:prstGeom prst="rect">
+            <a:avLst/>
+          </a:prstGeom>
+          <a:noFill/>
+        </p:spPr>
+        <p:txBody>
           <a:bodyPr wrap="square" rtlCol="0">
             <a:spAutoFit/>
           </a:bodyPr>
@@ -12794,7 +12991,7 @@
           <a:p>
             <a:r>
               <a:rPr lang="en-US" sz="1200" dirty="0"/>
-              <a:t>15</a:t>
+              <a:t>20</a:t>
             </a:r>
           </a:p>
         </p:txBody>
@@ -12802,7 +12999,7 @@
     </p:spTree>
     <p:extLst>
       <p:ext uri="{BB962C8B-B14F-4D97-AF65-F5344CB8AC3E}">
-        <p14:creationId xmlns:p14="http://schemas.microsoft.com/office/powerpoint/2010/main" val="1320879586"/>
+        <p14:creationId xmlns:p14="http://schemas.microsoft.com/office/powerpoint/2010/main" val="266460702"/>
       </p:ext>
     </p:extLst>
   </p:cSld>
@@ -12867,6 +13064,150 @@
           <a:p>
             <a:r>
               <a:rPr lang="en-US" sz="2800" b="1" dirty="0"/>
+              <a:t>Runtimes &amp; Environments</a:t>
+            </a:r>
+          </a:p>
+        </p:txBody>
+      </p:sp>
+      <p:pic>
+        <p:nvPicPr>
+          <p:cNvPr id="4" name="Picture 3">
+            <a:extLst>
+              <a:ext uri="{FF2B5EF4-FFF2-40B4-BE49-F238E27FC236}">
+                <a16:creationId xmlns:a16="http://schemas.microsoft.com/office/drawing/2014/main" id="{C4D9BF90-F101-B548-82AE-FAC79A08ABF4}"/>
+              </a:ext>
+            </a:extLst>
+          </p:cNvPr>
+          <p:cNvPicPr>
+            <a:picLocks noChangeAspect="1"/>
+          </p:cNvPicPr>
+          <p:nvPr/>
+        </p:nvPicPr>
+        <p:blipFill>
+          <a:blip r:embed="rId3">
+            <a:extLst>
+              <a:ext uri="{28A0092B-C50C-407E-A947-70E740481C1C}">
+                <a14:useLocalDpi xmlns:a14="http://schemas.microsoft.com/office/drawing/2010/main" val="0"/>
+              </a:ext>
+            </a:extLst>
+          </a:blip>
+          <a:stretch>
+            <a:fillRect/>
+          </a:stretch>
+        </p:blipFill>
+        <p:spPr>
+          <a:xfrm>
+            <a:off x="927457" y="1581734"/>
+            <a:ext cx="10888735" cy="4047789"/>
+          </a:xfrm>
+          <a:prstGeom prst="rect">
+            <a:avLst/>
+          </a:prstGeom>
+        </p:spPr>
+      </p:pic>
+      <p:sp>
+        <p:nvSpPr>
+          <p:cNvPr id="5" name="文字方塊 4">
+            <a:extLst>
+              <a:ext uri="{FF2B5EF4-FFF2-40B4-BE49-F238E27FC236}">
+                <a16:creationId xmlns:a16="http://schemas.microsoft.com/office/drawing/2014/main" id="{181B9430-086A-4BD7-9B44-D493315FC3AE}"/>
+              </a:ext>
+            </a:extLst>
+          </p:cNvPr>
+          <p:cNvSpPr txBox="1"/>
+          <p:nvPr/>
+        </p:nvSpPr>
+        <p:spPr>
+          <a:xfrm>
+            <a:off x="11484528" y="6493241"/>
+            <a:ext cx="805343" cy="276999"/>
+          </a:xfrm>
+          <a:prstGeom prst="rect">
+            <a:avLst/>
+          </a:prstGeom>
+          <a:noFill/>
+        </p:spPr>
+        <p:txBody>
+          <a:bodyPr wrap="square" rtlCol="0">
+            <a:spAutoFit/>
+          </a:bodyPr>
+          <a:lstStyle/>
+          <a:p>
+            <a:r>
+              <a:rPr lang="en-US" sz="1200" dirty="0"/>
+              <a:t>21</a:t>
+            </a:r>
+          </a:p>
+        </p:txBody>
+      </p:sp>
+    </p:spTree>
+    <p:extLst>
+      <p:ext uri="{BB962C8B-B14F-4D97-AF65-F5344CB8AC3E}">
+        <p14:creationId xmlns:p14="http://schemas.microsoft.com/office/powerpoint/2010/main" val="1320879586"/>
+      </p:ext>
+    </p:extLst>
+  </p:cSld>
+  <p:clrMapOvr>
+    <a:masterClrMapping/>
+  </p:clrMapOvr>
+</p:sld>
+</file>
+
+<file path=ppt/slides/slide23.xml><?xml version="1.0" encoding="utf-8"?>
+<p:sld xmlns:a="http://schemas.openxmlformats.org/drawingml/2006/main" xmlns:r="http://schemas.openxmlformats.org/officeDocument/2006/relationships" xmlns:p="http://schemas.openxmlformats.org/presentationml/2006/main">
+  <p:cSld>
+    <p:bg>
+      <p:bgPr>
+        <a:solidFill>
+          <a:schemeClr val="bg1"/>
+        </a:solidFill>
+        <a:effectLst/>
+      </p:bgPr>
+    </p:bg>
+    <p:spTree>
+      <p:nvGrpSpPr>
+        <p:cNvPr id="1" name=""/>
+        <p:cNvGrpSpPr/>
+        <p:nvPr/>
+      </p:nvGrpSpPr>
+      <p:grpSpPr>
+        <a:xfrm>
+          <a:off x="0" y="0"/>
+          <a:ext cx="0" cy="0"/>
+          <a:chOff x="0" y="0"/>
+          <a:chExt cx="0" cy="0"/>
+        </a:xfrm>
+      </p:grpSpPr>
+      <p:sp>
+        <p:nvSpPr>
+          <p:cNvPr id="2" name="文字方塊 9">
+            <a:extLst>
+              <a:ext uri="{FF2B5EF4-FFF2-40B4-BE49-F238E27FC236}">
+                <a16:creationId xmlns:a16="http://schemas.microsoft.com/office/drawing/2014/main" id="{1472181F-E1C9-5B4B-AC5F-B6ABF9C576B7}"/>
+              </a:ext>
+            </a:extLst>
+          </p:cNvPr>
+          <p:cNvSpPr txBox="1"/>
+          <p:nvPr/>
+        </p:nvSpPr>
+        <p:spPr>
+          <a:xfrm>
+            <a:off x="616225" y="569844"/>
+            <a:ext cx="11008328" cy="523220"/>
+          </a:xfrm>
+          <a:prstGeom prst="rect">
+            <a:avLst/>
+          </a:prstGeom>
+          <a:noFill/>
+        </p:spPr>
+        <p:txBody>
+          <a:bodyPr wrap="square" rtlCol="0">
+            <a:spAutoFit/>
+          </a:bodyPr>
+          <a:lstStyle/>
+          <a:p>
+            <a:r>
+              <a:rPr lang="en-US" sz="2800" b="1" dirty="0"/>
               <a:t>Conclusions</a:t>
             </a:r>
           </a:p>
@@ -13162,7 +13503,7 @@
           <a:p>
             <a:r>
               <a:rPr lang="en-US" sz="1200" dirty="0"/>
-              <a:t>16</a:t>
+              <a:t>22</a:t>
             </a:r>
           </a:p>
         </p:txBody>
@@ -13747,7 +14088,7 @@
           <a:p>
             <a:r>
               <a:rPr lang="en-US" sz="1200" dirty="0"/>
-              <a:t>3</a:t>
+              <a:t>4</a:t>
             </a:r>
           </a:p>
         </p:txBody>
@@ -13840,8 +14181,8 @@
         </p:nvSpPr>
         <p:spPr>
           <a:xfrm>
-            <a:off x="616225" y="569844"/>
-            <a:ext cx="5959673" cy="523220"/>
+            <a:off x="616224" y="569844"/>
+            <a:ext cx="10868303" cy="523220"/>
           </a:xfrm>
           <a:prstGeom prst="rect">
             <a:avLst/>
@@ -13856,17 +14197,89 @@
           <a:p>
             <a:r>
               <a:rPr lang="en-US" sz="2800" b="1" dirty="0"/>
-              <a:t>Encoder-Decoder Structure</a:t>
-            </a:r>
-          </a:p>
-        </p:txBody>
-      </p:sp>
-      <p:sp>
-        <p:nvSpPr>
-          <p:cNvPr id="2" name="TextBox 1">
-            <a:extLst>
-              <a:ext uri="{FF2B5EF4-FFF2-40B4-BE49-F238E27FC236}">
-                <a16:creationId xmlns:a16="http://schemas.microsoft.com/office/drawing/2014/main" id="{261D8624-67F2-7244-AF41-3AF06403FE4E}"/>
+              <a:t>Flowchart of Text Sequences Processing and Bottleneck Problem </a:t>
+            </a:r>
+          </a:p>
+        </p:txBody>
+      </p:sp>
+      <p:pic>
+        <p:nvPicPr>
+          <p:cNvPr id="4" name="Picture 3">
+            <a:extLst>
+              <a:ext uri="{FF2B5EF4-FFF2-40B4-BE49-F238E27FC236}">
+                <a16:creationId xmlns:a16="http://schemas.microsoft.com/office/drawing/2014/main" id="{283A6487-7FE0-7344-8B49-BC02C9576B77}"/>
+              </a:ext>
+            </a:extLst>
+          </p:cNvPr>
+          <p:cNvPicPr>
+            <a:picLocks noChangeAspect="1"/>
+          </p:cNvPicPr>
+          <p:nvPr/>
+        </p:nvPicPr>
+        <p:blipFill>
+          <a:blip r:embed="rId3">
+            <a:extLst>
+              <a:ext uri="{28A0092B-C50C-407E-A947-70E740481C1C}">
+                <a14:useLocalDpi xmlns:a14="http://schemas.microsoft.com/office/drawing/2010/main" val="0"/>
+              </a:ext>
+            </a:extLst>
+          </a:blip>
+          <a:stretch>
+            <a:fillRect/>
+          </a:stretch>
+        </p:blipFill>
+        <p:spPr>
+          <a:xfrm>
+            <a:off x="3217289" y="1944712"/>
+            <a:ext cx="8974711" cy="3767541"/>
+          </a:xfrm>
+          <a:prstGeom prst="rect">
+            <a:avLst/>
+          </a:prstGeom>
+        </p:spPr>
+      </p:pic>
+      <p:pic>
+        <p:nvPicPr>
+          <p:cNvPr id="6" name="Picture 5">
+            <a:extLst>
+              <a:ext uri="{FF2B5EF4-FFF2-40B4-BE49-F238E27FC236}">
+                <a16:creationId xmlns:a16="http://schemas.microsoft.com/office/drawing/2014/main" id="{722DFDD4-4509-8547-AED8-E58912951B6E}"/>
+              </a:ext>
+            </a:extLst>
+          </p:cNvPr>
+          <p:cNvPicPr>
+            <a:picLocks noChangeAspect="1"/>
+          </p:cNvPicPr>
+          <p:nvPr/>
+        </p:nvPicPr>
+        <p:blipFill>
+          <a:blip r:embed="rId4">
+            <a:extLst>
+              <a:ext uri="{28A0092B-C50C-407E-A947-70E740481C1C}">
+                <a14:useLocalDpi xmlns:a14="http://schemas.microsoft.com/office/drawing/2010/main" val="0"/>
+              </a:ext>
+            </a:extLst>
+          </a:blip>
+          <a:stretch>
+            <a:fillRect/>
+          </a:stretch>
+        </p:blipFill>
+        <p:spPr>
+          <a:xfrm>
+            <a:off x="1807343" y="1588887"/>
+            <a:ext cx="1847985" cy="4250366"/>
+          </a:xfrm>
+          <a:prstGeom prst="rect">
+            <a:avLst/>
+          </a:prstGeom>
+        </p:spPr>
+      </p:pic>
+      <p:sp>
+        <p:nvSpPr>
+          <p:cNvPr id="5" name="文字方塊 4">
+            <a:extLst>
+              <a:ext uri="{FF2B5EF4-FFF2-40B4-BE49-F238E27FC236}">
+                <a16:creationId xmlns:a16="http://schemas.microsoft.com/office/drawing/2014/main" id="{EC8A05CD-495D-4F38-BAFB-5486B9D0C972}"/>
               </a:ext>
             </a:extLst>
           </p:cNvPr>
@@ -13875,8 +14288,8 @@
         </p:nvSpPr>
         <p:spPr>
           <a:xfrm>
-            <a:off x="1906621" y="1906621"/>
-            <a:ext cx="9638552" cy="830997"/>
+            <a:off x="11484528" y="6493241"/>
+            <a:ext cx="805343" cy="276999"/>
           </a:xfrm>
           <a:prstGeom prst="rect">
             <a:avLst/>
@@ -13889,200 +14302,9 @@
           </a:bodyPr>
           <a:lstStyle/>
           <a:p>
-            <a:pPr marL="342900" indent="-342900">
-              <a:buFont typeface="Arial" panose="020B0604020202020204" pitchFamily="34" charset="0"/>
-              <a:buChar char="•"/>
-            </a:pPr>
-            <a:r>
-              <a:rPr lang="en-US" sz="2400" b="1" dirty="0">
-                <a:latin typeface="Calibri" panose="020F0502020204030204" pitchFamily="34" charset="0"/>
-                <a:cs typeface="Calibri" panose="020F0502020204030204" pitchFamily="34" charset="0"/>
-              </a:rPr>
-              <a:t>Natural Language Understanding </a:t>
-            </a:r>
-            <a:r>
-              <a:rPr lang="en-US" sz="2400" b="1" dirty="0">
-                <a:latin typeface="Calibri" panose="020F0502020204030204" pitchFamily="34" charset="0"/>
-                <a:cs typeface="Calibri" panose="020F0502020204030204" pitchFamily="34" charset="0"/>
-                <a:sym typeface="Wingdings" pitchFamily="2" charset="2"/>
-              </a:rPr>
-              <a:t>(NLU) with </a:t>
-            </a:r>
-            <a:r>
-              <a:rPr lang="en-US" sz="2400" b="1" dirty="0">
-                <a:latin typeface="Calibri" panose="020F0502020204030204" pitchFamily="34" charset="0"/>
-                <a:cs typeface="Calibri" panose="020F0502020204030204" pitchFamily="34" charset="0"/>
-              </a:rPr>
-              <a:t>Encoder:</a:t>
-            </a:r>
-            <a:br>
-              <a:rPr lang="en-US" sz="2400" b="1" dirty="0">
-                <a:latin typeface="Calibri" panose="020F0502020204030204" pitchFamily="34" charset="0"/>
-                <a:cs typeface="Calibri" panose="020F0502020204030204" pitchFamily="34" charset="0"/>
-              </a:rPr>
-            </a:br>
-            <a:r>
-              <a:rPr lang="en-US" sz="2400" b="1" dirty="0">
-                <a:latin typeface="Calibri" panose="020F0502020204030204" pitchFamily="34" charset="0"/>
-                <a:cs typeface="Calibri" panose="020F0502020204030204" pitchFamily="34" charset="0"/>
-              </a:rPr>
-              <a:t>Sentiment Analysis,  Named Entity Classification, etc.</a:t>
-            </a:r>
-          </a:p>
-        </p:txBody>
-      </p:sp>
-      <p:sp>
-        <p:nvSpPr>
-          <p:cNvPr id="7" name="TextBox 6">
-            <a:extLst>
-              <a:ext uri="{FF2B5EF4-FFF2-40B4-BE49-F238E27FC236}">
-                <a16:creationId xmlns:a16="http://schemas.microsoft.com/office/drawing/2014/main" id="{6E143681-7E2E-5246-B581-AC4B96C2A6CD}"/>
-              </a:ext>
-            </a:extLst>
-          </p:cNvPr>
-          <p:cNvSpPr txBox="1"/>
-          <p:nvPr/>
-        </p:nvSpPr>
-        <p:spPr>
-          <a:xfrm>
-            <a:off x="1906621" y="3508442"/>
-            <a:ext cx="7403502" cy="830997"/>
-          </a:xfrm>
-          <a:prstGeom prst="rect">
-            <a:avLst/>
-          </a:prstGeom>
-          <a:noFill/>
-        </p:spPr>
-        <p:txBody>
-          <a:bodyPr wrap="none" rtlCol="0">
-            <a:spAutoFit/>
-          </a:bodyPr>
-          <a:lstStyle/>
-          <a:p>
-            <a:pPr marL="342900" indent="-342900">
-              <a:buFont typeface="Arial" panose="020B0604020202020204" pitchFamily="34" charset="0"/>
-              <a:buChar char="•"/>
-            </a:pPr>
-            <a:r>
-              <a:rPr lang="en-US" sz="2400" b="1" dirty="0">
-                <a:latin typeface="Calibri" panose="020F0502020204030204" pitchFamily="34" charset="0"/>
-                <a:cs typeface="Calibri" panose="020F0502020204030204" pitchFamily="34" charset="0"/>
-              </a:rPr>
-              <a:t>Natural Language Generation (NLG) with Decoder: </a:t>
-            </a:r>
-            <a:br>
-              <a:rPr lang="en-US" sz="2400" b="1" dirty="0">
-                <a:latin typeface="Calibri" panose="020F0502020204030204" pitchFamily="34" charset="0"/>
-                <a:cs typeface="Calibri" panose="020F0502020204030204" pitchFamily="34" charset="0"/>
-              </a:rPr>
-            </a:br>
-            <a:r>
-              <a:rPr lang="en-US" sz="2400" b="1" dirty="0">
-                <a:latin typeface="Calibri" panose="020F0502020204030204" pitchFamily="34" charset="0"/>
-                <a:cs typeface="Calibri" panose="020F0502020204030204" pitchFamily="34" charset="0"/>
-              </a:rPr>
-              <a:t>Neural Machine Translation, Question Answering, etc.</a:t>
-            </a:r>
-          </a:p>
-        </p:txBody>
-      </p:sp>
-      <p:sp>
-        <p:nvSpPr>
-          <p:cNvPr id="8" name="TextBox 7">
-            <a:extLst>
-              <a:ext uri="{FF2B5EF4-FFF2-40B4-BE49-F238E27FC236}">
-                <a16:creationId xmlns:a16="http://schemas.microsoft.com/office/drawing/2014/main" id="{47844ACB-683F-3447-BEAF-1897DF1BE6CF}"/>
-              </a:ext>
-            </a:extLst>
-          </p:cNvPr>
-          <p:cNvSpPr txBox="1"/>
-          <p:nvPr/>
-        </p:nvSpPr>
-        <p:spPr>
-          <a:xfrm>
-            <a:off x="1994212" y="4783664"/>
-            <a:ext cx="6639382" cy="461665"/>
-          </a:xfrm>
-          <a:prstGeom prst="rect">
-            <a:avLst/>
-          </a:prstGeom>
-          <a:noFill/>
-        </p:spPr>
-        <p:txBody>
-          <a:bodyPr wrap="none" rtlCol="0">
-            <a:spAutoFit/>
-          </a:bodyPr>
-          <a:lstStyle/>
-          <a:p>
-            <a:pPr marL="342900" indent="-342900">
-              <a:buFont typeface="Arial" panose="020B0604020202020204" pitchFamily="34" charset="0"/>
-              <a:buChar char="•"/>
-            </a:pPr>
-            <a:r>
-              <a:rPr lang="en-US" sz="2400" b="1" dirty="0">
-                <a:latin typeface="Calibri" panose="020F0502020204030204" pitchFamily="34" charset="0"/>
-                <a:cs typeface="Calibri" panose="020F0502020204030204" pitchFamily="34" charset="0"/>
-              </a:rPr>
-              <a:t>Context Vector: </a:t>
-            </a:r>
-            <a:r>
-              <a:rPr lang="en-US" sz="2400" b="1" dirty="0">
-                <a:latin typeface="Times New Roman" panose="02020603050405020304" pitchFamily="18" charset="0"/>
-                <a:cs typeface="Times New Roman" panose="02020603050405020304" pitchFamily="18" charset="0"/>
-              </a:rPr>
-              <a:t>Causing “</a:t>
-            </a:r>
-            <a:r>
-              <a:rPr lang="en-US" sz="2400" b="1" dirty="0">
-                <a:solidFill>
-                  <a:srgbClr val="FF0000"/>
-                </a:solidFill>
-                <a:latin typeface="Times New Roman" panose="02020603050405020304" pitchFamily="18" charset="0"/>
-                <a:cs typeface="Times New Roman" panose="02020603050405020304" pitchFamily="18" charset="0"/>
-              </a:rPr>
-              <a:t>Bottleneck Problem</a:t>
-            </a:r>
-            <a:r>
-              <a:rPr lang="en-US" sz="2400" b="1" dirty="0">
-                <a:latin typeface="Times New Roman" panose="02020603050405020304" pitchFamily="18" charset="0"/>
-                <a:cs typeface="Times New Roman" panose="02020603050405020304" pitchFamily="18" charset="0"/>
-              </a:rPr>
-              <a:t>”</a:t>
-            </a:r>
-          </a:p>
-        </p:txBody>
-      </p:sp>
-      <p:sp>
-        <p:nvSpPr>
-          <p:cNvPr id="6" name="文字方塊 5">
-            <a:extLst>
-              <a:ext uri="{FF2B5EF4-FFF2-40B4-BE49-F238E27FC236}">
-                <a16:creationId xmlns:a16="http://schemas.microsoft.com/office/drawing/2014/main" id="{21C003A9-2617-40ED-9EDE-961ED5BF9CD4}"/>
-              </a:ext>
-            </a:extLst>
-          </p:cNvPr>
-          <p:cNvSpPr txBox="1"/>
-          <p:nvPr/>
-        </p:nvSpPr>
-        <p:spPr>
-          <a:xfrm>
-            <a:off x="11484528" y="6493241"/>
-            <a:ext cx="805343" cy="276999"/>
-          </a:xfrm>
-          <a:prstGeom prst="rect">
-            <a:avLst/>
-          </a:prstGeom>
-          <a:noFill/>
-        </p:spPr>
-        <p:txBody>
-          <a:bodyPr wrap="square" rtlCol="0">
-            <a:spAutoFit/>
-          </a:bodyPr>
-          <a:lstStyle/>
-          <a:p>
             <a:r>
               <a:rPr lang="en-US" sz="1200" dirty="0"/>
-              <a:t>4</a:t>
+              <a:t>5</a:t>
             </a:r>
           </a:p>
         </p:txBody>
@@ -14090,7 +14312,7 @@
     </p:spTree>
     <p:extLst>
       <p:ext uri="{BB962C8B-B14F-4D97-AF65-F5344CB8AC3E}">
-        <p14:creationId xmlns:p14="http://schemas.microsoft.com/office/powerpoint/2010/main" val="2159107117"/>
+        <p14:creationId xmlns:p14="http://schemas.microsoft.com/office/powerpoint/2010/main" val="2966830484"/>
       </p:ext>
     </p:extLst>
   </p:cSld>
@@ -14140,7 +14362,7 @@
         <p:spPr>
           <a:xfrm>
             <a:off x="616225" y="569844"/>
-            <a:ext cx="9500541" cy="523220"/>
+            <a:ext cx="5959673" cy="523220"/>
           </a:xfrm>
           <a:prstGeom prst="rect">
             <a:avLst/>
@@ -14155,7 +14377,7 @@
           <a:p>
             <a:r>
               <a:rPr lang="en-US" sz="2800" b="1" dirty="0"/>
-              <a:t>Encoder-Decoder Structure: Transformer-based Models</a:t>
+              <a:t>Encoder-Decoder Structure</a:t>
             </a:r>
           </a:p>
         </p:txBody>
@@ -14174,8 +14396,8 @@
         </p:nvSpPr>
         <p:spPr>
           <a:xfrm>
-            <a:off x="1194713" y="1546994"/>
-            <a:ext cx="6652527" cy="461665"/>
+            <a:off x="1906621" y="1906621"/>
+            <a:ext cx="9638552" cy="830997"/>
           </a:xfrm>
           <a:prstGeom prst="rect">
             <a:avLst/>
@@ -14183,7 +14405,7 @@
           <a:noFill/>
         </p:spPr>
         <p:txBody>
-          <a:bodyPr wrap="none" rtlCol="0">
+          <a:bodyPr wrap="square" rtlCol="0">
             <a:spAutoFit/>
           </a:bodyPr>
           <a:lstStyle/>
@@ -14197,98 +14419,139 @@
                 <a:latin typeface="Calibri" panose="020F0502020204030204" pitchFamily="34" charset="0"/>
                 <a:cs typeface="Calibri" panose="020F0502020204030204" pitchFamily="34" charset="0"/>
               </a:rPr>
-              <a:t>Models: </a:t>
+              <a:t>Natural Language Understanding </a:t>
+            </a:r>
+            <a:r>
+              <a:rPr lang="en-US" sz="2400" b="1" dirty="0">
+                <a:latin typeface="Calibri" panose="020F0502020204030204" pitchFamily="34" charset="0"/>
+                <a:cs typeface="Calibri" panose="020F0502020204030204" pitchFamily="34" charset="0"/>
+                <a:sym typeface="Wingdings" pitchFamily="2" charset="2"/>
+              </a:rPr>
+              <a:t>(NLU) with </a:t>
+            </a:r>
+            <a:r>
+              <a:rPr lang="en-US" sz="2400" b="1" dirty="0">
+                <a:latin typeface="Calibri" panose="020F0502020204030204" pitchFamily="34" charset="0"/>
+                <a:cs typeface="Calibri" panose="020F0502020204030204" pitchFamily="34" charset="0"/>
+              </a:rPr>
+              <a:t>Encoder:</a:t>
+            </a:r>
+            <a:br>
+              <a:rPr lang="en-US" sz="2400" b="1" dirty="0">
+                <a:latin typeface="Calibri" panose="020F0502020204030204" pitchFamily="34" charset="0"/>
+                <a:cs typeface="Calibri" panose="020F0502020204030204" pitchFamily="34" charset="0"/>
+              </a:rPr>
+            </a:br>
+            <a:r>
+              <a:rPr lang="en-US" sz="2400" b="1" dirty="0">
+                <a:latin typeface="Calibri" panose="020F0502020204030204" pitchFamily="34" charset="0"/>
+                <a:cs typeface="Calibri" panose="020F0502020204030204" pitchFamily="34" charset="0"/>
+              </a:rPr>
+              <a:t>Sentiment Analysis,  Named Entity Classification, etc.</a:t>
+            </a:r>
+          </a:p>
+        </p:txBody>
+      </p:sp>
+      <p:sp>
+        <p:nvSpPr>
+          <p:cNvPr id="7" name="TextBox 6">
+            <a:extLst>
+              <a:ext uri="{FF2B5EF4-FFF2-40B4-BE49-F238E27FC236}">
+                <a16:creationId xmlns:a16="http://schemas.microsoft.com/office/drawing/2014/main" id="{6E143681-7E2E-5246-B581-AC4B96C2A6CD}"/>
+              </a:ext>
+            </a:extLst>
+          </p:cNvPr>
+          <p:cNvSpPr txBox="1"/>
+          <p:nvPr/>
+        </p:nvSpPr>
+        <p:spPr>
+          <a:xfrm>
+            <a:off x="1906621" y="3508442"/>
+            <a:ext cx="7403502" cy="830997"/>
+          </a:xfrm>
+          <a:prstGeom prst="rect">
+            <a:avLst/>
+          </a:prstGeom>
+          <a:noFill/>
+        </p:spPr>
+        <p:txBody>
+          <a:bodyPr wrap="none" rtlCol="0">
+            <a:spAutoFit/>
+          </a:bodyPr>
+          <a:lstStyle/>
+          <a:p>
+            <a:pPr marL="342900" indent="-342900">
+              <a:buFont typeface="Arial" panose="020B0604020202020204" pitchFamily="34" charset="0"/>
+              <a:buChar char="•"/>
+            </a:pPr>
+            <a:r>
+              <a:rPr lang="en-US" sz="2400" b="1" dirty="0">
+                <a:latin typeface="Calibri" panose="020F0502020204030204" pitchFamily="34" charset="0"/>
+                <a:cs typeface="Calibri" panose="020F0502020204030204" pitchFamily="34" charset="0"/>
+              </a:rPr>
+              <a:t>Natural Language Generation (NLG) with Decoder: </a:t>
+            </a:r>
+            <a:br>
+              <a:rPr lang="en-US" sz="2400" b="1" dirty="0">
+                <a:latin typeface="Calibri" panose="020F0502020204030204" pitchFamily="34" charset="0"/>
+                <a:cs typeface="Calibri" panose="020F0502020204030204" pitchFamily="34" charset="0"/>
+              </a:rPr>
+            </a:br>
+            <a:r>
+              <a:rPr lang="en-US" sz="2400" b="1" dirty="0">
+                <a:latin typeface="Calibri" panose="020F0502020204030204" pitchFamily="34" charset="0"/>
+                <a:cs typeface="Calibri" panose="020F0502020204030204" pitchFamily="34" charset="0"/>
+              </a:rPr>
+              <a:t>Neural Machine Translation, Question Answering, etc.</a:t>
+            </a:r>
+          </a:p>
+        </p:txBody>
+      </p:sp>
+      <p:sp>
+        <p:nvSpPr>
+          <p:cNvPr id="8" name="TextBox 7">
+            <a:extLst>
+              <a:ext uri="{FF2B5EF4-FFF2-40B4-BE49-F238E27FC236}">
+                <a16:creationId xmlns:a16="http://schemas.microsoft.com/office/drawing/2014/main" id="{47844ACB-683F-3447-BEAF-1897DF1BE6CF}"/>
+              </a:ext>
+            </a:extLst>
+          </p:cNvPr>
+          <p:cNvSpPr txBox="1"/>
+          <p:nvPr/>
+        </p:nvSpPr>
+        <p:spPr>
+          <a:xfrm>
+            <a:off x="1994212" y="4783664"/>
+            <a:ext cx="6639382" cy="461665"/>
+          </a:xfrm>
+          <a:prstGeom prst="rect">
+            <a:avLst/>
+          </a:prstGeom>
+          <a:noFill/>
+        </p:spPr>
+        <p:txBody>
+          <a:bodyPr wrap="none" rtlCol="0">
+            <a:spAutoFit/>
+          </a:bodyPr>
+          <a:lstStyle/>
+          <a:p>
+            <a:pPr marL="342900" indent="-342900">
+              <a:buFont typeface="Arial" panose="020B0604020202020204" pitchFamily="34" charset="0"/>
+              <a:buChar char="•"/>
+            </a:pPr>
+            <a:r>
+              <a:rPr lang="en-US" sz="2400" b="1" dirty="0">
+                <a:latin typeface="Calibri" panose="020F0502020204030204" pitchFamily="34" charset="0"/>
+                <a:cs typeface="Calibri" panose="020F0502020204030204" pitchFamily="34" charset="0"/>
+              </a:rPr>
+              <a:t>Context Vector: </a:t>
             </a:r>
             <a:r>
               <a:rPr lang="en-US" sz="2400" b="1" dirty="0">
                 <a:latin typeface="Times New Roman" panose="02020603050405020304" pitchFamily="18" charset="0"/>
                 <a:cs typeface="Times New Roman" panose="02020603050405020304" pitchFamily="18" charset="0"/>
               </a:rPr>
-              <a:t>BERT, </a:t>
-            </a:r>
-            <a:r>
-              <a:rPr lang="en-US" sz="2400" b="1" dirty="0" err="1">
-                <a:solidFill>
-                  <a:srgbClr val="FF0000"/>
-                </a:solidFill>
-                <a:latin typeface="Times New Roman" panose="02020603050405020304" pitchFamily="18" charset="0"/>
-                <a:cs typeface="Times New Roman" panose="02020603050405020304" pitchFamily="18" charset="0"/>
-              </a:rPr>
-              <a:t>RoBERTa</a:t>
-            </a:r>
-            <a:r>
-              <a:rPr lang="en-US" sz="2400" b="1" dirty="0">
-                <a:latin typeface="Times New Roman" panose="02020603050405020304" pitchFamily="18" charset="0"/>
-                <a:cs typeface="Times New Roman" panose="02020603050405020304" pitchFamily="18" charset="0"/>
-              </a:rPr>
-              <a:t>, </a:t>
-            </a:r>
-            <a:r>
-              <a:rPr lang="en-US" sz="2400" b="1" dirty="0" err="1">
-                <a:latin typeface="Times New Roman" panose="02020603050405020304" pitchFamily="18" charset="0"/>
-                <a:cs typeface="Times New Roman" panose="02020603050405020304" pitchFamily="18" charset="0"/>
-              </a:rPr>
-              <a:t>XLNet</a:t>
-            </a:r>
-            <a:r>
-              <a:rPr lang="en-US" sz="2400" b="1" dirty="0">
-                <a:latin typeface="Times New Roman" panose="02020603050405020304" pitchFamily="18" charset="0"/>
-                <a:cs typeface="Times New Roman" panose="02020603050405020304" pitchFamily="18" charset="0"/>
-              </a:rPr>
-              <a:t>, </a:t>
-            </a:r>
-            <a:r>
-              <a:rPr lang="en-US" sz="2400" b="1" dirty="0" err="1">
-                <a:latin typeface="Times New Roman" panose="02020603050405020304" pitchFamily="18" charset="0"/>
-                <a:cs typeface="Times New Roman" panose="02020603050405020304" pitchFamily="18" charset="0"/>
-              </a:rPr>
-              <a:t>DistilBERT</a:t>
-            </a:r>
-            <a:endParaRPr lang="en-US" sz="2400" b="1" dirty="0">
-              <a:latin typeface="Times New Roman" panose="02020603050405020304" pitchFamily="18" charset="0"/>
-              <a:cs typeface="Times New Roman" panose="02020603050405020304" pitchFamily="18" charset="0"/>
-            </a:endParaRPr>
-          </a:p>
-        </p:txBody>
-      </p:sp>
-      <p:sp>
-        <p:nvSpPr>
-          <p:cNvPr id="6" name="TextBox 5">
-            <a:extLst>
-              <a:ext uri="{FF2B5EF4-FFF2-40B4-BE49-F238E27FC236}">
-                <a16:creationId xmlns:a16="http://schemas.microsoft.com/office/drawing/2014/main" id="{0E53FF1D-CE5B-FC4E-A813-2B1BD33775B6}"/>
-              </a:ext>
-            </a:extLst>
-          </p:cNvPr>
-          <p:cNvSpPr txBox="1"/>
-          <p:nvPr/>
-        </p:nvSpPr>
-        <p:spPr>
-          <a:xfrm>
-            <a:off x="1194713" y="3015472"/>
-            <a:ext cx="3864007" cy="461665"/>
-          </a:xfrm>
-          <a:prstGeom prst="rect">
-            <a:avLst/>
-          </a:prstGeom>
-          <a:noFill/>
-        </p:spPr>
-        <p:txBody>
-          <a:bodyPr wrap="none" rtlCol="0">
-            <a:spAutoFit/>
-          </a:bodyPr>
-          <a:lstStyle/>
-          <a:p>
-            <a:pPr marL="342900" indent="-342900">
-              <a:buFont typeface="Arial" panose="020B0604020202020204" pitchFamily="34" charset="0"/>
-              <a:buChar char="•"/>
-            </a:pPr>
-            <a:r>
-              <a:rPr lang="en-US" sz="2400" b="1" dirty="0">
-                <a:latin typeface="Calibri" panose="020F0502020204030204" pitchFamily="34" charset="0"/>
-                <a:cs typeface="Calibri" panose="020F0502020204030204" pitchFamily="34" charset="0"/>
-              </a:rPr>
-              <a:t>Task:   </a:t>
+              <a:t>Causing “</a:t>
             </a:r>
             <a:r>
               <a:rPr lang="en-US" sz="2400" b="1" dirty="0">
@@ -14298,17 +14561,24 @@
                 <a:latin typeface="Times New Roman" panose="02020603050405020304" pitchFamily="18" charset="0"/>
                 <a:cs typeface="Times New Roman" panose="02020603050405020304" pitchFamily="18" charset="0"/>
               </a:rPr>
-              <a:t>Sentiment Analysis</a:t>
-            </a:r>
-          </a:p>
-        </p:txBody>
-      </p:sp>
-      <p:sp>
-        <p:nvSpPr>
-          <p:cNvPr id="9" name="TextBox 8">
-            <a:extLst>
-              <a:ext uri="{FF2B5EF4-FFF2-40B4-BE49-F238E27FC236}">
-                <a16:creationId xmlns:a16="http://schemas.microsoft.com/office/drawing/2014/main" id="{303A935E-D1E0-7541-9F0A-8ADE86F3A716}"/>
+              <a:t>Bottleneck Problem</a:t>
+            </a:r>
+            <a:r>
+              <a:rPr lang="en-US" sz="2400" b="1" dirty="0">
+                <a:latin typeface="Times New Roman" panose="02020603050405020304" pitchFamily="18" charset="0"/>
+                <a:cs typeface="Times New Roman" panose="02020603050405020304" pitchFamily="18" charset="0"/>
+              </a:rPr>
+              <a:t>”</a:t>
+            </a:r>
+          </a:p>
+        </p:txBody>
+      </p:sp>
+      <p:sp>
+        <p:nvSpPr>
+          <p:cNvPr id="6" name="文字方塊 5">
+            <a:extLst>
+              <a:ext uri="{FF2B5EF4-FFF2-40B4-BE49-F238E27FC236}">
+                <a16:creationId xmlns:a16="http://schemas.microsoft.com/office/drawing/2014/main" id="{21C003A9-2617-40ED-9EDE-961ED5BF9CD4}"/>
               </a:ext>
             </a:extLst>
           </p:cNvPr>
@@ -14317,8 +14587,8 @@
         </p:nvSpPr>
         <p:spPr>
           <a:xfrm>
-            <a:off x="1194713" y="3629648"/>
-            <a:ext cx="3238387" cy="461665"/>
+            <a:off x="11484528" y="6493241"/>
+            <a:ext cx="805343" cy="276999"/>
           </a:xfrm>
           <a:prstGeom prst="rect">
             <a:avLst/>
@@ -14326,223 +14596,6 @@
           <a:noFill/>
         </p:spPr>
         <p:txBody>
-          <a:bodyPr wrap="none" rtlCol="0">
-            <a:spAutoFit/>
-          </a:bodyPr>
-          <a:lstStyle/>
-          <a:p>
-            <a:pPr marL="342900" indent="-342900">
-              <a:buFont typeface="Arial" panose="020B0604020202020204" pitchFamily="34" charset="0"/>
-              <a:buChar char="•"/>
-            </a:pPr>
-            <a:r>
-              <a:rPr lang="en-US" sz="2400" b="1" dirty="0">
-                <a:latin typeface="Calibri" panose="020F0502020204030204" pitchFamily="34" charset="0"/>
-                <a:cs typeface="Calibri" panose="020F0502020204030204" pitchFamily="34" charset="0"/>
-              </a:rPr>
-              <a:t>Benchmark Datasets:</a:t>
-            </a:r>
-            <a:endParaRPr lang="en-US" sz="2400" b="1" dirty="0">
-              <a:solidFill>
-                <a:srgbClr val="FF0000"/>
-              </a:solidFill>
-              <a:latin typeface="Times New Roman" panose="02020603050405020304" pitchFamily="18" charset="0"/>
-              <a:cs typeface="Times New Roman" panose="02020603050405020304" pitchFamily="18" charset="0"/>
-            </a:endParaRPr>
-          </a:p>
-        </p:txBody>
-      </p:sp>
-      <p:sp>
-        <p:nvSpPr>
-          <p:cNvPr id="11" name="TextBox 10">
-            <a:extLst>
-              <a:ext uri="{FF2B5EF4-FFF2-40B4-BE49-F238E27FC236}">
-                <a16:creationId xmlns:a16="http://schemas.microsoft.com/office/drawing/2014/main" id="{F5030FDE-8A5D-3D4B-A646-9223612D5F10}"/>
-              </a:ext>
-            </a:extLst>
-          </p:cNvPr>
-          <p:cNvSpPr txBox="1"/>
-          <p:nvPr/>
-        </p:nvSpPr>
-        <p:spPr>
-          <a:xfrm>
-            <a:off x="1589385" y="4300584"/>
-            <a:ext cx="5001690" cy="461665"/>
-          </a:xfrm>
-          <a:prstGeom prst="rect">
-            <a:avLst/>
-          </a:prstGeom>
-          <a:noFill/>
-        </p:spPr>
-        <p:txBody>
-          <a:bodyPr wrap="none" rtlCol="0">
-            <a:spAutoFit/>
-          </a:bodyPr>
-          <a:lstStyle/>
-          <a:p>
-            <a:pPr marL="342900" indent="-342900">
-              <a:buFont typeface="Wingdings" pitchFamily="2" charset="2"/>
-              <a:buChar char="ü"/>
-            </a:pPr>
-            <a:r>
-              <a:rPr lang="en-US" sz="2400" dirty="0">
-                <a:latin typeface="Calibri" panose="020F0502020204030204" pitchFamily="34" charset="0"/>
-                <a:cs typeface="Calibri" panose="020F0502020204030204" pitchFamily="34" charset="0"/>
-              </a:rPr>
-              <a:t>First GOP Debate Twitter Sentiment</a:t>
-            </a:r>
-          </a:p>
-        </p:txBody>
-      </p:sp>
-      <p:sp>
-        <p:nvSpPr>
-          <p:cNvPr id="12" name="TextBox 11">
-            <a:extLst>
-              <a:ext uri="{FF2B5EF4-FFF2-40B4-BE49-F238E27FC236}">
-                <a16:creationId xmlns:a16="http://schemas.microsoft.com/office/drawing/2014/main" id="{FEA4928B-0179-8049-B80E-43938973A224}"/>
-              </a:ext>
-            </a:extLst>
-          </p:cNvPr>
-          <p:cNvSpPr txBox="1"/>
-          <p:nvPr/>
-        </p:nvSpPr>
-        <p:spPr>
-          <a:xfrm>
-            <a:off x="1589385" y="4841717"/>
-            <a:ext cx="10907922" cy="461665"/>
-          </a:xfrm>
-          <a:prstGeom prst="rect">
-            <a:avLst/>
-          </a:prstGeom>
-          <a:noFill/>
-        </p:spPr>
-        <p:txBody>
-          <a:bodyPr wrap="none" rtlCol="0">
-            <a:spAutoFit/>
-          </a:bodyPr>
-          <a:lstStyle/>
-          <a:p>
-            <a:pPr marL="342900" indent="-342900">
-              <a:buFont typeface="Wingdings" pitchFamily="2" charset="2"/>
-              <a:buChar char="ü"/>
-            </a:pPr>
-            <a:r>
-              <a:rPr lang="en-US" sz="2400" dirty="0">
-                <a:latin typeface="Calibri" panose="020F0502020204030204" pitchFamily="34" charset="0"/>
-                <a:cs typeface="Calibri" panose="020F0502020204030204" pitchFamily="34" charset="0"/>
-              </a:rPr>
-              <a:t>Tweets from verified users concerning stocks traded on the NYSE, NASDQ &amp; SNP </a:t>
-            </a:r>
-          </a:p>
-        </p:txBody>
-      </p:sp>
-      <p:sp>
-        <p:nvSpPr>
-          <p:cNvPr id="13" name="TextBox 12">
-            <a:extLst>
-              <a:ext uri="{FF2B5EF4-FFF2-40B4-BE49-F238E27FC236}">
-                <a16:creationId xmlns:a16="http://schemas.microsoft.com/office/drawing/2014/main" id="{31BA6F7F-AC56-3D47-B85E-88757C5B0473}"/>
-              </a:ext>
-            </a:extLst>
-          </p:cNvPr>
-          <p:cNvSpPr txBox="1"/>
-          <p:nvPr/>
-        </p:nvSpPr>
-        <p:spPr>
-          <a:xfrm>
-            <a:off x="1589386" y="5379638"/>
-            <a:ext cx="4111960" cy="461665"/>
-          </a:xfrm>
-          <a:prstGeom prst="rect">
-            <a:avLst/>
-          </a:prstGeom>
-          <a:noFill/>
-        </p:spPr>
-        <p:txBody>
-          <a:bodyPr wrap="none" rtlCol="0">
-            <a:spAutoFit/>
-          </a:bodyPr>
-          <a:lstStyle/>
-          <a:p>
-            <a:pPr marL="342900" indent="-342900">
-              <a:buFont typeface="Wingdings" pitchFamily="2" charset="2"/>
-              <a:buChar char="ü"/>
-            </a:pPr>
-            <a:r>
-              <a:rPr lang="en-US" sz="2400" dirty="0">
-                <a:latin typeface="Calibri" panose="020F0502020204030204" pitchFamily="34" charset="0"/>
-                <a:cs typeface="Calibri" panose="020F0502020204030204" pitchFamily="34" charset="0"/>
-              </a:rPr>
-              <a:t>SST-2: IMDb Movies Reviews</a:t>
-            </a:r>
-          </a:p>
-        </p:txBody>
-      </p:sp>
-      <p:sp>
-        <p:nvSpPr>
-          <p:cNvPr id="14" name="TextBox 13">
-            <a:extLst>
-              <a:ext uri="{FF2B5EF4-FFF2-40B4-BE49-F238E27FC236}">
-                <a16:creationId xmlns:a16="http://schemas.microsoft.com/office/drawing/2014/main" id="{B96E33F1-322D-3E4A-9CFC-14869396E459}"/>
-              </a:ext>
-            </a:extLst>
-          </p:cNvPr>
-          <p:cNvSpPr txBox="1"/>
-          <p:nvPr/>
-        </p:nvSpPr>
-        <p:spPr>
-          <a:xfrm>
-            <a:off x="1589385" y="5920771"/>
-            <a:ext cx="5536259" cy="461665"/>
-          </a:xfrm>
-          <a:prstGeom prst="rect">
-            <a:avLst/>
-          </a:prstGeom>
-          <a:noFill/>
-        </p:spPr>
-        <p:txBody>
-          <a:bodyPr wrap="none" rtlCol="0">
-            <a:spAutoFit/>
-          </a:bodyPr>
-          <a:lstStyle/>
-          <a:p>
-            <a:pPr marL="342900" indent="-342900">
-              <a:buFont typeface="Wingdings" pitchFamily="2" charset="2"/>
-              <a:buChar char="ü"/>
-            </a:pPr>
-            <a:r>
-              <a:rPr lang="en-US" sz="2400" dirty="0">
-                <a:latin typeface="Calibri" panose="020F0502020204030204" pitchFamily="34" charset="0"/>
-                <a:cs typeface="Calibri" panose="020F0502020204030204" pitchFamily="34" charset="0"/>
-              </a:rPr>
-              <a:t>SST-5: Rotten Tomatoes Movies Reviews</a:t>
-            </a:r>
-          </a:p>
-        </p:txBody>
-      </p:sp>
-      <p:sp>
-        <p:nvSpPr>
-          <p:cNvPr id="15" name="文字方塊 14">
-            <a:extLst>
-              <a:ext uri="{FF2B5EF4-FFF2-40B4-BE49-F238E27FC236}">
-                <a16:creationId xmlns:a16="http://schemas.microsoft.com/office/drawing/2014/main" id="{38F2B4A7-DF79-4A21-AB91-4347F5D1DA2F}"/>
-              </a:ext>
-            </a:extLst>
-          </p:cNvPr>
-          <p:cNvSpPr txBox="1"/>
-          <p:nvPr/>
-        </p:nvSpPr>
-        <p:spPr>
-          <a:xfrm>
-            <a:off x="11484528" y="6493241"/>
-            <a:ext cx="805343" cy="276999"/>
-          </a:xfrm>
-          <a:prstGeom prst="rect">
-            <a:avLst/>
-          </a:prstGeom>
-          <a:noFill/>
-        </p:spPr>
-        <p:txBody>
           <a:bodyPr wrap="square" rtlCol="0">
             <a:spAutoFit/>
           </a:bodyPr>
@@ -14550,94 +14603,15 @@
           <a:p>
             <a:r>
               <a:rPr lang="en-US" sz="1200" dirty="0"/>
-              <a:t>5</a:t>
-            </a:r>
-          </a:p>
-        </p:txBody>
-      </p:sp>
-      <p:sp>
-        <p:nvSpPr>
-          <p:cNvPr id="3" name="文字方塊 2">
-            <a:extLst>
-              <a:ext uri="{FF2B5EF4-FFF2-40B4-BE49-F238E27FC236}">
-                <a16:creationId xmlns:a16="http://schemas.microsoft.com/office/drawing/2014/main" id="{F156AE79-104E-4E70-934B-EB4DD0E3B303}"/>
-              </a:ext>
-            </a:extLst>
-          </p:cNvPr>
-          <p:cNvSpPr txBox="1"/>
-          <p:nvPr/>
-        </p:nvSpPr>
-        <p:spPr>
-          <a:xfrm>
-            <a:off x="3282620" y="2169775"/>
-            <a:ext cx="10450286" cy="769441"/>
-          </a:xfrm>
-          <a:prstGeom prst="rect">
-            <a:avLst/>
-          </a:prstGeom>
-          <a:noFill/>
-        </p:spPr>
-        <p:txBody>
-          <a:bodyPr wrap="square" rtlCol="0">
-            <a:spAutoFit/>
-          </a:bodyPr>
-          <a:lstStyle/>
-          <a:p>
-            <a:r>
-              <a:rPr lang="en-US" sz="2200" dirty="0">
-                <a:latin typeface="Calibri" panose="020F0502020204030204" pitchFamily="34" charset="0"/>
-                <a:cs typeface="Calibri" panose="020F0502020204030204" pitchFamily="34" charset="0"/>
-              </a:rPr>
-              <a:t>Bidirectional Encoder Representation from Transformers (</a:t>
-            </a:r>
-            <a:r>
-              <a:rPr lang="en-US" sz="2200" b="1" dirty="0">
-                <a:latin typeface="Calibri" panose="020F0502020204030204" pitchFamily="34" charset="0"/>
-                <a:cs typeface="Calibri" panose="020F0502020204030204" pitchFamily="34" charset="0"/>
-              </a:rPr>
-              <a:t>BERT</a:t>
-            </a:r>
-            <a:r>
-              <a:rPr lang="en-US" sz="2200" dirty="0">
-                <a:latin typeface="Calibri" panose="020F0502020204030204" pitchFamily="34" charset="0"/>
-                <a:cs typeface="Calibri" panose="020F0502020204030204" pitchFamily="34" charset="0"/>
-              </a:rPr>
-              <a:t>)</a:t>
-            </a:r>
-          </a:p>
-          <a:p>
-            <a:r>
-              <a:rPr lang="en-GB" sz="2200" dirty="0">
-                <a:latin typeface="Calibri" panose="020F0502020204030204" pitchFamily="34" charset="0"/>
-                <a:cs typeface="Calibri" panose="020F0502020204030204" pitchFamily="34" charset="0"/>
-              </a:rPr>
-              <a:t>Robustly optimized BERT approach (</a:t>
-            </a:r>
-            <a:r>
-              <a:rPr lang="en-GB" sz="2200" b="1" dirty="0" err="1">
-                <a:latin typeface="Calibri" panose="020F0502020204030204" pitchFamily="34" charset="0"/>
-                <a:cs typeface="Calibri" panose="020F0502020204030204" pitchFamily="34" charset="0"/>
-              </a:rPr>
-              <a:t>RoBERTa</a:t>
-            </a:r>
-            <a:r>
-              <a:rPr lang="en-GB" sz="2200" dirty="0">
-                <a:latin typeface="Calibri" panose="020F0502020204030204" pitchFamily="34" charset="0"/>
-                <a:cs typeface="Calibri" panose="020F0502020204030204" pitchFamily="34" charset="0"/>
-              </a:rPr>
-              <a:t>)</a:t>
-            </a:r>
-            <a:endParaRPr lang="en-US" sz="2200" dirty="0">
-              <a:latin typeface="Calibri" panose="020F0502020204030204" pitchFamily="34" charset="0"/>
-              <a:cs typeface="Calibri" panose="020F0502020204030204" pitchFamily="34" charset="0"/>
-            </a:endParaRPr>
+              <a:t>6</a:t>
+            </a:r>
           </a:p>
         </p:txBody>
       </p:sp>
     </p:spTree>
     <p:extLst>
       <p:ext uri="{BB962C8B-B14F-4D97-AF65-F5344CB8AC3E}">
-        <p14:creationId xmlns:p14="http://schemas.microsoft.com/office/powerpoint/2010/main" val="3985582327"/>
+        <p14:creationId xmlns:p14="http://schemas.microsoft.com/office/powerpoint/2010/main" val="2159107117"/>
       </p:ext>
     </p:extLst>
   </p:cSld>
@@ -14674,10 +14648,10 @@
       </p:grpSpPr>
       <p:sp>
         <p:nvSpPr>
-          <p:cNvPr id="2" name="文字方塊 9">
-            <a:extLst>
-              <a:ext uri="{FF2B5EF4-FFF2-40B4-BE49-F238E27FC236}">
-                <a16:creationId xmlns:a16="http://schemas.microsoft.com/office/drawing/2014/main" id="{1472181F-E1C9-5B4B-AC5F-B6ABF9C576B7}"/>
+          <p:cNvPr id="10" name="文字方塊 9">
+            <a:extLst>
+              <a:ext uri="{FF2B5EF4-FFF2-40B4-BE49-F238E27FC236}">
+                <a16:creationId xmlns:a16="http://schemas.microsoft.com/office/drawing/2014/main" id="{E94E4CCB-02C7-43A6-BF1E-61E48AFFA5AE}"/>
               </a:ext>
             </a:extLst>
           </p:cNvPr>
@@ -14702,53 +14676,17 @@
           <a:p>
             <a:r>
               <a:rPr lang="en-US" sz="2800" b="1" dirty="0"/>
-              <a:t> Structure: Transformer-based Models</a:t>
-            </a:r>
-          </a:p>
-        </p:txBody>
-      </p:sp>
-      <p:pic>
-        <p:nvPicPr>
-          <p:cNvPr id="4" name="Picture 3">
-            <a:extLst>
-              <a:ext uri="{FF2B5EF4-FFF2-40B4-BE49-F238E27FC236}">
-                <a16:creationId xmlns:a16="http://schemas.microsoft.com/office/drawing/2014/main" id="{2AE1B8CB-ADBD-5543-943F-74B8A1A1096E}"/>
-              </a:ext>
-            </a:extLst>
-          </p:cNvPr>
-          <p:cNvPicPr>
-            <a:picLocks noChangeAspect="1"/>
-          </p:cNvPicPr>
-          <p:nvPr/>
-        </p:nvPicPr>
-        <p:blipFill>
-          <a:blip r:embed="rId3" cstate="print">
-            <a:extLst>
-              <a:ext uri="{28A0092B-C50C-407E-A947-70E740481C1C}">
-                <a14:useLocalDpi xmlns:a14="http://schemas.microsoft.com/office/drawing/2010/main" val="0"/>
-              </a:ext>
-            </a:extLst>
-          </a:blip>
-          <a:stretch>
-            <a:fillRect/>
-          </a:stretch>
-        </p:blipFill>
-        <p:spPr>
-          <a:xfrm>
-            <a:off x="8055806" y="685539"/>
-            <a:ext cx="4121919" cy="6021421"/>
-          </a:xfrm>
-          <a:prstGeom prst="rect">
-            <a:avLst/>
-          </a:prstGeom>
-        </p:spPr>
-      </p:pic>
-      <p:sp>
-        <p:nvSpPr>
-          <p:cNvPr id="5" name="TextBox 4">
-            <a:extLst>
-              <a:ext uri="{FF2B5EF4-FFF2-40B4-BE49-F238E27FC236}">
-                <a16:creationId xmlns:a16="http://schemas.microsoft.com/office/drawing/2014/main" id="{0F0A5022-A9F2-4143-B927-A449071B04E6}"/>
+              <a:t>Encoder-Decoder Structure: Transformer-based Models</a:t>
+            </a:r>
+          </a:p>
+        </p:txBody>
+      </p:sp>
+      <p:sp>
+        <p:nvSpPr>
+          <p:cNvPr id="2" name="TextBox 1">
+            <a:extLst>
+              <a:ext uri="{FF2B5EF4-FFF2-40B4-BE49-F238E27FC236}">
+                <a16:creationId xmlns:a16="http://schemas.microsoft.com/office/drawing/2014/main" id="{261D8624-67F2-7244-AF41-3AF06403FE4E}"/>
               </a:ext>
             </a:extLst>
           </p:cNvPr>
@@ -14757,8 +14695,8 @@
         </p:nvSpPr>
         <p:spPr>
           <a:xfrm>
-            <a:off x="1430548" y="2272206"/>
-            <a:ext cx="6236772" cy="461665"/>
+            <a:off x="1194713" y="1546994"/>
+            <a:ext cx="6652527" cy="461665"/>
           </a:xfrm>
           <a:prstGeom prst="rect">
             <a:avLst/>
@@ -14780,31 +14718,209 @@
                 <a:latin typeface="Calibri" panose="020F0502020204030204" pitchFamily="34" charset="0"/>
                 <a:cs typeface="Calibri" panose="020F0502020204030204" pitchFamily="34" charset="0"/>
               </a:rPr>
-              <a:t>BERT:  </a:t>
-            </a:r>
-            <a:r>
-              <a:rPr lang="en-US" sz="2400" dirty="0" err="1">
+              <a:t>Models: </a:t>
+            </a:r>
+            <a:r>
+              <a:rPr lang="en-US" sz="2400" b="1" dirty="0">
+                <a:latin typeface="Times New Roman" panose="02020603050405020304" pitchFamily="18" charset="0"/>
+                <a:cs typeface="Times New Roman" panose="02020603050405020304" pitchFamily="18" charset="0"/>
+              </a:rPr>
+              <a:t>BERT, </a:t>
+            </a:r>
+            <a:r>
+              <a:rPr lang="en-US" sz="2400" b="1" dirty="0" err="1">
+                <a:solidFill>
+                  <a:srgbClr val="FF0000"/>
+                </a:solidFill>
+                <a:latin typeface="Times New Roman" panose="02020603050405020304" pitchFamily="18" charset="0"/>
+                <a:cs typeface="Times New Roman" panose="02020603050405020304" pitchFamily="18" charset="0"/>
+              </a:rPr>
+              <a:t>RoBERTa</a:t>
+            </a:r>
+            <a:r>
+              <a:rPr lang="en-US" sz="2400" b="1" dirty="0">
+                <a:latin typeface="Times New Roman" panose="02020603050405020304" pitchFamily="18" charset="0"/>
+                <a:cs typeface="Times New Roman" panose="02020603050405020304" pitchFamily="18" charset="0"/>
+              </a:rPr>
+              <a:t>, </a:t>
+            </a:r>
+            <a:r>
+              <a:rPr lang="en-US" sz="2400" b="1" dirty="0" err="1">
+                <a:latin typeface="Times New Roman" panose="02020603050405020304" pitchFamily="18" charset="0"/>
+                <a:cs typeface="Times New Roman" panose="02020603050405020304" pitchFamily="18" charset="0"/>
+              </a:rPr>
+              <a:t>XLNet</a:t>
+            </a:r>
+            <a:r>
+              <a:rPr lang="en-US" sz="2400" b="1" dirty="0">
+                <a:latin typeface="Times New Roman" panose="02020603050405020304" pitchFamily="18" charset="0"/>
+                <a:cs typeface="Times New Roman" panose="02020603050405020304" pitchFamily="18" charset="0"/>
+              </a:rPr>
+              <a:t>, </a:t>
+            </a:r>
+            <a:r>
+              <a:rPr lang="en-US" sz="2400" b="1" dirty="0" err="1">
+                <a:latin typeface="Times New Roman" panose="02020603050405020304" pitchFamily="18" charset="0"/>
+                <a:cs typeface="Times New Roman" panose="02020603050405020304" pitchFamily="18" charset="0"/>
+              </a:rPr>
+              <a:t>DistilBERT</a:t>
+            </a:r>
+            <a:endParaRPr lang="en-US" sz="2400" b="1" dirty="0">
+              <a:latin typeface="Times New Roman" panose="02020603050405020304" pitchFamily="18" charset="0"/>
+              <a:cs typeface="Times New Roman" panose="02020603050405020304" pitchFamily="18" charset="0"/>
+            </a:endParaRPr>
+          </a:p>
+        </p:txBody>
+      </p:sp>
+      <p:sp>
+        <p:nvSpPr>
+          <p:cNvPr id="6" name="TextBox 5">
+            <a:extLst>
+              <a:ext uri="{FF2B5EF4-FFF2-40B4-BE49-F238E27FC236}">
+                <a16:creationId xmlns:a16="http://schemas.microsoft.com/office/drawing/2014/main" id="{0E53FF1D-CE5B-FC4E-A813-2B1BD33775B6}"/>
+              </a:ext>
+            </a:extLst>
+          </p:cNvPr>
+          <p:cNvSpPr txBox="1"/>
+          <p:nvPr/>
+        </p:nvSpPr>
+        <p:spPr>
+          <a:xfrm>
+            <a:off x="1194713" y="3015472"/>
+            <a:ext cx="3864007" cy="461665"/>
+          </a:xfrm>
+          <a:prstGeom prst="rect">
+            <a:avLst/>
+          </a:prstGeom>
+          <a:noFill/>
+        </p:spPr>
+        <p:txBody>
+          <a:bodyPr wrap="none" rtlCol="0">
+            <a:spAutoFit/>
+          </a:bodyPr>
+          <a:lstStyle/>
+          <a:p>
+            <a:pPr marL="342900" indent="-342900">
+              <a:buFont typeface="Arial" panose="020B0604020202020204" pitchFamily="34" charset="0"/>
+              <a:buChar char="•"/>
+            </a:pPr>
+            <a:r>
+              <a:rPr lang="en-US" sz="2400" b="1" dirty="0">
                 <a:latin typeface="Calibri" panose="020F0502020204030204" pitchFamily="34" charset="0"/>
                 <a:cs typeface="Calibri" panose="020F0502020204030204" pitchFamily="34" charset="0"/>
               </a:rPr>
-              <a:t>Maskd</a:t>
-            </a:r>
+              <a:t>Task:   </a:t>
+            </a:r>
+            <a:r>
+              <a:rPr lang="en-US" sz="2400" b="1" dirty="0">
+                <a:solidFill>
+                  <a:srgbClr val="FF0000"/>
+                </a:solidFill>
+                <a:latin typeface="Times New Roman" panose="02020603050405020304" pitchFamily="18" charset="0"/>
+                <a:cs typeface="Times New Roman" panose="02020603050405020304" pitchFamily="18" charset="0"/>
+              </a:rPr>
+              <a:t>Sentiment Analysis</a:t>
+            </a:r>
+          </a:p>
+        </p:txBody>
+      </p:sp>
+      <p:sp>
+        <p:nvSpPr>
+          <p:cNvPr id="9" name="TextBox 8">
+            <a:extLst>
+              <a:ext uri="{FF2B5EF4-FFF2-40B4-BE49-F238E27FC236}">
+                <a16:creationId xmlns:a16="http://schemas.microsoft.com/office/drawing/2014/main" id="{303A935E-D1E0-7541-9F0A-8ADE86F3A716}"/>
+              </a:ext>
+            </a:extLst>
+          </p:cNvPr>
+          <p:cNvSpPr txBox="1"/>
+          <p:nvPr/>
+        </p:nvSpPr>
+        <p:spPr>
+          <a:xfrm>
+            <a:off x="1194713" y="3629648"/>
+            <a:ext cx="3238387" cy="461665"/>
+          </a:xfrm>
+          <a:prstGeom prst="rect">
+            <a:avLst/>
+          </a:prstGeom>
+          <a:noFill/>
+        </p:spPr>
+        <p:txBody>
+          <a:bodyPr wrap="none" rtlCol="0">
+            <a:spAutoFit/>
+          </a:bodyPr>
+          <a:lstStyle/>
+          <a:p>
+            <a:pPr marL="342900" indent="-342900">
+              <a:buFont typeface="Arial" panose="020B0604020202020204" pitchFamily="34" charset="0"/>
+              <a:buChar char="•"/>
+            </a:pPr>
+            <a:r>
+              <a:rPr lang="en-US" sz="2400" b="1" dirty="0">
+                <a:latin typeface="Calibri" panose="020F0502020204030204" pitchFamily="34" charset="0"/>
+                <a:cs typeface="Calibri" panose="020F0502020204030204" pitchFamily="34" charset="0"/>
+              </a:rPr>
+              <a:t>Benchmark Datasets:</a:t>
+            </a:r>
+            <a:endParaRPr lang="en-US" sz="2400" b="1" dirty="0">
+              <a:solidFill>
+                <a:srgbClr val="FF0000"/>
+              </a:solidFill>
+              <a:latin typeface="Times New Roman" panose="02020603050405020304" pitchFamily="18" charset="0"/>
+              <a:cs typeface="Times New Roman" panose="02020603050405020304" pitchFamily="18" charset="0"/>
+            </a:endParaRPr>
+          </a:p>
+        </p:txBody>
+      </p:sp>
+      <p:sp>
+        <p:nvSpPr>
+          <p:cNvPr id="11" name="TextBox 10">
+            <a:extLst>
+              <a:ext uri="{FF2B5EF4-FFF2-40B4-BE49-F238E27FC236}">
+                <a16:creationId xmlns:a16="http://schemas.microsoft.com/office/drawing/2014/main" id="{F5030FDE-8A5D-3D4B-A646-9223612D5F10}"/>
+              </a:ext>
+            </a:extLst>
+          </p:cNvPr>
+          <p:cNvSpPr txBox="1"/>
+          <p:nvPr/>
+        </p:nvSpPr>
+        <p:spPr>
+          <a:xfrm>
+            <a:off x="1589385" y="4300584"/>
+            <a:ext cx="5001690" cy="461665"/>
+          </a:xfrm>
+          <a:prstGeom prst="rect">
+            <a:avLst/>
+          </a:prstGeom>
+          <a:noFill/>
+        </p:spPr>
+        <p:txBody>
+          <a:bodyPr wrap="none" rtlCol="0">
+            <a:spAutoFit/>
+          </a:bodyPr>
+          <a:lstStyle/>
+          <a:p>
+            <a:pPr marL="342900" indent="-342900">
+              <a:buFont typeface="Wingdings" pitchFamily="2" charset="2"/>
+              <a:buChar char="ü"/>
+            </a:pPr>
             <a:r>
               <a:rPr lang="en-US" sz="2400" dirty="0">
                 <a:latin typeface="Calibri" panose="020F0502020204030204" pitchFamily="34" charset="0"/>
                 <a:cs typeface="Calibri" panose="020F0502020204030204" pitchFamily="34" charset="0"/>
               </a:rPr>
-              <a:t> LM &amp; Next Sentence Prediction</a:t>
-            </a:r>
-          </a:p>
-        </p:txBody>
-      </p:sp>
-      <p:sp>
-        <p:nvSpPr>
-          <p:cNvPr id="6" name="TextBox 5">
-            <a:extLst>
-              <a:ext uri="{FF2B5EF4-FFF2-40B4-BE49-F238E27FC236}">
-                <a16:creationId xmlns:a16="http://schemas.microsoft.com/office/drawing/2014/main" id="{F0562E0E-EEBC-9146-9A8A-71CE457A66D7}"/>
+              <a:t>First GOP Debate Twitter Sentiment</a:t>
+            </a:r>
+          </a:p>
+        </p:txBody>
+      </p:sp>
+      <p:sp>
+        <p:nvSpPr>
+          <p:cNvPr id="12" name="TextBox 11">
+            <a:extLst>
+              <a:ext uri="{FF2B5EF4-FFF2-40B4-BE49-F238E27FC236}">
+                <a16:creationId xmlns:a16="http://schemas.microsoft.com/office/drawing/2014/main" id="{FEA4928B-0179-8049-B80E-43938973A224}"/>
               </a:ext>
             </a:extLst>
           </p:cNvPr>
@@ -14813,8 +14929,8 @@
         </p:nvSpPr>
         <p:spPr>
           <a:xfrm>
-            <a:off x="1430548" y="2992554"/>
-            <a:ext cx="1723933" cy="461665"/>
+            <a:off x="1589385" y="4841717"/>
+            <a:ext cx="10907922" cy="461665"/>
           </a:xfrm>
           <a:prstGeom prst="rect">
             <a:avLst/>
@@ -14828,270 +14944,221 @@
           <a:lstStyle/>
           <a:p>
             <a:pPr marL="342900" indent="-342900">
-              <a:buFont typeface="Arial" panose="020B0604020202020204" pitchFamily="34" charset="0"/>
-              <a:buChar char="•"/>
+              <a:buFont typeface="Wingdings" pitchFamily="2" charset="2"/>
+              <a:buChar char="ü"/>
             </a:pPr>
             <a:r>
-              <a:rPr lang="en-US" sz="2400" b="1" dirty="0" err="1">
+              <a:rPr lang="en-US" sz="2400" dirty="0">
+                <a:latin typeface="Calibri" panose="020F0502020204030204" pitchFamily="34" charset="0"/>
+                <a:cs typeface="Calibri" panose="020F0502020204030204" pitchFamily="34" charset="0"/>
+              </a:rPr>
+              <a:t>Tweets from verified users concerning stocks traded on the NYSE, NASDQ &amp; SNP </a:t>
+            </a:r>
+          </a:p>
+        </p:txBody>
+      </p:sp>
+      <p:sp>
+        <p:nvSpPr>
+          <p:cNvPr id="13" name="TextBox 12">
+            <a:extLst>
+              <a:ext uri="{FF2B5EF4-FFF2-40B4-BE49-F238E27FC236}">
+                <a16:creationId xmlns:a16="http://schemas.microsoft.com/office/drawing/2014/main" id="{31BA6F7F-AC56-3D47-B85E-88757C5B0473}"/>
+              </a:ext>
+            </a:extLst>
+          </p:cNvPr>
+          <p:cNvSpPr txBox="1"/>
+          <p:nvPr/>
+        </p:nvSpPr>
+        <p:spPr>
+          <a:xfrm>
+            <a:off x="1589386" y="5379638"/>
+            <a:ext cx="4111960" cy="461665"/>
+          </a:xfrm>
+          <a:prstGeom prst="rect">
+            <a:avLst/>
+          </a:prstGeom>
+          <a:noFill/>
+        </p:spPr>
+        <p:txBody>
+          <a:bodyPr wrap="none" rtlCol="0">
+            <a:spAutoFit/>
+          </a:bodyPr>
+          <a:lstStyle/>
+          <a:p>
+            <a:pPr marL="342900" indent="-342900">
+              <a:buFont typeface="Wingdings" pitchFamily="2" charset="2"/>
+              <a:buChar char="ü"/>
+            </a:pPr>
+            <a:r>
+              <a:rPr lang="en-US" sz="2400" dirty="0">
+                <a:latin typeface="Calibri" panose="020F0502020204030204" pitchFamily="34" charset="0"/>
+                <a:cs typeface="Calibri" panose="020F0502020204030204" pitchFamily="34" charset="0"/>
+              </a:rPr>
+              <a:t>SST-2: IMDb Movies Reviews</a:t>
+            </a:r>
+          </a:p>
+        </p:txBody>
+      </p:sp>
+      <p:sp>
+        <p:nvSpPr>
+          <p:cNvPr id="14" name="TextBox 13">
+            <a:extLst>
+              <a:ext uri="{FF2B5EF4-FFF2-40B4-BE49-F238E27FC236}">
+                <a16:creationId xmlns:a16="http://schemas.microsoft.com/office/drawing/2014/main" id="{B96E33F1-322D-3E4A-9CFC-14869396E459}"/>
+              </a:ext>
+            </a:extLst>
+          </p:cNvPr>
+          <p:cNvSpPr txBox="1"/>
+          <p:nvPr/>
+        </p:nvSpPr>
+        <p:spPr>
+          <a:xfrm>
+            <a:off x="1589385" y="5920771"/>
+            <a:ext cx="5536259" cy="461665"/>
+          </a:xfrm>
+          <a:prstGeom prst="rect">
+            <a:avLst/>
+          </a:prstGeom>
+          <a:noFill/>
+        </p:spPr>
+        <p:txBody>
+          <a:bodyPr wrap="none" rtlCol="0">
+            <a:spAutoFit/>
+          </a:bodyPr>
+          <a:lstStyle/>
+          <a:p>
+            <a:pPr marL="342900" indent="-342900">
+              <a:buFont typeface="Wingdings" pitchFamily="2" charset="2"/>
+              <a:buChar char="ü"/>
+            </a:pPr>
+            <a:r>
+              <a:rPr lang="en-US" sz="2400" dirty="0">
+                <a:latin typeface="Calibri" panose="020F0502020204030204" pitchFamily="34" charset="0"/>
+                <a:cs typeface="Calibri" panose="020F0502020204030204" pitchFamily="34" charset="0"/>
+              </a:rPr>
+              <a:t>SST-5: Rotten Tomatoes Movies Reviews</a:t>
+            </a:r>
+          </a:p>
+        </p:txBody>
+      </p:sp>
+      <p:sp>
+        <p:nvSpPr>
+          <p:cNvPr id="15" name="文字方塊 14">
+            <a:extLst>
+              <a:ext uri="{FF2B5EF4-FFF2-40B4-BE49-F238E27FC236}">
+                <a16:creationId xmlns:a16="http://schemas.microsoft.com/office/drawing/2014/main" id="{38F2B4A7-DF79-4A21-AB91-4347F5D1DA2F}"/>
+              </a:ext>
+            </a:extLst>
+          </p:cNvPr>
+          <p:cNvSpPr txBox="1"/>
+          <p:nvPr/>
+        </p:nvSpPr>
+        <p:spPr>
+          <a:xfrm>
+            <a:off x="11484528" y="6493241"/>
+            <a:ext cx="805343" cy="276999"/>
+          </a:xfrm>
+          <a:prstGeom prst="rect">
+            <a:avLst/>
+          </a:prstGeom>
+          <a:noFill/>
+        </p:spPr>
+        <p:txBody>
+          <a:bodyPr wrap="square" rtlCol="0">
+            <a:spAutoFit/>
+          </a:bodyPr>
+          <a:lstStyle/>
+          <a:p>
+            <a:r>
+              <a:rPr lang="en-US" sz="1200" dirty="0"/>
+              <a:t>7</a:t>
+            </a:r>
+          </a:p>
+        </p:txBody>
+      </p:sp>
+      <p:sp>
+        <p:nvSpPr>
+          <p:cNvPr id="3" name="文字方塊 2">
+            <a:extLst>
+              <a:ext uri="{FF2B5EF4-FFF2-40B4-BE49-F238E27FC236}">
+                <a16:creationId xmlns:a16="http://schemas.microsoft.com/office/drawing/2014/main" id="{F156AE79-104E-4E70-934B-EB4DD0E3B303}"/>
+              </a:ext>
+            </a:extLst>
+          </p:cNvPr>
+          <p:cNvSpPr txBox="1"/>
+          <p:nvPr/>
+        </p:nvSpPr>
+        <p:spPr>
+          <a:xfrm>
+            <a:off x="3282620" y="2169775"/>
+            <a:ext cx="10450286" cy="769441"/>
+          </a:xfrm>
+          <a:prstGeom prst="rect">
+            <a:avLst/>
+          </a:prstGeom>
+          <a:noFill/>
+        </p:spPr>
+        <p:txBody>
+          <a:bodyPr wrap="square" rtlCol="0">
+            <a:spAutoFit/>
+          </a:bodyPr>
+          <a:lstStyle/>
+          <a:p>
+            <a:r>
+              <a:rPr lang="en-US" sz="2200" dirty="0">
+                <a:latin typeface="Calibri" panose="020F0502020204030204" pitchFamily="34" charset="0"/>
+                <a:cs typeface="Calibri" panose="020F0502020204030204" pitchFamily="34" charset="0"/>
+              </a:rPr>
+              <a:t>Bidirectional Encoder Representation from Transformers (</a:t>
+            </a:r>
+            <a:r>
+              <a:rPr lang="en-US" sz="2200" b="1" dirty="0">
+                <a:latin typeface="Calibri" panose="020F0502020204030204" pitchFamily="34" charset="0"/>
+                <a:cs typeface="Calibri" panose="020F0502020204030204" pitchFamily="34" charset="0"/>
+              </a:rPr>
+              <a:t>BERT</a:t>
+            </a:r>
+            <a:r>
+              <a:rPr lang="en-US" sz="2200" dirty="0">
+                <a:latin typeface="Calibri" panose="020F0502020204030204" pitchFamily="34" charset="0"/>
+                <a:cs typeface="Calibri" panose="020F0502020204030204" pitchFamily="34" charset="0"/>
+              </a:rPr>
+              <a:t>)</a:t>
+            </a:r>
+          </a:p>
+          <a:p>
+            <a:r>
+              <a:rPr lang="en-GB" sz="2200" dirty="0">
+                <a:latin typeface="Calibri" panose="020F0502020204030204" pitchFamily="34" charset="0"/>
+                <a:cs typeface="Calibri" panose="020F0502020204030204" pitchFamily="34" charset="0"/>
+              </a:rPr>
+              <a:t>Robustly optimized BERT approach (</a:t>
+            </a:r>
+            <a:r>
+              <a:rPr lang="en-GB" sz="2200" b="1" dirty="0" err="1">
                 <a:latin typeface="Calibri" panose="020F0502020204030204" pitchFamily="34" charset="0"/>
                 <a:cs typeface="Calibri" panose="020F0502020204030204" pitchFamily="34" charset="0"/>
               </a:rPr>
               <a:t>RoBERTa</a:t>
             </a:r>
             <a:r>
-              <a:rPr lang="en-US" sz="2400" b="1" dirty="0">
+              <a:rPr lang="en-GB" sz="2200" dirty="0">
                 <a:latin typeface="Calibri" panose="020F0502020204030204" pitchFamily="34" charset="0"/>
                 <a:cs typeface="Calibri" panose="020F0502020204030204" pitchFamily="34" charset="0"/>
               </a:rPr>
-              <a:t>:</a:t>
-            </a:r>
-          </a:p>
-        </p:txBody>
-      </p:sp>
-      <p:sp>
-        <p:nvSpPr>
-          <p:cNvPr id="7" name="TextBox 6">
-            <a:extLst>
-              <a:ext uri="{FF2B5EF4-FFF2-40B4-BE49-F238E27FC236}">
-                <a16:creationId xmlns:a16="http://schemas.microsoft.com/office/drawing/2014/main" id="{355704DE-69FB-6741-8A5C-9D7C9D428879}"/>
-              </a:ext>
-            </a:extLst>
-          </p:cNvPr>
-          <p:cNvSpPr txBox="1"/>
-          <p:nvPr/>
-        </p:nvSpPr>
-        <p:spPr>
-          <a:xfrm>
-            <a:off x="2048245" y="3732746"/>
-            <a:ext cx="5949514" cy="830997"/>
-          </a:xfrm>
-          <a:prstGeom prst="rect">
-            <a:avLst/>
-          </a:prstGeom>
-          <a:noFill/>
-        </p:spPr>
-        <p:txBody>
-          <a:bodyPr wrap="none" rtlCol="0">
-            <a:spAutoFit/>
-          </a:bodyPr>
-          <a:lstStyle/>
-          <a:p>
-            <a:pPr marL="342900" indent="-342900">
-              <a:buFont typeface="Courier New" panose="02070309020205020404" pitchFamily="49" charset="0"/>
-              <a:buChar char="o"/>
-            </a:pPr>
-            <a:r>
-              <a:rPr lang="en-US" sz="2400" dirty="0">
-                <a:latin typeface="Calibri" panose="020F0502020204030204" pitchFamily="34" charset="0"/>
-                <a:cs typeface="Calibri" panose="020F0502020204030204" pitchFamily="34" charset="0"/>
-              </a:rPr>
-              <a:t>Trained on  </a:t>
-            </a:r>
-            <a:r>
-              <a:rPr lang="en-US" sz="2400" b="1" dirty="0">
-                <a:solidFill>
-                  <a:srgbClr val="FF0000"/>
-                </a:solidFill>
-                <a:latin typeface="Calibri" panose="020F0502020204030204" pitchFamily="34" charset="0"/>
-                <a:cs typeface="Calibri" panose="020F0502020204030204" pitchFamily="34" charset="0"/>
-              </a:rPr>
-              <a:t>More Corpus </a:t>
-            </a:r>
-            <a:br>
-              <a:rPr lang="en-US" sz="2400" b="1" dirty="0">
-                <a:solidFill>
-                  <a:srgbClr val="FF0000"/>
-                </a:solidFill>
-                <a:latin typeface="Calibri" panose="020F0502020204030204" pitchFamily="34" charset="0"/>
-                <a:cs typeface="Calibri" panose="020F0502020204030204" pitchFamily="34" charset="0"/>
-              </a:rPr>
-            </a:br>
-            <a:r>
-              <a:rPr lang="en-US" sz="2400" b="1" dirty="0">
-                <a:solidFill>
-                  <a:srgbClr val="FF0000"/>
-                </a:solidFill>
-                <a:latin typeface="Calibri" panose="020F0502020204030204" pitchFamily="34" charset="0"/>
-                <a:cs typeface="Calibri" panose="020F0502020204030204" pitchFamily="34" charset="0"/>
-              </a:rPr>
-              <a:t>	(WikiText103,  </a:t>
-            </a:r>
-            <a:r>
-              <a:rPr lang="en-US" sz="2400" b="1" dirty="0" err="1">
-                <a:solidFill>
-                  <a:srgbClr val="FF0000"/>
-                </a:solidFill>
-                <a:latin typeface="Calibri" panose="020F0502020204030204" pitchFamily="34" charset="0"/>
-                <a:cs typeface="Calibri" panose="020F0502020204030204" pitchFamily="34" charset="0"/>
-              </a:rPr>
-              <a:t>BookCorpus</a:t>
-            </a:r>
-            <a:r>
-              <a:rPr lang="en-US" sz="2400" b="1" dirty="0">
-                <a:solidFill>
-                  <a:srgbClr val="FF0000"/>
-                </a:solidFill>
-                <a:latin typeface="Calibri" panose="020F0502020204030204" pitchFamily="34" charset="0"/>
-                <a:cs typeface="Calibri" panose="020F0502020204030204" pitchFamily="34" charset="0"/>
-              </a:rPr>
-              <a:t>,  </a:t>
-            </a:r>
-            <a:r>
-              <a:rPr lang="en-US" sz="2400" b="1" dirty="0" err="1">
-                <a:solidFill>
-                  <a:srgbClr val="FF0000"/>
-                </a:solidFill>
-                <a:latin typeface="Calibri" panose="020F0502020204030204" pitchFamily="34" charset="0"/>
-                <a:cs typeface="Calibri" panose="020F0502020204030204" pitchFamily="34" charset="0"/>
-              </a:rPr>
-              <a:t>CCNews</a:t>
-            </a:r>
-            <a:r>
-              <a:rPr lang="en-US" sz="2400" b="1" dirty="0">
-                <a:solidFill>
-                  <a:srgbClr val="FF0000"/>
-                </a:solidFill>
-                <a:latin typeface="Calibri" panose="020F0502020204030204" pitchFamily="34" charset="0"/>
-                <a:cs typeface="Calibri" panose="020F0502020204030204" pitchFamily="34" charset="0"/>
-              </a:rPr>
-              <a:t>) </a:t>
-            </a:r>
-          </a:p>
-        </p:txBody>
-      </p:sp>
-      <p:sp>
-        <p:nvSpPr>
-          <p:cNvPr id="8" name="TextBox 7">
-            <a:extLst>
-              <a:ext uri="{FF2B5EF4-FFF2-40B4-BE49-F238E27FC236}">
-                <a16:creationId xmlns:a16="http://schemas.microsoft.com/office/drawing/2014/main" id="{AE4EEBC1-28CD-AF45-8054-CC75A4A30072}"/>
-              </a:ext>
-            </a:extLst>
-          </p:cNvPr>
-          <p:cNvSpPr txBox="1"/>
-          <p:nvPr/>
-        </p:nvSpPr>
-        <p:spPr>
-          <a:xfrm>
-            <a:off x="2048245" y="4729584"/>
-            <a:ext cx="4398640" cy="461665"/>
-          </a:xfrm>
-          <a:prstGeom prst="rect">
-            <a:avLst/>
-          </a:prstGeom>
-          <a:noFill/>
-        </p:spPr>
-        <p:txBody>
-          <a:bodyPr wrap="none" rtlCol="0">
-            <a:spAutoFit/>
-          </a:bodyPr>
-          <a:lstStyle/>
-          <a:p>
-            <a:pPr marL="342900" indent="-342900">
-              <a:buFont typeface="Courier New" panose="02070309020205020404" pitchFamily="49" charset="0"/>
-              <a:buChar char="o"/>
-            </a:pPr>
-            <a:r>
-              <a:rPr lang="en-US" sz="2400" dirty="0">
-                <a:latin typeface="Calibri" panose="020F0502020204030204" pitchFamily="34" charset="0"/>
-                <a:cs typeface="Calibri" panose="020F0502020204030204" pitchFamily="34" charset="0"/>
-              </a:rPr>
-              <a:t>Trained with </a:t>
-            </a:r>
-            <a:r>
-              <a:rPr lang="en-US" sz="2400" b="1" dirty="0">
-                <a:solidFill>
-                  <a:srgbClr val="FF0000"/>
-                </a:solidFill>
-                <a:latin typeface="Calibri" panose="020F0502020204030204" pitchFamily="34" charset="0"/>
-                <a:cs typeface="Calibri" panose="020F0502020204030204" pitchFamily="34" charset="0"/>
-              </a:rPr>
-              <a:t>Bigger batch sizes</a:t>
-            </a:r>
-          </a:p>
-        </p:txBody>
-      </p:sp>
-      <p:sp>
-        <p:nvSpPr>
-          <p:cNvPr id="10" name="TextBox 4">
-            <a:extLst>
-              <a:ext uri="{FF2B5EF4-FFF2-40B4-BE49-F238E27FC236}">
-                <a16:creationId xmlns:a16="http://schemas.microsoft.com/office/drawing/2014/main" id="{63537FB0-121E-415E-8CFE-3EBE420ABEE7}"/>
-              </a:ext>
-            </a:extLst>
-          </p:cNvPr>
-          <p:cNvSpPr txBox="1"/>
-          <p:nvPr/>
-        </p:nvSpPr>
-        <p:spPr>
-          <a:xfrm>
-            <a:off x="926092" y="1464412"/>
-            <a:ext cx="3238835" cy="461665"/>
-          </a:xfrm>
-          <a:prstGeom prst="rect">
-            <a:avLst/>
-          </a:prstGeom>
-          <a:noFill/>
-        </p:spPr>
-        <p:txBody>
-          <a:bodyPr wrap="none" rtlCol="0">
-            <a:spAutoFit/>
-          </a:bodyPr>
-          <a:lstStyle/>
-          <a:p>
-            <a:r>
-              <a:rPr lang="en-US" sz="2400" b="1" dirty="0">
-                <a:latin typeface="Calibri" panose="020F0502020204030204" pitchFamily="34" charset="0"/>
-                <a:cs typeface="Calibri" panose="020F0502020204030204" pitchFamily="34" charset="0"/>
-              </a:rPr>
-              <a:t>Pre-training approaches</a:t>
-            </a:r>
-            <a:endParaRPr lang="en-US" sz="2400" dirty="0">
+              <a:t>)</a:t>
+            </a:r>
+            <a:endParaRPr lang="en-US" sz="2200" dirty="0">
               <a:latin typeface="Calibri" panose="020F0502020204030204" pitchFamily="34" charset="0"/>
               <a:cs typeface="Calibri" panose="020F0502020204030204" pitchFamily="34" charset="0"/>
             </a:endParaRPr>
           </a:p>
         </p:txBody>
       </p:sp>
-      <p:sp>
-        <p:nvSpPr>
-          <p:cNvPr id="9" name="文字方塊 8">
-            <a:extLst>
-              <a:ext uri="{FF2B5EF4-FFF2-40B4-BE49-F238E27FC236}">
-                <a16:creationId xmlns:a16="http://schemas.microsoft.com/office/drawing/2014/main" id="{F226C00B-405D-4E5A-8892-4520896AD1A8}"/>
-              </a:ext>
-            </a:extLst>
-          </p:cNvPr>
-          <p:cNvSpPr txBox="1"/>
-          <p:nvPr/>
-        </p:nvSpPr>
-        <p:spPr>
-          <a:xfrm>
-            <a:off x="11484528" y="6493241"/>
-            <a:ext cx="805343" cy="276999"/>
-          </a:xfrm>
-          <a:prstGeom prst="rect">
-            <a:avLst/>
-          </a:prstGeom>
-          <a:noFill/>
-        </p:spPr>
-        <p:txBody>
-          <a:bodyPr wrap="square" rtlCol="0">
-            <a:spAutoFit/>
-          </a:bodyPr>
-          <a:lstStyle/>
-          <a:p>
-            <a:r>
-              <a:rPr lang="en-US" sz="1200" dirty="0"/>
-              <a:t>6</a:t>
-            </a:r>
-          </a:p>
-        </p:txBody>
-      </p:sp>
     </p:spTree>
     <p:extLst>
       <p:ext uri="{BB962C8B-B14F-4D97-AF65-F5344CB8AC3E}">
-        <p14:creationId xmlns:p14="http://schemas.microsoft.com/office/powerpoint/2010/main" val="209784463"/>
+        <p14:creationId xmlns:p14="http://schemas.microsoft.com/office/powerpoint/2010/main" val="3985582327"/>
       </p:ext>
     </p:extLst>
   </p:cSld>
@@ -15141,7 +15208,7 @@
         <p:spPr>
           <a:xfrm>
             <a:off x="616225" y="569844"/>
-            <a:ext cx="10791141" cy="523220"/>
+            <a:ext cx="9500541" cy="523220"/>
           </a:xfrm>
           <a:prstGeom prst="rect">
             <a:avLst/>
@@ -15156,98 +15223,17 @@
           <a:p>
             <a:r>
               <a:rPr lang="en-US" sz="2800" b="1" dirty="0"/>
-              <a:t>Masked Language (Masked LM)</a:t>
-            </a:r>
-          </a:p>
-        </p:txBody>
-      </p:sp>
-      <p:sp>
-        <p:nvSpPr>
-          <p:cNvPr id="10" name="TextBox 4">
-            <a:extLst>
-              <a:ext uri="{FF2B5EF4-FFF2-40B4-BE49-F238E27FC236}">
-                <a16:creationId xmlns:a16="http://schemas.microsoft.com/office/drawing/2014/main" id="{63537FB0-121E-415E-8CFE-3EBE420ABEE7}"/>
-              </a:ext>
-            </a:extLst>
-          </p:cNvPr>
-          <p:cNvSpPr txBox="1"/>
-          <p:nvPr/>
-        </p:nvSpPr>
-        <p:spPr>
-          <a:xfrm>
-            <a:off x="926092" y="1464412"/>
-            <a:ext cx="2003690" cy="461665"/>
-          </a:xfrm>
-          <a:prstGeom prst="rect">
-            <a:avLst/>
-          </a:prstGeom>
-          <a:noFill/>
-        </p:spPr>
-        <p:txBody>
-          <a:bodyPr wrap="square" rtlCol="0">
-            <a:spAutoFit/>
-          </a:bodyPr>
-          <a:lstStyle/>
-          <a:p>
-            <a:pPr marL="342900" indent="-342900">
-              <a:buFont typeface="Arial" panose="020B0604020202020204" pitchFamily="34" charset="0"/>
-              <a:buChar char="•"/>
-            </a:pPr>
-            <a:r>
-              <a:rPr lang="en-US" sz="2400" b="1" dirty="0">
-                <a:latin typeface="Calibri" panose="020F0502020204030204" pitchFamily="34" charset="0"/>
-                <a:cs typeface="Calibri" panose="020F0502020204030204" pitchFamily="34" charset="0"/>
-              </a:rPr>
-              <a:t>Masked LM</a:t>
-            </a:r>
-            <a:endParaRPr lang="en-US" sz="2400" dirty="0">
-              <a:latin typeface="Calibri" panose="020F0502020204030204" pitchFamily="34" charset="0"/>
-              <a:cs typeface="Calibri" panose="020F0502020204030204" pitchFamily="34" charset="0"/>
-            </a:endParaRPr>
-          </a:p>
-        </p:txBody>
-      </p:sp>
-      <p:sp>
-        <p:nvSpPr>
-          <p:cNvPr id="9" name="文字方塊 8">
-            <a:extLst>
-              <a:ext uri="{FF2B5EF4-FFF2-40B4-BE49-F238E27FC236}">
-                <a16:creationId xmlns:a16="http://schemas.microsoft.com/office/drawing/2014/main" id="{F226C00B-405D-4E5A-8892-4520896AD1A8}"/>
-              </a:ext>
-            </a:extLst>
-          </p:cNvPr>
-          <p:cNvSpPr txBox="1"/>
-          <p:nvPr/>
-        </p:nvSpPr>
-        <p:spPr>
-          <a:xfrm>
-            <a:off x="11484528" y="6493241"/>
-            <a:ext cx="805343" cy="276999"/>
-          </a:xfrm>
-          <a:prstGeom prst="rect">
-            <a:avLst/>
-          </a:prstGeom>
-          <a:noFill/>
-        </p:spPr>
-        <p:txBody>
-          <a:bodyPr wrap="square" rtlCol="0">
-            <a:spAutoFit/>
-          </a:bodyPr>
-          <a:lstStyle/>
-          <a:p>
-            <a:r>
-              <a:rPr lang="en-US" sz="1200" dirty="0"/>
-              <a:t>6</a:t>
+              <a:t> Structure: Transformer-based Models</a:t>
             </a:r>
           </a:p>
         </p:txBody>
       </p:sp>
       <p:pic>
         <p:nvPicPr>
-          <p:cNvPr id="11" name="圖片 10">
-            <a:extLst>
-              <a:ext uri="{FF2B5EF4-FFF2-40B4-BE49-F238E27FC236}">
-                <a16:creationId xmlns:a16="http://schemas.microsoft.com/office/drawing/2014/main" id="{78AD1FAB-6433-42CA-8DFF-D82EA7D89973}"/>
+          <p:cNvPr id="4" name="Picture 3">
+            <a:extLst>
+              <a:ext uri="{FF2B5EF4-FFF2-40B4-BE49-F238E27FC236}">
+                <a16:creationId xmlns:a16="http://schemas.microsoft.com/office/drawing/2014/main" id="{2AE1B8CB-ADBD-5543-943F-74B8A1A1096E}"/>
               </a:ext>
             </a:extLst>
           </p:cNvPr>
@@ -15257,7 +15243,7 @@
           <p:nvPr/>
         </p:nvPicPr>
         <p:blipFill>
-          <a:blip r:embed="rId3">
+          <a:blip r:embed="rId3" cstate="print">
             <a:extLst>
               <a:ext uri="{28A0092B-C50C-407E-A947-70E740481C1C}">
                 <a14:useLocalDpi xmlns:a14="http://schemas.microsoft.com/office/drawing/2010/main" val="0"/>
@@ -15270,54 +15256,363 @@
         </p:blipFill>
         <p:spPr>
           <a:xfrm>
-            <a:off x="6648596" y="2976393"/>
-            <a:ext cx="5320084" cy="2005390"/>
+            <a:off x="8055806" y="685539"/>
+            <a:ext cx="4121919" cy="6021421"/>
           </a:xfrm>
           <a:prstGeom prst="rect">
             <a:avLst/>
           </a:prstGeom>
         </p:spPr>
       </p:pic>
-      <p:pic>
-        <p:nvPicPr>
-          <p:cNvPr id="14" name="圖片 13">
-            <a:extLst>
-              <a:ext uri="{FF2B5EF4-FFF2-40B4-BE49-F238E27FC236}">
-                <a16:creationId xmlns:a16="http://schemas.microsoft.com/office/drawing/2014/main" id="{03F82D09-3924-45A5-97B4-238B9743F29C}"/>
-              </a:ext>
-            </a:extLst>
-          </p:cNvPr>
-          <p:cNvPicPr>
-            <a:picLocks noChangeAspect="1"/>
-          </p:cNvPicPr>
+      <p:sp>
+        <p:nvSpPr>
+          <p:cNvPr id="5" name="TextBox 4">
+            <a:extLst>
+              <a:ext uri="{FF2B5EF4-FFF2-40B4-BE49-F238E27FC236}">
+                <a16:creationId xmlns:a16="http://schemas.microsoft.com/office/drawing/2014/main" id="{0F0A5022-A9F2-4143-B927-A449071B04E6}"/>
+              </a:ext>
+            </a:extLst>
+          </p:cNvPr>
+          <p:cNvSpPr txBox="1"/>
           <p:nvPr/>
-        </p:nvPicPr>
-        <p:blipFill>
-          <a:blip r:embed="rId4">
-            <a:extLst>
-              <a:ext uri="{28A0092B-C50C-407E-A947-70E740481C1C}">
-                <a14:useLocalDpi xmlns:a14="http://schemas.microsoft.com/office/drawing/2010/main" val="0"/>
-              </a:ext>
-            </a:extLst>
-          </a:blip>
-          <a:stretch>
-            <a:fillRect/>
-          </a:stretch>
-        </p:blipFill>
-        <p:spPr>
-          <a:xfrm>
-            <a:off x="823982" y="2976393"/>
-            <a:ext cx="5187813" cy="1955531"/>
+        </p:nvSpPr>
+        <p:spPr>
+          <a:xfrm>
+            <a:off x="1430548" y="2272206"/>
+            <a:ext cx="6236772" cy="461665"/>
           </a:xfrm>
           <a:prstGeom prst="rect">
             <a:avLst/>
           </a:prstGeom>
-        </p:spPr>
-      </p:pic>
+          <a:noFill/>
+        </p:spPr>
+        <p:txBody>
+          <a:bodyPr wrap="none" rtlCol="0">
+            <a:spAutoFit/>
+          </a:bodyPr>
+          <a:lstStyle/>
+          <a:p>
+            <a:pPr marL="342900" indent="-342900">
+              <a:buFont typeface="Arial" panose="020B0604020202020204" pitchFamily="34" charset="0"/>
+              <a:buChar char="•"/>
+            </a:pPr>
+            <a:r>
+              <a:rPr lang="en-US" sz="2400" b="1" dirty="0">
+                <a:latin typeface="Calibri" panose="020F0502020204030204" pitchFamily="34" charset="0"/>
+                <a:cs typeface="Calibri" panose="020F0502020204030204" pitchFamily="34" charset="0"/>
+              </a:rPr>
+              <a:t>BERT:  </a:t>
+            </a:r>
+            <a:r>
+              <a:rPr lang="en-US" sz="2400" dirty="0" err="1">
+                <a:latin typeface="Calibri" panose="020F0502020204030204" pitchFamily="34" charset="0"/>
+                <a:cs typeface="Calibri" panose="020F0502020204030204" pitchFamily="34" charset="0"/>
+              </a:rPr>
+              <a:t>Maskd</a:t>
+            </a:r>
+            <a:r>
+              <a:rPr lang="en-US" sz="2400" dirty="0">
+                <a:latin typeface="Calibri" panose="020F0502020204030204" pitchFamily="34" charset="0"/>
+                <a:cs typeface="Calibri" panose="020F0502020204030204" pitchFamily="34" charset="0"/>
+              </a:rPr>
+              <a:t> LM &amp; Next Sentence Prediction</a:t>
+            </a:r>
+          </a:p>
+        </p:txBody>
+      </p:sp>
+      <p:sp>
+        <p:nvSpPr>
+          <p:cNvPr id="6" name="TextBox 5">
+            <a:extLst>
+              <a:ext uri="{FF2B5EF4-FFF2-40B4-BE49-F238E27FC236}">
+                <a16:creationId xmlns:a16="http://schemas.microsoft.com/office/drawing/2014/main" id="{F0562E0E-EEBC-9146-9A8A-71CE457A66D7}"/>
+              </a:ext>
+            </a:extLst>
+          </p:cNvPr>
+          <p:cNvSpPr txBox="1"/>
+          <p:nvPr/>
+        </p:nvSpPr>
+        <p:spPr>
+          <a:xfrm>
+            <a:off x="1430548" y="2992554"/>
+            <a:ext cx="1723933" cy="461665"/>
+          </a:xfrm>
+          <a:prstGeom prst="rect">
+            <a:avLst/>
+          </a:prstGeom>
+          <a:noFill/>
+        </p:spPr>
+        <p:txBody>
+          <a:bodyPr wrap="none" rtlCol="0">
+            <a:spAutoFit/>
+          </a:bodyPr>
+          <a:lstStyle/>
+          <a:p>
+            <a:pPr marL="342900" indent="-342900">
+              <a:buFont typeface="Arial" panose="020B0604020202020204" pitchFamily="34" charset="0"/>
+              <a:buChar char="•"/>
+            </a:pPr>
+            <a:r>
+              <a:rPr lang="en-US" sz="2400" b="1" dirty="0" err="1">
+                <a:latin typeface="Calibri" panose="020F0502020204030204" pitchFamily="34" charset="0"/>
+                <a:cs typeface="Calibri" panose="020F0502020204030204" pitchFamily="34" charset="0"/>
+              </a:rPr>
+              <a:t>RoBERTa</a:t>
+            </a:r>
+            <a:r>
+              <a:rPr lang="en-US" sz="2400" b="1" dirty="0">
+                <a:latin typeface="Calibri" panose="020F0502020204030204" pitchFamily="34" charset="0"/>
+                <a:cs typeface="Calibri" panose="020F0502020204030204" pitchFamily="34" charset="0"/>
+              </a:rPr>
+              <a:t>:</a:t>
+            </a:r>
+          </a:p>
+        </p:txBody>
+      </p:sp>
+      <p:sp>
+        <p:nvSpPr>
+          <p:cNvPr id="7" name="TextBox 6">
+            <a:extLst>
+              <a:ext uri="{FF2B5EF4-FFF2-40B4-BE49-F238E27FC236}">
+                <a16:creationId xmlns:a16="http://schemas.microsoft.com/office/drawing/2014/main" id="{355704DE-69FB-6741-8A5C-9D7C9D428879}"/>
+              </a:ext>
+            </a:extLst>
+          </p:cNvPr>
+          <p:cNvSpPr txBox="1"/>
+          <p:nvPr/>
+        </p:nvSpPr>
+        <p:spPr>
+          <a:xfrm>
+            <a:off x="2048245" y="3732746"/>
+            <a:ext cx="5949514" cy="830997"/>
+          </a:xfrm>
+          <a:prstGeom prst="rect">
+            <a:avLst/>
+          </a:prstGeom>
+          <a:noFill/>
+        </p:spPr>
+        <p:txBody>
+          <a:bodyPr wrap="none" rtlCol="0">
+            <a:spAutoFit/>
+          </a:bodyPr>
+          <a:lstStyle/>
+          <a:p>
+            <a:pPr marL="342900" indent="-342900">
+              <a:buFont typeface="Courier New" panose="02070309020205020404" pitchFamily="49" charset="0"/>
+              <a:buChar char="o"/>
+            </a:pPr>
+            <a:r>
+              <a:rPr lang="en-US" sz="2400" dirty="0">
+                <a:latin typeface="Calibri" panose="020F0502020204030204" pitchFamily="34" charset="0"/>
+                <a:cs typeface="Calibri" panose="020F0502020204030204" pitchFamily="34" charset="0"/>
+              </a:rPr>
+              <a:t>Trained on  </a:t>
+            </a:r>
+            <a:r>
+              <a:rPr lang="en-US" sz="2400" b="1" dirty="0">
+                <a:solidFill>
+                  <a:srgbClr val="FF0000"/>
+                </a:solidFill>
+                <a:latin typeface="Calibri" panose="020F0502020204030204" pitchFamily="34" charset="0"/>
+                <a:cs typeface="Calibri" panose="020F0502020204030204" pitchFamily="34" charset="0"/>
+              </a:rPr>
+              <a:t>More Corpus </a:t>
+            </a:r>
+            <a:br>
+              <a:rPr lang="en-US" sz="2400" b="1" dirty="0">
+                <a:solidFill>
+                  <a:srgbClr val="FF0000"/>
+                </a:solidFill>
+                <a:latin typeface="Calibri" panose="020F0502020204030204" pitchFamily="34" charset="0"/>
+                <a:cs typeface="Calibri" panose="020F0502020204030204" pitchFamily="34" charset="0"/>
+              </a:rPr>
+            </a:br>
+            <a:r>
+              <a:rPr lang="en-US" sz="2400" b="1" dirty="0">
+                <a:solidFill>
+                  <a:srgbClr val="FF0000"/>
+                </a:solidFill>
+                <a:latin typeface="Calibri" panose="020F0502020204030204" pitchFamily="34" charset="0"/>
+                <a:cs typeface="Calibri" panose="020F0502020204030204" pitchFamily="34" charset="0"/>
+              </a:rPr>
+              <a:t>	(WikiText103,  </a:t>
+            </a:r>
+            <a:r>
+              <a:rPr lang="en-US" sz="2400" b="1" dirty="0" err="1">
+                <a:solidFill>
+                  <a:srgbClr val="FF0000"/>
+                </a:solidFill>
+                <a:latin typeface="Calibri" panose="020F0502020204030204" pitchFamily="34" charset="0"/>
+                <a:cs typeface="Calibri" panose="020F0502020204030204" pitchFamily="34" charset="0"/>
+              </a:rPr>
+              <a:t>BookCorpus</a:t>
+            </a:r>
+            <a:r>
+              <a:rPr lang="en-US" sz="2400" b="1" dirty="0">
+                <a:solidFill>
+                  <a:srgbClr val="FF0000"/>
+                </a:solidFill>
+                <a:latin typeface="Calibri" panose="020F0502020204030204" pitchFamily="34" charset="0"/>
+                <a:cs typeface="Calibri" panose="020F0502020204030204" pitchFamily="34" charset="0"/>
+              </a:rPr>
+              <a:t>,  </a:t>
+            </a:r>
+            <a:r>
+              <a:rPr lang="en-US" sz="2400" b="1" dirty="0" err="1">
+                <a:solidFill>
+                  <a:srgbClr val="FF0000"/>
+                </a:solidFill>
+                <a:latin typeface="Calibri" panose="020F0502020204030204" pitchFamily="34" charset="0"/>
+                <a:cs typeface="Calibri" panose="020F0502020204030204" pitchFamily="34" charset="0"/>
+              </a:rPr>
+              <a:t>CCNews</a:t>
+            </a:r>
+            <a:r>
+              <a:rPr lang="en-US" sz="2400" b="1" dirty="0">
+                <a:solidFill>
+                  <a:srgbClr val="FF0000"/>
+                </a:solidFill>
+                <a:latin typeface="Calibri" panose="020F0502020204030204" pitchFamily="34" charset="0"/>
+                <a:cs typeface="Calibri" panose="020F0502020204030204" pitchFamily="34" charset="0"/>
+              </a:rPr>
+              <a:t>) </a:t>
+            </a:r>
+          </a:p>
+        </p:txBody>
+      </p:sp>
+      <p:sp>
+        <p:nvSpPr>
+          <p:cNvPr id="8" name="TextBox 7">
+            <a:extLst>
+              <a:ext uri="{FF2B5EF4-FFF2-40B4-BE49-F238E27FC236}">
+                <a16:creationId xmlns:a16="http://schemas.microsoft.com/office/drawing/2014/main" id="{AE4EEBC1-28CD-AF45-8054-CC75A4A30072}"/>
+              </a:ext>
+            </a:extLst>
+          </p:cNvPr>
+          <p:cNvSpPr txBox="1"/>
+          <p:nvPr/>
+        </p:nvSpPr>
+        <p:spPr>
+          <a:xfrm>
+            <a:off x="2048245" y="4729584"/>
+            <a:ext cx="4398640" cy="461665"/>
+          </a:xfrm>
+          <a:prstGeom prst="rect">
+            <a:avLst/>
+          </a:prstGeom>
+          <a:noFill/>
+        </p:spPr>
+        <p:txBody>
+          <a:bodyPr wrap="none" rtlCol="0">
+            <a:spAutoFit/>
+          </a:bodyPr>
+          <a:lstStyle/>
+          <a:p>
+            <a:pPr marL="342900" indent="-342900">
+              <a:buFont typeface="Courier New" panose="02070309020205020404" pitchFamily="49" charset="0"/>
+              <a:buChar char="o"/>
+            </a:pPr>
+            <a:r>
+              <a:rPr lang="en-US" sz="2400" dirty="0">
+                <a:latin typeface="Calibri" panose="020F0502020204030204" pitchFamily="34" charset="0"/>
+                <a:cs typeface="Calibri" panose="020F0502020204030204" pitchFamily="34" charset="0"/>
+              </a:rPr>
+              <a:t>Trained with </a:t>
+            </a:r>
+            <a:r>
+              <a:rPr lang="en-US" sz="2400" b="1" dirty="0">
+                <a:solidFill>
+                  <a:srgbClr val="FF0000"/>
+                </a:solidFill>
+                <a:latin typeface="Calibri" panose="020F0502020204030204" pitchFamily="34" charset="0"/>
+                <a:cs typeface="Calibri" panose="020F0502020204030204" pitchFamily="34" charset="0"/>
+              </a:rPr>
+              <a:t>Bigger batch sizes</a:t>
+            </a:r>
+          </a:p>
+        </p:txBody>
+      </p:sp>
+      <p:sp>
+        <p:nvSpPr>
+          <p:cNvPr id="10" name="TextBox 4">
+            <a:extLst>
+              <a:ext uri="{FF2B5EF4-FFF2-40B4-BE49-F238E27FC236}">
+                <a16:creationId xmlns:a16="http://schemas.microsoft.com/office/drawing/2014/main" id="{63537FB0-121E-415E-8CFE-3EBE420ABEE7}"/>
+              </a:ext>
+            </a:extLst>
+          </p:cNvPr>
+          <p:cNvSpPr txBox="1"/>
+          <p:nvPr/>
+        </p:nvSpPr>
+        <p:spPr>
+          <a:xfrm>
+            <a:off x="926092" y="1464412"/>
+            <a:ext cx="3238835" cy="461665"/>
+          </a:xfrm>
+          <a:prstGeom prst="rect">
+            <a:avLst/>
+          </a:prstGeom>
+          <a:noFill/>
+        </p:spPr>
+        <p:txBody>
+          <a:bodyPr wrap="none" rtlCol="0">
+            <a:spAutoFit/>
+          </a:bodyPr>
+          <a:lstStyle/>
+          <a:p>
+            <a:r>
+              <a:rPr lang="en-US" sz="2400" b="1" dirty="0">
+                <a:latin typeface="Calibri" panose="020F0502020204030204" pitchFamily="34" charset="0"/>
+                <a:cs typeface="Calibri" panose="020F0502020204030204" pitchFamily="34" charset="0"/>
+              </a:rPr>
+              <a:t>Pre-training approaches</a:t>
+            </a:r>
+            <a:endParaRPr lang="en-US" sz="2400" dirty="0">
+              <a:latin typeface="Calibri" panose="020F0502020204030204" pitchFamily="34" charset="0"/>
+              <a:cs typeface="Calibri" panose="020F0502020204030204" pitchFamily="34" charset="0"/>
+            </a:endParaRPr>
+          </a:p>
+        </p:txBody>
+      </p:sp>
+      <p:sp>
+        <p:nvSpPr>
+          <p:cNvPr id="9" name="文字方塊 8">
+            <a:extLst>
+              <a:ext uri="{FF2B5EF4-FFF2-40B4-BE49-F238E27FC236}">
+                <a16:creationId xmlns:a16="http://schemas.microsoft.com/office/drawing/2014/main" id="{F226C00B-405D-4E5A-8892-4520896AD1A8}"/>
+              </a:ext>
+            </a:extLst>
+          </p:cNvPr>
+          <p:cNvSpPr txBox="1"/>
+          <p:nvPr/>
+        </p:nvSpPr>
+        <p:spPr>
+          <a:xfrm>
+            <a:off x="11484528" y="6493241"/>
+            <a:ext cx="805343" cy="276999"/>
+          </a:xfrm>
+          <a:prstGeom prst="rect">
+            <a:avLst/>
+          </a:prstGeom>
+          <a:noFill/>
+        </p:spPr>
+        <p:txBody>
+          <a:bodyPr wrap="square" rtlCol="0">
+            <a:spAutoFit/>
+          </a:bodyPr>
+          <a:lstStyle/>
+          <a:p>
+            <a:r>
+              <a:rPr lang="en-US" sz="1200" dirty="0"/>
+              <a:t>8</a:t>
+            </a:r>
+          </a:p>
+        </p:txBody>
+      </p:sp>
     </p:spTree>
     <p:extLst>
       <p:ext uri="{BB962C8B-B14F-4D97-AF65-F5344CB8AC3E}">
-        <p14:creationId xmlns:p14="http://schemas.microsoft.com/office/powerpoint/2010/main" val="1800997233"/>
+        <p14:creationId xmlns:p14="http://schemas.microsoft.com/office/powerpoint/2010/main" val="209784463"/>
       </p:ext>
     </p:extLst>
   </p:cSld>
@@ -16152,15 +16447,6 @@
 </file>
 
 <file path=customXml/item1.xml><?xml version="1.0" encoding="utf-8"?>
-<p:properties xmlns:p="http://schemas.microsoft.com/office/2006/metadata/properties" xmlns:xsi="http://www.w3.org/2001/XMLSchema-instance" xmlns:pc="http://schemas.microsoft.com/office/infopath/2007/PartnerControls">
-  <documentManagement>
-    <_ip_UnifiedCompliancePolicyUIAction xmlns="http://schemas.microsoft.com/sharepoint/v3" xsi:nil="true"/>
-    <_ip_UnifiedCompliancePolicyProperties xmlns="http://schemas.microsoft.com/sharepoint/v3" xsi:nil="true"/>
-  </documentManagement>
-</p:properties>
-</file>
-
-<file path=customXml/item2.xml><?xml version="1.0" encoding="utf-8"?>
 <ct:contentTypeSchema xmlns:ct="http://schemas.microsoft.com/office/2006/metadata/contentType" xmlns:ma="http://schemas.microsoft.com/office/2006/metadata/properties/metaAttributes" ct:_="" ma:_="" ma:contentTypeName="Document" ma:contentTypeID="0x010100DEEA25CC0A0AC24199CDC46C25B8B0BC" ma:contentTypeVersion="9" ma:contentTypeDescription="Create a new document." ma:contentTypeScope="" ma:versionID="76e25e1730b4532ab1d5e5b131a96a5a">
   <xsd:schema xmlns:xsd="http://www.w3.org/2001/XMLSchema" xmlns:xs="http://www.w3.org/2001/XMLSchema" xmlns:p="http://schemas.microsoft.com/office/2006/metadata/properties" xmlns:ns1="http://schemas.microsoft.com/sharepoint/v3" xmlns:ns2="6dc4bcd6-49db-4c07-9060-8acfc67cef9f" xmlns:ns3="fb0879af-3eba-417a-a55a-ffe6dcd6ca77" targetNamespace="http://schemas.microsoft.com/office/2006/metadata/properties" ma:root="true" ma:fieldsID="ad1e9281a84c4949647088091c718de3" ns1:_="" ns2:_="" ns3:_="">
     <xsd:import namespace="http://schemas.microsoft.com/sharepoint/v3"/>
@@ -16362,25 +16648,16 @@
 </ct:contentTypeSchema>
 </file>
 
-<file path=customXml/itemProps1.xml><?xml version="1.0" encoding="utf-8"?>
-<ds:datastoreItem xmlns:ds="http://schemas.openxmlformats.org/officeDocument/2006/customXml" ds:itemID="{8FB61CFE-D4DA-4753-A9A5-D482B9609A35}">
-  <ds:schemaRefs>
-    <ds:schemaRef ds:uri="http://schemas.microsoft.com/office/2006/metadata/properties"/>
-    <ds:schemaRef ds:uri="http://schemas.openxmlformats.org/package/2006/metadata/core-properties"/>
-    <ds:schemaRef ds:uri="http://purl.org/dc/elements/1.1/"/>
-    <ds:schemaRef ds:uri="http://schemas.microsoft.com/office/2006/documentManagement/types"/>
-    <ds:schemaRef ds:uri="http://schemas.microsoft.com/sharepoint/v3"/>
-    <ds:schemaRef ds:uri="http://purl.org/dc/terms/"/>
-    <ds:schemaRef ds:uri="http://schemas.microsoft.com/office/infopath/2007/PartnerControls"/>
-    <ds:schemaRef ds:uri="http://www.w3.org/XML/1998/namespace"/>
-    <ds:schemaRef ds:uri="fb0879af-3eba-417a-a55a-ffe6dcd6ca77"/>
-    <ds:schemaRef ds:uri="6dc4bcd6-49db-4c07-9060-8acfc67cef9f"/>
-    <ds:schemaRef ds:uri="http://purl.org/dc/dcmitype/"/>
-  </ds:schemaRefs>
-</ds:datastoreItem>
+<file path=customXml/item2.xml><?xml version="1.0" encoding="utf-8"?>
+<p:properties xmlns:p="http://schemas.microsoft.com/office/2006/metadata/properties" xmlns:xsi="http://www.w3.org/2001/XMLSchema-instance" xmlns:pc="http://schemas.microsoft.com/office/infopath/2007/PartnerControls">
+  <documentManagement>
+    <_ip_UnifiedCompliancePolicyUIAction xmlns="http://schemas.microsoft.com/sharepoint/v3" xsi:nil="true"/>
+    <_ip_UnifiedCompliancePolicyProperties xmlns="http://schemas.microsoft.com/sharepoint/v3" xsi:nil="true"/>
+  </documentManagement>
+</p:properties>
 </file>
 
-<file path=customXml/itemProps2.xml><?xml version="1.0" encoding="utf-8"?>
+<file path=customXml/itemProps1.xml><?xml version="1.0" encoding="utf-8"?>
 <ds:datastoreItem xmlns:ds="http://schemas.openxmlformats.org/officeDocument/2006/customXml" ds:itemID="{58A784AD-7888-482C-A72A-80D3063962ED}">
   <ds:schemaRefs>
     <ds:schemaRef ds:uri="http://schemas.microsoft.com/office/2006/metadata/contentType"/>
@@ -16398,4 +16675,22 @@
     <ds:schemaRef ds:uri="http://schemas.microsoft.com/internal/obd"/>
   </ds:schemaRefs>
 </ds:datastoreItem>
+</file>
+
+<file path=customXml/itemProps2.xml><?xml version="1.0" encoding="utf-8"?>
+<ds:datastoreItem xmlns:ds="http://schemas.openxmlformats.org/officeDocument/2006/customXml" ds:itemID="{8FB61CFE-D4DA-4753-A9A5-D482B9609A35}">
+  <ds:schemaRefs>
+    <ds:schemaRef ds:uri="http://schemas.microsoft.com/office/2006/metadata/properties"/>
+    <ds:schemaRef ds:uri="http://schemas.openxmlformats.org/package/2006/metadata/core-properties"/>
+    <ds:schemaRef ds:uri="http://purl.org/dc/elements/1.1/"/>
+    <ds:schemaRef ds:uri="http://schemas.microsoft.com/office/2006/documentManagement/types"/>
+    <ds:schemaRef ds:uri="http://schemas.microsoft.com/sharepoint/v3"/>
+    <ds:schemaRef ds:uri="http://purl.org/dc/terms/"/>
+    <ds:schemaRef ds:uri="http://schemas.microsoft.com/office/infopath/2007/PartnerControls"/>
+    <ds:schemaRef ds:uri="http://www.w3.org/XML/1998/namespace"/>
+    <ds:schemaRef ds:uri="fb0879af-3eba-417a-a55a-ffe6dcd6ca77"/>
+    <ds:schemaRef ds:uri="6dc4bcd6-49db-4c07-9060-8acfc67cef9f"/>
+    <ds:schemaRef ds:uri="http://purl.org/dc/dcmitype/"/>
+  </ds:schemaRefs>
+</ds:datastoreItem>
 </file>
--- a/Lab/REP.pptx
+++ b/Lab/REP.pptx
@@ -255,7 +255,7 @@
                 <a:ea typeface="Microsoft JhengHei UI" panose="020B0604030504040204" pitchFamily="34" charset="-120"/>
                 <a:sym typeface="Microsoft JhengHei UI" panose="020B0604030504040204" pitchFamily="34" charset="-120"/>
               </a:rPr>
-              <a:t>2021/1/5</a:t>
+              <a:t>2021/1/9</a:t>
             </a:fld>
             <a:endParaRPr lang="en-US" altLang="zh-TW" dirty="0">
               <a:latin typeface="Microsoft JhengHei UI" panose="020B0604030504040204" pitchFamily="34" charset="-120"/>
@@ -464,7 +464,7 @@
             <a:fld id="{AA006804-164C-4CDA-8F38-2D5258C292C6}" type="datetime1">
               <a:rPr lang="zh-TW" altLang="en-US" smtClean="0"/>
               <a:pPr/>
-              <a:t>2021/1/5</a:t>
+              <a:t>2021/1/9</a:t>
             </a:fld>
             <a:endParaRPr lang="zh-TW" altLang="en-US" dirty="0"/>
           </a:p>
@@ -11124,7 +11124,7 @@
                 <a:latin typeface="Times New Roman" panose="02020603050405020304" pitchFamily="18" charset="0"/>
                 <a:cs typeface="Times New Roman" panose="02020603050405020304" pitchFamily="18" charset="0"/>
               </a:rPr>
-              <a:t>in parallel.</a:t>
+              <a:t>  in parallel.</a:t>
             </a:r>
             <a:endParaRPr lang="en-US" sz="2400" dirty="0">
               <a:latin typeface="Times New Roman" panose="02020603050405020304" pitchFamily="18" charset="0"/>
@@ -12544,12 +12544,47 @@
           </a:p>
         </p:txBody>
       </p:sp>
+      <p:sp>
+        <p:nvSpPr>
+          <p:cNvPr id="2" name="文字方塊 1">
+            <a:extLst>
+              <a:ext uri="{FF2B5EF4-FFF2-40B4-BE49-F238E27FC236}">
+                <a16:creationId xmlns:a16="http://schemas.microsoft.com/office/drawing/2014/main" id="{5F30D373-061A-4C17-BA1D-F9A8D2B156F8}"/>
+              </a:ext>
+            </a:extLst>
+          </p:cNvPr>
+          <p:cNvSpPr txBox="1"/>
+          <p:nvPr/>
+        </p:nvSpPr>
+        <p:spPr>
+          <a:xfrm>
+            <a:off x="11484528" y="6493241"/>
+            <a:ext cx="805343" cy="276999"/>
+          </a:xfrm>
+          <a:prstGeom prst="rect">
+            <a:avLst/>
+          </a:prstGeom>
+          <a:noFill/>
+        </p:spPr>
+        <p:txBody>
+          <a:bodyPr wrap="square" rtlCol="0">
+            <a:spAutoFit/>
+          </a:bodyPr>
+          <a:lstStyle/>
+          <a:p>
+            <a:r>
+              <a:rPr lang="en-US" sz="1200" dirty="0"/>
+              <a:t>1</a:t>
+            </a:r>
+          </a:p>
+        </p:txBody>
+      </p:sp>
       <p:pic>
         <p:nvPicPr>
-          <p:cNvPr id="5" name="圖片 4">
-            <a:extLst>
-              <a:ext uri="{FF2B5EF4-FFF2-40B4-BE49-F238E27FC236}">
-                <a16:creationId xmlns:a16="http://schemas.microsoft.com/office/drawing/2014/main" id="{79DAFDD5-E509-4888-A0D9-C4EA4047A2C6}"/>
+          <p:cNvPr id="7" name="圖片 6">
+            <a:extLst>
+              <a:ext uri="{FF2B5EF4-FFF2-40B4-BE49-F238E27FC236}">
+                <a16:creationId xmlns:a16="http://schemas.microsoft.com/office/drawing/2014/main" id="{98A74D17-D6DE-4457-8A2E-6B2A91090676}"/>
               </a:ext>
             </a:extLst>
           </p:cNvPr>
@@ -12572,49 +12607,14 @@
         </p:blipFill>
         <p:spPr>
           <a:xfrm>
-            <a:off x="2354996" y="2216079"/>
-            <a:ext cx="8234592" cy="4090449"/>
+            <a:off x="1969151" y="1919007"/>
+            <a:ext cx="8337521" cy="4718185"/>
           </a:xfrm>
           <a:prstGeom prst="rect">
             <a:avLst/>
           </a:prstGeom>
         </p:spPr>
       </p:pic>
-      <p:sp>
-        <p:nvSpPr>
-          <p:cNvPr id="2" name="文字方塊 1">
-            <a:extLst>
-              <a:ext uri="{FF2B5EF4-FFF2-40B4-BE49-F238E27FC236}">
-                <a16:creationId xmlns:a16="http://schemas.microsoft.com/office/drawing/2014/main" id="{5F30D373-061A-4C17-BA1D-F9A8D2B156F8}"/>
-              </a:ext>
-            </a:extLst>
-          </p:cNvPr>
-          <p:cNvSpPr txBox="1"/>
-          <p:nvPr/>
-        </p:nvSpPr>
-        <p:spPr>
-          <a:xfrm>
-            <a:off x="11484528" y="6493241"/>
-            <a:ext cx="805343" cy="276999"/>
-          </a:xfrm>
-          <a:prstGeom prst="rect">
-            <a:avLst/>
-          </a:prstGeom>
-          <a:noFill/>
-        </p:spPr>
-        <p:txBody>
-          <a:bodyPr wrap="square" rtlCol="0">
-            <a:spAutoFit/>
-          </a:bodyPr>
-          <a:lstStyle/>
-          <a:p>
-            <a:r>
-              <a:rPr lang="en-US" sz="1200" dirty="0"/>
-              <a:t>1</a:t>
-            </a:r>
-          </a:p>
-        </p:txBody>
-      </p:sp>
     </p:spTree>
     <p:extLst>
       <p:ext uri="{BB962C8B-B14F-4D97-AF65-F5344CB8AC3E}">

--- a/Lab/REP.pptx
+++ b/Lab/REP.pptx
@@ -255,7 +255,7 @@
                 <a:ea typeface="Microsoft JhengHei UI" panose="020B0604030504040204" pitchFamily="34" charset="-120"/>
                 <a:sym typeface="Microsoft JhengHei UI" panose="020B0604030504040204" pitchFamily="34" charset="-120"/>
               </a:rPr>
-              <a:t>2021/1/9</a:t>
+              <a:t>2021/1/22</a:t>
             </a:fld>
             <a:endParaRPr lang="en-US" altLang="zh-TW" dirty="0">
               <a:latin typeface="Microsoft JhengHei UI" panose="020B0604030504040204" pitchFamily="34" charset="-120"/>
@@ -464,7 +464,7 @@
             <a:fld id="{AA006804-164C-4CDA-8F38-2D5258C292C6}" type="datetime1">
               <a:rPr lang="zh-TW" altLang="en-US" smtClean="0"/>
               <a:pPr/>
-              <a:t>2021/1/9</a:t>
+              <a:t>2021/1/22</a:t>
             </a:fld>
             <a:endParaRPr lang="zh-TW" altLang="en-US" dirty="0"/>
           </a:p>
@@ -9360,7 +9360,7 @@
         </p:nvSpPr>
         <p:spPr>
           <a:xfrm>
-            <a:off x="5319426" y="3540568"/>
+            <a:off x="5323271" y="3626417"/>
             <a:ext cx="4770946" cy="1602932"/>
           </a:xfrm>
         </p:spPr>
@@ -9485,7 +9485,7 @@
         </p:nvSpPr>
         <p:spPr>
           <a:xfrm>
-            <a:off x="1319067" y="1797784"/>
+            <a:off x="1319067" y="1600367"/>
             <a:ext cx="8775150" cy="1631216"/>
           </a:xfrm>
           <a:prstGeom prst="rect">
@@ -9533,8 +9533,8 @@
         </p:nvSpPr>
         <p:spPr>
           <a:xfrm>
-            <a:off x="658377" y="5966500"/>
-            <a:ext cx="9322099" cy="835033"/>
+            <a:off x="658377" y="5426766"/>
+            <a:ext cx="9322099" cy="1374768"/>
           </a:xfrm>
           <a:prstGeom prst="rect">
             <a:avLst/>
@@ -9720,47 +9720,67 @@
             <a:r>
               <a:rPr lang="en-US" altLang="zh-TW" sz="2200" b="1" i="0" dirty="0">
                 <a:latin typeface="+mn-lt"/>
-              </a:rPr>
-              <a:t>PRJ2020-002  Team Members: </a:t>
-            </a:r>
-            <a:r>
-              <a:rPr lang="zh-TW" altLang="en-US" sz="2200" b="1" i="0" dirty="0">
-                <a:latin typeface="DFKai-SB" panose="03000509000000000000" pitchFamily="65" charset="-120"/>
                 <a:ea typeface="DFKai-SB" panose="03000509000000000000" pitchFamily="65" charset="-120"/>
               </a:rPr>
-              <a:t>李昱廷 郭為軒 曹仲辰 吳岳霖 林裕峰</a:t>
+              <a:t>Lecturer:  </a:t>
+            </a:r>
+            <a:r>
+              <a:rPr lang="en-US" altLang="zh-TW" sz="2200" b="1" i="0" dirty="0" err="1">
+                <a:latin typeface="+mn-lt"/>
+                <a:ea typeface="DFKai-SB" panose="03000509000000000000" pitchFamily="65" charset="-120"/>
+              </a:rPr>
+              <a:t>Quert</a:t>
             </a:r>
             <a:endParaRPr lang="en-US" altLang="zh-TW" sz="2200" b="1" i="0" dirty="0">
-              <a:latin typeface="DFKai-SB" panose="03000509000000000000" pitchFamily="65" charset="-120"/>
+              <a:latin typeface="+mn-lt"/>
               <a:ea typeface="DFKai-SB" panose="03000509000000000000" pitchFamily="65" charset="-120"/>
             </a:endParaRPr>
           </a:p>
           <a:p>
-            <a:r>
-              <a:rPr lang="en-US" altLang="zh-TW" sz="2200" b="1" i="0" dirty="0">
-                <a:latin typeface="DFKai-SB" panose="03000509000000000000" pitchFamily="65" charset="-120"/>
-                <a:ea typeface="DFKai-SB" panose="03000509000000000000" pitchFamily="65" charset="-120"/>
-              </a:rPr>
-              <a:t>	      </a:t>
-            </a:r>
             <a:r>
               <a:rPr lang="en-US" altLang="zh-TW" sz="2200" b="1" i="0" dirty="0">
                 <a:latin typeface="+mn-lt"/>
                 <a:ea typeface="DFKai-SB" panose="03000509000000000000" pitchFamily="65" charset="-120"/>
               </a:rPr>
-              <a:t>Instructor: </a:t>
-            </a:r>
-            <a:r>
-              <a:rPr lang="zh-TW" altLang="en-US" sz="2200" b="1" i="0" dirty="0">
+              <a:t>Producer: </a:t>
+            </a:r>
+            <a:r>
+              <a:rPr lang="en-US" altLang="zh-TW" sz="2200" b="1" i="0" dirty="0" err="1">
                 <a:latin typeface="+mn-lt"/>
                 <a:ea typeface="DFKai-SB" panose="03000509000000000000" pitchFamily="65" charset="-120"/>
               </a:rPr>
-              <a:t>         張炎清 教授</a:t>
-            </a:r>
-            <a:endParaRPr lang="en-US" altLang="zh-TW" sz="2200" b="1" i="0" dirty="0">
-              <a:latin typeface="+mn-lt"/>
-              <a:ea typeface="DFKai-SB" panose="03000509000000000000" pitchFamily="65" charset="-120"/>
-            </a:endParaRPr>
+              <a:t>TechEDU</a:t>
+            </a:r>
+            <a:r>
+              <a:rPr lang="en-US" altLang="zh-TW" sz="2200" b="1" i="0" dirty="0">
+                <a:latin typeface="+mn-lt"/>
+                <a:ea typeface="DFKai-SB" panose="03000509000000000000" pitchFamily="65" charset="-120"/>
+              </a:rPr>
+              <a:t> Studio</a:t>
+            </a:r>
+          </a:p>
+          <a:p>
+            <a:r>
+              <a:rPr lang="en-US" altLang="zh-TW" sz="2200" b="1" i="0" dirty="0">
+                <a:latin typeface="+mn-lt"/>
+                <a:ea typeface="DFKai-SB" panose="03000509000000000000" pitchFamily="65" charset="-120"/>
+              </a:rPr>
+              <a:t>Copyright: </a:t>
+            </a:r>
+            <a:r>
+              <a:rPr lang="en-US" altLang="zh-TW" sz="2200" b="1" i="0" dirty="0" err="1">
+                <a:latin typeface="+mn-lt"/>
+                <a:ea typeface="DFKai-SB" panose="03000509000000000000" pitchFamily="65" charset="-120"/>
+              </a:rPr>
+              <a:t>TechEDU</a:t>
+            </a:r>
+            <a:r>
+              <a:rPr lang="en-US" altLang="zh-TW" sz="2200" b="1" i="0" dirty="0">
+                <a:latin typeface="+mn-lt"/>
+                <a:ea typeface="DFKai-SB" panose="03000509000000000000" pitchFamily="65" charset="-120"/>
+              </a:rPr>
+              <a:t> Studio</a:t>
+            </a:r>
           </a:p>
         </p:txBody>
       </p:sp>
@@ -15279,7 +15299,7 @@
         <p:spPr>
           <a:xfrm>
             <a:off x="1430548" y="2272206"/>
-            <a:ext cx="6236772" cy="461665"/>
+            <a:ext cx="6322693" cy="461665"/>
           </a:xfrm>
           <a:prstGeom prst="rect">
             <a:avLst/>
@@ -15304,18 +15324,11 @@
               <a:t>BERT:  </a:t>
             </a:r>
             <a:r>
-              <a:rPr lang="en-US" sz="2400" dirty="0" err="1">
-                <a:latin typeface="Calibri" panose="020F0502020204030204" pitchFamily="34" charset="0"/>
-                <a:cs typeface="Calibri" panose="020F0502020204030204" pitchFamily="34" charset="0"/>
-              </a:rPr>
-              <a:t>Maskd</a:t>
-            </a:r>
-            <a:r>
               <a:rPr lang="en-US" sz="2400" dirty="0">
                 <a:latin typeface="Calibri" panose="020F0502020204030204" pitchFamily="34" charset="0"/>
                 <a:cs typeface="Calibri" panose="020F0502020204030204" pitchFamily="34" charset="0"/>
               </a:rPr>
-              <a:t> LM &amp; Next Sentence Prediction</a:t>
+              <a:t>Masked LM &amp; Next Sentence Prediction</a:t>
             </a:r>
           </a:p>
         </p:txBody>
